--- a/DP G7 first review.pptx
+++ b/DP G7 first review.pptx
@@ -5,7 +5,7 @@
     <p:sldMasterId id="2147483648" r:id="rId1"/>
   </p:sldMasterIdLst>
   <p:notesMasterIdLst>
-    <p:notesMasterId r:id="rId30"/>
+    <p:notesMasterId r:id="rId29"/>
   </p:notesMasterIdLst>
   <p:sldIdLst>
     <p:sldId id="257" r:id="rId2"/>
@@ -18,38 +18,37 @@
     <p:sldId id="265" r:id="rId9"/>
     <p:sldId id="278" r:id="rId10"/>
     <p:sldId id="272" r:id="rId11"/>
-    <p:sldId id="273" r:id="rId12"/>
-    <p:sldId id="268" r:id="rId13"/>
-    <p:sldId id="269" r:id="rId14"/>
-    <p:sldId id="267" r:id="rId15"/>
-    <p:sldId id="266" r:id="rId16"/>
-    <p:sldId id="270" r:id="rId17"/>
-    <p:sldId id="271" r:id="rId18"/>
-    <p:sldId id="274" r:id="rId19"/>
-    <p:sldId id="279" r:id="rId20"/>
-    <p:sldId id="280" r:id="rId21"/>
-    <p:sldId id="275" r:id="rId22"/>
-    <p:sldId id="281" r:id="rId23"/>
-    <p:sldId id="283" r:id="rId24"/>
-    <p:sldId id="284" r:id="rId25"/>
-    <p:sldId id="282" r:id="rId26"/>
-    <p:sldId id="276" r:id="rId27"/>
-    <p:sldId id="277" r:id="rId28"/>
-    <p:sldId id="261" r:id="rId29"/>
+    <p:sldId id="268" r:id="rId12"/>
+    <p:sldId id="269" r:id="rId13"/>
+    <p:sldId id="266" r:id="rId14"/>
+    <p:sldId id="270" r:id="rId15"/>
+    <p:sldId id="286" r:id="rId16"/>
+    <p:sldId id="274" r:id="rId17"/>
+    <p:sldId id="279" r:id="rId18"/>
+    <p:sldId id="285" r:id="rId19"/>
+    <p:sldId id="280" r:id="rId20"/>
+    <p:sldId id="275" r:id="rId21"/>
+    <p:sldId id="281" r:id="rId22"/>
+    <p:sldId id="283" r:id="rId23"/>
+    <p:sldId id="284" r:id="rId24"/>
+    <p:sldId id="282" r:id="rId25"/>
+    <p:sldId id="276" r:id="rId26"/>
+    <p:sldId id="277" r:id="rId27"/>
+    <p:sldId id="261" r:id="rId28"/>
   </p:sldIdLst>
   <p:sldSz cx="9144000" cy="6858000" type="screen4x3"/>
   <p:notesSz cx="6858000" cy="9144000"/>
   <p:embeddedFontLst>
     <p:embeddedFont>
       <p:font typeface="Arial Black" panose="020B0A04020102020204" pitchFamily="34" charset="0"/>
-      <p:bold r:id="rId31"/>
+      <p:bold r:id="rId30"/>
     </p:embeddedFont>
     <p:embeddedFont>
       <p:font typeface="Calibri" panose="020F0502020204030204" pitchFamily="34" charset="0"/>
-      <p:regular r:id="rId32"/>
-      <p:bold r:id="rId33"/>
-      <p:italic r:id="rId34"/>
-      <p:boldItalic r:id="rId35"/>
+      <p:regular r:id="rId31"/>
+      <p:bold r:id="rId32"/>
+      <p:italic r:id="rId33"/>
+      <p:boldItalic r:id="rId34"/>
     </p:embeddedFont>
   </p:embeddedFontLst>
   <p:defaultTextStyle>
@@ -1774,7 +1773,7 @@
                 <a:buFont typeface="Times New Roman"/>
                 <a:buNone/>
               </a:pPr>
-              <a:t>14</a:t>
+              <a:t>13</a:t>
             </a:fld>
             <a:endParaRPr sz="1200" b="0" i="0" u="none">
               <a:solidFill>
@@ -1857,7 +1856,7 @@
                 <a:buFont typeface="Times New Roman"/>
                 <a:buNone/>
               </a:pPr>
-              <a:t>14</a:t>
+              <a:t>13</a:t>
             </a:fld>
             <a:endParaRPr sz="1200" b="0" i="0" u="none">
               <a:solidFill>
@@ -1940,7 +1939,7 @@
                 <a:buFont typeface="Times New Roman"/>
                 <a:buNone/>
               </a:pPr>
-              <a:t>14</a:t>
+              <a:t>13</a:t>
             </a:fld>
             <a:endParaRPr sz="1200" b="0" i="0" u="none">
               <a:solidFill>
@@ -2023,7 +2022,7 @@
                 <a:buFont typeface="Times New Roman"/>
                 <a:buNone/>
               </a:pPr>
-              <a:t>14</a:t>
+              <a:t>13</a:t>
             </a:fld>
             <a:endParaRPr sz="1200" b="0" i="0" u="none">
               <a:solidFill>
@@ -2133,7 +2132,7 @@
     </p:spTree>
     <p:extLst>
       <p:ext uri="{BB962C8B-B14F-4D97-AF65-F5344CB8AC3E}">
-        <p14:creationId xmlns:p14="http://schemas.microsoft.com/office/powerpoint/2010/main" val="2648359039"/>
+        <p14:creationId xmlns:p14="http://schemas.microsoft.com/office/powerpoint/2010/main" val="2610381427"/>
       </p:ext>
     </p:extLst>
   </p:cSld>
@@ -2144,461 +2143,6 @@
 </file>
 
 <file path=ppt/notesSlides/notesSlide11.xml><?xml version="1.0" encoding="utf-8"?>
-<p:notes xmlns:a="http://schemas.openxmlformats.org/drawingml/2006/main" xmlns:r="http://schemas.openxmlformats.org/officeDocument/2006/relationships" xmlns:p="http://schemas.openxmlformats.org/presentationml/2006/main" showMasterSp="0" showMasterPhAnim="0">
-  <p:cSld>
-    <p:spTree>
-      <p:nvGrpSpPr>
-        <p:cNvPr id="1" name="Shape 109"/>
-        <p:cNvGrpSpPr/>
-        <p:nvPr/>
-      </p:nvGrpSpPr>
-      <p:grpSpPr>
-        <a:xfrm>
-          <a:off x="0" y="0"/>
-          <a:ext cx="0" cy="0"/>
-          <a:chOff x="0" y="0"/>
-          <a:chExt cx="0" cy="0"/>
-        </a:xfrm>
-      </p:grpSpPr>
-      <p:sp>
-        <p:nvSpPr>
-          <p:cNvPr id="1048618" name="Google Shape;110;p4:notes"/>
-          <p:cNvSpPr txBox="1"/>
-          <p:nvPr/>
-        </p:nvSpPr>
-        <p:spPr>
-          <a:xfrm>
-            <a:off x="3884612" y="8685212"/>
-            <a:ext cx="2971800" cy="457200"/>
-          </a:xfrm>
-          <a:prstGeom prst="rect">
-            <a:avLst/>
-          </a:prstGeom>
-          <a:noFill/>
-          <a:ln>
-            <a:noFill/>
-          </a:ln>
-        </p:spPr>
-        <p:txBody>
-          <a:bodyPr spcFirstLastPara="1" wrap="square" lIns="90000" tIns="46800" rIns="90000" bIns="46800" anchor="b" anchorCtr="0">
-            <a:noAutofit/>
-          </a:bodyPr>
-          <a:lstStyle/>
-          <a:p>
-            <a:pPr marL="0" marR="0" lvl="0" indent="0" algn="r" rtl="0">
-              <a:lnSpc>
-                <a:spcPct val="100000"/>
-              </a:lnSpc>
-              <a:spcBef>
-                <a:spcPts val="0"/>
-              </a:spcBef>
-              <a:spcAft>
-                <a:spcPts val="0"/>
-              </a:spcAft>
-              <a:buClr>
-                <a:srgbClr val="000000"/>
-              </a:buClr>
-              <a:buSzPts val="1200"/>
-              <a:buFont typeface="Times New Roman"/>
-              <a:buNone/>
-            </a:pPr>
-            <a:fld id="{00000000-1234-1234-1234-123412341234}" type="slidenum">
-              <a:rPr lang="en-US" sz="1200" b="0" i="0" u="none">
-                <a:solidFill>
-                  <a:srgbClr val="000000"/>
-                </a:solidFill>
-                <a:latin typeface="Times New Roman"/>
-                <a:ea typeface="Times New Roman"/>
-                <a:cs typeface="Times New Roman"/>
-                <a:sym typeface="Times New Roman"/>
-              </a:rPr>
-              <a:pPr marL="0" marR="0" lvl="0" indent="0" algn="r" rtl="0">
-                <a:lnSpc>
-                  <a:spcPct val="100000"/>
-                </a:lnSpc>
-                <a:spcBef>
-                  <a:spcPts val="0"/>
-                </a:spcBef>
-                <a:spcAft>
-                  <a:spcPts val="0"/>
-                </a:spcAft>
-                <a:buClr>
-                  <a:srgbClr val="000000"/>
-                </a:buClr>
-                <a:buSzPts val="1200"/>
-                <a:buFont typeface="Times New Roman"/>
-                <a:buNone/>
-              </a:pPr>
-              <a:t>15</a:t>
-            </a:fld>
-            <a:endParaRPr sz="1200" b="0" i="0" u="none">
-              <a:solidFill>
-                <a:srgbClr val="000000"/>
-              </a:solidFill>
-              <a:latin typeface="Times New Roman"/>
-              <a:ea typeface="Times New Roman"/>
-              <a:cs typeface="Times New Roman"/>
-              <a:sym typeface="Times New Roman"/>
-            </a:endParaRPr>
-          </a:p>
-        </p:txBody>
-      </p:sp>
-      <p:sp>
-        <p:nvSpPr>
-          <p:cNvPr id="1048619" name="Google Shape;111;p4:notes"/>
-          <p:cNvSpPr txBox="1"/>
-          <p:nvPr/>
-        </p:nvSpPr>
-        <p:spPr>
-          <a:xfrm>
-            <a:off x="0" y="0"/>
-            <a:ext cx="1587" cy="1587"/>
-          </a:xfrm>
-          <a:prstGeom prst="rect">
-            <a:avLst/>
-          </a:prstGeom>
-          <a:noFill/>
-          <a:ln>
-            <a:noFill/>
-          </a:ln>
-        </p:spPr>
-        <p:txBody>
-          <a:bodyPr spcFirstLastPara="1" wrap="square" lIns="78825" tIns="39600" rIns="78825" bIns="39600" anchor="t" anchorCtr="0">
-            <a:noAutofit/>
-          </a:bodyPr>
-          <a:lstStyle/>
-          <a:p>
-            <a:pPr marL="0" marR="0" lvl="0" indent="0" algn="l" rtl="0">
-              <a:lnSpc>
-                <a:spcPct val="100000"/>
-              </a:lnSpc>
-              <a:spcBef>
-                <a:spcPts val="0"/>
-              </a:spcBef>
-              <a:spcAft>
-                <a:spcPts val="0"/>
-              </a:spcAft>
-              <a:buClr>
-                <a:srgbClr val="000000"/>
-              </a:buClr>
-              <a:buSzPts val="1200"/>
-              <a:buFont typeface="Times New Roman"/>
-              <a:buNone/>
-            </a:pPr>
-            <a:fld id="{00000000-1234-1234-1234-123412341234}" type="slidenum">
-              <a:rPr lang="en-US" sz="1200" b="0" i="0" u="none">
-                <a:solidFill>
-                  <a:srgbClr val="FFFFFF"/>
-                </a:solidFill>
-                <a:latin typeface="Calibri"/>
-                <a:ea typeface="Calibri"/>
-                <a:cs typeface="Calibri"/>
-                <a:sym typeface="Calibri"/>
-              </a:rPr>
-              <a:pPr marL="0" marR="0" lvl="0" indent="0" algn="l" rtl="0">
-                <a:lnSpc>
-                  <a:spcPct val="100000"/>
-                </a:lnSpc>
-                <a:spcBef>
-                  <a:spcPts val="0"/>
-                </a:spcBef>
-                <a:spcAft>
-                  <a:spcPts val="0"/>
-                </a:spcAft>
-                <a:buClr>
-                  <a:srgbClr val="000000"/>
-                </a:buClr>
-                <a:buSzPts val="1200"/>
-                <a:buFont typeface="Times New Roman"/>
-                <a:buNone/>
-              </a:pPr>
-              <a:t>15</a:t>
-            </a:fld>
-            <a:endParaRPr sz="1200" b="0" i="0" u="none">
-              <a:solidFill>
-                <a:srgbClr val="FFFFFF"/>
-              </a:solidFill>
-              <a:latin typeface="Calibri"/>
-              <a:ea typeface="Calibri"/>
-              <a:cs typeface="Calibri"/>
-              <a:sym typeface="Calibri"/>
-            </a:endParaRPr>
-          </a:p>
-        </p:txBody>
-      </p:sp>
-      <p:sp>
-        <p:nvSpPr>
-          <p:cNvPr id="1048620" name="Google Shape;112;p4:notes"/>
-          <p:cNvSpPr/>
-          <p:nvPr/>
-        </p:nvSpPr>
-        <p:spPr>
-          <a:xfrm>
-            <a:off x="3881437" y="8685212"/>
-            <a:ext cx="2968625" cy="450850"/>
-          </a:xfrm>
-          <a:prstGeom prst="rect">
-            <a:avLst/>
-          </a:prstGeom>
-          <a:noFill/>
-          <a:ln>
-            <a:noFill/>
-          </a:ln>
-        </p:spPr>
-        <p:txBody>
-          <a:bodyPr spcFirstLastPara="1" wrap="square" lIns="0" tIns="0" rIns="0" bIns="0" anchor="b" anchorCtr="0">
-            <a:noAutofit/>
-          </a:bodyPr>
-          <a:lstStyle/>
-          <a:p>
-            <a:pPr marL="0" marR="0" lvl="0" indent="0" algn="r" rtl="0">
-              <a:lnSpc>
-                <a:spcPct val="100000"/>
-              </a:lnSpc>
-              <a:spcBef>
-                <a:spcPts val="0"/>
-              </a:spcBef>
-              <a:spcAft>
-                <a:spcPts val="0"/>
-              </a:spcAft>
-              <a:buClr>
-                <a:srgbClr val="000000"/>
-              </a:buClr>
-              <a:buSzPts val="1200"/>
-              <a:buFont typeface="Times New Roman"/>
-              <a:buNone/>
-            </a:pPr>
-            <a:fld id="{00000000-1234-1234-1234-123412341234}" type="slidenum">
-              <a:rPr lang="en-US" sz="1200" b="0" i="0" u="none">
-                <a:solidFill>
-                  <a:srgbClr val="000000"/>
-                </a:solidFill>
-                <a:latin typeface="Times New Roman"/>
-                <a:ea typeface="Times New Roman"/>
-                <a:cs typeface="Times New Roman"/>
-                <a:sym typeface="Times New Roman"/>
-              </a:rPr>
-              <a:pPr marL="0" marR="0" lvl="0" indent="0" algn="r" rtl="0">
-                <a:lnSpc>
-                  <a:spcPct val="100000"/>
-                </a:lnSpc>
-                <a:spcBef>
-                  <a:spcPts val="0"/>
-                </a:spcBef>
-                <a:spcAft>
-                  <a:spcPts val="0"/>
-                </a:spcAft>
-                <a:buClr>
-                  <a:srgbClr val="000000"/>
-                </a:buClr>
-                <a:buSzPts val="1200"/>
-                <a:buFont typeface="Times New Roman"/>
-                <a:buNone/>
-              </a:pPr>
-              <a:t>15</a:t>
-            </a:fld>
-            <a:endParaRPr sz="1200" b="0" i="0" u="none">
-              <a:solidFill>
-                <a:srgbClr val="000000"/>
-              </a:solidFill>
-              <a:latin typeface="Times New Roman"/>
-              <a:ea typeface="Times New Roman"/>
-              <a:cs typeface="Times New Roman"/>
-              <a:sym typeface="Times New Roman"/>
-            </a:endParaRPr>
-          </a:p>
-        </p:txBody>
-      </p:sp>
-      <p:sp>
-        <p:nvSpPr>
-          <p:cNvPr id="1048621" name="Google Shape;113;p4:notes"/>
-          <p:cNvSpPr/>
-          <p:nvPr/>
-        </p:nvSpPr>
-        <p:spPr>
-          <a:xfrm>
-            <a:off x="3881437" y="8685212"/>
-            <a:ext cx="2970212" cy="452437"/>
-          </a:xfrm>
-          <a:prstGeom prst="rect">
-            <a:avLst/>
-          </a:prstGeom>
-          <a:noFill/>
-          <a:ln>
-            <a:noFill/>
-          </a:ln>
-        </p:spPr>
-        <p:txBody>
-          <a:bodyPr spcFirstLastPara="1" wrap="square" lIns="0" tIns="0" rIns="0" bIns="0" anchor="b" anchorCtr="0">
-            <a:noAutofit/>
-          </a:bodyPr>
-          <a:lstStyle/>
-          <a:p>
-            <a:pPr marL="0" marR="0" lvl="0" indent="0" algn="r" rtl="0">
-              <a:lnSpc>
-                <a:spcPct val="100000"/>
-              </a:lnSpc>
-              <a:spcBef>
-                <a:spcPts val="0"/>
-              </a:spcBef>
-              <a:spcAft>
-                <a:spcPts val="0"/>
-              </a:spcAft>
-              <a:buClr>
-                <a:srgbClr val="000000"/>
-              </a:buClr>
-              <a:buSzPts val="1200"/>
-              <a:buFont typeface="Times New Roman"/>
-              <a:buNone/>
-            </a:pPr>
-            <a:fld id="{00000000-1234-1234-1234-123412341234}" type="slidenum">
-              <a:rPr lang="en-US" sz="1200" b="0" i="0" u="none">
-                <a:solidFill>
-                  <a:srgbClr val="000000"/>
-                </a:solidFill>
-                <a:latin typeface="Times New Roman"/>
-                <a:ea typeface="Times New Roman"/>
-                <a:cs typeface="Times New Roman"/>
-                <a:sym typeface="Times New Roman"/>
-              </a:rPr>
-              <a:pPr marL="0" marR="0" lvl="0" indent="0" algn="r" rtl="0">
-                <a:lnSpc>
-                  <a:spcPct val="100000"/>
-                </a:lnSpc>
-                <a:spcBef>
-                  <a:spcPts val="0"/>
-                </a:spcBef>
-                <a:spcAft>
-                  <a:spcPts val="0"/>
-                </a:spcAft>
-                <a:buClr>
-                  <a:srgbClr val="000000"/>
-                </a:buClr>
-                <a:buSzPts val="1200"/>
-                <a:buFont typeface="Times New Roman"/>
-                <a:buNone/>
-              </a:pPr>
-              <a:t>15</a:t>
-            </a:fld>
-            <a:endParaRPr sz="1200" b="0" i="0" u="none">
-              <a:solidFill>
-                <a:srgbClr val="000000"/>
-              </a:solidFill>
-              <a:latin typeface="Times New Roman"/>
-              <a:ea typeface="Times New Roman"/>
-              <a:cs typeface="Times New Roman"/>
-              <a:sym typeface="Times New Roman"/>
-            </a:endParaRPr>
-          </a:p>
-        </p:txBody>
-      </p:sp>
-      <p:sp>
-        <p:nvSpPr>
-          <p:cNvPr id="1048622" name="Google Shape;114;p4:notes"/>
-          <p:cNvSpPr>
-            <a:spLocks noGrp="1" noRot="1" noChangeAspect="1"/>
-          </p:cNvSpPr>
-          <p:nvPr>
-            <p:ph type="sldImg" idx="2"/>
-          </p:nvPr>
-        </p:nvSpPr>
-        <p:spPr>
-          <a:xfrm>
-            <a:off x="1143000" y="695325"/>
-            <a:ext cx="4570413" cy="3427413"/>
-          </a:xfrm>
-          <a:custGeom>
-            <a:avLst/>
-            <a:gdLst/>
-            <a:ahLst/>
-            <a:cxnLst/>
-            <a:rect l="l" t="t" r="r" b="b"/>
-            <a:pathLst>
-              <a:path w="120000" h="120000" extrusionOk="0">
-                <a:moveTo>
-                  <a:pt x="0" y="0"/>
-                </a:moveTo>
-                <a:lnTo>
-                  <a:pt x="120000" y="0"/>
-                </a:lnTo>
-                <a:lnTo>
-                  <a:pt x="120000" y="120000"/>
-                </a:lnTo>
-                <a:lnTo>
-                  <a:pt x="0" y="120000"/>
-                </a:lnTo>
-                <a:close/>
-              </a:path>
-            </a:pathLst>
-          </a:custGeom>
-          <a:noFill/>
-          <a:ln w="12600" cap="sq" cmpd="sng">
-            <a:solidFill>
-              <a:srgbClr val="000000"/>
-            </a:solidFill>
-            <a:prstDash val="solid"/>
-            <a:miter lim="8000"/>
-            <a:headEnd type="none" w="sm" len="sm"/>
-            <a:tailEnd type="none" w="sm" len="sm"/>
-          </a:ln>
-        </p:spPr>
-      </p:sp>
-      <p:sp>
-        <p:nvSpPr>
-          <p:cNvPr id="1048623" name="Google Shape;115;p4:notes"/>
-          <p:cNvSpPr txBox="1">
-            <a:spLocks noGrp="1"/>
-          </p:cNvSpPr>
-          <p:nvPr>
-            <p:ph type="body" idx="1"/>
-          </p:nvPr>
-        </p:nvSpPr>
-        <p:spPr>
-          <a:xfrm>
-            <a:off x="685800" y="4343400"/>
-            <a:ext cx="5486400" cy="4114800"/>
-          </a:xfrm>
-          <a:prstGeom prst="rect">
-            <a:avLst/>
-          </a:prstGeom>
-          <a:noFill/>
-          <a:ln>
-            <a:noFill/>
-          </a:ln>
-        </p:spPr>
-        <p:txBody>
-          <a:bodyPr spcFirstLastPara="1" wrap="square" lIns="91425" tIns="45700" rIns="91425" bIns="45700" anchor="ctr" anchorCtr="0">
-            <a:noAutofit/>
-          </a:bodyPr>
-          <a:lstStyle/>
-          <a:p>
-            <a:pPr marL="0" lvl="0" indent="0" algn="l" rtl="0">
-              <a:spcBef>
-                <a:spcPts val="0"/>
-              </a:spcBef>
-              <a:spcAft>
-                <a:spcPts val="0"/>
-              </a:spcAft>
-              <a:buNone/>
-            </a:pPr>
-            <a:endParaRPr/>
-          </a:p>
-        </p:txBody>
-      </p:sp>
-    </p:spTree>
-    <p:extLst>
-      <p:ext uri="{BB962C8B-B14F-4D97-AF65-F5344CB8AC3E}">
-        <p14:creationId xmlns:p14="http://schemas.microsoft.com/office/powerpoint/2010/main" val="2610381427"/>
-      </p:ext>
-    </p:extLst>
-  </p:cSld>
-  <p:clrMapOvr>
-    <a:masterClrMapping/>
-  </p:clrMapOvr>
-</p:notes>
-</file>
-
-<file path=ppt/notesSlides/notesSlide12.xml><?xml version="1.0" encoding="utf-8"?>
 <p:notes xmlns:a="http://schemas.openxmlformats.org/drawingml/2006/main" xmlns:r="http://schemas.openxmlformats.org/officeDocument/2006/relationships" xmlns:p="http://schemas.openxmlformats.org/presentationml/2006/main" showMasterSp="0" showMasterPhAnim="0">
   <p:cSld>
     <p:spTree>
@@ -5328,7 +4872,7 @@
                 <a:buFont typeface="Times New Roman"/>
                 <a:buNone/>
               </a:pPr>
-              <a:t>12</a:t>
+              <a:t>11</a:t>
             </a:fld>
             <a:endParaRPr sz="1200" b="0" i="0" u="none">
               <a:solidFill>
@@ -5411,7 +4955,7 @@
                 <a:buFont typeface="Times New Roman"/>
                 <a:buNone/>
               </a:pPr>
-              <a:t>12</a:t>
+              <a:t>11</a:t>
             </a:fld>
             <a:endParaRPr sz="1200" b="0" i="0" u="none">
               <a:solidFill>
@@ -5494,7 +5038,7 @@
                 <a:buFont typeface="Times New Roman"/>
                 <a:buNone/>
               </a:pPr>
-              <a:t>12</a:t>
+              <a:t>11</a:t>
             </a:fld>
             <a:endParaRPr sz="1200" b="0" i="0" u="none">
               <a:solidFill>
@@ -5577,7 +5121,7 @@
                 <a:buFont typeface="Times New Roman"/>
                 <a:buNone/>
               </a:pPr>
-              <a:t>12</a:t>
+              <a:t>11</a:t>
             </a:fld>
             <a:endParaRPr sz="1200" b="0" i="0" u="none">
               <a:solidFill>
@@ -16883,10 +16427,29 @@
             </a:r>
           </a:p>
           <a:p>
+            <a:r>
+              <a:rPr lang="en-GB" sz="2800" b="1" dirty="0">
+                <a:latin typeface="Times New Roman" pitchFamily="18" charset="0"/>
+                <a:cs typeface="Times New Roman" pitchFamily="18" charset="0"/>
+              </a:rPr>
+              <a:t>Disadvantage:</a:t>
+            </a:r>
+          </a:p>
+          <a:p>
             <a:pPr marL="742950" indent="-514350">
               <a:buFont typeface="+mj-lt"/>
               <a:buAutoNum type="arabicPeriod"/>
             </a:pPr>
+            <a:r>
+              <a:rPr lang="en-GB" sz="2800" dirty="0">
+                <a:latin typeface="Times New Roman" pitchFamily="18" charset="0"/>
+                <a:cs typeface="Times New Roman" pitchFamily="18" charset="0"/>
+              </a:rPr>
+              <a:t>Presence of  undesired black and white blobs</a:t>
+            </a:r>
+          </a:p>
+          <a:p>
+            <a:pPr marL="228600" indent="0"/>
             <a:endParaRPr lang="en-GB" sz="2800" b="1" dirty="0">
               <a:latin typeface="Times New Roman" pitchFamily="18" charset="0"/>
               <a:cs typeface="Times New Roman" pitchFamily="18" charset="0"/>
@@ -16948,138 +16511,6 @@
 <file path=ppt/slides/slide11.xml><?xml version="1.0" encoding="utf-8"?>
 <p:sld xmlns:a="http://schemas.openxmlformats.org/drawingml/2006/main" xmlns:r="http://schemas.openxmlformats.org/officeDocument/2006/relationships" xmlns:p="http://schemas.openxmlformats.org/presentationml/2006/main">
   <p:cSld>
-    <p:spTree>
-      <p:nvGrpSpPr>
-        <p:cNvPr id="1" name=""/>
-        <p:cNvGrpSpPr/>
-        <p:nvPr/>
-      </p:nvGrpSpPr>
-      <p:grpSpPr>
-        <a:xfrm>
-          <a:off x="0" y="0"/>
-          <a:ext cx="0" cy="0"/>
-          <a:chOff x="0" y="0"/>
-          <a:chExt cx="0" cy="0"/>
-        </a:xfrm>
-      </p:grpSpPr>
-      <p:sp>
-        <p:nvSpPr>
-          <p:cNvPr id="2" name="Title 1"/>
-          <p:cNvSpPr>
-            <a:spLocks noGrp="1"/>
-          </p:cNvSpPr>
-          <p:nvPr>
-            <p:ph type="title"/>
-          </p:nvPr>
-        </p:nvSpPr>
-        <p:spPr/>
-        <p:txBody>
-          <a:bodyPr/>
-          <a:lstStyle/>
-          <a:p>
-            <a:endParaRPr lang="en-GB" dirty="0"/>
-          </a:p>
-        </p:txBody>
-      </p:sp>
-      <p:sp>
-        <p:nvSpPr>
-          <p:cNvPr id="3" name="Text Placeholder 2"/>
-          <p:cNvSpPr>
-            <a:spLocks noGrp="1"/>
-          </p:cNvSpPr>
-          <p:nvPr>
-            <p:ph type="body" idx="1"/>
-          </p:nvPr>
-        </p:nvSpPr>
-        <p:spPr/>
-        <p:txBody>
-          <a:bodyPr/>
-          <a:lstStyle/>
-          <a:p>
-            <a:r>
-              <a:rPr lang="en-GB" sz="2800" b="1" dirty="0" smtClean="0">
-                <a:latin typeface="Times New Roman" pitchFamily="18" charset="0"/>
-                <a:cs typeface="Times New Roman" pitchFamily="18" charset="0"/>
-              </a:rPr>
-              <a:t>Disadvantage:</a:t>
-            </a:r>
-          </a:p>
-          <a:p>
-            <a:pPr marL="742950" indent="-514350">
-              <a:buFont typeface="+mj-lt"/>
-              <a:buAutoNum type="arabicPeriod"/>
-            </a:pPr>
-            <a:r>
-              <a:rPr lang="en-GB" sz="2800" dirty="0" smtClean="0">
-                <a:latin typeface="Times New Roman" pitchFamily="18" charset="0"/>
-                <a:cs typeface="Times New Roman" pitchFamily="18" charset="0"/>
-              </a:rPr>
-              <a:t>Presence of  undesired black and white blobs</a:t>
-            </a:r>
-          </a:p>
-          <a:p>
-            <a:pPr marL="228600" indent="0"/>
-            <a:endParaRPr lang="en-GB" sz="2800" b="1" dirty="0">
-              <a:latin typeface="Times New Roman" pitchFamily="18" charset="0"/>
-              <a:cs typeface="Times New Roman" pitchFamily="18" charset="0"/>
-            </a:endParaRPr>
-          </a:p>
-        </p:txBody>
-      </p:sp>
-      <p:pic>
-        <p:nvPicPr>
-          <p:cNvPr id="4" name="Google Shape;127;p16"/>
-          <p:cNvPicPr preferRelativeResize="0">
-            <a:picLocks/>
-          </p:cNvPicPr>
-          <p:nvPr/>
-        </p:nvPicPr>
-        <p:blipFill rotWithShape="1">
-          <a:blip r:embed="rId2">
-            <a:alphaModFix/>
-          </a:blip>
-          <a:srcRect/>
-          <a:stretch>
-            <a:fillRect/>
-          </a:stretch>
-        </p:blipFill>
-        <p:spPr>
-          <a:xfrm>
-            <a:off x="0" y="-117700"/>
-            <a:ext cx="9144000" cy="1600200"/>
-          </a:xfrm>
-          <a:prstGeom prst="rect">
-            <a:avLst/>
-          </a:prstGeom>
-          <a:noFill/>
-          <a:ln>
-            <a:noFill/>
-          </a:ln>
-        </p:spPr>
-      </p:pic>
-    </p:spTree>
-    <p:extLst>
-      <p:ext uri="{BB962C8B-B14F-4D97-AF65-F5344CB8AC3E}">
-        <p14:creationId xmlns:p14="http://schemas.microsoft.com/office/powerpoint/2010/main" val="1471060676"/>
-      </p:ext>
-    </p:extLst>
-  </p:cSld>
-  <p:clrMapOvr>
-    <a:masterClrMapping/>
-  </p:clrMapOvr>
-  <p:timing>
-    <p:tnLst>
-      <p:par>
-        <p:cTn id="1" dur="indefinite" restart="never" nodeType="tmRoot"/>
-      </p:par>
-    </p:tnLst>
-  </p:timing>
-</p:sld>
-</file>
-
-<file path=ppt/slides/slide12.xml><?xml version="1.0" encoding="utf-8"?>
-<p:sld xmlns:a="http://schemas.openxmlformats.org/drawingml/2006/main" xmlns:r="http://schemas.openxmlformats.org/officeDocument/2006/relationships" xmlns:p="http://schemas.openxmlformats.org/presentationml/2006/main">
-  <p:cSld>
     <p:bg>
       <p:bgPr>
         <a:solidFill>
@@ -17481,7 +16912,7 @@
                 <a:buFont typeface="Times New Roman"/>
                 <a:buNone/>
               </a:pPr>
-              <a:t>12</a:t>
+              <a:t>11</a:t>
             </a:fld>
             <a:endParaRPr sz="1200" b="0" i="0" u="none" dirty="0">
               <a:solidFill>
@@ -17619,7 +17050,7 @@
             <a:r>
               <a:rPr lang="en-IN" sz="3200" b="1" dirty="0" smtClean="0">
                 <a:solidFill>
-                  <a:schemeClr val="tx1"/>
+                  <a:srgbClr val="FF0000"/>
                 </a:solidFill>
                 <a:latin typeface="Times New Roman" pitchFamily="18" charset="0"/>
                 <a:cs typeface="Times New Roman" pitchFamily="18" charset="0"/>
@@ -17628,7 +17059,7 @@
             </a:r>
             <a:endParaRPr lang="en-IN" sz="3200" b="1" dirty="0">
               <a:solidFill>
-                <a:schemeClr val="tx1"/>
+                <a:srgbClr val="FF0000"/>
               </a:solidFill>
               <a:latin typeface="Times New Roman" pitchFamily="18" charset="0"/>
               <a:cs typeface="Times New Roman" pitchFamily="18" charset="0"/>
@@ -17658,7 +17089,7 @@
           <a:p>
             <a:pPr marL="228600" indent="0"/>
             <a:r>
-              <a:rPr lang="en-IN" sz="2800" b="1" dirty="0" smtClean="0">
+              <a:rPr lang="en-IN" sz="2400" b="1" dirty="0" smtClean="0">
                 <a:solidFill>
                   <a:schemeClr val="tx1"/>
                 </a:solidFill>
@@ -17674,7 +17105,7 @@
               <a:buAutoNum type="arabicPeriod"/>
             </a:pPr>
             <a:r>
-              <a:rPr lang="en-IN" sz="2400" b="1" dirty="0" smtClean="0">
+              <a:rPr lang="en-IN" sz="2360" b="1" dirty="0" smtClean="0">
                 <a:solidFill>
                   <a:schemeClr val="tx1"/>
                 </a:solidFill>
@@ -17684,34 +17115,34 @@
               <a:t>Image processing</a:t>
             </a:r>
             <a:r>
-              <a:rPr lang="en-IN" sz="2400" dirty="0" smtClean="0">
+              <a:rPr lang="en-IN" sz="2360" dirty="0" smtClean="0">
                 <a:solidFill>
                   <a:schemeClr val="tx1"/>
                 </a:solidFill>
                 <a:latin typeface="Times New Roman" pitchFamily="18" charset="0"/>
                 <a:cs typeface="Times New Roman" pitchFamily="18" charset="0"/>
               </a:rPr>
-              <a:t>: Pre-processing of picture is performed using </a:t>
-            </a:r>
-            <a:r>
-              <a:rPr lang="en-IN" sz="2400" dirty="0" err="1" smtClean="0">
+              <a:t>: Pre-processing of picture is performed using grayscale</a:t>
+            </a:r>
+            <a:r>
+              <a:rPr lang="en-IN" sz="2360" dirty="0" smtClean="0">
                 <a:solidFill>
                   <a:schemeClr val="tx1"/>
                 </a:solidFill>
                 <a:latin typeface="Times New Roman" pitchFamily="18" charset="0"/>
                 <a:cs typeface="Times New Roman" pitchFamily="18" charset="0"/>
               </a:rPr>
-              <a:t>grayscale,obscure,edge</a:t>
-            </a:r>
-            <a:r>
-              <a:rPr lang="en-IN" sz="2400" dirty="0" smtClean="0">
+              <a:t>, obscure, edge </a:t>
+            </a:r>
+            <a:r>
+              <a:rPr lang="en-IN" sz="2360" dirty="0" smtClean="0">
                 <a:solidFill>
                   <a:schemeClr val="tx1"/>
                 </a:solidFill>
                 <a:latin typeface="Times New Roman" pitchFamily="18" charset="0"/>
                 <a:cs typeface="Times New Roman" pitchFamily="18" charset="0"/>
               </a:rPr>
-              <a:t> and diminishing of the picture</a:t>
+              <a:t>and diminishing of the picture</a:t>
             </a:r>
           </a:p>
           <a:p>
@@ -17720,7 +17151,7 @@
               <a:buAutoNum type="arabicPeriod"/>
             </a:pPr>
             <a:r>
-              <a:rPr lang="en-IN" sz="2400" b="1" dirty="0" smtClean="0">
+              <a:rPr lang="en-IN" sz="2360" b="1" dirty="0" smtClean="0">
                 <a:solidFill>
                   <a:schemeClr val="tx1"/>
                 </a:solidFill>
@@ -17730,45 +17161,40 @@
               <a:t>Training</a:t>
             </a:r>
             <a:r>
-              <a:rPr lang="en-IN" sz="2400" dirty="0" smtClean="0">
+              <a:rPr lang="en-IN" sz="2360" dirty="0" smtClean="0">
                 <a:solidFill>
                   <a:schemeClr val="tx1"/>
                 </a:solidFill>
                 <a:latin typeface="Times New Roman" pitchFamily="18" charset="0"/>
                 <a:cs typeface="Times New Roman" pitchFamily="18" charset="0"/>
               </a:rPr>
-              <a:t>: Training of the proposed framework is completed using ANN</a:t>
-            </a:r>
-          </a:p>
-          <a:p>
-            <a:pPr marL="685800" indent="-457200">
-              <a:buFont typeface="+mj-lt"/>
-              <a:buAutoNum type="arabicPeriod"/>
-            </a:pPr>
-            <a:r>
-              <a:rPr lang="en-IN" sz="2400" b="1" dirty="0" smtClean="0">
+              <a:t>: Training of the proposed framework is </a:t>
+            </a:r>
+            <a:r>
+              <a:rPr lang="en-IN" sz="2360" dirty="0">
                 <a:solidFill>
                   <a:schemeClr val="tx1"/>
                 </a:solidFill>
                 <a:latin typeface="Times New Roman" pitchFamily="18" charset="0"/>
                 <a:cs typeface="Times New Roman" pitchFamily="18" charset="0"/>
               </a:rPr>
-              <a:t>Detection</a:t>
-            </a:r>
-            <a:r>
-              <a:rPr lang="en-IN" sz="2400" dirty="0" smtClean="0">
+              <a:t>by using </a:t>
+            </a:r>
+            <a:r>
+              <a:rPr lang="en-IN" sz="2360" dirty="0"/>
+              <a:t>Self Organizing Maps </a:t>
+            </a:r>
+            <a:r>
+              <a:rPr lang="en-IN" sz="2360" dirty="0" smtClean="0">
                 <a:solidFill>
                   <a:schemeClr val="tx1"/>
                 </a:solidFill>
                 <a:latin typeface="Times New Roman" pitchFamily="18" charset="0"/>
                 <a:cs typeface="Times New Roman" pitchFamily="18" charset="0"/>
               </a:rPr>
-              <a:t>: System identified characters are matched with those in the database and ranking of the student is performed </a:t>
-            </a:r>
-          </a:p>
-          <a:p>
-            <a:pPr marL="228600" indent="0"/>
-            <a:endParaRPr lang="en-IN" sz="2800" b="1" dirty="0" smtClean="0">
+              <a:t>ANN</a:t>
+            </a:r>
+            <a:endParaRPr lang="en-IN" sz="2360" dirty="0" smtClean="0">
               <a:solidFill>
                 <a:schemeClr val="tx1"/>
               </a:solidFill>
@@ -17777,8 +17203,44 @@
             </a:endParaRPr>
           </a:p>
           <a:p>
+            <a:pPr marL="685800" indent="-457200">
+              <a:buFont typeface="+mj-lt"/>
+              <a:buAutoNum type="arabicPeriod"/>
+            </a:pPr>
+            <a:r>
+              <a:rPr lang="en-IN" sz="2360" b="1" dirty="0" smtClean="0">
+                <a:solidFill>
+                  <a:schemeClr val="tx1"/>
+                </a:solidFill>
+                <a:latin typeface="Times New Roman" pitchFamily="18" charset="0"/>
+                <a:cs typeface="Times New Roman" pitchFamily="18" charset="0"/>
+              </a:rPr>
+              <a:t>Detection</a:t>
+            </a:r>
+            <a:r>
+              <a:rPr lang="en-IN" sz="2360" dirty="0" smtClean="0">
+                <a:solidFill>
+                  <a:schemeClr val="tx1"/>
+                </a:solidFill>
+                <a:latin typeface="Times New Roman" pitchFamily="18" charset="0"/>
+                <a:cs typeface="Times New Roman" pitchFamily="18" charset="0"/>
+              </a:rPr>
+              <a:t>: System identified characters are matched with those in the database and ranking of the student is performed </a:t>
+            </a:r>
+          </a:p>
+          <a:p>
             <a:pPr marL="228600" indent="0"/>
-            <a:endParaRPr lang="en-IN" sz="2800" b="1" dirty="0" smtClean="0">
+            <a:endParaRPr lang="en-IN" sz="2400" b="1" dirty="0" smtClean="0">
+              <a:solidFill>
+                <a:schemeClr val="tx1"/>
+              </a:solidFill>
+              <a:latin typeface="Times New Roman" pitchFamily="18" charset="0"/>
+              <a:cs typeface="Times New Roman" pitchFamily="18" charset="0"/>
+            </a:endParaRPr>
+          </a:p>
+          <a:p>
+            <a:pPr marL="228600" indent="0"/>
+            <a:endParaRPr lang="en-IN" sz="2400" b="1" dirty="0" smtClean="0">
               <a:solidFill>
                 <a:schemeClr val="tx1"/>
               </a:solidFill>
@@ -17808,7 +17270,7 @@
 </p:sld>
 </file>
 
-<file path=ppt/slides/slide13.xml><?xml version="1.0" encoding="utf-8"?>
+<file path=ppt/slides/slide12.xml><?xml version="1.0" encoding="utf-8"?>
 <p:sld xmlns:a="http://schemas.openxmlformats.org/drawingml/2006/main" xmlns:r="http://schemas.openxmlformats.org/officeDocument/2006/relationships" xmlns:p="http://schemas.openxmlformats.org/presentationml/2006/main">
   <p:cSld>
     <p:spTree>
@@ -17916,8 +17378,66 @@
                 <a:latin typeface="Times New Roman" pitchFamily="18" charset="0"/>
                 <a:cs typeface="Times New Roman" pitchFamily="18" charset="0"/>
               </a:rPr>
-              <a:t>Does not require transportation</a:t>
-            </a:r>
+              <a:t>Does not require </a:t>
+            </a:r>
+            <a:r>
+              <a:rPr lang="en-GB" sz="2400" dirty="0" smtClean="0">
+                <a:latin typeface="Times New Roman" pitchFamily="18" charset="0"/>
+                <a:cs typeface="Times New Roman" pitchFamily="18" charset="0"/>
+              </a:rPr>
+              <a:t>transportation</a:t>
+            </a:r>
+          </a:p>
+          <a:p>
+            <a:pPr marL="228600" indent="0"/>
+            <a:r>
+              <a:rPr lang="en-IN" sz="2800" b="1" dirty="0">
+                <a:latin typeface="Times New Roman" pitchFamily="18" charset="0"/>
+                <a:cs typeface="Times New Roman" pitchFamily="18" charset="0"/>
+              </a:rPr>
+              <a:t>Disadvantages</a:t>
+            </a:r>
+            <a:r>
+              <a:rPr lang="en-IN" sz="2800" b="1" dirty="0" smtClean="0">
+                <a:latin typeface="Times New Roman" pitchFamily="18" charset="0"/>
+                <a:cs typeface="Times New Roman" pitchFamily="18" charset="0"/>
+              </a:rPr>
+              <a:t>:</a:t>
+            </a:r>
+          </a:p>
+          <a:p>
+            <a:pPr marL="742950" indent="-514350">
+              <a:buFont typeface="+mj-lt"/>
+              <a:buAutoNum type="arabicPeriod"/>
+            </a:pPr>
+            <a:r>
+              <a:rPr lang="en-IN" sz="2400" dirty="0" smtClean="0">
+                <a:latin typeface="Times New Roman" pitchFamily="18" charset="0"/>
+                <a:cs typeface="Times New Roman" pitchFamily="18" charset="0"/>
+              </a:rPr>
+              <a:t>Less adapted to noise</a:t>
+            </a:r>
+            <a:endParaRPr lang="en-IN" sz="2400" dirty="0">
+              <a:latin typeface="Times New Roman" pitchFamily="18" charset="0"/>
+              <a:cs typeface="Times New Roman" pitchFamily="18" charset="0"/>
+            </a:endParaRPr>
+          </a:p>
+          <a:p>
+            <a:pPr marL="685800" indent="-457200">
+              <a:buFont typeface="+mj-lt"/>
+              <a:buAutoNum type="arabicPeriod"/>
+            </a:pPr>
+            <a:r>
+              <a:rPr lang="en-IN" sz="2400" dirty="0" smtClean="0">
+                <a:latin typeface="Times New Roman" pitchFamily="18" charset="0"/>
+                <a:cs typeface="Times New Roman" pitchFamily="18" charset="0"/>
+              </a:rPr>
+              <a:t>Low Accuracy</a:t>
+            </a:r>
+            <a:endParaRPr lang="en-GB" sz="2400" dirty="0" smtClean="0">
+              <a:latin typeface="Times New Roman" pitchFamily="18" charset="0"/>
+              <a:cs typeface="Times New Roman" pitchFamily="18" charset="0"/>
+            </a:endParaRPr>
           </a:p>
           <a:p>
             <a:pPr marL="742950" indent="-514350">
@@ -18002,7 +17522,7 @@
 </p:sld>
 </file>
 
-<file path=ppt/slides/slide14.xml><?xml version="1.0" encoding="utf-8"?>
+<file path=ppt/slides/slide13.xml><?xml version="1.0" encoding="utf-8"?>
 <p:sld xmlns:a="http://schemas.openxmlformats.org/drawingml/2006/main" xmlns:r="http://schemas.openxmlformats.org/officeDocument/2006/relationships" xmlns:p="http://schemas.openxmlformats.org/presentationml/2006/main">
   <p:cSld>
     <p:bg>
@@ -18406,645 +17926,7 @@
                 <a:buFont typeface="Times New Roman"/>
                 <a:buNone/>
               </a:pPr>
-              <a:t>14</a:t>
-            </a:fld>
-            <a:endParaRPr sz="1200" b="0" i="0" u="none" dirty="0">
-              <a:solidFill>
-                <a:srgbClr val="898989"/>
-              </a:solidFill>
-              <a:latin typeface="Calibri"/>
-              <a:ea typeface="Calibri"/>
-              <a:cs typeface="Calibri"/>
-              <a:sym typeface="Calibri"/>
-            </a:endParaRPr>
-          </a:p>
-        </p:txBody>
-      </p:sp>
-      <p:sp>
-        <p:nvSpPr>
-          <p:cNvPr id="1048615" name="Google Shape;124;p16"/>
-          <p:cNvSpPr/>
-          <p:nvPr/>
-        </p:nvSpPr>
-        <p:spPr>
-          <a:xfrm>
-            <a:off x="1905000" y="6324600"/>
-            <a:ext cx="5410200" cy="368300"/>
-          </a:xfrm>
-          <a:prstGeom prst="rect">
-            <a:avLst/>
-          </a:prstGeom>
-          <a:noFill/>
-          <a:ln>
-            <a:noFill/>
-          </a:ln>
-        </p:spPr>
-        <p:txBody>
-          <a:bodyPr spcFirstLastPara="1" wrap="square" lIns="90000" tIns="46800" rIns="90000" bIns="46800" anchor="t" anchorCtr="0">
-            <a:noAutofit/>
-          </a:bodyPr>
-          <a:lstStyle/>
-          <a:p>
-            <a:pPr marL="0" marR="0" lvl="0" indent="0" algn="l" rtl="0">
-              <a:lnSpc>
-                <a:spcPct val="100000"/>
-              </a:lnSpc>
-              <a:spcBef>
-                <a:spcPts val="0"/>
-              </a:spcBef>
-              <a:spcAft>
-                <a:spcPts val="0"/>
-              </a:spcAft>
-              <a:buClr>
-                <a:srgbClr val="000000"/>
-              </a:buClr>
-              <a:buSzPts val="1800"/>
-              <a:buFont typeface="Times New Roman"/>
-              <a:buNone/>
-            </a:pPr>
-            <a:r>
-              <a:rPr lang="en-US" sz="1800" b="1" i="0" u="none">
-                <a:solidFill>
-                  <a:srgbClr val="000000"/>
-                </a:solidFill>
-                <a:latin typeface="Arial Black"/>
-                <a:ea typeface="Arial Black"/>
-                <a:cs typeface="Arial Black"/>
-                <a:sym typeface="Arial Black"/>
-              </a:rPr>
-              <a:t>                       </a:t>
-            </a:r>
-            <a:r>
-              <a:rPr lang="en-US" sz="1600" b="0" i="0" u="none">
-                <a:solidFill>
-                  <a:srgbClr val="000000"/>
-                </a:solidFill>
-                <a:latin typeface="Times New Roman"/>
-                <a:ea typeface="Times New Roman"/>
-                <a:cs typeface="Times New Roman"/>
-                <a:sym typeface="Times New Roman"/>
-              </a:rPr>
-              <a:t>CSE Department, JECC</a:t>
-            </a:r>
-          </a:p>
-        </p:txBody>
-      </p:sp>
-      <p:pic>
-        <p:nvPicPr>
-          <p:cNvPr id="2097155" name="Google Shape;127;p16"/>
-          <p:cNvPicPr preferRelativeResize="0">
-            <a:picLocks/>
-          </p:cNvPicPr>
-          <p:nvPr/>
-        </p:nvPicPr>
-        <p:blipFill rotWithShape="1">
-          <a:blip r:embed="rId3">
-            <a:alphaModFix/>
-          </a:blip>
-          <a:srcRect/>
-          <a:stretch>
-            <a:fillRect/>
-          </a:stretch>
-        </p:blipFill>
-        <p:spPr>
-          <a:xfrm>
-            <a:off x="0" y="-117700"/>
-            <a:ext cx="9144000" cy="1600200"/>
-          </a:xfrm>
-          <a:prstGeom prst="rect">
-            <a:avLst/>
-          </a:prstGeom>
-          <a:noFill/>
-          <a:ln>
-            <a:noFill/>
-          </a:ln>
-        </p:spPr>
-      </p:pic>
-      <p:sp>
-        <p:nvSpPr>
-          <p:cNvPr id="3" name="Text Placeholder 2"/>
-          <p:cNvSpPr>
-            <a:spLocks noGrp="1"/>
-          </p:cNvSpPr>
-          <p:nvPr>
-            <p:ph type="body" idx="1"/>
-          </p:nvPr>
-        </p:nvSpPr>
-        <p:spPr>
-          <a:xfrm>
-            <a:off x="457200" y="1830306"/>
-            <a:ext cx="8226425" cy="3532187"/>
-          </a:xfrm>
-        </p:spPr>
-        <p:txBody>
-          <a:bodyPr/>
-          <a:lstStyle/>
-          <a:p>
-            <a:pPr marL="228600" indent="0"/>
-            <a:r>
-              <a:rPr lang="en-IN" sz="2800" b="1" dirty="0" smtClean="0">
-                <a:latin typeface="Times New Roman" pitchFamily="18" charset="0"/>
-                <a:cs typeface="Times New Roman" pitchFamily="18" charset="0"/>
-              </a:rPr>
-              <a:t>Disadvantages:</a:t>
-            </a:r>
-          </a:p>
-          <a:p>
-            <a:pPr marL="685800" indent="-457200">
-              <a:buFont typeface="+mj-lt"/>
-              <a:buAutoNum type="arabicPeriod"/>
-            </a:pPr>
-            <a:r>
-              <a:rPr lang="en-IN" sz="2400" dirty="0" smtClean="0">
-                <a:latin typeface="Times New Roman" pitchFamily="18" charset="0"/>
-                <a:cs typeface="Times New Roman" pitchFamily="18" charset="0"/>
-              </a:rPr>
-              <a:t>No suggestions</a:t>
-            </a:r>
-          </a:p>
-          <a:p>
-            <a:pPr marL="685800" indent="-457200">
-              <a:buFont typeface="+mj-lt"/>
-              <a:buAutoNum type="arabicPeriod"/>
-            </a:pPr>
-            <a:r>
-              <a:rPr lang="en-IN" sz="2400" dirty="0" smtClean="0">
-                <a:latin typeface="Times New Roman" pitchFamily="18" charset="0"/>
-                <a:cs typeface="Times New Roman" pitchFamily="18" charset="0"/>
-              </a:rPr>
-              <a:t>Students can’t make any improvements</a:t>
-            </a:r>
-          </a:p>
-          <a:p>
-            <a:pPr marL="685800" indent="-457200">
-              <a:buFont typeface="+mj-lt"/>
-              <a:buAutoNum type="arabicPeriod"/>
-            </a:pPr>
-            <a:r>
-              <a:rPr lang="en-IN" sz="2400" dirty="0" smtClean="0">
-                <a:latin typeface="Times New Roman" pitchFamily="18" charset="0"/>
-                <a:cs typeface="Times New Roman" pitchFamily="18" charset="0"/>
-              </a:rPr>
-              <a:t>Not applicable for creative ideas</a:t>
-            </a:r>
-          </a:p>
-          <a:p>
-            <a:pPr marL="685800" indent="-457200">
-              <a:buFont typeface="+mj-lt"/>
-              <a:buAutoNum type="arabicPeriod"/>
-            </a:pPr>
-            <a:endParaRPr lang="en-IN" sz="2400" dirty="0" smtClean="0">
-              <a:latin typeface="Times New Roman" pitchFamily="18" charset="0"/>
-              <a:cs typeface="Times New Roman" pitchFamily="18" charset="0"/>
-            </a:endParaRPr>
-          </a:p>
-          <a:p>
-            <a:pPr marL="685800" indent="-457200">
-              <a:buFont typeface="+mj-lt"/>
-              <a:buAutoNum type="arabicPeriod"/>
-            </a:pPr>
-            <a:endParaRPr lang="en-IN" sz="2400" b="1" dirty="0" smtClean="0">
-              <a:latin typeface="Times New Roman" pitchFamily="18" charset="0"/>
-              <a:cs typeface="Times New Roman" pitchFamily="18" charset="0"/>
-            </a:endParaRPr>
-          </a:p>
-          <a:p>
-            <a:pPr marL="742950" indent="-514350">
-              <a:buFont typeface="+mj-lt"/>
-              <a:buAutoNum type="arabicPeriod"/>
-            </a:pPr>
-            <a:endParaRPr lang="en-IN" sz="2800" b="1" dirty="0" smtClean="0">
-              <a:latin typeface="Times New Roman" pitchFamily="18" charset="0"/>
-              <a:cs typeface="Times New Roman" pitchFamily="18" charset="0"/>
-            </a:endParaRPr>
-          </a:p>
-        </p:txBody>
-      </p:sp>
-    </p:spTree>
-    <p:extLst>
-      <p:ext uri="{BB962C8B-B14F-4D97-AF65-F5344CB8AC3E}">
-        <p14:creationId xmlns:p14="http://schemas.microsoft.com/office/powerpoint/2010/main" val="1370399815"/>
-      </p:ext>
-    </p:extLst>
-  </p:cSld>
-  <p:clrMapOvr>
-    <a:masterClrMapping/>
-  </p:clrMapOvr>
-  <p:timing>
-    <p:tnLst>
-      <p:par>
-        <p:cTn id="1" dur="indefinite" restart="never" nodeType="tmRoot"/>
-      </p:par>
-    </p:tnLst>
-  </p:timing>
-</p:sld>
-</file>
-
-<file path=ppt/slides/slide15.xml><?xml version="1.0" encoding="utf-8"?>
-<p:sld xmlns:a="http://schemas.openxmlformats.org/drawingml/2006/main" xmlns:r="http://schemas.openxmlformats.org/officeDocument/2006/relationships" xmlns:p="http://schemas.openxmlformats.org/presentationml/2006/main">
-  <p:cSld>
-    <p:bg>
-      <p:bgPr>
-        <a:solidFill>
-          <a:srgbClr val="FFFFFF"/>
-        </a:solidFill>
-        <a:effectLst/>
-      </p:bgPr>
-    </p:bg>
-    <p:spTree>
-      <p:nvGrpSpPr>
-        <p:cNvPr id="1" name="Shape 116"/>
-        <p:cNvGrpSpPr/>
-        <p:nvPr/>
-      </p:nvGrpSpPr>
-      <p:grpSpPr>
-        <a:xfrm>
-          <a:off x="0" y="0"/>
-          <a:ext cx="0" cy="0"/>
-          <a:chOff x="0" y="0"/>
-          <a:chExt cx="0" cy="0"/>
-        </a:xfrm>
-      </p:grpSpPr>
-      <p:sp>
-        <p:nvSpPr>
-          <p:cNvPr id="1048608" name="Google Shape;117;p16"/>
-          <p:cNvSpPr/>
-          <p:nvPr/>
-        </p:nvSpPr>
-        <p:spPr>
-          <a:xfrm>
-            <a:off x="457200" y="990600"/>
-            <a:ext cx="8228012" cy="5480050"/>
-          </a:xfrm>
-          <a:prstGeom prst="rect">
-            <a:avLst/>
-          </a:prstGeom>
-          <a:noFill/>
-          <a:ln>
-            <a:noFill/>
-          </a:ln>
-        </p:spPr>
-        <p:txBody>
-          <a:bodyPr spcFirstLastPara="1" wrap="square" lIns="91425" tIns="91425" rIns="91425" bIns="91425" anchor="ctr" anchorCtr="0">
-            <a:noAutofit/>
-          </a:bodyPr>
-          <a:lstStyle/>
-          <a:p>
-            <a:pPr marL="0" lvl="0" indent="0" algn="l" rtl="0">
-              <a:spcBef>
-                <a:spcPts val="0"/>
-              </a:spcBef>
-              <a:spcAft>
-                <a:spcPts val="0"/>
-              </a:spcAft>
-              <a:buNone/>
-            </a:pPr>
-            <a:endParaRPr/>
-          </a:p>
-        </p:txBody>
-      </p:sp>
-      <p:sp>
-        <p:nvSpPr>
-          <p:cNvPr id="1048609" name="Google Shape;118;p16"/>
-          <p:cNvSpPr/>
-          <p:nvPr/>
-        </p:nvSpPr>
-        <p:spPr>
-          <a:xfrm>
-            <a:off x="760412" y="1612900"/>
-            <a:ext cx="8032750" cy="4525962"/>
-          </a:xfrm>
-          <a:prstGeom prst="rect">
-            <a:avLst/>
-          </a:prstGeom>
-          <a:noFill/>
-          <a:ln>
-            <a:noFill/>
-          </a:ln>
-        </p:spPr>
-        <p:txBody>
-          <a:bodyPr spcFirstLastPara="1" wrap="square" lIns="0" tIns="25550" rIns="0" bIns="0" anchor="ctr" anchorCtr="0">
-            <a:noAutofit/>
-          </a:bodyPr>
-          <a:lstStyle/>
-          <a:p>
-            <a:pPr marL="0" marR="0" lvl="0" indent="0" algn="ctr" rtl="0">
-              <a:lnSpc>
-                <a:spcPct val="100000"/>
-              </a:lnSpc>
-              <a:spcBef>
-                <a:spcPts val="0"/>
-              </a:spcBef>
-              <a:spcAft>
-                <a:spcPts val="0"/>
-              </a:spcAft>
-              <a:buClr>
-                <a:srgbClr val="000000"/>
-              </a:buClr>
-              <a:buSzPts val="2900"/>
-              <a:buFont typeface="Times New Roman"/>
-              <a:buNone/>
-            </a:pPr>
-            <a:r>
-              <a:rPr lang="en-US" sz="2900" b="0" i="0" u="none">
-                <a:solidFill>
-                  <a:srgbClr val="280099"/>
-                </a:solidFill>
-                <a:latin typeface="Calibri"/>
-                <a:ea typeface="Calibri"/>
-                <a:cs typeface="Calibri"/>
-                <a:sym typeface="Calibri"/>
-              </a:rPr>
-              <a:t>			</a:t>
-            </a:r>
-          </a:p>
-        </p:txBody>
-      </p:sp>
-      <p:sp>
-        <p:nvSpPr>
-          <p:cNvPr id="1048610" name="Google Shape;119;p16"/>
-          <p:cNvSpPr/>
-          <p:nvPr/>
-        </p:nvSpPr>
-        <p:spPr>
-          <a:xfrm>
-            <a:off x="131762" y="0"/>
-            <a:ext cx="1587" cy="1587"/>
-          </a:xfrm>
-          <a:prstGeom prst="rect">
-            <a:avLst/>
-          </a:prstGeom>
-          <a:noFill/>
-          <a:ln>
-            <a:noFill/>
-          </a:ln>
-        </p:spPr>
-        <p:txBody>
-          <a:bodyPr spcFirstLastPara="1" wrap="square" lIns="91425" tIns="91425" rIns="91425" bIns="91425" anchor="ctr" anchorCtr="0">
-            <a:noAutofit/>
-          </a:bodyPr>
-          <a:lstStyle/>
-          <a:p>
-            <a:pPr marL="0" lvl="0" indent="0" algn="l" rtl="0">
-              <a:spcBef>
-                <a:spcPts val="0"/>
-              </a:spcBef>
-              <a:spcAft>
-                <a:spcPts val="0"/>
-              </a:spcAft>
-              <a:buNone/>
-            </a:pPr>
-            <a:endParaRPr/>
-          </a:p>
-        </p:txBody>
-      </p:sp>
-      <p:sp>
-        <p:nvSpPr>
-          <p:cNvPr id="1048611" name="Google Shape;120;p16"/>
-          <p:cNvSpPr/>
-          <p:nvPr/>
-        </p:nvSpPr>
-        <p:spPr>
-          <a:xfrm>
-            <a:off x="195262" y="1306512"/>
-            <a:ext cx="1587" cy="1587"/>
-          </a:xfrm>
-          <a:prstGeom prst="rect">
-            <a:avLst/>
-          </a:prstGeom>
-          <a:noFill/>
-          <a:ln>
-            <a:noFill/>
-          </a:ln>
-        </p:spPr>
-        <p:txBody>
-          <a:bodyPr spcFirstLastPara="1" wrap="square" lIns="91425" tIns="91425" rIns="91425" bIns="91425" anchor="ctr" anchorCtr="0">
-            <a:noAutofit/>
-          </a:bodyPr>
-          <a:lstStyle/>
-          <a:p>
-            <a:pPr marL="0" lvl="0" indent="0" algn="l" rtl="0">
-              <a:spcBef>
-                <a:spcPts val="0"/>
-              </a:spcBef>
-              <a:spcAft>
-                <a:spcPts val="0"/>
-              </a:spcAft>
-              <a:buNone/>
-            </a:pPr>
-            <a:endParaRPr/>
-          </a:p>
-        </p:txBody>
-      </p:sp>
-      <p:sp>
-        <p:nvSpPr>
-          <p:cNvPr id="1048612" name="Google Shape;121;p16"/>
-          <p:cNvSpPr txBox="1"/>
-          <p:nvPr/>
-        </p:nvSpPr>
-        <p:spPr>
-          <a:xfrm>
-            <a:off x="457200" y="1981200"/>
-            <a:ext cx="7969250" cy="717801"/>
-          </a:xfrm>
-          <a:prstGeom prst="rect">
-            <a:avLst/>
-          </a:prstGeom>
-          <a:noFill/>
-          <a:ln>
-            <a:noFill/>
-          </a:ln>
-        </p:spPr>
-        <p:txBody>
-          <a:bodyPr spcFirstLastPara="1" wrap="square" lIns="82800" tIns="41400" rIns="82800" bIns="41400" anchor="t" anchorCtr="0">
-            <a:noAutofit/>
-          </a:bodyPr>
-          <a:lstStyle/>
-          <a:p>
-            <a:pPr marL="0" marR="0" lvl="0" indent="0" algn="l" rtl="0">
-              <a:lnSpc>
-                <a:spcPct val="100000"/>
-              </a:lnSpc>
-              <a:spcBef>
-                <a:spcPts val="0"/>
-              </a:spcBef>
-              <a:spcAft>
-                <a:spcPts val="0"/>
-              </a:spcAft>
-              <a:buClr>
-                <a:srgbClr val="000000"/>
-              </a:buClr>
-              <a:buSzPts val="2200"/>
-              <a:buFont typeface="Times New Roman"/>
-              <a:buNone/>
-            </a:pPr>
-            <a:endParaRPr sz="2200" b="0" i="0" u="none">
-              <a:solidFill>
-                <a:srgbClr val="000000"/>
-              </a:solidFill>
-              <a:latin typeface="Times New Roman"/>
-              <a:ea typeface="Times New Roman"/>
-              <a:cs typeface="Times New Roman"/>
-              <a:sym typeface="Times New Roman"/>
-            </a:endParaRPr>
-          </a:p>
-          <a:p>
-            <a:pPr marL="0" marR="0" lvl="0" indent="0" algn="l" rtl="0">
-              <a:lnSpc>
-                <a:spcPct val="100000"/>
-              </a:lnSpc>
-              <a:spcBef>
-                <a:spcPts val="0"/>
-              </a:spcBef>
-              <a:spcAft>
-                <a:spcPts val="0"/>
-              </a:spcAft>
-              <a:buClr>
-                <a:srgbClr val="000000"/>
-              </a:buClr>
-              <a:buSzPts val="2200"/>
-              <a:buFont typeface="Times New Roman"/>
-              <a:buNone/>
-            </a:pPr>
-            <a:endParaRPr sz="2200" b="0" i="0" u="none">
-              <a:solidFill>
-                <a:srgbClr val="000000"/>
-              </a:solidFill>
-              <a:latin typeface="Times New Roman"/>
-              <a:ea typeface="Times New Roman"/>
-              <a:cs typeface="Times New Roman"/>
-              <a:sym typeface="Times New Roman"/>
-            </a:endParaRPr>
-          </a:p>
-        </p:txBody>
-      </p:sp>
-      <p:sp>
-        <p:nvSpPr>
-          <p:cNvPr id="1048613" name="Google Shape;122;p16"/>
-          <p:cNvSpPr txBox="1"/>
-          <p:nvPr/>
-        </p:nvSpPr>
-        <p:spPr>
-          <a:xfrm>
-            <a:off x="457200" y="6356350"/>
-            <a:ext cx="2133600" cy="365125"/>
-          </a:xfrm>
-          <a:prstGeom prst="rect">
-            <a:avLst/>
-          </a:prstGeom>
-          <a:noFill/>
-          <a:ln>
-            <a:noFill/>
-          </a:ln>
-        </p:spPr>
-        <p:txBody>
-          <a:bodyPr spcFirstLastPara="1" wrap="square" lIns="90000" tIns="46800" rIns="90000" bIns="46800" anchor="ctr" anchorCtr="0">
-            <a:noAutofit/>
-          </a:bodyPr>
-          <a:lstStyle/>
-          <a:p>
-            <a:pPr marL="0" marR="0" lvl="0" indent="0" algn="l" rtl="0">
-              <a:lnSpc>
-                <a:spcPct val="100000"/>
-              </a:lnSpc>
-              <a:spcBef>
-                <a:spcPts val="0"/>
-              </a:spcBef>
-              <a:spcAft>
-                <a:spcPts val="0"/>
-              </a:spcAft>
-              <a:buClr>
-                <a:srgbClr val="000000"/>
-              </a:buClr>
-              <a:buSzPts val="1200"/>
-              <a:buFont typeface="Times New Roman"/>
-              <a:buNone/>
-            </a:pPr>
-            <a:r>
-              <a:rPr lang="en-US" sz="1200" b="0" i="0" u="none">
-                <a:solidFill>
-                  <a:srgbClr val="898989"/>
-                </a:solidFill>
-                <a:latin typeface="Calibri"/>
-                <a:ea typeface="Calibri"/>
-                <a:cs typeface="Calibri"/>
-                <a:sym typeface="Calibri"/>
-              </a:rPr>
-              <a:t>02/08/19</a:t>
-            </a:r>
-          </a:p>
-        </p:txBody>
-      </p:sp>
-      <p:sp>
-        <p:nvSpPr>
-          <p:cNvPr id="1048614" name="Google Shape;123;p16"/>
-          <p:cNvSpPr txBox="1"/>
-          <p:nvPr/>
-        </p:nvSpPr>
-        <p:spPr>
-          <a:xfrm>
-            <a:off x="6553200" y="6356350"/>
-            <a:ext cx="2133600" cy="365125"/>
-          </a:xfrm>
-          <a:prstGeom prst="rect">
-            <a:avLst/>
-          </a:prstGeom>
-          <a:noFill/>
-          <a:ln>
-            <a:noFill/>
-          </a:ln>
-        </p:spPr>
-        <p:txBody>
-          <a:bodyPr spcFirstLastPara="1" wrap="square" lIns="90000" tIns="46800" rIns="90000" bIns="46800" anchor="ctr" anchorCtr="0">
-            <a:noAutofit/>
-          </a:bodyPr>
-          <a:lstStyle/>
-          <a:p>
-            <a:pPr marL="0" marR="0" lvl="0" indent="0" algn="r" rtl="0">
-              <a:lnSpc>
-                <a:spcPct val="100000"/>
-              </a:lnSpc>
-              <a:spcBef>
-                <a:spcPts val="0"/>
-              </a:spcBef>
-              <a:spcAft>
-                <a:spcPts val="0"/>
-              </a:spcAft>
-              <a:buClr>
-                <a:srgbClr val="000000"/>
-              </a:buClr>
-              <a:buSzPts val="1200"/>
-              <a:buFont typeface="Times New Roman"/>
-              <a:buNone/>
-            </a:pPr>
-            <a:fld id="{00000000-1234-1234-1234-123412341234}" type="slidenum">
-              <a:rPr lang="en-US" sz="1200" b="0" i="0" u="none">
-                <a:solidFill>
-                  <a:srgbClr val="898989"/>
-                </a:solidFill>
-                <a:latin typeface="Calibri"/>
-                <a:ea typeface="Calibri"/>
-                <a:cs typeface="Calibri"/>
-                <a:sym typeface="Calibri"/>
-              </a:rPr>
-              <a:pPr marL="0" marR="0" lvl="0" indent="0" algn="r" rtl="0">
-                <a:lnSpc>
-                  <a:spcPct val="100000"/>
-                </a:lnSpc>
-                <a:spcBef>
-                  <a:spcPts val="0"/>
-                </a:spcBef>
-                <a:spcAft>
-                  <a:spcPts val="0"/>
-                </a:spcAft>
-                <a:buClr>
-                  <a:srgbClr val="000000"/>
-                </a:buClr>
-                <a:buSzPts val="1200"/>
-                <a:buFont typeface="Times New Roman"/>
-                <a:buNone/>
-              </a:pPr>
-              <a:t>15</a:t>
+              <a:t>13</a:t>
             </a:fld>
             <a:endParaRPr sz="1200" b="0" i="0" u="none" dirty="0">
               <a:solidFill>
@@ -19181,12 +18063,18 @@
             <a:pPr lvl="0" algn="l"/>
             <a:r>
               <a:rPr lang="en-IN" sz="3200" b="1" dirty="0" smtClean="0">
+                <a:solidFill>
+                  <a:srgbClr val="FF0000"/>
+                </a:solidFill>
                 <a:latin typeface="Times New Roman" pitchFamily="18" charset="0"/>
                 <a:cs typeface="Times New Roman" pitchFamily="18" charset="0"/>
               </a:rPr>
               <a:t>A robust algorithm for text extraction from images</a:t>
             </a:r>
             <a:endParaRPr lang="en-IN" sz="3200" b="1" dirty="0">
+              <a:solidFill>
+                <a:srgbClr val="FF0000"/>
+              </a:solidFill>
               <a:latin typeface="Times New Roman" pitchFamily="18" charset="0"/>
               <a:cs typeface="Times New Roman" pitchFamily="18" charset="0"/>
             </a:endParaRPr>
@@ -19298,7 +18186,7 @@
 </p:sld>
 </file>
 
-<file path=ppt/slides/slide16.xml><?xml version="1.0" encoding="utf-8"?>
+<file path=ppt/slides/slide14.xml><?xml version="1.0" encoding="utf-8"?>
 <p:sld xmlns:a="http://schemas.openxmlformats.org/drawingml/2006/main" xmlns:r="http://schemas.openxmlformats.org/officeDocument/2006/relationships" xmlns:p="http://schemas.openxmlformats.org/presentationml/2006/main">
   <p:cSld>
     <p:spTree>
@@ -19389,6 +18277,44 @@
               </a:rPr>
               <a:t>approach</a:t>
             </a:r>
+          </a:p>
+          <a:p>
+            <a:r>
+              <a:rPr lang="en-GB" sz="2800" b="1" dirty="0">
+                <a:latin typeface="Times New Roman" pitchFamily="18" charset="0"/>
+                <a:cs typeface="Times New Roman" pitchFamily="18" charset="0"/>
+              </a:rPr>
+              <a:t>Disadvantages:</a:t>
+            </a:r>
+          </a:p>
+          <a:p>
+            <a:pPr marL="685800" indent="-457200">
+              <a:buFont typeface="+mj-lt"/>
+              <a:buAutoNum type="arabicPeriod"/>
+            </a:pPr>
+            <a:r>
+              <a:rPr lang="en-GB" sz="2400" dirty="0">
+                <a:latin typeface="Times New Roman" pitchFamily="18" charset="0"/>
+                <a:cs typeface="Times New Roman" pitchFamily="18" charset="0"/>
+              </a:rPr>
+              <a:t>Algorithm failed to detect text with shadowing effect</a:t>
+            </a:r>
+          </a:p>
+          <a:p>
+            <a:pPr marL="685800" indent="-457200">
+              <a:buFont typeface="+mj-lt"/>
+              <a:buAutoNum type="arabicPeriod"/>
+            </a:pPr>
+            <a:r>
+              <a:rPr lang="en-GB" sz="2400" dirty="0">
+                <a:latin typeface="Times New Roman" pitchFamily="18" charset="0"/>
+                <a:cs typeface="Times New Roman" pitchFamily="18" charset="0"/>
+              </a:rPr>
+              <a:t>Failed to detect text with characters of small size and thin strokes</a:t>
+            </a:r>
+          </a:p>
+          <a:p>
+            <a:pPr marL="228600" indent="0"/>
             <a:endParaRPr lang="en-GB" sz="2400" dirty="0">
               <a:latin typeface="Times New Roman" pitchFamily="18" charset="0"/>
               <a:cs typeface="Times New Roman" pitchFamily="18" charset="0"/>
@@ -19447,7 +18373,7 @@
 </p:sld>
 </file>
 
-<file path=ppt/slides/slide17.xml><?xml version="1.0" encoding="utf-8"?>
+<file path=ppt/slides/slide15.xml><?xml version="1.0" encoding="utf-8"?>
 <p:sld xmlns:a="http://schemas.openxmlformats.org/drawingml/2006/main" xmlns:r="http://schemas.openxmlformats.org/officeDocument/2006/relationships" xmlns:p="http://schemas.openxmlformats.org/presentationml/2006/main">
   <p:cSld>
     <p:spTree>
@@ -19493,45 +18419,25 @@
             <p:ph type="body" idx="1"/>
           </p:nvPr>
         </p:nvSpPr>
-        <p:spPr/>
+        <p:spPr>
+          <a:xfrm>
+            <a:off x="81482" y="1600200"/>
+            <a:ext cx="8602144" cy="4522787"/>
+          </a:xfrm>
+        </p:spPr>
         <p:txBody>
           <a:bodyPr/>
           <a:lstStyle/>
           <a:p>
-            <a:r>
-              <a:rPr lang="en-GB" sz="2800" b="1" dirty="0" smtClean="0">
+            <a:pPr marL="228600" indent="0"/>
+            <a:r>
+              <a:rPr lang="en-GB" sz="2400" b="1" dirty="0" smtClean="0">
                 <a:latin typeface="Times New Roman" pitchFamily="18" charset="0"/>
                 <a:cs typeface="Times New Roman" pitchFamily="18" charset="0"/>
               </a:rPr>
-              <a:t>Disadvantages:</a:t>
-            </a:r>
-          </a:p>
-          <a:p>
-            <a:pPr marL="685800" indent="-457200">
-              <a:buFont typeface="+mj-lt"/>
-              <a:buAutoNum type="arabicPeriod"/>
-            </a:pPr>
-            <a:r>
-              <a:rPr lang="en-GB" sz="2400" dirty="0" smtClean="0">
-                <a:latin typeface="Times New Roman" pitchFamily="18" charset="0"/>
-                <a:cs typeface="Times New Roman" pitchFamily="18" charset="0"/>
-              </a:rPr>
-              <a:t>Algorithm failed to detect text with shadowing effect</a:t>
-            </a:r>
-          </a:p>
-          <a:p>
-            <a:pPr marL="685800" indent="-457200">
-              <a:buFont typeface="+mj-lt"/>
-              <a:buAutoNum type="arabicPeriod"/>
-            </a:pPr>
-            <a:r>
-              <a:rPr lang="en-GB" sz="2400" dirty="0" smtClean="0">
-                <a:latin typeface="Times New Roman" pitchFamily="18" charset="0"/>
-                <a:cs typeface="Times New Roman" pitchFamily="18" charset="0"/>
-              </a:rPr>
-              <a:t>Failed to detect text with characters of small size and thin strokes</a:t>
-            </a:r>
-            <a:endParaRPr lang="en-GB" sz="2400" dirty="0">
+              <a:t>Inference</a:t>
+            </a:r>
+            <a:endParaRPr lang="en-GB" sz="2400" b="1" dirty="0">
               <a:latin typeface="Times New Roman" pitchFamily="18" charset="0"/>
               <a:cs typeface="Times New Roman" pitchFamily="18" charset="0"/>
             </a:endParaRPr>
@@ -19569,10 +18475,793 @@
           </a:ln>
         </p:spPr>
       </p:pic>
+      <p:graphicFrame>
+        <p:nvGraphicFramePr>
+          <p:cNvPr id="5" name="Table 4"/>
+          <p:cNvGraphicFramePr>
+            <a:graphicFrameLocks noGrp="1"/>
+          </p:cNvGraphicFramePr>
+          <p:nvPr>
+            <p:extLst>
+              <p:ext uri="{D42A27DB-BD31-4B8C-83A1-F6EECF244321}">
+                <p14:modId xmlns:p14="http://schemas.microsoft.com/office/powerpoint/2010/main" val="120843160"/>
+              </p:ext>
+            </p:extLst>
+          </p:nvPr>
+        </p:nvGraphicFramePr>
+        <p:xfrm>
+          <a:off x="457199" y="2154724"/>
+          <a:ext cx="8226428" cy="3968261"/>
+        </p:xfrm>
+        <a:graphic>
+          <a:graphicData uri="http://schemas.openxmlformats.org/drawingml/2006/table">
+            <a:tbl>
+              <a:tblPr firstRow="1" bandRow="1">
+                <a:tableStyleId>{2D5ABB26-0587-4C30-8999-92F81FD0307C}</a:tableStyleId>
+              </a:tblPr>
+              <a:tblGrid>
+                <a:gridCol w="2056607"/>
+                <a:gridCol w="2056607"/>
+                <a:gridCol w="2056607"/>
+                <a:gridCol w="2056607"/>
+              </a:tblGrid>
+              <a:tr h="975773">
+                <a:tc>
+                  <a:txBody>
+                    <a:bodyPr/>
+                    <a:lstStyle/>
+                    <a:p>
+                      <a:r>
+                        <a:rPr lang="en-IN" b="1" dirty="0" smtClean="0"/>
+                        <a:t>Reference Paper</a:t>
+                      </a:r>
+                      <a:endParaRPr lang="en-IN" b="1" dirty="0"/>
+                    </a:p>
+                  </a:txBody>
+                  <a:tcPr>
+                    <a:lnL w="12700" cap="flat" cmpd="sng" algn="ctr">
+                      <a:solidFill>
+                        <a:schemeClr val="tx1"/>
+                      </a:solidFill>
+                      <a:prstDash val="solid"/>
+                      <a:round/>
+                      <a:headEnd type="none" w="med" len="med"/>
+                      <a:tailEnd type="none" w="med" len="med"/>
+                    </a:lnL>
+                    <a:lnR w="12700" cap="flat" cmpd="sng" algn="ctr">
+                      <a:solidFill>
+                        <a:schemeClr val="tx1"/>
+                      </a:solidFill>
+                      <a:prstDash val="solid"/>
+                      <a:round/>
+                      <a:headEnd type="none" w="med" len="med"/>
+                      <a:tailEnd type="none" w="med" len="med"/>
+                    </a:lnR>
+                    <a:lnT w="12700" cap="flat" cmpd="sng" algn="ctr">
+                      <a:solidFill>
+                        <a:schemeClr val="tx1"/>
+                      </a:solidFill>
+                      <a:prstDash val="solid"/>
+                      <a:round/>
+                      <a:headEnd type="none" w="med" len="med"/>
+                      <a:tailEnd type="none" w="med" len="med"/>
+                    </a:lnT>
+                    <a:lnB w="12700" cap="flat" cmpd="sng" algn="ctr">
+                      <a:solidFill>
+                        <a:schemeClr val="tx1"/>
+                      </a:solidFill>
+                      <a:prstDash val="solid"/>
+                      <a:round/>
+                      <a:headEnd type="none" w="med" len="med"/>
+                      <a:tailEnd type="none" w="med" len="med"/>
+                    </a:lnB>
+                    <a:lnTlToBr w="12700" cmpd="sng">
+                      <a:noFill/>
+                      <a:prstDash val="solid"/>
+                    </a:lnTlToBr>
+                    <a:lnBlToTr w="12700" cmpd="sng">
+                      <a:noFill/>
+                      <a:prstDash val="solid"/>
+                    </a:lnBlToTr>
+                    <a:solidFill>
+                      <a:schemeClr val="accent6">
+                        <a:lumMod val="20000"/>
+                        <a:lumOff val="80000"/>
+                      </a:schemeClr>
+                    </a:solidFill>
+                  </a:tcPr>
+                </a:tc>
+                <a:tc>
+                  <a:txBody>
+                    <a:bodyPr/>
+                    <a:lstStyle/>
+                    <a:p>
+                      <a:r>
+                        <a:rPr lang="en-US" sz="1400" b="1" dirty="0" smtClean="0">
+                          <a:latin typeface="Times New Roman" pitchFamily="18" charset="0"/>
+                          <a:cs typeface="Times New Roman" pitchFamily="18" charset="0"/>
+                        </a:rPr>
+                        <a:t>Extracting Text from Degraded Document Image </a:t>
+                      </a:r>
+                      <a:endParaRPr lang="en-IN" dirty="0"/>
+                    </a:p>
+                  </a:txBody>
+                  <a:tcPr>
+                    <a:lnL w="12700" cap="flat" cmpd="sng" algn="ctr">
+                      <a:solidFill>
+                        <a:schemeClr val="tx1"/>
+                      </a:solidFill>
+                      <a:prstDash val="solid"/>
+                      <a:round/>
+                      <a:headEnd type="none" w="med" len="med"/>
+                      <a:tailEnd type="none" w="med" len="med"/>
+                    </a:lnL>
+                    <a:lnR w="12700" cap="flat" cmpd="sng" algn="ctr">
+                      <a:solidFill>
+                        <a:schemeClr val="tx1"/>
+                      </a:solidFill>
+                      <a:prstDash val="solid"/>
+                      <a:round/>
+                      <a:headEnd type="none" w="med" len="med"/>
+                      <a:tailEnd type="none" w="med" len="med"/>
+                    </a:lnR>
+                    <a:lnT w="12700" cap="flat" cmpd="sng" algn="ctr">
+                      <a:solidFill>
+                        <a:schemeClr val="tx1"/>
+                      </a:solidFill>
+                      <a:prstDash val="solid"/>
+                      <a:round/>
+                      <a:headEnd type="none" w="med" len="med"/>
+                      <a:tailEnd type="none" w="med" len="med"/>
+                    </a:lnT>
+                    <a:lnB w="12700" cap="flat" cmpd="sng" algn="ctr">
+                      <a:solidFill>
+                        <a:schemeClr val="tx1"/>
+                      </a:solidFill>
+                      <a:prstDash val="solid"/>
+                      <a:round/>
+                      <a:headEnd type="none" w="med" len="med"/>
+                      <a:tailEnd type="none" w="med" len="med"/>
+                    </a:lnB>
+                    <a:solidFill>
+                      <a:schemeClr val="accent6">
+                        <a:lumMod val="20000"/>
+                        <a:lumOff val="80000"/>
+                      </a:schemeClr>
+                    </a:solidFill>
+                  </a:tcPr>
+                </a:tc>
+                <a:tc>
+                  <a:txBody>
+                    <a:bodyPr/>
+                    <a:lstStyle/>
+                    <a:p>
+                      <a:r>
+                        <a:rPr lang="en-US" sz="1400" b="1" dirty="0" smtClean="0">
+                          <a:latin typeface="Times New Roman" pitchFamily="18" charset="0"/>
+                          <a:cs typeface="Times New Roman" pitchFamily="18" charset="0"/>
+                        </a:rPr>
+                        <a:t>A Robust Algorithm for Text Extraction from Images </a:t>
+                      </a:r>
+                      <a:endParaRPr lang="en-IN" dirty="0"/>
+                    </a:p>
+                  </a:txBody>
+                  <a:tcPr>
+                    <a:lnL w="12700" cap="flat" cmpd="sng" algn="ctr">
+                      <a:solidFill>
+                        <a:schemeClr val="tx1"/>
+                      </a:solidFill>
+                      <a:prstDash val="solid"/>
+                      <a:round/>
+                      <a:headEnd type="none" w="med" len="med"/>
+                      <a:tailEnd type="none" w="med" len="med"/>
+                    </a:lnL>
+                    <a:lnR w="12700" cap="flat" cmpd="sng" algn="ctr">
+                      <a:solidFill>
+                        <a:schemeClr val="tx1"/>
+                      </a:solidFill>
+                      <a:prstDash val="solid"/>
+                      <a:round/>
+                      <a:headEnd type="none" w="med" len="med"/>
+                      <a:tailEnd type="none" w="med" len="med"/>
+                    </a:lnR>
+                    <a:lnT w="12700" cap="flat" cmpd="sng" algn="ctr">
+                      <a:solidFill>
+                        <a:schemeClr val="tx1"/>
+                      </a:solidFill>
+                      <a:prstDash val="solid"/>
+                      <a:round/>
+                      <a:headEnd type="none" w="med" len="med"/>
+                      <a:tailEnd type="none" w="med" len="med"/>
+                    </a:lnT>
+                    <a:lnB w="12700" cap="flat" cmpd="sng" algn="ctr">
+                      <a:solidFill>
+                        <a:schemeClr val="tx1"/>
+                      </a:solidFill>
+                      <a:prstDash val="solid"/>
+                      <a:round/>
+                      <a:headEnd type="none" w="med" len="med"/>
+                      <a:tailEnd type="none" w="med" len="med"/>
+                    </a:lnB>
+                    <a:solidFill>
+                      <a:schemeClr val="accent6">
+                        <a:lumMod val="20000"/>
+                        <a:lumOff val="80000"/>
+                      </a:schemeClr>
+                    </a:solidFill>
+                  </a:tcPr>
+                </a:tc>
+                <a:tc>
+                  <a:txBody>
+                    <a:bodyPr/>
+                    <a:lstStyle/>
+                    <a:p>
+                      <a:r>
+                        <a:rPr lang="en-US" sz="1400" b="1" dirty="0" smtClean="0">
+                          <a:latin typeface="Times New Roman" pitchFamily="18" charset="0"/>
+                          <a:cs typeface="Times New Roman" pitchFamily="18" charset="0"/>
+                        </a:rPr>
+                        <a:t>Computerized Paper Evaluation Using Neural Network</a:t>
+                      </a:r>
+                      <a:endParaRPr lang="en-IN" dirty="0"/>
+                    </a:p>
+                  </a:txBody>
+                  <a:tcPr>
+                    <a:lnL w="12700" cap="flat" cmpd="sng" algn="ctr">
+                      <a:solidFill>
+                        <a:schemeClr val="tx1"/>
+                      </a:solidFill>
+                      <a:prstDash val="solid"/>
+                      <a:round/>
+                      <a:headEnd type="none" w="med" len="med"/>
+                      <a:tailEnd type="none" w="med" len="med"/>
+                    </a:lnL>
+                    <a:lnR w="12700" cap="flat" cmpd="sng" algn="ctr">
+                      <a:solidFill>
+                        <a:schemeClr val="tx1"/>
+                      </a:solidFill>
+                      <a:prstDash val="solid"/>
+                      <a:round/>
+                      <a:headEnd type="none" w="med" len="med"/>
+                      <a:tailEnd type="none" w="med" len="med"/>
+                    </a:lnR>
+                    <a:lnT w="12700" cap="flat" cmpd="sng" algn="ctr">
+                      <a:solidFill>
+                        <a:schemeClr val="tx1"/>
+                      </a:solidFill>
+                      <a:prstDash val="solid"/>
+                      <a:round/>
+                      <a:headEnd type="none" w="med" len="med"/>
+                      <a:tailEnd type="none" w="med" len="med"/>
+                    </a:lnT>
+                    <a:lnB w="12700" cap="flat" cmpd="sng" algn="ctr">
+                      <a:solidFill>
+                        <a:schemeClr val="tx1"/>
+                      </a:solidFill>
+                      <a:prstDash val="solid"/>
+                      <a:round/>
+                      <a:headEnd type="none" w="med" len="med"/>
+                      <a:tailEnd type="none" w="med" len="med"/>
+                    </a:lnB>
+                    <a:solidFill>
+                      <a:schemeClr val="accent6">
+                        <a:lumMod val="20000"/>
+                        <a:lumOff val="80000"/>
+                      </a:schemeClr>
+                    </a:solidFill>
+                  </a:tcPr>
+                </a:tc>
+              </a:tr>
+              <a:tr h="1496244">
+                <a:tc>
+                  <a:txBody>
+                    <a:bodyPr/>
+                    <a:lstStyle/>
+                    <a:p>
+                      <a:r>
+                        <a:rPr lang="en-IN" dirty="0" smtClean="0"/>
+                        <a:t>Use Case</a:t>
+                      </a:r>
+                      <a:endParaRPr lang="en-IN" dirty="0"/>
+                    </a:p>
+                  </a:txBody>
+                  <a:tcPr>
+                    <a:lnL w="12700" cap="flat" cmpd="sng" algn="ctr">
+                      <a:solidFill>
+                        <a:schemeClr val="tx1"/>
+                      </a:solidFill>
+                      <a:prstDash val="solid"/>
+                      <a:round/>
+                      <a:headEnd type="none" w="med" len="med"/>
+                      <a:tailEnd type="none" w="med" len="med"/>
+                    </a:lnL>
+                    <a:lnR w="12700" cap="flat" cmpd="sng" algn="ctr">
+                      <a:solidFill>
+                        <a:schemeClr val="tx1"/>
+                      </a:solidFill>
+                      <a:prstDash val="solid"/>
+                      <a:round/>
+                      <a:headEnd type="none" w="med" len="med"/>
+                      <a:tailEnd type="none" w="med" len="med"/>
+                    </a:lnR>
+                    <a:lnT w="12700" cap="flat" cmpd="sng" algn="ctr">
+                      <a:solidFill>
+                        <a:schemeClr val="tx1"/>
+                      </a:solidFill>
+                      <a:prstDash val="solid"/>
+                      <a:round/>
+                      <a:headEnd type="none" w="med" len="med"/>
+                      <a:tailEnd type="none" w="med" len="med"/>
+                    </a:lnT>
+                    <a:lnB w="12700" cap="flat" cmpd="sng" algn="ctr">
+                      <a:solidFill>
+                        <a:schemeClr val="tx1"/>
+                      </a:solidFill>
+                      <a:prstDash val="solid"/>
+                      <a:round/>
+                      <a:headEnd type="none" w="med" len="med"/>
+                      <a:tailEnd type="none" w="med" len="med"/>
+                    </a:lnB>
+                    <a:solidFill>
+                      <a:schemeClr val="accent1">
+                        <a:lumMod val="20000"/>
+                        <a:lumOff val="80000"/>
+                      </a:schemeClr>
+                    </a:solidFill>
+                  </a:tcPr>
+                </a:tc>
+                <a:tc>
+                  <a:txBody>
+                    <a:bodyPr/>
+                    <a:lstStyle/>
+                    <a:p>
+                      <a:r>
+                        <a:rPr lang="en-IN" dirty="0" smtClean="0"/>
+                        <a:t>To extract</a:t>
+                      </a:r>
+                      <a:r>
+                        <a:rPr lang="en-IN" baseline="0" dirty="0" smtClean="0"/>
+                        <a:t> text from old degraded low quality documents</a:t>
+                      </a:r>
+                      <a:endParaRPr lang="en-IN" dirty="0"/>
+                    </a:p>
+                  </a:txBody>
+                  <a:tcPr>
+                    <a:lnL w="12700" cap="flat" cmpd="sng" algn="ctr">
+                      <a:solidFill>
+                        <a:schemeClr val="tx1"/>
+                      </a:solidFill>
+                      <a:prstDash val="solid"/>
+                      <a:round/>
+                      <a:headEnd type="none" w="med" len="med"/>
+                      <a:tailEnd type="none" w="med" len="med"/>
+                    </a:lnL>
+                    <a:lnR w="12700" cap="flat" cmpd="sng" algn="ctr">
+                      <a:solidFill>
+                        <a:schemeClr val="tx1"/>
+                      </a:solidFill>
+                      <a:prstDash val="solid"/>
+                      <a:round/>
+                      <a:headEnd type="none" w="med" len="med"/>
+                      <a:tailEnd type="none" w="med" len="med"/>
+                    </a:lnR>
+                    <a:lnT w="12700" cap="flat" cmpd="sng" algn="ctr">
+                      <a:solidFill>
+                        <a:schemeClr val="tx1"/>
+                      </a:solidFill>
+                      <a:prstDash val="solid"/>
+                      <a:round/>
+                      <a:headEnd type="none" w="med" len="med"/>
+                      <a:tailEnd type="none" w="med" len="med"/>
+                    </a:lnT>
+                    <a:lnB w="12700" cap="flat" cmpd="sng" algn="ctr">
+                      <a:solidFill>
+                        <a:schemeClr val="tx1"/>
+                      </a:solidFill>
+                      <a:prstDash val="solid"/>
+                      <a:round/>
+                      <a:headEnd type="none" w="med" len="med"/>
+                      <a:tailEnd type="none" w="med" len="med"/>
+                    </a:lnB>
+                  </a:tcPr>
+                </a:tc>
+                <a:tc>
+                  <a:txBody>
+                    <a:bodyPr/>
+                    <a:lstStyle/>
+                    <a:p>
+                      <a:r>
+                        <a:rPr lang="en-IN" dirty="0" smtClean="0"/>
+                        <a:t>To extract</a:t>
+                      </a:r>
+                      <a:r>
+                        <a:rPr lang="en-IN" baseline="0" dirty="0" smtClean="0"/>
+                        <a:t> text from image in even in low lighting and moderate</a:t>
+                      </a:r>
+                    </a:p>
+                    <a:p>
+                      <a:r>
+                        <a:rPr lang="en-IN" baseline="0" dirty="0" smtClean="0"/>
+                        <a:t>Noise condition</a:t>
+                      </a:r>
+                      <a:endParaRPr lang="en-IN" dirty="0"/>
+                    </a:p>
+                  </a:txBody>
+                  <a:tcPr>
+                    <a:lnL w="12700" cap="flat" cmpd="sng" algn="ctr">
+                      <a:solidFill>
+                        <a:schemeClr val="tx1"/>
+                      </a:solidFill>
+                      <a:prstDash val="solid"/>
+                      <a:round/>
+                      <a:headEnd type="none" w="med" len="med"/>
+                      <a:tailEnd type="none" w="med" len="med"/>
+                    </a:lnL>
+                    <a:lnR w="12700" cap="flat" cmpd="sng" algn="ctr">
+                      <a:solidFill>
+                        <a:schemeClr val="tx1"/>
+                      </a:solidFill>
+                      <a:prstDash val="solid"/>
+                      <a:round/>
+                      <a:headEnd type="none" w="med" len="med"/>
+                      <a:tailEnd type="none" w="med" len="med"/>
+                    </a:lnR>
+                    <a:lnT w="12700" cap="flat" cmpd="sng" algn="ctr">
+                      <a:solidFill>
+                        <a:schemeClr val="tx1"/>
+                      </a:solidFill>
+                      <a:prstDash val="solid"/>
+                      <a:round/>
+                      <a:headEnd type="none" w="med" len="med"/>
+                      <a:tailEnd type="none" w="med" len="med"/>
+                    </a:lnT>
+                    <a:lnB w="12700" cap="flat" cmpd="sng" algn="ctr">
+                      <a:solidFill>
+                        <a:schemeClr val="tx1"/>
+                      </a:solidFill>
+                      <a:prstDash val="solid"/>
+                      <a:round/>
+                      <a:headEnd type="none" w="med" len="med"/>
+                      <a:tailEnd type="none" w="med" len="med"/>
+                    </a:lnB>
+                  </a:tcPr>
+                </a:tc>
+                <a:tc>
+                  <a:txBody>
+                    <a:bodyPr/>
+                    <a:lstStyle/>
+                    <a:p>
+                      <a:r>
+                        <a:rPr lang="en-IN" dirty="0" smtClean="0"/>
+                        <a:t>To evaluate paper using self organising map</a:t>
+                      </a:r>
+                      <a:endParaRPr lang="en-IN" dirty="0"/>
+                    </a:p>
+                  </a:txBody>
+                  <a:tcPr>
+                    <a:lnL w="12700" cap="flat" cmpd="sng" algn="ctr">
+                      <a:solidFill>
+                        <a:schemeClr val="tx1"/>
+                      </a:solidFill>
+                      <a:prstDash val="solid"/>
+                      <a:round/>
+                      <a:headEnd type="none" w="med" len="med"/>
+                      <a:tailEnd type="none" w="med" len="med"/>
+                    </a:lnL>
+                    <a:lnR w="12700" cap="flat" cmpd="sng" algn="ctr">
+                      <a:solidFill>
+                        <a:schemeClr val="tx1"/>
+                      </a:solidFill>
+                      <a:prstDash val="solid"/>
+                      <a:round/>
+                      <a:headEnd type="none" w="med" len="med"/>
+                      <a:tailEnd type="none" w="med" len="med"/>
+                    </a:lnR>
+                    <a:lnT w="12700" cap="flat" cmpd="sng" algn="ctr">
+                      <a:solidFill>
+                        <a:schemeClr val="tx1"/>
+                      </a:solidFill>
+                      <a:prstDash val="solid"/>
+                      <a:round/>
+                      <a:headEnd type="none" w="med" len="med"/>
+                      <a:tailEnd type="none" w="med" len="med"/>
+                    </a:lnT>
+                    <a:lnB w="12700" cap="flat" cmpd="sng" algn="ctr">
+                      <a:solidFill>
+                        <a:schemeClr val="tx1"/>
+                      </a:solidFill>
+                      <a:prstDash val="solid"/>
+                      <a:round/>
+                      <a:headEnd type="none" w="med" len="med"/>
+                      <a:tailEnd type="none" w="med" len="med"/>
+                    </a:lnB>
+                  </a:tcPr>
+                </a:tc>
+              </a:tr>
+              <a:tr h="1496244">
+                <a:tc>
+                  <a:txBody>
+                    <a:bodyPr/>
+                    <a:lstStyle/>
+                    <a:p>
+                      <a:r>
+                        <a:rPr lang="en-IN" dirty="0" smtClean="0"/>
+                        <a:t>Key Technology</a:t>
+                      </a:r>
+                      <a:endParaRPr lang="en-IN" dirty="0"/>
+                    </a:p>
+                  </a:txBody>
+                  <a:tcPr>
+                    <a:lnL w="12700" cap="flat" cmpd="sng" algn="ctr">
+                      <a:solidFill>
+                        <a:schemeClr val="tx1"/>
+                      </a:solidFill>
+                      <a:prstDash val="solid"/>
+                      <a:round/>
+                      <a:headEnd type="none" w="med" len="med"/>
+                      <a:tailEnd type="none" w="med" len="med"/>
+                    </a:lnL>
+                    <a:lnR w="12700" cap="flat" cmpd="sng" algn="ctr">
+                      <a:solidFill>
+                        <a:schemeClr val="tx1"/>
+                      </a:solidFill>
+                      <a:prstDash val="solid"/>
+                      <a:round/>
+                      <a:headEnd type="none" w="med" len="med"/>
+                      <a:tailEnd type="none" w="med" len="med"/>
+                    </a:lnR>
+                    <a:lnT w="12700" cap="flat" cmpd="sng" algn="ctr">
+                      <a:solidFill>
+                        <a:schemeClr val="tx1"/>
+                      </a:solidFill>
+                      <a:prstDash val="solid"/>
+                      <a:round/>
+                      <a:headEnd type="none" w="med" len="med"/>
+                      <a:tailEnd type="none" w="med" len="med"/>
+                    </a:lnT>
+                    <a:lnB w="12700" cap="flat" cmpd="sng" algn="ctr">
+                      <a:solidFill>
+                        <a:schemeClr val="tx1"/>
+                      </a:solidFill>
+                      <a:prstDash val="solid"/>
+                      <a:round/>
+                      <a:headEnd type="none" w="med" len="med"/>
+                      <a:tailEnd type="none" w="med" len="med"/>
+                    </a:lnB>
+                    <a:solidFill>
+                      <a:schemeClr val="accent1">
+                        <a:lumMod val="20000"/>
+                        <a:lumOff val="80000"/>
+                      </a:schemeClr>
+                    </a:solidFill>
+                  </a:tcPr>
+                </a:tc>
+                <a:tc>
+                  <a:txBody>
+                    <a:bodyPr/>
+                    <a:lstStyle/>
+                    <a:p>
+                      <a:r>
+                        <a:rPr lang="en-IN" dirty="0" smtClean="0"/>
+                        <a:t>PCA based conversion,</a:t>
+                      </a:r>
+                      <a:r>
+                        <a:rPr lang="en-US" sz="1400" b="0" i="0" u="none" strike="noStrike" cap="none" baseline="0" dirty="0" smtClean="0">
+                          <a:solidFill>
+                            <a:schemeClr val="tx1"/>
+                          </a:solidFill>
+                          <a:latin typeface="+mn-lt"/>
+                          <a:ea typeface="+mn-ea"/>
+                          <a:cs typeface="+mn-cs"/>
+                          <a:sym typeface="Arial"/>
+                        </a:rPr>
+                        <a:t> Edge Detection Using Rough-Set Theory</a:t>
+                      </a:r>
+                      <a:endParaRPr lang="en-IN" dirty="0"/>
+                    </a:p>
+                  </a:txBody>
+                  <a:tcPr>
+                    <a:lnL w="12700" cap="flat" cmpd="sng" algn="ctr">
+                      <a:solidFill>
+                        <a:schemeClr val="tx1"/>
+                      </a:solidFill>
+                      <a:prstDash val="solid"/>
+                      <a:round/>
+                      <a:headEnd type="none" w="med" len="med"/>
+                      <a:tailEnd type="none" w="med" len="med"/>
+                    </a:lnL>
+                    <a:lnR w="12700" cap="flat" cmpd="sng" algn="ctr">
+                      <a:solidFill>
+                        <a:schemeClr val="tx1"/>
+                      </a:solidFill>
+                      <a:prstDash val="solid"/>
+                      <a:round/>
+                      <a:headEnd type="none" w="med" len="med"/>
+                      <a:tailEnd type="none" w="med" len="med"/>
+                    </a:lnR>
+                    <a:lnT w="12700" cap="flat" cmpd="sng" algn="ctr">
+                      <a:solidFill>
+                        <a:schemeClr val="tx1"/>
+                      </a:solidFill>
+                      <a:prstDash val="solid"/>
+                      <a:round/>
+                      <a:headEnd type="none" w="med" len="med"/>
+                      <a:tailEnd type="none" w="med" len="med"/>
+                    </a:lnT>
+                    <a:lnB w="12700" cap="flat" cmpd="sng" algn="ctr">
+                      <a:solidFill>
+                        <a:schemeClr val="tx1"/>
+                      </a:solidFill>
+                      <a:prstDash val="solid"/>
+                      <a:round/>
+                      <a:headEnd type="none" w="med" len="med"/>
+                      <a:tailEnd type="none" w="med" len="med"/>
+                    </a:lnB>
+                  </a:tcPr>
+                </a:tc>
+                <a:tc>
+                  <a:txBody>
+                    <a:bodyPr/>
+                    <a:lstStyle/>
+                    <a:p>
+                      <a:r>
+                        <a:rPr lang="en-US" sz="1400" b="0" i="0" u="none" strike="noStrike" cap="none" baseline="0" dirty="0" smtClean="0">
+                          <a:solidFill>
+                            <a:schemeClr val="tx1"/>
+                          </a:solidFill>
+                          <a:latin typeface="+mn-lt"/>
+                          <a:ea typeface="+mn-ea"/>
+                          <a:cs typeface="+mn-cs"/>
+                          <a:sym typeface="Arial"/>
+                        </a:rPr>
+                        <a:t>Maximally Stable </a:t>
+                      </a:r>
+                      <a:r>
+                        <a:rPr lang="en-US" sz="1400" b="0" i="0" u="none" strike="noStrike" cap="none" baseline="0" dirty="0" err="1" smtClean="0">
+                          <a:solidFill>
+                            <a:schemeClr val="tx1"/>
+                          </a:solidFill>
+                          <a:latin typeface="+mn-lt"/>
+                          <a:ea typeface="+mn-ea"/>
+                          <a:cs typeface="+mn-cs"/>
+                          <a:sym typeface="Arial"/>
+                        </a:rPr>
+                        <a:t>Extremal</a:t>
+                      </a:r>
+                      <a:r>
+                        <a:rPr lang="en-US" sz="1400" b="0" i="0" u="none" strike="noStrike" cap="none" baseline="0" dirty="0" smtClean="0">
+                          <a:solidFill>
+                            <a:schemeClr val="tx1"/>
+                          </a:solidFill>
+                          <a:latin typeface="+mn-lt"/>
+                          <a:ea typeface="+mn-ea"/>
+                          <a:cs typeface="+mn-cs"/>
+                          <a:sym typeface="Arial"/>
+                        </a:rPr>
+                        <a:t> Regions (MSER) detection, </a:t>
+                      </a:r>
+                      <a:r>
+                        <a:rPr lang="en-IN" sz="1400" b="0" i="0" u="none" strike="noStrike" cap="none" baseline="0" dirty="0" smtClean="0">
+                          <a:solidFill>
+                            <a:schemeClr val="tx1"/>
+                          </a:solidFill>
+                          <a:latin typeface="+mn-lt"/>
+                          <a:ea typeface="+mn-ea"/>
+                          <a:cs typeface="+mn-cs"/>
+                          <a:sym typeface="Arial"/>
+                        </a:rPr>
+                        <a:t>Stroke Width Detector</a:t>
+                      </a:r>
+                      <a:endParaRPr lang="en-IN" b="0" dirty="0"/>
+                    </a:p>
+                  </a:txBody>
+                  <a:tcPr>
+                    <a:lnL w="12700" cap="flat" cmpd="sng" algn="ctr">
+                      <a:solidFill>
+                        <a:schemeClr val="tx1"/>
+                      </a:solidFill>
+                      <a:prstDash val="solid"/>
+                      <a:round/>
+                      <a:headEnd type="none" w="med" len="med"/>
+                      <a:tailEnd type="none" w="med" len="med"/>
+                    </a:lnL>
+                    <a:lnR w="12700" cap="flat" cmpd="sng" algn="ctr">
+                      <a:solidFill>
+                        <a:schemeClr val="tx1"/>
+                      </a:solidFill>
+                      <a:prstDash val="solid"/>
+                      <a:round/>
+                      <a:headEnd type="none" w="med" len="med"/>
+                      <a:tailEnd type="none" w="med" len="med"/>
+                    </a:lnR>
+                    <a:lnT w="12700" cap="flat" cmpd="sng" algn="ctr">
+                      <a:solidFill>
+                        <a:schemeClr val="tx1"/>
+                      </a:solidFill>
+                      <a:prstDash val="solid"/>
+                      <a:round/>
+                      <a:headEnd type="none" w="med" len="med"/>
+                      <a:tailEnd type="none" w="med" len="med"/>
+                    </a:lnT>
+                    <a:lnB w="12700" cap="flat" cmpd="sng" algn="ctr">
+                      <a:solidFill>
+                        <a:schemeClr val="tx1"/>
+                      </a:solidFill>
+                      <a:prstDash val="solid"/>
+                      <a:round/>
+                      <a:headEnd type="none" w="med" len="med"/>
+                      <a:tailEnd type="none" w="med" len="med"/>
+                    </a:lnB>
+                  </a:tcPr>
+                </a:tc>
+                <a:tc>
+                  <a:txBody>
+                    <a:bodyPr/>
+                    <a:lstStyle/>
+                    <a:p>
+                      <a:r>
+                        <a:rPr lang="en-IN" sz="1400" b="0" i="0" u="none" strike="noStrike" cap="none" baseline="0" dirty="0" smtClean="0">
+                          <a:solidFill>
+                            <a:schemeClr val="tx1"/>
+                          </a:solidFill>
+                          <a:latin typeface="+mn-lt"/>
+                          <a:ea typeface="+mn-ea"/>
+                          <a:cs typeface="+mn-cs"/>
+                          <a:sym typeface="Arial"/>
+                        </a:rPr>
+                        <a:t>Self Organizing Maps(SOM)</a:t>
+                      </a:r>
+                      <a:endParaRPr lang="en-IN" b="0" i="0" dirty="0"/>
+                    </a:p>
+                  </a:txBody>
+                  <a:tcPr>
+                    <a:lnL w="12700" cap="flat" cmpd="sng" algn="ctr">
+                      <a:solidFill>
+                        <a:schemeClr val="tx1"/>
+                      </a:solidFill>
+                      <a:prstDash val="solid"/>
+                      <a:round/>
+                      <a:headEnd type="none" w="med" len="med"/>
+                      <a:tailEnd type="none" w="med" len="med"/>
+                    </a:lnL>
+                    <a:lnR w="12700" cap="flat" cmpd="sng" algn="ctr">
+                      <a:solidFill>
+                        <a:schemeClr val="tx1"/>
+                      </a:solidFill>
+                      <a:prstDash val="solid"/>
+                      <a:round/>
+                      <a:headEnd type="none" w="med" len="med"/>
+                      <a:tailEnd type="none" w="med" len="med"/>
+                    </a:lnR>
+                    <a:lnT w="12700" cap="flat" cmpd="sng" algn="ctr">
+                      <a:solidFill>
+                        <a:schemeClr val="tx1"/>
+                      </a:solidFill>
+                      <a:prstDash val="solid"/>
+                      <a:round/>
+                      <a:headEnd type="none" w="med" len="med"/>
+                      <a:tailEnd type="none" w="med" len="med"/>
+                    </a:lnT>
+                    <a:lnB w="12700" cap="flat" cmpd="sng" algn="ctr">
+                      <a:solidFill>
+                        <a:schemeClr val="tx1"/>
+                      </a:solidFill>
+                      <a:prstDash val="solid"/>
+                      <a:round/>
+                      <a:headEnd type="none" w="med" len="med"/>
+                      <a:tailEnd type="none" w="med" len="med"/>
+                    </a:lnB>
+                  </a:tcPr>
+                </a:tc>
+              </a:tr>
+            </a:tbl>
+          </a:graphicData>
+        </a:graphic>
+      </p:graphicFrame>
     </p:spTree>
     <p:extLst>
       <p:ext uri="{BB962C8B-B14F-4D97-AF65-F5344CB8AC3E}">
-        <p14:creationId xmlns:p14="http://schemas.microsoft.com/office/powerpoint/2010/main" val="789627734"/>
+        <p14:creationId xmlns:p14="http://schemas.microsoft.com/office/powerpoint/2010/main" val="234172746"/>
       </p:ext>
     </p:extLst>
   </p:cSld>
@@ -19589,7 +19278,7 @@
 </p:sld>
 </file>
 
-<file path=ppt/slides/slide18.xml><?xml version="1.0" encoding="utf-8"?>
+<file path=ppt/slides/slide16.xml><?xml version="1.0" encoding="utf-8"?>
 <p:sld xmlns:a="http://schemas.openxmlformats.org/drawingml/2006/main" xmlns:r="http://schemas.openxmlformats.org/officeDocument/2006/relationships" xmlns:p="http://schemas.openxmlformats.org/presentationml/2006/main">
   <p:cSld>
     <p:spTree>
@@ -19808,7 +19497,398 @@
 </p:sld>
 </file>
 
-<file path=ppt/slides/slide19.xml><?xml version="1.0" encoding="utf-8"?>
+<file path=ppt/slides/slide17.xml><?xml version="1.0" encoding="utf-8"?>
+<p:sld xmlns:a="http://schemas.openxmlformats.org/drawingml/2006/main" xmlns:r="http://schemas.openxmlformats.org/officeDocument/2006/relationships" xmlns:p="http://schemas.openxmlformats.org/presentationml/2006/main">
+  <p:cSld>
+    <p:spTree>
+      <p:nvGrpSpPr>
+        <p:cNvPr id="1" name=""/>
+        <p:cNvGrpSpPr/>
+        <p:nvPr/>
+      </p:nvGrpSpPr>
+      <p:grpSpPr>
+        <a:xfrm>
+          <a:off x="0" y="0"/>
+          <a:ext cx="0" cy="0"/>
+          <a:chOff x="0" y="0"/>
+          <a:chExt cx="0" cy="0"/>
+        </a:xfrm>
+      </p:grpSpPr>
+      <p:sp>
+        <p:nvSpPr>
+          <p:cNvPr id="2" name="Title 1"/>
+          <p:cNvSpPr>
+            <a:spLocks noGrp="1"/>
+          </p:cNvSpPr>
+          <p:nvPr>
+            <p:ph type="title"/>
+          </p:nvPr>
+        </p:nvSpPr>
+        <p:spPr/>
+        <p:txBody>
+          <a:bodyPr/>
+          <a:lstStyle/>
+          <a:p>
+            <a:endParaRPr lang="en-GB" dirty="0"/>
+          </a:p>
+        </p:txBody>
+      </p:sp>
+      <p:sp>
+        <p:nvSpPr>
+          <p:cNvPr id="3" name="Text Placeholder 2"/>
+          <p:cNvSpPr>
+            <a:spLocks noGrp="1"/>
+          </p:cNvSpPr>
+          <p:nvPr>
+            <p:ph type="body" idx="1"/>
+          </p:nvPr>
+        </p:nvSpPr>
+        <p:spPr/>
+        <p:txBody>
+          <a:bodyPr/>
+          <a:lstStyle/>
+          <a:p>
+            <a:pPr algn="ctr"/>
+            <a:r>
+              <a:rPr lang="en-GB" sz="2800" b="1" dirty="0" smtClean="0">
+                <a:latin typeface="Times New Roman" pitchFamily="18" charset="0"/>
+                <a:cs typeface="Times New Roman" pitchFamily="18" charset="0"/>
+              </a:rPr>
+              <a:t>0-LEVEL Data Flow Diagram</a:t>
+            </a:r>
+            <a:r>
+              <a:rPr lang="en-GB" sz="2400" b="1" dirty="0">
+                <a:latin typeface="Times New Roman" pitchFamily="18" charset="0"/>
+                <a:cs typeface="Times New Roman" pitchFamily="18" charset="0"/>
+              </a:rPr>
+              <a:t> </a:t>
+            </a:r>
+            <a:endParaRPr lang="en-GB" sz="2400" b="1" dirty="0" smtClean="0">
+              <a:latin typeface="Times New Roman" pitchFamily="18" charset="0"/>
+              <a:cs typeface="Times New Roman" pitchFamily="18" charset="0"/>
+            </a:endParaRPr>
+          </a:p>
+          <a:p>
+            <a:pPr algn="ctr"/>
+            <a:endParaRPr lang="en-GB" sz="2400" dirty="0" smtClean="0">
+              <a:latin typeface="Times New Roman" pitchFamily="18" charset="0"/>
+              <a:cs typeface="Times New Roman" pitchFamily="18" charset="0"/>
+            </a:endParaRPr>
+          </a:p>
+        </p:txBody>
+      </p:sp>
+      <p:pic>
+        <p:nvPicPr>
+          <p:cNvPr id="4" name="Google Shape;127;p16"/>
+          <p:cNvPicPr preferRelativeResize="0">
+            <a:picLocks/>
+          </p:cNvPicPr>
+          <p:nvPr/>
+        </p:nvPicPr>
+        <p:blipFill rotWithShape="1">
+          <a:blip r:embed="rId2">
+            <a:alphaModFix/>
+          </a:blip>
+          <a:srcRect/>
+          <a:stretch>
+            <a:fillRect/>
+          </a:stretch>
+        </p:blipFill>
+        <p:spPr>
+          <a:xfrm>
+            <a:off x="0" y="-117700"/>
+            <a:ext cx="9144000" cy="1600200"/>
+          </a:xfrm>
+          <a:prstGeom prst="rect">
+            <a:avLst/>
+          </a:prstGeom>
+          <a:noFill/>
+          <a:ln>
+            <a:noFill/>
+          </a:ln>
+        </p:spPr>
+      </p:pic>
+      <p:sp>
+        <p:nvSpPr>
+          <p:cNvPr id="11" name="Rectangle 10"/>
+          <p:cNvSpPr/>
+          <p:nvPr/>
+        </p:nvSpPr>
+        <p:spPr>
+          <a:xfrm>
+            <a:off x="1077359" y="3539897"/>
+            <a:ext cx="1377646" cy="733329"/>
+          </a:xfrm>
+          <a:prstGeom prst="rect">
+            <a:avLst/>
+          </a:prstGeom>
+        </p:spPr>
+        <p:style>
+          <a:lnRef idx="2">
+            <a:schemeClr val="dk1"/>
+          </a:lnRef>
+          <a:fillRef idx="1">
+            <a:schemeClr val="lt1"/>
+          </a:fillRef>
+          <a:effectRef idx="0">
+            <a:schemeClr val="dk1"/>
+          </a:effectRef>
+          <a:fontRef idx="minor">
+            <a:schemeClr val="dk1"/>
+          </a:fontRef>
+        </p:style>
+        <p:txBody>
+          <a:bodyPr rtlCol="0" anchor="ctr"/>
+          <a:lstStyle/>
+          <a:p>
+            <a:pPr algn="ctr"/>
+            <a:r>
+              <a:rPr lang="en-IN" dirty="0" smtClean="0"/>
+              <a:t>EXAM PAPER</a:t>
+            </a:r>
+            <a:endParaRPr lang="en-IN" dirty="0"/>
+          </a:p>
+        </p:txBody>
+      </p:sp>
+      <p:sp>
+        <p:nvSpPr>
+          <p:cNvPr id="17" name="Rectangle 16"/>
+          <p:cNvSpPr/>
+          <p:nvPr/>
+        </p:nvSpPr>
+        <p:spPr>
+          <a:xfrm>
+            <a:off x="6390245" y="3610818"/>
+            <a:ext cx="1730705" cy="733329"/>
+          </a:xfrm>
+          <a:prstGeom prst="rect">
+            <a:avLst/>
+          </a:prstGeom>
+        </p:spPr>
+        <p:style>
+          <a:lnRef idx="2">
+            <a:schemeClr val="dk1"/>
+          </a:lnRef>
+          <a:fillRef idx="1">
+            <a:schemeClr val="lt1"/>
+          </a:fillRef>
+          <a:effectRef idx="0">
+            <a:schemeClr val="dk1"/>
+          </a:effectRef>
+          <a:fontRef idx="minor">
+            <a:schemeClr val="dk1"/>
+          </a:fontRef>
+        </p:style>
+        <p:txBody>
+          <a:bodyPr rtlCol="0" anchor="ctr"/>
+          <a:lstStyle/>
+          <a:p>
+            <a:pPr algn="ctr"/>
+            <a:r>
+              <a:rPr lang="en-IN" dirty="0" smtClean="0"/>
+              <a:t>Result</a:t>
+            </a:r>
+            <a:endParaRPr lang="en-IN" dirty="0"/>
+          </a:p>
+        </p:txBody>
+      </p:sp>
+      <p:cxnSp>
+        <p:nvCxnSpPr>
+          <p:cNvPr id="19" name="Straight Arrow Connector 18"/>
+          <p:cNvCxnSpPr/>
+          <p:nvPr/>
+        </p:nvCxnSpPr>
+        <p:spPr>
+          <a:xfrm>
+            <a:off x="2464052" y="3956357"/>
+            <a:ext cx="596019" cy="6791"/>
+          </a:xfrm>
+          <a:prstGeom prst="straightConnector1">
+            <a:avLst/>
+          </a:prstGeom>
+          <a:ln w="19050">
+            <a:solidFill>
+              <a:schemeClr val="tx2"/>
+            </a:solidFill>
+            <a:tailEnd type="triangle"/>
+          </a:ln>
+        </p:spPr>
+        <p:style>
+          <a:lnRef idx="1">
+            <a:schemeClr val="accent1"/>
+          </a:lnRef>
+          <a:fillRef idx="0">
+            <a:schemeClr val="accent1"/>
+          </a:fillRef>
+          <a:effectRef idx="0">
+            <a:schemeClr val="accent1"/>
+          </a:effectRef>
+          <a:fontRef idx="minor">
+            <a:schemeClr val="tx1"/>
+          </a:fontRef>
+        </p:style>
+      </p:cxnSp>
+      <p:cxnSp>
+        <p:nvCxnSpPr>
+          <p:cNvPr id="21" name="Straight Arrow Connector 20"/>
+          <p:cNvCxnSpPr>
+            <a:endCxn id="17" idx="1"/>
+          </p:cNvCxnSpPr>
+          <p:nvPr/>
+        </p:nvCxnSpPr>
+        <p:spPr>
+          <a:xfrm flipV="1">
+            <a:off x="5205743" y="3977483"/>
+            <a:ext cx="1184502" cy="13574"/>
+          </a:xfrm>
+          <a:prstGeom prst="straightConnector1">
+            <a:avLst/>
+          </a:prstGeom>
+          <a:ln w="19050">
+            <a:solidFill>
+              <a:schemeClr val="tx2"/>
+            </a:solidFill>
+            <a:tailEnd type="triangle"/>
+          </a:ln>
+        </p:spPr>
+        <p:style>
+          <a:lnRef idx="1">
+            <a:schemeClr val="accent1"/>
+          </a:lnRef>
+          <a:fillRef idx="0">
+            <a:schemeClr val="accent1"/>
+          </a:fillRef>
+          <a:effectRef idx="0">
+            <a:schemeClr val="accent1"/>
+          </a:effectRef>
+          <a:fontRef idx="minor">
+            <a:schemeClr val="tx1"/>
+          </a:fontRef>
+        </p:style>
+      </p:cxnSp>
+      <p:sp>
+        <p:nvSpPr>
+          <p:cNvPr id="12" name="Oval 11"/>
+          <p:cNvSpPr/>
+          <p:nvPr/>
+        </p:nvSpPr>
+        <p:spPr>
+          <a:xfrm>
+            <a:off x="3060071" y="3539897"/>
+            <a:ext cx="2498757" cy="860081"/>
+          </a:xfrm>
+          <a:prstGeom prst="ellipse">
+            <a:avLst/>
+          </a:prstGeom>
+        </p:spPr>
+        <p:style>
+          <a:lnRef idx="2">
+            <a:schemeClr val="dk1"/>
+          </a:lnRef>
+          <a:fillRef idx="1">
+            <a:schemeClr val="lt1"/>
+          </a:fillRef>
+          <a:effectRef idx="0">
+            <a:schemeClr val="dk1"/>
+          </a:effectRef>
+          <a:fontRef idx="minor">
+            <a:schemeClr val="dk1"/>
+          </a:fontRef>
+        </p:style>
+        <p:txBody>
+          <a:bodyPr rtlCol="0" anchor="ctr"/>
+          <a:lstStyle/>
+          <a:p>
+            <a:pPr algn="ctr"/>
+            <a:r>
+              <a:rPr lang="en-IN" dirty="0" smtClean="0"/>
+              <a:t>Evaluate</a:t>
+            </a:r>
+            <a:endParaRPr lang="en-IN" dirty="0"/>
+          </a:p>
+        </p:txBody>
+      </p:sp>
+      <p:sp>
+        <p:nvSpPr>
+          <p:cNvPr id="7" name="TextBox 6"/>
+          <p:cNvSpPr txBox="1"/>
+          <p:nvPr/>
+        </p:nvSpPr>
+        <p:spPr>
+          <a:xfrm>
+            <a:off x="2498760" y="3666647"/>
+            <a:ext cx="593432" cy="307777"/>
+          </a:xfrm>
+          <a:prstGeom prst="rect">
+            <a:avLst/>
+          </a:prstGeom>
+          <a:noFill/>
+        </p:spPr>
+        <p:txBody>
+          <a:bodyPr wrap="none" rtlCol="0">
+            <a:spAutoFit/>
+          </a:bodyPr>
+          <a:lstStyle/>
+          <a:p>
+            <a:r>
+              <a:rPr lang="en-IN" dirty="0" smtClean="0"/>
+              <a:t>Scan</a:t>
+            </a:r>
+            <a:endParaRPr lang="en-IN" dirty="0"/>
+          </a:p>
+        </p:txBody>
+      </p:sp>
+      <p:sp>
+        <p:nvSpPr>
+          <p:cNvPr id="8" name="TextBox 7"/>
+          <p:cNvSpPr txBox="1"/>
+          <p:nvPr/>
+        </p:nvSpPr>
+        <p:spPr>
+          <a:xfrm>
+            <a:off x="5676523" y="3684761"/>
+            <a:ext cx="612668" cy="307777"/>
+          </a:xfrm>
+          <a:prstGeom prst="rect">
+            <a:avLst/>
+          </a:prstGeom>
+          <a:noFill/>
+        </p:spPr>
+        <p:txBody>
+          <a:bodyPr wrap="none" rtlCol="0">
+            <a:spAutoFit/>
+          </a:bodyPr>
+          <a:lstStyle/>
+          <a:p>
+            <a:r>
+              <a:rPr lang="en-IN" dirty="0" smtClean="0"/>
+              <a:t>Store</a:t>
+            </a:r>
+            <a:endParaRPr lang="en-IN" dirty="0"/>
+          </a:p>
+        </p:txBody>
+      </p:sp>
+    </p:spTree>
+    <p:extLst>
+      <p:ext uri="{BB962C8B-B14F-4D97-AF65-F5344CB8AC3E}">
+        <p14:creationId xmlns:p14="http://schemas.microsoft.com/office/powerpoint/2010/main" val="2260988450"/>
+      </p:ext>
+    </p:extLst>
+  </p:cSld>
+  <p:clrMapOvr>
+    <a:masterClrMapping/>
+  </p:clrMapOvr>
+  <p:timing>
+    <p:tnLst>
+      <p:par>
+        <p:cTn id="1" dur="indefinite" restart="never" nodeType="tmRoot"/>
+      </p:par>
+    </p:tnLst>
+  </p:timing>
+</p:sld>
+</file>
+
+<file path=ppt/slides/slide18.xml><?xml version="1.0" encoding="utf-8"?>
 <p:sld xmlns:a="http://schemas.openxmlformats.org/drawingml/2006/main" xmlns:r="http://schemas.openxmlformats.org/officeDocument/2006/relationships" xmlns:p="http://schemas.openxmlformats.org/presentationml/2006/main">
   <p:cSld>
     <p:spTree>
@@ -20206,10 +20286,106 @@
           </a:fontRef>
         </p:style>
       </p:cxnSp>
+      <p:sp>
+        <p:nvSpPr>
+          <p:cNvPr id="12" name="TextBox 11"/>
+          <p:cNvSpPr txBox="1"/>
+          <p:nvPr/>
+        </p:nvSpPr>
+        <p:spPr>
+          <a:xfrm>
+            <a:off x="2589293" y="2906159"/>
+            <a:ext cx="593432" cy="307777"/>
+          </a:xfrm>
+          <a:prstGeom prst="rect">
+            <a:avLst/>
+          </a:prstGeom>
+          <a:noFill/>
+        </p:spPr>
+        <p:txBody>
+          <a:bodyPr wrap="none" rtlCol="0">
+            <a:spAutoFit/>
+          </a:bodyPr>
+          <a:lstStyle/>
+          <a:p>
+            <a:r>
+              <a:rPr lang="en-IN" dirty="0" smtClean="0"/>
+              <a:t>Scan</a:t>
+            </a:r>
+            <a:endParaRPr lang="en-IN" dirty="0"/>
+          </a:p>
+        </p:txBody>
+      </p:sp>
+      <p:sp>
+        <p:nvSpPr>
+          <p:cNvPr id="15" name="TextBox 14"/>
+          <p:cNvSpPr txBox="1"/>
+          <p:nvPr/>
+        </p:nvSpPr>
+        <p:spPr>
+          <a:xfrm>
+            <a:off x="5278162" y="2951431"/>
+            <a:ext cx="671979" cy="523220"/>
+          </a:xfrm>
+          <a:prstGeom prst="rect">
+            <a:avLst/>
+          </a:prstGeom>
+          <a:noFill/>
+        </p:spPr>
+        <p:txBody>
+          <a:bodyPr wrap="none" rtlCol="0">
+            <a:spAutoFit/>
+          </a:bodyPr>
+          <a:lstStyle/>
+          <a:p>
+            <a:r>
+              <a:rPr lang="en-IN" dirty="0" smtClean="0"/>
+              <a:t>Pass </a:t>
+            </a:r>
+          </a:p>
+          <a:p>
+            <a:r>
+              <a:rPr lang="en-IN" dirty="0" smtClean="0"/>
+              <a:t>image</a:t>
+            </a:r>
+            <a:endParaRPr lang="en-IN" dirty="0"/>
+          </a:p>
+        </p:txBody>
+      </p:sp>
+      <p:sp>
+        <p:nvSpPr>
+          <p:cNvPr id="5" name="TextBox 4"/>
+          <p:cNvSpPr txBox="1"/>
+          <p:nvPr/>
+        </p:nvSpPr>
+        <p:spPr>
+          <a:xfrm>
+            <a:off x="7134134" y="4046899"/>
+            <a:ext cx="612668" cy="307777"/>
+          </a:xfrm>
+          <a:prstGeom prst="rect">
+            <a:avLst/>
+          </a:prstGeom>
+          <a:noFill/>
+        </p:spPr>
+        <p:txBody>
+          <a:bodyPr wrap="none" rtlCol="0">
+            <a:spAutoFit/>
+          </a:bodyPr>
+          <a:lstStyle/>
+          <a:p>
+            <a:r>
+              <a:rPr lang="en-IN" dirty="0" smtClean="0"/>
+              <a:t>Store</a:t>
+            </a:r>
+            <a:endParaRPr lang="en-IN" dirty="0"/>
+          </a:p>
+        </p:txBody>
+      </p:sp>
     </p:spTree>
     <p:extLst>
       <p:ext uri="{BB962C8B-B14F-4D97-AF65-F5344CB8AC3E}">
-        <p14:creationId xmlns:p14="http://schemas.microsoft.com/office/powerpoint/2010/main" val="2260988450"/>
+        <p14:creationId xmlns:p14="http://schemas.microsoft.com/office/powerpoint/2010/main" val="739552436"/>
       </p:ext>
     </p:extLst>
   </p:cSld>
@@ -20226,537 +20402,7 @@
 </p:sld>
 </file>
 
-<file path=ppt/slides/slide2.xml><?xml version="1.0" encoding="utf-8"?>
-<p:sld xmlns:a="http://schemas.openxmlformats.org/drawingml/2006/main" xmlns:r="http://schemas.openxmlformats.org/officeDocument/2006/relationships" xmlns:p="http://schemas.openxmlformats.org/presentationml/2006/main">
-  <p:cSld>
-    <p:bg>
-      <p:bgPr>
-        <a:solidFill>
-          <a:srgbClr val="FFFFFF"/>
-        </a:solidFill>
-        <a:effectLst/>
-      </p:bgPr>
-    </p:bg>
-    <p:spTree>
-      <p:nvGrpSpPr>
-        <p:cNvPr id="1" name="Shape 96"/>
-        <p:cNvGrpSpPr/>
-        <p:nvPr/>
-      </p:nvGrpSpPr>
-      <p:grpSpPr>
-        <a:xfrm>
-          <a:off x="0" y="0"/>
-          <a:ext cx="0" cy="0"/>
-          <a:chOff x="0" y="0"/>
-          <a:chExt cx="0" cy="0"/>
-        </a:xfrm>
-      </p:grpSpPr>
-      <p:sp>
-        <p:nvSpPr>
-          <p:cNvPr id="1048598" name="Google Shape;97;p14"/>
-          <p:cNvSpPr txBox="1"/>
-          <p:nvPr/>
-        </p:nvSpPr>
-        <p:spPr>
-          <a:xfrm>
-            <a:off x="381000" y="3200400"/>
-            <a:ext cx="8183578" cy="2925762"/>
-          </a:xfrm>
-          <a:prstGeom prst="rect">
-            <a:avLst/>
-          </a:prstGeom>
-          <a:noFill/>
-          <a:ln>
-            <a:noFill/>
-          </a:ln>
-        </p:spPr>
-        <p:txBody>
-          <a:bodyPr spcFirstLastPara="1" wrap="square" lIns="91425" tIns="45700" rIns="91425" bIns="45700" anchor="t" anchorCtr="0">
-            <a:noAutofit/>
-          </a:bodyPr>
-          <a:lstStyle/>
-          <a:p>
-            <a:pPr marL="342900" marR="0" lvl="0" indent="-339725" algn="l" rtl="0">
-              <a:lnSpc>
-                <a:spcPct val="100000"/>
-              </a:lnSpc>
-              <a:spcBef>
-                <a:spcPts val="0"/>
-              </a:spcBef>
-              <a:spcAft>
-                <a:spcPts val="0"/>
-              </a:spcAft>
-              <a:buClr>
-                <a:srgbClr val="000000"/>
-              </a:buClr>
-              <a:buSzPts val="2400"/>
-              <a:buFont typeface="Times New Roman"/>
-              <a:buNone/>
-            </a:pPr>
-            <a:r>
-              <a:rPr lang="en-US" sz="2400" b="1" i="0" u="none" dirty="0">
-                <a:solidFill>
-                  <a:srgbClr val="000000"/>
-                </a:solidFill>
-                <a:latin typeface="Calibri"/>
-                <a:ea typeface="Calibri"/>
-                <a:cs typeface="Calibri"/>
-                <a:sym typeface="Calibri"/>
-              </a:rPr>
-              <a:t>       </a:t>
-            </a:r>
-            <a:r>
-              <a:rPr lang="en-US" sz="2400" b="1" i="0" u="sng" dirty="0" smtClean="0">
-                <a:solidFill>
-                  <a:srgbClr val="000000"/>
-                </a:solidFill>
-                <a:latin typeface="Calibri"/>
-                <a:ea typeface="Calibri"/>
-                <a:cs typeface="Calibri"/>
-                <a:sym typeface="Calibri"/>
-              </a:rPr>
-              <a:t>Group Members</a:t>
-            </a:r>
-            <a:r>
-              <a:rPr lang="en-US" sz="2400" b="1" i="0" u="none" dirty="0" smtClean="0">
-                <a:solidFill>
-                  <a:srgbClr val="000000"/>
-                </a:solidFill>
-                <a:latin typeface="Calibri"/>
-                <a:ea typeface="Calibri"/>
-                <a:cs typeface="Calibri"/>
-                <a:sym typeface="Calibri"/>
-              </a:rPr>
-              <a:t>			 </a:t>
-            </a:r>
-            <a:r>
-              <a:rPr lang="en-US" sz="2400" b="1" i="0" u="none" dirty="0">
-                <a:solidFill>
-                  <a:srgbClr val="000000"/>
-                </a:solidFill>
-                <a:latin typeface="Calibri"/>
-                <a:ea typeface="Calibri"/>
-                <a:cs typeface="Calibri"/>
-                <a:sym typeface="Calibri"/>
-              </a:rPr>
-              <a:t>	</a:t>
-            </a:r>
-            <a:r>
-              <a:rPr lang="en-US" sz="2400" b="1" i="0" u="none" dirty="0" smtClean="0">
-                <a:solidFill>
-                  <a:srgbClr val="000000"/>
-                </a:solidFill>
-                <a:latin typeface="Calibri"/>
-                <a:ea typeface="Calibri"/>
-                <a:cs typeface="Calibri"/>
-                <a:sym typeface="Calibri"/>
-              </a:rPr>
-              <a:t>  </a:t>
-            </a:r>
-            <a:r>
-              <a:rPr lang="en-US" sz="2400" b="1" i="0" u="sng" dirty="0" smtClean="0">
-                <a:solidFill>
-                  <a:srgbClr val="000000"/>
-                </a:solidFill>
-                <a:latin typeface="Calibri"/>
-                <a:ea typeface="Calibri"/>
-                <a:cs typeface="Calibri"/>
-                <a:sym typeface="Calibri"/>
-              </a:rPr>
-              <a:t>Register No</a:t>
-            </a:r>
-          </a:p>
-          <a:p>
-            <a:pPr marL="342900" lvl="0" indent="-339725">
-              <a:buSzPts val="2400"/>
-            </a:pPr>
-            <a:r>
-              <a:rPr lang="en-US" sz="2400" b="1" dirty="0">
-                <a:latin typeface="Calibri"/>
-                <a:cs typeface="Calibri"/>
-                <a:sym typeface="Calibri"/>
-              </a:rPr>
-              <a:t>	 </a:t>
-            </a:r>
-            <a:r>
-              <a:rPr lang="en-US" sz="2400" b="1" dirty="0" smtClean="0">
-                <a:latin typeface="Calibri"/>
-                <a:cs typeface="Calibri"/>
-                <a:sym typeface="Calibri"/>
-              </a:rPr>
-              <a:t>    </a:t>
-            </a:r>
-            <a:r>
-              <a:rPr lang="en-IN" sz="2000" b="1" dirty="0" smtClean="0">
-                <a:solidFill>
-                  <a:schemeClr val="tx1"/>
-                </a:solidFill>
-              </a:rPr>
-              <a:t>Nova </a:t>
-            </a:r>
-            <a:r>
-              <a:rPr lang="en-IN" sz="2000" b="1" dirty="0" err="1" smtClean="0">
-                <a:solidFill>
-                  <a:schemeClr val="tx1"/>
-                </a:solidFill>
-              </a:rPr>
-              <a:t>Dileep</a:t>
-            </a:r>
-            <a:r>
-              <a:rPr lang="en-IN" sz="2000" b="1" dirty="0" smtClean="0">
-                <a:solidFill>
-                  <a:schemeClr val="tx1"/>
-                </a:solidFill>
-              </a:rPr>
-              <a:t> 				JEC17CS078</a:t>
-            </a:r>
-          </a:p>
-          <a:p>
-            <a:pPr marL="342900" lvl="0" indent="-339725">
-              <a:buSzPts val="2400"/>
-            </a:pPr>
-            <a:r>
-              <a:rPr lang="en-IN" sz="2000" b="1" dirty="0" smtClean="0">
-                <a:solidFill>
-                  <a:schemeClr val="tx1"/>
-                </a:solidFill>
-              </a:rPr>
-              <a:t>	</a:t>
-            </a:r>
-            <a:r>
-              <a:rPr lang="en-IN" sz="2000" b="1" dirty="0">
-                <a:solidFill>
-                  <a:schemeClr val="tx1"/>
-                </a:solidFill>
-              </a:rPr>
-              <a:t> </a:t>
-            </a:r>
-            <a:r>
-              <a:rPr lang="en-IN" sz="2000" b="1" dirty="0" smtClean="0">
-                <a:solidFill>
-                  <a:schemeClr val="tx1"/>
-                </a:solidFill>
-              </a:rPr>
-              <a:t>   </a:t>
-            </a:r>
-            <a:r>
-              <a:rPr lang="en-IN" sz="2000" b="1" dirty="0" err="1" smtClean="0">
-                <a:solidFill>
-                  <a:schemeClr val="tx1"/>
-                </a:solidFill>
-              </a:rPr>
-              <a:t>Sangeetha</a:t>
-            </a:r>
-            <a:r>
-              <a:rPr lang="en-IN" sz="2000" b="1" dirty="0" smtClean="0">
-                <a:solidFill>
-                  <a:schemeClr val="tx1"/>
-                </a:solidFill>
-              </a:rPr>
-              <a:t> P				JEC17CS087</a:t>
-            </a:r>
-          </a:p>
-          <a:p>
-            <a:pPr marL="342900" indent="-339725">
-              <a:buSzPts val="2400"/>
-            </a:pPr>
-            <a:r>
-              <a:rPr lang="en-IN" sz="2000" b="1" dirty="0" smtClean="0">
-                <a:solidFill>
-                  <a:schemeClr val="tx1"/>
-                </a:solidFill>
-              </a:rPr>
-              <a:t>	      San Jose				JEC17CS089</a:t>
-            </a:r>
-          </a:p>
-          <a:p>
-            <a:pPr marL="342900" indent="-339725">
-              <a:buSzPts val="2400"/>
-            </a:pPr>
-            <a:r>
-              <a:rPr lang="en-IN" sz="2000" b="1" dirty="0" smtClean="0">
-                <a:solidFill>
-                  <a:schemeClr val="tx1"/>
-                </a:solidFill>
-              </a:rPr>
-              <a:t>	Sreerag </a:t>
-            </a:r>
-            <a:r>
-              <a:rPr lang="en-IN" sz="2000" b="1" dirty="0">
-                <a:solidFill>
-                  <a:schemeClr val="tx1"/>
-                </a:solidFill>
-              </a:rPr>
-              <a:t>R </a:t>
-            </a:r>
-            <a:r>
-              <a:rPr lang="en-IN" sz="2000" b="1" dirty="0" smtClean="0">
-                <a:solidFill>
-                  <a:schemeClr val="tx1"/>
-                </a:solidFill>
-              </a:rPr>
-              <a:t>Nandan				JEC17CS099</a:t>
-            </a:r>
-            <a:endParaRPr lang="en-IN" sz="2000" b="1" dirty="0">
-              <a:solidFill>
-                <a:schemeClr val="tx1"/>
-              </a:solidFill>
-            </a:endParaRPr>
-          </a:p>
-          <a:p>
-            <a:pPr marL="342900" indent="-339725">
-              <a:buSzPts val="2400"/>
-            </a:pPr>
-            <a:endParaRPr lang="en-IN" sz="2000" b="1" dirty="0">
-              <a:solidFill>
-                <a:schemeClr val="tx1"/>
-              </a:solidFill>
-            </a:endParaRPr>
-          </a:p>
-          <a:p>
-            <a:pPr marL="342900" lvl="0" indent="-339725">
-              <a:buSzPts val="2400"/>
-            </a:pPr>
-            <a:endParaRPr sz="2000" dirty="0"/>
-          </a:p>
-        </p:txBody>
-      </p:sp>
-      <p:sp>
-        <p:nvSpPr>
-          <p:cNvPr id="1048599" name="Google Shape;98;p14"/>
-          <p:cNvSpPr txBox="1"/>
-          <p:nvPr/>
-        </p:nvSpPr>
-        <p:spPr>
-          <a:xfrm>
-            <a:off x="457200" y="6356350"/>
-            <a:ext cx="2133600" cy="365125"/>
-          </a:xfrm>
-          <a:prstGeom prst="rect">
-            <a:avLst/>
-          </a:prstGeom>
-          <a:noFill/>
-          <a:ln>
-            <a:noFill/>
-          </a:ln>
-        </p:spPr>
-        <p:txBody>
-          <a:bodyPr spcFirstLastPara="1" wrap="square" lIns="90000" tIns="46800" rIns="90000" bIns="46800" anchor="ctr" anchorCtr="0">
-            <a:noAutofit/>
-          </a:bodyPr>
-          <a:lstStyle/>
-          <a:p>
-            <a:pPr marL="0" marR="0" lvl="0" indent="0" algn="l" rtl="0">
-              <a:lnSpc>
-                <a:spcPct val="100000"/>
-              </a:lnSpc>
-              <a:spcBef>
-                <a:spcPts val="0"/>
-              </a:spcBef>
-              <a:spcAft>
-                <a:spcPts val="0"/>
-              </a:spcAft>
-              <a:buClr>
-                <a:srgbClr val="000000"/>
-              </a:buClr>
-              <a:buSzPts val="1200"/>
-              <a:buFont typeface="Times New Roman"/>
-              <a:buNone/>
-            </a:pPr>
-            <a:r>
-              <a:rPr lang="en-US" sz="1200" dirty="0" smtClean="0">
-                <a:solidFill>
-                  <a:srgbClr val="898989"/>
-                </a:solidFill>
-                <a:latin typeface="Calibri"/>
-                <a:ea typeface="Calibri"/>
-                <a:cs typeface="Calibri"/>
-                <a:sym typeface="Calibri"/>
-              </a:rPr>
-              <a:t>13</a:t>
-            </a:r>
-            <a:r>
-              <a:rPr lang="en-US" sz="1200" b="0" i="0" u="none" dirty="0" smtClean="0">
-                <a:solidFill>
-                  <a:srgbClr val="898989"/>
-                </a:solidFill>
-                <a:latin typeface="Calibri"/>
-                <a:ea typeface="Calibri"/>
-                <a:cs typeface="Calibri"/>
-                <a:sym typeface="Calibri"/>
-              </a:rPr>
-              <a:t>/10/19</a:t>
-            </a:r>
-            <a:endParaRPr lang="en-US" sz="1200" b="0" i="0" u="none" dirty="0">
-              <a:solidFill>
-                <a:srgbClr val="898989"/>
-              </a:solidFill>
-              <a:latin typeface="Calibri"/>
-              <a:ea typeface="Calibri"/>
-              <a:cs typeface="Calibri"/>
-              <a:sym typeface="Calibri"/>
-            </a:endParaRPr>
-          </a:p>
-        </p:txBody>
-      </p:sp>
-      <p:sp>
-        <p:nvSpPr>
-          <p:cNvPr id="1048600" name="Google Shape;99;p14"/>
-          <p:cNvSpPr txBox="1"/>
-          <p:nvPr/>
-        </p:nvSpPr>
-        <p:spPr>
-          <a:xfrm>
-            <a:off x="6553200" y="6356350"/>
-            <a:ext cx="2133600" cy="365125"/>
-          </a:xfrm>
-          <a:prstGeom prst="rect">
-            <a:avLst/>
-          </a:prstGeom>
-          <a:noFill/>
-          <a:ln>
-            <a:noFill/>
-          </a:ln>
-        </p:spPr>
-        <p:txBody>
-          <a:bodyPr spcFirstLastPara="1" wrap="square" lIns="90000" tIns="46800" rIns="90000" bIns="46800" anchor="ctr" anchorCtr="0">
-            <a:noAutofit/>
-          </a:bodyPr>
-          <a:lstStyle/>
-          <a:p>
-            <a:pPr marL="0" marR="0" lvl="0" indent="0" algn="r" rtl="0">
-              <a:lnSpc>
-                <a:spcPct val="100000"/>
-              </a:lnSpc>
-              <a:spcBef>
-                <a:spcPts val="0"/>
-              </a:spcBef>
-              <a:spcAft>
-                <a:spcPts val="0"/>
-              </a:spcAft>
-              <a:buClr>
-                <a:srgbClr val="000000"/>
-              </a:buClr>
-              <a:buSzPts val="1200"/>
-              <a:buFont typeface="Times New Roman"/>
-              <a:buNone/>
-            </a:pPr>
-            <a:fld id="{00000000-1234-1234-1234-123412341234}" type="slidenum">
-              <a:rPr lang="en-US" sz="1200" b="0" i="0" u="none">
-                <a:solidFill>
-                  <a:srgbClr val="898989"/>
-                </a:solidFill>
-                <a:latin typeface="Calibri"/>
-                <a:ea typeface="Calibri"/>
-                <a:cs typeface="Calibri"/>
-                <a:sym typeface="Calibri"/>
-              </a:rPr>
-              <a:pPr marL="0" marR="0" lvl="0" indent="0" algn="r" rtl="0">
-                <a:lnSpc>
-                  <a:spcPct val="100000"/>
-                </a:lnSpc>
-                <a:spcBef>
-                  <a:spcPts val="0"/>
-                </a:spcBef>
-                <a:spcAft>
-                  <a:spcPts val="0"/>
-                </a:spcAft>
-                <a:buClr>
-                  <a:srgbClr val="000000"/>
-                </a:buClr>
-                <a:buSzPts val="1200"/>
-                <a:buFont typeface="Times New Roman"/>
-                <a:buNone/>
-              </a:pPr>
-              <a:t>2</a:t>
-            </a:fld>
-            <a:endParaRPr sz="1200" b="0" i="0" u="none">
-              <a:solidFill>
-                <a:srgbClr val="898989"/>
-              </a:solidFill>
-              <a:latin typeface="Calibri"/>
-              <a:ea typeface="Calibri"/>
-              <a:cs typeface="Calibri"/>
-              <a:sym typeface="Calibri"/>
-            </a:endParaRPr>
-          </a:p>
-        </p:txBody>
-      </p:sp>
-      <p:pic>
-        <p:nvPicPr>
-          <p:cNvPr id="2097153" name="Google Shape;100;p14"/>
-          <p:cNvPicPr preferRelativeResize="0">
-            <a:picLocks/>
-          </p:cNvPicPr>
-          <p:nvPr/>
-        </p:nvPicPr>
-        <p:blipFill rotWithShape="1">
-          <a:blip r:embed="rId3">
-            <a:alphaModFix/>
-          </a:blip>
-          <a:srcRect/>
-          <a:stretch>
-            <a:fillRect/>
-          </a:stretch>
-        </p:blipFill>
-        <p:spPr>
-          <a:xfrm>
-            <a:off x="0" y="0"/>
-            <a:ext cx="9144000" cy="1600200"/>
-          </a:xfrm>
-          <a:prstGeom prst="rect">
-            <a:avLst/>
-          </a:prstGeom>
-          <a:noFill/>
-          <a:ln>
-            <a:noFill/>
-          </a:ln>
-        </p:spPr>
-      </p:pic>
-      <p:sp>
-        <p:nvSpPr>
-          <p:cNvPr id="2" name="Title 1"/>
-          <p:cNvSpPr>
-            <a:spLocks noGrp="1"/>
-          </p:cNvSpPr>
-          <p:nvPr>
-            <p:ph type="title"/>
-          </p:nvPr>
-        </p:nvSpPr>
-        <p:spPr>
-          <a:xfrm>
-            <a:off x="457200" y="1714140"/>
-            <a:ext cx="8226425" cy="1139825"/>
-          </a:xfrm>
-        </p:spPr>
-        <p:txBody>
-          <a:bodyPr/>
-          <a:lstStyle/>
-          <a:p>
-            <a:r>
-              <a:rPr lang="en-IN" dirty="0" smtClean="0"/>
-              <a:t>GROUP-7</a:t>
-            </a:r>
-            <a:endParaRPr lang="en-IN" dirty="0"/>
-          </a:p>
-        </p:txBody>
-      </p:sp>
-    </p:spTree>
-  </p:cSld>
-  <p:clrMapOvr>
-    <a:masterClrMapping/>
-  </p:clrMapOvr>
-  <p:timing>
-    <p:tnLst>
-      <p:par>
-        <p:cTn id="1" dur="indefinite" restart="never" nodeType="tmRoot"/>
-      </p:par>
-    </p:tnLst>
-  </p:timing>
-</p:sld>
-</file>
-
-<file path=ppt/slides/slide20.xml><?xml version="1.0" encoding="utf-8"?>
+<file path=ppt/slides/slide19.xml><?xml version="1.0" encoding="utf-8"?>
 <p:sld xmlns:a="http://schemas.openxmlformats.org/drawingml/2006/main" xmlns:r="http://schemas.openxmlformats.org/officeDocument/2006/relationships" xmlns:p="http://schemas.openxmlformats.org/presentationml/2006/main">
   <p:cSld>
     <p:spTree>
@@ -21235,6 +20881,126 @@
           </a:fontRef>
         </p:style>
       </p:cxnSp>
+      <p:sp>
+        <p:nvSpPr>
+          <p:cNvPr id="14" name="TextBox 13"/>
+          <p:cNvSpPr txBox="1"/>
+          <p:nvPr/>
+        </p:nvSpPr>
+        <p:spPr>
+          <a:xfrm>
+            <a:off x="7179400" y="4961291"/>
+            <a:ext cx="612668" cy="307777"/>
+          </a:xfrm>
+          <a:prstGeom prst="rect">
+            <a:avLst/>
+          </a:prstGeom>
+          <a:noFill/>
+        </p:spPr>
+        <p:txBody>
+          <a:bodyPr wrap="none" rtlCol="0">
+            <a:spAutoFit/>
+          </a:bodyPr>
+          <a:lstStyle/>
+          <a:p>
+            <a:r>
+              <a:rPr lang="en-IN" dirty="0" smtClean="0"/>
+              <a:t>Store</a:t>
+            </a:r>
+            <a:endParaRPr lang="en-IN" dirty="0"/>
+          </a:p>
+        </p:txBody>
+      </p:sp>
+      <p:sp>
+        <p:nvSpPr>
+          <p:cNvPr id="15" name="TextBox 14"/>
+          <p:cNvSpPr txBox="1"/>
+          <p:nvPr/>
+        </p:nvSpPr>
+        <p:spPr>
+          <a:xfrm>
+            <a:off x="7197508" y="3503700"/>
+            <a:ext cx="453970" cy="307777"/>
+          </a:xfrm>
+          <a:prstGeom prst="rect">
+            <a:avLst/>
+          </a:prstGeom>
+          <a:noFill/>
+        </p:spPr>
+        <p:txBody>
+          <a:bodyPr wrap="none" rtlCol="0">
+            <a:spAutoFit/>
+          </a:bodyPr>
+          <a:lstStyle/>
+          <a:p>
+            <a:r>
+              <a:rPr lang="en-IN" dirty="0" smtClean="0"/>
+              <a:t>Put</a:t>
+            </a:r>
+            <a:endParaRPr lang="en-IN" dirty="0"/>
+          </a:p>
+        </p:txBody>
+      </p:sp>
+      <p:sp>
+        <p:nvSpPr>
+          <p:cNvPr id="18" name="TextBox 17"/>
+          <p:cNvSpPr txBox="1"/>
+          <p:nvPr/>
+        </p:nvSpPr>
+        <p:spPr>
+          <a:xfrm>
+            <a:off x="5576944" y="3920147"/>
+            <a:ext cx="583814" cy="307777"/>
+          </a:xfrm>
+          <a:prstGeom prst="rect">
+            <a:avLst/>
+          </a:prstGeom>
+          <a:noFill/>
+        </p:spPr>
+        <p:txBody>
+          <a:bodyPr wrap="none" rtlCol="0">
+            <a:spAutoFit/>
+          </a:bodyPr>
+          <a:lstStyle/>
+          <a:p>
+            <a:r>
+              <a:rPr lang="en-IN" dirty="0" smtClean="0"/>
+              <a:t>Pass</a:t>
+            </a:r>
+            <a:endParaRPr lang="en-IN" dirty="0"/>
+          </a:p>
+        </p:txBody>
+      </p:sp>
+      <p:sp>
+        <p:nvSpPr>
+          <p:cNvPr id="19" name="TextBox 18"/>
+          <p:cNvSpPr txBox="1"/>
+          <p:nvPr/>
+        </p:nvSpPr>
+        <p:spPr>
+          <a:xfrm>
+            <a:off x="2631513" y="3874912"/>
+            <a:ext cx="453970" cy="307777"/>
+          </a:xfrm>
+          <a:prstGeom prst="rect">
+            <a:avLst/>
+          </a:prstGeom>
+          <a:noFill/>
+        </p:spPr>
+        <p:txBody>
+          <a:bodyPr wrap="none" rtlCol="0">
+            <a:spAutoFit/>
+          </a:bodyPr>
+          <a:lstStyle/>
+          <a:p>
+            <a:r>
+              <a:rPr lang="en-IN" dirty="0" smtClean="0"/>
+              <a:t>Put</a:t>
+            </a:r>
+            <a:endParaRPr lang="en-IN" dirty="0"/>
+          </a:p>
+        </p:txBody>
+      </p:sp>
     </p:spTree>
     <p:extLst>
       <p:ext uri="{BB962C8B-B14F-4D97-AF65-F5344CB8AC3E}">
@@ -21248,7 +21014,537 @@
 </p:sld>
 </file>
 
-<file path=ppt/slides/slide21.xml><?xml version="1.0" encoding="utf-8"?>
+<file path=ppt/slides/slide2.xml><?xml version="1.0" encoding="utf-8"?>
+<p:sld xmlns:a="http://schemas.openxmlformats.org/drawingml/2006/main" xmlns:r="http://schemas.openxmlformats.org/officeDocument/2006/relationships" xmlns:p="http://schemas.openxmlformats.org/presentationml/2006/main">
+  <p:cSld>
+    <p:bg>
+      <p:bgPr>
+        <a:solidFill>
+          <a:srgbClr val="FFFFFF"/>
+        </a:solidFill>
+        <a:effectLst/>
+      </p:bgPr>
+    </p:bg>
+    <p:spTree>
+      <p:nvGrpSpPr>
+        <p:cNvPr id="1" name="Shape 96"/>
+        <p:cNvGrpSpPr/>
+        <p:nvPr/>
+      </p:nvGrpSpPr>
+      <p:grpSpPr>
+        <a:xfrm>
+          <a:off x="0" y="0"/>
+          <a:ext cx="0" cy="0"/>
+          <a:chOff x="0" y="0"/>
+          <a:chExt cx="0" cy="0"/>
+        </a:xfrm>
+      </p:grpSpPr>
+      <p:sp>
+        <p:nvSpPr>
+          <p:cNvPr id="1048598" name="Google Shape;97;p14"/>
+          <p:cNvSpPr txBox="1"/>
+          <p:nvPr/>
+        </p:nvSpPr>
+        <p:spPr>
+          <a:xfrm>
+            <a:off x="381000" y="3200400"/>
+            <a:ext cx="8183578" cy="2925762"/>
+          </a:xfrm>
+          <a:prstGeom prst="rect">
+            <a:avLst/>
+          </a:prstGeom>
+          <a:noFill/>
+          <a:ln>
+            <a:noFill/>
+          </a:ln>
+        </p:spPr>
+        <p:txBody>
+          <a:bodyPr spcFirstLastPara="1" wrap="square" lIns="91425" tIns="45700" rIns="91425" bIns="45700" anchor="t" anchorCtr="0">
+            <a:noAutofit/>
+          </a:bodyPr>
+          <a:lstStyle/>
+          <a:p>
+            <a:pPr marL="342900" marR="0" lvl="0" indent="-339725" algn="l" rtl="0">
+              <a:lnSpc>
+                <a:spcPct val="100000"/>
+              </a:lnSpc>
+              <a:spcBef>
+                <a:spcPts val="0"/>
+              </a:spcBef>
+              <a:spcAft>
+                <a:spcPts val="0"/>
+              </a:spcAft>
+              <a:buClr>
+                <a:srgbClr val="000000"/>
+              </a:buClr>
+              <a:buSzPts val="2400"/>
+              <a:buFont typeface="Times New Roman"/>
+              <a:buNone/>
+            </a:pPr>
+            <a:r>
+              <a:rPr lang="en-US" sz="2400" b="1" i="0" u="none" dirty="0">
+                <a:solidFill>
+                  <a:srgbClr val="000000"/>
+                </a:solidFill>
+                <a:latin typeface="Calibri"/>
+                <a:ea typeface="Calibri"/>
+                <a:cs typeface="Calibri"/>
+                <a:sym typeface="Calibri"/>
+              </a:rPr>
+              <a:t>       </a:t>
+            </a:r>
+            <a:r>
+              <a:rPr lang="en-US" sz="2400" b="1" i="0" u="sng" dirty="0" smtClean="0">
+                <a:solidFill>
+                  <a:srgbClr val="000000"/>
+                </a:solidFill>
+                <a:latin typeface="Calibri"/>
+                <a:ea typeface="Calibri"/>
+                <a:cs typeface="Calibri"/>
+                <a:sym typeface="Calibri"/>
+              </a:rPr>
+              <a:t>Group Members</a:t>
+            </a:r>
+            <a:r>
+              <a:rPr lang="en-US" sz="2400" b="1" i="0" u="none" dirty="0" smtClean="0">
+                <a:solidFill>
+                  <a:srgbClr val="000000"/>
+                </a:solidFill>
+                <a:latin typeface="Calibri"/>
+                <a:ea typeface="Calibri"/>
+                <a:cs typeface="Calibri"/>
+                <a:sym typeface="Calibri"/>
+              </a:rPr>
+              <a:t>			 </a:t>
+            </a:r>
+            <a:r>
+              <a:rPr lang="en-US" sz="2400" b="1" i="0" u="none" dirty="0">
+                <a:solidFill>
+                  <a:srgbClr val="000000"/>
+                </a:solidFill>
+                <a:latin typeface="Calibri"/>
+                <a:ea typeface="Calibri"/>
+                <a:cs typeface="Calibri"/>
+                <a:sym typeface="Calibri"/>
+              </a:rPr>
+              <a:t>	</a:t>
+            </a:r>
+            <a:r>
+              <a:rPr lang="en-US" sz="2400" b="1" i="0" u="none" dirty="0" smtClean="0">
+                <a:solidFill>
+                  <a:srgbClr val="000000"/>
+                </a:solidFill>
+                <a:latin typeface="Calibri"/>
+                <a:ea typeface="Calibri"/>
+                <a:cs typeface="Calibri"/>
+                <a:sym typeface="Calibri"/>
+              </a:rPr>
+              <a:t>  </a:t>
+            </a:r>
+            <a:r>
+              <a:rPr lang="en-US" sz="2400" b="1" i="0" u="sng" dirty="0" smtClean="0">
+                <a:solidFill>
+                  <a:srgbClr val="000000"/>
+                </a:solidFill>
+                <a:latin typeface="Calibri"/>
+                <a:ea typeface="Calibri"/>
+                <a:cs typeface="Calibri"/>
+                <a:sym typeface="Calibri"/>
+              </a:rPr>
+              <a:t>Register No</a:t>
+            </a:r>
+          </a:p>
+          <a:p>
+            <a:pPr marL="342900" lvl="0" indent="-339725">
+              <a:buSzPts val="2400"/>
+            </a:pPr>
+            <a:r>
+              <a:rPr lang="en-US" sz="2400" b="1" dirty="0">
+                <a:latin typeface="Calibri"/>
+                <a:cs typeface="Calibri"/>
+                <a:sym typeface="Calibri"/>
+              </a:rPr>
+              <a:t>	 </a:t>
+            </a:r>
+            <a:r>
+              <a:rPr lang="en-US" sz="2400" b="1" dirty="0" smtClean="0">
+                <a:latin typeface="Calibri"/>
+                <a:cs typeface="Calibri"/>
+                <a:sym typeface="Calibri"/>
+              </a:rPr>
+              <a:t>    </a:t>
+            </a:r>
+            <a:r>
+              <a:rPr lang="en-IN" sz="2000" b="1" dirty="0" smtClean="0">
+                <a:solidFill>
+                  <a:schemeClr val="tx1"/>
+                </a:solidFill>
+              </a:rPr>
+              <a:t>Nova </a:t>
+            </a:r>
+            <a:r>
+              <a:rPr lang="en-IN" sz="2000" b="1" dirty="0" err="1" smtClean="0">
+                <a:solidFill>
+                  <a:schemeClr val="tx1"/>
+                </a:solidFill>
+              </a:rPr>
+              <a:t>Dileep</a:t>
+            </a:r>
+            <a:r>
+              <a:rPr lang="en-IN" sz="2000" b="1" dirty="0" smtClean="0">
+                <a:solidFill>
+                  <a:schemeClr val="tx1"/>
+                </a:solidFill>
+              </a:rPr>
+              <a:t> 				JEC17CS078</a:t>
+            </a:r>
+          </a:p>
+          <a:p>
+            <a:pPr marL="342900" lvl="0" indent="-339725">
+              <a:buSzPts val="2400"/>
+            </a:pPr>
+            <a:r>
+              <a:rPr lang="en-IN" sz="2000" b="1" dirty="0" smtClean="0">
+                <a:solidFill>
+                  <a:schemeClr val="tx1"/>
+                </a:solidFill>
+              </a:rPr>
+              <a:t>	</a:t>
+            </a:r>
+            <a:r>
+              <a:rPr lang="en-IN" sz="2000" b="1" dirty="0">
+                <a:solidFill>
+                  <a:schemeClr val="tx1"/>
+                </a:solidFill>
+              </a:rPr>
+              <a:t> </a:t>
+            </a:r>
+            <a:r>
+              <a:rPr lang="en-IN" sz="2000" b="1" dirty="0" smtClean="0">
+                <a:solidFill>
+                  <a:schemeClr val="tx1"/>
+                </a:solidFill>
+              </a:rPr>
+              <a:t>   </a:t>
+            </a:r>
+            <a:r>
+              <a:rPr lang="en-IN" sz="2000" b="1" dirty="0" err="1" smtClean="0">
+                <a:solidFill>
+                  <a:schemeClr val="tx1"/>
+                </a:solidFill>
+              </a:rPr>
+              <a:t>Sangeetha</a:t>
+            </a:r>
+            <a:r>
+              <a:rPr lang="en-IN" sz="2000" b="1" dirty="0" smtClean="0">
+                <a:solidFill>
+                  <a:schemeClr val="tx1"/>
+                </a:solidFill>
+              </a:rPr>
+              <a:t> P				JEC17CS087</a:t>
+            </a:r>
+          </a:p>
+          <a:p>
+            <a:pPr marL="342900" indent="-339725">
+              <a:buSzPts val="2400"/>
+            </a:pPr>
+            <a:r>
+              <a:rPr lang="en-IN" sz="2000" b="1" dirty="0" smtClean="0">
+                <a:solidFill>
+                  <a:schemeClr val="tx1"/>
+                </a:solidFill>
+              </a:rPr>
+              <a:t>	      San Jose				JEC17CS089</a:t>
+            </a:r>
+          </a:p>
+          <a:p>
+            <a:pPr marL="342900" indent="-339725">
+              <a:buSzPts val="2400"/>
+            </a:pPr>
+            <a:r>
+              <a:rPr lang="en-IN" sz="2000" b="1" dirty="0" smtClean="0">
+                <a:solidFill>
+                  <a:schemeClr val="tx1"/>
+                </a:solidFill>
+              </a:rPr>
+              <a:t>	Sreerag </a:t>
+            </a:r>
+            <a:r>
+              <a:rPr lang="en-IN" sz="2000" b="1" dirty="0">
+                <a:solidFill>
+                  <a:schemeClr val="tx1"/>
+                </a:solidFill>
+              </a:rPr>
+              <a:t>R </a:t>
+            </a:r>
+            <a:r>
+              <a:rPr lang="en-IN" sz="2000" b="1" dirty="0" smtClean="0">
+                <a:solidFill>
+                  <a:schemeClr val="tx1"/>
+                </a:solidFill>
+              </a:rPr>
+              <a:t>Nandan				JEC17CS099</a:t>
+            </a:r>
+            <a:endParaRPr lang="en-IN" sz="2000" b="1" dirty="0">
+              <a:solidFill>
+                <a:schemeClr val="tx1"/>
+              </a:solidFill>
+            </a:endParaRPr>
+          </a:p>
+          <a:p>
+            <a:pPr marL="342900" indent="-339725">
+              <a:buSzPts val="2400"/>
+            </a:pPr>
+            <a:endParaRPr lang="en-IN" sz="2000" b="1" dirty="0">
+              <a:solidFill>
+                <a:schemeClr val="tx1"/>
+              </a:solidFill>
+            </a:endParaRPr>
+          </a:p>
+          <a:p>
+            <a:pPr marL="342900" lvl="0" indent="-339725">
+              <a:buSzPts val="2400"/>
+            </a:pPr>
+            <a:endParaRPr sz="2000" dirty="0"/>
+          </a:p>
+        </p:txBody>
+      </p:sp>
+      <p:sp>
+        <p:nvSpPr>
+          <p:cNvPr id="1048599" name="Google Shape;98;p14"/>
+          <p:cNvSpPr txBox="1"/>
+          <p:nvPr/>
+        </p:nvSpPr>
+        <p:spPr>
+          <a:xfrm>
+            <a:off x="457200" y="6356350"/>
+            <a:ext cx="2133600" cy="365125"/>
+          </a:xfrm>
+          <a:prstGeom prst="rect">
+            <a:avLst/>
+          </a:prstGeom>
+          <a:noFill/>
+          <a:ln>
+            <a:noFill/>
+          </a:ln>
+        </p:spPr>
+        <p:txBody>
+          <a:bodyPr spcFirstLastPara="1" wrap="square" lIns="90000" tIns="46800" rIns="90000" bIns="46800" anchor="ctr" anchorCtr="0">
+            <a:noAutofit/>
+          </a:bodyPr>
+          <a:lstStyle/>
+          <a:p>
+            <a:pPr marL="0" marR="0" lvl="0" indent="0" algn="l" rtl="0">
+              <a:lnSpc>
+                <a:spcPct val="100000"/>
+              </a:lnSpc>
+              <a:spcBef>
+                <a:spcPts val="0"/>
+              </a:spcBef>
+              <a:spcAft>
+                <a:spcPts val="0"/>
+              </a:spcAft>
+              <a:buClr>
+                <a:srgbClr val="000000"/>
+              </a:buClr>
+              <a:buSzPts val="1200"/>
+              <a:buFont typeface="Times New Roman"/>
+              <a:buNone/>
+            </a:pPr>
+            <a:r>
+              <a:rPr lang="en-US" sz="1200" dirty="0" smtClean="0">
+                <a:solidFill>
+                  <a:srgbClr val="898989"/>
+                </a:solidFill>
+                <a:latin typeface="Calibri"/>
+                <a:ea typeface="Calibri"/>
+                <a:cs typeface="Calibri"/>
+                <a:sym typeface="Calibri"/>
+              </a:rPr>
+              <a:t>13</a:t>
+            </a:r>
+            <a:r>
+              <a:rPr lang="en-US" sz="1200" b="0" i="0" u="none" dirty="0" smtClean="0">
+                <a:solidFill>
+                  <a:srgbClr val="898989"/>
+                </a:solidFill>
+                <a:latin typeface="Calibri"/>
+                <a:ea typeface="Calibri"/>
+                <a:cs typeface="Calibri"/>
+                <a:sym typeface="Calibri"/>
+              </a:rPr>
+              <a:t>/10/19</a:t>
+            </a:r>
+            <a:endParaRPr lang="en-US" sz="1200" b="0" i="0" u="none" dirty="0">
+              <a:solidFill>
+                <a:srgbClr val="898989"/>
+              </a:solidFill>
+              <a:latin typeface="Calibri"/>
+              <a:ea typeface="Calibri"/>
+              <a:cs typeface="Calibri"/>
+              <a:sym typeface="Calibri"/>
+            </a:endParaRPr>
+          </a:p>
+        </p:txBody>
+      </p:sp>
+      <p:sp>
+        <p:nvSpPr>
+          <p:cNvPr id="1048600" name="Google Shape;99;p14"/>
+          <p:cNvSpPr txBox="1"/>
+          <p:nvPr/>
+        </p:nvSpPr>
+        <p:spPr>
+          <a:xfrm>
+            <a:off x="6553200" y="6356350"/>
+            <a:ext cx="2133600" cy="365125"/>
+          </a:xfrm>
+          <a:prstGeom prst="rect">
+            <a:avLst/>
+          </a:prstGeom>
+          <a:noFill/>
+          <a:ln>
+            <a:noFill/>
+          </a:ln>
+        </p:spPr>
+        <p:txBody>
+          <a:bodyPr spcFirstLastPara="1" wrap="square" lIns="90000" tIns="46800" rIns="90000" bIns="46800" anchor="ctr" anchorCtr="0">
+            <a:noAutofit/>
+          </a:bodyPr>
+          <a:lstStyle/>
+          <a:p>
+            <a:pPr marL="0" marR="0" lvl="0" indent="0" algn="r" rtl="0">
+              <a:lnSpc>
+                <a:spcPct val="100000"/>
+              </a:lnSpc>
+              <a:spcBef>
+                <a:spcPts val="0"/>
+              </a:spcBef>
+              <a:spcAft>
+                <a:spcPts val="0"/>
+              </a:spcAft>
+              <a:buClr>
+                <a:srgbClr val="000000"/>
+              </a:buClr>
+              <a:buSzPts val="1200"/>
+              <a:buFont typeface="Times New Roman"/>
+              <a:buNone/>
+            </a:pPr>
+            <a:fld id="{00000000-1234-1234-1234-123412341234}" type="slidenum">
+              <a:rPr lang="en-US" sz="1200" b="0" i="0" u="none">
+                <a:solidFill>
+                  <a:srgbClr val="898989"/>
+                </a:solidFill>
+                <a:latin typeface="Calibri"/>
+                <a:ea typeface="Calibri"/>
+                <a:cs typeface="Calibri"/>
+                <a:sym typeface="Calibri"/>
+              </a:rPr>
+              <a:pPr marL="0" marR="0" lvl="0" indent="0" algn="r" rtl="0">
+                <a:lnSpc>
+                  <a:spcPct val="100000"/>
+                </a:lnSpc>
+                <a:spcBef>
+                  <a:spcPts val="0"/>
+                </a:spcBef>
+                <a:spcAft>
+                  <a:spcPts val="0"/>
+                </a:spcAft>
+                <a:buClr>
+                  <a:srgbClr val="000000"/>
+                </a:buClr>
+                <a:buSzPts val="1200"/>
+                <a:buFont typeface="Times New Roman"/>
+                <a:buNone/>
+              </a:pPr>
+              <a:t>2</a:t>
+            </a:fld>
+            <a:endParaRPr sz="1200" b="0" i="0" u="none">
+              <a:solidFill>
+                <a:srgbClr val="898989"/>
+              </a:solidFill>
+              <a:latin typeface="Calibri"/>
+              <a:ea typeface="Calibri"/>
+              <a:cs typeface="Calibri"/>
+              <a:sym typeface="Calibri"/>
+            </a:endParaRPr>
+          </a:p>
+        </p:txBody>
+      </p:sp>
+      <p:pic>
+        <p:nvPicPr>
+          <p:cNvPr id="2097153" name="Google Shape;100;p14"/>
+          <p:cNvPicPr preferRelativeResize="0">
+            <a:picLocks/>
+          </p:cNvPicPr>
+          <p:nvPr/>
+        </p:nvPicPr>
+        <p:blipFill rotWithShape="1">
+          <a:blip r:embed="rId3">
+            <a:alphaModFix/>
+          </a:blip>
+          <a:srcRect/>
+          <a:stretch>
+            <a:fillRect/>
+          </a:stretch>
+        </p:blipFill>
+        <p:spPr>
+          <a:xfrm>
+            <a:off x="0" y="0"/>
+            <a:ext cx="9144000" cy="1600200"/>
+          </a:xfrm>
+          <a:prstGeom prst="rect">
+            <a:avLst/>
+          </a:prstGeom>
+          <a:noFill/>
+          <a:ln>
+            <a:noFill/>
+          </a:ln>
+        </p:spPr>
+      </p:pic>
+      <p:sp>
+        <p:nvSpPr>
+          <p:cNvPr id="2" name="Title 1"/>
+          <p:cNvSpPr>
+            <a:spLocks noGrp="1"/>
+          </p:cNvSpPr>
+          <p:nvPr>
+            <p:ph type="title"/>
+          </p:nvPr>
+        </p:nvSpPr>
+        <p:spPr>
+          <a:xfrm>
+            <a:off x="457200" y="1714140"/>
+            <a:ext cx="8226425" cy="1139825"/>
+          </a:xfrm>
+        </p:spPr>
+        <p:txBody>
+          <a:bodyPr/>
+          <a:lstStyle/>
+          <a:p>
+            <a:r>
+              <a:rPr lang="en-IN" dirty="0" smtClean="0"/>
+              <a:t>GROUP-7</a:t>
+            </a:r>
+            <a:endParaRPr lang="en-IN" dirty="0"/>
+          </a:p>
+        </p:txBody>
+      </p:sp>
+    </p:spTree>
+  </p:cSld>
+  <p:clrMapOvr>
+    <a:masterClrMapping/>
+  </p:clrMapOvr>
+  <p:timing>
+    <p:tnLst>
+      <p:par>
+        <p:cTn id="1" dur="indefinite" restart="never" nodeType="tmRoot"/>
+      </p:par>
+    </p:tnLst>
+  </p:timing>
+</p:sld>
+</file>
+
+<file path=ppt/slides/slide20.xml><?xml version="1.0" encoding="utf-8"?>
 <p:sld xmlns:a="http://schemas.openxmlformats.org/drawingml/2006/main" xmlns:r="http://schemas.openxmlformats.org/officeDocument/2006/relationships" xmlns:p="http://schemas.openxmlformats.org/presentationml/2006/main">
   <p:cSld>
     <p:spTree>
@@ -21826,10 +22122,294 @@
           </a:fontRef>
         </p:style>
       </p:cxnSp>
+      <p:sp>
+        <p:nvSpPr>
+          <p:cNvPr id="16" name="TextBox 15"/>
+          <p:cNvSpPr txBox="1"/>
+          <p:nvPr/>
+        </p:nvSpPr>
+        <p:spPr>
+          <a:xfrm>
+            <a:off x="3210932" y="3802485"/>
+            <a:ext cx="453970" cy="307777"/>
+          </a:xfrm>
+          <a:prstGeom prst="rect">
+            <a:avLst/>
+          </a:prstGeom>
+          <a:noFill/>
+        </p:spPr>
+        <p:txBody>
+          <a:bodyPr wrap="none" rtlCol="0">
+            <a:spAutoFit/>
+          </a:bodyPr>
+          <a:lstStyle/>
+          <a:p>
+            <a:r>
+              <a:rPr lang="en-IN" dirty="0" smtClean="0"/>
+              <a:t>Put</a:t>
+            </a:r>
+            <a:endParaRPr lang="en-IN" dirty="0"/>
+          </a:p>
+        </p:txBody>
+      </p:sp>
+      <p:sp>
+        <p:nvSpPr>
+          <p:cNvPr id="17" name="TextBox 16"/>
+          <p:cNvSpPr txBox="1"/>
+          <p:nvPr/>
+        </p:nvSpPr>
+        <p:spPr>
+          <a:xfrm>
+            <a:off x="4621759" y="3429792"/>
+            <a:ext cx="453970" cy="307777"/>
+          </a:xfrm>
+          <a:prstGeom prst="rect">
+            <a:avLst/>
+          </a:prstGeom>
+          <a:noFill/>
+        </p:spPr>
+        <p:txBody>
+          <a:bodyPr wrap="none" rtlCol="0">
+            <a:spAutoFit/>
+          </a:bodyPr>
+          <a:lstStyle/>
+          <a:p>
+            <a:r>
+              <a:rPr lang="en-IN" dirty="0" smtClean="0"/>
+              <a:t>Put</a:t>
+            </a:r>
+            <a:endParaRPr lang="en-IN" dirty="0"/>
+          </a:p>
+        </p:txBody>
+      </p:sp>
+      <p:sp>
+        <p:nvSpPr>
+          <p:cNvPr id="22" name="TextBox 21"/>
+          <p:cNvSpPr txBox="1"/>
+          <p:nvPr/>
+        </p:nvSpPr>
+        <p:spPr>
+          <a:xfrm>
+            <a:off x="4576500" y="4724426"/>
+            <a:ext cx="453970" cy="307777"/>
+          </a:xfrm>
+          <a:prstGeom prst="rect">
+            <a:avLst/>
+          </a:prstGeom>
+          <a:noFill/>
+        </p:spPr>
+        <p:txBody>
+          <a:bodyPr wrap="none" rtlCol="0">
+            <a:spAutoFit/>
+          </a:bodyPr>
+          <a:lstStyle/>
+          <a:p>
+            <a:r>
+              <a:rPr lang="en-IN" dirty="0" smtClean="0"/>
+              <a:t>Put</a:t>
+            </a:r>
+            <a:endParaRPr lang="en-IN" dirty="0"/>
+          </a:p>
+        </p:txBody>
+      </p:sp>
+      <p:sp>
+        <p:nvSpPr>
+          <p:cNvPr id="23" name="TextBox 22"/>
+          <p:cNvSpPr txBox="1"/>
+          <p:nvPr/>
+        </p:nvSpPr>
+        <p:spPr>
+          <a:xfrm>
+            <a:off x="5255242" y="3429792"/>
+            <a:ext cx="612668" cy="307777"/>
+          </a:xfrm>
+          <a:prstGeom prst="rect">
+            <a:avLst/>
+          </a:prstGeom>
+          <a:noFill/>
+        </p:spPr>
+        <p:txBody>
+          <a:bodyPr wrap="none" rtlCol="0">
+            <a:spAutoFit/>
+          </a:bodyPr>
+          <a:lstStyle/>
+          <a:p>
+            <a:r>
+              <a:rPr lang="en-IN" dirty="0" smtClean="0"/>
+              <a:t>Store</a:t>
+            </a:r>
+            <a:endParaRPr lang="en-IN" dirty="0"/>
+          </a:p>
+        </p:txBody>
+      </p:sp>
+      <p:sp>
+        <p:nvSpPr>
+          <p:cNvPr id="24" name="TextBox 23"/>
+          <p:cNvSpPr txBox="1"/>
+          <p:nvPr/>
+        </p:nvSpPr>
+        <p:spPr>
+          <a:xfrm>
+            <a:off x="5223849" y="4508624"/>
+            <a:ext cx="612668" cy="307777"/>
+          </a:xfrm>
+          <a:prstGeom prst="rect">
+            <a:avLst/>
+          </a:prstGeom>
+          <a:noFill/>
+        </p:spPr>
+        <p:txBody>
+          <a:bodyPr wrap="none" rtlCol="0">
+            <a:spAutoFit/>
+          </a:bodyPr>
+          <a:lstStyle/>
+          <a:p>
+            <a:r>
+              <a:rPr lang="en-IN" dirty="0" smtClean="0"/>
+              <a:t>Store</a:t>
+            </a:r>
+            <a:endParaRPr lang="en-IN" dirty="0"/>
+          </a:p>
+        </p:txBody>
+      </p:sp>
     </p:spTree>
     <p:extLst>
       <p:ext uri="{BB962C8B-B14F-4D97-AF65-F5344CB8AC3E}">
         <p14:creationId xmlns:p14="http://schemas.microsoft.com/office/powerpoint/2010/main" val="3733904607"/>
+      </p:ext>
+    </p:extLst>
+  </p:cSld>
+  <p:clrMapOvr>
+    <a:masterClrMapping/>
+  </p:clrMapOvr>
+</p:sld>
+</file>
+
+<file path=ppt/slides/slide21.xml><?xml version="1.0" encoding="utf-8"?>
+<p:sld xmlns:a="http://schemas.openxmlformats.org/drawingml/2006/main" xmlns:r="http://schemas.openxmlformats.org/officeDocument/2006/relationships" xmlns:p="http://schemas.openxmlformats.org/presentationml/2006/main">
+  <p:cSld>
+    <p:spTree>
+      <p:nvGrpSpPr>
+        <p:cNvPr id="1" name=""/>
+        <p:cNvGrpSpPr/>
+        <p:nvPr/>
+      </p:nvGrpSpPr>
+      <p:grpSpPr>
+        <a:xfrm>
+          <a:off x="0" y="0"/>
+          <a:ext cx="0" cy="0"/>
+          <a:chOff x="0" y="0"/>
+          <a:chExt cx="0" cy="0"/>
+        </a:xfrm>
+      </p:grpSpPr>
+      <p:pic>
+        <p:nvPicPr>
+          <p:cNvPr id="4" name="Google Shape;127;p16"/>
+          <p:cNvPicPr preferRelativeResize="0">
+            <a:picLocks/>
+          </p:cNvPicPr>
+          <p:nvPr/>
+        </p:nvPicPr>
+        <p:blipFill rotWithShape="1">
+          <a:blip r:embed="rId2">
+            <a:alphaModFix/>
+          </a:blip>
+          <a:srcRect/>
+          <a:stretch>
+            <a:fillRect/>
+          </a:stretch>
+        </p:blipFill>
+        <p:spPr>
+          <a:xfrm>
+            <a:off x="-1588" y="9051"/>
+            <a:ext cx="9144000" cy="1600200"/>
+          </a:xfrm>
+          <a:prstGeom prst="rect">
+            <a:avLst/>
+          </a:prstGeom>
+          <a:noFill/>
+          <a:ln>
+            <a:noFill/>
+          </a:ln>
+        </p:spPr>
+      </p:pic>
+      <p:sp>
+        <p:nvSpPr>
+          <p:cNvPr id="13" name="Text Placeholder 12"/>
+          <p:cNvSpPr>
+            <a:spLocks noGrp="1"/>
+          </p:cNvSpPr>
+          <p:nvPr>
+            <p:ph type="body" idx="1"/>
+          </p:nvPr>
+        </p:nvSpPr>
+        <p:spPr/>
+        <p:txBody>
+          <a:bodyPr/>
+          <a:lstStyle/>
+          <a:p>
+            <a:r>
+              <a:rPr lang="en-US" dirty="0">
+                <a:latin typeface="Times New Roman"/>
+                <a:ea typeface="Times New Roman"/>
+                <a:cs typeface="Times New Roman"/>
+                <a:sym typeface="Times New Roman"/>
+              </a:rPr>
+              <a:t>Detailed design of the </a:t>
+            </a:r>
+            <a:r>
+              <a:rPr lang="en-US" dirty="0" smtClean="0">
+                <a:latin typeface="Times New Roman"/>
+                <a:ea typeface="Times New Roman"/>
+                <a:cs typeface="Times New Roman"/>
+                <a:sym typeface="Times New Roman"/>
+              </a:rPr>
+              <a:t>project</a:t>
+            </a:r>
+          </a:p>
+          <a:p>
+            <a:pPr marL="742950" indent="-514350">
+              <a:buFont typeface="Arial" panose="020B0604020202020204" pitchFamily="34" charset="0"/>
+              <a:buChar char="•"/>
+            </a:pPr>
+            <a:r>
+              <a:rPr lang="en-IN" dirty="0" smtClean="0"/>
+              <a:t>First steps is to collect answer paper from student’s or examination centre and convert it into digital Image</a:t>
+            </a:r>
+          </a:p>
+          <a:p>
+            <a:pPr marL="742950" indent="-514350">
+              <a:buFont typeface="Arial" panose="020B0604020202020204" pitchFamily="34" charset="0"/>
+              <a:buChar char="•"/>
+            </a:pPr>
+            <a:r>
+              <a:rPr lang="en-IN" dirty="0" smtClean="0"/>
+              <a:t>Then </a:t>
+            </a:r>
+            <a:r>
+              <a:rPr lang="en-IN" smtClean="0"/>
+              <a:t>we follow a </a:t>
+            </a:r>
+            <a:r>
+              <a:rPr lang="en-IN" dirty="0" smtClean="0"/>
+              <a:t>series of steps such as </a:t>
+            </a:r>
+            <a:r>
+              <a:rPr lang="en-IN" dirty="0" err="1" smtClean="0"/>
+              <a:t>Grayscailing</a:t>
+            </a:r>
+            <a:r>
+              <a:rPr lang="en-IN" dirty="0" smtClean="0"/>
+              <a:t>, Blurring and Thinning to enhance the quality of the image</a:t>
+            </a:r>
+            <a:endParaRPr lang="en-IN" dirty="0"/>
+          </a:p>
+        </p:txBody>
+      </p:sp>
+    </p:spTree>
+    <p:extLst>
+      <p:ext uri="{BB962C8B-B14F-4D97-AF65-F5344CB8AC3E}">
+        <p14:creationId xmlns:p14="http://schemas.microsoft.com/office/powerpoint/2010/main" val="1800775614"/>
       </p:ext>
     </p:extLst>
   </p:cSld>
@@ -21897,76 +22477,43 @@
             <p:ph type="body" idx="1"/>
           </p:nvPr>
         </p:nvSpPr>
-        <p:spPr/>
+        <p:spPr>
+          <a:xfrm>
+            <a:off x="457200" y="1772212"/>
+            <a:ext cx="8226425" cy="4522787"/>
+          </a:xfrm>
+        </p:spPr>
         <p:txBody>
           <a:bodyPr/>
           <a:lstStyle/>
           <a:p>
-            <a:r>
-              <a:rPr lang="en-US" dirty="0">
-                <a:latin typeface="Times New Roman"/>
-                <a:ea typeface="Times New Roman"/>
-                <a:cs typeface="Times New Roman"/>
-                <a:sym typeface="Times New Roman"/>
-              </a:rPr>
-              <a:t>Detailed design of the </a:t>
-            </a:r>
-            <a:r>
-              <a:rPr lang="en-US" dirty="0" smtClean="0">
-                <a:latin typeface="Times New Roman"/>
-                <a:ea typeface="Times New Roman"/>
-                <a:cs typeface="Times New Roman"/>
-                <a:sym typeface="Times New Roman"/>
-              </a:rPr>
-              <a:t>project</a:t>
-            </a:r>
-          </a:p>
-          <a:p>
-            <a:pPr marL="742950" indent="-514350">
+            <a:pPr marL="685800" indent="-457200">
               <a:buFont typeface="Arial" panose="020B0604020202020204" pitchFamily="34" charset="0"/>
               <a:buChar char="•"/>
             </a:pPr>
             <a:r>
               <a:rPr lang="en-IN" dirty="0" smtClean="0"/>
-              <a:t>First steps is to collect answer paper from student’s or examination centre and convert it into digital Image</a:t>
-            </a:r>
-          </a:p>
-          <a:p>
-            <a:pPr marL="742950" indent="-514350">
+              <a:t>Required features are then extracted from the Image to train machine learning model</a:t>
+            </a:r>
+          </a:p>
+          <a:p>
+            <a:pPr marL="685800" indent="-457200">
               <a:buFont typeface="Arial" panose="020B0604020202020204" pitchFamily="34" charset="0"/>
               <a:buChar char="•"/>
             </a:pPr>
             <a:r>
               <a:rPr lang="en-IN" dirty="0" smtClean="0"/>
-              <a:t>Then </a:t>
-            </a:r>
-            <a:r>
-              <a:rPr lang="en-IN" smtClean="0"/>
-              <a:t>we </a:t>
-            </a:r>
-            <a:r>
-              <a:rPr lang="en-IN" smtClean="0"/>
-              <a:t>follow a </a:t>
-            </a:r>
+              <a:t>The model uses answer key and features of Image for training purposes</a:t>
+            </a:r>
+          </a:p>
+          <a:p>
+            <a:pPr marL="685800" indent="-457200">
+              <a:buFont typeface="Arial" panose="020B0604020202020204" pitchFamily="34" charset="0"/>
+              <a:buChar char="•"/>
+            </a:pPr>
             <a:r>
               <a:rPr lang="en-IN" dirty="0" smtClean="0"/>
-              <a:t>series of steps such as </a:t>
-            </a:r>
-            <a:r>
-              <a:rPr lang="en-IN" dirty="0" err="1" smtClean="0"/>
-              <a:t>Grayscailing</a:t>
-            </a:r>
-            <a:r>
-              <a:rPr lang="en-IN" dirty="0" smtClean="0"/>
-              <a:t>, </a:t>
-            </a:r>
-            <a:r>
-              <a:rPr lang="en-IN" dirty="0" smtClean="0"/>
-              <a:t>Blurring </a:t>
-            </a:r>
-            <a:r>
-              <a:rPr lang="en-IN" dirty="0" smtClean="0"/>
-              <a:t>and Thinning to enhance the quality of the image</a:t>
+              <a:t>After  the creation of model new incoming images goes through pre processing and feature extracting step and then compared with the answer key through the model</a:t>
             </a:r>
             <a:endParaRPr lang="en-IN" dirty="0"/>
           </a:p>
@@ -21975,7 +22522,7 @@
     </p:spTree>
     <p:extLst>
       <p:ext uri="{BB962C8B-B14F-4D97-AF65-F5344CB8AC3E}">
-        <p14:creationId xmlns:p14="http://schemas.microsoft.com/office/powerpoint/2010/main" val="1800775614"/>
+        <p14:creationId xmlns:p14="http://schemas.microsoft.com/office/powerpoint/2010/main" val="149647363"/>
       </p:ext>
     </p:extLst>
   </p:cSld>
@@ -22059,119 +22606,6 @@
             </a:pPr>
             <a:r>
               <a:rPr lang="en-IN" dirty="0" smtClean="0"/>
-              <a:t>Required features are then extracted from the Image to train machine learning model</a:t>
-            </a:r>
-          </a:p>
-          <a:p>
-            <a:pPr marL="685800" indent="-457200">
-              <a:buFont typeface="Arial" panose="020B0604020202020204" pitchFamily="34" charset="0"/>
-              <a:buChar char="•"/>
-            </a:pPr>
-            <a:r>
-              <a:rPr lang="en-IN" dirty="0" smtClean="0"/>
-              <a:t>The model uses answer key and features of Image for training purposes</a:t>
-            </a:r>
-          </a:p>
-          <a:p>
-            <a:pPr marL="685800" indent="-457200">
-              <a:buFont typeface="Arial" panose="020B0604020202020204" pitchFamily="34" charset="0"/>
-              <a:buChar char="•"/>
-            </a:pPr>
-            <a:r>
-              <a:rPr lang="en-IN" dirty="0" smtClean="0"/>
-              <a:t>After  the creation of model new incoming images goes through pre processing and feature extracting step and then compared with the answer key through the model</a:t>
-            </a:r>
-            <a:endParaRPr lang="en-IN" dirty="0"/>
-          </a:p>
-        </p:txBody>
-      </p:sp>
-    </p:spTree>
-    <p:extLst>
-      <p:ext uri="{BB962C8B-B14F-4D97-AF65-F5344CB8AC3E}">
-        <p14:creationId xmlns:p14="http://schemas.microsoft.com/office/powerpoint/2010/main" val="149647363"/>
-      </p:ext>
-    </p:extLst>
-  </p:cSld>
-  <p:clrMapOvr>
-    <a:masterClrMapping/>
-  </p:clrMapOvr>
-</p:sld>
-</file>
-
-<file path=ppt/slides/slide24.xml><?xml version="1.0" encoding="utf-8"?>
-<p:sld xmlns:a="http://schemas.openxmlformats.org/drawingml/2006/main" xmlns:r="http://schemas.openxmlformats.org/officeDocument/2006/relationships" xmlns:p="http://schemas.openxmlformats.org/presentationml/2006/main">
-  <p:cSld>
-    <p:spTree>
-      <p:nvGrpSpPr>
-        <p:cNvPr id="1" name=""/>
-        <p:cNvGrpSpPr/>
-        <p:nvPr/>
-      </p:nvGrpSpPr>
-      <p:grpSpPr>
-        <a:xfrm>
-          <a:off x="0" y="0"/>
-          <a:ext cx="0" cy="0"/>
-          <a:chOff x="0" y="0"/>
-          <a:chExt cx="0" cy="0"/>
-        </a:xfrm>
-      </p:grpSpPr>
-      <p:pic>
-        <p:nvPicPr>
-          <p:cNvPr id="4" name="Google Shape;127;p16"/>
-          <p:cNvPicPr preferRelativeResize="0">
-            <a:picLocks/>
-          </p:cNvPicPr>
-          <p:nvPr/>
-        </p:nvPicPr>
-        <p:blipFill rotWithShape="1">
-          <a:blip r:embed="rId2">
-            <a:alphaModFix/>
-          </a:blip>
-          <a:srcRect/>
-          <a:stretch>
-            <a:fillRect/>
-          </a:stretch>
-        </p:blipFill>
-        <p:spPr>
-          <a:xfrm>
-            <a:off x="-1588" y="9051"/>
-            <a:ext cx="9144000" cy="1600200"/>
-          </a:xfrm>
-          <a:prstGeom prst="rect">
-            <a:avLst/>
-          </a:prstGeom>
-          <a:noFill/>
-          <a:ln>
-            <a:noFill/>
-          </a:ln>
-        </p:spPr>
-      </p:pic>
-      <p:sp>
-        <p:nvSpPr>
-          <p:cNvPr id="13" name="Text Placeholder 12"/>
-          <p:cNvSpPr>
-            <a:spLocks noGrp="1"/>
-          </p:cNvSpPr>
-          <p:nvPr>
-            <p:ph type="body" idx="1"/>
-          </p:nvPr>
-        </p:nvSpPr>
-        <p:spPr>
-          <a:xfrm>
-            <a:off x="457200" y="1772212"/>
-            <a:ext cx="8226425" cy="4522787"/>
-          </a:xfrm>
-        </p:spPr>
-        <p:txBody>
-          <a:bodyPr/>
-          <a:lstStyle/>
-          <a:p>
-            <a:pPr marL="685800" indent="-457200">
-              <a:buFont typeface="Arial" panose="020B0604020202020204" pitchFamily="34" charset="0"/>
-              <a:buChar char="•"/>
-            </a:pPr>
-            <a:r>
-              <a:rPr lang="en-IN" dirty="0" smtClean="0"/>
               <a:t>Similarity between answers in student’s paper and answer key is analysed and mark is allotted accordingly</a:t>
             </a:r>
           </a:p>
@@ -22201,7 +22635,7 @@
 </p:sld>
 </file>
 
-<file path=ppt/slides/slide25.xml><?xml version="1.0" encoding="utf-8"?>
+<file path=ppt/slides/slide24.xml><?xml version="1.0" encoding="utf-8"?>
 <p:sld xmlns:a="http://schemas.openxmlformats.org/drawingml/2006/main" xmlns:r="http://schemas.openxmlformats.org/officeDocument/2006/relationships" xmlns:p="http://schemas.openxmlformats.org/presentationml/2006/main">
   <p:cSld>
     <p:spTree>
@@ -22411,7 +22845,7 @@
 </p:sld>
 </file>
 
-<file path=ppt/slides/slide26.xml><?xml version="1.0" encoding="utf-8"?>
+<file path=ppt/slides/slide25.xml><?xml version="1.0" encoding="utf-8"?>
 <p:sld xmlns:a="http://schemas.openxmlformats.org/drawingml/2006/main" xmlns:r="http://schemas.openxmlformats.org/officeDocument/2006/relationships" xmlns:p="http://schemas.openxmlformats.org/presentationml/2006/main">
   <p:cSld>
     <p:spTree>
@@ -22600,7 +23034,7 @@
 </p:sld>
 </file>
 
-<file path=ppt/slides/slide27.xml><?xml version="1.0" encoding="utf-8"?>
+<file path=ppt/slides/slide26.xml><?xml version="1.0" encoding="utf-8"?>
 <p:sld xmlns:a="http://schemas.openxmlformats.org/drawingml/2006/main" xmlns:r="http://schemas.openxmlformats.org/officeDocument/2006/relationships" xmlns:p="http://schemas.openxmlformats.org/presentationml/2006/main">
   <p:cSld>
     <p:spTree>
@@ -23069,7 +23503,7 @@
 </p:sld>
 </file>
 
-<file path=ppt/slides/slide28.xml><?xml version="1.0" encoding="utf-8"?>
+<file path=ppt/slides/slide27.xml><?xml version="1.0" encoding="utf-8"?>
 <p:sld xmlns:a="http://schemas.openxmlformats.org/drawingml/2006/main" xmlns:r="http://schemas.openxmlformats.org/officeDocument/2006/relationships" xmlns:p="http://schemas.openxmlformats.org/presentationml/2006/main">
   <p:cSld>
     <p:bg>
@@ -23402,7 +23836,7 @@
                 <a:buFont typeface="Times New Roman"/>
                 <a:buNone/>
               </a:pPr>
-              <a:t>28</a:t>
+              <a:t>27</a:t>
             </a:fld>
             <a:endParaRPr sz="1200" b="0" i="0" u="none">
               <a:solidFill>
@@ -27301,8 +27735,19 @@
                 <a:latin typeface="Times New Roman" pitchFamily="18" charset="0"/>
                 <a:cs typeface="Times New Roman" pitchFamily="18" charset="0"/>
               </a:rPr>
-              <a:t>, India</a:t>
-            </a:r>
+              <a:t>, </a:t>
+            </a:r>
+            <a:r>
+              <a:rPr lang="en-IN" sz="1800" dirty="0" smtClean="0">
+                <a:latin typeface="Times New Roman" pitchFamily="18" charset="0"/>
+                <a:cs typeface="Times New Roman" pitchFamily="18" charset="0"/>
+              </a:rPr>
+              <a:t>India,2015</a:t>
+            </a:r>
+            <a:endParaRPr lang="en-IN" sz="1800" dirty="0" smtClean="0">
+              <a:latin typeface="Times New Roman" pitchFamily="18" charset="0"/>
+              <a:cs typeface="Times New Roman" pitchFamily="18" charset="0"/>
+            </a:endParaRPr>
           </a:p>
           <a:p>
             <a:pPr marL="571500" indent="-342900">
@@ -27454,7 +27899,14 @@
                 <a:latin typeface="Times New Roman" pitchFamily="18" charset="0"/>
                 <a:cs typeface="Times New Roman" pitchFamily="18" charset="0"/>
               </a:rPr>
-              <a:t>, Lebanon</a:t>
+              <a:t>, </a:t>
+            </a:r>
+            <a:r>
+              <a:rPr lang="en-IN" sz="1800" dirty="0" smtClean="0">
+                <a:latin typeface="Times New Roman" pitchFamily="18" charset="0"/>
+                <a:cs typeface="Times New Roman" pitchFamily="18" charset="0"/>
+              </a:rPr>
+              <a:t>Lebanon,2016</a:t>
             </a:r>
             <a:endParaRPr lang="en-IN" sz="1800" dirty="0" smtClean="0">
               <a:latin typeface="Times New Roman" pitchFamily="18" charset="0"/>
@@ -27600,11 +28052,11 @@
               <a:t> </a:t>
             </a:r>
             <a:r>
-              <a:rPr lang="en-IN" sz="1800" dirty="0" err="1" smtClean="0">
+              <a:rPr lang="en-IN" sz="1800" dirty="0" smtClean="0">
                 <a:latin typeface="Times New Roman" pitchFamily="18" charset="0"/>
                 <a:cs typeface="Times New Roman" pitchFamily="18" charset="0"/>
               </a:rPr>
-              <a:t>Saxena</a:t>
+              <a:t>Saxena,2017</a:t>
             </a:r>
             <a:endParaRPr lang="en-IN" sz="1800" dirty="0" smtClean="0">
               <a:latin typeface="Times New Roman" pitchFamily="18" charset="0"/>
@@ -28174,12 +28626,18 @@
             <a:pPr lvl="0" algn="l"/>
             <a:r>
               <a:rPr lang="en-US" sz="3200" b="1" dirty="0">
+                <a:solidFill>
+                  <a:srgbClr val="FF0000"/>
+                </a:solidFill>
                 <a:latin typeface="Times New Roman" pitchFamily="18" charset="0"/>
                 <a:cs typeface="Times New Roman" pitchFamily="18" charset="0"/>
               </a:rPr>
               <a:t>Extracting Text from Degraded Document Image</a:t>
             </a:r>
             <a:endParaRPr lang="en-IN" sz="3200" b="1" dirty="0">
+              <a:solidFill>
+                <a:srgbClr val="FF0000"/>
+              </a:solidFill>
               <a:latin typeface="Times New Roman" pitchFamily="18" charset="0"/>
               <a:cs typeface="Times New Roman" pitchFamily="18" charset="0"/>
             </a:endParaRPr>
@@ -28271,14 +28729,7 @@
                 <a:latin typeface="Times New Roman" pitchFamily="18" charset="0"/>
                 <a:cs typeface="Times New Roman" pitchFamily="18" charset="0"/>
               </a:rPr>
-              <a:t>RGB </a:t>
-            </a:r>
-            <a:r>
-              <a:rPr lang="en-US" sz="2400" dirty="0" smtClean="0">
-                <a:latin typeface="Times New Roman" pitchFamily="18" charset="0"/>
-                <a:cs typeface="Times New Roman" pitchFamily="18" charset="0"/>
-              </a:rPr>
-              <a:t>(</a:t>
+              <a:t>RGB (</a:t>
             </a:r>
             <a:r>
               <a:rPr lang="en-GB" sz="2400" dirty="0" smtClean="0">
@@ -28395,20 +28846,14 @@
                 <a:latin typeface="Times New Roman" pitchFamily="18" charset="0"/>
                 <a:cs typeface="Times New Roman" pitchFamily="18" charset="0"/>
               </a:rPr>
-              <a:t>detect text region</a:t>
-            </a:r>
-          </a:p>
-          <a:p>
-            <a:pPr marL="685800" indent="-457200">
-              <a:buFont typeface="+mj-lt"/>
-              <a:buAutoNum type="arabicPeriod"/>
-            </a:pPr>
+              <a:t>detect text </a:t>
+            </a:r>
             <a:r>
               <a:rPr lang="en-US" sz="2400" dirty="0" smtClean="0">
                 <a:latin typeface="Times New Roman" pitchFamily="18" charset="0"/>
                 <a:cs typeface="Times New Roman" pitchFamily="18" charset="0"/>
               </a:rPr>
-              <a:t>motivated </a:t>
+              <a:t>region motivated </a:t>
             </a:r>
             <a:r>
               <a:rPr lang="en-US" sz="2400" dirty="0">
@@ -28531,28 +28976,14 @@
                 <a:latin typeface="Times New Roman" pitchFamily="18" charset="0"/>
                 <a:cs typeface="Times New Roman" pitchFamily="18" charset="0"/>
               </a:rPr>
-              <a:t>Text area </a:t>
-            </a:r>
-            <a:r>
-              <a:rPr lang="en-GB" sz="2400" b="1" dirty="0" smtClean="0">
-                <a:latin typeface="Times New Roman" pitchFamily="18" charset="0"/>
-                <a:cs typeface="Times New Roman" pitchFamily="18" charset="0"/>
-              </a:rPr>
-              <a:t>detection: </a:t>
+              <a:t>Text area detection: </a:t>
             </a:r>
             <a:r>
               <a:rPr lang="en-GB" sz="2400" dirty="0" smtClean="0">
                 <a:latin typeface="Times New Roman" pitchFamily="18" charset="0"/>
                 <a:cs typeface="Times New Roman" pitchFamily="18" charset="0"/>
               </a:rPr>
-              <a:t>Identifies </a:t>
-            </a:r>
-            <a:r>
-              <a:rPr lang="en-GB" sz="2400" dirty="0" smtClean="0">
-                <a:latin typeface="Times New Roman" pitchFamily="18" charset="0"/>
-                <a:cs typeface="Times New Roman" pitchFamily="18" charset="0"/>
-              </a:rPr>
-              <a:t>text area</a:t>
+              <a:t>Identifies text area</a:t>
             </a:r>
             <a:endParaRPr lang="en-GB" sz="2400" b="1" dirty="0" smtClean="0">
               <a:latin typeface="Times New Roman" pitchFamily="18" charset="0"/>
@@ -28569,56 +29000,14 @@
                 <a:latin typeface="Times New Roman" pitchFamily="18" charset="0"/>
                 <a:cs typeface="Times New Roman" pitchFamily="18" charset="0"/>
               </a:rPr>
-              <a:t>Post processing</a:t>
-            </a:r>
-            <a:r>
-              <a:rPr lang="en-GB" sz="2400" b="1" dirty="0" smtClean="0">
-                <a:latin typeface="Times New Roman" pitchFamily="18" charset="0"/>
-                <a:cs typeface="Times New Roman" pitchFamily="18" charset="0"/>
-              </a:rPr>
-              <a:t>: </a:t>
+              <a:t>Post processing: </a:t>
             </a:r>
             <a:r>
               <a:rPr lang="en-GB" sz="2400" dirty="0" smtClean="0">
                 <a:latin typeface="Times New Roman" pitchFamily="18" charset="0"/>
                 <a:cs typeface="Times New Roman" pitchFamily="18" charset="0"/>
               </a:rPr>
-              <a:t>Takes </a:t>
-            </a:r>
-            <a:r>
-              <a:rPr lang="en-GB" sz="2400" dirty="0" smtClean="0">
-                <a:latin typeface="Times New Roman" pitchFamily="18" charset="0"/>
-                <a:cs typeface="Times New Roman" pitchFamily="18" charset="0"/>
-              </a:rPr>
-              <a:t>care of false positives and negatives based on intensity values of </a:t>
-            </a:r>
-            <a:r>
-              <a:rPr lang="en-GB" sz="2400" dirty="0" smtClean="0">
-                <a:latin typeface="Times New Roman" pitchFamily="18" charset="0"/>
-                <a:cs typeface="Times New Roman" pitchFamily="18" charset="0"/>
-              </a:rPr>
-              <a:t>pre-processed </a:t>
-            </a:r>
-            <a:r>
-              <a:rPr lang="en-GB" sz="2400" dirty="0" smtClean="0">
-                <a:latin typeface="Times New Roman" pitchFamily="18" charset="0"/>
-                <a:cs typeface="Times New Roman" pitchFamily="18" charset="0"/>
-              </a:rPr>
-              <a:t>and </a:t>
-            </a:r>
-            <a:r>
-              <a:rPr lang="en-GB" sz="2400" dirty="0" smtClean="0">
-                <a:latin typeface="Times New Roman" pitchFamily="18" charset="0"/>
-                <a:cs typeface="Times New Roman" pitchFamily="18" charset="0"/>
-              </a:rPr>
-              <a:t>grey </a:t>
-            </a:r>
-            <a:r>
-              <a:rPr lang="en-GB" sz="2400" dirty="0" smtClean="0">
-                <a:latin typeface="Times New Roman" pitchFamily="18" charset="0"/>
-                <a:cs typeface="Times New Roman" pitchFamily="18" charset="0"/>
-              </a:rPr>
-              <a:t>image</a:t>
+              <a:t>Takes care of false positives and negatives based on intensity values of pre-processed and grey image</a:t>
             </a:r>
           </a:p>
           <a:p>

--- a/DP G7 first review.pptx
+++ b/DP G7 first review.pptx
@@ -5,7 +5,7 @@
     <p:sldMasterId id="2147483648" r:id="rId1"/>
   </p:sldMasterIdLst>
   <p:notesMasterIdLst>
-    <p:notesMasterId r:id="rId29"/>
+    <p:notesMasterId r:id="rId28"/>
   </p:notesMasterIdLst>
   <p:sldIdLst>
     <p:sldId id="257" r:id="rId2"/>
@@ -16,7 +16,7 @@
     <p:sldId id="263" r:id="rId7"/>
     <p:sldId id="264" r:id="rId8"/>
     <p:sldId id="265" r:id="rId9"/>
-    <p:sldId id="278" r:id="rId10"/>
+    <p:sldId id="289" r:id="rId10"/>
     <p:sldId id="272" r:id="rId11"/>
     <p:sldId id="268" r:id="rId12"/>
     <p:sldId id="269" r:id="rId13"/>
@@ -28,27 +28,26 @@
     <p:sldId id="285" r:id="rId19"/>
     <p:sldId id="280" r:id="rId20"/>
     <p:sldId id="275" r:id="rId21"/>
-    <p:sldId id="281" r:id="rId22"/>
-    <p:sldId id="283" r:id="rId23"/>
-    <p:sldId id="284" r:id="rId24"/>
-    <p:sldId id="282" r:id="rId25"/>
-    <p:sldId id="276" r:id="rId26"/>
-    <p:sldId id="277" r:id="rId27"/>
-    <p:sldId id="261" r:id="rId28"/>
+    <p:sldId id="287" r:id="rId22"/>
+    <p:sldId id="288" r:id="rId23"/>
+    <p:sldId id="282" r:id="rId24"/>
+    <p:sldId id="276" r:id="rId25"/>
+    <p:sldId id="277" r:id="rId26"/>
+    <p:sldId id="261" r:id="rId27"/>
   </p:sldIdLst>
   <p:sldSz cx="9144000" cy="6858000" type="screen4x3"/>
   <p:notesSz cx="6858000" cy="9144000"/>
   <p:embeddedFontLst>
     <p:embeddedFont>
       <p:font typeface="Arial Black" panose="020B0A04020102020204" pitchFamily="34" charset="0"/>
-      <p:bold r:id="rId30"/>
+      <p:bold r:id="rId29"/>
     </p:embeddedFont>
     <p:embeddedFont>
       <p:font typeface="Calibri" panose="020F0502020204030204" pitchFamily="34" charset="0"/>
-      <p:regular r:id="rId31"/>
-      <p:bold r:id="rId32"/>
-      <p:italic r:id="rId33"/>
-      <p:boldItalic r:id="rId34"/>
+      <p:regular r:id="rId30"/>
+      <p:bold r:id="rId31"/>
+      <p:italic r:id="rId32"/>
+      <p:boldItalic r:id="rId33"/>
     </p:embeddedFont>
   </p:embeddedFontLst>
   <p:defaultTextStyle>
@@ -1773,7 +1772,7 @@
                 <a:buFont typeface="Times New Roman"/>
                 <a:buNone/>
               </a:pPr>
-              <a:t>13</a:t>
+              <a:t>11</a:t>
             </a:fld>
             <a:endParaRPr sz="1200" b="0" i="0" u="none">
               <a:solidFill>
@@ -1856,7 +1855,7 @@
                 <a:buFont typeface="Times New Roman"/>
                 <a:buNone/>
               </a:pPr>
-              <a:t>13</a:t>
+              <a:t>11</a:t>
             </a:fld>
             <a:endParaRPr sz="1200" b="0" i="0" u="none">
               <a:solidFill>
@@ -1939,7 +1938,7 @@
                 <a:buFont typeface="Times New Roman"/>
                 <a:buNone/>
               </a:pPr>
-              <a:t>13</a:t>
+              <a:t>11</a:t>
             </a:fld>
             <a:endParaRPr sz="1200" b="0" i="0" u="none">
               <a:solidFill>
@@ -2022,7 +2021,7 @@
                 <a:buFont typeface="Times New Roman"/>
                 <a:buNone/>
               </a:pPr>
-              <a:t>13</a:t>
+              <a:t>11</a:t>
             </a:fld>
             <a:endParaRPr sz="1200" b="0" i="0" u="none">
               <a:solidFill>
@@ -2132,6 +2131,595 @@
     </p:spTree>
     <p:extLst>
       <p:ext uri="{BB962C8B-B14F-4D97-AF65-F5344CB8AC3E}">
+        <p14:creationId xmlns:p14="http://schemas.microsoft.com/office/powerpoint/2010/main" val="3606973737"/>
+      </p:ext>
+    </p:extLst>
+  </p:cSld>
+  <p:clrMapOvr>
+    <a:masterClrMapping/>
+  </p:clrMapOvr>
+</p:notes>
+</file>
+
+<file path=ppt/notesSlides/notesSlide11.xml><?xml version="1.0" encoding="utf-8"?>
+<p:notes xmlns:a="http://schemas.openxmlformats.org/drawingml/2006/main" xmlns:r="http://schemas.openxmlformats.org/officeDocument/2006/relationships" xmlns:p="http://schemas.openxmlformats.org/presentationml/2006/main">
+  <p:cSld>
+    <p:spTree>
+      <p:nvGrpSpPr>
+        <p:cNvPr id="1" name=""/>
+        <p:cNvGrpSpPr/>
+        <p:nvPr/>
+      </p:nvGrpSpPr>
+      <p:grpSpPr>
+        <a:xfrm>
+          <a:off x="0" y="0"/>
+          <a:ext cx="0" cy="0"/>
+          <a:chOff x="0" y="0"/>
+          <a:chExt cx="0" cy="0"/>
+        </a:xfrm>
+      </p:grpSpPr>
+      <p:sp>
+        <p:nvSpPr>
+          <p:cNvPr id="2" name="Slide Image Placeholder 1"/>
+          <p:cNvSpPr>
+            <a:spLocks noGrp="1" noRot="1" noChangeAspect="1"/>
+          </p:cNvSpPr>
+          <p:nvPr>
+            <p:ph type="sldImg"/>
+          </p:nvPr>
+        </p:nvSpPr>
+        <p:spPr/>
+      </p:sp>
+      <p:sp>
+        <p:nvSpPr>
+          <p:cNvPr id="3" name="Notes Placeholder 2"/>
+          <p:cNvSpPr>
+            <a:spLocks noGrp="1"/>
+          </p:cNvSpPr>
+          <p:nvPr>
+            <p:ph type="body" idx="1"/>
+          </p:nvPr>
+        </p:nvSpPr>
+        <p:spPr/>
+        <p:txBody>
+          <a:bodyPr/>
+          <a:lstStyle/>
+          <a:p>
+            <a:endParaRPr lang="en-IN"/>
+          </a:p>
+        </p:txBody>
+      </p:sp>
+      <p:sp>
+        <p:nvSpPr>
+          <p:cNvPr id="4" name="Slide Number Placeholder 3"/>
+          <p:cNvSpPr>
+            <a:spLocks noGrp="1"/>
+          </p:cNvSpPr>
+          <p:nvPr>
+            <p:ph type="sldNum" idx="10"/>
+          </p:nvPr>
+        </p:nvSpPr>
+        <p:spPr/>
+        <p:txBody>
+          <a:bodyPr/>
+          <a:lstStyle/>
+          <a:p>
+            <a:pPr marL="0" marR="0" lvl="0" indent="0" algn="r" rtl="0">
+              <a:lnSpc>
+                <a:spcPct val="100000"/>
+              </a:lnSpc>
+              <a:spcBef>
+                <a:spcPts val="0"/>
+              </a:spcBef>
+              <a:spcAft>
+                <a:spcPts val="0"/>
+              </a:spcAft>
+              <a:buClr>
+                <a:srgbClr val="000000"/>
+              </a:buClr>
+              <a:buSzPts val="1200"/>
+              <a:buFont typeface="Times New Roman"/>
+              <a:buNone/>
+            </a:pPr>
+            <a:fld id="{00000000-1234-1234-1234-123412341234}" type="slidenum">
+              <a:rPr lang="en-US" sz="1200" b="0" i="0" u="none" smtClean="0">
+                <a:solidFill>
+                  <a:srgbClr val="000000"/>
+                </a:solidFill>
+                <a:latin typeface="Calibri"/>
+                <a:ea typeface="Calibri"/>
+                <a:cs typeface="Calibri"/>
+                <a:sym typeface="Calibri"/>
+              </a:rPr>
+              <a:pPr marL="0" marR="0" lvl="0" indent="0" algn="r" rtl="0">
+                <a:lnSpc>
+                  <a:spcPct val="100000"/>
+                </a:lnSpc>
+                <a:spcBef>
+                  <a:spcPts val="0"/>
+                </a:spcBef>
+                <a:spcAft>
+                  <a:spcPts val="0"/>
+                </a:spcAft>
+                <a:buClr>
+                  <a:srgbClr val="000000"/>
+                </a:buClr>
+                <a:buSzPts val="1200"/>
+                <a:buFont typeface="Times New Roman"/>
+                <a:buNone/>
+              </a:pPr>
+              <a:t>12</a:t>
+            </a:fld>
+            <a:endParaRPr lang="en-US" sz="1200" b="0" i="0" u="none">
+              <a:solidFill>
+                <a:srgbClr val="000000"/>
+              </a:solidFill>
+              <a:latin typeface="Calibri"/>
+              <a:ea typeface="Calibri"/>
+              <a:cs typeface="Calibri"/>
+              <a:sym typeface="Calibri"/>
+            </a:endParaRPr>
+          </a:p>
+        </p:txBody>
+      </p:sp>
+    </p:spTree>
+    <p:extLst>
+      <p:ext uri="{BB962C8B-B14F-4D97-AF65-F5344CB8AC3E}">
+        <p14:creationId xmlns:p14="http://schemas.microsoft.com/office/powerpoint/2010/main" val="1662189935"/>
+      </p:ext>
+    </p:extLst>
+  </p:cSld>
+  <p:clrMapOvr>
+    <a:masterClrMapping/>
+  </p:clrMapOvr>
+</p:notes>
+</file>
+
+<file path=ppt/notesSlides/notesSlide12.xml><?xml version="1.0" encoding="utf-8"?>
+<p:notes xmlns:a="http://schemas.openxmlformats.org/drawingml/2006/main" xmlns:r="http://schemas.openxmlformats.org/officeDocument/2006/relationships" xmlns:p="http://schemas.openxmlformats.org/presentationml/2006/main" showMasterSp="0" showMasterPhAnim="0">
+  <p:cSld>
+    <p:spTree>
+      <p:nvGrpSpPr>
+        <p:cNvPr id="1" name="Shape 109"/>
+        <p:cNvGrpSpPr/>
+        <p:nvPr/>
+      </p:nvGrpSpPr>
+      <p:grpSpPr>
+        <a:xfrm>
+          <a:off x="0" y="0"/>
+          <a:ext cx="0" cy="0"/>
+          <a:chOff x="0" y="0"/>
+          <a:chExt cx="0" cy="0"/>
+        </a:xfrm>
+      </p:grpSpPr>
+      <p:sp>
+        <p:nvSpPr>
+          <p:cNvPr id="1048618" name="Google Shape;110;p4:notes"/>
+          <p:cNvSpPr txBox="1"/>
+          <p:nvPr/>
+        </p:nvSpPr>
+        <p:spPr>
+          <a:xfrm>
+            <a:off x="3884612" y="8685212"/>
+            <a:ext cx="2971800" cy="457200"/>
+          </a:xfrm>
+          <a:prstGeom prst="rect">
+            <a:avLst/>
+          </a:prstGeom>
+          <a:noFill/>
+          <a:ln>
+            <a:noFill/>
+          </a:ln>
+        </p:spPr>
+        <p:txBody>
+          <a:bodyPr spcFirstLastPara="1" wrap="square" lIns="90000" tIns="46800" rIns="90000" bIns="46800" anchor="b" anchorCtr="0">
+            <a:noAutofit/>
+          </a:bodyPr>
+          <a:lstStyle/>
+          <a:p>
+            <a:pPr marL="0" marR="0" lvl="0" indent="0" algn="r" rtl="0">
+              <a:lnSpc>
+                <a:spcPct val="100000"/>
+              </a:lnSpc>
+              <a:spcBef>
+                <a:spcPts val="0"/>
+              </a:spcBef>
+              <a:spcAft>
+                <a:spcPts val="0"/>
+              </a:spcAft>
+              <a:buClr>
+                <a:srgbClr val="000000"/>
+              </a:buClr>
+              <a:buSzPts val="1200"/>
+              <a:buFont typeface="Times New Roman"/>
+              <a:buNone/>
+            </a:pPr>
+            <a:fld id="{00000000-1234-1234-1234-123412341234}" type="slidenum">
+              <a:rPr lang="en-US" sz="1200" b="0" i="0" u="none">
+                <a:solidFill>
+                  <a:srgbClr val="000000"/>
+                </a:solidFill>
+                <a:latin typeface="Times New Roman"/>
+                <a:ea typeface="Times New Roman"/>
+                <a:cs typeface="Times New Roman"/>
+                <a:sym typeface="Times New Roman"/>
+              </a:rPr>
+              <a:pPr marL="0" marR="0" lvl="0" indent="0" algn="r" rtl="0">
+                <a:lnSpc>
+                  <a:spcPct val="100000"/>
+                </a:lnSpc>
+                <a:spcBef>
+                  <a:spcPts val="0"/>
+                </a:spcBef>
+                <a:spcAft>
+                  <a:spcPts val="0"/>
+                </a:spcAft>
+                <a:buClr>
+                  <a:srgbClr val="000000"/>
+                </a:buClr>
+                <a:buSzPts val="1200"/>
+                <a:buFont typeface="Times New Roman"/>
+                <a:buNone/>
+              </a:pPr>
+              <a:t>13</a:t>
+            </a:fld>
+            <a:endParaRPr sz="1200" b="0" i="0" u="none">
+              <a:solidFill>
+                <a:srgbClr val="000000"/>
+              </a:solidFill>
+              <a:latin typeface="Times New Roman"/>
+              <a:ea typeface="Times New Roman"/>
+              <a:cs typeface="Times New Roman"/>
+              <a:sym typeface="Times New Roman"/>
+            </a:endParaRPr>
+          </a:p>
+        </p:txBody>
+      </p:sp>
+      <p:sp>
+        <p:nvSpPr>
+          <p:cNvPr id="1048619" name="Google Shape;111;p4:notes"/>
+          <p:cNvSpPr txBox="1"/>
+          <p:nvPr/>
+        </p:nvSpPr>
+        <p:spPr>
+          <a:xfrm>
+            <a:off x="0" y="0"/>
+            <a:ext cx="1587" cy="1587"/>
+          </a:xfrm>
+          <a:prstGeom prst="rect">
+            <a:avLst/>
+          </a:prstGeom>
+          <a:noFill/>
+          <a:ln>
+            <a:noFill/>
+          </a:ln>
+        </p:spPr>
+        <p:txBody>
+          <a:bodyPr spcFirstLastPara="1" wrap="square" lIns="78825" tIns="39600" rIns="78825" bIns="39600" anchor="t" anchorCtr="0">
+            <a:noAutofit/>
+          </a:bodyPr>
+          <a:lstStyle/>
+          <a:p>
+            <a:pPr marL="0" marR="0" lvl="0" indent="0" algn="l" rtl="0">
+              <a:lnSpc>
+                <a:spcPct val="100000"/>
+              </a:lnSpc>
+              <a:spcBef>
+                <a:spcPts val="0"/>
+              </a:spcBef>
+              <a:spcAft>
+                <a:spcPts val="0"/>
+              </a:spcAft>
+              <a:buClr>
+                <a:srgbClr val="000000"/>
+              </a:buClr>
+              <a:buSzPts val="1200"/>
+              <a:buFont typeface="Times New Roman"/>
+              <a:buNone/>
+            </a:pPr>
+            <a:fld id="{00000000-1234-1234-1234-123412341234}" type="slidenum">
+              <a:rPr lang="en-US" sz="1200" b="0" i="0" u="none">
+                <a:solidFill>
+                  <a:srgbClr val="FFFFFF"/>
+                </a:solidFill>
+                <a:latin typeface="Calibri"/>
+                <a:ea typeface="Calibri"/>
+                <a:cs typeface="Calibri"/>
+                <a:sym typeface="Calibri"/>
+              </a:rPr>
+              <a:pPr marL="0" marR="0" lvl="0" indent="0" algn="l" rtl="0">
+                <a:lnSpc>
+                  <a:spcPct val="100000"/>
+                </a:lnSpc>
+                <a:spcBef>
+                  <a:spcPts val="0"/>
+                </a:spcBef>
+                <a:spcAft>
+                  <a:spcPts val="0"/>
+                </a:spcAft>
+                <a:buClr>
+                  <a:srgbClr val="000000"/>
+                </a:buClr>
+                <a:buSzPts val="1200"/>
+                <a:buFont typeface="Times New Roman"/>
+                <a:buNone/>
+              </a:pPr>
+              <a:t>13</a:t>
+            </a:fld>
+            <a:endParaRPr sz="1200" b="0" i="0" u="none">
+              <a:solidFill>
+                <a:srgbClr val="FFFFFF"/>
+              </a:solidFill>
+              <a:latin typeface="Calibri"/>
+              <a:ea typeface="Calibri"/>
+              <a:cs typeface="Calibri"/>
+              <a:sym typeface="Calibri"/>
+            </a:endParaRPr>
+          </a:p>
+        </p:txBody>
+      </p:sp>
+      <p:sp>
+        <p:nvSpPr>
+          <p:cNvPr id="1048620" name="Google Shape;112;p4:notes"/>
+          <p:cNvSpPr/>
+          <p:nvPr/>
+        </p:nvSpPr>
+        <p:spPr>
+          <a:xfrm>
+            <a:off x="3881437" y="8685212"/>
+            <a:ext cx="2968625" cy="450850"/>
+          </a:xfrm>
+          <a:prstGeom prst="rect">
+            <a:avLst/>
+          </a:prstGeom>
+          <a:noFill/>
+          <a:ln>
+            <a:noFill/>
+          </a:ln>
+        </p:spPr>
+        <p:txBody>
+          <a:bodyPr spcFirstLastPara="1" wrap="square" lIns="0" tIns="0" rIns="0" bIns="0" anchor="b" anchorCtr="0">
+            <a:noAutofit/>
+          </a:bodyPr>
+          <a:lstStyle/>
+          <a:p>
+            <a:pPr marL="0" marR="0" lvl="0" indent="0" algn="r" rtl="0">
+              <a:lnSpc>
+                <a:spcPct val="100000"/>
+              </a:lnSpc>
+              <a:spcBef>
+                <a:spcPts val="0"/>
+              </a:spcBef>
+              <a:spcAft>
+                <a:spcPts val="0"/>
+              </a:spcAft>
+              <a:buClr>
+                <a:srgbClr val="000000"/>
+              </a:buClr>
+              <a:buSzPts val="1200"/>
+              <a:buFont typeface="Times New Roman"/>
+              <a:buNone/>
+            </a:pPr>
+            <a:fld id="{00000000-1234-1234-1234-123412341234}" type="slidenum">
+              <a:rPr lang="en-US" sz="1200" b="0" i="0" u="none">
+                <a:solidFill>
+                  <a:srgbClr val="000000"/>
+                </a:solidFill>
+                <a:latin typeface="Times New Roman"/>
+                <a:ea typeface="Times New Roman"/>
+                <a:cs typeface="Times New Roman"/>
+                <a:sym typeface="Times New Roman"/>
+              </a:rPr>
+              <a:pPr marL="0" marR="0" lvl="0" indent="0" algn="r" rtl="0">
+                <a:lnSpc>
+                  <a:spcPct val="100000"/>
+                </a:lnSpc>
+                <a:spcBef>
+                  <a:spcPts val="0"/>
+                </a:spcBef>
+                <a:spcAft>
+                  <a:spcPts val="0"/>
+                </a:spcAft>
+                <a:buClr>
+                  <a:srgbClr val="000000"/>
+                </a:buClr>
+                <a:buSzPts val="1200"/>
+                <a:buFont typeface="Times New Roman"/>
+                <a:buNone/>
+              </a:pPr>
+              <a:t>13</a:t>
+            </a:fld>
+            <a:endParaRPr sz="1200" b="0" i="0" u="none">
+              <a:solidFill>
+                <a:srgbClr val="000000"/>
+              </a:solidFill>
+              <a:latin typeface="Times New Roman"/>
+              <a:ea typeface="Times New Roman"/>
+              <a:cs typeface="Times New Roman"/>
+              <a:sym typeface="Times New Roman"/>
+            </a:endParaRPr>
+          </a:p>
+        </p:txBody>
+      </p:sp>
+      <p:sp>
+        <p:nvSpPr>
+          <p:cNvPr id="1048621" name="Google Shape;113;p4:notes"/>
+          <p:cNvSpPr/>
+          <p:nvPr/>
+        </p:nvSpPr>
+        <p:spPr>
+          <a:xfrm>
+            <a:off x="3881437" y="8685212"/>
+            <a:ext cx="2970212" cy="452437"/>
+          </a:xfrm>
+          <a:prstGeom prst="rect">
+            <a:avLst/>
+          </a:prstGeom>
+          <a:noFill/>
+          <a:ln>
+            <a:noFill/>
+          </a:ln>
+        </p:spPr>
+        <p:txBody>
+          <a:bodyPr spcFirstLastPara="1" wrap="square" lIns="0" tIns="0" rIns="0" bIns="0" anchor="b" anchorCtr="0">
+            <a:noAutofit/>
+          </a:bodyPr>
+          <a:lstStyle/>
+          <a:p>
+            <a:pPr marL="0" marR="0" lvl="0" indent="0" algn="r" rtl="0">
+              <a:lnSpc>
+                <a:spcPct val="100000"/>
+              </a:lnSpc>
+              <a:spcBef>
+                <a:spcPts val="0"/>
+              </a:spcBef>
+              <a:spcAft>
+                <a:spcPts val="0"/>
+              </a:spcAft>
+              <a:buClr>
+                <a:srgbClr val="000000"/>
+              </a:buClr>
+              <a:buSzPts val="1200"/>
+              <a:buFont typeface="Times New Roman"/>
+              <a:buNone/>
+            </a:pPr>
+            <a:fld id="{00000000-1234-1234-1234-123412341234}" type="slidenum">
+              <a:rPr lang="en-US" sz="1200" b="0" i="0" u="none">
+                <a:solidFill>
+                  <a:srgbClr val="000000"/>
+                </a:solidFill>
+                <a:latin typeface="Times New Roman"/>
+                <a:ea typeface="Times New Roman"/>
+                <a:cs typeface="Times New Roman"/>
+                <a:sym typeface="Times New Roman"/>
+              </a:rPr>
+              <a:pPr marL="0" marR="0" lvl="0" indent="0" algn="r" rtl="0">
+                <a:lnSpc>
+                  <a:spcPct val="100000"/>
+                </a:lnSpc>
+                <a:spcBef>
+                  <a:spcPts val="0"/>
+                </a:spcBef>
+                <a:spcAft>
+                  <a:spcPts val="0"/>
+                </a:spcAft>
+                <a:buClr>
+                  <a:srgbClr val="000000"/>
+                </a:buClr>
+                <a:buSzPts val="1200"/>
+                <a:buFont typeface="Times New Roman"/>
+                <a:buNone/>
+              </a:pPr>
+              <a:t>13</a:t>
+            </a:fld>
+            <a:endParaRPr sz="1200" b="0" i="0" u="none">
+              <a:solidFill>
+                <a:srgbClr val="000000"/>
+              </a:solidFill>
+              <a:latin typeface="Times New Roman"/>
+              <a:ea typeface="Times New Roman"/>
+              <a:cs typeface="Times New Roman"/>
+              <a:sym typeface="Times New Roman"/>
+            </a:endParaRPr>
+          </a:p>
+        </p:txBody>
+      </p:sp>
+      <p:sp>
+        <p:nvSpPr>
+          <p:cNvPr id="1048622" name="Google Shape;114;p4:notes"/>
+          <p:cNvSpPr>
+            <a:spLocks noGrp="1" noRot="1" noChangeAspect="1"/>
+          </p:cNvSpPr>
+          <p:nvPr>
+            <p:ph type="sldImg" idx="2"/>
+          </p:nvPr>
+        </p:nvSpPr>
+        <p:spPr>
+          <a:xfrm>
+            <a:off x="1143000" y="695325"/>
+            <a:ext cx="4570413" cy="3427413"/>
+          </a:xfrm>
+          <a:custGeom>
+            <a:avLst/>
+            <a:gdLst/>
+            <a:ahLst/>
+            <a:cxnLst/>
+            <a:rect l="l" t="t" r="r" b="b"/>
+            <a:pathLst>
+              <a:path w="120000" h="120000" extrusionOk="0">
+                <a:moveTo>
+                  <a:pt x="0" y="0"/>
+                </a:moveTo>
+                <a:lnTo>
+                  <a:pt x="120000" y="0"/>
+                </a:lnTo>
+                <a:lnTo>
+                  <a:pt x="120000" y="120000"/>
+                </a:lnTo>
+                <a:lnTo>
+                  <a:pt x="0" y="120000"/>
+                </a:lnTo>
+                <a:close/>
+              </a:path>
+            </a:pathLst>
+          </a:custGeom>
+          <a:noFill/>
+          <a:ln w="12600" cap="sq" cmpd="sng">
+            <a:solidFill>
+              <a:srgbClr val="000000"/>
+            </a:solidFill>
+            <a:prstDash val="solid"/>
+            <a:miter lim="8000"/>
+            <a:headEnd type="none" w="sm" len="sm"/>
+            <a:tailEnd type="none" w="sm" len="sm"/>
+          </a:ln>
+        </p:spPr>
+      </p:sp>
+      <p:sp>
+        <p:nvSpPr>
+          <p:cNvPr id="1048623" name="Google Shape;115;p4:notes"/>
+          <p:cNvSpPr txBox="1">
+            <a:spLocks noGrp="1"/>
+          </p:cNvSpPr>
+          <p:nvPr>
+            <p:ph type="body" idx="1"/>
+          </p:nvPr>
+        </p:nvSpPr>
+        <p:spPr>
+          <a:xfrm>
+            <a:off x="685800" y="4343400"/>
+            <a:ext cx="5486400" cy="4114800"/>
+          </a:xfrm>
+          <a:prstGeom prst="rect">
+            <a:avLst/>
+          </a:prstGeom>
+          <a:noFill/>
+          <a:ln>
+            <a:noFill/>
+          </a:ln>
+        </p:spPr>
+        <p:txBody>
+          <a:bodyPr spcFirstLastPara="1" wrap="square" lIns="91425" tIns="45700" rIns="91425" bIns="45700" anchor="ctr" anchorCtr="0">
+            <a:noAutofit/>
+          </a:bodyPr>
+          <a:lstStyle/>
+          <a:p>
+            <a:pPr marL="0" lvl="0" indent="0" algn="l" rtl="0">
+              <a:spcBef>
+                <a:spcPts val="0"/>
+              </a:spcBef>
+              <a:spcAft>
+                <a:spcPts val="0"/>
+              </a:spcAft>
+              <a:buNone/>
+            </a:pPr>
+            <a:endParaRPr/>
+          </a:p>
+        </p:txBody>
+      </p:sp>
+    </p:spTree>
+    <p:extLst>
+      <p:ext uri="{BB962C8B-B14F-4D97-AF65-F5344CB8AC3E}">
         <p14:creationId xmlns:p14="http://schemas.microsoft.com/office/powerpoint/2010/main" val="2610381427"/>
       </p:ext>
     </p:extLst>
@@ -2142,7 +2730,7 @@
 </p:notes>
 </file>
 
-<file path=ppt/notesSlides/notesSlide11.xml><?xml version="1.0" encoding="utf-8"?>
+<file path=ppt/notesSlides/notesSlide13.xml><?xml version="1.0" encoding="utf-8"?>
 <p:notes xmlns:a="http://schemas.openxmlformats.org/drawingml/2006/main" xmlns:r="http://schemas.openxmlformats.org/officeDocument/2006/relationships" xmlns:p="http://schemas.openxmlformats.org/presentationml/2006/main" showMasterSp="0" showMasterPhAnim="0">
   <p:cSld>
     <p:spTree>
@@ -4769,7 +5357,7 @@
               </a:spcAft>
               <a:buNone/>
             </a:pPr>
-            <a:endParaRPr/>
+            <a:endParaRPr dirty="0"/>
           </a:p>
         </p:txBody>
       </p:sp>
@@ -4872,7 +5460,7 @@
                 <a:buFont typeface="Times New Roman"/>
                 <a:buNone/>
               </a:pPr>
-              <a:t>11</a:t>
+              <a:t>9</a:t>
             </a:fld>
             <a:endParaRPr sz="1200" b="0" i="0" u="none">
               <a:solidFill>
@@ -4955,7 +5543,7 @@
                 <a:buFont typeface="Times New Roman"/>
                 <a:buNone/>
               </a:pPr>
-              <a:t>11</a:t>
+              <a:t>9</a:t>
             </a:fld>
             <a:endParaRPr sz="1200" b="0" i="0" u="none">
               <a:solidFill>
@@ -5038,7 +5626,7 @@
                 <a:buFont typeface="Times New Roman"/>
                 <a:buNone/>
               </a:pPr>
-              <a:t>11</a:t>
+              <a:t>9</a:t>
             </a:fld>
             <a:endParaRPr sz="1200" b="0" i="0" u="none">
               <a:solidFill>
@@ -5121,7 +5709,7 @@
                 <a:buFont typeface="Times New Roman"/>
                 <a:buNone/>
               </a:pPr>
-              <a:t>11</a:t>
+              <a:t>9</a:t>
             </a:fld>
             <a:endParaRPr sz="1200" b="0" i="0" u="none">
               <a:solidFill>
@@ -5224,14 +5812,14 @@
               </a:spcAft>
               <a:buNone/>
             </a:pPr>
-            <a:endParaRPr/>
+            <a:endParaRPr dirty="0"/>
           </a:p>
         </p:txBody>
       </p:sp>
     </p:spTree>
     <p:extLst>
       <p:ext uri="{BB962C8B-B14F-4D97-AF65-F5344CB8AC3E}">
-        <p14:creationId xmlns:p14="http://schemas.microsoft.com/office/powerpoint/2010/main" val="3606973737"/>
+        <p14:creationId xmlns:p14="http://schemas.microsoft.com/office/powerpoint/2010/main" val="2233897433"/>
       </p:ext>
     </p:extLst>
   </p:cSld>
@@ -16232,7 +16820,7 @@
               <a:buNone/>
             </a:pPr>
             <a:r>
-              <a:rPr lang="en-US" sz="1200">
+              <a:rPr lang="en-US" sz="1200" dirty="0" smtClean="0">
                 <a:solidFill>
                   <a:srgbClr val="898989"/>
                 </a:solidFill>
@@ -16241,10 +16829,10 @@
                 <a:cs typeface="Calibri"/>
                 <a:sym typeface="Calibri"/>
               </a:rPr>
-              <a:t>14</a:t>
-            </a:r>
-            <a:r>
-              <a:rPr lang="en-US" sz="1200" b="0" i="0" u="none">
+              <a:t>21</a:t>
+            </a:r>
+            <a:r>
+              <a:rPr lang="en-US" sz="1200" b="0" i="0" u="none" dirty="0" smtClean="0">
                 <a:solidFill>
                   <a:srgbClr val="898989"/>
                 </a:solidFill>
@@ -16256,7 +16844,7 @@
               <a:t>/</a:t>
             </a:r>
             <a:r>
-              <a:rPr lang="en-US" sz="1200">
+              <a:rPr lang="en-US" sz="1200" dirty="0" smtClean="0">
                 <a:solidFill>
                   <a:srgbClr val="898989"/>
                 </a:solidFill>
@@ -16268,7 +16856,7 @@
               <a:t>10</a:t>
             </a:r>
             <a:r>
-              <a:rPr lang="en-US" sz="1200" b="0" i="0" u="none">
+              <a:rPr lang="en-US" sz="1200" b="0" i="0" u="none" dirty="0" smtClean="0">
                 <a:solidFill>
                   <a:srgbClr val="898989"/>
                 </a:solidFill>
@@ -16279,6 +16867,15 @@
               </a:rPr>
               <a:t>/19</a:t>
             </a:r>
+            <a:endParaRPr lang="en-US" sz="1200" b="0" i="0" u="none" dirty="0">
+              <a:solidFill>
+                <a:srgbClr val="898989"/>
+              </a:solidFill>
+              <a:latin typeface="Calibri"/>
+              <a:ea typeface="Calibri"/>
+              <a:cs typeface="Calibri"/>
+              <a:sym typeface="Calibri"/>
+            </a:endParaRPr>
           </a:p>
         </p:txBody>
       </p:sp>
@@ -16318,6 +16915,13 @@
   <p:clrMapOvr>
     <a:masterClrMapping/>
   </p:clrMapOvr>
+  <p:timing>
+    <p:tnLst>
+      <p:par>
+        <p:cTn id="1" dur="indefinite" restart="never" nodeType="tmRoot"/>
+      </p:par>
+    </p:tnLst>
+  </p:timing>
 </p:sld>
 </file>
 
@@ -16488,6 +17092,198 @@
           </a:ln>
         </p:spPr>
       </p:pic>
+      <p:sp>
+        <p:nvSpPr>
+          <p:cNvPr id="8" name="Google Shape;122;p16"/>
+          <p:cNvSpPr txBox="1"/>
+          <p:nvPr/>
+        </p:nvSpPr>
+        <p:spPr>
+          <a:xfrm>
+            <a:off x="457200" y="6356350"/>
+            <a:ext cx="2133600" cy="365125"/>
+          </a:xfrm>
+          <a:prstGeom prst="rect">
+            <a:avLst/>
+          </a:prstGeom>
+          <a:noFill/>
+          <a:ln>
+            <a:noFill/>
+          </a:ln>
+        </p:spPr>
+        <p:txBody>
+          <a:bodyPr spcFirstLastPara="1" wrap="square" lIns="90000" tIns="46800" rIns="90000" bIns="46800" anchor="ctr" anchorCtr="0">
+            <a:noAutofit/>
+          </a:bodyPr>
+          <a:lstStyle/>
+          <a:p>
+            <a:pPr marL="0" marR="0" lvl="0" indent="0" algn="l" rtl="0">
+              <a:lnSpc>
+                <a:spcPct val="100000"/>
+              </a:lnSpc>
+              <a:spcBef>
+                <a:spcPts val="0"/>
+              </a:spcBef>
+              <a:spcAft>
+                <a:spcPts val="0"/>
+              </a:spcAft>
+              <a:buClr>
+                <a:srgbClr val="000000"/>
+              </a:buClr>
+              <a:buSzPts val="1200"/>
+              <a:buFont typeface="Times New Roman"/>
+              <a:buNone/>
+            </a:pPr>
+            <a:r>
+              <a:rPr lang="en-US" sz="1200" b="0" i="0" u="none">
+                <a:solidFill>
+                  <a:srgbClr val="898989"/>
+                </a:solidFill>
+                <a:latin typeface="Calibri"/>
+                <a:ea typeface="Calibri"/>
+                <a:cs typeface="Calibri"/>
+                <a:sym typeface="Calibri"/>
+              </a:rPr>
+              <a:t>02/08/19</a:t>
+            </a:r>
+          </a:p>
+        </p:txBody>
+      </p:sp>
+      <p:sp>
+        <p:nvSpPr>
+          <p:cNvPr id="9" name="Google Shape;123;p16"/>
+          <p:cNvSpPr txBox="1"/>
+          <p:nvPr/>
+        </p:nvSpPr>
+        <p:spPr>
+          <a:xfrm>
+            <a:off x="6553200" y="6356350"/>
+            <a:ext cx="2133600" cy="365125"/>
+          </a:xfrm>
+          <a:prstGeom prst="rect">
+            <a:avLst/>
+          </a:prstGeom>
+          <a:noFill/>
+          <a:ln>
+            <a:noFill/>
+          </a:ln>
+        </p:spPr>
+        <p:txBody>
+          <a:bodyPr spcFirstLastPara="1" wrap="square" lIns="90000" tIns="46800" rIns="90000" bIns="46800" anchor="ctr" anchorCtr="0">
+            <a:noAutofit/>
+          </a:bodyPr>
+          <a:lstStyle/>
+          <a:p>
+            <a:pPr marL="0" marR="0" lvl="0" indent="0" algn="r" rtl="0">
+              <a:lnSpc>
+                <a:spcPct val="100000"/>
+              </a:lnSpc>
+              <a:spcBef>
+                <a:spcPts val="0"/>
+              </a:spcBef>
+              <a:spcAft>
+                <a:spcPts val="0"/>
+              </a:spcAft>
+              <a:buClr>
+                <a:srgbClr val="000000"/>
+              </a:buClr>
+              <a:buSzPts val="1200"/>
+              <a:buFont typeface="Times New Roman"/>
+              <a:buNone/>
+            </a:pPr>
+            <a:r>
+              <a:rPr lang="en-IN" sz="1200" b="0" i="0" u="none" dirty="0" smtClean="0">
+                <a:solidFill>
+                  <a:srgbClr val="898989"/>
+                </a:solidFill>
+                <a:latin typeface="Calibri"/>
+                <a:ea typeface="Calibri"/>
+                <a:cs typeface="Calibri"/>
+                <a:sym typeface="Calibri"/>
+              </a:rPr>
+              <a:t>10</a:t>
+            </a:r>
+            <a:endParaRPr sz="1200" b="0" i="0" u="none" dirty="0">
+              <a:solidFill>
+                <a:srgbClr val="898989"/>
+              </a:solidFill>
+              <a:latin typeface="Calibri"/>
+              <a:ea typeface="Calibri"/>
+              <a:cs typeface="Calibri"/>
+              <a:sym typeface="Calibri"/>
+            </a:endParaRPr>
+          </a:p>
+        </p:txBody>
+      </p:sp>
+      <p:sp>
+        <p:nvSpPr>
+          <p:cNvPr id="10" name="Google Shape;124;p16"/>
+          <p:cNvSpPr/>
+          <p:nvPr/>
+        </p:nvSpPr>
+        <p:spPr>
+          <a:xfrm>
+            <a:off x="1905000" y="6324600"/>
+            <a:ext cx="5410200" cy="368300"/>
+          </a:xfrm>
+          <a:prstGeom prst="rect">
+            <a:avLst/>
+          </a:prstGeom>
+          <a:noFill/>
+          <a:ln>
+            <a:noFill/>
+          </a:ln>
+        </p:spPr>
+        <p:txBody>
+          <a:bodyPr spcFirstLastPara="1" wrap="square" lIns="90000" tIns="46800" rIns="90000" bIns="46800" anchor="t" anchorCtr="0">
+            <a:noAutofit/>
+          </a:bodyPr>
+          <a:lstStyle/>
+          <a:p>
+            <a:pPr marL="0" marR="0" lvl="0" indent="0" algn="l" rtl="0">
+              <a:lnSpc>
+                <a:spcPct val="100000"/>
+              </a:lnSpc>
+              <a:spcBef>
+                <a:spcPts val="0"/>
+              </a:spcBef>
+              <a:spcAft>
+                <a:spcPts val="0"/>
+              </a:spcAft>
+              <a:buClr>
+                <a:srgbClr val="000000"/>
+              </a:buClr>
+              <a:buSzPts val="1800"/>
+              <a:buFont typeface="Times New Roman"/>
+              <a:buNone/>
+            </a:pPr>
+            <a:r>
+              <a:rPr lang="en-US" sz="1800" b="1" i="0" u="none">
+                <a:solidFill>
+                  <a:srgbClr val="000000"/>
+                </a:solidFill>
+                <a:latin typeface="Arial Black"/>
+                <a:ea typeface="Arial Black"/>
+                <a:cs typeface="Arial Black"/>
+                <a:sym typeface="Arial Black"/>
+              </a:rPr>
+              <a:t>                       </a:t>
+            </a:r>
+            <a:r>
+              <a:rPr lang="en-US" sz="1600" b="0" i="0" u="none">
+                <a:solidFill>
+                  <a:srgbClr val="000000"/>
+                </a:solidFill>
+                <a:latin typeface="Times New Roman"/>
+                <a:ea typeface="Times New Roman"/>
+                <a:cs typeface="Times New Roman"/>
+                <a:sym typeface="Times New Roman"/>
+              </a:rPr>
+              <a:t>CSE Department, JECC</a:t>
+            </a:r>
+          </a:p>
+        </p:txBody>
+      </p:sp>
     </p:spTree>
     <p:extLst>
       <p:ext uri="{BB962C8B-B14F-4D97-AF65-F5344CB8AC3E}">
@@ -17122,27 +17918,7 @@
                 <a:latin typeface="Times New Roman" pitchFamily="18" charset="0"/>
                 <a:cs typeface="Times New Roman" pitchFamily="18" charset="0"/>
               </a:rPr>
-              <a:t>: Pre-processing of picture is performed using grayscale</a:t>
-            </a:r>
-            <a:r>
-              <a:rPr lang="en-IN" sz="2360" dirty="0" smtClean="0">
-                <a:solidFill>
-                  <a:schemeClr val="tx1"/>
-                </a:solidFill>
-                <a:latin typeface="Times New Roman" pitchFamily="18" charset="0"/>
-                <a:cs typeface="Times New Roman" pitchFamily="18" charset="0"/>
-              </a:rPr>
-              <a:t>, obscure, edge </a:t>
-            </a:r>
-            <a:r>
-              <a:rPr lang="en-IN" sz="2360" dirty="0" smtClean="0">
-                <a:solidFill>
-                  <a:schemeClr val="tx1"/>
-                </a:solidFill>
-                <a:latin typeface="Times New Roman" pitchFamily="18" charset="0"/>
-                <a:cs typeface="Times New Roman" pitchFamily="18" charset="0"/>
-              </a:rPr>
-              <a:t>and diminishing of the picture</a:t>
+              <a:t>: Pre-processing of picture is performed using grayscale, obscure, edge and diminishing of the picture</a:t>
             </a:r>
           </a:p>
           <a:p>
@@ -17194,13 +17970,6 @@
               </a:rPr>
               <a:t>ANN</a:t>
             </a:r>
-            <a:endParaRPr lang="en-IN" sz="2360" dirty="0" smtClean="0">
-              <a:solidFill>
-                <a:schemeClr val="tx1"/>
-              </a:solidFill>
-              <a:latin typeface="Times New Roman" pitchFamily="18" charset="0"/>
-              <a:cs typeface="Times New Roman" pitchFamily="18" charset="0"/>
-            </a:endParaRPr>
           </a:p>
           <a:p>
             <a:pPr marL="685800" indent="-457200">
@@ -17378,14 +18147,7 @@
                 <a:latin typeface="Times New Roman" pitchFamily="18" charset="0"/>
                 <a:cs typeface="Times New Roman" pitchFamily="18" charset="0"/>
               </a:rPr>
-              <a:t>Does not require </a:t>
-            </a:r>
-            <a:r>
-              <a:rPr lang="en-GB" sz="2400" dirty="0" smtClean="0">
-                <a:latin typeface="Times New Roman" pitchFamily="18" charset="0"/>
-                <a:cs typeface="Times New Roman" pitchFamily="18" charset="0"/>
-              </a:rPr>
-              <a:t>transportation</a:t>
+              <a:t>Does not require transportation</a:t>
             </a:r>
           </a:p>
           <a:p>
@@ -17480,7 +18242,7 @@
           <p:nvPr/>
         </p:nvPicPr>
         <p:blipFill rotWithShape="1">
-          <a:blip r:embed="rId2">
+          <a:blip r:embed="rId3">
             <a:alphaModFix/>
           </a:blip>
           <a:srcRect/>
@@ -17502,6 +18264,215 @@
           </a:ln>
         </p:spPr>
       </p:pic>
+      <p:sp>
+        <p:nvSpPr>
+          <p:cNvPr id="6" name="Google Shape;122;p16"/>
+          <p:cNvSpPr txBox="1"/>
+          <p:nvPr/>
+        </p:nvSpPr>
+        <p:spPr>
+          <a:xfrm>
+            <a:off x="457200" y="6356350"/>
+            <a:ext cx="2133600" cy="365125"/>
+          </a:xfrm>
+          <a:prstGeom prst="rect">
+            <a:avLst/>
+          </a:prstGeom>
+          <a:noFill/>
+          <a:ln>
+            <a:noFill/>
+          </a:ln>
+        </p:spPr>
+        <p:txBody>
+          <a:bodyPr spcFirstLastPara="1" wrap="square" lIns="90000" tIns="46800" rIns="90000" bIns="46800" anchor="ctr" anchorCtr="0">
+            <a:noAutofit/>
+          </a:bodyPr>
+          <a:lstStyle/>
+          <a:p>
+            <a:pPr marL="0" marR="0" lvl="0" indent="0" algn="l" rtl="0">
+              <a:lnSpc>
+                <a:spcPct val="100000"/>
+              </a:lnSpc>
+              <a:spcBef>
+                <a:spcPts val="0"/>
+              </a:spcBef>
+              <a:spcAft>
+                <a:spcPts val="0"/>
+              </a:spcAft>
+              <a:buClr>
+                <a:srgbClr val="000000"/>
+              </a:buClr>
+              <a:buSzPts val="1200"/>
+              <a:buFont typeface="Times New Roman"/>
+              <a:buNone/>
+            </a:pPr>
+            <a:r>
+              <a:rPr lang="en-US" sz="1200" b="0" i="0" u="none">
+                <a:solidFill>
+                  <a:srgbClr val="898989"/>
+                </a:solidFill>
+                <a:latin typeface="Calibri"/>
+                <a:ea typeface="Calibri"/>
+                <a:cs typeface="Calibri"/>
+                <a:sym typeface="Calibri"/>
+              </a:rPr>
+              <a:t>02/08/19</a:t>
+            </a:r>
+          </a:p>
+        </p:txBody>
+      </p:sp>
+      <p:sp>
+        <p:nvSpPr>
+          <p:cNvPr id="7" name="Google Shape;123;p16"/>
+          <p:cNvSpPr txBox="1"/>
+          <p:nvPr/>
+        </p:nvSpPr>
+        <p:spPr>
+          <a:xfrm>
+            <a:off x="6553200" y="6356350"/>
+            <a:ext cx="2133600" cy="365125"/>
+          </a:xfrm>
+          <a:prstGeom prst="rect">
+            <a:avLst/>
+          </a:prstGeom>
+          <a:noFill/>
+          <a:ln>
+            <a:noFill/>
+          </a:ln>
+        </p:spPr>
+        <p:txBody>
+          <a:bodyPr spcFirstLastPara="1" wrap="square" lIns="90000" tIns="46800" rIns="90000" bIns="46800" anchor="ctr" anchorCtr="0">
+            <a:noAutofit/>
+          </a:bodyPr>
+          <a:lstStyle/>
+          <a:p>
+            <a:pPr marL="0" marR="0" lvl="0" indent="0" algn="r" rtl="0">
+              <a:lnSpc>
+                <a:spcPct val="100000"/>
+              </a:lnSpc>
+              <a:spcBef>
+                <a:spcPts val="0"/>
+              </a:spcBef>
+              <a:spcAft>
+                <a:spcPts val="0"/>
+              </a:spcAft>
+              <a:buClr>
+                <a:srgbClr val="000000"/>
+              </a:buClr>
+              <a:buSzPts val="1200"/>
+              <a:buFont typeface="Times New Roman"/>
+              <a:buNone/>
+            </a:pPr>
+            <a:fld id="{00000000-1234-1234-1234-123412341234}" type="slidenum">
+              <a:rPr lang="en-US" sz="1200" b="0" i="0" u="none">
+                <a:solidFill>
+                  <a:srgbClr val="898989"/>
+                </a:solidFill>
+                <a:latin typeface="Calibri"/>
+                <a:ea typeface="Calibri"/>
+                <a:cs typeface="Calibri"/>
+                <a:sym typeface="Calibri"/>
+              </a:rPr>
+              <a:pPr marL="0" marR="0" lvl="0" indent="0" algn="r" rtl="0">
+                <a:lnSpc>
+                  <a:spcPct val="100000"/>
+                </a:lnSpc>
+                <a:spcBef>
+                  <a:spcPts val="0"/>
+                </a:spcBef>
+                <a:spcAft>
+                  <a:spcPts val="0"/>
+                </a:spcAft>
+                <a:buClr>
+                  <a:srgbClr val="000000"/>
+                </a:buClr>
+                <a:buSzPts val="1200"/>
+                <a:buFont typeface="Times New Roman"/>
+                <a:buNone/>
+              </a:pPr>
+              <a:t>12</a:t>
+            </a:fld>
+            <a:endParaRPr sz="1200" b="0" i="0" u="none" dirty="0">
+              <a:solidFill>
+                <a:srgbClr val="898989"/>
+              </a:solidFill>
+              <a:latin typeface="Calibri"/>
+              <a:ea typeface="Calibri"/>
+              <a:cs typeface="Calibri"/>
+              <a:sym typeface="Calibri"/>
+            </a:endParaRPr>
+          </a:p>
+        </p:txBody>
+      </p:sp>
+      <p:sp>
+        <p:nvSpPr>
+          <p:cNvPr id="8" name="Google Shape;124;p16"/>
+          <p:cNvSpPr/>
+          <p:nvPr/>
+        </p:nvSpPr>
+        <p:spPr>
+          <a:xfrm>
+            <a:off x="1905000" y="6324600"/>
+            <a:ext cx="5410200" cy="368300"/>
+          </a:xfrm>
+          <a:prstGeom prst="rect">
+            <a:avLst/>
+          </a:prstGeom>
+          <a:noFill/>
+          <a:ln>
+            <a:noFill/>
+          </a:ln>
+        </p:spPr>
+        <p:txBody>
+          <a:bodyPr spcFirstLastPara="1" wrap="square" lIns="90000" tIns="46800" rIns="90000" bIns="46800" anchor="t" anchorCtr="0">
+            <a:noAutofit/>
+          </a:bodyPr>
+          <a:lstStyle/>
+          <a:p>
+            <a:pPr marL="0" marR="0" lvl="0" indent="0" algn="l" rtl="0">
+              <a:lnSpc>
+                <a:spcPct val="100000"/>
+              </a:lnSpc>
+              <a:spcBef>
+                <a:spcPts val="0"/>
+              </a:spcBef>
+              <a:spcAft>
+                <a:spcPts val="0"/>
+              </a:spcAft>
+              <a:buClr>
+                <a:srgbClr val="000000"/>
+              </a:buClr>
+              <a:buSzPts val="1800"/>
+              <a:buFont typeface="Times New Roman"/>
+              <a:buNone/>
+            </a:pPr>
+            <a:r>
+              <a:rPr lang="en-US" sz="1800" b="1" i="0" u="none">
+                <a:solidFill>
+                  <a:srgbClr val="000000"/>
+                </a:solidFill>
+                <a:latin typeface="Arial Black"/>
+                <a:ea typeface="Arial Black"/>
+                <a:cs typeface="Arial Black"/>
+                <a:sym typeface="Arial Black"/>
+              </a:rPr>
+              <a:t>                       </a:t>
+            </a:r>
+            <a:r>
+              <a:rPr lang="en-US" sz="1600" b="0" i="0" u="none">
+                <a:solidFill>
+                  <a:srgbClr val="000000"/>
+                </a:solidFill>
+                <a:latin typeface="Times New Roman"/>
+                <a:ea typeface="Times New Roman"/>
+                <a:cs typeface="Times New Roman"/>
+                <a:sym typeface="Times New Roman"/>
+              </a:rPr>
+              <a:t>CSE Department, JECC</a:t>
+            </a:r>
+          </a:p>
+        </p:txBody>
+      </p:sp>
     </p:spTree>
     <p:extLst>
       <p:ext uri="{BB962C8B-B14F-4D97-AF65-F5344CB8AC3E}">
@@ -18268,14 +19239,7 @@
                 <a:latin typeface="Times New Roman" pitchFamily="18" charset="0"/>
                 <a:cs typeface="Times New Roman" pitchFamily="18" charset="0"/>
               </a:rPr>
-              <a:t>13% significant improvement compared to existing text extraction </a:t>
-            </a:r>
-            <a:r>
-              <a:rPr lang="en-GB" sz="2400" dirty="0" smtClean="0">
-                <a:latin typeface="Times New Roman" pitchFamily="18" charset="0"/>
-                <a:cs typeface="Times New Roman" pitchFamily="18" charset="0"/>
-              </a:rPr>
-              <a:t>approach</a:t>
+              <a:t>13% significant improvement compared to existing text extraction approach</a:t>
             </a:r>
           </a:p>
           <a:p>
@@ -18353,6 +19317,198 @@
           </a:ln>
         </p:spPr>
       </p:pic>
+      <p:sp>
+        <p:nvSpPr>
+          <p:cNvPr id="6" name="Google Shape;122;p16"/>
+          <p:cNvSpPr txBox="1"/>
+          <p:nvPr/>
+        </p:nvSpPr>
+        <p:spPr>
+          <a:xfrm>
+            <a:off x="457200" y="6356350"/>
+            <a:ext cx="2133600" cy="365125"/>
+          </a:xfrm>
+          <a:prstGeom prst="rect">
+            <a:avLst/>
+          </a:prstGeom>
+          <a:noFill/>
+          <a:ln>
+            <a:noFill/>
+          </a:ln>
+        </p:spPr>
+        <p:txBody>
+          <a:bodyPr spcFirstLastPara="1" wrap="square" lIns="90000" tIns="46800" rIns="90000" bIns="46800" anchor="ctr" anchorCtr="0">
+            <a:noAutofit/>
+          </a:bodyPr>
+          <a:lstStyle/>
+          <a:p>
+            <a:pPr marL="0" marR="0" lvl="0" indent="0" algn="l" rtl="0">
+              <a:lnSpc>
+                <a:spcPct val="100000"/>
+              </a:lnSpc>
+              <a:spcBef>
+                <a:spcPts val="0"/>
+              </a:spcBef>
+              <a:spcAft>
+                <a:spcPts val="0"/>
+              </a:spcAft>
+              <a:buClr>
+                <a:srgbClr val="000000"/>
+              </a:buClr>
+              <a:buSzPts val="1200"/>
+              <a:buFont typeface="Times New Roman"/>
+              <a:buNone/>
+            </a:pPr>
+            <a:r>
+              <a:rPr lang="en-US" sz="1200" b="0" i="0" u="none">
+                <a:solidFill>
+                  <a:srgbClr val="898989"/>
+                </a:solidFill>
+                <a:latin typeface="Calibri"/>
+                <a:ea typeface="Calibri"/>
+                <a:cs typeface="Calibri"/>
+                <a:sym typeface="Calibri"/>
+              </a:rPr>
+              <a:t>02/08/19</a:t>
+            </a:r>
+          </a:p>
+        </p:txBody>
+      </p:sp>
+      <p:sp>
+        <p:nvSpPr>
+          <p:cNvPr id="7" name="Google Shape;123;p16"/>
+          <p:cNvSpPr txBox="1"/>
+          <p:nvPr/>
+        </p:nvSpPr>
+        <p:spPr>
+          <a:xfrm>
+            <a:off x="6553200" y="6356350"/>
+            <a:ext cx="2133600" cy="365125"/>
+          </a:xfrm>
+          <a:prstGeom prst="rect">
+            <a:avLst/>
+          </a:prstGeom>
+          <a:noFill/>
+          <a:ln>
+            <a:noFill/>
+          </a:ln>
+        </p:spPr>
+        <p:txBody>
+          <a:bodyPr spcFirstLastPara="1" wrap="square" lIns="90000" tIns="46800" rIns="90000" bIns="46800" anchor="ctr" anchorCtr="0">
+            <a:noAutofit/>
+          </a:bodyPr>
+          <a:lstStyle/>
+          <a:p>
+            <a:pPr marL="0" marR="0" lvl="0" indent="0" algn="r" rtl="0">
+              <a:lnSpc>
+                <a:spcPct val="100000"/>
+              </a:lnSpc>
+              <a:spcBef>
+                <a:spcPts val="0"/>
+              </a:spcBef>
+              <a:spcAft>
+                <a:spcPts val="0"/>
+              </a:spcAft>
+              <a:buClr>
+                <a:srgbClr val="000000"/>
+              </a:buClr>
+              <a:buSzPts val="1200"/>
+              <a:buFont typeface="Times New Roman"/>
+              <a:buNone/>
+            </a:pPr>
+            <a:r>
+              <a:rPr lang="en-IN" sz="1200" b="0" i="0" u="none" dirty="0" smtClean="0">
+                <a:solidFill>
+                  <a:srgbClr val="898989"/>
+                </a:solidFill>
+                <a:latin typeface="Calibri"/>
+                <a:ea typeface="Calibri"/>
+                <a:cs typeface="Calibri"/>
+                <a:sym typeface="Calibri"/>
+              </a:rPr>
+              <a:t>14</a:t>
+            </a:r>
+            <a:endParaRPr sz="1200" b="0" i="0" u="none" dirty="0">
+              <a:solidFill>
+                <a:srgbClr val="898989"/>
+              </a:solidFill>
+              <a:latin typeface="Calibri"/>
+              <a:ea typeface="Calibri"/>
+              <a:cs typeface="Calibri"/>
+              <a:sym typeface="Calibri"/>
+            </a:endParaRPr>
+          </a:p>
+        </p:txBody>
+      </p:sp>
+      <p:sp>
+        <p:nvSpPr>
+          <p:cNvPr id="8" name="Google Shape;124;p16"/>
+          <p:cNvSpPr/>
+          <p:nvPr/>
+        </p:nvSpPr>
+        <p:spPr>
+          <a:xfrm>
+            <a:off x="1905000" y="6324600"/>
+            <a:ext cx="5410200" cy="368300"/>
+          </a:xfrm>
+          <a:prstGeom prst="rect">
+            <a:avLst/>
+          </a:prstGeom>
+          <a:noFill/>
+          <a:ln>
+            <a:noFill/>
+          </a:ln>
+        </p:spPr>
+        <p:txBody>
+          <a:bodyPr spcFirstLastPara="1" wrap="square" lIns="90000" tIns="46800" rIns="90000" bIns="46800" anchor="t" anchorCtr="0">
+            <a:noAutofit/>
+          </a:bodyPr>
+          <a:lstStyle/>
+          <a:p>
+            <a:pPr marL="0" marR="0" lvl="0" indent="0" algn="l" rtl="0">
+              <a:lnSpc>
+                <a:spcPct val="100000"/>
+              </a:lnSpc>
+              <a:spcBef>
+                <a:spcPts val="0"/>
+              </a:spcBef>
+              <a:spcAft>
+                <a:spcPts val="0"/>
+              </a:spcAft>
+              <a:buClr>
+                <a:srgbClr val="000000"/>
+              </a:buClr>
+              <a:buSzPts val="1800"/>
+              <a:buFont typeface="Times New Roman"/>
+              <a:buNone/>
+            </a:pPr>
+            <a:r>
+              <a:rPr lang="en-US" sz="1800" b="1" i="0" u="none">
+                <a:solidFill>
+                  <a:srgbClr val="000000"/>
+                </a:solidFill>
+                <a:latin typeface="Arial Black"/>
+                <a:ea typeface="Arial Black"/>
+                <a:cs typeface="Arial Black"/>
+                <a:sym typeface="Arial Black"/>
+              </a:rPr>
+              <a:t>                       </a:t>
+            </a:r>
+            <a:r>
+              <a:rPr lang="en-US" sz="1600" b="0" i="0" u="none">
+                <a:solidFill>
+                  <a:srgbClr val="000000"/>
+                </a:solidFill>
+                <a:latin typeface="Times New Roman"/>
+                <a:ea typeface="Times New Roman"/>
+                <a:cs typeface="Times New Roman"/>
+                <a:sym typeface="Times New Roman"/>
+              </a:rPr>
+              <a:t>CSE Department, JECC</a:t>
+            </a:r>
+          </a:p>
+        </p:txBody>
+      </p:sp>
     </p:spTree>
     <p:extLst>
       <p:ext uri="{BB962C8B-B14F-4D97-AF65-F5344CB8AC3E}">
@@ -19258,6 +20414,198 @@
           </a:graphicData>
         </a:graphic>
       </p:graphicFrame>
+      <p:sp>
+        <p:nvSpPr>
+          <p:cNvPr id="7" name="Google Shape;122;p16"/>
+          <p:cNvSpPr txBox="1"/>
+          <p:nvPr/>
+        </p:nvSpPr>
+        <p:spPr>
+          <a:xfrm>
+            <a:off x="457200" y="6356350"/>
+            <a:ext cx="2133600" cy="365125"/>
+          </a:xfrm>
+          <a:prstGeom prst="rect">
+            <a:avLst/>
+          </a:prstGeom>
+          <a:noFill/>
+          <a:ln>
+            <a:noFill/>
+          </a:ln>
+        </p:spPr>
+        <p:txBody>
+          <a:bodyPr spcFirstLastPara="1" wrap="square" lIns="90000" tIns="46800" rIns="90000" bIns="46800" anchor="ctr" anchorCtr="0">
+            <a:noAutofit/>
+          </a:bodyPr>
+          <a:lstStyle/>
+          <a:p>
+            <a:pPr marL="0" marR="0" lvl="0" indent="0" algn="l" rtl="0">
+              <a:lnSpc>
+                <a:spcPct val="100000"/>
+              </a:lnSpc>
+              <a:spcBef>
+                <a:spcPts val="0"/>
+              </a:spcBef>
+              <a:spcAft>
+                <a:spcPts val="0"/>
+              </a:spcAft>
+              <a:buClr>
+                <a:srgbClr val="000000"/>
+              </a:buClr>
+              <a:buSzPts val="1200"/>
+              <a:buFont typeface="Times New Roman"/>
+              <a:buNone/>
+            </a:pPr>
+            <a:r>
+              <a:rPr lang="en-US" sz="1200" b="0" i="0" u="none">
+                <a:solidFill>
+                  <a:srgbClr val="898989"/>
+                </a:solidFill>
+                <a:latin typeface="Calibri"/>
+                <a:ea typeface="Calibri"/>
+                <a:cs typeface="Calibri"/>
+                <a:sym typeface="Calibri"/>
+              </a:rPr>
+              <a:t>02/08/19</a:t>
+            </a:r>
+          </a:p>
+        </p:txBody>
+      </p:sp>
+      <p:sp>
+        <p:nvSpPr>
+          <p:cNvPr id="8" name="Google Shape;123;p16"/>
+          <p:cNvSpPr txBox="1"/>
+          <p:nvPr/>
+        </p:nvSpPr>
+        <p:spPr>
+          <a:xfrm>
+            <a:off x="6553200" y="6356350"/>
+            <a:ext cx="2133600" cy="365125"/>
+          </a:xfrm>
+          <a:prstGeom prst="rect">
+            <a:avLst/>
+          </a:prstGeom>
+          <a:noFill/>
+          <a:ln>
+            <a:noFill/>
+          </a:ln>
+        </p:spPr>
+        <p:txBody>
+          <a:bodyPr spcFirstLastPara="1" wrap="square" lIns="90000" tIns="46800" rIns="90000" bIns="46800" anchor="ctr" anchorCtr="0">
+            <a:noAutofit/>
+          </a:bodyPr>
+          <a:lstStyle/>
+          <a:p>
+            <a:pPr marL="0" marR="0" lvl="0" indent="0" algn="r" rtl="0">
+              <a:lnSpc>
+                <a:spcPct val="100000"/>
+              </a:lnSpc>
+              <a:spcBef>
+                <a:spcPts val="0"/>
+              </a:spcBef>
+              <a:spcAft>
+                <a:spcPts val="0"/>
+              </a:spcAft>
+              <a:buClr>
+                <a:srgbClr val="000000"/>
+              </a:buClr>
+              <a:buSzPts val="1200"/>
+              <a:buFont typeface="Times New Roman"/>
+              <a:buNone/>
+            </a:pPr>
+            <a:r>
+              <a:rPr lang="en-IN" sz="1200" b="0" i="0" u="none" dirty="0" smtClean="0">
+                <a:solidFill>
+                  <a:srgbClr val="898989"/>
+                </a:solidFill>
+                <a:latin typeface="Calibri"/>
+                <a:ea typeface="Calibri"/>
+                <a:cs typeface="Calibri"/>
+                <a:sym typeface="Calibri"/>
+              </a:rPr>
+              <a:t>15</a:t>
+            </a:r>
+            <a:endParaRPr sz="1200" b="0" i="0" u="none" dirty="0">
+              <a:solidFill>
+                <a:srgbClr val="898989"/>
+              </a:solidFill>
+              <a:latin typeface="Calibri"/>
+              <a:ea typeface="Calibri"/>
+              <a:cs typeface="Calibri"/>
+              <a:sym typeface="Calibri"/>
+            </a:endParaRPr>
+          </a:p>
+        </p:txBody>
+      </p:sp>
+      <p:sp>
+        <p:nvSpPr>
+          <p:cNvPr id="9" name="Google Shape;124;p16"/>
+          <p:cNvSpPr/>
+          <p:nvPr/>
+        </p:nvSpPr>
+        <p:spPr>
+          <a:xfrm>
+            <a:off x="1905000" y="6324600"/>
+            <a:ext cx="5410200" cy="368300"/>
+          </a:xfrm>
+          <a:prstGeom prst="rect">
+            <a:avLst/>
+          </a:prstGeom>
+          <a:noFill/>
+          <a:ln>
+            <a:noFill/>
+          </a:ln>
+        </p:spPr>
+        <p:txBody>
+          <a:bodyPr spcFirstLastPara="1" wrap="square" lIns="90000" tIns="46800" rIns="90000" bIns="46800" anchor="t" anchorCtr="0">
+            <a:noAutofit/>
+          </a:bodyPr>
+          <a:lstStyle/>
+          <a:p>
+            <a:pPr marL="0" marR="0" lvl="0" indent="0" algn="l" rtl="0">
+              <a:lnSpc>
+                <a:spcPct val="100000"/>
+              </a:lnSpc>
+              <a:spcBef>
+                <a:spcPts val="0"/>
+              </a:spcBef>
+              <a:spcAft>
+                <a:spcPts val="0"/>
+              </a:spcAft>
+              <a:buClr>
+                <a:srgbClr val="000000"/>
+              </a:buClr>
+              <a:buSzPts val="1800"/>
+              <a:buFont typeface="Times New Roman"/>
+              <a:buNone/>
+            </a:pPr>
+            <a:r>
+              <a:rPr lang="en-US" sz="1800" b="1" i="0" u="none">
+                <a:solidFill>
+                  <a:srgbClr val="000000"/>
+                </a:solidFill>
+                <a:latin typeface="Arial Black"/>
+                <a:ea typeface="Arial Black"/>
+                <a:cs typeface="Arial Black"/>
+                <a:sym typeface="Arial Black"/>
+              </a:rPr>
+              <a:t>                       </a:t>
+            </a:r>
+            <a:r>
+              <a:rPr lang="en-US" sz="1600" b="0" i="0" u="none">
+                <a:solidFill>
+                  <a:srgbClr val="000000"/>
+                </a:solidFill>
+                <a:latin typeface="Times New Roman"/>
+                <a:ea typeface="Times New Roman"/>
+                <a:cs typeface="Times New Roman"/>
+                <a:sym typeface="Times New Roman"/>
+              </a:rPr>
+              <a:t>CSE Department, JECC</a:t>
+            </a:r>
+          </a:p>
+        </p:txBody>
+      </p:sp>
     </p:spTree>
     <p:extLst>
       <p:ext uri="{BB962C8B-B14F-4D97-AF65-F5344CB8AC3E}">
@@ -19477,6 +20825,198 @@
           </a:ln>
         </p:spPr>
       </p:pic>
+      <p:sp>
+        <p:nvSpPr>
+          <p:cNvPr id="6" name="Google Shape;122;p16"/>
+          <p:cNvSpPr txBox="1"/>
+          <p:nvPr/>
+        </p:nvSpPr>
+        <p:spPr>
+          <a:xfrm>
+            <a:off x="457200" y="6356350"/>
+            <a:ext cx="2133600" cy="365125"/>
+          </a:xfrm>
+          <a:prstGeom prst="rect">
+            <a:avLst/>
+          </a:prstGeom>
+          <a:noFill/>
+          <a:ln>
+            <a:noFill/>
+          </a:ln>
+        </p:spPr>
+        <p:txBody>
+          <a:bodyPr spcFirstLastPara="1" wrap="square" lIns="90000" tIns="46800" rIns="90000" bIns="46800" anchor="ctr" anchorCtr="0">
+            <a:noAutofit/>
+          </a:bodyPr>
+          <a:lstStyle/>
+          <a:p>
+            <a:pPr marL="0" marR="0" lvl="0" indent="0" algn="l" rtl="0">
+              <a:lnSpc>
+                <a:spcPct val="100000"/>
+              </a:lnSpc>
+              <a:spcBef>
+                <a:spcPts val="0"/>
+              </a:spcBef>
+              <a:spcAft>
+                <a:spcPts val="0"/>
+              </a:spcAft>
+              <a:buClr>
+                <a:srgbClr val="000000"/>
+              </a:buClr>
+              <a:buSzPts val="1200"/>
+              <a:buFont typeface="Times New Roman"/>
+              <a:buNone/>
+            </a:pPr>
+            <a:r>
+              <a:rPr lang="en-US" sz="1200" b="0" i="0" u="none">
+                <a:solidFill>
+                  <a:srgbClr val="898989"/>
+                </a:solidFill>
+                <a:latin typeface="Calibri"/>
+                <a:ea typeface="Calibri"/>
+                <a:cs typeface="Calibri"/>
+                <a:sym typeface="Calibri"/>
+              </a:rPr>
+              <a:t>02/08/19</a:t>
+            </a:r>
+          </a:p>
+        </p:txBody>
+      </p:sp>
+      <p:sp>
+        <p:nvSpPr>
+          <p:cNvPr id="7" name="Google Shape;123;p16"/>
+          <p:cNvSpPr txBox="1"/>
+          <p:nvPr/>
+        </p:nvSpPr>
+        <p:spPr>
+          <a:xfrm>
+            <a:off x="6553200" y="6356350"/>
+            <a:ext cx="2133600" cy="365125"/>
+          </a:xfrm>
+          <a:prstGeom prst="rect">
+            <a:avLst/>
+          </a:prstGeom>
+          <a:noFill/>
+          <a:ln>
+            <a:noFill/>
+          </a:ln>
+        </p:spPr>
+        <p:txBody>
+          <a:bodyPr spcFirstLastPara="1" wrap="square" lIns="90000" tIns="46800" rIns="90000" bIns="46800" anchor="ctr" anchorCtr="0">
+            <a:noAutofit/>
+          </a:bodyPr>
+          <a:lstStyle/>
+          <a:p>
+            <a:pPr marL="0" marR="0" lvl="0" indent="0" algn="r" rtl="0">
+              <a:lnSpc>
+                <a:spcPct val="100000"/>
+              </a:lnSpc>
+              <a:spcBef>
+                <a:spcPts val="0"/>
+              </a:spcBef>
+              <a:spcAft>
+                <a:spcPts val="0"/>
+              </a:spcAft>
+              <a:buClr>
+                <a:srgbClr val="000000"/>
+              </a:buClr>
+              <a:buSzPts val="1200"/>
+              <a:buFont typeface="Times New Roman"/>
+              <a:buNone/>
+            </a:pPr>
+            <a:r>
+              <a:rPr lang="en-IN" sz="1200" b="0" i="0" u="none" dirty="0" smtClean="0">
+                <a:solidFill>
+                  <a:srgbClr val="898989"/>
+                </a:solidFill>
+                <a:latin typeface="Calibri"/>
+                <a:ea typeface="Calibri"/>
+                <a:cs typeface="Calibri"/>
+                <a:sym typeface="Calibri"/>
+              </a:rPr>
+              <a:t>16</a:t>
+            </a:r>
+            <a:endParaRPr sz="1200" b="0" i="0" u="none" dirty="0">
+              <a:solidFill>
+                <a:srgbClr val="898989"/>
+              </a:solidFill>
+              <a:latin typeface="Calibri"/>
+              <a:ea typeface="Calibri"/>
+              <a:cs typeface="Calibri"/>
+              <a:sym typeface="Calibri"/>
+            </a:endParaRPr>
+          </a:p>
+        </p:txBody>
+      </p:sp>
+      <p:sp>
+        <p:nvSpPr>
+          <p:cNvPr id="8" name="Google Shape;124;p16"/>
+          <p:cNvSpPr/>
+          <p:nvPr/>
+        </p:nvSpPr>
+        <p:spPr>
+          <a:xfrm>
+            <a:off x="1905000" y="6324600"/>
+            <a:ext cx="5410200" cy="368300"/>
+          </a:xfrm>
+          <a:prstGeom prst="rect">
+            <a:avLst/>
+          </a:prstGeom>
+          <a:noFill/>
+          <a:ln>
+            <a:noFill/>
+          </a:ln>
+        </p:spPr>
+        <p:txBody>
+          <a:bodyPr spcFirstLastPara="1" wrap="square" lIns="90000" tIns="46800" rIns="90000" bIns="46800" anchor="t" anchorCtr="0">
+            <a:noAutofit/>
+          </a:bodyPr>
+          <a:lstStyle/>
+          <a:p>
+            <a:pPr marL="0" marR="0" lvl="0" indent="0" algn="l" rtl="0">
+              <a:lnSpc>
+                <a:spcPct val="100000"/>
+              </a:lnSpc>
+              <a:spcBef>
+                <a:spcPts val="0"/>
+              </a:spcBef>
+              <a:spcAft>
+                <a:spcPts val="0"/>
+              </a:spcAft>
+              <a:buClr>
+                <a:srgbClr val="000000"/>
+              </a:buClr>
+              <a:buSzPts val="1800"/>
+              <a:buFont typeface="Times New Roman"/>
+              <a:buNone/>
+            </a:pPr>
+            <a:r>
+              <a:rPr lang="en-US" sz="1800" b="1" i="0" u="none">
+                <a:solidFill>
+                  <a:srgbClr val="000000"/>
+                </a:solidFill>
+                <a:latin typeface="Arial Black"/>
+                <a:ea typeface="Arial Black"/>
+                <a:cs typeface="Arial Black"/>
+                <a:sym typeface="Arial Black"/>
+              </a:rPr>
+              <a:t>                       </a:t>
+            </a:r>
+            <a:r>
+              <a:rPr lang="en-US" sz="1600" b="0" i="0" u="none">
+                <a:solidFill>
+                  <a:srgbClr val="000000"/>
+                </a:solidFill>
+                <a:latin typeface="Times New Roman"/>
+                <a:ea typeface="Times New Roman"/>
+                <a:cs typeface="Times New Roman"/>
+                <a:sym typeface="Times New Roman"/>
+              </a:rPr>
+              <a:t>CSE Department, JECC</a:t>
+            </a:r>
+          </a:p>
+        </p:txBody>
+      </p:sp>
     </p:spTree>
     <p:extLst>
       <p:ext uri="{BB962C8B-B14F-4D97-AF65-F5344CB8AC3E}">
@@ -19568,13 +21108,6 @@
               <a:cs typeface="Times New Roman" pitchFamily="18" charset="0"/>
             </a:endParaRPr>
           </a:p>
-          <a:p>
-            <a:pPr algn="ctr"/>
-            <a:endParaRPr lang="en-GB" sz="2400" dirty="0" smtClean="0">
-              <a:latin typeface="Times New Roman" pitchFamily="18" charset="0"/>
-              <a:cs typeface="Times New Roman" pitchFamily="18" charset="0"/>
-            </a:endParaRPr>
-          </a:p>
         </p:txBody>
       </p:sp>
       <p:pic>
@@ -19686,7 +21219,7 @@
             <a:pPr algn="ctr"/>
             <a:r>
               <a:rPr lang="en-IN" dirty="0" smtClean="0"/>
-              <a:t>Result</a:t>
+              <a:t>Marks</a:t>
             </a:r>
             <a:endParaRPr lang="en-IN" dirty="0"/>
           </a:p>
@@ -19802,7 +21335,7 @@
             <a:pPr algn="ctr"/>
             <a:r>
               <a:rPr lang="en-IN" dirty="0" smtClean="0"/>
-              <a:t>Evaluate</a:t>
+              <a:t>Evaluation</a:t>
             </a:r>
             <a:endParaRPr lang="en-IN" dirty="0"/>
           </a:p>
@@ -19846,8 +21379,8 @@
         </p:nvSpPr>
         <p:spPr>
           <a:xfrm>
-            <a:off x="5676523" y="3684761"/>
-            <a:ext cx="612668" cy="307777"/>
+            <a:off x="5558830" y="3702867"/>
+            <a:ext cx="832279" cy="307777"/>
           </a:xfrm>
           <a:prstGeom prst="rect">
             <a:avLst/>
@@ -19862,9 +21395,771 @@
           <a:p>
             <a:r>
               <a:rPr lang="en-IN" dirty="0" smtClean="0"/>
+              <a:t>Predicts</a:t>
+            </a:r>
+            <a:endParaRPr lang="en-IN" dirty="0"/>
+          </a:p>
+        </p:txBody>
+      </p:sp>
+      <p:sp>
+        <p:nvSpPr>
+          <p:cNvPr id="13" name="Rectangle 12"/>
+          <p:cNvSpPr/>
+          <p:nvPr/>
+        </p:nvSpPr>
+        <p:spPr>
+          <a:xfrm>
+            <a:off x="2554597" y="4868499"/>
+            <a:ext cx="1730705" cy="733329"/>
+          </a:xfrm>
+          <a:prstGeom prst="rect">
+            <a:avLst/>
+          </a:prstGeom>
+        </p:spPr>
+        <p:style>
+          <a:lnRef idx="2">
+            <a:schemeClr val="dk1"/>
+          </a:lnRef>
+          <a:fillRef idx="1">
+            <a:schemeClr val="lt1"/>
+          </a:fillRef>
+          <a:effectRef idx="0">
+            <a:schemeClr val="dk1"/>
+          </a:effectRef>
+          <a:fontRef idx="minor">
+            <a:schemeClr val="dk1"/>
+          </a:fontRef>
+        </p:style>
+        <p:txBody>
+          <a:bodyPr rtlCol="0" anchor="ctr"/>
+          <a:lstStyle/>
+          <a:p>
+            <a:pPr algn="ctr"/>
+            <a:r>
+              <a:rPr lang="en-IN" dirty="0" smtClean="0"/>
+              <a:t>Pre Processed Image Database</a:t>
+            </a:r>
+            <a:endParaRPr lang="en-IN" dirty="0"/>
+          </a:p>
+        </p:txBody>
+      </p:sp>
+      <p:cxnSp>
+        <p:nvCxnSpPr>
+          <p:cNvPr id="14" name="Straight Arrow Connector 13"/>
+          <p:cNvCxnSpPr/>
+          <p:nvPr/>
+        </p:nvCxnSpPr>
+        <p:spPr>
+          <a:xfrm flipV="1">
+            <a:off x="3703630" y="4399978"/>
+            <a:ext cx="334220" cy="468521"/>
+          </a:xfrm>
+          <a:prstGeom prst="straightConnector1">
+            <a:avLst/>
+          </a:prstGeom>
+          <a:ln w="19050">
+            <a:solidFill>
+              <a:schemeClr val="tx2"/>
+            </a:solidFill>
+            <a:tailEnd type="triangle"/>
+          </a:ln>
+        </p:spPr>
+        <p:style>
+          <a:lnRef idx="1">
+            <a:schemeClr val="accent1"/>
+          </a:lnRef>
+          <a:fillRef idx="0">
+            <a:schemeClr val="accent1"/>
+          </a:fillRef>
+          <a:effectRef idx="0">
+            <a:schemeClr val="accent1"/>
+          </a:effectRef>
+          <a:fontRef idx="minor">
+            <a:schemeClr val="tx1"/>
+          </a:fontRef>
+        </p:style>
+      </p:cxnSp>
+      <p:cxnSp>
+        <p:nvCxnSpPr>
+          <p:cNvPr id="16" name="Straight Arrow Connector 15"/>
+          <p:cNvCxnSpPr>
+            <a:endCxn id="13" idx="0"/>
+          </p:cNvCxnSpPr>
+          <p:nvPr/>
+        </p:nvCxnSpPr>
+        <p:spPr>
+          <a:xfrm flipH="1">
+            <a:off x="3419950" y="4344147"/>
+            <a:ext cx="198417" cy="524352"/>
+          </a:xfrm>
+          <a:prstGeom prst="straightConnector1">
+            <a:avLst/>
+          </a:prstGeom>
+          <a:ln w="19050">
+            <a:solidFill>
+              <a:schemeClr val="tx2"/>
+            </a:solidFill>
+            <a:tailEnd type="triangle"/>
+          </a:ln>
+        </p:spPr>
+        <p:style>
+          <a:lnRef idx="1">
+            <a:schemeClr val="accent1"/>
+          </a:lnRef>
+          <a:fillRef idx="0">
+            <a:schemeClr val="accent1"/>
+          </a:fillRef>
+          <a:effectRef idx="0">
+            <a:schemeClr val="accent1"/>
+          </a:effectRef>
+          <a:fontRef idx="minor">
+            <a:schemeClr val="tx1"/>
+          </a:fontRef>
+        </p:style>
+      </p:cxnSp>
+      <p:sp>
+        <p:nvSpPr>
+          <p:cNvPr id="20" name="Rectangle 19"/>
+          <p:cNvSpPr/>
+          <p:nvPr/>
+        </p:nvSpPr>
+        <p:spPr>
+          <a:xfrm>
+            <a:off x="2815628" y="2670777"/>
+            <a:ext cx="1348967" cy="497940"/>
+          </a:xfrm>
+          <a:prstGeom prst="rect">
+            <a:avLst/>
+          </a:prstGeom>
+        </p:spPr>
+        <p:style>
+          <a:lnRef idx="2">
+            <a:schemeClr val="dk1"/>
+          </a:lnRef>
+          <a:fillRef idx="1">
+            <a:schemeClr val="lt1"/>
+          </a:fillRef>
+          <a:effectRef idx="0">
+            <a:schemeClr val="dk1"/>
+          </a:effectRef>
+          <a:fontRef idx="minor">
+            <a:schemeClr val="dk1"/>
+          </a:fontRef>
+        </p:style>
+        <p:txBody>
+          <a:bodyPr rtlCol="0" anchor="ctr"/>
+          <a:lstStyle/>
+          <a:p>
+            <a:pPr algn="ctr"/>
+            <a:r>
+              <a:rPr lang="en-IN" dirty="0" smtClean="0"/>
+              <a:t>Answer Key</a:t>
+            </a:r>
+            <a:endParaRPr lang="en-IN" dirty="0"/>
+          </a:p>
+        </p:txBody>
+      </p:sp>
+      <p:cxnSp>
+        <p:nvCxnSpPr>
+          <p:cNvPr id="22" name="Straight Arrow Connector 21"/>
+          <p:cNvCxnSpPr/>
+          <p:nvPr/>
+        </p:nvCxnSpPr>
+        <p:spPr>
+          <a:xfrm>
+            <a:off x="3703630" y="3173248"/>
+            <a:ext cx="225574" cy="366649"/>
+          </a:xfrm>
+          <a:prstGeom prst="straightConnector1">
+            <a:avLst/>
+          </a:prstGeom>
+          <a:ln w="19050">
+            <a:solidFill>
+              <a:schemeClr val="tx2"/>
+            </a:solidFill>
+            <a:tailEnd type="triangle"/>
+          </a:ln>
+        </p:spPr>
+        <p:style>
+          <a:lnRef idx="1">
+            <a:schemeClr val="accent1"/>
+          </a:lnRef>
+          <a:fillRef idx="0">
+            <a:schemeClr val="accent1"/>
+          </a:fillRef>
+          <a:effectRef idx="0">
+            <a:schemeClr val="accent1"/>
+          </a:effectRef>
+          <a:fontRef idx="minor">
+            <a:schemeClr val="tx1"/>
+          </a:fontRef>
+        </p:style>
+      </p:cxnSp>
+      <p:sp>
+        <p:nvSpPr>
+          <p:cNvPr id="24" name="Rectangle 23"/>
+          <p:cNvSpPr/>
+          <p:nvPr/>
+        </p:nvSpPr>
+        <p:spPr>
+          <a:xfrm>
+            <a:off x="5481868" y="4976298"/>
+            <a:ext cx="1692998" cy="570368"/>
+          </a:xfrm>
+          <a:prstGeom prst="rect">
+            <a:avLst/>
+          </a:prstGeom>
+        </p:spPr>
+        <p:style>
+          <a:lnRef idx="2">
+            <a:schemeClr val="dk1"/>
+          </a:lnRef>
+          <a:fillRef idx="1">
+            <a:schemeClr val="lt1"/>
+          </a:fillRef>
+          <a:effectRef idx="0">
+            <a:schemeClr val="dk1"/>
+          </a:effectRef>
+          <a:fontRef idx="minor">
+            <a:schemeClr val="dk1"/>
+          </a:fontRef>
+        </p:style>
+        <p:txBody>
+          <a:bodyPr rtlCol="0" anchor="ctr"/>
+          <a:lstStyle/>
+          <a:p>
+            <a:pPr algn="ctr"/>
+            <a:r>
+              <a:rPr lang="en-IN" dirty="0" smtClean="0"/>
+              <a:t>ML Model</a:t>
+            </a:r>
+            <a:endParaRPr lang="en-IN" dirty="0"/>
+          </a:p>
+        </p:txBody>
+      </p:sp>
+      <p:cxnSp>
+        <p:nvCxnSpPr>
+          <p:cNvPr id="27" name="Straight Arrow Connector 26"/>
+          <p:cNvCxnSpPr>
+            <a:endCxn id="24" idx="0"/>
+          </p:cNvCxnSpPr>
+          <p:nvPr/>
+        </p:nvCxnSpPr>
+        <p:spPr>
+          <a:xfrm>
+            <a:off x="4966954" y="4344147"/>
+            <a:ext cx="1361413" cy="632151"/>
+          </a:xfrm>
+          <a:prstGeom prst="straightConnector1">
+            <a:avLst/>
+          </a:prstGeom>
+          <a:ln w="19050">
+            <a:solidFill>
+              <a:schemeClr val="tx2"/>
+            </a:solidFill>
+            <a:tailEnd type="triangle"/>
+          </a:ln>
+        </p:spPr>
+        <p:style>
+          <a:lnRef idx="1">
+            <a:schemeClr val="accent1"/>
+          </a:lnRef>
+          <a:fillRef idx="0">
+            <a:schemeClr val="accent1"/>
+          </a:fillRef>
+          <a:effectRef idx="0">
+            <a:schemeClr val="accent1"/>
+          </a:effectRef>
+          <a:fontRef idx="minor">
+            <a:schemeClr val="tx1"/>
+          </a:fontRef>
+        </p:style>
+      </p:cxnSp>
+      <p:cxnSp>
+        <p:nvCxnSpPr>
+          <p:cNvPr id="30" name="Straight Arrow Connector 29"/>
+          <p:cNvCxnSpPr>
+            <a:endCxn id="12" idx="5"/>
+          </p:cNvCxnSpPr>
+          <p:nvPr/>
+        </p:nvCxnSpPr>
+        <p:spPr>
+          <a:xfrm flipH="1" flipV="1">
+            <a:off x="5192894" y="4274022"/>
+            <a:ext cx="1714521" cy="699531"/>
+          </a:xfrm>
+          <a:prstGeom prst="straightConnector1">
+            <a:avLst/>
+          </a:prstGeom>
+          <a:ln w="19050">
+            <a:solidFill>
+              <a:schemeClr val="tx2"/>
+            </a:solidFill>
+            <a:tailEnd type="triangle"/>
+          </a:ln>
+        </p:spPr>
+        <p:style>
+          <a:lnRef idx="1">
+            <a:schemeClr val="accent1"/>
+          </a:lnRef>
+          <a:fillRef idx="0">
+            <a:schemeClr val="accent1"/>
+          </a:fillRef>
+          <a:effectRef idx="0">
+            <a:schemeClr val="accent1"/>
+          </a:effectRef>
+          <a:fontRef idx="minor">
+            <a:schemeClr val="tx1"/>
+          </a:fontRef>
+        </p:style>
+      </p:cxnSp>
+      <p:sp>
+        <p:nvSpPr>
+          <p:cNvPr id="33" name="Rectangle 32"/>
+          <p:cNvSpPr/>
+          <p:nvPr/>
+        </p:nvSpPr>
+        <p:spPr>
+          <a:xfrm>
+            <a:off x="6523022" y="2398222"/>
+            <a:ext cx="1490128" cy="612617"/>
+          </a:xfrm>
+          <a:prstGeom prst="rect">
+            <a:avLst/>
+          </a:prstGeom>
+        </p:spPr>
+        <p:style>
+          <a:lnRef idx="2">
+            <a:schemeClr val="dk1"/>
+          </a:lnRef>
+          <a:fillRef idx="1">
+            <a:schemeClr val="lt1"/>
+          </a:fillRef>
+          <a:effectRef idx="0">
+            <a:schemeClr val="dk1"/>
+          </a:effectRef>
+          <a:fontRef idx="minor">
+            <a:schemeClr val="dk1"/>
+          </a:fontRef>
+        </p:style>
+        <p:txBody>
+          <a:bodyPr rtlCol="0" anchor="ctr"/>
+          <a:lstStyle/>
+          <a:p>
+            <a:pPr algn="ctr"/>
+            <a:r>
+              <a:rPr lang="en-IN" dirty="0" smtClean="0"/>
+              <a:t>Mistakes of student</a:t>
+            </a:r>
+            <a:endParaRPr lang="en-IN" dirty="0"/>
+          </a:p>
+        </p:txBody>
+      </p:sp>
+      <p:cxnSp>
+        <p:nvCxnSpPr>
+          <p:cNvPr id="34" name="Straight Arrow Connector 33"/>
+          <p:cNvCxnSpPr/>
+          <p:nvPr/>
+        </p:nvCxnSpPr>
+        <p:spPr>
+          <a:xfrm flipV="1">
+            <a:off x="5370195" y="3045100"/>
+            <a:ext cx="1164806" cy="699865"/>
+          </a:xfrm>
+          <a:prstGeom prst="straightConnector1">
+            <a:avLst/>
+          </a:prstGeom>
+          <a:ln w="19050">
+            <a:solidFill>
+              <a:schemeClr val="tx2"/>
+            </a:solidFill>
+            <a:tailEnd type="triangle"/>
+          </a:ln>
+        </p:spPr>
+        <p:style>
+          <a:lnRef idx="1">
+            <a:schemeClr val="accent1"/>
+          </a:lnRef>
+          <a:fillRef idx="0">
+            <a:schemeClr val="accent1"/>
+          </a:fillRef>
+          <a:effectRef idx="0">
+            <a:schemeClr val="accent1"/>
+          </a:effectRef>
+          <a:fontRef idx="minor">
+            <a:schemeClr val="tx1"/>
+          </a:fontRef>
+        </p:style>
+      </p:cxnSp>
+      <p:sp>
+        <p:nvSpPr>
+          <p:cNvPr id="37" name="TextBox 36"/>
+          <p:cNvSpPr txBox="1"/>
+          <p:nvPr/>
+        </p:nvSpPr>
+        <p:spPr>
+          <a:xfrm rot="19754576">
+            <a:off x="5504305" y="3192928"/>
+            <a:ext cx="612668" cy="307777"/>
+          </a:xfrm>
+          <a:prstGeom prst="rect">
+            <a:avLst/>
+          </a:prstGeom>
+          <a:noFill/>
+        </p:spPr>
+        <p:txBody>
+          <a:bodyPr wrap="none" rtlCol="0">
+            <a:spAutoFit/>
+          </a:bodyPr>
+          <a:lstStyle/>
+          <a:p>
+            <a:r>
+              <a:rPr lang="en-IN" dirty="0" smtClean="0"/>
               <a:t>Store</a:t>
             </a:r>
             <a:endParaRPr lang="en-IN" dirty="0"/>
+          </a:p>
+        </p:txBody>
+      </p:sp>
+      <p:sp>
+        <p:nvSpPr>
+          <p:cNvPr id="38" name="TextBox 37"/>
+          <p:cNvSpPr txBox="1"/>
+          <p:nvPr/>
+        </p:nvSpPr>
+        <p:spPr>
+          <a:xfrm>
+            <a:off x="2296337" y="4390926"/>
+            <a:ext cx="1338828" cy="307777"/>
+          </a:xfrm>
+          <a:prstGeom prst="rect">
+            <a:avLst/>
+          </a:prstGeom>
+          <a:noFill/>
+        </p:spPr>
+        <p:txBody>
+          <a:bodyPr wrap="none" rtlCol="0">
+            <a:spAutoFit/>
+          </a:bodyPr>
+          <a:lstStyle/>
+          <a:p>
+            <a:r>
+              <a:rPr lang="en-IN" dirty="0" smtClean="0"/>
+              <a:t>Pre processed</a:t>
+            </a:r>
+            <a:endParaRPr lang="en-IN" dirty="0"/>
+          </a:p>
+        </p:txBody>
+      </p:sp>
+      <p:sp>
+        <p:nvSpPr>
+          <p:cNvPr id="39" name="TextBox 38"/>
+          <p:cNvSpPr txBox="1"/>
+          <p:nvPr/>
+        </p:nvSpPr>
+        <p:spPr>
+          <a:xfrm>
+            <a:off x="3837524" y="4450333"/>
+            <a:ext cx="1293492" cy="307777"/>
+          </a:xfrm>
+          <a:prstGeom prst="rect">
+            <a:avLst/>
+          </a:prstGeom>
+          <a:noFill/>
+        </p:spPr>
+        <p:txBody>
+          <a:bodyPr wrap="square" rtlCol="0">
+            <a:spAutoFit/>
+          </a:bodyPr>
+          <a:lstStyle/>
+          <a:p>
+            <a:r>
+              <a:rPr lang="en-IN" dirty="0" smtClean="0"/>
+              <a:t>Feeding back</a:t>
+            </a:r>
+            <a:endParaRPr lang="en-IN" dirty="0"/>
+          </a:p>
+        </p:txBody>
+      </p:sp>
+      <p:sp>
+        <p:nvSpPr>
+          <p:cNvPr id="42" name="TextBox 41"/>
+          <p:cNvSpPr txBox="1"/>
+          <p:nvPr/>
+        </p:nvSpPr>
+        <p:spPr>
+          <a:xfrm>
+            <a:off x="5205743" y="4604221"/>
+            <a:ext cx="691215" cy="307777"/>
+          </a:xfrm>
+          <a:prstGeom prst="rect">
+            <a:avLst/>
+          </a:prstGeom>
+          <a:noFill/>
+        </p:spPr>
+        <p:txBody>
+          <a:bodyPr wrap="none" rtlCol="0">
+            <a:spAutoFit/>
+          </a:bodyPr>
+          <a:lstStyle/>
+          <a:p>
+            <a:r>
+              <a:rPr lang="en-IN" dirty="0" smtClean="0"/>
+              <a:t>Forms</a:t>
+            </a:r>
+            <a:endParaRPr lang="en-IN" dirty="0"/>
+          </a:p>
+        </p:txBody>
+      </p:sp>
+      <p:sp>
+        <p:nvSpPr>
+          <p:cNvPr id="43" name="TextBox 42"/>
+          <p:cNvSpPr txBox="1"/>
+          <p:nvPr/>
+        </p:nvSpPr>
+        <p:spPr>
+          <a:xfrm>
+            <a:off x="6202916" y="4422776"/>
+            <a:ext cx="1010213" cy="307777"/>
+          </a:xfrm>
+          <a:prstGeom prst="rect">
+            <a:avLst/>
+          </a:prstGeom>
+          <a:noFill/>
+        </p:spPr>
+        <p:txBody>
+          <a:bodyPr wrap="none" rtlCol="0">
+            <a:spAutoFit/>
+          </a:bodyPr>
+          <a:lstStyle/>
+          <a:p>
+            <a:r>
+              <a:rPr lang="en-IN" dirty="0" smtClean="0"/>
+              <a:t>Reference</a:t>
+            </a:r>
+            <a:endParaRPr lang="en-IN" dirty="0"/>
+          </a:p>
+        </p:txBody>
+      </p:sp>
+      <p:sp>
+        <p:nvSpPr>
+          <p:cNvPr id="44" name="TextBox 43"/>
+          <p:cNvSpPr txBox="1"/>
+          <p:nvPr/>
+        </p:nvSpPr>
+        <p:spPr>
+          <a:xfrm>
+            <a:off x="3837524" y="3184624"/>
+            <a:ext cx="671979" cy="307777"/>
+          </a:xfrm>
+          <a:prstGeom prst="rect">
+            <a:avLst/>
+          </a:prstGeom>
+          <a:noFill/>
+        </p:spPr>
+        <p:txBody>
+          <a:bodyPr wrap="none" rtlCol="0">
+            <a:spAutoFit/>
+          </a:bodyPr>
+          <a:lstStyle/>
+          <a:p>
+            <a:r>
+              <a:rPr lang="en-IN" dirty="0" smtClean="0"/>
+              <a:t>Inputs</a:t>
+            </a:r>
+            <a:endParaRPr lang="en-IN" dirty="0"/>
+          </a:p>
+        </p:txBody>
+      </p:sp>
+      <p:sp>
+        <p:nvSpPr>
+          <p:cNvPr id="46" name="Google Shape;122;p16"/>
+          <p:cNvSpPr txBox="1"/>
+          <p:nvPr/>
+        </p:nvSpPr>
+        <p:spPr>
+          <a:xfrm>
+            <a:off x="457200" y="6356350"/>
+            <a:ext cx="2133600" cy="365125"/>
+          </a:xfrm>
+          <a:prstGeom prst="rect">
+            <a:avLst/>
+          </a:prstGeom>
+          <a:noFill/>
+          <a:ln>
+            <a:noFill/>
+          </a:ln>
+        </p:spPr>
+        <p:txBody>
+          <a:bodyPr spcFirstLastPara="1" wrap="square" lIns="90000" tIns="46800" rIns="90000" bIns="46800" anchor="ctr" anchorCtr="0">
+            <a:noAutofit/>
+          </a:bodyPr>
+          <a:lstStyle/>
+          <a:p>
+            <a:pPr marL="0" marR="0" lvl="0" indent="0" algn="l" rtl="0">
+              <a:lnSpc>
+                <a:spcPct val="100000"/>
+              </a:lnSpc>
+              <a:spcBef>
+                <a:spcPts val="0"/>
+              </a:spcBef>
+              <a:spcAft>
+                <a:spcPts val="0"/>
+              </a:spcAft>
+              <a:buClr>
+                <a:srgbClr val="000000"/>
+              </a:buClr>
+              <a:buSzPts val="1200"/>
+              <a:buFont typeface="Times New Roman"/>
+              <a:buNone/>
+            </a:pPr>
+            <a:r>
+              <a:rPr lang="en-US" sz="1200" b="0" i="0" u="none">
+                <a:solidFill>
+                  <a:srgbClr val="898989"/>
+                </a:solidFill>
+                <a:latin typeface="Calibri"/>
+                <a:ea typeface="Calibri"/>
+                <a:cs typeface="Calibri"/>
+                <a:sym typeface="Calibri"/>
+              </a:rPr>
+              <a:t>02/08/19</a:t>
+            </a:r>
+          </a:p>
+        </p:txBody>
+      </p:sp>
+      <p:sp>
+        <p:nvSpPr>
+          <p:cNvPr id="47" name="Google Shape;123;p16"/>
+          <p:cNvSpPr txBox="1"/>
+          <p:nvPr/>
+        </p:nvSpPr>
+        <p:spPr>
+          <a:xfrm>
+            <a:off x="6553200" y="6356350"/>
+            <a:ext cx="2133600" cy="365125"/>
+          </a:xfrm>
+          <a:prstGeom prst="rect">
+            <a:avLst/>
+          </a:prstGeom>
+          <a:noFill/>
+          <a:ln>
+            <a:noFill/>
+          </a:ln>
+        </p:spPr>
+        <p:txBody>
+          <a:bodyPr spcFirstLastPara="1" wrap="square" lIns="90000" tIns="46800" rIns="90000" bIns="46800" anchor="ctr" anchorCtr="0">
+            <a:noAutofit/>
+          </a:bodyPr>
+          <a:lstStyle/>
+          <a:p>
+            <a:pPr marL="0" marR="0" lvl="0" indent="0" algn="r" rtl="0">
+              <a:lnSpc>
+                <a:spcPct val="100000"/>
+              </a:lnSpc>
+              <a:spcBef>
+                <a:spcPts val="0"/>
+              </a:spcBef>
+              <a:spcAft>
+                <a:spcPts val="0"/>
+              </a:spcAft>
+              <a:buClr>
+                <a:srgbClr val="000000"/>
+              </a:buClr>
+              <a:buSzPts val="1200"/>
+              <a:buFont typeface="Times New Roman"/>
+              <a:buNone/>
+            </a:pPr>
+            <a:r>
+              <a:rPr lang="en-US" sz="1200" b="0" i="0" u="none" dirty="0" smtClean="0">
+                <a:solidFill>
+                  <a:srgbClr val="898989"/>
+                </a:solidFill>
+                <a:latin typeface="Calibri"/>
+                <a:ea typeface="Calibri"/>
+                <a:cs typeface="Calibri"/>
+                <a:sym typeface="Calibri"/>
+              </a:rPr>
+              <a:t>17</a:t>
+            </a:r>
+            <a:endParaRPr sz="1200" b="0" i="0" u="none" dirty="0">
+              <a:solidFill>
+                <a:srgbClr val="898989"/>
+              </a:solidFill>
+              <a:latin typeface="Calibri"/>
+              <a:ea typeface="Calibri"/>
+              <a:cs typeface="Calibri"/>
+              <a:sym typeface="Calibri"/>
+            </a:endParaRPr>
+          </a:p>
+        </p:txBody>
+      </p:sp>
+      <p:sp>
+        <p:nvSpPr>
+          <p:cNvPr id="48" name="Google Shape;124;p16"/>
+          <p:cNvSpPr/>
+          <p:nvPr/>
+        </p:nvSpPr>
+        <p:spPr>
+          <a:xfrm>
+            <a:off x="1905000" y="6324600"/>
+            <a:ext cx="5410200" cy="368300"/>
+          </a:xfrm>
+          <a:prstGeom prst="rect">
+            <a:avLst/>
+          </a:prstGeom>
+          <a:noFill/>
+          <a:ln>
+            <a:noFill/>
+          </a:ln>
+        </p:spPr>
+        <p:txBody>
+          <a:bodyPr spcFirstLastPara="1" wrap="square" lIns="90000" tIns="46800" rIns="90000" bIns="46800" anchor="t" anchorCtr="0">
+            <a:noAutofit/>
+          </a:bodyPr>
+          <a:lstStyle/>
+          <a:p>
+            <a:pPr marL="0" marR="0" lvl="0" indent="0" algn="l" rtl="0">
+              <a:lnSpc>
+                <a:spcPct val="100000"/>
+              </a:lnSpc>
+              <a:spcBef>
+                <a:spcPts val="0"/>
+              </a:spcBef>
+              <a:spcAft>
+                <a:spcPts val="0"/>
+              </a:spcAft>
+              <a:buClr>
+                <a:srgbClr val="000000"/>
+              </a:buClr>
+              <a:buSzPts val="1800"/>
+              <a:buFont typeface="Times New Roman"/>
+              <a:buNone/>
+            </a:pPr>
+            <a:r>
+              <a:rPr lang="en-US" sz="1800" b="1" i="0" u="none">
+                <a:solidFill>
+                  <a:srgbClr val="000000"/>
+                </a:solidFill>
+                <a:latin typeface="Arial Black"/>
+                <a:ea typeface="Arial Black"/>
+                <a:cs typeface="Arial Black"/>
+                <a:sym typeface="Arial Black"/>
+              </a:rPr>
+              <a:t>                       </a:t>
+            </a:r>
+            <a:r>
+              <a:rPr lang="en-US" sz="1600" b="0" i="0" u="none">
+                <a:solidFill>
+                  <a:srgbClr val="000000"/>
+                </a:solidFill>
+                <a:latin typeface="Times New Roman"/>
+                <a:ea typeface="Times New Roman"/>
+                <a:cs typeface="Times New Roman"/>
+                <a:sym typeface="Times New Roman"/>
+              </a:rPr>
+              <a:t>CSE Department, JECC</a:t>
+            </a:r>
           </a:p>
         </p:txBody>
       </p:sp>
@@ -20382,6 +22677,198 @@
           </a:p>
         </p:txBody>
       </p:sp>
+      <p:sp>
+        <p:nvSpPr>
+          <p:cNvPr id="16" name="Google Shape;122;p16"/>
+          <p:cNvSpPr txBox="1"/>
+          <p:nvPr/>
+        </p:nvSpPr>
+        <p:spPr>
+          <a:xfrm>
+            <a:off x="457200" y="6356350"/>
+            <a:ext cx="2133600" cy="365125"/>
+          </a:xfrm>
+          <a:prstGeom prst="rect">
+            <a:avLst/>
+          </a:prstGeom>
+          <a:noFill/>
+          <a:ln>
+            <a:noFill/>
+          </a:ln>
+        </p:spPr>
+        <p:txBody>
+          <a:bodyPr spcFirstLastPara="1" wrap="square" lIns="90000" tIns="46800" rIns="90000" bIns="46800" anchor="ctr" anchorCtr="0">
+            <a:noAutofit/>
+          </a:bodyPr>
+          <a:lstStyle/>
+          <a:p>
+            <a:pPr marL="0" marR="0" lvl="0" indent="0" algn="l" rtl="0">
+              <a:lnSpc>
+                <a:spcPct val="100000"/>
+              </a:lnSpc>
+              <a:spcBef>
+                <a:spcPts val="0"/>
+              </a:spcBef>
+              <a:spcAft>
+                <a:spcPts val="0"/>
+              </a:spcAft>
+              <a:buClr>
+                <a:srgbClr val="000000"/>
+              </a:buClr>
+              <a:buSzPts val="1200"/>
+              <a:buFont typeface="Times New Roman"/>
+              <a:buNone/>
+            </a:pPr>
+            <a:r>
+              <a:rPr lang="en-US" sz="1200" b="0" i="0" u="none">
+                <a:solidFill>
+                  <a:srgbClr val="898989"/>
+                </a:solidFill>
+                <a:latin typeface="Calibri"/>
+                <a:ea typeface="Calibri"/>
+                <a:cs typeface="Calibri"/>
+                <a:sym typeface="Calibri"/>
+              </a:rPr>
+              <a:t>02/08/19</a:t>
+            </a:r>
+          </a:p>
+        </p:txBody>
+      </p:sp>
+      <p:sp>
+        <p:nvSpPr>
+          <p:cNvPr id="18" name="Google Shape;123;p16"/>
+          <p:cNvSpPr txBox="1"/>
+          <p:nvPr/>
+        </p:nvSpPr>
+        <p:spPr>
+          <a:xfrm>
+            <a:off x="6553200" y="6356350"/>
+            <a:ext cx="2133600" cy="365125"/>
+          </a:xfrm>
+          <a:prstGeom prst="rect">
+            <a:avLst/>
+          </a:prstGeom>
+          <a:noFill/>
+          <a:ln>
+            <a:noFill/>
+          </a:ln>
+        </p:spPr>
+        <p:txBody>
+          <a:bodyPr spcFirstLastPara="1" wrap="square" lIns="90000" tIns="46800" rIns="90000" bIns="46800" anchor="ctr" anchorCtr="0">
+            <a:noAutofit/>
+          </a:bodyPr>
+          <a:lstStyle/>
+          <a:p>
+            <a:pPr marL="0" marR="0" lvl="0" indent="0" algn="r" rtl="0">
+              <a:lnSpc>
+                <a:spcPct val="100000"/>
+              </a:lnSpc>
+              <a:spcBef>
+                <a:spcPts val="0"/>
+              </a:spcBef>
+              <a:spcAft>
+                <a:spcPts val="0"/>
+              </a:spcAft>
+              <a:buClr>
+                <a:srgbClr val="000000"/>
+              </a:buClr>
+              <a:buSzPts val="1200"/>
+              <a:buFont typeface="Times New Roman"/>
+              <a:buNone/>
+            </a:pPr>
+            <a:r>
+              <a:rPr lang="en-US" sz="1200" b="0" i="0" u="none" dirty="0" smtClean="0">
+                <a:solidFill>
+                  <a:srgbClr val="898989"/>
+                </a:solidFill>
+                <a:latin typeface="Calibri"/>
+                <a:ea typeface="Calibri"/>
+                <a:cs typeface="Calibri"/>
+                <a:sym typeface="Calibri"/>
+              </a:rPr>
+              <a:t>18</a:t>
+            </a:r>
+            <a:endParaRPr sz="1200" b="0" i="0" u="none" dirty="0">
+              <a:solidFill>
+                <a:srgbClr val="898989"/>
+              </a:solidFill>
+              <a:latin typeface="Calibri"/>
+              <a:ea typeface="Calibri"/>
+              <a:cs typeface="Calibri"/>
+              <a:sym typeface="Calibri"/>
+            </a:endParaRPr>
+          </a:p>
+        </p:txBody>
+      </p:sp>
+      <p:sp>
+        <p:nvSpPr>
+          <p:cNvPr id="20" name="Google Shape;124;p16"/>
+          <p:cNvSpPr/>
+          <p:nvPr/>
+        </p:nvSpPr>
+        <p:spPr>
+          <a:xfrm>
+            <a:off x="1905000" y="6324600"/>
+            <a:ext cx="5410200" cy="368300"/>
+          </a:xfrm>
+          <a:prstGeom prst="rect">
+            <a:avLst/>
+          </a:prstGeom>
+          <a:noFill/>
+          <a:ln>
+            <a:noFill/>
+          </a:ln>
+        </p:spPr>
+        <p:txBody>
+          <a:bodyPr spcFirstLastPara="1" wrap="square" lIns="90000" tIns="46800" rIns="90000" bIns="46800" anchor="t" anchorCtr="0">
+            <a:noAutofit/>
+          </a:bodyPr>
+          <a:lstStyle/>
+          <a:p>
+            <a:pPr marL="0" marR="0" lvl="0" indent="0" algn="l" rtl="0">
+              <a:lnSpc>
+                <a:spcPct val="100000"/>
+              </a:lnSpc>
+              <a:spcBef>
+                <a:spcPts val="0"/>
+              </a:spcBef>
+              <a:spcAft>
+                <a:spcPts val="0"/>
+              </a:spcAft>
+              <a:buClr>
+                <a:srgbClr val="000000"/>
+              </a:buClr>
+              <a:buSzPts val="1800"/>
+              <a:buFont typeface="Times New Roman"/>
+              <a:buNone/>
+            </a:pPr>
+            <a:r>
+              <a:rPr lang="en-US" sz="1800" b="1" i="0" u="none">
+                <a:solidFill>
+                  <a:srgbClr val="000000"/>
+                </a:solidFill>
+                <a:latin typeface="Arial Black"/>
+                <a:ea typeface="Arial Black"/>
+                <a:cs typeface="Arial Black"/>
+                <a:sym typeface="Arial Black"/>
+              </a:rPr>
+              <a:t>                       </a:t>
+            </a:r>
+            <a:r>
+              <a:rPr lang="en-US" sz="1600" b="0" i="0" u="none">
+                <a:solidFill>
+                  <a:srgbClr val="000000"/>
+                </a:solidFill>
+                <a:latin typeface="Times New Roman"/>
+                <a:ea typeface="Times New Roman"/>
+                <a:cs typeface="Times New Roman"/>
+                <a:sym typeface="Times New Roman"/>
+              </a:rPr>
+              <a:t>CSE Department, JECC</a:t>
+            </a:r>
+          </a:p>
+        </p:txBody>
+      </p:sp>
     </p:spTree>
     <p:extLst>
       <p:ext uri="{BB962C8B-B14F-4D97-AF65-F5344CB8AC3E}">
@@ -20757,7 +23244,7 @@
             <a:pPr algn="ctr"/>
             <a:r>
               <a:rPr lang="en-IN" dirty="0" smtClean="0"/>
-              <a:t>Answer Key Database</a:t>
+              <a:t>Answer Key</a:t>
             </a:r>
             <a:endParaRPr lang="en-IN" dirty="0"/>
           </a:p>
@@ -20836,10 +23323,9 @@
           <a:p>
             <a:pPr algn="ctr"/>
             <a:r>
-              <a:rPr lang="en-IN" dirty="0" smtClean="0"/>
-              <a:t>Model</a:t>
-            </a:r>
-            <a:endParaRPr lang="en-IN" dirty="0"/>
+              <a:rPr lang="en-IN" dirty="0"/>
+              <a:t>ML Model</a:t>
+            </a:r>
           </a:p>
         </p:txBody>
       </p:sp>
@@ -21001,6 +23487,198 @@
           </a:p>
         </p:txBody>
       </p:sp>
+      <p:sp>
+        <p:nvSpPr>
+          <p:cNvPr id="20" name="Google Shape;122;p16"/>
+          <p:cNvSpPr txBox="1"/>
+          <p:nvPr/>
+        </p:nvSpPr>
+        <p:spPr>
+          <a:xfrm>
+            <a:off x="457200" y="6356350"/>
+            <a:ext cx="2133600" cy="365125"/>
+          </a:xfrm>
+          <a:prstGeom prst="rect">
+            <a:avLst/>
+          </a:prstGeom>
+          <a:noFill/>
+          <a:ln>
+            <a:noFill/>
+          </a:ln>
+        </p:spPr>
+        <p:txBody>
+          <a:bodyPr spcFirstLastPara="1" wrap="square" lIns="90000" tIns="46800" rIns="90000" bIns="46800" anchor="ctr" anchorCtr="0">
+            <a:noAutofit/>
+          </a:bodyPr>
+          <a:lstStyle/>
+          <a:p>
+            <a:pPr marL="0" marR="0" lvl="0" indent="0" algn="l" rtl="0">
+              <a:lnSpc>
+                <a:spcPct val="100000"/>
+              </a:lnSpc>
+              <a:spcBef>
+                <a:spcPts val="0"/>
+              </a:spcBef>
+              <a:spcAft>
+                <a:spcPts val="0"/>
+              </a:spcAft>
+              <a:buClr>
+                <a:srgbClr val="000000"/>
+              </a:buClr>
+              <a:buSzPts val="1200"/>
+              <a:buFont typeface="Times New Roman"/>
+              <a:buNone/>
+            </a:pPr>
+            <a:r>
+              <a:rPr lang="en-US" sz="1200" b="0" i="0" u="none">
+                <a:solidFill>
+                  <a:srgbClr val="898989"/>
+                </a:solidFill>
+                <a:latin typeface="Calibri"/>
+                <a:ea typeface="Calibri"/>
+                <a:cs typeface="Calibri"/>
+                <a:sym typeface="Calibri"/>
+              </a:rPr>
+              <a:t>02/08/19</a:t>
+            </a:r>
+          </a:p>
+        </p:txBody>
+      </p:sp>
+      <p:sp>
+        <p:nvSpPr>
+          <p:cNvPr id="21" name="Google Shape;123;p16"/>
+          <p:cNvSpPr txBox="1"/>
+          <p:nvPr/>
+        </p:nvSpPr>
+        <p:spPr>
+          <a:xfrm>
+            <a:off x="6553200" y="6356350"/>
+            <a:ext cx="2133600" cy="365125"/>
+          </a:xfrm>
+          <a:prstGeom prst="rect">
+            <a:avLst/>
+          </a:prstGeom>
+          <a:noFill/>
+          <a:ln>
+            <a:noFill/>
+          </a:ln>
+        </p:spPr>
+        <p:txBody>
+          <a:bodyPr spcFirstLastPara="1" wrap="square" lIns="90000" tIns="46800" rIns="90000" bIns="46800" anchor="ctr" anchorCtr="0">
+            <a:noAutofit/>
+          </a:bodyPr>
+          <a:lstStyle/>
+          <a:p>
+            <a:pPr marL="0" marR="0" lvl="0" indent="0" algn="r" rtl="0">
+              <a:lnSpc>
+                <a:spcPct val="100000"/>
+              </a:lnSpc>
+              <a:spcBef>
+                <a:spcPts val="0"/>
+              </a:spcBef>
+              <a:spcAft>
+                <a:spcPts val="0"/>
+              </a:spcAft>
+              <a:buClr>
+                <a:srgbClr val="000000"/>
+              </a:buClr>
+              <a:buSzPts val="1200"/>
+              <a:buFont typeface="Times New Roman"/>
+              <a:buNone/>
+            </a:pPr>
+            <a:r>
+              <a:rPr lang="en-US" sz="1200" b="0" i="0" u="none" dirty="0" smtClean="0">
+                <a:solidFill>
+                  <a:srgbClr val="898989"/>
+                </a:solidFill>
+                <a:latin typeface="Calibri"/>
+                <a:ea typeface="Calibri"/>
+                <a:cs typeface="Calibri"/>
+                <a:sym typeface="Calibri"/>
+              </a:rPr>
+              <a:t>19</a:t>
+            </a:r>
+            <a:endParaRPr sz="1200" b="0" i="0" u="none" dirty="0">
+              <a:solidFill>
+                <a:srgbClr val="898989"/>
+              </a:solidFill>
+              <a:latin typeface="Calibri"/>
+              <a:ea typeface="Calibri"/>
+              <a:cs typeface="Calibri"/>
+              <a:sym typeface="Calibri"/>
+            </a:endParaRPr>
+          </a:p>
+        </p:txBody>
+      </p:sp>
+      <p:sp>
+        <p:nvSpPr>
+          <p:cNvPr id="22" name="Google Shape;124;p16"/>
+          <p:cNvSpPr/>
+          <p:nvPr/>
+        </p:nvSpPr>
+        <p:spPr>
+          <a:xfrm>
+            <a:off x="1905000" y="6324600"/>
+            <a:ext cx="5410200" cy="368300"/>
+          </a:xfrm>
+          <a:prstGeom prst="rect">
+            <a:avLst/>
+          </a:prstGeom>
+          <a:noFill/>
+          <a:ln>
+            <a:noFill/>
+          </a:ln>
+        </p:spPr>
+        <p:txBody>
+          <a:bodyPr spcFirstLastPara="1" wrap="square" lIns="90000" tIns="46800" rIns="90000" bIns="46800" anchor="t" anchorCtr="0">
+            <a:noAutofit/>
+          </a:bodyPr>
+          <a:lstStyle/>
+          <a:p>
+            <a:pPr marL="0" marR="0" lvl="0" indent="0" algn="l" rtl="0">
+              <a:lnSpc>
+                <a:spcPct val="100000"/>
+              </a:lnSpc>
+              <a:spcBef>
+                <a:spcPts val="0"/>
+              </a:spcBef>
+              <a:spcAft>
+                <a:spcPts val="0"/>
+              </a:spcAft>
+              <a:buClr>
+                <a:srgbClr val="000000"/>
+              </a:buClr>
+              <a:buSzPts val="1800"/>
+              <a:buFont typeface="Times New Roman"/>
+              <a:buNone/>
+            </a:pPr>
+            <a:r>
+              <a:rPr lang="en-US" sz="1800" b="1" i="0" u="none">
+                <a:solidFill>
+                  <a:srgbClr val="000000"/>
+                </a:solidFill>
+                <a:latin typeface="Arial Black"/>
+                <a:ea typeface="Arial Black"/>
+                <a:cs typeface="Arial Black"/>
+                <a:sym typeface="Arial Black"/>
+              </a:rPr>
+              <a:t>                       </a:t>
+            </a:r>
+            <a:r>
+              <a:rPr lang="en-US" sz="1600" b="0" i="0" u="none">
+                <a:solidFill>
+                  <a:srgbClr val="000000"/>
+                </a:solidFill>
+                <a:latin typeface="Times New Roman"/>
+                <a:ea typeface="Times New Roman"/>
+                <a:cs typeface="Times New Roman"/>
+                <a:sym typeface="Times New Roman"/>
+              </a:rPr>
+              <a:t>CSE Department, JECC</a:t>
+            </a:r>
+          </a:p>
+        </p:txBody>
+      </p:sp>
     </p:spTree>
     <p:extLst>
       <p:ext uri="{BB962C8B-B14F-4D97-AF65-F5344CB8AC3E}">
@@ -21011,6 +23689,13 @@
   <p:clrMapOvr>
     <a:masterClrMapping/>
   </p:clrMapOvr>
+  <p:timing>
+    <p:tnLst>
+      <p:par>
+        <p:cTn id="1" dur="indefinite" restart="never" nodeType="tmRoot"/>
+      </p:par>
+    </p:tnLst>
+  </p:timing>
 </p:sld>
 </file>
 
@@ -21311,84 +23996,6 @@
       </p:sp>
       <p:sp>
         <p:nvSpPr>
-          <p:cNvPr id="1048599" name="Google Shape;98;p14"/>
-          <p:cNvSpPr txBox="1"/>
-          <p:nvPr/>
-        </p:nvSpPr>
-        <p:spPr>
-          <a:xfrm>
-            <a:off x="457200" y="6356350"/>
-            <a:ext cx="2133600" cy="365125"/>
-          </a:xfrm>
-          <a:prstGeom prst="rect">
-            <a:avLst/>
-          </a:prstGeom>
-          <a:noFill/>
-          <a:ln>
-            <a:noFill/>
-          </a:ln>
-        </p:spPr>
-        <p:txBody>
-          <a:bodyPr spcFirstLastPara="1" wrap="square" lIns="90000" tIns="46800" rIns="90000" bIns="46800" anchor="ctr" anchorCtr="0">
-            <a:noAutofit/>
-          </a:bodyPr>
-          <a:lstStyle/>
-          <a:p>
-            <a:pPr marL="0" marR="0" lvl="0" indent="0" algn="l" rtl="0">
-              <a:lnSpc>
-                <a:spcPct val="100000"/>
-              </a:lnSpc>
-              <a:spcBef>
-                <a:spcPts val="0"/>
-              </a:spcBef>
-              <a:spcAft>
-                <a:spcPts val="0"/>
-              </a:spcAft>
-              <a:buClr>
-                <a:srgbClr val="000000"/>
-              </a:buClr>
-              <a:buSzPts val="1200"/>
-              <a:buFont typeface="Times New Roman"/>
-              <a:buNone/>
-            </a:pPr>
-            <a:r>
-              <a:rPr lang="en-US" sz="1200" dirty="0" smtClean="0">
-                <a:solidFill>
-                  <a:srgbClr val="898989"/>
-                </a:solidFill>
-                <a:latin typeface="Calibri"/>
-                <a:ea typeface="Calibri"/>
-                <a:cs typeface="Calibri"/>
-                <a:sym typeface="Calibri"/>
-              </a:rPr>
-              <a:t>13</a:t>
-            </a:r>
-            <a:r>
-              <a:rPr lang="en-US" sz="1200" b="0" i="0" u="none" dirty="0" smtClean="0">
-                <a:solidFill>
-                  <a:srgbClr val="898989"/>
-                </a:solidFill>
-                <a:latin typeface="Calibri"/>
-                <a:ea typeface="Calibri"/>
-                <a:cs typeface="Calibri"/>
-                <a:sym typeface="Calibri"/>
-              </a:rPr>
-              <a:t>/10/19</a:t>
-            </a:r>
-            <a:endParaRPr lang="en-US" sz="1200" b="0" i="0" u="none" dirty="0">
-              <a:solidFill>
-                <a:srgbClr val="898989"/>
-              </a:solidFill>
-              <a:latin typeface="Calibri"/>
-              <a:ea typeface="Calibri"/>
-              <a:cs typeface="Calibri"/>
-              <a:sym typeface="Calibri"/>
-            </a:endParaRPr>
-          </a:p>
-        </p:txBody>
-      </p:sp>
-      <p:sp>
-        <p:nvSpPr>
           <p:cNvPr id="1048600" name="Google Shape;99;p14"/>
           <p:cNvSpPr txBox="1"/>
           <p:nvPr/>
@@ -21526,6 +24133,108 @@
               <a:t>GROUP-7</a:t>
             </a:r>
             <a:endParaRPr lang="en-IN" dirty="0"/>
+          </a:p>
+        </p:txBody>
+      </p:sp>
+      <p:sp>
+        <p:nvSpPr>
+          <p:cNvPr id="7" name="Google Shape;91;p13"/>
+          <p:cNvSpPr txBox="1"/>
+          <p:nvPr/>
+        </p:nvSpPr>
+        <p:spPr>
+          <a:xfrm>
+            <a:off x="457200" y="6356350"/>
+            <a:ext cx="2133600" cy="365125"/>
+          </a:xfrm>
+          <a:prstGeom prst="rect">
+            <a:avLst/>
+          </a:prstGeom>
+          <a:noFill/>
+          <a:ln>
+            <a:noFill/>
+          </a:ln>
+        </p:spPr>
+        <p:txBody>
+          <a:bodyPr spcFirstLastPara="1" wrap="square" lIns="90000" tIns="46800" rIns="90000" bIns="46800" anchor="ctr" anchorCtr="0">
+            <a:noAutofit/>
+          </a:bodyPr>
+          <a:lstStyle/>
+          <a:p>
+            <a:pPr marL="0" marR="0" lvl="0" indent="0" algn="l" rtl="0">
+              <a:lnSpc>
+                <a:spcPct val="100000"/>
+              </a:lnSpc>
+              <a:spcBef>
+                <a:spcPts val="0"/>
+              </a:spcBef>
+              <a:spcAft>
+                <a:spcPts val="0"/>
+              </a:spcAft>
+              <a:buClr>
+                <a:srgbClr val="000000"/>
+              </a:buClr>
+              <a:buSzPts val="1200"/>
+              <a:buFont typeface="Times New Roman"/>
+              <a:buNone/>
+            </a:pPr>
+            <a:r>
+              <a:rPr lang="en-US" sz="1200" dirty="0" smtClean="0">
+                <a:solidFill>
+                  <a:srgbClr val="898989"/>
+                </a:solidFill>
+                <a:latin typeface="Calibri"/>
+                <a:ea typeface="Calibri"/>
+                <a:cs typeface="Calibri"/>
+                <a:sym typeface="Calibri"/>
+              </a:rPr>
+              <a:t>21</a:t>
+            </a:r>
+            <a:r>
+              <a:rPr lang="en-US" sz="1200" b="0" i="0" u="none" dirty="0" smtClean="0">
+                <a:solidFill>
+                  <a:srgbClr val="898989"/>
+                </a:solidFill>
+                <a:latin typeface="Calibri"/>
+                <a:ea typeface="Calibri"/>
+                <a:cs typeface="Calibri"/>
+                <a:sym typeface="Calibri"/>
+              </a:rPr>
+              <a:t>/</a:t>
+            </a:r>
+            <a:r>
+              <a:rPr lang="en-US" sz="1200" dirty="0" smtClean="0">
+                <a:solidFill>
+                  <a:srgbClr val="898989"/>
+                </a:solidFill>
+                <a:latin typeface="Calibri"/>
+                <a:ea typeface="Calibri"/>
+                <a:cs typeface="Calibri"/>
+                <a:sym typeface="Calibri"/>
+              </a:rPr>
+              <a:t>10</a:t>
+            </a:r>
+            <a:r>
+              <a:rPr lang="en-US" sz="1200" b="0" i="0" u="none" dirty="0" smtClean="0">
+                <a:solidFill>
+                  <a:srgbClr val="898989"/>
+                </a:solidFill>
+                <a:latin typeface="Calibri"/>
+                <a:ea typeface="Calibri"/>
+                <a:cs typeface="Calibri"/>
+                <a:sym typeface="Calibri"/>
+              </a:rPr>
+              <a:t>/19</a:t>
+            </a:r>
+            <a:endParaRPr lang="en-US" sz="1200" b="0" i="0" u="none" dirty="0">
+              <a:solidFill>
+                <a:srgbClr val="898989"/>
+              </a:solidFill>
+              <a:latin typeface="Calibri"/>
+              <a:ea typeface="Calibri"/>
+              <a:cs typeface="Calibri"/>
+              <a:sym typeface="Calibri"/>
+            </a:endParaRPr>
           </a:p>
         </p:txBody>
       </p:sp>
@@ -21717,10 +24426,9 @@
           <a:p>
             <a:pPr algn="ctr"/>
             <a:r>
-              <a:rPr lang="en-IN" dirty="0" smtClean="0"/>
-              <a:t>Model</a:t>
-            </a:r>
-            <a:endParaRPr lang="en-IN" dirty="0"/>
+              <a:rPr lang="en-IN" dirty="0"/>
+              <a:t>ML Model</a:t>
+            </a:r>
           </a:p>
         </p:txBody>
       </p:sp>
@@ -21919,7 +24627,7 @@
             <a:pPr algn="ctr"/>
             <a:r>
               <a:rPr lang="en-IN" dirty="0" smtClean="0"/>
-              <a:t>Answer Key Database</a:t>
+              <a:t>Answer Key</a:t>
             </a:r>
             <a:endParaRPr lang="en-IN" dirty="0"/>
           </a:p>
@@ -21996,10 +24704,9 @@
           <a:p>
             <a:pPr algn="ctr"/>
             <a:r>
-              <a:rPr lang="en-IN" dirty="0" smtClean="0"/>
-              <a:t>Result</a:t>
-            </a:r>
-            <a:endParaRPr lang="en-IN" dirty="0"/>
+              <a:rPr lang="en-IN" dirty="0"/>
+              <a:t>Marks</a:t>
+            </a:r>
           </a:p>
         </p:txBody>
       </p:sp>
@@ -22272,6 +24979,198 @@
           </a:p>
         </p:txBody>
       </p:sp>
+      <p:sp>
+        <p:nvSpPr>
+          <p:cNvPr id="25" name="Google Shape;122;p16"/>
+          <p:cNvSpPr txBox="1"/>
+          <p:nvPr/>
+        </p:nvSpPr>
+        <p:spPr>
+          <a:xfrm>
+            <a:off x="457200" y="6356350"/>
+            <a:ext cx="2133600" cy="365125"/>
+          </a:xfrm>
+          <a:prstGeom prst="rect">
+            <a:avLst/>
+          </a:prstGeom>
+          <a:noFill/>
+          <a:ln>
+            <a:noFill/>
+          </a:ln>
+        </p:spPr>
+        <p:txBody>
+          <a:bodyPr spcFirstLastPara="1" wrap="square" lIns="90000" tIns="46800" rIns="90000" bIns="46800" anchor="ctr" anchorCtr="0">
+            <a:noAutofit/>
+          </a:bodyPr>
+          <a:lstStyle/>
+          <a:p>
+            <a:pPr marL="0" marR="0" lvl="0" indent="0" algn="l" rtl="0">
+              <a:lnSpc>
+                <a:spcPct val="100000"/>
+              </a:lnSpc>
+              <a:spcBef>
+                <a:spcPts val="0"/>
+              </a:spcBef>
+              <a:spcAft>
+                <a:spcPts val="0"/>
+              </a:spcAft>
+              <a:buClr>
+                <a:srgbClr val="000000"/>
+              </a:buClr>
+              <a:buSzPts val="1200"/>
+              <a:buFont typeface="Times New Roman"/>
+              <a:buNone/>
+            </a:pPr>
+            <a:r>
+              <a:rPr lang="en-US" sz="1200" b="0" i="0" u="none">
+                <a:solidFill>
+                  <a:srgbClr val="898989"/>
+                </a:solidFill>
+                <a:latin typeface="Calibri"/>
+                <a:ea typeface="Calibri"/>
+                <a:cs typeface="Calibri"/>
+                <a:sym typeface="Calibri"/>
+              </a:rPr>
+              <a:t>02/08/19</a:t>
+            </a:r>
+          </a:p>
+        </p:txBody>
+      </p:sp>
+      <p:sp>
+        <p:nvSpPr>
+          <p:cNvPr id="26" name="Google Shape;123;p16"/>
+          <p:cNvSpPr txBox="1"/>
+          <p:nvPr/>
+        </p:nvSpPr>
+        <p:spPr>
+          <a:xfrm>
+            <a:off x="6553200" y="6356350"/>
+            <a:ext cx="2133600" cy="365125"/>
+          </a:xfrm>
+          <a:prstGeom prst="rect">
+            <a:avLst/>
+          </a:prstGeom>
+          <a:noFill/>
+          <a:ln>
+            <a:noFill/>
+          </a:ln>
+        </p:spPr>
+        <p:txBody>
+          <a:bodyPr spcFirstLastPara="1" wrap="square" lIns="90000" tIns="46800" rIns="90000" bIns="46800" anchor="ctr" anchorCtr="0">
+            <a:noAutofit/>
+          </a:bodyPr>
+          <a:lstStyle/>
+          <a:p>
+            <a:pPr marL="0" marR="0" lvl="0" indent="0" algn="r" rtl="0">
+              <a:lnSpc>
+                <a:spcPct val="100000"/>
+              </a:lnSpc>
+              <a:spcBef>
+                <a:spcPts val="0"/>
+              </a:spcBef>
+              <a:spcAft>
+                <a:spcPts val="0"/>
+              </a:spcAft>
+              <a:buClr>
+                <a:srgbClr val="000000"/>
+              </a:buClr>
+              <a:buSzPts val="1200"/>
+              <a:buFont typeface="Times New Roman"/>
+              <a:buNone/>
+            </a:pPr>
+            <a:r>
+              <a:rPr lang="en-IN" sz="1200" b="0" i="0" u="none" dirty="0" smtClean="0">
+                <a:solidFill>
+                  <a:srgbClr val="898989"/>
+                </a:solidFill>
+                <a:latin typeface="Calibri"/>
+                <a:ea typeface="Calibri"/>
+                <a:cs typeface="Calibri"/>
+                <a:sym typeface="Calibri"/>
+              </a:rPr>
+              <a:t>20</a:t>
+            </a:r>
+            <a:endParaRPr sz="1200" b="0" i="0" u="none" dirty="0">
+              <a:solidFill>
+                <a:srgbClr val="898989"/>
+              </a:solidFill>
+              <a:latin typeface="Calibri"/>
+              <a:ea typeface="Calibri"/>
+              <a:cs typeface="Calibri"/>
+              <a:sym typeface="Calibri"/>
+            </a:endParaRPr>
+          </a:p>
+        </p:txBody>
+      </p:sp>
+      <p:sp>
+        <p:nvSpPr>
+          <p:cNvPr id="27" name="Google Shape;124;p16"/>
+          <p:cNvSpPr/>
+          <p:nvPr/>
+        </p:nvSpPr>
+        <p:spPr>
+          <a:xfrm>
+            <a:off x="1905000" y="6324600"/>
+            <a:ext cx="5410200" cy="368300"/>
+          </a:xfrm>
+          <a:prstGeom prst="rect">
+            <a:avLst/>
+          </a:prstGeom>
+          <a:noFill/>
+          <a:ln>
+            <a:noFill/>
+          </a:ln>
+        </p:spPr>
+        <p:txBody>
+          <a:bodyPr spcFirstLastPara="1" wrap="square" lIns="90000" tIns="46800" rIns="90000" bIns="46800" anchor="t" anchorCtr="0">
+            <a:noAutofit/>
+          </a:bodyPr>
+          <a:lstStyle/>
+          <a:p>
+            <a:pPr marL="0" marR="0" lvl="0" indent="0" algn="l" rtl="0">
+              <a:lnSpc>
+                <a:spcPct val="100000"/>
+              </a:lnSpc>
+              <a:spcBef>
+                <a:spcPts val="0"/>
+              </a:spcBef>
+              <a:spcAft>
+                <a:spcPts val="0"/>
+              </a:spcAft>
+              <a:buClr>
+                <a:srgbClr val="000000"/>
+              </a:buClr>
+              <a:buSzPts val="1800"/>
+              <a:buFont typeface="Times New Roman"/>
+              <a:buNone/>
+            </a:pPr>
+            <a:r>
+              <a:rPr lang="en-US" sz="1800" b="1" i="0" u="none">
+                <a:solidFill>
+                  <a:srgbClr val="000000"/>
+                </a:solidFill>
+                <a:latin typeface="Arial Black"/>
+                <a:ea typeface="Arial Black"/>
+                <a:cs typeface="Arial Black"/>
+                <a:sym typeface="Arial Black"/>
+              </a:rPr>
+              <a:t>                       </a:t>
+            </a:r>
+            <a:r>
+              <a:rPr lang="en-US" sz="1600" b="0" i="0" u="none">
+                <a:solidFill>
+                  <a:srgbClr val="000000"/>
+                </a:solidFill>
+                <a:latin typeface="Times New Roman"/>
+                <a:ea typeface="Times New Roman"/>
+                <a:cs typeface="Times New Roman"/>
+                <a:sym typeface="Times New Roman"/>
+              </a:rPr>
+              <a:t>CSE Department, JECC</a:t>
+            </a:r>
+          </a:p>
+        </p:txBody>
+      </p:sp>
     </p:spTree>
     <p:extLst>
       <p:ext uri="{BB962C8B-B14F-4D97-AF65-F5344CB8AC3E}">
@@ -22282,6 +25181,13 @@
   <p:clrMapOvr>
     <a:masterClrMapping/>
   </p:clrMapOvr>
+  <p:timing>
+    <p:tnLst>
+      <p:par>
+        <p:cTn id="1" dur="indefinite" restart="never" nodeType="tmRoot"/>
+      </p:par>
+    </p:tnLst>
+  </p:timing>
 </p:sld>
 </file>
 
@@ -22302,6 +25208,279 @@
           <a:chExt cx="0" cy="0"/>
         </a:xfrm>
       </p:grpSpPr>
+      <p:sp>
+        <p:nvSpPr>
+          <p:cNvPr id="2" name="Title 1"/>
+          <p:cNvSpPr>
+            <a:spLocks noGrp="1"/>
+          </p:cNvSpPr>
+          <p:nvPr>
+            <p:ph type="title"/>
+          </p:nvPr>
+        </p:nvSpPr>
+        <p:spPr/>
+        <p:txBody>
+          <a:bodyPr/>
+          <a:lstStyle/>
+          <a:p>
+            <a:r>
+              <a:rPr lang="en-GB" b="1" dirty="0" smtClean="0">
+                <a:solidFill>
+                  <a:srgbClr val="C00000"/>
+                </a:solidFill>
+                <a:latin typeface="Times New Roman" pitchFamily="18" charset="0"/>
+                <a:cs typeface="Times New Roman" pitchFamily="18" charset="0"/>
+              </a:rPr>
+              <a:t>Proposed system</a:t>
+            </a:r>
+            <a:endParaRPr lang="en-GB" b="1" dirty="0">
+              <a:solidFill>
+                <a:srgbClr val="C00000"/>
+              </a:solidFill>
+              <a:latin typeface="Times New Roman" pitchFamily="18" charset="0"/>
+              <a:cs typeface="Times New Roman" pitchFamily="18" charset="0"/>
+            </a:endParaRPr>
+          </a:p>
+        </p:txBody>
+      </p:sp>
+      <p:sp>
+        <p:nvSpPr>
+          <p:cNvPr id="3" name="Text Placeholder 2"/>
+          <p:cNvSpPr>
+            <a:spLocks noGrp="1"/>
+          </p:cNvSpPr>
+          <p:nvPr>
+            <p:ph type="body" idx="1"/>
+          </p:nvPr>
+        </p:nvSpPr>
+        <p:spPr/>
+        <p:txBody>
+          <a:bodyPr/>
+          <a:lstStyle/>
+          <a:p>
+            <a:r>
+              <a:rPr lang="en-US" sz="2400" b="1" dirty="0">
+                <a:solidFill>
+                  <a:srgbClr val="FF0000"/>
+                </a:solidFill>
+                <a:latin typeface="Times New Roman"/>
+                <a:ea typeface="Times New Roman"/>
+                <a:cs typeface="Times New Roman"/>
+                <a:sym typeface="Times New Roman"/>
+              </a:rPr>
+              <a:t>Detailed design of the project</a:t>
+            </a:r>
+          </a:p>
+          <a:p>
+            <a:pPr marL="685800" indent="-457200">
+              <a:buFont typeface="+mj-lt"/>
+              <a:buAutoNum type="arabicPeriod"/>
+            </a:pPr>
+            <a:r>
+              <a:rPr lang="en-GB" sz="2000" dirty="0" smtClean="0">
+                <a:solidFill>
+                  <a:schemeClr val="tx1"/>
+                </a:solidFill>
+                <a:latin typeface="Times New Roman" pitchFamily="18" charset="0"/>
+                <a:cs typeface="Times New Roman" pitchFamily="18" charset="0"/>
+              </a:rPr>
+              <a:t>We are planning to pre-process the image with PCA based conversion </a:t>
+            </a:r>
+          </a:p>
+          <a:p>
+            <a:pPr marL="685800" indent="-457200">
+              <a:buFont typeface="+mj-lt"/>
+              <a:buAutoNum type="arabicPeriod"/>
+            </a:pPr>
+            <a:r>
+              <a:rPr lang="en-GB" sz="2000" dirty="0" smtClean="0">
+                <a:solidFill>
+                  <a:schemeClr val="tx1"/>
+                </a:solidFill>
+                <a:latin typeface="Times New Roman" pitchFamily="18" charset="0"/>
+                <a:cs typeface="Times New Roman" pitchFamily="18" charset="0"/>
+              </a:rPr>
+              <a:t>Then we use </a:t>
+            </a:r>
+            <a:r>
+              <a:rPr lang="en-US" sz="2000" dirty="0" smtClean="0">
+                <a:solidFill>
+                  <a:schemeClr val="tx1"/>
+                </a:solidFill>
+                <a:sym typeface="Arial"/>
+              </a:rPr>
+              <a:t>Maximally </a:t>
+            </a:r>
+            <a:r>
+              <a:rPr lang="en-US" sz="2000" dirty="0">
+                <a:solidFill>
+                  <a:schemeClr val="tx1"/>
+                </a:solidFill>
+                <a:sym typeface="Arial"/>
+              </a:rPr>
+              <a:t>Stable </a:t>
+            </a:r>
+            <a:r>
+              <a:rPr lang="en-US" sz="2000" dirty="0" err="1">
+                <a:solidFill>
+                  <a:schemeClr val="tx1"/>
+                </a:solidFill>
+                <a:sym typeface="Arial"/>
+              </a:rPr>
+              <a:t>Extremal</a:t>
+            </a:r>
+            <a:r>
+              <a:rPr lang="en-US" sz="2000" dirty="0">
+                <a:solidFill>
+                  <a:schemeClr val="tx1"/>
+                </a:solidFill>
+                <a:sym typeface="Arial"/>
+              </a:rPr>
+              <a:t> Regions (MSER) </a:t>
+            </a:r>
+            <a:r>
+              <a:rPr lang="en-US" sz="2000" dirty="0" smtClean="0">
+                <a:solidFill>
+                  <a:schemeClr val="tx1"/>
+                </a:solidFill>
+                <a:sym typeface="Arial"/>
+              </a:rPr>
+              <a:t>detection with </a:t>
+            </a:r>
+            <a:r>
+              <a:rPr lang="en-IN" sz="2000" dirty="0">
+                <a:solidFill>
+                  <a:schemeClr val="tx1"/>
+                </a:solidFill>
+                <a:sym typeface="Arial"/>
+              </a:rPr>
+              <a:t>Stroke Width </a:t>
+            </a:r>
+            <a:r>
+              <a:rPr lang="en-IN" sz="2000" dirty="0" smtClean="0">
+                <a:solidFill>
+                  <a:schemeClr val="tx1"/>
+                </a:solidFill>
+                <a:sym typeface="Arial"/>
+              </a:rPr>
+              <a:t>Detector(SWD) to recognize characters or sentences</a:t>
+            </a:r>
+          </a:p>
+          <a:p>
+            <a:pPr marL="685800" indent="-457200">
+              <a:buFont typeface="+mj-lt"/>
+              <a:buAutoNum type="arabicPeriod"/>
+            </a:pPr>
+            <a:r>
+              <a:rPr lang="en-IN" sz="2000" dirty="0" smtClean="0">
+                <a:solidFill>
+                  <a:schemeClr val="tx1"/>
+                </a:solidFill>
+                <a:sym typeface="Arial"/>
+              </a:rPr>
+              <a:t>If the dimension is of the component is not in the range of Alphanumeric The component will be segmented and we will use Histogram of </a:t>
+            </a:r>
+            <a:r>
+              <a:rPr lang="en-IN" sz="2000" dirty="0">
+                <a:solidFill>
+                  <a:schemeClr val="tx1"/>
+                </a:solidFill>
+                <a:sym typeface="Arial"/>
+              </a:rPr>
+              <a:t>O</a:t>
+            </a:r>
+            <a:r>
+              <a:rPr lang="en-IN" sz="2000" dirty="0" smtClean="0">
+                <a:solidFill>
+                  <a:schemeClr val="tx1"/>
+                </a:solidFill>
+                <a:sym typeface="Arial"/>
+              </a:rPr>
+              <a:t>riented Gradients (HOG) </a:t>
+            </a:r>
+            <a:r>
+              <a:rPr lang="en-IN" sz="2000" dirty="0">
+                <a:solidFill>
+                  <a:schemeClr val="tx1"/>
+                </a:solidFill>
+                <a:sym typeface="Arial"/>
+              </a:rPr>
+              <a:t>algorithm</a:t>
+            </a:r>
+            <a:r>
+              <a:rPr lang="en-IN" sz="2000" dirty="0" smtClean="0">
+                <a:solidFill>
+                  <a:schemeClr val="tx1"/>
+                </a:solidFill>
+                <a:sym typeface="Arial"/>
+              </a:rPr>
+              <a:t> to find out the figure and check whether it is required diagram (such as circuit diagram, data flow diagram etc..)</a:t>
+            </a:r>
+          </a:p>
+          <a:p>
+            <a:pPr marL="685800" indent="-457200">
+              <a:buFont typeface="+mj-lt"/>
+              <a:buAutoNum type="arabicPeriod"/>
+            </a:pPr>
+            <a:r>
+              <a:rPr lang="en-IN" sz="2000" dirty="0" smtClean="0">
+                <a:solidFill>
+                  <a:schemeClr val="tx1"/>
+                </a:solidFill>
+                <a:sym typeface="Arial"/>
+              </a:rPr>
+              <a:t>Then we compare the formed sentence using </a:t>
+            </a:r>
+            <a:r>
+              <a:rPr lang="en-IN" sz="2000" dirty="0">
+                <a:solidFill>
+                  <a:schemeClr val="tx1"/>
+                </a:solidFill>
+                <a:sym typeface="Arial"/>
+              </a:rPr>
+              <a:t>Self Organizing Maps(SOM</a:t>
+            </a:r>
+            <a:r>
+              <a:rPr lang="en-IN" sz="2000" dirty="0" smtClean="0">
+                <a:solidFill>
+                  <a:schemeClr val="tx1"/>
+                </a:solidFill>
+                <a:sym typeface="Arial"/>
+              </a:rPr>
+              <a:t>) algorithm</a:t>
+            </a:r>
+          </a:p>
+          <a:p>
+            <a:pPr marL="685800" indent="-457200">
+              <a:buFont typeface="+mj-lt"/>
+              <a:buAutoNum type="arabicPeriod"/>
+            </a:pPr>
+            <a:r>
+              <a:rPr lang="en-IN" sz="2000" dirty="0" smtClean="0">
+                <a:solidFill>
+                  <a:schemeClr val="tx1"/>
+                </a:solidFill>
+                <a:sym typeface="Arial"/>
+              </a:rPr>
+              <a:t>Then we are planning to publish result in web site along with the key words that where missing from student’s answer </a:t>
+            </a:r>
+            <a:endParaRPr lang="en-IN" sz="2400" dirty="0"/>
+          </a:p>
+          <a:p>
+            <a:pPr marL="685800" indent="-457200">
+              <a:buFont typeface="+mj-lt"/>
+              <a:buAutoNum type="arabicPeriod"/>
+            </a:pPr>
+            <a:endParaRPr lang="en-GB" sz="2400" dirty="0">
+              <a:solidFill>
+                <a:schemeClr val="tx1"/>
+              </a:solidFill>
+              <a:latin typeface="Times New Roman" pitchFamily="18" charset="0"/>
+              <a:cs typeface="Times New Roman" pitchFamily="18" charset="0"/>
+            </a:endParaRPr>
+          </a:p>
+        </p:txBody>
+      </p:sp>
       <p:pic>
         <p:nvPicPr>
           <p:cNvPr id="4" name="Google Shape;127;p16"/>
@@ -22321,7 +25500,7 @@
         </p:blipFill>
         <p:spPr>
           <a:xfrm>
-            <a:off x="-1588" y="9051"/>
+            <a:off x="0" y="-117700"/>
             <a:ext cx="9144000" cy="1600200"/>
           </a:xfrm>
           <a:prstGeom prst="rect">
@@ -22335,87 +25514,213 @@
       </p:pic>
       <p:sp>
         <p:nvSpPr>
-          <p:cNvPr id="13" name="Text Placeholder 12"/>
-          <p:cNvSpPr>
-            <a:spLocks noGrp="1"/>
-          </p:cNvSpPr>
-          <p:nvPr>
-            <p:ph type="body" idx="1"/>
-          </p:nvPr>
+          <p:cNvPr id="7" name="Google Shape;122;p16"/>
+          <p:cNvSpPr txBox="1"/>
+          <p:nvPr/>
         </p:nvSpPr>
-        <p:spPr/>
+        <p:spPr>
+          <a:xfrm>
+            <a:off x="457200" y="6356350"/>
+            <a:ext cx="2133600" cy="365125"/>
+          </a:xfrm>
+          <a:prstGeom prst="rect">
+            <a:avLst/>
+          </a:prstGeom>
+          <a:noFill/>
+          <a:ln>
+            <a:noFill/>
+          </a:ln>
+        </p:spPr>
         <p:txBody>
-          <a:bodyPr/>
+          <a:bodyPr spcFirstLastPara="1" wrap="square" lIns="90000" tIns="46800" rIns="90000" bIns="46800" anchor="ctr" anchorCtr="0">
+            <a:noAutofit/>
+          </a:bodyPr>
           <a:lstStyle/>
           <a:p>
-            <a:r>
-              <a:rPr lang="en-US" dirty="0">
+            <a:pPr marL="0" marR="0" lvl="0" indent="0" algn="l" rtl="0">
+              <a:lnSpc>
+                <a:spcPct val="100000"/>
+              </a:lnSpc>
+              <a:spcBef>
+                <a:spcPts val="0"/>
+              </a:spcBef>
+              <a:spcAft>
+                <a:spcPts val="0"/>
+              </a:spcAft>
+              <a:buClr>
+                <a:srgbClr val="000000"/>
+              </a:buClr>
+              <a:buSzPts val="1200"/>
+              <a:buFont typeface="Times New Roman"/>
+              <a:buNone/>
+            </a:pPr>
+            <a:r>
+              <a:rPr lang="en-US" sz="1200" b="0" i="0" u="none">
+                <a:solidFill>
+                  <a:srgbClr val="898989"/>
+                </a:solidFill>
+                <a:latin typeface="Calibri"/>
+                <a:ea typeface="Calibri"/>
+                <a:cs typeface="Calibri"/>
+                <a:sym typeface="Calibri"/>
+              </a:rPr>
+              <a:t>02/08/19</a:t>
+            </a:r>
+          </a:p>
+        </p:txBody>
+      </p:sp>
+      <p:sp>
+        <p:nvSpPr>
+          <p:cNvPr id="8" name="Google Shape;123;p16"/>
+          <p:cNvSpPr txBox="1"/>
+          <p:nvPr/>
+        </p:nvSpPr>
+        <p:spPr>
+          <a:xfrm>
+            <a:off x="6553200" y="6356350"/>
+            <a:ext cx="2133600" cy="365125"/>
+          </a:xfrm>
+          <a:prstGeom prst="rect">
+            <a:avLst/>
+          </a:prstGeom>
+          <a:noFill/>
+          <a:ln>
+            <a:noFill/>
+          </a:ln>
+        </p:spPr>
+        <p:txBody>
+          <a:bodyPr spcFirstLastPara="1" wrap="square" lIns="90000" tIns="46800" rIns="90000" bIns="46800" anchor="ctr" anchorCtr="0">
+            <a:noAutofit/>
+          </a:bodyPr>
+          <a:lstStyle/>
+          <a:p>
+            <a:pPr marL="0" marR="0" lvl="0" indent="0" algn="r" rtl="0">
+              <a:lnSpc>
+                <a:spcPct val="100000"/>
+              </a:lnSpc>
+              <a:spcBef>
+                <a:spcPts val="0"/>
+              </a:spcBef>
+              <a:spcAft>
+                <a:spcPts val="0"/>
+              </a:spcAft>
+              <a:buClr>
+                <a:srgbClr val="000000"/>
+              </a:buClr>
+              <a:buSzPts val="1200"/>
+              <a:buFont typeface="Times New Roman"/>
+              <a:buNone/>
+            </a:pPr>
+            <a:r>
+              <a:rPr lang="en-US" sz="1200" b="0" i="0" u="none" dirty="0" smtClean="0">
+                <a:solidFill>
+                  <a:srgbClr val="898989"/>
+                </a:solidFill>
+                <a:latin typeface="Calibri"/>
+                <a:ea typeface="Calibri"/>
+                <a:cs typeface="Calibri"/>
+                <a:sym typeface="Calibri"/>
+              </a:rPr>
+              <a:t>21</a:t>
+            </a:r>
+            <a:endParaRPr sz="1200" b="0" i="0" u="none" dirty="0">
+              <a:solidFill>
+                <a:srgbClr val="898989"/>
+              </a:solidFill>
+              <a:latin typeface="Calibri"/>
+              <a:ea typeface="Calibri"/>
+              <a:cs typeface="Calibri"/>
+              <a:sym typeface="Calibri"/>
+            </a:endParaRPr>
+          </a:p>
+        </p:txBody>
+      </p:sp>
+      <p:sp>
+        <p:nvSpPr>
+          <p:cNvPr id="9" name="Google Shape;124;p16"/>
+          <p:cNvSpPr/>
+          <p:nvPr/>
+        </p:nvSpPr>
+        <p:spPr>
+          <a:xfrm>
+            <a:off x="1905000" y="6324600"/>
+            <a:ext cx="5410200" cy="368300"/>
+          </a:xfrm>
+          <a:prstGeom prst="rect">
+            <a:avLst/>
+          </a:prstGeom>
+          <a:noFill/>
+          <a:ln>
+            <a:noFill/>
+          </a:ln>
+        </p:spPr>
+        <p:txBody>
+          <a:bodyPr spcFirstLastPara="1" wrap="square" lIns="90000" tIns="46800" rIns="90000" bIns="46800" anchor="t" anchorCtr="0">
+            <a:noAutofit/>
+          </a:bodyPr>
+          <a:lstStyle/>
+          <a:p>
+            <a:pPr marL="0" marR="0" lvl="0" indent="0" algn="l" rtl="0">
+              <a:lnSpc>
+                <a:spcPct val="100000"/>
+              </a:lnSpc>
+              <a:spcBef>
+                <a:spcPts val="0"/>
+              </a:spcBef>
+              <a:spcAft>
+                <a:spcPts val="0"/>
+              </a:spcAft>
+              <a:buClr>
+                <a:srgbClr val="000000"/>
+              </a:buClr>
+              <a:buSzPts val="1800"/>
+              <a:buFont typeface="Times New Roman"/>
+              <a:buNone/>
+            </a:pPr>
+            <a:r>
+              <a:rPr lang="en-US" sz="1800" b="1" i="0" u="none">
+                <a:solidFill>
+                  <a:srgbClr val="000000"/>
+                </a:solidFill>
+                <a:latin typeface="Arial Black"/>
+                <a:ea typeface="Arial Black"/>
+                <a:cs typeface="Arial Black"/>
+                <a:sym typeface="Arial Black"/>
+              </a:rPr>
+              <a:t>                       </a:t>
+            </a:r>
+            <a:r>
+              <a:rPr lang="en-US" sz="1600" b="0" i="0" u="none">
+                <a:solidFill>
+                  <a:srgbClr val="000000"/>
+                </a:solidFill>
                 <a:latin typeface="Times New Roman"/>
                 <a:ea typeface="Times New Roman"/>
                 <a:cs typeface="Times New Roman"/>
                 <a:sym typeface="Times New Roman"/>
               </a:rPr>
-              <a:t>Detailed design of the </a:t>
-            </a:r>
-            <a:r>
-              <a:rPr lang="en-US" dirty="0" smtClean="0">
-                <a:latin typeface="Times New Roman"/>
-                <a:ea typeface="Times New Roman"/>
-                <a:cs typeface="Times New Roman"/>
-                <a:sym typeface="Times New Roman"/>
-              </a:rPr>
-              <a:t>project</a:t>
-            </a:r>
-          </a:p>
-          <a:p>
-            <a:pPr marL="742950" indent="-514350">
-              <a:buFont typeface="Arial" panose="020B0604020202020204" pitchFamily="34" charset="0"/>
-              <a:buChar char="•"/>
-            </a:pPr>
-            <a:r>
-              <a:rPr lang="en-IN" dirty="0" smtClean="0"/>
-              <a:t>First steps is to collect answer paper from student’s or examination centre and convert it into digital Image</a:t>
-            </a:r>
-          </a:p>
-          <a:p>
-            <a:pPr marL="742950" indent="-514350">
-              <a:buFont typeface="Arial" panose="020B0604020202020204" pitchFamily="34" charset="0"/>
-              <a:buChar char="•"/>
-            </a:pPr>
-            <a:r>
-              <a:rPr lang="en-IN" dirty="0" smtClean="0"/>
-              <a:t>Then </a:t>
-            </a:r>
-            <a:r>
-              <a:rPr lang="en-IN" smtClean="0"/>
-              <a:t>we follow a </a:t>
-            </a:r>
-            <a:r>
-              <a:rPr lang="en-IN" dirty="0" smtClean="0"/>
-              <a:t>series of steps such as </a:t>
-            </a:r>
-            <a:r>
-              <a:rPr lang="en-IN" dirty="0" err="1" smtClean="0"/>
-              <a:t>Grayscailing</a:t>
-            </a:r>
-            <a:r>
-              <a:rPr lang="en-IN" dirty="0" smtClean="0"/>
-              <a:t>, Blurring and Thinning to enhance the quality of the image</a:t>
-            </a:r>
-            <a:endParaRPr lang="en-IN" dirty="0"/>
+              <a:t>CSE Department, JECC</a:t>
+            </a:r>
           </a:p>
         </p:txBody>
       </p:sp>
     </p:spTree>
     <p:extLst>
       <p:ext uri="{BB962C8B-B14F-4D97-AF65-F5344CB8AC3E}">
-        <p14:creationId xmlns:p14="http://schemas.microsoft.com/office/powerpoint/2010/main" val="1800775614"/>
+        <p14:creationId xmlns:p14="http://schemas.microsoft.com/office/powerpoint/2010/main" val="1835503591"/>
       </p:ext>
     </p:extLst>
   </p:cSld>
   <p:clrMapOvr>
     <a:masterClrMapping/>
   </p:clrMapOvr>
+  <p:timing>
+    <p:tnLst>
+      <p:par>
+        <p:cTn id="1" dur="indefinite" restart="never" nodeType="tmRoot"/>
+      </p:par>
+    </p:tnLst>
+  </p:timing>
 </p:sld>
 </file>
 
@@ -22436,6 +25741,141 @@
           <a:chExt cx="0" cy="0"/>
         </a:xfrm>
       </p:grpSpPr>
+      <p:sp>
+        <p:nvSpPr>
+          <p:cNvPr id="2" name="Title 1"/>
+          <p:cNvSpPr>
+            <a:spLocks noGrp="1"/>
+          </p:cNvSpPr>
+          <p:nvPr>
+            <p:ph type="title"/>
+          </p:nvPr>
+        </p:nvSpPr>
+        <p:spPr/>
+        <p:txBody>
+          <a:bodyPr/>
+          <a:lstStyle/>
+          <a:p>
+            <a:r>
+              <a:rPr lang="en-GB" b="1" dirty="0" smtClean="0">
+                <a:solidFill>
+                  <a:srgbClr val="C00000"/>
+                </a:solidFill>
+                <a:latin typeface="Times New Roman" pitchFamily="18" charset="0"/>
+                <a:cs typeface="Times New Roman" pitchFamily="18" charset="0"/>
+              </a:rPr>
+              <a:t>Proposed system</a:t>
+            </a:r>
+            <a:endParaRPr lang="en-GB" b="1" dirty="0">
+              <a:solidFill>
+                <a:srgbClr val="C00000"/>
+              </a:solidFill>
+              <a:latin typeface="Times New Roman" pitchFamily="18" charset="0"/>
+              <a:cs typeface="Times New Roman" pitchFamily="18" charset="0"/>
+            </a:endParaRPr>
+          </a:p>
+        </p:txBody>
+      </p:sp>
+      <p:sp>
+        <p:nvSpPr>
+          <p:cNvPr id="3" name="Text Placeholder 2"/>
+          <p:cNvSpPr>
+            <a:spLocks noGrp="1"/>
+          </p:cNvSpPr>
+          <p:nvPr>
+            <p:ph type="body" idx="1"/>
+          </p:nvPr>
+        </p:nvSpPr>
+        <p:spPr/>
+        <p:txBody>
+          <a:bodyPr/>
+          <a:lstStyle/>
+          <a:p>
+            <a:pPr marL="228600" indent="0"/>
+            <a:r>
+              <a:rPr lang="en-GB" sz="2400" b="1" dirty="0" smtClean="0">
+                <a:solidFill>
+                  <a:srgbClr val="FF0000"/>
+                </a:solidFill>
+                <a:latin typeface="Times New Roman" pitchFamily="18" charset="0"/>
+                <a:cs typeface="Times New Roman" pitchFamily="18" charset="0"/>
+              </a:rPr>
+              <a:t>Advantages over other system</a:t>
+            </a:r>
+          </a:p>
+          <a:p>
+            <a:pPr marL="685800" indent="-457200">
+              <a:buFont typeface="+mj-lt"/>
+              <a:buAutoNum type="arabicPeriod"/>
+            </a:pPr>
+            <a:r>
+              <a:rPr lang="en-GB" sz="2400" dirty="0" smtClean="0">
+                <a:solidFill>
+                  <a:schemeClr val="tx1"/>
+                </a:solidFill>
+                <a:latin typeface="Times New Roman" pitchFamily="18" charset="0"/>
+                <a:cs typeface="Times New Roman" pitchFamily="18" charset="0"/>
+              </a:rPr>
+              <a:t>Can recognize diagrams </a:t>
+            </a:r>
+          </a:p>
+          <a:p>
+            <a:pPr marL="685800" indent="-457200">
+              <a:buFont typeface="+mj-lt"/>
+              <a:buAutoNum type="arabicPeriod"/>
+            </a:pPr>
+            <a:r>
+              <a:rPr lang="en-GB" sz="2400" dirty="0" smtClean="0">
+                <a:solidFill>
+                  <a:schemeClr val="tx1"/>
+                </a:solidFill>
+                <a:latin typeface="Times New Roman" pitchFamily="18" charset="0"/>
+                <a:cs typeface="Times New Roman" pitchFamily="18" charset="0"/>
+              </a:rPr>
+              <a:t>Comparatively high accuracy</a:t>
+            </a:r>
+          </a:p>
+          <a:p>
+            <a:pPr marL="685800" indent="-457200">
+              <a:buFont typeface="+mj-lt"/>
+              <a:buAutoNum type="arabicPeriod"/>
+            </a:pPr>
+            <a:r>
+              <a:rPr lang="en-GB" sz="2400" dirty="0" smtClean="0">
+                <a:solidFill>
+                  <a:schemeClr val="tx1"/>
+                </a:solidFill>
+                <a:latin typeface="Times New Roman" pitchFamily="18" charset="0"/>
+                <a:cs typeface="Times New Roman" pitchFamily="18" charset="0"/>
+              </a:rPr>
+              <a:t>Less effected by noise</a:t>
+            </a:r>
+          </a:p>
+          <a:p>
+            <a:pPr marL="685800" indent="-457200">
+              <a:buFont typeface="+mj-lt"/>
+              <a:buAutoNum type="arabicPeriod"/>
+            </a:pPr>
+            <a:r>
+              <a:rPr lang="en-GB" sz="2400" dirty="0" smtClean="0">
+                <a:solidFill>
+                  <a:schemeClr val="tx1"/>
+                </a:solidFill>
+                <a:latin typeface="Times New Roman" pitchFamily="18" charset="0"/>
+                <a:cs typeface="Times New Roman" pitchFamily="18" charset="0"/>
+              </a:rPr>
+              <a:t>Trust worthy </a:t>
+            </a:r>
+            <a:endParaRPr lang="en-GB" sz="2400" dirty="0">
+              <a:solidFill>
+                <a:schemeClr val="tx1"/>
+              </a:solidFill>
+              <a:latin typeface="Times New Roman" pitchFamily="18" charset="0"/>
+              <a:cs typeface="Times New Roman" pitchFamily="18" charset="0"/>
+            </a:endParaRPr>
+          </a:p>
+        </p:txBody>
+      </p:sp>
       <p:pic>
         <p:nvPicPr>
           <p:cNvPr id="4" name="Google Shape;127;p16"/>
@@ -22455,7 +25895,7 @@
         </p:blipFill>
         <p:spPr>
           <a:xfrm>
-            <a:off x="-1588" y="9051"/>
+            <a:off x="0" y="-117700"/>
             <a:ext cx="9144000" cy="1600200"/>
           </a:xfrm>
           <a:prstGeom prst="rect">
@@ -22469,66 +25909,213 @@
       </p:pic>
       <p:sp>
         <p:nvSpPr>
-          <p:cNvPr id="13" name="Text Placeholder 12"/>
-          <p:cNvSpPr>
-            <a:spLocks noGrp="1"/>
-          </p:cNvSpPr>
-          <p:nvPr>
-            <p:ph type="body" idx="1"/>
-          </p:nvPr>
+          <p:cNvPr id="6" name="Google Shape;122;p16"/>
+          <p:cNvSpPr txBox="1"/>
+          <p:nvPr/>
         </p:nvSpPr>
         <p:spPr>
           <a:xfrm>
-            <a:off x="457200" y="1772212"/>
-            <a:ext cx="8226425" cy="4522787"/>
-          </a:xfrm>
+            <a:off x="457200" y="6356350"/>
+            <a:ext cx="2133600" cy="365125"/>
+          </a:xfrm>
+          <a:prstGeom prst="rect">
+            <a:avLst/>
+          </a:prstGeom>
+          <a:noFill/>
+          <a:ln>
+            <a:noFill/>
+          </a:ln>
         </p:spPr>
         <p:txBody>
-          <a:bodyPr/>
+          <a:bodyPr spcFirstLastPara="1" wrap="square" lIns="90000" tIns="46800" rIns="90000" bIns="46800" anchor="ctr" anchorCtr="0">
+            <a:noAutofit/>
+          </a:bodyPr>
           <a:lstStyle/>
           <a:p>
-            <a:pPr marL="685800" indent="-457200">
-              <a:buFont typeface="Arial" panose="020B0604020202020204" pitchFamily="34" charset="0"/>
-              <a:buChar char="•"/>
+            <a:pPr marL="0" marR="0" lvl="0" indent="0" algn="l" rtl="0">
+              <a:lnSpc>
+                <a:spcPct val="100000"/>
+              </a:lnSpc>
+              <a:spcBef>
+                <a:spcPts val="0"/>
+              </a:spcBef>
+              <a:spcAft>
+                <a:spcPts val="0"/>
+              </a:spcAft>
+              <a:buClr>
+                <a:srgbClr val="000000"/>
+              </a:buClr>
+              <a:buSzPts val="1200"/>
+              <a:buFont typeface="Times New Roman"/>
+              <a:buNone/>
             </a:pPr>
             <a:r>
-              <a:rPr lang="en-IN" dirty="0" smtClean="0"/>
-              <a:t>Required features are then extracted from the Image to train machine learning model</a:t>
-            </a:r>
-          </a:p>
-          <a:p>
-            <a:pPr marL="685800" indent="-457200">
-              <a:buFont typeface="Arial" panose="020B0604020202020204" pitchFamily="34" charset="0"/>
-              <a:buChar char="•"/>
+              <a:rPr lang="en-US" sz="1200" b="0" i="0" u="none">
+                <a:solidFill>
+                  <a:srgbClr val="898989"/>
+                </a:solidFill>
+                <a:latin typeface="Calibri"/>
+                <a:ea typeface="Calibri"/>
+                <a:cs typeface="Calibri"/>
+                <a:sym typeface="Calibri"/>
+              </a:rPr>
+              <a:t>02/08/19</a:t>
+            </a:r>
+          </a:p>
+        </p:txBody>
+      </p:sp>
+      <p:sp>
+        <p:nvSpPr>
+          <p:cNvPr id="7" name="Google Shape;123;p16"/>
+          <p:cNvSpPr txBox="1"/>
+          <p:nvPr/>
+        </p:nvSpPr>
+        <p:spPr>
+          <a:xfrm>
+            <a:off x="6553200" y="6356350"/>
+            <a:ext cx="2133600" cy="365125"/>
+          </a:xfrm>
+          <a:prstGeom prst="rect">
+            <a:avLst/>
+          </a:prstGeom>
+          <a:noFill/>
+          <a:ln>
+            <a:noFill/>
+          </a:ln>
+        </p:spPr>
+        <p:txBody>
+          <a:bodyPr spcFirstLastPara="1" wrap="square" lIns="90000" tIns="46800" rIns="90000" bIns="46800" anchor="ctr" anchorCtr="0">
+            <a:noAutofit/>
+          </a:bodyPr>
+          <a:lstStyle/>
+          <a:p>
+            <a:pPr marL="0" marR="0" lvl="0" indent="0" algn="r" rtl="0">
+              <a:lnSpc>
+                <a:spcPct val="100000"/>
+              </a:lnSpc>
+              <a:spcBef>
+                <a:spcPts val="0"/>
+              </a:spcBef>
+              <a:spcAft>
+                <a:spcPts val="0"/>
+              </a:spcAft>
+              <a:buClr>
+                <a:srgbClr val="000000"/>
+              </a:buClr>
+              <a:buSzPts val="1200"/>
+              <a:buFont typeface="Times New Roman"/>
+              <a:buNone/>
             </a:pPr>
             <a:r>
-              <a:rPr lang="en-IN" dirty="0" smtClean="0"/>
-              <a:t>The model uses answer key and features of Image for training purposes</a:t>
-            </a:r>
-          </a:p>
-          <a:p>
-            <a:pPr marL="685800" indent="-457200">
-              <a:buFont typeface="Arial" panose="020B0604020202020204" pitchFamily="34" charset="0"/>
-              <a:buChar char="•"/>
+              <a:rPr lang="en-US" sz="1200" b="0" i="0" u="none" dirty="0" smtClean="0">
+                <a:solidFill>
+                  <a:srgbClr val="898989"/>
+                </a:solidFill>
+                <a:latin typeface="Calibri"/>
+                <a:ea typeface="Calibri"/>
+                <a:cs typeface="Calibri"/>
+                <a:sym typeface="Calibri"/>
+              </a:rPr>
+              <a:t>22</a:t>
+            </a:r>
+            <a:endParaRPr sz="1200" b="0" i="0" u="none" dirty="0">
+              <a:solidFill>
+                <a:srgbClr val="898989"/>
+              </a:solidFill>
+              <a:latin typeface="Calibri"/>
+              <a:ea typeface="Calibri"/>
+              <a:cs typeface="Calibri"/>
+              <a:sym typeface="Calibri"/>
+            </a:endParaRPr>
+          </a:p>
+        </p:txBody>
+      </p:sp>
+      <p:sp>
+        <p:nvSpPr>
+          <p:cNvPr id="8" name="Google Shape;124;p16"/>
+          <p:cNvSpPr/>
+          <p:nvPr/>
+        </p:nvSpPr>
+        <p:spPr>
+          <a:xfrm>
+            <a:off x="1905000" y="6324600"/>
+            <a:ext cx="5410200" cy="368300"/>
+          </a:xfrm>
+          <a:prstGeom prst="rect">
+            <a:avLst/>
+          </a:prstGeom>
+          <a:noFill/>
+          <a:ln>
+            <a:noFill/>
+          </a:ln>
+        </p:spPr>
+        <p:txBody>
+          <a:bodyPr spcFirstLastPara="1" wrap="square" lIns="90000" tIns="46800" rIns="90000" bIns="46800" anchor="t" anchorCtr="0">
+            <a:noAutofit/>
+          </a:bodyPr>
+          <a:lstStyle/>
+          <a:p>
+            <a:pPr marL="0" marR="0" lvl="0" indent="0" algn="l" rtl="0">
+              <a:lnSpc>
+                <a:spcPct val="100000"/>
+              </a:lnSpc>
+              <a:spcBef>
+                <a:spcPts val="0"/>
+              </a:spcBef>
+              <a:spcAft>
+                <a:spcPts val="0"/>
+              </a:spcAft>
+              <a:buClr>
+                <a:srgbClr val="000000"/>
+              </a:buClr>
+              <a:buSzPts val="1800"/>
+              <a:buFont typeface="Times New Roman"/>
+              <a:buNone/>
             </a:pPr>
             <a:r>
-              <a:rPr lang="en-IN" dirty="0" smtClean="0"/>
-              <a:t>After  the creation of model new incoming images goes through pre processing and feature extracting step and then compared with the answer key through the model</a:t>
-            </a:r>
-            <a:endParaRPr lang="en-IN" dirty="0"/>
+              <a:rPr lang="en-US" sz="1800" b="1" i="0" u="none">
+                <a:solidFill>
+                  <a:srgbClr val="000000"/>
+                </a:solidFill>
+                <a:latin typeface="Arial Black"/>
+                <a:ea typeface="Arial Black"/>
+                <a:cs typeface="Arial Black"/>
+                <a:sym typeface="Arial Black"/>
+              </a:rPr>
+              <a:t>                       </a:t>
+            </a:r>
+            <a:r>
+              <a:rPr lang="en-US" sz="1600" b="0" i="0" u="none">
+                <a:solidFill>
+                  <a:srgbClr val="000000"/>
+                </a:solidFill>
+                <a:latin typeface="Times New Roman"/>
+                <a:ea typeface="Times New Roman"/>
+                <a:cs typeface="Times New Roman"/>
+                <a:sym typeface="Times New Roman"/>
+              </a:rPr>
+              <a:t>CSE Department, JECC</a:t>
+            </a:r>
           </a:p>
         </p:txBody>
       </p:sp>
     </p:spTree>
     <p:extLst>
       <p:ext uri="{BB962C8B-B14F-4D97-AF65-F5344CB8AC3E}">
-        <p14:creationId xmlns:p14="http://schemas.microsoft.com/office/powerpoint/2010/main" val="149647363"/>
+        <p14:creationId xmlns:p14="http://schemas.microsoft.com/office/powerpoint/2010/main" val="1473229580"/>
       </p:ext>
     </p:extLst>
   </p:cSld>
   <p:clrMapOvr>
     <a:masterClrMapping/>
   </p:clrMapOvr>
+  <p:timing>
+    <p:tnLst>
+      <p:par>
+        <p:cTn id="1" dur="indefinite" restart="never" nodeType="tmRoot"/>
+      </p:par>
+    </p:tnLst>
+  </p:timing>
 </p:sld>
 </file>
 
@@ -22549,6 +26136,155 @@
           <a:chExt cx="0" cy="0"/>
         </a:xfrm>
       </p:grpSpPr>
+      <p:sp>
+        <p:nvSpPr>
+          <p:cNvPr id="2" name="Title 1"/>
+          <p:cNvSpPr>
+            <a:spLocks noGrp="1"/>
+          </p:cNvSpPr>
+          <p:nvPr>
+            <p:ph type="title"/>
+          </p:nvPr>
+        </p:nvSpPr>
+        <p:spPr/>
+        <p:txBody>
+          <a:bodyPr/>
+          <a:lstStyle/>
+          <a:p>
+            <a:endParaRPr lang="en-GB" b="1" dirty="0">
+              <a:solidFill>
+                <a:srgbClr val="C00000"/>
+              </a:solidFill>
+              <a:latin typeface="Times New Roman" pitchFamily="18" charset="0"/>
+              <a:cs typeface="Times New Roman" pitchFamily="18" charset="0"/>
+            </a:endParaRPr>
+          </a:p>
+        </p:txBody>
+      </p:sp>
+      <p:sp>
+        <p:nvSpPr>
+          <p:cNvPr id="3" name="Text Placeholder 2"/>
+          <p:cNvSpPr>
+            <a:spLocks noGrp="1"/>
+          </p:cNvSpPr>
+          <p:nvPr>
+            <p:ph type="body" idx="1"/>
+          </p:nvPr>
+        </p:nvSpPr>
+        <p:spPr/>
+        <p:txBody>
+          <a:bodyPr/>
+          <a:lstStyle/>
+          <a:p>
+            <a:pPr marL="228600" indent="0"/>
+            <a:r>
+              <a:rPr lang="en-GB" sz="2800" b="1" dirty="0" smtClean="0">
+                <a:solidFill>
+                  <a:srgbClr val="C00000"/>
+                </a:solidFill>
+                <a:latin typeface="Times New Roman" pitchFamily="18" charset="0"/>
+                <a:cs typeface="Times New Roman" pitchFamily="18" charset="0"/>
+              </a:rPr>
+              <a:t>Application</a:t>
+            </a:r>
+            <a:r>
+              <a:rPr lang="en-GB" sz="3600" b="1" dirty="0" smtClean="0">
+                <a:solidFill>
+                  <a:srgbClr val="C00000"/>
+                </a:solidFill>
+                <a:latin typeface="Times New Roman" pitchFamily="18" charset="0"/>
+                <a:cs typeface="Times New Roman" pitchFamily="18" charset="0"/>
+              </a:rPr>
+              <a:t> And Future Enhancement</a:t>
+            </a:r>
+            <a:endParaRPr lang="en-GB" sz="4000" b="1" dirty="0" smtClean="0">
+              <a:solidFill>
+                <a:srgbClr val="C00000"/>
+              </a:solidFill>
+              <a:latin typeface="Times New Roman" pitchFamily="18" charset="0"/>
+              <a:cs typeface="Times New Roman" pitchFamily="18" charset="0"/>
+            </a:endParaRPr>
+          </a:p>
+          <a:p>
+            <a:pPr marL="685800" indent="-457200">
+              <a:buFont typeface="+mj-lt"/>
+              <a:buAutoNum type="arabicPeriod"/>
+            </a:pPr>
+            <a:r>
+              <a:rPr lang="en-GB" sz="2400" dirty="0" smtClean="0">
+                <a:solidFill>
+                  <a:schemeClr val="tx1"/>
+                </a:solidFill>
+                <a:latin typeface="Times New Roman" pitchFamily="18" charset="0"/>
+                <a:cs typeface="Times New Roman" pitchFamily="18" charset="0"/>
+              </a:rPr>
+              <a:t>Can be used in offices like village office for checking records of applicants</a:t>
+            </a:r>
+          </a:p>
+          <a:p>
+            <a:pPr marL="685800" indent="-457200">
+              <a:buFont typeface="+mj-lt"/>
+              <a:buAutoNum type="arabicPeriod"/>
+            </a:pPr>
+            <a:r>
+              <a:rPr lang="en-GB" sz="2400" dirty="0" smtClean="0">
+                <a:solidFill>
+                  <a:schemeClr val="tx1"/>
+                </a:solidFill>
+                <a:latin typeface="Times New Roman" pitchFamily="18" charset="0"/>
+                <a:cs typeface="Times New Roman" pitchFamily="18" charset="0"/>
+              </a:rPr>
+              <a:t>Can be used in hospitals for checking records of patients</a:t>
+            </a:r>
+          </a:p>
+          <a:p>
+            <a:pPr marL="685800" indent="-457200">
+              <a:buFont typeface="+mj-lt"/>
+              <a:buAutoNum type="arabicPeriod"/>
+            </a:pPr>
+            <a:r>
+              <a:rPr lang="en-GB" sz="2400" dirty="0" smtClean="0">
+                <a:solidFill>
+                  <a:schemeClr val="tx1"/>
+                </a:solidFill>
+                <a:latin typeface="Times New Roman" pitchFamily="18" charset="0"/>
+                <a:cs typeface="Times New Roman" pitchFamily="18" charset="0"/>
+              </a:rPr>
+              <a:t>Can be developed as android application for students to evaluate the paper their own</a:t>
+            </a:r>
+            <a:endParaRPr lang="en-GB" sz="2400" dirty="0">
+              <a:solidFill>
+                <a:schemeClr val="tx1"/>
+              </a:solidFill>
+              <a:latin typeface="Times New Roman" pitchFamily="18" charset="0"/>
+              <a:cs typeface="Times New Roman" pitchFamily="18" charset="0"/>
+            </a:endParaRPr>
+          </a:p>
+          <a:p>
+            <a:pPr marL="685800" indent="-457200">
+              <a:buFont typeface="+mj-lt"/>
+              <a:buAutoNum type="arabicPeriod"/>
+            </a:pPr>
+            <a:r>
+              <a:rPr lang="en-GB" sz="2400" dirty="0" smtClean="0">
+                <a:solidFill>
+                  <a:schemeClr val="tx1"/>
+                </a:solidFill>
+                <a:latin typeface="Times New Roman" pitchFamily="18" charset="0"/>
+                <a:cs typeface="Times New Roman" pitchFamily="18" charset="0"/>
+              </a:rPr>
+              <a:t>Can be developed as android application for Teachers to correct paper faster </a:t>
+            </a:r>
+            <a:endParaRPr lang="en-GB" sz="2400" dirty="0">
+              <a:solidFill>
+                <a:schemeClr val="tx1"/>
+              </a:solidFill>
+              <a:latin typeface="Times New Roman" pitchFamily="18" charset="0"/>
+              <a:cs typeface="Times New Roman" pitchFamily="18" charset="0"/>
+            </a:endParaRPr>
+          </a:p>
+        </p:txBody>
+      </p:sp>
       <p:pic>
         <p:nvPicPr>
           <p:cNvPr id="4" name="Google Shape;127;p16"/>
@@ -22568,7 +26304,7 @@
         </p:blipFill>
         <p:spPr>
           <a:xfrm>
-            <a:off x="-1588" y="9051"/>
+            <a:off x="0" y="-117700"/>
             <a:ext cx="9144000" cy="1600200"/>
           </a:xfrm>
           <a:prstGeom prst="rect">
@@ -22582,56 +26318,213 @@
       </p:pic>
       <p:sp>
         <p:nvSpPr>
-          <p:cNvPr id="13" name="Text Placeholder 12"/>
-          <p:cNvSpPr>
-            <a:spLocks noGrp="1"/>
-          </p:cNvSpPr>
-          <p:nvPr>
-            <p:ph type="body" idx="1"/>
-          </p:nvPr>
+          <p:cNvPr id="6" name="Google Shape;122;p16"/>
+          <p:cNvSpPr txBox="1"/>
+          <p:nvPr/>
         </p:nvSpPr>
         <p:spPr>
           <a:xfrm>
-            <a:off x="457200" y="1772212"/>
-            <a:ext cx="8226425" cy="4522787"/>
-          </a:xfrm>
+            <a:off x="457200" y="6356350"/>
+            <a:ext cx="2133600" cy="365125"/>
+          </a:xfrm>
+          <a:prstGeom prst="rect">
+            <a:avLst/>
+          </a:prstGeom>
+          <a:noFill/>
+          <a:ln>
+            <a:noFill/>
+          </a:ln>
         </p:spPr>
         <p:txBody>
-          <a:bodyPr/>
+          <a:bodyPr spcFirstLastPara="1" wrap="square" lIns="90000" tIns="46800" rIns="90000" bIns="46800" anchor="ctr" anchorCtr="0">
+            <a:noAutofit/>
+          </a:bodyPr>
           <a:lstStyle/>
           <a:p>
-            <a:pPr marL="685800" indent="-457200">
-              <a:buFont typeface="Arial" panose="020B0604020202020204" pitchFamily="34" charset="0"/>
-              <a:buChar char="•"/>
+            <a:pPr marL="0" marR="0" lvl="0" indent="0" algn="l" rtl="0">
+              <a:lnSpc>
+                <a:spcPct val="100000"/>
+              </a:lnSpc>
+              <a:spcBef>
+                <a:spcPts val="0"/>
+              </a:spcBef>
+              <a:spcAft>
+                <a:spcPts val="0"/>
+              </a:spcAft>
+              <a:buClr>
+                <a:srgbClr val="000000"/>
+              </a:buClr>
+              <a:buSzPts val="1200"/>
+              <a:buFont typeface="Times New Roman"/>
+              <a:buNone/>
             </a:pPr>
             <a:r>
-              <a:rPr lang="en-IN" dirty="0" smtClean="0"/>
-              <a:t>Similarity between answers in student’s paper and answer key is analysed and mark is allotted accordingly</a:t>
-            </a:r>
-          </a:p>
-          <a:p>
-            <a:pPr marL="685800" indent="-457200">
-              <a:buFont typeface="Arial" panose="020B0604020202020204" pitchFamily="34" charset="0"/>
-              <a:buChar char="•"/>
+              <a:rPr lang="en-US" sz="1200" b="0" i="0" u="none">
+                <a:solidFill>
+                  <a:srgbClr val="898989"/>
+                </a:solidFill>
+                <a:latin typeface="Calibri"/>
+                <a:ea typeface="Calibri"/>
+                <a:cs typeface="Calibri"/>
+                <a:sym typeface="Calibri"/>
+              </a:rPr>
+              <a:t>02/08/19</a:t>
+            </a:r>
+          </a:p>
+        </p:txBody>
+      </p:sp>
+      <p:sp>
+        <p:nvSpPr>
+          <p:cNvPr id="7" name="Google Shape;123;p16"/>
+          <p:cNvSpPr txBox="1"/>
+          <p:nvPr/>
+        </p:nvSpPr>
+        <p:spPr>
+          <a:xfrm>
+            <a:off x="6553200" y="6356350"/>
+            <a:ext cx="2133600" cy="365125"/>
+          </a:xfrm>
+          <a:prstGeom prst="rect">
+            <a:avLst/>
+          </a:prstGeom>
+          <a:noFill/>
+          <a:ln>
+            <a:noFill/>
+          </a:ln>
+        </p:spPr>
+        <p:txBody>
+          <a:bodyPr spcFirstLastPara="1" wrap="square" lIns="90000" tIns="46800" rIns="90000" bIns="46800" anchor="ctr" anchorCtr="0">
+            <a:noAutofit/>
+          </a:bodyPr>
+          <a:lstStyle/>
+          <a:p>
+            <a:pPr marL="0" marR="0" lvl="0" indent="0" algn="r" rtl="0">
+              <a:lnSpc>
+                <a:spcPct val="100000"/>
+              </a:lnSpc>
+              <a:spcBef>
+                <a:spcPts val="0"/>
+              </a:spcBef>
+              <a:spcAft>
+                <a:spcPts val="0"/>
+              </a:spcAft>
+              <a:buClr>
+                <a:srgbClr val="000000"/>
+              </a:buClr>
+              <a:buSzPts val="1200"/>
+              <a:buFont typeface="Times New Roman"/>
+              <a:buNone/>
             </a:pPr>
             <a:r>
-              <a:rPr lang="en-IN" dirty="0" smtClean="0"/>
-              <a:t>Mistakes in the paper of students are noted and notified along the result </a:t>
-            </a:r>
-            <a:endParaRPr lang="en-IN" dirty="0"/>
+              <a:rPr lang="en-IN" sz="1200" b="0" i="0" u="none" dirty="0" smtClean="0">
+                <a:solidFill>
+                  <a:srgbClr val="898989"/>
+                </a:solidFill>
+                <a:latin typeface="Calibri"/>
+                <a:ea typeface="Calibri"/>
+                <a:cs typeface="Calibri"/>
+                <a:sym typeface="Calibri"/>
+              </a:rPr>
+              <a:t>23</a:t>
+            </a:r>
+            <a:endParaRPr sz="1200" b="0" i="0" u="none" dirty="0">
+              <a:solidFill>
+                <a:srgbClr val="898989"/>
+              </a:solidFill>
+              <a:latin typeface="Calibri"/>
+              <a:ea typeface="Calibri"/>
+              <a:cs typeface="Calibri"/>
+              <a:sym typeface="Calibri"/>
+            </a:endParaRPr>
+          </a:p>
+        </p:txBody>
+      </p:sp>
+      <p:sp>
+        <p:nvSpPr>
+          <p:cNvPr id="8" name="Google Shape;124;p16"/>
+          <p:cNvSpPr/>
+          <p:nvPr/>
+        </p:nvSpPr>
+        <p:spPr>
+          <a:xfrm>
+            <a:off x="1905000" y="6324600"/>
+            <a:ext cx="5410200" cy="368300"/>
+          </a:xfrm>
+          <a:prstGeom prst="rect">
+            <a:avLst/>
+          </a:prstGeom>
+          <a:noFill/>
+          <a:ln>
+            <a:noFill/>
+          </a:ln>
+        </p:spPr>
+        <p:txBody>
+          <a:bodyPr spcFirstLastPara="1" wrap="square" lIns="90000" tIns="46800" rIns="90000" bIns="46800" anchor="t" anchorCtr="0">
+            <a:noAutofit/>
+          </a:bodyPr>
+          <a:lstStyle/>
+          <a:p>
+            <a:pPr marL="0" marR="0" lvl="0" indent="0" algn="l" rtl="0">
+              <a:lnSpc>
+                <a:spcPct val="100000"/>
+              </a:lnSpc>
+              <a:spcBef>
+                <a:spcPts val="0"/>
+              </a:spcBef>
+              <a:spcAft>
+                <a:spcPts val="0"/>
+              </a:spcAft>
+              <a:buClr>
+                <a:srgbClr val="000000"/>
+              </a:buClr>
+              <a:buSzPts val="1800"/>
+              <a:buFont typeface="Times New Roman"/>
+              <a:buNone/>
+            </a:pPr>
+            <a:r>
+              <a:rPr lang="en-US" sz="1800" b="1" i="0" u="none">
+                <a:solidFill>
+                  <a:srgbClr val="000000"/>
+                </a:solidFill>
+                <a:latin typeface="Arial Black"/>
+                <a:ea typeface="Arial Black"/>
+                <a:cs typeface="Arial Black"/>
+                <a:sym typeface="Arial Black"/>
+              </a:rPr>
+              <a:t>                       </a:t>
+            </a:r>
+            <a:r>
+              <a:rPr lang="en-US" sz="1600" b="0" i="0" u="none">
+                <a:solidFill>
+                  <a:srgbClr val="000000"/>
+                </a:solidFill>
+                <a:latin typeface="Times New Roman"/>
+                <a:ea typeface="Times New Roman"/>
+                <a:cs typeface="Times New Roman"/>
+                <a:sym typeface="Times New Roman"/>
+              </a:rPr>
+              <a:t>CSE Department, JECC</a:t>
+            </a:r>
           </a:p>
         </p:txBody>
       </p:sp>
     </p:spTree>
     <p:extLst>
       <p:ext uri="{BB962C8B-B14F-4D97-AF65-F5344CB8AC3E}">
-        <p14:creationId xmlns:p14="http://schemas.microsoft.com/office/powerpoint/2010/main" val="141794536"/>
+        <p14:creationId xmlns:p14="http://schemas.microsoft.com/office/powerpoint/2010/main" val="1561194709"/>
       </p:ext>
     </p:extLst>
   </p:cSld>
   <p:clrMapOvr>
     <a:masterClrMapping/>
   </p:clrMapOvr>
+  <p:timing>
+    <p:tnLst>
+      <p:par>
+        <p:cTn id="1" dur="indefinite" restart="never" nodeType="tmRoot"/>
+      </p:par>
+    </p:tnLst>
+  </p:timing>
 </p:sld>
 </file>
 
@@ -22667,6 +26560,16 @@
           <a:bodyPr/>
           <a:lstStyle/>
           <a:p>
+            <a:r>
+              <a:rPr lang="en-GB" b="1" dirty="0" smtClean="0">
+                <a:solidFill>
+                  <a:srgbClr val="C00000"/>
+                </a:solidFill>
+                <a:latin typeface="Times New Roman" pitchFamily="18" charset="0"/>
+                <a:cs typeface="Times New Roman" pitchFamily="18" charset="0"/>
+              </a:rPr>
+              <a:t>Conclusion</a:t>
+            </a:r>
             <a:endParaRPr lang="en-GB" b="1" dirty="0">
               <a:solidFill>
                 <a:srgbClr val="C00000"/>
@@ -22694,32 +26597,15 @@
           <a:p>
             <a:pPr marL="228600" indent="0"/>
             <a:r>
-              <a:rPr lang="en-GB" sz="2800" b="1" dirty="0" smtClean="0">
+              <a:rPr lang="en-GB" sz="4400" b="1" dirty="0" smtClean="0">
                 <a:solidFill>
                   <a:srgbClr val="C00000"/>
                 </a:solidFill>
                 <a:latin typeface="Times New Roman" pitchFamily="18" charset="0"/>
                 <a:cs typeface="Times New Roman" pitchFamily="18" charset="0"/>
               </a:rPr>
-              <a:t>Application</a:t>
-            </a:r>
-            <a:r>
-              <a:rPr lang="en-GB" sz="3600" b="1" dirty="0" smtClean="0">
-                <a:solidFill>
-                  <a:srgbClr val="C00000"/>
-                </a:solidFill>
-                <a:latin typeface="Times New Roman" pitchFamily="18" charset="0"/>
-                <a:cs typeface="Times New Roman" pitchFamily="18" charset="0"/>
-              </a:rPr>
-              <a:t> And Future Enhancement</a:t>
-            </a:r>
-            <a:endParaRPr lang="en-GB" sz="4000" b="1" dirty="0" smtClean="0">
-              <a:solidFill>
-                <a:srgbClr val="C00000"/>
-              </a:solidFill>
-              <a:latin typeface="Times New Roman" pitchFamily="18" charset="0"/>
-              <a:cs typeface="Times New Roman" pitchFamily="18" charset="0"/>
-            </a:endParaRPr>
+              <a:t>Conclusion</a:t>
+            </a:r>
           </a:p>
           <a:p>
             <a:pPr marL="685800" indent="-457200">
@@ -22734,7 +26620,7 @@
                 <a:latin typeface="Times New Roman" pitchFamily="18" charset="0"/>
                 <a:cs typeface="Times New Roman" pitchFamily="18" charset="0"/>
               </a:rPr>
-              <a:t>Can be used in offices like village office for checking records of applicants</a:t>
+              <a:t>This computerized autonomous paper evaluation system solves the problems of current evaluation system</a:t>
             </a:r>
           </a:p>
           <a:p>
@@ -22750,7 +26636,7 @@
                 <a:latin typeface="Times New Roman" pitchFamily="18" charset="0"/>
                 <a:cs typeface="Times New Roman" pitchFamily="18" charset="0"/>
               </a:rPr>
-              <a:t>Can be used in hospitals for checking records of patients</a:t>
+              <a:t>Provides solution to manual mistakes</a:t>
             </a:r>
           </a:p>
           <a:p>
@@ -22766,15 +26652,8 @@
                 <a:latin typeface="Times New Roman" pitchFamily="18" charset="0"/>
                 <a:cs typeface="Times New Roman" pitchFamily="18" charset="0"/>
               </a:rPr>
-              <a:t>Can be developed as android application for students to evaluate the paper their own</a:t>
-            </a:r>
-            <a:endParaRPr lang="en-GB" sz="2400" dirty="0">
-              <a:solidFill>
-                <a:schemeClr val="tx1"/>
-              </a:solidFill>
-              <a:latin typeface="Times New Roman" pitchFamily="18" charset="0"/>
-              <a:cs typeface="Times New Roman" pitchFamily="18" charset="0"/>
-            </a:endParaRPr>
+              <a:t>It is effective and feasibility</a:t>
+            </a:r>
           </a:p>
           <a:p>
             <a:pPr marL="685800" indent="-457200">
@@ -22789,15 +26668,8 @@
                 <a:latin typeface="Times New Roman" pitchFamily="18" charset="0"/>
                 <a:cs typeface="Times New Roman" pitchFamily="18" charset="0"/>
               </a:rPr>
-              <a:t>Can be developed as android application for Teachers to correct paper faster </a:t>
-            </a:r>
-            <a:endParaRPr lang="en-GB" sz="2400" dirty="0">
-              <a:solidFill>
-                <a:schemeClr val="tx1"/>
-              </a:solidFill>
-              <a:latin typeface="Times New Roman" pitchFamily="18" charset="0"/>
-              <a:cs typeface="Times New Roman" pitchFamily="18" charset="0"/>
-            </a:endParaRPr>
+              <a:t>Can be used beyond educational field</a:t>
+            </a:r>
           </a:p>
         </p:txBody>
       </p:sp>
@@ -22832,16 +26704,215 @@
           </a:ln>
         </p:spPr>
       </p:pic>
+      <p:sp>
+        <p:nvSpPr>
+          <p:cNvPr id="6" name="Google Shape;122;p16"/>
+          <p:cNvSpPr txBox="1"/>
+          <p:nvPr/>
+        </p:nvSpPr>
+        <p:spPr>
+          <a:xfrm>
+            <a:off x="457200" y="6356350"/>
+            <a:ext cx="2133600" cy="365125"/>
+          </a:xfrm>
+          <a:prstGeom prst="rect">
+            <a:avLst/>
+          </a:prstGeom>
+          <a:noFill/>
+          <a:ln>
+            <a:noFill/>
+          </a:ln>
+        </p:spPr>
+        <p:txBody>
+          <a:bodyPr spcFirstLastPara="1" wrap="square" lIns="90000" tIns="46800" rIns="90000" bIns="46800" anchor="ctr" anchorCtr="0">
+            <a:noAutofit/>
+          </a:bodyPr>
+          <a:lstStyle/>
+          <a:p>
+            <a:pPr marL="0" marR="0" lvl="0" indent="0" algn="l" rtl="0">
+              <a:lnSpc>
+                <a:spcPct val="100000"/>
+              </a:lnSpc>
+              <a:spcBef>
+                <a:spcPts val="0"/>
+              </a:spcBef>
+              <a:spcAft>
+                <a:spcPts val="0"/>
+              </a:spcAft>
+              <a:buClr>
+                <a:srgbClr val="000000"/>
+              </a:buClr>
+              <a:buSzPts val="1200"/>
+              <a:buFont typeface="Times New Roman"/>
+              <a:buNone/>
+            </a:pPr>
+            <a:r>
+              <a:rPr lang="en-US" sz="1200" b="0" i="0" u="none">
+                <a:solidFill>
+                  <a:srgbClr val="898989"/>
+                </a:solidFill>
+                <a:latin typeface="Calibri"/>
+                <a:ea typeface="Calibri"/>
+                <a:cs typeface="Calibri"/>
+                <a:sym typeface="Calibri"/>
+              </a:rPr>
+              <a:t>02/08/19</a:t>
+            </a:r>
+          </a:p>
+        </p:txBody>
+      </p:sp>
+      <p:sp>
+        <p:nvSpPr>
+          <p:cNvPr id="7" name="Google Shape;123;p16"/>
+          <p:cNvSpPr txBox="1"/>
+          <p:nvPr/>
+        </p:nvSpPr>
+        <p:spPr>
+          <a:xfrm>
+            <a:off x="6553200" y="6356350"/>
+            <a:ext cx="2133600" cy="365125"/>
+          </a:xfrm>
+          <a:prstGeom prst="rect">
+            <a:avLst/>
+          </a:prstGeom>
+          <a:noFill/>
+          <a:ln>
+            <a:noFill/>
+          </a:ln>
+        </p:spPr>
+        <p:txBody>
+          <a:bodyPr spcFirstLastPara="1" wrap="square" lIns="90000" tIns="46800" rIns="90000" bIns="46800" anchor="ctr" anchorCtr="0">
+            <a:noAutofit/>
+          </a:bodyPr>
+          <a:lstStyle/>
+          <a:p>
+            <a:pPr marL="0" marR="0" lvl="0" indent="0" algn="r" rtl="0">
+              <a:lnSpc>
+                <a:spcPct val="100000"/>
+              </a:lnSpc>
+              <a:spcBef>
+                <a:spcPts val="0"/>
+              </a:spcBef>
+              <a:spcAft>
+                <a:spcPts val="0"/>
+              </a:spcAft>
+              <a:buClr>
+                <a:srgbClr val="000000"/>
+              </a:buClr>
+              <a:buSzPts val="1200"/>
+              <a:buFont typeface="Times New Roman"/>
+              <a:buNone/>
+            </a:pPr>
+            <a:r>
+              <a:rPr lang="en-US" sz="1200" b="0" i="0" u="none" dirty="0" smtClean="0">
+                <a:solidFill>
+                  <a:srgbClr val="898989"/>
+                </a:solidFill>
+                <a:latin typeface="Calibri"/>
+                <a:ea typeface="Calibri"/>
+                <a:cs typeface="Calibri"/>
+                <a:sym typeface="Calibri"/>
+              </a:rPr>
+              <a:t>24</a:t>
+            </a:r>
+            <a:endParaRPr sz="1200" b="0" i="0" u="none" dirty="0">
+              <a:solidFill>
+                <a:srgbClr val="898989"/>
+              </a:solidFill>
+              <a:latin typeface="Calibri"/>
+              <a:ea typeface="Calibri"/>
+              <a:cs typeface="Calibri"/>
+              <a:sym typeface="Calibri"/>
+            </a:endParaRPr>
+          </a:p>
+        </p:txBody>
+      </p:sp>
+      <p:sp>
+        <p:nvSpPr>
+          <p:cNvPr id="8" name="Google Shape;124;p16"/>
+          <p:cNvSpPr/>
+          <p:nvPr/>
+        </p:nvSpPr>
+        <p:spPr>
+          <a:xfrm>
+            <a:off x="1905000" y="6324600"/>
+            <a:ext cx="5410200" cy="368300"/>
+          </a:xfrm>
+          <a:prstGeom prst="rect">
+            <a:avLst/>
+          </a:prstGeom>
+          <a:noFill/>
+          <a:ln>
+            <a:noFill/>
+          </a:ln>
+        </p:spPr>
+        <p:txBody>
+          <a:bodyPr spcFirstLastPara="1" wrap="square" lIns="90000" tIns="46800" rIns="90000" bIns="46800" anchor="t" anchorCtr="0">
+            <a:noAutofit/>
+          </a:bodyPr>
+          <a:lstStyle/>
+          <a:p>
+            <a:pPr marL="0" marR="0" lvl="0" indent="0" algn="l" rtl="0">
+              <a:lnSpc>
+                <a:spcPct val="100000"/>
+              </a:lnSpc>
+              <a:spcBef>
+                <a:spcPts val="0"/>
+              </a:spcBef>
+              <a:spcAft>
+                <a:spcPts val="0"/>
+              </a:spcAft>
+              <a:buClr>
+                <a:srgbClr val="000000"/>
+              </a:buClr>
+              <a:buSzPts val="1800"/>
+              <a:buFont typeface="Times New Roman"/>
+              <a:buNone/>
+            </a:pPr>
+            <a:r>
+              <a:rPr lang="en-US" sz="1800" b="1" i="0" u="none">
+                <a:solidFill>
+                  <a:srgbClr val="000000"/>
+                </a:solidFill>
+                <a:latin typeface="Arial Black"/>
+                <a:ea typeface="Arial Black"/>
+                <a:cs typeface="Arial Black"/>
+                <a:sym typeface="Arial Black"/>
+              </a:rPr>
+              <a:t>                       </a:t>
+            </a:r>
+            <a:r>
+              <a:rPr lang="en-US" sz="1600" b="0" i="0" u="none">
+                <a:solidFill>
+                  <a:srgbClr val="000000"/>
+                </a:solidFill>
+                <a:latin typeface="Times New Roman"/>
+                <a:ea typeface="Times New Roman"/>
+                <a:cs typeface="Times New Roman"/>
+                <a:sym typeface="Times New Roman"/>
+              </a:rPr>
+              <a:t>CSE Department, JECC</a:t>
+            </a:r>
+          </a:p>
+        </p:txBody>
+      </p:sp>
     </p:spTree>
     <p:extLst>
       <p:ext uri="{BB962C8B-B14F-4D97-AF65-F5344CB8AC3E}">
-        <p14:creationId xmlns:p14="http://schemas.microsoft.com/office/powerpoint/2010/main" val="1561194709"/>
+        <p14:creationId xmlns:p14="http://schemas.microsoft.com/office/powerpoint/2010/main" val="3776671415"/>
       </p:ext>
     </p:extLst>
   </p:cSld>
   <p:clrMapOvr>
     <a:masterClrMapping/>
   </p:clrMapOvr>
+  <p:timing>
+    <p:tnLst>
+      <p:par>
+        <p:cTn id="1" dur="indefinite" restart="never" nodeType="tmRoot"/>
+      </p:par>
+    </p:tnLst>
+  </p:timing>
 </p:sld>
 </file>
 
@@ -22877,16 +26948,6 @@
           <a:bodyPr/>
           <a:lstStyle/>
           <a:p>
-            <a:r>
-              <a:rPr lang="en-GB" b="1" dirty="0" smtClean="0">
-                <a:solidFill>
-                  <a:srgbClr val="C00000"/>
-                </a:solidFill>
-                <a:latin typeface="Times New Roman" pitchFamily="18" charset="0"/>
-                <a:cs typeface="Times New Roman" pitchFamily="18" charset="0"/>
-              </a:rPr>
-              <a:t>Conclusion</a:t>
-            </a:r>
             <a:endParaRPr lang="en-GB" b="1" dirty="0">
               <a:solidFill>
                 <a:srgbClr val="C00000"/>
@@ -22914,79 +26975,369 @@
           <a:p>
             <a:pPr marL="228600" indent="0"/>
             <a:r>
-              <a:rPr lang="en-GB" sz="4400" b="1" dirty="0" smtClean="0">
+              <a:rPr lang="en-US" sz="4400" b="1" dirty="0" smtClean="0">
                 <a:solidFill>
                   <a:srgbClr val="C00000"/>
                 </a:solidFill>
                 <a:latin typeface="Times New Roman" pitchFamily="18" charset="0"/>
                 <a:cs typeface="Times New Roman" pitchFamily="18" charset="0"/>
               </a:rPr>
-              <a:t>Conclusion</a:t>
-            </a:r>
-          </a:p>
-          <a:p>
-            <a:pPr marL="685800" indent="-457200">
+              <a:t>References</a:t>
+            </a:r>
+          </a:p>
+          <a:p>
+            <a:pPr marL="571500" indent="-342900">
               <a:buFont typeface="+mj-lt"/>
               <a:buAutoNum type="arabicPeriod"/>
             </a:pPr>
             <a:r>
-              <a:rPr lang="en-GB" sz="2400" dirty="0" smtClean="0">
-                <a:solidFill>
-                  <a:schemeClr val="tx1"/>
-                </a:solidFill>
+              <a:rPr lang="en-US" sz="1800" b="1" dirty="0" smtClean="0">
                 <a:latin typeface="Times New Roman" pitchFamily="18" charset="0"/>
                 <a:cs typeface="Times New Roman" pitchFamily="18" charset="0"/>
               </a:rPr>
-              <a:t>This computerized autonomous paper evaluation system solves the problems of current evaluation system</a:t>
-            </a:r>
-          </a:p>
-          <a:p>
-            <a:pPr marL="685800" indent="-457200">
+              <a:t>Extracting </a:t>
+            </a:r>
+            <a:r>
+              <a:rPr lang="en-US" sz="1800" b="1" dirty="0">
+                <a:latin typeface="Times New Roman" pitchFamily="18" charset="0"/>
+                <a:cs typeface="Times New Roman" pitchFamily="18" charset="0"/>
+              </a:rPr>
+              <a:t>Text from Degraded Document Image </a:t>
+            </a:r>
+            <a:r>
+              <a:rPr lang="en-US" sz="1800" dirty="0">
+                <a:latin typeface="Times New Roman" pitchFamily="18" charset="0"/>
+                <a:cs typeface="Times New Roman" pitchFamily="18" charset="0"/>
+              </a:rPr>
+              <a:t>			                        </a:t>
+            </a:r>
+            <a:r>
+              <a:rPr lang="en-US" sz="1800" dirty="0" smtClean="0">
+                <a:latin typeface="Times New Roman" pitchFamily="18" charset="0"/>
+                <a:cs typeface="Times New Roman" pitchFamily="18" charset="0"/>
+              </a:rPr>
+              <a:t> </a:t>
+            </a:r>
+            <a:r>
+              <a:rPr lang="en-IN" sz="1800" dirty="0" err="1">
+                <a:latin typeface="Times New Roman" pitchFamily="18" charset="0"/>
+                <a:cs typeface="Times New Roman" pitchFamily="18" charset="0"/>
+              </a:rPr>
+              <a:t>Radhika</a:t>
+            </a:r>
+            <a:r>
+              <a:rPr lang="en-IN" sz="1800" dirty="0">
+                <a:latin typeface="Times New Roman" pitchFamily="18" charset="0"/>
+                <a:cs typeface="Times New Roman" pitchFamily="18" charset="0"/>
+              </a:rPr>
+              <a:t> Patel and </a:t>
+            </a:r>
+            <a:r>
+              <a:rPr lang="en-IN" sz="1800" dirty="0" err="1">
+                <a:latin typeface="Times New Roman" pitchFamily="18" charset="0"/>
+                <a:cs typeface="Times New Roman" pitchFamily="18" charset="0"/>
+              </a:rPr>
+              <a:t>Suman</a:t>
+            </a:r>
+            <a:r>
+              <a:rPr lang="en-IN" sz="1800" dirty="0">
+                <a:latin typeface="Times New Roman" pitchFamily="18" charset="0"/>
+                <a:cs typeface="Times New Roman" pitchFamily="18" charset="0"/>
+              </a:rPr>
+              <a:t> K. </a:t>
+            </a:r>
+            <a:r>
+              <a:rPr lang="en-IN" sz="1800" dirty="0" err="1">
+                <a:latin typeface="Times New Roman" pitchFamily="18" charset="0"/>
+                <a:cs typeface="Times New Roman" pitchFamily="18" charset="0"/>
+              </a:rPr>
+              <a:t>Mitra</a:t>
+            </a:r>
+            <a:r>
+              <a:rPr lang="en-IN" sz="1800" dirty="0">
+                <a:latin typeface="Times New Roman" pitchFamily="18" charset="0"/>
+                <a:cs typeface="Times New Roman" pitchFamily="18" charset="0"/>
+              </a:rPr>
+              <a:t> </a:t>
+            </a:r>
+            <a:r>
+              <a:rPr lang="en-IN" sz="1800" dirty="0" err="1">
+                <a:latin typeface="Times New Roman" pitchFamily="18" charset="0"/>
+                <a:cs typeface="Times New Roman" pitchFamily="18" charset="0"/>
+              </a:rPr>
+              <a:t>Dhirubhai</a:t>
+            </a:r>
+            <a:r>
+              <a:rPr lang="en-IN" sz="1800" dirty="0">
+                <a:latin typeface="Times New Roman" pitchFamily="18" charset="0"/>
+                <a:cs typeface="Times New Roman" pitchFamily="18" charset="0"/>
+              </a:rPr>
+              <a:t> </a:t>
+            </a:r>
+            <a:r>
+              <a:rPr lang="en-IN" sz="1800" dirty="0" err="1">
+                <a:latin typeface="Times New Roman" pitchFamily="18" charset="0"/>
+                <a:cs typeface="Times New Roman" pitchFamily="18" charset="0"/>
+              </a:rPr>
+              <a:t>Ambani</a:t>
+            </a:r>
+            <a:r>
+              <a:rPr lang="en-IN" sz="1800" dirty="0">
+                <a:latin typeface="Times New Roman" pitchFamily="18" charset="0"/>
+                <a:cs typeface="Times New Roman" pitchFamily="18" charset="0"/>
+              </a:rPr>
+              <a:t> Institute of Information and communication Technology </a:t>
+            </a:r>
+            <a:r>
+              <a:rPr lang="en-IN" sz="1800" dirty="0" err="1">
+                <a:latin typeface="Times New Roman" pitchFamily="18" charset="0"/>
+                <a:cs typeface="Times New Roman" pitchFamily="18" charset="0"/>
+              </a:rPr>
+              <a:t>Gandhinagar</a:t>
+            </a:r>
+            <a:r>
+              <a:rPr lang="en-IN" sz="1800" dirty="0">
+                <a:latin typeface="Times New Roman" pitchFamily="18" charset="0"/>
+                <a:cs typeface="Times New Roman" pitchFamily="18" charset="0"/>
+              </a:rPr>
+              <a:t>, India</a:t>
+            </a:r>
+          </a:p>
+          <a:p>
+            <a:pPr marL="571500" indent="-342900">
               <a:buFont typeface="+mj-lt"/>
               <a:buAutoNum type="arabicPeriod"/>
             </a:pPr>
             <a:r>
-              <a:rPr lang="en-GB" sz="2400" dirty="0" smtClean="0">
-                <a:solidFill>
-                  <a:schemeClr val="tx1"/>
-                </a:solidFill>
+              <a:rPr lang="en-US" sz="1800" b="1" dirty="0">
                 <a:latin typeface="Times New Roman" pitchFamily="18" charset="0"/>
                 <a:cs typeface="Times New Roman" pitchFamily="18" charset="0"/>
               </a:rPr>
-              <a:t>Provides solution to manual mistakes</a:t>
-            </a:r>
-          </a:p>
-          <a:p>
-            <a:pPr marL="685800" indent="-457200">
+              <a:t>A Robust Algorithm for Text Extraction from Images </a:t>
+            </a:r>
+            <a:r>
+              <a:rPr lang="en-US" sz="1800" dirty="0">
+                <a:latin typeface="Times New Roman" pitchFamily="18" charset="0"/>
+                <a:cs typeface="Times New Roman" pitchFamily="18" charset="0"/>
+              </a:rPr>
+              <a:t>	                         </a:t>
+            </a:r>
+            <a:r>
+              <a:rPr lang="en-IN" sz="1800" dirty="0" err="1" smtClean="0">
+                <a:latin typeface="Times New Roman" pitchFamily="18" charset="0"/>
+                <a:cs typeface="Times New Roman" pitchFamily="18" charset="0"/>
+              </a:rPr>
+              <a:t>Najwa</a:t>
+            </a:r>
+            <a:r>
+              <a:rPr lang="en-IN" sz="1800" dirty="0" smtClean="0">
+                <a:latin typeface="Times New Roman" pitchFamily="18" charset="0"/>
+                <a:cs typeface="Times New Roman" pitchFamily="18" charset="0"/>
+              </a:rPr>
+              <a:t>-Maria </a:t>
+            </a:r>
+            <a:r>
+              <a:rPr lang="en-IN" sz="1800" dirty="0" err="1">
+                <a:latin typeface="Times New Roman" pitchFamily="18" charset="0"/>
+                <a:cs typeface="Times New Roman" pitchFamily="18" charset="0"/>
+              </a:rPr>
+              <a:t>Chidiac</a:t>
+            </a:r>
+            <a:r>
+              <a:rPr lang="en-IN" sz="1800" dirty="0">
+                <a:latin typeface="Times New Roman" pitchFamily="18" charset="0"/>
+                <a:cs typeface="Times New Roman" pitchFamily="18" charset="0"/>
+              </a:rPr>
+              <a:t>, Pascal Damien, Charles </a:t>
+            </a:r>
+            <a:r>
+              <a:rPr lang="en-IN" sz="1800" dirty="0" err="1">
+                <a:latin typeface="Times New Roman" pitchFamily="18" charset="0"/>
+                <a:cs typeface="Times New Roman" pitchFamily="18" charset="0"/>
+              </a:rPr>
+              <a:t>Yaacoub</a:t>
+            </a:r>
+            <a:r>
+              <a:rPr lang="en-IN" sz="1800" dirty="0">
+                <a:latin typeface="Times New Roman" pitchFamily="18" charset="0"/>
+                <a:cs typeface="Times New Roman" pitchFamily="18" charset="0"/>
+              </a:rPr>
+              <a:t> Faculty of Engineering </a:t>
+            </a:r>
+            <a:r>
+              <a:rPr lang="en-US" sz="1800" dirty="0">
+                <a:latin typeface="Times New Roman" pitchFamily="18" charset="0"/>
+                <a:cs typeface="Times New Roman" pitchFamily="18" charset="0"/>
+              </a:rPr>
+              <a:t>Holy Spirit University of </a:t>
+            </a:r>
+            <a:r>
+              <a:rPr lang="en-US" sz="1800" dirty="0" err="1">
+                <a:latin typeface="Times New Roman" pitchFamily="18" charset="0"/>
+                <a:cs typeface="Times New Roman" pitchFamily="18" charset="0"/>
+              </a:rPr>
+              <a:t>Kaslik</a:t>
+            </a:r>
+            <a:r>
+              <a:rPr lang="en-US" sz="1800" dirty="0">
+                <a:latin typeface="Times New Roman" pitchFamily="18" charset="0"/>
+                <a:cs typeface="Times New Roman" pitchFamily="18" charset="0"/>
+              </a:rPr>
+              <a:t> (USEK) </a:t>
+            </a:r>
+            <a:r>
+              <a:rPr lang="en-IN" sz="1800" dirty="0" err="1">
+                <a:latin typeface="Times New Roman" pitchFamily="18" charset="0"/>
+                <a:cs typeface="Times New Roman" pitchFamily="18" charset="0"/>
+              </a:rPr>
+              <a:t>Jounieh</a:t>
+            </a:r>
+            <a:r>
+              <a:rPr lang="en-IN" sz="1800" dirty="0">
+                <a:latin typeface="Times New Roman" pitchFamily="18" charset="0"/>
+                <a:cs typeface="Times New Roman" pitchFamily="18" charset="0"/>
+              </a:rPr>
+              <a:t>, Lebanon</a:t>
+            </a:r>
+          </a:p>
+          <a:p>
+            <a:pPr marL="571500" indent="-342900">
               <a:buFont typeface="+mj-lt"/>
               <a:buAutoNum type="arabicPeriod"/>
             </a:pPr>
             <a:r>
-              <a:rPr lang="en-GB" sz="2400" dirty="0" smtClean="0">
-                <a:solidFill>
-                  <a:schemeClr val="tx1"/>
-                </a:solidFill>
+              <a:rPr lang="en-US" sz="1800" b="1" dirty="0">
                 <a:latin typeface="Times New Roman" pitchFamily="18" charset="0"/>
                 <a:cs typeface="Times New Roman" pitchFamily="18" charset="0"/>
               </a:rPr>
-              <a:t>It is effective and feasibility</a:t>
-            </a:r>
-          </a:p>
-          <a:p>
-            <a:pPr marL="685800" indent="-457200">
-              <a:buFont typeface="+mj-lt"/>
-              <a:buAutoNum type="arabicPeriod"/>
-            </a:pPr>
-            <a:r>
-              <a:rPr lang="en-GB" sz="2400" dirty="0" smtClean="0">
-                <a:solidFill>
-                  <a:schemeClr val="tx1"/>
-                </a:solidFill>
+              <a:t>Computerized Paper Evaluation Using Neural Network</a:t>
+            </a:r>
+            <a:r>
+              <a:rPr lang="en-US" sz="1800" dirty="0">
                 <a:latin typeface="Times New Roman" pitchFamily="18" charset="0"/>
                 <a:cs typeface="Times New Roman" pitchFamily="18" charset="0"/>
               </a:rPr>
-              <a:t>Can be used beyond educational field</a:t>
-            </a:r>
+              <a:t>	                         </a:t>
+            </a:r>
+            <a:r>
+              <a:rPr lang="en-US" sz="1800" dirty="0" smtClean="0">
+                <a:latin typeface="Times New Roman" pitchFamily="18" charset="0"/>
+                <a:cs typeface="Times New Roman" pitchFamily="18" charset="0"/>
+              </a:rPr>
+              <a:t> </a:t>
+            </a:r>
+            <a:r>
+              <a:rPr lang="en-IN" sz="1800" dirty="0" err="1">
+                <a:latin typeface="Times New Roman" pitchFamily="18" charset="0"/>
+                <a:cs typeface="Times New Roman" pitchFamily="18" charset="0"/>
+              </a:rPr>
+              <a:t>Tanupriya</a:t>
+            </a:r>
+            <a:r>
+              <a:rPr lang="en-IN" sz="1800" dirty="0">
+                <a:latin typeface="Times New Roman" pitchFamily="18" charset="0"/>
+                <a:cs typeface="Times New Roman" pitchFamily="18" charset="0"/>
+              </a:rPr>
+              <a:t> </a:t>
+            </a:r>
+            <a:r>
+              <a:rPr lang="en-IN" sz="1800" dirty="0" err="1">
+                <a:latin typeface="Times New Roman" pitchFamily="18" charset="0"/>
+                <a:cs typeface="Times New Roman" pitchFamily="18" charset="0"/>
+              </a:rPr>
+              <a:t>Choudhury</a:t>
+            </a:r>
+            <a:r>
+              <a:rPr lang="en-IN" sz="1800" dirty="0">
+                <a:latin typeface="Times New Roman" pitchFamily="18" charset="0"/>
+                <a:cs typeface="Times New Roman" pitchFamily="18" charset="0"/>
+              </a:rPr>
+              <a:t>, </a:t>
+            </a:r>
+            <a:r>
+              <a:rPr lang="en-IN" sz="1800" dirty="0" err="1">
+                <a:latin typeface="Times New Roman" pitchFamily="18" charset="0"/>
+                <a:cs typeface="Times New Roman" pitchFamily="18" charset="0"/>
+              </a:rPr>
+              <a:t>Kartikeya</a:t>
+            </a:r>
+            <a:r>
+              <a:rPr lang="en-IN" sz="1800" dirty="0">
+                <a:latin typeface="Times New Roman" pitchFamily="18" charset="0"/>
+                <a:cs typeface="Times New Roman" pitchFamily="18" charset="0"/>
+              </a:rPr>
+              <a:t> Jain, </a:t>
+            </a:r>
+            <a:r>
+              <a:rPr lang="en-IN" sz="1800" dirty="0" err="1">
+                <a:latin typeface="Times New Roman" pitchFamily="18" charset="0"/>
+                <a:cs typeface="Times New Roman" pitchFamily="18" charset="0"/>
+              </a:rPr>
+              <a:t>Lakshya</a:t>
+            </a:r>
+            <a:r>
+              <a:rPr lang="en-IN" sz="1800" dirty="0">
+                <a:latin typeface="Times New Roman" pitchFamily="18" charset="0"/>
+                <a:cs typeface="Times New Roman" pitchFamily="18" charset="0"/>
+              </a:rPr>
+              <a:t> </a:t>
+            </a:r>
+            <a:r>
+              <a:rPr lang="en-IN" sz="1800" dirty="0" err="1">
+                <a:latin typeface="Times New Roman" pitchFamily="18" charset="0"/>
+                <a:cs typeface="Times New Roman" pitchFamily="18" charset="0"/>
+              </a:rPr>
+              <a:t>Aggarwal</a:t>
+            </a:r>
+            <a:r>
+              <a:rPr lang="en-IN" sz="1800" dirty="0">
+                <a:latin typeface="Times New Roman" pitchFamily="18" charset="0"/>
+                <a:cs typeface="Times New Roman" pitchFamily="18" charset="0"/>
+              </a:rPr>
+              <a:t>, </a:t>
+            </a:r>
+            <a:r>
+              <a:rPr lang="en-IN" sz="1800" dirty="0" err="1">
+                <a:latin typeface="Times New Roman" pitchFamily="18" charset="0"/>
+                <a:cs typeface="Times New Roman" pitchFamily="18" charset="0"/>
+              </a:rPr>
+              <a:t>Ayushi</a:t>
+            </a:r>
+            <a:r>
+              <a:rPr lang="en-IN" sz="1800" dirty="0">
+                <a:latin typeface="Times New Roman" pitchFamily="18" charset="0"/>
+                <a:cs typeface="Times New Roman" pitchFamily="18" charset="0"/>
+              </a:rPr>
+              <a:t> Gupta, </a:t>
+            </a:r>
+            <a:r>
+              <a:rPr lang="en-IN" sz="1800" dirty="0" err="1">
+                <a:latin typeface="Times New Roman" pitchFamily="18" charset="0"/>
+                <a:cs typeface="Times New Roman" pitchFamily="18" charset="0"/>
+              </a:rPr>
+              <a:t>Garv</a:t>
+            </a:r>
+            <a:r>
+              <a:rPr lang="en-IN" sz="1800" dirty="0">
+                <a:latin typeface="Times New Roman" pitchFamily="18" charset="0"/>
+                <a:cs typeface="Times New Roman" pitchFamily="18" charset="0"/>
+              </a:rPr>
+              <a:t> </a:t>
+            </a:r>
+            <a:r>
+              <a:rPr lang="en-IN" sz="1800" dirty="0" err="1">
+                <a:latin typeface="Times New Roman" pitchFamily="18" charset="0"/>
+                <a:cs typeface="Times New Roman" pitchFamily="18" charset="0"/>
+              </a:rPr>
+              <a:t>Saxena</a:t>
+            </a:r>
+            <a:endParaRPr lang="en-IN" sz="1800" dirty="0">
+              <a:latin typeface="Times New Roman" pitchFamily="18" charset="0"/>
+              <a:cs typeface="Times New Roman" pitchFamily="18" charset="0"/>
+            </a:endParaRPr>
+          </a:p>
+          <a:p>
+            <a:endParaRPr lang="en-GB" dirty="0"/>
           </a:p>
         </p:txBody>
       </p:sp>
@@ -23021,465 +27372,16 @@
           </a:ln>
         </p:spPr>
       </p:pic>
-    </p:spTree>
-    <p:extLst>
-      <p:ext uri="{BB962C8B-B14F-4D97-AF65-F5344CB8AC3E}">
-        <p14:creationId xmlns:p14="http://schemas.microsoft.com/office/powerpoint/2010/main" val="3776671415"/>
-      </p:ext>
-    </p:extLst>
-  </p:cSld>
-  <p:clrMapOvr>
-    <a:masterClrMapping/>
-  </p:clrMapOvr>
-</p:sld>
-</file>
-
-<file path=ppt/slides/slide26.xml><?xml version="1.0" encoding="utf-8"?>
-<p:sld xmlns:a="http://schemas.openxmlformats.org/drawingml/2006/main" xmlns:r="http://schemas.openxmlformats.org/officeDocument/2006/relationships" xmlns:p="http://schemas.openxmlformats.org/presentationml/2006/main">
-  <p:cSld>
-    <p:spTree>
-      <p:nvGrpSpPr>
-        <p:cNvPr id="1" name=""/>
-        <p:cNvGrpSpPr/>
-        <p:nvPr/>
-      </p:nvGrpSpPr>
-      <p:grpSpPr>
-        <a:xfrm>
-          <a:off x="0" y="0"/>
-          <a:ext cx="0" cy="0"/>
-          <a:chOff x="0" y="0"/>
-          <a:chExt cx="0" cy="0"/>
-        </a:xfrm>
-      </p:grpSpPr>
       <p:sp>
         <p:nvSpPr>
-          <p:cNvPr id="2" name="Title 1"/>
-          <p:cNvSpPr>
-            <a:spLocks noGrp="1"/>
-          </p:cNvSpPr>
-          <p:nvPr>
-            <p:ph type="title"/>
-          </p:nvPr>
+          <p:cNvPr id="6" name="Google Shape;122;p16"/>
+          <p:cNvSpPr txBox="1"/>
+          <p:nvPr/>
         </p:nvSpPr>
-        <p:spPr/>
-        <p:txBody>
-          <a:bodyPr/>
-          <a:lstStyle/>
-          <a:p>
-            <a:endParaRPr lang="en-GB" b="1" dirty="0">
-              <a:solidFill>
-                <a:srgbClr val="C00000"/>
-              </a:solidFill>
-              <a:latin typeface="Times New Roman" pitchFamily="18" charset="0"/>
-              <a:cs typeface="Times New Roman" pitchFamily="18" charset="0"/>
-            </a:endParaRPr>
-          </a:p>
-        </p:txBody>
-      </p:sp>
-      <p:sp>
-        <p:nvSpPr>
-          <p:cNvPr id="3" name="Text Placeholder 2"/>
-          <p:cNvSpPr>
-            <a:spLocks noGrp="1"/>
-          </p:cNvSpPr>
-          <p:nvPr>
-            <p:ph type="body" idx="1"/>
-          </p:nvPr>
-        </p:nvSpPr>
-        <p:spPr/>
-        <p:txBody>
-          <a:bodyPr/>
-          <a:lstStyle/>
-          <a:p>
-            <a:pPr marL="228600" indent="0"/>
-            <a:r>
-              <a:rPr lang="en-US" sz="4400" b="1" dirty="0" smtClean="0">
-                <a:solidFill>
-                  <a:srgbClr val="C00000"/>
-                </a:solidFill>
-                <a:latin typeface="Times New Roman" pitchFamily="18" charset="0"/>
-                <a:cs typeface="Times New Roman" pitchFamily="18" charset="0"/>
-              </a:rPr>
-              <a:t>References</a:t>
-            </a:r>
-          </a:p>
-          <a:p>
-            <a:pPr marL="571500" indent="-342900">
-              <a:buFont typeface="+mj-lt"/>
-              <a:buAutoNum type="arabicPeriod"/>
-            </a:pPr>
-            <a:r>
-              <a:rPr lang="en-US" sz="1800" b="1" dirty="0" smtClean="0">
-                <a:latin typeface="Times New Roman" pitchFamily="18" charset="0"/>
-                <a:cs typeface="Times New Roman" pitchFamily="18" charset="0"/>
-              </a:rPr>
-              <a:t>Extracting </a:t>
-            </a:r>
-            <a:r>
-              <a:rPr lang="en-US" sz="1800" b="1" dirty="0">
-                <a:latin typeface="Times New Roman" pitchFamily="18" charset="0"/>
-                <a:cs typeface="Times New Roman" pitchFamily="18" charset="0"/>
-              </a:rPr>
-              <a:t>Text from Degraded Document Image </a:t>
-            </a:r>
-            <a:r>
-              <a:rPr lang="en-US" sz="1800" dirty="0">
-                <a:latin typeface="Times New Roman" pitchFamily="18" charset="0"/>
-                <a:cs typeface="Times New Roman" pitchFamily="18" charset="0"/>
-              </a:rPr>
-              <a:t>			                        </a:t>
-            </a:r>
-            <a:r>
-              <a:rPr lang="en-US" sz="1800" dirty="0" smtClean="0">
-                <a:latin typeface="Times New Roman" pitchFamily="18" charset="0"/>
-                <a:cs typeface="Times New Roman" pitchFamily="18" charset="0"/>
-              </a:rPr>
-              <a:t> </a:t>
-            </a:r>
-            <a:r>
-              <a:rPr lang="en-IN" sz="1800" dirty="0" err="1">
-                <a:latin typeface="Times New Roman" pitchFamily="18" charset="0"/>
-                <a:cs typeface="Times New Roman" pitchFamily="18" charset="0"/>
-              </a:rPr>
-              <a:t>Radhika</a:t>
-            </a:r>
-            <a:r>
-              <a:rPr lang="en-IN" sz="1800" dirty="0">
-                <a:latin typeface="Times New Roman" pitchFamily="18" charset="0"/>
-                <a:cs typeface="Times New Roman" pitchFamily="18" charset="0"/>
-              </a:rPr>
-              <a:t> Patel and </a:t>
-            </a:r>
-            <a:r>
-              <a:rPr lang="en-IN" sz="1800" dirty="0" err="1">
-                <a:latin typeface="Times New Roman" pitchFamily="18" charset="0"/>
-                <a:cs typeface="Times New Roman" pitchFamily="18" charset="0"/>
-              </a:rPr>
-              <a:t>Suman</a:t>
-            </a:r>
-            <a:r>
-              <a:rPr lang="en-IN" sz="1800" dirty="0">
-                <a:latin typeface="Times New Roman" pitchFamily="18" charset="0"/>
-                <a:cs typeface="Times New Roman" pitchFamily="18" charset="0"/>
-              </a:rPr>
-              <a:t> K. </a:t>
-            </a:r>
-            <a:r>
-              <a:rPr lang="en-IN" sz="1800" dirty="0" err="1">
-                <a:latin typeface="Times New Roman" pitchFamily="18" charset="0"/>
-                <a:cs typeface="Times New Roman" pitchFamily="18" charset="0"/>
-              </a:rPr>
-              <a:t>Mitra</a:t>
-            </a:r>
-            <a:r>
-              <a:rPr lang="en-IN" sz="1800" dirty="0">
-                <a:latin typeface="Times New Roman" pitchFamily="18" charset="0"/>
-                <a:cs typeface="Times New Roman" pitchFamily="18" charset="0"/>
-              </a:rPr>
-              <a:t> </a:t>
-            </a:r>
-            <a:r>
-              <a:rPr lang="en-IN" sz="1800" dirty="0" err="1">
-                <a:latin typeface="Times New Roman" pitchFamily="18" charset="0"/>
-                <a:cs typeface="Times New Roman" pitchFamily="18" charset="0"/>
-              </a:rPr>
-              <a:t>Dhirubhai</a:t>
-            </a:r>
-            <a:r>
-              <a:rPr lang="en-IN" sz="1800" dirty="0">
-                <a:latin typeface="Times New Roman" pitchFamily="18" charset="0"/>
-                <a:cs typeface="Times New Roman" pitchFamily="18" charset="0"/>
-              </a:rPr>
-              <a:t> </a:t>
-            </a:r>
-            <a:r>
-              <a:rPr lang="en-IN" sz="1800" dirty="0" err="1">
-                <a:latin typeface="Times New Roman" pitchFamily="18" charset="0"/>
-                <a:cs typeface="Times New Roman" pitchFamily="18" charset="0"/>
-              </a:rPr>
-              <a:t>Ambani</a:t>
-            </a:r>
-            <a:r>
-              <a:rPr lang="en-IN" sz="1800" dirty="0">
-                <a:latin typeface="Times New Roman" pitchFamily="18" charset="0"/>
-                <a:cs typeface="Times New Roman" pitchFamily="18" charset="0"/>
-              </a:rPr>
-              <a:t> Institute of Information and communication Technology </a:t>
-            </a:r>
-            <a:r>
-              <a:rPr lang="en-IN" sz="1800" dirty="0" err="1">
-                <a:latin typeface="Times New Roman" pitchFamily="18" charset="0"/>
-                <a:cs typeface="Times New Roman" pitchFamily="18" charset="0"/>
-              </a:rPr>
-              <a:t>Gandhinagar</a:t>
-            </a:r>
-            <a:r>
-              <a:rPr lang="en-IN" sz="1800" dirty="0">
-                <a:latin typeface="Times New Roman" pitchFamily="18" charset="0"/>
-                <a:cs typeface="Times New Roman" pitchFamily="18" charset="0"/>
-              </a:rPr>
-              <a:t>, India</a:t>
-            </a:r>
-          </a:p>
-          <a:p>
-            <a:pPr marL="571500" indent="-342900">
-              <a:buFont typeface="+mj-lt"/>
-              <a:buAutoNum type="arabicPeriod"/>
-            </a:pPr>
-            <a:r>
-              <a:rPr lang="en-US" sz="1800" b="1" dirty="0">
-                <a:latin typeface="Times New Roman" pitchFamily="18" charset="0"/>
-                <a:cs typeface="Times New Roman" pitchFamily="18" charset="0"/>
-              </a:rPr>
-              <a:t>A Robust Algorithm for Text Extraction from Images </a:t>
-            </a:r>
-            <a:r>
-              <a:rPr lang="en-US" sz="1800" dirty="0">
-                <a:latin typeface="Times New Roman" pitchFamily="18" charset="0"/>
-                <a:cs typeface="Times New Roman" pitchFamily="18" charset="0"/>
-              </a:rPr>
-              <a:t>	                         </a:t>
-            </a:r>
-            <a:r>
-              <a:rPr lang="en-IN" sz="1800" dirty="0" err="1" smtClean="0">
-                <a:latin typeface="Times New Roman" pitchFamily="18" charset="0"/>
-                <a:cs typeface="Times New Roman" pitchFamily="18" charset="0"/>
-              </a:rPr>
-              <a:t>Najwa</a:t>
-            </a:r>
-            <a:r>
-              <a:rPr lang="en-IN" sz="1800" dirty="0" smtClean="0">
-                <a:latin typeface="Times New Roman" pitchFamily="18" charset="0"/>
-                <a:cs typeface="Times New Roman" pitchFamily="18" charset="0"/>
-              </a:rPr>
-              <a:t>-Maria </a:t>
-            </a:r>
-            <a:r>
-              <a:rPr lang="en-IN" sz="1800" dirty="0" err="1">
-                <a:latin typeface="Times New Roman" pitchFamily="18" charset="0"/>
-                <a:cs typeface="Times New Roman" pitchFamily="18" charset="0"/>
-              </a:rPr>
-              <a:t>Chidiac</a:t>
-            </a:r>
-            <a:r>
-              <a:rPr lang="en-IN" sz="1800" dirty="0">
-                <a:latin typeface="Times New Roman" pitchFamily="18" charset="0"/>
-                <a:cs typeface="Times New Roman" pitchFamily="18" charset="0"/>
-              </a:rPr>
-              <a:t>, Pascal Damien, Charles </a:t>
-            </a:r>
-            <a:r>
-              <a:rPr lang="en-IN" sz="1800" dirty="0" err="1">
-                <a:latin typeface="Times New Roman" pitchFamily="18" charset="0"/>
-                <a:cs typeface="Times New Roman" pitchFamily="18" charset="0"/>
-              </a:rPr>
-              <a:t>Yaacoub</a:t>
-            </a:r>
-            <a:r>
-              <a:rPr lang="en-IN" sz="1800" dirty="0">
-                <a:latin typeface="Times New Roman" pitchFamily="18" charset="0"/>
-                <a:cs typeface="Times New Roman" pitchFamily="18" charset="0"/>
-              </a:rPr>
-              <a:t> Faculty of Engineering </a:t>
-            </a:r>
-            <a:r>
-              <a:rPr lang="en-US" sz="1800" dirty="0">
-                <a:latin typeface="Times New Roman" pitchFamily="18" charset="0"/>
-                <a:cs typeface="Times New Roman" pitchFamily="18" charset="0"/>
-              </a:rPr>
-              <a:t>Holy Spirit University of </a:t>
-            </a:r>
-            <a:r>
-              <a:rPr lang="en-US" sz="1800" dirty="0" err="1">
-                <a:latin typeface="Times New Roman" pitchFamily="18" charset="0"/>
-                <a:cs typeface="Times New Roman" pitchFamily="18" charset="0"/>
-              </a:rPr>
-              <a:t>Kaslik</a:t>
-            </a:r>
-            <a:r>
-              <a:rPr lang="en-US" sz="1800" dirty="0">
-                <a:latin typeface="Times New Roman" pitchFamily="18" charset="0"/>
-                <a:cs typeface="Times New Roman" pitchFamily="18" charset="0"/>
-              </a:rPr>
-              <a:t> (USEK) </a:t>
-            </a:r>
-            <a:r>
-              <a:rPr lang="en-IN" sz="1800" dirty="0" err="1">
-                <a:latin typeface="Times New Roman" pitchFamily="18" charset="0"/>
-                <a:cs typeface="Times New Roman" pitchFamily="18" charset="0"/>
-              </a:rPr>
-              <a:t>Jounieh</a:t>
-            </a:r>
-            <a:r>
-              <a:rPr lang="en-IN" sz="1800" dirty="0">
-                <a:latin typeface="Times New Roman" pitchFamily="18" charset="0"/>
-                <a:cs typeface="Times New Roman" pitchFamily="18" charset="0"/>
-              </a:rPr>
-              <a:t>, Lebanon</a:t>
-            </a:r>
-          </a:p>
-          <a:p>
-            <a:pPr marL="571500" indent="-342900">
-              <a:buFont typeface="+mj-lt"/>
-              <a:buAutoNum type="arabicPeriod"/>
-            </a:pPr>
-            <a:r>
-              <a:rPr lang="en-US" sz="1800" b="1" dirty="0">
-                <a:latin typeface="Times New Roman" pitchFamily="18" charset="0"/>
-                <a:cs typeface="Times New Roman" pitchFamily="18" charset="0"/>
-              </a:rPr>
-              <a:t>Computerized Paper Evaluation Using Neural Network</a:t>
-            </a:r>
-            <a:r>
-              <a:rPr lang="en-US" sz="1800" dirty="0">
-                <a:latin typeface="Times New Roman" pitchFamily="18" charset="0"/>
-                <a:cs typeface="Times New Roman" pitchFamily="18" charset="0"/>
-              </a:rPr>
-              <a:t>	                         </a:t>
-            </a:r>
-            <a:r>
-              <a:rPr lang="en-US" sz="1800" dirty="0" smtClean="0">
-                <a:latin typeface="Times New Roman" pitchFamily="18" charset="0"/>
-                <a:cs typeface="Times New Roman" pitchFamily="18" charset="0"/>
-              </a:rPr>
-              <a:t> </a:t>
-            </a:r>
-            <a:r>
-              <a:rPr lang="en-IN" sz="1800" dirty="0" err="1">
-                <a:latin typeface="Times New Roman" pitchFamily="18" charset="0"/>
-                <a:cs typeface="Times New Roman" pitchFamily="18" charset="0"/>
-              </a:rPr>
-              <a:t>Tanupriya</a:t>
-            </a:r>
-            <a:r>
-              <a:rPr lang="en-IN" sz="1800" dirty="0">
-                <a:latin typeface="Times New Roman" pitchFamily="18" charset="0"/>
-                <a:cs typeface="Times New Roman" pitchFamily="18" charset="0"/>
-              </a:rPr>
-              <a:t> </a:t>
-            </a:r>
-            <a:r>
-              <a:rPr lang="en-IN" sz="1800" dirty="0" err="1">
-                <a:latin typeface="Times New Roman" pitchFamily="18" charset="0"/>
-                <a:cs typeface="Times New Roman" pitchFamily="18" charset="0"/>
-              </a:rPr>
-              <a:t>Choudhury</a:t>
-            </a:r>
-            <a:r>
-              <a:rPr lang="en-IN" sz="1800" dirty="0">
-                <a:latin typeface="Times New Roman" pitchFamily="18" charset="0"/>
-                <a:cs typeface="Times New Roman" pitchFamily="18" charset="0"/>
-              </a:rPr>
-              <a:t>, </a:t>
-            </a:r>
-            <a:r>
-              <a:rPr lang="en-IN" sz="1800" dirty="0" err="1">
-                <a:latin typeface="Times New Roman" pitchFamily="18" charset="0"/>
-                <a:cs typeface="Times New Roman" pitchFamily="18" charset="0"/>
-              </a:rPr>
-              <a:t>Kartikeya</a:t>
-            </a:r>
-            <a:r>
-              <a:rPr lang="en-IN" sz="1800" dirty="0">
-                <a:latin typeface="Times New Roman" pitchFamily="18" charset="0"/>
-                <a:cs typeface="Times New Roman" pitchFamily="18" charset="0"/>
-              </a:rPr>
-              <a:t> Jain, </a:t>
-            </a:r>
-            <a:r>
-              <a:rPr lang="en-IN" sz="1800" dirty="0" err="1">
-                <a:latin typeface="Times New Roman" pitchFamily="18" charset="0"/>
-                <a:cs typeface="Times New Roman" pitchFamily="18" charset="0"/>
-              </a:rPr>
-              <a:t>Lakshya</a:t>
-            </a:r>
-            <a:r>
-              <a:rPr lang="en-IN" sz="1800" dirty="0">
-                <a:latin typeface="Times New Roman" pitchFamily="18" charset="0"/>
-                <a:cs typeface="Times New Roman" pitchFamily="18" charset="0"/>
-              </a:rPr>
-              <a:t> </a:t>
-            </a:r>
-            <a:r>
-              <a:rPr lang="en-IN" sz="1800" dirty="0" err="1">
-                <a:latin typeface="Times New Roman" pitchFamily="18" charset="0"/>
-                <a:cs typeface="Times New Roman" pitchFamily="18" charset="0"/>
-              </a:rPr>
-              <a:t>Aggarwal</a:t>
-            </a:r>
-            <a:r>
-              <a:rPr lang="en-IN" sz="1800" dirty="0">
-                <a:latin typeface="Times New Roman" pitchFamily="18" charset="0"/>
-                <a:cs typeface="Times New Roman" pitchFamily="18" charset="0"/>
-              </a:rPr>
-              <a:t>, </a:t>
-            </a:r>
-            <a:r>
-              <a:rPr lang="en-IN" sz="1800" dirty="0" err="1">
-                <a:latin typeface="Times New Roman" pitchFamily="18" charset="0"/>
-                <a:cs typeface="Times New Roman" pitchFamily="18" charset="0"/>
-              </a:rPr>
-              <a:t>Ayushi</a:t>
-            </a:r>
-            <a:r>
-              <a:rPr lang="en-IN" sz="1800" dirty="0">
-                <a:latin typeface="Times New Roman" pitchFamily="18" charset="0"/>
-                <a:cs typeface="Times New Roman" pitchFamily="18" charset="0"/>
-              </a:rPr>
-              <a:t> Gupta, </a:t>
-            </a:r>
-            <a:r>
-              <a:rPr lang="en-IN" sz="1800" dirty="0" err="1">
-                <a:latin typeface="Times New Roman" pitchFamily="18" charset="0"/>
-                <a:cs typeface="Times New Roman" pitchFamily="18" charset="0"/>
-              </a:rPr>
-              <a:t>Garv</a:t>
-            </a:r>
-            <a:r>
-              <a:rPr lang="en-IN" sz="1800" dirty="0">
-                <a:latin typeface="Times New Roman" pitchFamily="18" charset="0"/>
-                <a:cs typeface="Times New Roman" pitchFamily="18" charset="0"/>
-              </a:rPr>
-              <a:t> </a:t>
-            </a:r>
-            <a:r>
-              <a:rPr lang="en-IN" sz="1800" dirty="0" err="1">
-                <a:latin typeface="Times New Roman" pitchFamily="18" charset="0"/>
-                <a:cs typeface="Times New Roman" pitchFamily="18" charset="0"/>
-              </a:rPr>
-              <a:t>Saxena</a:t>
-            </a:r>
-            <a:endParaRPr lang="en-IN" sz="1800" dirty="0">
-              <a:latin typeface="Times New Roman" pitchFamily="18" charset="0"/>
-              <a:cs typeface="Times New Roman" pitchFamily="18" charset="0"/>
-            </a:endParaRPr>
-          </a:p>
-          <a:p>
-            <a:endParaRPr lang="en-GB" dirty="0"/>
-          </a:p>
-        </p:txBody>
-      </p:sp>
-      <p:pic>
-        <p:nvPicPr>
-          <p:cNvPr id="4" name="Google Shape;127;p16"/>
-          <p:cNvPicPr preferRelativeResize="0">
-            <a:picLocks/>
-          </p:cNvPicPr>
-          <p:nvPr/>
-        </p:nvPicPr>
-        <p:blipFill rotWithShape="1">
-          <a:blip r:embed="rId2">
-            <a:alphaModFix/>
-          </a:blip>
-          <a:srcRect/>
-          <a:stretch>
-            <a:fillRect/>
-          </a:stretch>
-        </p:blipFill>
         <p:spPr>
           <a:xfrm>
-            <a:off x="0" y="-117700"/>
-            <a:ext cx="9144000" cy="1600200"/>
+            <a:off x="457200" y="6356350"/>
+            <a:ext cx="2133600" cy="365125"/>
           </a:xfrm>
           <a:prstGeom prst="rect">
             <a:avLst/>
@@ -23489,7 +27391,179 @@
             <a:noFill/>
           </a:ln>
         </p:spPr>
-      </p:pic>
+        <p:txBody>
+          <a:bodyPr spcFirstLastPara="1" wrap="square" lIns="90000" tIns="46800" rIns="90000" bIns="46800" anchor="ctr" anchorCtr="0">
+            <a:noAutofit/>
+          </a:bodyPr>
+          <a:lstStyle/>
+          <a:p>
+            <a:pPr marL="0" marR="0" lvl="0" indent="0" algn="l" rtl="0">
+              <a:lnSpc>
+                <a:spcPct val="100000"/>
+              </a:lnSpc>
+              <a:spcBef>
+                <a:spcPts val="0"/>
+              </a:spcBef>
+              <a:spcAft>
+                <a:spcPts val="0"/>
+              </a:spcAft>
+              <a:buClr>
+                <a:srgbClr val="000000"/>
+              </a:buClr>
+              <a:buSzPts val="1200"/>
+              <a:buFont typeface="Times New Roman"/>
+              <a:buNone/>
+            </a:pPr>
+            <a:r>
+              <a:rPr lang="en-US" sz="1200" b="0" i="0" u="none">
+                <a:solidFill>
+                  <a:srgbClr val="898989"/>
+                </a:solidFill>
+                <a:latin typeface="Calibri"/>
+                <a:ea typeface="Calibri"/>
+                <a:cs typeface="Calibri"/>
+                <a:sym typeface="Calibri"/>
+              </a:rPr>
+              <a:t>02/08/19</a:t>
+            </a:r>
+          </a:p>
+        </p:txBody>
+      </p:sp>
+      <p:sp>
+        <p:nvSpPr>
+          <p:cNvPr id="7" name="Google Shape;123;p16"/>
+          <p:cNvSpPr txBox="1"/>
+          <p:nvPr/>
+        </p:nvSpPr>
+        <p:spPr>
+          <a:xfrm>
+            <a:off x="6553200" y="6356350"/>
+            <a:ext cx="2133600" cy="365125"/>
+          </a:xfrm>
+          <a:prstGeom prst="rect">
+            <a:avLst/>
+          </a:prstGeom>
+          <a:noFill/>
+          <a:ln>
+            <a:noFill/>
+          </a:ln>
+        </p:spPr>
+        <p:txBody>
+          <a:bodyPr spcFirstLastPara="1" wrap="square" lIns="90000" tIns="46800" rIns="90000" bIns="46800" anchor="ctr" anchorCtr="0">
+            <a:noAutofit/>
+          </a:bodyPr>
+          <a:lstStyle/>
+          <a:p>
+            <a:pPr marL="0" marR="0" lvl="0" indent="0" algn="r" rtl="0">
+              <a:lnSpc>
+                <a:spcPct val="100000"/>
+              </a:lnSpc>
+              <a:spcBef>
+                <a:spcPts val="0"/>
+              </a:spcBef>
+              <a:spcAft>
+                <a:spcPts val="0"/>
+              </a:spcAft>
+              <a:buClr>
+                <a:srgbClr val="000000"/>
+              </a:buClr>
+              <a:buSzPts val="1200"/>
+              <a:buFont typeface="Times New Roman"/>
+              <a:buNone/>
+            </a:pPr>
+            <a:r>
+              <a:rPr lang="en-US" sz="1200" b="0" i="0" u="none" dirty="0" smtClean="0">
+                <a:solidFill>
+                  <a:srgbClr val="898989"/>
+                </a:solidFill>
+                <a:latin typeface="Calibri"/>
+                <a:ea typeface="Calibri"/>
+                <a:cs typeface="Calibri"/>
+                <a:sym typeface="Calibri"/>
+              </a:rPr>
+              <a:t>25</a:t>
+            </a:r>
+            <a:endParaRPr sz="1200" b="0" i="0" u="none" dirty="0">
+              <a:solidFill>
+                <a:srgbClr val="898989"/>
+              </a:solidFill>
+              <a:latin typeface="Calibri"/>
+              <a:ea typeface="Calibri"/>
+              <a:cs typeface="Calibri"/>
+              <a:sym typeface="Calibri"/>
+            </a:endParaRPr>
+          </a:p>
+        </p:txBody>
+      </p:sp>
+      <p:sp>
+        <p:nvSpPr>
+          <p:cNvPr id="8" name="Google Shape;124;p16"/>
+          <p:cNvSpPr/>
+          <p:nvPr/>
+        </p:nvSpPr>
+        <p:spPr>
+          <a:xfrm>
+            <a:off x="1905000" y="6324600"/>
+            <a:ext cx="5410200" cy="368300"/>
+          </a:xfrm>
+          <a:prstGeom prst="rect">
+            <a:avLst/>
+          </a:prstGeom>
+          <a:noFill/>
+          <a:ln>
+            <a:noFill/>
+          </a:ln>
+        </p:spPr>
+        <p:txBody>
+          <a:bodyPr spcFirstLastPara="1" wrap="square" lIns="90000" tIns="46800" rIns="90000" bIns="46800" anchor="t" anchorCtr="0">
+            <a:noAutofit/>
+          </a:bodyPr>
+          <a:lstStyle/>
+          <a:p>
+            <a:pPr marL="0" marR="0" lvl="0" indent="0" algn="l" rtl="0">
+              <a:lnSpc>
+                <a:spcPct val="100000"/>
+              </a:lnSpc>
+              <a:spcBef>
+                <a:spcPts val="0"/>
+              </a:spcBef>
+              <a:spcAft>
+                <a:spcPts val="0"/>
+              </a:spcAft>
+              <a:buClr>
+                <a:srgbClr val="000000"/>
+              </a:buClr>
+              <a:buSzPts val="1800"/>
+              <a:buFont typeface="Times New Roman"/>
+              <a:buNone/>
+            </a:pPr>
+            <a:r>
+              <a:rPr lang="en-US" sz="1800" b="1" i="0" u="none">
+                <a:solidFill>
+                  <a:srgbClr val="000000"/>
+                </a:solidFill>
+                <a:latin typeface="Arial Black"/>
+                <a:ea typeface="Arial Black"/>
+                <a:cs typeface="Arial Black"/>
+                <a:sym typeface="Arial Black"/>
+              </a:rPr>
+              <a:t>                       </a:t>
+            </a:r>
+            <a:r>
+              <a:rPr lang="en-US" sz="1600" b="0" i="0" u="none">
+                <a:solidFill>
+                  <a:srgbClr val="000000"/>
+                </a:solidFill>
+                <a:latin typeface="Times New Roman"/>
+                <a:ea typeface="Times New Roman"/>
+                <a:cs typeface="Times New Roman"/>
+                <a:sym typeface="Times New Roman"/>
+              </a:rPr>
+              <a:t>CSE Department, JECC</a:t>
+            </a:r>
+          </a:p>
+        </p:txBody>
+      </p:sp>
     </p:spTree>
     <p:extLst>
       <p:ext uri="{BB962C8B-B14F-4D97-AF65-F5344CB8AC3E}">
@@ -23500,10 +27574,17 @@
   <p:clrMapOvr>
     <a:masterClrMapping/>
   </p:clrMapOvr>
+  <p:timing>
+    <p:tnLst>
+      <p:par>
+        <p:cTn id="1" dur="indefinite" restart="never" nodeType="tmRoot"/>
+      </p:par>
+    </p:tnLst>
+  </p:timing>
 </p:sld>
 </file>
 
-<file path=ppt/slides/slide27.xml><?xml version="1.0" encoding="utf-8"?>
+<file path=ppt/slides/slide26.xml><?xml version="1.0" encoding="utf-8"?>
 <p:sld xmlns:a="http://schemas.openxmlformats.org/drawingml/2006/main" xmlns:r="http://schemas.openxmlformats.org/officeDocument/2006/relationships" xmlns:p="http://schemas.openxmlformats.org/presentationml/2006/main">
   <p:cSld>
     <p:bg>
@@ -23836,7 +27917,7 @@
                 <a:buFont typeface="Times New Roman"/>
                 <a:buNone/>
               </a:pPr>
-              <a:t>27</a:t>
+              <a:t>26</a:t>
             </a:fld>
             <a:endParaRPr sz="1200" b="0" i="0" u="none">
               <a:solidFill>
@@ -23979,6 +28060,13 @@
   <p:clrMapOvr>
     <a:masterClrMapping/>
   </p:clrMapOvr>
+  <p:timing>
+    <p:tnLst>
+      <p:par>
+        <p:cTn id="1" dur="indefinite" restart="never" nodeType="tmRoot"/>
+      </p:par>
+    </p:tnLst>
+  </p:timing>
 </p:sld>
 </file>
 
@@ -24336,56 +28424,13 @@
       </p:sp>
       <p:sp>
         <p:nvSpPr>
-          <p:cNvPr id="1048604" name="Google Shape;106;p15"/>
-          <p:cNvSpPr txBox="1"/>
-          <p:nvPr/>
-        </p:nvSpPr>
-        <p:spPr>
-          <a:xfrm>
-            <a:off x="185596" y="6492875"/>
-            <a:ext cx="2133600" cy="365125"/>
-          </a:xfrm>
-          <a:prstGeom prst="rect">
-            <a:avLst/>
-          </a:prstGeom>
-          <a:noFill/>
-          <a:ln>
-            <a:noFill/>
-          </a:ln>
-        </p:spPr>
-        <p:txBody>
-          <a:bodyPr spcFirstLastPara="1" wrap="square" lIns="90000" tIns="46800" rIns="90000" bIns="46800" anchor="ctr" anchorCtr="0">
-            <a:noAutofit/>
-          </a:bodyPr>
-          <a:lstStyle/>
-          <a:p>
-            <a:pPr lvl="0">
-              <a:buSzPts val="1200"/>
-            </a:pPr>
-            <a:r>
-              <a:rPr lang="en-US" sz="1200" dirty="0">
-                <a:solidFill>
-                  <a:srgbClr val="898989"/>
-                </a:solidFill>
-                <a:latin typeface="Calibri"/>
-                <a:ea typeface="Calibri"/>
-                <a:cs typeface="Calibri"/>
-                <a:sym typeface="Calibri"/>
-              </a:rPr>
-              <a:t>13/10/19</a:t>
-            </a:r>
-          </a:p>
-        </p:txBody>
-      </p:sp>
-      <p:sp>
-        <p:nvSpPr>
           <p:cNvPr id="1048605" name="Google Shape;107;p15"/>
           <p:cNvSpPr txBox="1"/>
           <p:nvPr/>
         </p:nvSpPr>
         <p:spPr>
           <a:xfrm>
-            <a:off x="6553200" y="6356350"/>
+            <a:off x="6553200" y="6475584"/>
             <a:ext cx="2133600" cy="365125"/>
           </a:xfrm>
           <a:prstGeom prst="rect">
@@ -24491,6 +28536,108 @@
           </a:ln>
         </p:spPr>
       </p:pic>
+      <p:sp>
+        <p:nvSpPr>
+          <p:cNvPr id="6" name="Google Shape;91;p13"/>
+          <p:cNvSpPr txBox="1"/>
+          <p:nvPr/>
+        </p:nvSpPr>
+        <p:spPr>
+          <a:xfrm>
+            <a:off x="185596" y="6475585"/>
+            <a:ext cx="2133600" cy="365125"/>
+          </a:xfrm>
+          <a:prstGeom prst="rect">
+            <a:avLst/>
+          </a:prstGeom>
+          <a:noFill/>
+          <a:ln>
+            <a:noFill/>
+          </a:ln>
+        </p:spPr>
+        <p:txBody>
+          <a:bodyPr spcFirstLastPara="1" wrap="square" lIns="90000" tIns="46800" rIns="90000" bIns="46800" anchor="ctr" anchorCtr="0">
+            <a:noAutofit/>
+          </a:bodyPr>
+          <a:lstStyle/>
+          <a:p>
+            <a:pPr marL="0" marR="0" lvl="0" indent="0" algn="l" rtl="0">
+              <a:lnSpc>
+                <a:spcPct val="100000"/>
+              </a:lnSpc>
+              <a:spcBef>
+                <a:spcPts val="0"/>
+              </a:spcBef>
+              <a:spcAft>
+                <a:spcPts val="0"/>
+              </a:spcAft>
+              <a:buClr>
+                <a:srgbClr val="000000"/>
+              </a:buClr>
+              <a:buSzPts val="1200"/>
+              <a:buFont typeface="Times New Roman"/>
+              <a:buNone/>
+            </a:pPr>
+            <a:r>
+              <a:rPr lang="en-US" sz="1200" dirty="0" smtClean="0">
+                <a:solidFill>
+                  <a:srgbClr val="898989"/>
+                </a:solidFill>
+                <a:latin typeface="Calibri"/>
+                <a:ea typeface="Calibri"/>
+                <a:cs typeface="Calibri"/>
+                <a:sym typeface="Calibri"/>
+              </a:rPr>
+              <a:t>21</a:t>
+            </a:r>
+            <a:r>
+              <a:rPr lang="en-US" sz="1200" b="0" i="0" u="none" dirty="0" smtClean="0">
+                <a:solidFill>
+                  <a:srgbClr val="898989"/>
+                </a:solidFill>
+                <a:latin typeface="Calibri"/>
+                <a:ea typeface="Calibri"/>
+                <a:cs typeface="Calibri"/>
+                <a:sym typeface="Calibri"/>
+              </a:rPr>
+              <a:t>/</a:t>
+            </a:r>
+            <a:r>
+              <a:rPr lang="en-US" sz="1200" dirty="0" smtClean="0">
+                <a:solidFill>
+                  <a:srgbClr val="898989"/>
+                </a:solidFill>
+                <a:latin typeface="Calibri"/>
+                <a:ea typeface="Calibri"/>
+                <a:cs typeface="Calibri"/>
+                <a:sym typeface="Calibri"/>
+              </a:rPr>
+              <a:t>10</a:t>
+            </a:r>
+            <a:r>
+              <a:rPr lang="en-US" sz="1200" b="0" i="0" u="none" dirty="0" smtClean="0">
+                <a:solidFill>
+                  <a:srgbClr val="898989"/>
+                </a:solidFill>
+                <a:latin typeface="Calibri"/>
+                <a:ea typeface="Calibri"/>
+                <a:cs typeface="Calibri"/>
+                <a:sym typeface="Calibri"/>
+              </a:rPr>
+              <a:t>/19</a:t>
+            </a:r>
+            <a:endParaRPr lang="en-US" sz="1200" b="0" i="0" u="none" dirty="0">
+              <a:solidFill>
+                <a:srgbClr val="898989"/>
+              </a:solidFill>
+              <a:latin typeface="Calibri"/>
+              <a:ea typeface="Calibri"/>
+              <a:cs typeface="Calibri"/>
+              <a:sym typeface="Calibri"/>
+            </a:endParaRPr>
+          </a:p>
+        </p:txBody>
+      </p:sp>
     </p:spTree>
   </p:cSld>
   <p:clrMapOvr>
@@ -25894,25 +30041,11 @@
           </a:bodyPr>
           <a:lstStyle/>
           <a:p>
-            <a:pPr marL="0" marR="0" lvl="0" indent="0" algn="l" rtl="0">
-              <a:lnSpc>
-                <a:spcPct val="100000"/>
-              </a:lnSpc>
-              <a:spcBef>
-                <a:spcPts val="0"/>
-              </a:spcBef>
-              <a:spcAft>
-                <a:spcPts val="0"/>
-              </a:spcAft>
-              <a:buClr>
-                <a:srgbClr val="000000"/>
-              </a:buClr>
+            <a:pPr lvl="0">
               <a:buSzPts val="1200"/>
-              <a:buFont typeface="Times New Roman"/>
-              <a:buNone/>
             </a:pPr>
             <a:r>
-              <a:rPr lang="en-US" sz="1200" b="0" i="0" u="none">
+              <a:rPr lang="en-US" sz="1200" dirty="0">
                 <a:solidFill>
                   <a:srgbClr val="898989"/>
                 </a:solidFill>
@@ -25921,7 +30054,7 @@
                 <a:cs typeface="Calibri"/>
                 <a:sym typeface="Calibri"/>
               </a:rPr>
-              <a:t>02/08/19</a:t>
+              <a:t>21/10/19</a:t>
             </a:r>
           </a:p>
         </p:txBody>
@@ -26198,7 +30331,15 @@
             </a:r>
             <a:r>
               <a:rPr lang="en-US" sz="2800" dirty="0"/>
-              <a:t>drawbacks of the existing system and helps to improve student’s performance in a much better way</a:t>
+              <a:t>drawbacks of the existing </a:t>
+            </a:r>
+            <a:r>
+              <a:rPr lang="en-US" sz="2800" dirty="0" smtClean="0"/>
+              <a:t>system like  </a:t>
+            </a:r>
+            <a:r>
+              <a:rPr lang="en-US" sz="2800" dirty="0"/>
+              <a:t>and helps to improve student’s performance in a much better way</a:t>
             </a:r>
             <a:endParaRPr lang="en-IN" sz="2800" dirty="0" smtClean="0"/>
           </a:p>
@@ -26527,25 +30668,11 @@
           </a:bodyPr>
           <a:lstStyle/>
           <a:p>
-            <a:pPr marL="0" marR="0" lvl="0" indent="0" algn="l" rtl="0">
-              <a:lnSpc>
-                <a:spcPct val="100000"/>
-              </a:lnSpc>
-              <a:spcBef>
-                <a:spcPts val="0"/>
-              </a:spcBef>
-              <a:spcAft>
-                <a:spcPts val="0"/>
-              </a:spcAft>
-              <a:buClr>
-                <a:srgbClr val="000000"/>
-              </a:buClr>
+            <a:pPr lvl="0">
               <a:buSzPts val="1200"/>
-              <a:buFont typeface="Times New Roman"/>
-              <a:buNone/>
             </a:pPr>
             <a:r>
-              <a:rPr lang="en-US" sz="1200" b="0" i="0" u="none">
+              <a:rPr lang="en-US" sz="1200" dirty="0">
                 <a:solidFill>
                   <a:srgbClr val="898989"/>
                 </a:solidFill>
@@ -26554,7 +30681,7 @@
                 <a:cs typeface="Calibri"/>
                 <a:sym typeface="Calibri"/>
               </a:rPr>
-              <a:t>02/08/19</a:t>
+              <a:t>21/10/19</a:t>
             </a:r>
           </a:p>
         </p:txBody>
@@ -27354,7 +31481,7 @@
               <a:buNone/>
             </a:pPr>
             <a:r>
-              <a:rPr lang="en-US" sz="1200" b="0" i="0" u="none">
+              <a:rPr lang="en-US" sz="1200" b="0" i="0" u="none" smtClean="0">
                 <a:solidFill>
                   <a:srgbClr val="898989"/>
                 </a:solidFill>
@@ -27363,8 +31490,17 @@
                 <a:cs typeface="Calibri"/>
                 <a:sym typeface="Calibri"/>
               </a:rPr>
-              <a:t>02/08/19</a:t>
-            </a:r>
+              <a:t>21/10/19</a:t>
+            </a:r>
+            <a:endParaRPr lang="en-US" sz="1200" b="0" i="0" u="none">
+              <a:solidFill>
+                <a:srgbClr val="898989"/>
+              </a:solidFill>
+              <a:latin typeface="Calibri"/>
+              <a:ea typeface="Calibri"/>
+              <a:cs typeface="Calibri"/>
+              <a:sym typeface="Calibri"/>
+            </a:endParaRPr>
           </a:p>
         </p:txBody>
       </p:sp>
@@ -27735,19 +31871,8 @@
                 <a:latin typeface="Times New Roman" pitchFamily="18" charset="0"/>
                 <a:cs typeface="Times New Roman" pitchFamily="18" charset="0"/>
               </a:rPr>
-              <a:t>, </a:t>
-            </a:r>
-            <a:r>
-              <a:rPr lang="en-IN" sz="1800" dirty="0" smtClean="0">
-                <a:latin typeface="Times New Roman" pitchFamily="18" charset="0"/>
-                <a:cs typeface="Times New Roman" pitchFamily="18" charset="0"/>
-              </a:rPr>
-              <a:t>India,2015</a:t>
-            </a:r>
-            <a:endParaRPr lang="en-IN" sz="1800" dirty="0" smtClean="0">
-              <a:latin typeface="Times New Roman" pitchFamily="18" charset="0"/>
-              <a:cs typeface="Times New Roman" pitchFamily="18" charset="0"/>
-            </a:endParaRPr>
+              <a:t>, India,2015</a:t>
+            </a:r>
           </a:p>
           <a:p>
             <a:pPr marL="571500" indent="-342900">
@@ -27908,10 +32033,6 @@
               </a:rPr>
               <a:t>Lebanon,2016</a:t>
             </a:r>
-            <a:endParaRPr lang="en-IN" sz="1800" dirty="0" smtClean="0">
-              <a:latin typeface="Times New Roman" pitchFamily="18" charset="0"/>
-              <a:cs typeface="Times New Roman" pitchFamily="18" charset="0"/>
-            </a:endParaRPr>
           </a:p>
           <a:p>
             <a:pPr marL="571500" indent="-342900">
@@ -28058,10 +32179,6 @@
               </a:rPr>
               <a:t>Saxena,2017</a:t>
             </a:r>
-            <a:endParaRPr lang="en-IN" sz="1800" dirty="0" smtClean="0">
-              <a:latin typeface="Times New Roman" pitchFamily="18" charset="0"/>
-              <a:cs typeface="Times New Roman" pitchFamily="18" charset="0"/>
-            </a:endParaRPr>
           </a:p>
         </p:txBody>
       </p:sp>
@@ -28365,63 +32482,6 @@
       </p:sp>
       <p:sp>
         <p:nvSpPr>
-          <p:cNvPr id="1048613" name="Google Shape;122;p16"/>
-          <p:cNvSpPr txBox="1"/>
-          <p:nvPr/>
-        </p:nvSpPr>
-        <p:spPr>
-          <a:xfrm>
-            <a:off x="457200" y="6356350"/>
-            <a:ext cx="2133600" cy="365125"/>
-          </a:xfrm>
-          <a:prstGeom prst="rect">
-            <a:avLst/>
-          </a:prstGeom>
-          <a:noFill/>
-          <a:ln>
-            <a:noFill/>
-          </a:ln>
-        </p:spPr>
-        <p:txBody>
-          <a:bodyPr spcFirstLastPara="1" wrap="square" lIns="90000" tIns="46800" rIns="90000" bIns="46800" anchor="ctr" anchorCtr="0">
-            <a:noAutofit/>
-          </a:bodyPr>
-          <a:lstStyle/>
-          <a:p>
-            <a:pPr marL="0" marR="0" lvl="0" indent="0" algn="l" rtl="0">
-              <a:lnSpc>
-                <a:spcPct val="100000"/>
-              </a:lnSpc>
-              <a:spcBef>
-                <a:spcPts val="0"/>
-              </a:spcBef>
-              <a:spcAft>
-                <a:spcPts val="0"/>
-              </a:spcAft>
-              <a:buClr>
-                <a:srgbClr val="000000"/>
-              </a:buClr>
-              <a:buSzPts val="1200"/>
-              <a:buFont typeface="Times New Roman"/>
-              <a:buNone/>
-            </a:pPr>
-            <a:r>
-              <a:rPr lang="en-US" sz="1200" b="0" i="0" u="none">
-                <a:solidFill>
-                  <a:srgbClr val="898989"/>
-                </a:solidFill>
-                <a:latin typeface="Calibri"/>
-                <a:ea typeface="Calibri"/>
-                <a:cs typeface="Calibri"/>
-                <a:sym typeface="Calibri"/>
-              </a:rPr>
-              <a:t>02/08/19</a:t>
-            </a:r>
-          </a:p>
-        </p:txBody>
-      </p:sp>
-      <p:sp>
-        <p:nvSpPr>
           <p:cNvPr id="1048614" name="Google Shape;123;p16"/>
           <p:cNvSpPr txBox="1"/>
           <p:nvPr/>
@@ -28846,53 +32906,81 @@
                 <a:latin typeface="Times New Roman" pitchFamily="18" charset="0"/>
                 <a:cs typeface="Times New Roman" pitchFamily="18" charset="0"/>
               </a:rPr>
-              <a:t>detect text </a:t>
+              <a:t>detect text region motivated </a:t>
+            </a:r>
+            <a:r>
+              <a:rPr lang="en-US" sz="2400" dirty="0">
+                <a:latin typeface="Times New Roman" pitchFamily="18" charset="0"/>
+                <a:cs typeface="Times New Roman" pitchFamily="18" charset="0"/>
+              </a:rPr>
+              <a:t>by </a:t>
             </a:r>
             <a:r>
               <a:rPr lang="en-US" sz="2400" dirty="0" smtClean="0">
                 <a:latin typeface="Times New Roman" pitchFamily="18" charset="0"/>
                 <a:cs typeface="Times New Roman" pitchFamily="18" charset="0"/>
               </a:rPr>
-              <a:t>region motivated </a:t>
+              <a:t> </a:t>
             </a:r>
             <a:r>
               <a:rPr lang="en-US" sz="2400" dirty="0">
                 <a:latin typeface="Times New Roman" pitchFamily="18" charset="0"/>
                 <a:cs typeface="Times New Roman" pitchFamily="18" charset="0"/>
               </a:rPr>
-              <a:t>by </a:t>
+              <a:t>where </a:t>
             </a:r>
             <a:r>
               <a:rPr lang="en-US" sz="2400" dirty="0" smtClean="0">
                 <a:latin typeface="Times New Roman" pitchFamily="18" charset="0"/>
                 <a:cs typeface="Times New Roman" pitchFamily="18" charset="0"/>
               </a:rPr>
-              <a:t> </a:t>
-            </a:r>
-            <a:r>
-              <a:rPr lang="en-US" sz="2400" dirty="0">
-                <a:latin typeface="Times New Roman" pitchFamily="18" charset="0"/>
-                <a:cs typeface="Times New Roman" pitchFamily="18" charset="0"/>
-              </a:rPr>
-              <a:t>where </a:t>
-            </a:r>
-            <a:r>
-              <a:rPr lang="en-US" sz="2400" dirty="0" smtClean="0">
-                <a:latin typeface="Times New Roman" pitchFamily="18" charset="0"/>
-                <a:cs typeface="Times New Roman" pitchFamily="18" charset="0"/>
-              </a:rPr>
               <a:t>illumination variations is addressed</a:t>
             </a:r>
-            <a:endParaRPr lang="en-US" sz="2400" dirty="0">
-              <a:latin typeface="Times New Roman" pitchFamily="18" charset="0"/>
-              <a:cs typeface="Times New Roman" pitchFamily="18" charset="0"/>
-            </a:endParaRPr>
           </a:p>
           <a:p>
             <a:endParaRPr lang="en-IN" sz="2400" u="sng" dirty="0" smtClean="0">
               <a:latin typeface="Times New Roman" pitchFamily="18" charset="0"/>
               <a:cs typeface="Times New Roman" pitchFamily="18" charset="0"/>
             </a:endParaRPr>
+          </a:p>
+        </p:txBody>
+      </p:sp>
+      <p:sp>
+        <p:nvSpPr>
+          <p:cNvPr id="4" name="Rectangle 3"/>
+          <p:cNvSpPr/>
+          <p:nvPr/>
+        </p:nvSpPr>
+        <p:spPr>
+          <a:xfrm>
+            <a:off x="349250" y="6336139"/>
+            <a:ext cx="870751" cy="307777"/>
+          </a:xfrm>
+          <a:prstGeom prst="rect">
+            <a:avLst/>
+          </a:prstGeom>
+        </p:spPr>
+        <p:txBody>
+          <a:bodyPr wrap="none">
+            <a:spAutoFit/>
+          </a:bodyPr>
+          <a:lstStyle/>
+          <a:p>
+            <a:pPr lvl="0">
+              <a:buSzPts val="1200"/>
+            </a:pPr>
+            <a:r>
+              <a:rPr lang="en-US" dirty="0">
+                <a:solidFill>
+                  <a:srgbClr val="898989"/>
+                </a:solidFill>
+                <a:latin typeface="Calibri"/>
+                <a:ea typeface="Calibri"/>
+                <a:cs typeface="Calibri"/>
+                <a:sym typeface="Calibri"/>
+              </a:rPr>
+              <a:t>21/10/19</a:t>
+            </a:r>
           </a:p>
         </p:txBody>
       </p:sp>
@@ -28919,9 +33007,17 @@
 <file path=ppt/slides/slide9.xml><?xml version="1.0" encoding="utf-8"?>
 <p:sld xmlns:a="http://schemas.openxmlformats.org/drawingml/2006/main" xmlns:r="http://schemas.openxmlformats.org/officeDocument/2006/relationships" xmlns:p="http://schemas.openxmlformats.org/presentationml/2006/main">
   <p:cSld>
+    <p:bg>
+      <p:bgPr>
+        <a:solidFill>
+          <a:srgbClr val="FFFFFF"/>
+        </a:solidFill>
+        <a:effectLst/>
+      </p:bgPr>
+    </p:bg>
     <p:spTree>
       <p:nvGrpSpPr>
-        <p:cNvPr id="1" name=""/>
+        <p:cNvPr id="1" name="Shape 116"/>
         <p:cNvGrpSpPr/>
         <p:nvPr/>
       </p:nvGrpSpPr>
@@ -28935,7 +33031,553 @@
       </p:grpSpPr>
       <p:sp>
         <p:nvSpPr>
-          <p:cNvPr id="2" name="Title 1"/>
+          <p:cNvPr id="1048608" name="Google Shape;117;p16"/>
+          <p:cNvSpPr/>
+          <p:nvPr/>
+        </p:nvSpPr>
+        <p:spPr>
+          <a:xfrm>
+            <a:off x="457200" y="990600"/>
+            <a:ext cx="8228012" cy="5480050"/>
+          </a:xfrm>
+          <a:prstGeom prst="rect">
+            <a:avLst/>
+          </a:prstGeom>
+          <a:noFill/>
+          <a:ln>
+            <a:noFill/>
+          </a:ln>
+        </p:spPr>
+        <p:txBody>
+          <a:bodyPr spcFirstLastPara="1" wrap="square" lIns="91425" tIns="91425" rIns="91425" bIns="91425" anchor="ctr" anchorCtr="0">
+            <a:noAutofit/>
+          </a:bodyPr>
+          <a:lstStyle/>
+          <a:p>
+            <a:pPr marL="0" lvl="0" indent="0" algn="l" rtl="0">
+              <a:spcBef>
+                <a:spcPts val="0"/>
+              </a:spcBef>
+              <a:spcAft>
+                <a:spcPts val="0"/>
+              </a:spcAft>
+              <a:buNone/>
+            </a:pPr>
+            <a:endParaRPr/>
+          </a:p>
+        </p:txBody>
+      </p:sp>
+      <p:sp>
+        <p:nvSpPr>
+          <p:cNvPr id="1048609" name="Google Shape;118;p16"/>
+          <p:cNvSpPr/>
+          <p:nvPr/>
+        </p:nvSpPr>
+        <p:spPr>
+          <a:xfrm>
+            <a:off x="760412" y="1612900"/>
+            <a:ext cx="8032750" cy="4525962"/>
+          </a:xfrm>
+          <a:prstGeom prst="rect">
+            <a:avLst/>
+          </a:prstGeom>
+          <a:noFill/>
+          <a:ln>
+            <a:noFill/>
+          </a:ln>
+        </p:spPr>
+        <p:txBody>
+          <a:bodyPr spcFirstLastPara="1" wrap="square" lIns="0" tIns="25550" rIns="0" bIns="0" anchor="ctr" anchorCtr="0">
+            <a:noAutofit/>
+          </a:bodyPr>
+          <a:lstStyle/>
+          <a:p>
+            <a:pPr marL="0" marR="0" lvl="0" indent="0" algn="ctr" rtl="0">
+              <a:lnSpc>
+                <a:spcPct val="100000"/>
+              </a:lnSpc>
+              <a:spcBef>
+                <a:spcPts val="0"/>
+              </a:spcBef>
+              <a:spcAft>
+                <a:spcPts val="0"/>
+              </a:spcAft>
+              <a:buClr>
+                <a:srgbClr val="000000"/>
+              </a:buClr>
+              <a:buSzPts val="2900"/>
+              <a:buFont typeface="Times New Roman"/>
+              <a:buNone/>
+            </a:pPr>
+            <a:r>
+              <a:rPr lang="en-US" sz="2900" b="0" i="0" u="none">
+                <a:solidFill>
+                  <a:srgbClr val="280099"/>
+                </a:solidFill>
+                <a:latin typeface="Calibri"/>
+                <a:ea typeface="Calibri"/>
+                <a:cs typeface="Calibri"/>
+                <a:sym typeface="Calibri"/>
+              </a:rPr>
+              <a:t>			</a:t>
+            </a:r>
+          </a:p>
+        </p:txBody>
+      </p:sp>
+      <p:sp>
+        <p:nvSpPr>
+          <p:cNvPr id="1048610" name="Google Shape;119;p16"/>
+          <p:cNvSpPr/>
+          <p:nvPr/>
+        </p:nvSpPr>
+        <p:spPr>
+          <a:xfrm>
+            <a:off x="131762" y="0"/>
+            <a:ext cx="1587" cy="1587"/>
+          </a:xfrm>
+          <a:prstGeom prst="rect">
+            <a:avLst/>
+          </a:prstGeom>
+          <a:noFill/>
+          <a:ln>
+            <a:noFill/>
+          </a:ln>
+        </p:spPr>
+        <p:txBody>
+          <a:bodyPr spcFirstLastPara="1" wrap="square" lIns="91425" tIns="91425" rIns="91425" bIns="91425" anchor="ctr" anchorCtr="0">
+            <a:noAutofit/>
+          </a:bodyPr>
+          <a:lstStyle/>
+          <a:p>
+            <a:pPr marL="0" lvl="0" indent="0" algn="l" rtl="0">
+              <a:spcBef>
+                <a:spcPts val="0"/>
+              </a:spcBef>
+              <a:spcAft>
+                <a:spcPts val="0"/>
+              </a:spcAft>
+              <a:buNone/>
+            </a:pPr>
+            <a:endParaRPr/>
+          </a:p>
+        </p:txBody>
+      </p:sp>
+      <p:sp>
+        <p:nvSpPr>
+          <p:cNvPr id="1048611" name="Google Shape;120;p16"/>
+          <p:cNvSpPr/>
+          <p:nvPr/>
+        </p:nvSpPr>
+        <p:spPr>
+          <a:xfrm>
+            <a:off x="195262" y="1306512"/>
+            <a:ext cx="1587" cy="1587"/>
+          </a:xfrm>
+          <a:prstGeom prst="rect">
+            <a:avLst/>
+          </a:prstGeom>
+          <a:noFill/>
+          <a:ln>
+            <a:noFill/>
+          </a:ln>
+        </p:spPr>
+        <p:txBody>
+          <a:bodyPr spcFirstLastPara="1" wrap="square" lIns="91425" tIns="91425" rIns="91425" bIns="91425" anchor="ctr" anchorCtr="0">
+            <a:noAutofit/>
+          </a:bodyPr>
+          <a:lstStyle/>
+          <a:p>
+            <a:pPr marL="0" lvl="0" indent="0" algn="l" rtl="0">
+              <a:spcBef>
+                <a:spcPts val="0"/>
+              </a:spcBef>
+              <a:spcAft>
+                <a:spcPts val="0"/>
+              </a:spcAft>
+              <a:buNone/>
+            </a:pPr>
+            <a:endParaRPr/>
+          </a:p>
+        </p:txBody>
+      </p:sp>
+      <p:sp>
+        <p:nvSpPr>
+          <p:cNvPr id="1048612" name="Google Shape;121;p16"/>
+          <p:cNvSpPr txBox="1"/>
+          <p:nvPr/>
+        </p:nvSpPr>
+        <p:spPr>
+          <a:xfrm>
+            <a:off x="457200" y="1981200"/>
+            <a:ext cx="7969250" cy="717801"/>
+          </a:xfrm>
+          <a:prstGeom prst="rect">
+            <a:avLst/>
+          </a:prstGeom>
+          <a:noFill/>
+          <a:ln>
+            <a:noFill/>
+          </a:ln>
+        </p:spPr>
+        <p:txBody>
+          <a:bodyPr spcFirstLastPara="1" wrap="square" lIns="82800" tIns="41400" rIns="82800" bIns="41400" anchor="t" anchorCtr="0">
+            <a:noAutofit/>
+          </a:bodyPr>
+          <a:lstStyle/>
+          <a:p>
+            <a:pPr marL="0" marR="0" lvl="0" indent="0" algn="l" rtl="0">
+              <a:lnSpc>
+                <a:spcPct val="100000"/>
+              </a:lnSpc>
+              <a:spcBef>
+                <a:spcPts val="0"/>
+              </a:spcBef>
+              <a:spcAft>
+                <a:spcPts val="0"/>
+              </a:spcAft>
+              <a:buClr>
+                <a:srgbClr val="000000"/>
+              </a:buClr>
+              <a:buSzPts val="2200"/>
+              <a:buFont typeface="Times New Roman"/>
+              <a:buNone/>
+            </a:pPr>
+            <a:endParaRPr sz="2200" b="0" i="0" u="none">
+              <a:solidFill>
+                <a:srgbClr val="000000"/>
+              </a:solidFill>
+              <a:latin typeface="Times New Roman"/>
+              <a:ea typeface="Times New Roman"/>
+              <a:cs typeface="Times New Roman"/>
+              <a:sym typeface="Times New Roman"/>
+            </a:endParaRPr>
+          </a:p>
+          <a:p>
+            <a:pPr marL="0" marR="0" lvl="0" indent="0" algn="l" rtl="0">
+              <a:lnSpc>
+                <a:spcPct val="100000"/>
+              </a:lnSpc>
+              <a:spcBef>
+                <a:spcPts val="0"/>
+              </a:spcBef>
+              <a:spcAft>
+                <a:spcPts val="0"/>
+              </a:spcAft>
+              <a:buClr>
+                <a:srgbClr val="000000"/>
+              </a:buClr>
+              <a:buSzPts val="2200"/>
+              <a:buFont typeface="Times New Roman"/>
+              <a:buNone/>
+            </a:pPr>
+            <a:endParaRPr sz="2200" b="0" i="0" u="none">
+              <a:solidFill>
+                <a:srgbClr val="000000"/>
+              </a:solidFill>
+              <a:latin typeface="Times New Roman"/>
+              <a:ea typeface="Times New Roman"/>
+              <a:cs typeface="Times New Roman"/>
+              <a:sym typeface="Times New Roman"/>
+            </a:endParaRPr>
+          </a:p>
+        </p:txBody>
+      </p:sp>
+      <p:sp>
+        <p:nvSpPr>
+          <p:cNvPr id="1048614" name="Google Shape;123;p16"/>
+          <p:cNvSpPr txBox="1"/>
+          <p:nvPr/>
+        </p:nvSpPr>
+        <p:spPr>
+          <a:xfrm>
+            <a:off x="6553200" y="6356350"/>
+            <a:ext cx="2133600" cy="365125"/>
+          </a:xfrm>
+          <a:prstGeom prst="rect">
+            <a:avLst/>
+          </a:prstGeom>
+          <a:noFill/>
+          <a:ln>
+            <a:noFill/>
+          </a:ln>
+        </p:spPr>
+        <p:txBody>
+          <a:bodyPr spcFirstLastPara="1" wrap="square" lIns="90000" tIns="46800" rIns="90000" bIns="46800" anchor="ctr" anchorCtr="0">
+            <a:noAutofit/>
+          </a:bodyPr>
+          <a:lstStyle/>
+          <a:p>
+            <a:pPr marL="0" marR="0" lvl="0" indent="0" algn="r" rtl="0">
+              <a:lnSpc>
+                <a:spcPct val="100000"/>
+              </a:lnSpc>
+              <a:spcBef>
+                <a:spcPts val="0"/>
+              </a:spcBef>
+              <a:spcAft>
+                <a:spcPts val="0"/>
+              </a:spcAft>
+              <a:buClr>
+                <a:srgbClr val="000000"/>
+              </a:buClr>
+              <a:buSzPts val="1200"/>
+              <a:buFont typeface="Times New Roman"/>
+              <a:buNone/>
+            </a:pPr>
+            <a:fld id="{00000000-1234-1234-1234-123412341234}" type="slidenum">
+              <a:rPr lang="en-US" sz="1200" b="0" i="0" u="none">
+                <a:solidFill>
+                  <a:srgbClr val="898989"/>
+                </a:solidFill>
+                <a:latin typeface="Calibri"/>
+                <a:ea typeface="Calibri"/>
+                <a:cs typeface="Calibri"/>
+                <a:sym typeface="Calibri"/>
+              </a:rPr>
+              <a:pPr marL="0" marR="0" lvl="0" indent="0" algn="r" rtl="0">
+                <a:lnSpc>
+                  <a:spcPct val="100000"/>
+                </a:lnSpc>
+                <a:spcBef>
+                  <a:spcPts val="0"/>
+                </a:spcBef>
+                <a:spcAft>
+                  <a:spcPts val="0"/>
+                </a:spcAft>
+                <a:buClr>
+                  <a:srgbClr val="000000"/>
+                </a:buClr>
+                <a:buSzPts val="1200"/>
+                <a:buFont typeface="Times New Roman"/>
+                <a:buNone/>
+              </a:pPr>
+              <a:t>9</a:t>
+            </a:fld>
+            <a:endParaRPr sz="1200" b="0" i="0" u="none" dirty="0">
+              <a:solidFill>
+                <a:srgbClr val="898989"/>
+              </a:solidFill>
+              <a:latin typeface="Calibri"/>
+              <a:ea typeface="Calibri"/>
+              <a:cs typeface="Calibri"/>
+              <a:sym typeface="Calibri"/>
+            </a:endParaRPr>
+          </a:p>
+        </p:txBody>
+      </p:sp>
+      <p:sp>
+        <p:nvSpPr>
+          <p:cNvPr id="1048615" name="Google Shape;124;p16"/>
+          <p:cNvSpPr/>
+          <p:nvPr/>
+        </p:nvSpPr>
+        <p:spPr>
+          <a:xfrm>
+            <a:off x="1905000" y="6324600"/>
+            <a:ext cx="5410200" cy="368300"/>
+          </a:xfrm>
+          <a:prstGeom prst="rect">
+            <a:avLst/>
+          </a:prstGeom>
+          <a:noFill/>
+          <a:ln>
+            <a:noFill/>
+          </a:ln>
+        </p:spPr>
+        <p:txBody>
+          <a:bodyPr spcFirstLastPara="1" wrap="square" lIns="90000" tIns="46800" rIns="90000" bIns="46800" anchor="t" anchorCtr="0">
+            <a:noAutofit/>
+          </a:bodyPr>
+          <a:lstStyle/>
+          <a:p>
+            <a:pPr marL="0" marR="0" lvl="0" indent="0" algn="l" rtl="0">
+              <a:lnSpc>
+                <a:spcPct val="100000"/>
+              </a:lnSpc>
+              <a:spcBef>
+                <a:spcPts val="0"/>
+              </a:spcBef>
+              <a:spcAft>
+                <a:spcPts val="0"/>
+              </a:spcAft>
+              <a:buClr>
+                <a:srgbClr val="000000"/>
+              </a:buClr>
+              <a:buSzPts val="1800"/>
+              <a:buFont typeface="Times New Roman"/>
+              <a:buNone/>
+            </a:pPr>
+            <a:r>
+              <a:rPr lang="en-US" sz="1800" b="1" i="0" u="none" dirty="0">
+                <a:solidFill>
+                  <a:srgbClr val="000000"/>
+                </a:solidFill>
+                <a:latin typeface="Arial Black"/>
+                <a:ea typeface="Arial Black"/>
+                <a:cs typeface="Arial Black"/>
+                <a:sym typeface="Arial Black"/>
+              </a:rPr>
+              <a:t>                       </a:t>
+            </a:r>
+            <a:r>
+              <a:rPr lang="en-US" sz="1600" b="0" i="0" u="none" dirty="0">
+                <a:solidFill>
+                  <a:srgbClr val="000000"/>
+                </a:solidFill>
+                <a:latin typeface="Times New Roman"/>
+                <a:ea typeface="Times New Roman"/>
+                <a:cs typeface="Times New Roman"/>
+                <a:sym typeface="Times New Roman"/>
+              </a:rPr>
+              <a:t>CSE Department, JECC</a:t>
+            </a:r>
+          </a:p>
+        </p:txBody>
+      </p:sp>
+      <p:pic>
+        <p:nvPicPr>
+          <p:cNvPr id="2097155" name="Google Shape;127;p16"/>
+          <p:cNvPicPr preferRelativeResize="0">
+            <a:picLocks/>
+          </p:cNvPicPr>
+          <p:nvPr/>
+        </p:nvPicPr>
+        <p:blipFill rotWithShape="1">
+          <a:blip r:embed="rId3">
+            <a:alphaModFix/>
+          </a:blip>
+          <a:srcRect/>
+          <a:stretch>
+            <a:fillRect/>
+          </a:stretch>
+        </p:blipFill>
+        <p:spPr>
+          <a:xfrm>
+            <a:off x="0" y="-117700"/>
+            <a:ext cx="9144000" cy="1600200"/>
+          </a:xfrm>
+          <a:prstGeom prst="rect">
+            <a:avLst/>
+          </a:prstGeom>
+          <a:noFill/>
+          <a:ln>
+            <a:noFill/>
+          </a:ln>
+        </p:spPr>
+      </p:pic>
+      <p:sp>
+        <p:nvSpPr>
+          <p:cNvPr id="3" name="Text Placeholder 2"/>
+          <p:cNvSpPr>
+            <a:spLocks noGrp="1"/>
+          </p:cNvSpPr>
+          <p:nvPr>
+            <p:ph type="body" idx="1"/>
+          </p:nvPr>
+        </p:nvSpPr>
+        <p:spPr>
+          <a:xfrm>
+            <a:off x="455612" y="1806799"/>
+            <a:ext cx="8226425" cy="3532187"/>
+          </a:xfrm>
+        </p:spPr>
+        <p:txBody>
+          <a:bodyPr/>
+          <a:lstStyle/>
+          <a:p>
+            <a:pPr marL="685800" indent="-457200">
+              <a:buFont typeface="+mj-lt"/>
+              <a:buAutoNum type="arabicPeriod"/>
+            </a:pPr>
+            <a:r>
+              <a:rPr lang="en-GB" sz="2800" b="1" dirty="0">
+                <a:latin typeface="Times New Roman" pitchFamily="18" charset="0"/>
+                <a:cs typeface="Times New Roman" pitchFamily="18" charset="0"/>
+              </a:rPr>
+              <a:t>Text area detection: </a:t>
+            </a:r>
+            <a:r>
+              <a:rPr lang="en-GB" sz="2800" dirty="0">
+                <a:latin typeface="Times New Roman" pitchFamily="18" charset="0"/>
+                <a:cs typeface="Times New Roman" pitchFamily="18" charset="0"/>
+              </a:rPr>
+              <a:t>Identifies text area</a:t>
+            </a:r>
+            <a:endParaRPr lang="en-GB" sz="2800" b="1" dirty="0">
+              <a:latin typeface="Times New Roman" pitchFamily="18" charset="0"/>
+              <a:cs typeface="Times New Roman" pitchFamily="18" charset="0"/>
+            </a:endParaRPr>
+          </a:p>
+          <a:p>
+            <a:pPr marL="685800" indent="-457200">
+              <a:buFont typeface="+mj-lt"/>
+              <a:buAutoNum type="arabicPeriod"/>
+            </a:pPr>
+            <a:r>
+              <a:rPr lang="en-GB" sz="2800" b="1" dirty="0">
+                <a:latin typeface="Times New Roman" pitchFamily="18" charset="0"/>
+                <a:cs typeface="Times New Roman" pitchFamily="18" charset="0"/>
+              </a:rPr>
+              <a:t>Post processing: </a:t>
+            </a:r>
+            <a:r>
+              <a:rPr lang="en-GB" sz="2800" dirty="0">
+                <a:latin typeface="Times New Roman" pitchFamily="18" charset="0"/>
+                <a:cs typeface="Times New Roman" pitchFamily="18" charset="0"/>
+              </a:rPr>
+              <a:t>Takes care of false positives and negatives based on intensity values of pre-processed and grey image</a:t>
+            </a:r>
+          </a:p>
+          <a:p>
+            <a:endParaRPr lang="en-IN" sz="2400" u="sng" dirty="0" smtClean="0">
+              <a:latin typeface="Times New Roman" pitchFamily="18" charset="0"/>
+              <a:cs typeface="Times New Roman" pitchFamily="18" charset="0"/>
+            </a:endParaRPr>
+          </a:p>
+        </p:txBody>
+      </p:sp>
+      <p:sp>
+        <p:nvSpPr>
+          <p:cNvPr id="4" name="Rectangle 3"/>
+          <p:cNvSpPr/>
+          <p:nvPr/>
+        </p:nvSpPr>
+        <p:spPr>
+          <a:xfrm>
+            <a:off x="349250" y="6336139"/>
+            <a:ext cx="870751" cy="307777"/>
+          </a:xfrm>
+          <a:prstGeom prst="rect">
+            <a:avLst/>
+          </a:prstGeom>
+        </p:spPr>
+        <p:txBody>
+          <a:bodyPr wrap="none">
+            <a:spAutoFit/>
+          </a:bodyPr>
+          <a:lstStyle/>
+          <a:p>
+            <a:pPr lvl="0">
+              <a:buSzPts val="1200"/>
+            </a:pPr>
+            <a:r>
+              <a:rPr lang="en-US" dirty="0">
+                <a:solidFill>
+                  <a:srgbClr val="898989"/>
+                </a:solidFill>
+                <a:latin typeface="Calibri"/>
+                <a:ea typeface="Calibri"/>
+                <a:cs typeface="Calibri"/>
+                <a:sym typeface="Calibri"/>
+              </a:rPr>
+              <a:t>21/10/19</a:t>
+            </a:r>
+          </a:p>
+        </p:txBody>
+      </p:sp>
+      <p:sp>
+        <p:nvSpPr>
+          <p:cNvPr id="5" name="Title 4"/>
           <p:cNvSpPr>
             <a:spLocks noGrp="1"/>
           </p:cNvSpPr>
@@ -28948,91 +33590,14 @@
           <a:bodyPr/>
           <a:lstStyle/>
           <a:p>
-            <a:endParaRPr lang="en-GB"/>
-          </a:p>
-        </p:txBody>
-      </p:sp>
-      <p:sp>
-        <p:nvSpPr>
-          <p:cNvPr id="3" name="Text Placeholder 2"/>
-          <p:cNvSpPr>
-            <a:spLocks noGrp="1"/>
-          </p:cNvSpPr>
-          <p:nvPr>
-            <p:ph type="body" idx="1"/>
-          </p:nvPr>
-        </p:nvSpPr>
-        <p:spPr/>
-        <p:txBody>
-          <a:bodyPr/>
-          <a:lstStyle/>
-          <a:p>
-            <a:pPr marL="685800" indent="-457200">
-              <a:buFont typeface="+mj-lt"/>
-              <a:buAutoNum type="arabicPeriod"/>
-            </a:pPr>
-            <a:r>
-              <a:rPr lang="en-GB" sz="2400" b="1" dirty="0" smtClean="0">
-                <a:latin typeface="Times New Roman" pitchFamily="18" charset="0"/>
-                <a:cs typeface="Times New Roman" pitchFamily="18" charset="0"/>
-              </a:rPr>
-              <a:t>Text area detection: </a:t>
-            </a:r>
-            <a:r>
-              <a:rPr lang="en-GB" sz="2400" dirty="0" smtClean="0">
-                <a:latin typeface="Times New Roman" pitchFamily="18" charset="0"/>
-                <a:cs typeface="Times New Roman" pitchFamily="18" charset="0"/>
-              </a:rPr>
-              <a:t>Identifies text area</a:t>
-            </a:r>
-            <a:endParaRPr lang="en-GB" sz="2400" b="1" dirty="0" smtClean="0">
-              <a:latin typeface="Times New Roman" pitchFamily="18" charset="0"/>
-              <a:cs typeface="Times New Roman" pitchFamily="18" charset="0"/>
-            </a:endParaRPr>
-          </a:p>
-          <a:p>
-            <a:pPr marL="685800" indent="-457200">
-              <a:buFont typeface="+mj-lt"/>
-              <a:buAutoNum type="arabicPeriod"/>
-            </a:pPr>
-            <a:r>
-              <a:rPr lang="en-GB" sz="2400" b="1" dirty="0" smtClean="0">
-                <a:latin typeface="Times New Roman" pitchFamily="18" charset="0"/>
-                <a:cs typeface="Times New Roman" pitchFamily="18" charset="0"/>
-              </a:rPr>
-              <a:t>Post processing: </a:t>
-            </a:r>
-            <a:r>
-              <a:rPr lang="en-GB" sz="2400" dirty="0" smtClean="0">
-                <a:latin typeface="Times New Roman" pitchFamily="18" charset="0"/>
-                <a:cs typeface="Times New Roman" pitchFamily="18" charset="0"/>
-              </a:rPr>
-              <a:t>Takes care of false positives and negatives based on intensity values of pre-processed and grey image</a:t>
-            </a:r>
-          </a:p>
-          <a:p>
-            <a:pPr marL="228600" indent="0"/>
-            <a:endParaRPr lang="en-GB" sz="2400" b="1" dirty="0" smtClean="0">
-              <a:latin typeface="Times New Roman" pitchFamily="18" charset="0"/>
-              <a:cs typeface="Times New Roman" pitchFamily="18" charset="0"/>
-            </a:endParaRPr>
-          </a:p>
-          <a:p>
-            <a:pPr marL="685800" indent="-457200">
-              <a:buFont typeface="Arial" pitchFamily="34" charset="0"/>
-              <a:buChar char="•"/>
-            </a:pPr>
-            <a:endParaRPr lang="en-GB" sz="2400" b="1" dirty="0">
-              <a:latin typeface="Times New Roman" pitchFamily="18" charset="0"/>
-              <a:cs typeface="Times New Roman" pitchFamily="18" charset="0"/>
-            </a:endParaRPr>
+            <a:endParaRPr lang="en-IN"/>
           </a:p>
         </p:txBody>
       </p:sp>
     </p:spTree>
     <p:extLst>
       <p:ext uri="{BB962C8B-B14F-4D97-AF65-F5344CB8AC3E}">
-        <p14:creationId xmlns:p14="http://schemas.microsoft.com/office/powerpoint/2010/main" val="534000554"/>
+        <p14:creationId xmlns:p14="http://schemas.microsoft.com/office/powerpoint/2010/main" val="1442671970"/>
       </p:ext>
     </p:extLst>
   </p:cSld>

--- a/DP G7 first review.pptx
+++ b/DP G7 first review.pptx
@@ -23990,7 +23990,54 @@
             <a:pPr marL="342900" lvl="0" indent="-339725">
               <a:buSzPts val="2400"/>
             </a:pPr>
-            <a:endParaRPr sz="2000" dirty="0"/>
+            <a:r>
+              <a:rPr lang="en-IN" sz="2000" b="1" dirty="0" smtClean="0"/>
+              <a:t>		</a:t>
+            </a:r>
+            <a:r>
+              <a:rPr lang="en-IN" sz="2000" b="1" u="sng" dirty="0" smtClean="0"/>
+              <a:t>Guide</a:t>
+            </a:r>
+          </a:p>
+          <a:p>
+            <a:pPr marL="342900" lvl="0" indent="-339725">
+              <a:buSzPts val="2400"/>
+            </a:pPr>
+            <a:r>
+              <a:rPr lang="en-IN" sz="2000" b="1" dirty="0" smtClean="0"/>
+              <a:t>	Mrs</a:t>
+            </a:r>
+            <a:r>
+              <a:rPr lang="en-IN" sz="2000" b="1" dirty="0"/>
+              <a:t> </a:t>
+            </a:r>
+            <a:r>
+              <a:rPr lang="en-IN" sz="2000" b="1" dirty="0" err="1" smtClean="0"/>
+              <a:t>Namitha</a:t>
+            </a:r>
+            <a:r>
+              <a:rPr lang="en-IN" sz="2000" b="1" dirty="0" smtClean="0"/>
+              <a:t> T N, </a:t>
+            </a:r>
+          </a:p>
+          <a:p>
+            <a:pPr marL="342900" lvl="0" indent="-339725">
+              <a:buSzPts val="2400"/>
+            </a:pPr>
+            <a:r>
+              <a:rPr lang="en-IN" sz="2000" b="1" dirty="0" smtClean="0"/>
+              <a:t>   Assistant Professor,</a:t>
+            </a:r>
+          </a:p>
+          <a:p>
+            <a:pPr marL="342900" lvl="0" indent="-339725">
+              <a:buSzPts val="2400"/>
+            </a:pPr>
+            <a:r>
+              <a:rPr lang="en-IN" sz="2000" b="1" dirty="0" smtClean="0"/>
+              <a:t>     CSE Department</a:t>
+            </a:r>
+            <a:endParaRPr sz="2000" b="1" dirty="0"/>
           </a:p>
         </p:txBody>
       </p:sp>

--- a/DP G7 first review.pptx
+++ b/DP G7 first review.pptx
@@ -25,9 +25,9 @@
     <p:sldId id="286" r:id="rId16"/>
     <p:sldId id="274" r:id="rId17"/>
     <p:sldId id="279" r:id="rId18"/>
-    <p:sldId id="285" r:id="rId19"/>
-    <p:sldId id="280" r:id="rId20"/>
-    <p:sldId id="275" r:id="rId21"/>
+    <p:sldId id="290" r:id="rId19"/>
+    <p:sldId id="291" r:id="rId20"/>
+    <p:sldId id="292" r:id="rId21"/>
     <p:sldId id="287" r:id="rId22"/>
     <p:sldId id="288" r:id="rId23"/>
     <p:sldId id="282" r:id="rId24"/>
@@ -5890,7 +5890,7 @@
               <a:buSzPts val="1800"/>
               <a:buFont typeface="Times New Roman"/>
               <a:buNone/>
-              <a:defRPr sz="1800" b="0" i="0" u="none">
+              <a:defRPr sz="1200" b="0" i="0" u="none">
                 <a:solidFill>
                   <a:srgbClr val="000000"/>
                 </a:solidFill>
@@ -6046,7 +6046,11 @@
             </a:lvl9pPr>
           </a:lstStyle>
           <a:p>
-            <a:endParaRPr/>
+            <a:fld id="{CA77355A-CDF6-45F5-9067-08486AD388CA}" type="datetime3">
+              <a:rPr lang="en-US" smtClean="0"/>
+              <a:t>3 November 2019</a:t>
+            </a:fld>
+            <a:endParaRPr lang="en-US" dirty="0"/>
           </a:p>
         </p:txBody>
       </p:sp>
@@ -6345,6 +6349,13 @@
   <p:clrMapOvr>
     <a:masterClrMapping/>
   </p:clrMapOvr>
+  <p:timing>
+    <p:tnLst>
+      <p:par>
+        <p:cTn id="1" dur="indefinite" restart="never" nodeType="tmRoot"/>
+      </p:par>
+    </p:tnLst>
+  </p:timing>
 </p:sldLayout>
 </file>
 
@@ -6843,6 +6854,10 @@
             </a:lvl9pPr>
           </a:lstStyle>
           <a:p>
+            <a:fld id="{895E4BF6-3236-4F20-BC61-A52842CDC595}" type="datetime3">
+              <a:rPr lang="en-US" smtClean="0"/>
+              <a:t>3 November 2019</a:t>
+            </a:fld>
             <a:endParaRPr/>
           </a:p>
         </p:txBody>
@@ -7484,7 +7499,7 @@
               <a:buSzPts val="1800"/>
               <a:buFont typeface="Times New Roman"/>
               <a:buNone/>
-              <a:defRPr sz="1800" b="0" i="0" u="none">
+              <a:defRPr sz="1200" b="0" i="0" u="none">
                 <a:solidFill>
                   <a:srgbClr val="000000"/>
                 </a:solidFill>
@@ -7640,7 +7655,11 @@
             </a:lvl9pPr>
           </a:lstStyle>
           <a:p>
-            <a:endParaRPr/>
+            <a:fld id="{AFAD8396-2223-4CBB-8591-C6A4438DC666}" type="datetime3">
+              <a:rPr lang="en-US" smtClean="0"/>
+              <a:t>3 November 2019</a:t>
+            </a:fld>
+            <a:endParaRPr lang="en-US" dirty="0"/>
           </a:p>
         </p:txBody>
       </p:sp>
@@ -7939,6 +7958,13 @@
   <p:clrMapOvr>
     <a:masterClrMapping/>
   </p:clrMapOvr>
+  <p:timing>
+    <p:tnLst>
+      <p:par>
+        <p:cTn id="1" dur="indefinite" restart="never" nodeType="tmRoot"/>
+      </p:par>
+    </p:tnLst>
+  </p:timing>
 </p:sldLayout>
 </file>
 
@@ -8447,6 +8473,10 @@
             </a:lvl9pPr>
           </a:lstStyle>
           <a:p>
+            <a:fld id="{597577CD-56BE-41E2-8600-5FF6D6095FAA}" type="datetime3">
+              <a:rPr lang="en-US" smtClean="0"/>
+              <a:t>3 November 2019</a:t>
+            </a:fld>
             <a:endParaRPr/>
           </a:p>
         </p:txBody>
@@ -9383,6 +9413,10 @@
             </a:lvl9pPr>
           </a:lstStyle>
           <a:p>
+            <a:fld id="{7A68FDA2-5682-423A-A6CA-91954B576764}" type="datetime3">
+              <a:rPr lang="en-US" smtClean="0"/>
+              <a:t>3 November 2019</a:t>
+            </a:fld>
             <a:endParaRPr/>
           </a:p>
         </p:txBody>
@@ -10459,7 +10493,7 @@
               <a:buSzPts val="1800"/>
               <a:buFont typeface="Times New Roman"/>
               <a:buNone/>
-              <a:defRPr sz="1800" b="0" i="0" u="none">
+              <a:defRPr sz="1200" b="0" i="0" u="none">
                 <a:solidFill>
                   <a:srgbClr val="000000"/>
                 </a:solidFill>
@@ -10615,7 +10649,11 @@
             </a:lvl9pPr>
           </a:lstStyle>
           <a:p>
-            <a:endParaRPr/>
+            <a:fld id="{3AF43FC8-A6B7-4077-B8EB-9A9949DB7CFC}" type="datetime3">
+              <a:rPr lang="en-US" smtClean="0"/>
+              <a:t>3 November 2019</a:t>
+            </a:fld>
+            <a:endParaRPr lang="en-US" dirty="0"/>
           </a:p>
         </p:txBody>
       </p:sp>
@@ -10914,6 +10952,13 @@
   <p:clrMapOvr>
     <a:masterClrMapping/>
   </p:clrMapOvr>
+  <p:timing>
+    <p:tnLst>
+      <p:par>
+        <p:cTn id="1" dur="indefinite" restart="never" nodeType="tmRoot"/>
+      </p:par>
+    </p:tnLst>
+  </p:timing>
 </p:sldLayout>
 </file>
 
@@ -11273,6 +11318,10 @@
             </a:lvl9pPr>
           </a:lstStyle>
           <a:p>
+            <a:fld id="{F873FC8E-66C1-4C64-96B2-43031A268553}" type="datetime3">
+              <a:rPr lang="en-US" smtClean="0"/>
+              <a:t>3 November 2019</a:t>
+            </a:fld>
             <a:endParaRPr/>
           </a:p>
         </p:txBody>
@@ -12228,6 +12277,10 @@
             </a:lvl9pPr>
           </a:lstStyle>
           <a:p>
+            <a:fld id="{1BB14D0D-6B22-4DF0-AC2C-CF9A40D5CD5A}" type="datetime3">
+              <a:rPr lang="en-US" smtClean="0"/>
+              <a:t>3 November 2019</a:t>
+            </a:fld>
             <a:endParaRPr/>
           </a:p>
         </p:txBody>
@@ -13247,6 +13300,10 @@
             </a:lvl9pPr>
           </a:lstStyle>
           <a:p>
+            <a:fld id="{ECEA2333-3405-4BF2-A3BC-C329249A01E4}" type="datetime3">
+              <a:rPr lang="en-US" smtClean="0"/>
+              <a:t>3 November 2019</a:t>
+            </a:fld>
             <a:endParaRPr/>
           </a:p>
         </p:txBody>
@@ -14044,6 +14101,10 @@
             </a:lvl9pPr>
           </a:lstStyle>
           <a:p>
+            <a:fld id="{283CB40A-1FE2-467F-8F9F-3EAA214A62E8}" type="datetime3">
+              <a:rPr lang="en-US" smtClean="0"/>
+              <a:t>3 November 2019</a:t>
+            </a:fld>
             <a:endParaRPr/>
           </a:p>
         </p:txBody>
@@ -14991,6 +15052,10 @@
             </a:lvl9pPr>
           </a:lstStyle>
           <a:p>
+            <a:fld id="{76947066-6D15-4163-8FFA-35EF1207870D}" type="datetime3">
+              <a:rPr lang="en-US" smtClean="0"/>
+              <a:t>3 November 2019</a:t>
+            </a:fld>
             <a:endParaRPr/>
           </a:p>
         </p:txBody>
@@ -15354,7 +15419,7 @@
     <p:sldLayoutId id="2147483658" r:id="rId9"/>
     <p:sldLayoutId id="2147483659" r:id="rId10"/>
   </p:sldLayoutIdLst>
-  <p:hf sldNum="0" hdr="0" ftr="0" dt="0"/>
+  <p:hf hdr="0" ftr="0"/>
   <p:txStyles>
     <p:titleStyle>
       <a:defPPr marR="0" lvl="0" algn="l" rtl="0">
@@ -16106,7 +16171,7 @@
               </a:spcAft>
               <a:buNone/>
             </a:pPr>
-            <a:endParaRPr/>
+            <a:endParaRPr dirty="0"/>
           </a:p>
         </p:txBody>
       </p:sp>
@@ -16153,7 +16218,7 @@
               <a:buNone/>
             </a:pPr>
             <a:r>
-              <a:rPr lang="en-US" sz="2900" b="0" i="0" u="none">
+              <a:rPr lang="en-US" sz="2900" b="0" i="0" u="none" dirty="0">
                 <a:solidFill>
                   <a:srgbClr val="280099"/>
                 </a:solidFill>
@@ -16201,7 +16266,7 @@
               </a:spcAft>
               <a:buNone/>
             </a:pPr>
-            <a:endParaRPr/>
+            <a:endParaRPr dirty="0"/>
           </a:p>
         </p:txBody>
       </p:sp>
@@ -16239,7 +16304,7 @@
               </a:spcAft>
               <a:buNone/>
             </a:pPr>
-            <a:endParaRPr/>
+            <a:endParaRPr dirty="0"/>
           </a:p>
         </p:txBody>
       </p:sp>
@@ -16285,7 +16350,7 @@
               <a:buFont typeface="Times New Roman"/>
               <a:buNone/>
             </a:pPr>
-            <a:endParaRPr sz="2200" b="0" i="0" u="none">
+            <a:endParaRPr sz="2200" b="0" i="0" u="none" dirty="0">
               <a:solidFill>
                 <a:srgbClr val="000000"/>
               </a:solidFill>
@@ -16313,7 +16378,7 @@
               <a:buFont typeface="Times New Roman"/>
               <a:buNone/>
             </a:pPr>
-            <a:endParaRPr sz="2200" b="0" i="0" u="none">
+            <a:endParaRPr sz="2200" b="0" i="0" u="none" dirty="0">
               <a:solidFill>
                 <a:srgbClr val="000000"/>
               </a:solidFill>
@@ -16510,25 +16575,34 @@
               <a:buNone/>
             </a:pPr>
             <a:r>
-              <a:rPr lang="en-US" sz="2400" b="1" i="0" u="none" dirty="0">
-                <a:solidFill>
-                  <a:srgbClr val="000000"/>
-                </a:solidFill>
+              <a:rPr lang="en-US" sz="2400" b="1" smtClean="0">
                 <a:latin typeface="Calibri"/>
                 <a:ea typeface="Calibri"/>
                 <a:cs typeface="Calibri"/>
                 <a:sym typeface="Calibri"/>
               </a:rPr>
-              <a:t>October </a:t>
-            </a:r>
-            <a:r>
-              <a:rPr lang="en-US" sz="2400" b="1" dirty="0" smtClean="0">
+              <a:t>November</a:t>
+            </a:r>
+            <a:r>
+              <a:rPr lang="en-US" sz="2400" b="1" i="0" u="none" smtClean="0">
+                <a:solidFill>
+                  <a:srgbClr val="000000"/>
+                </a:solidFill>
                 <a:latin typeface="Calibri"/>
                 <a:ea typeface="Calibri"/>
                 <a:cs typeface="Calibri"/>
                 <a:sym typeface="Calibri"/>
               </a:rPr>
-              <a:t>14</a:t>
+              <a:t> </a:t>
+            </a:r>
+            <a:r>
+              <a:rPr lang="en-US" sz="2400" b="1" smtClean="0">
+                <a:latin typeface="Calibri"/>
+                <a:ea typeface="Calibri"/>
+                <a:cs typeface="Calibri"/>
+                <a:sym typeface="Calibri"/>
+              </a:rPr>
+              <a:t>4</a:t>
             </a:r>
             <a:r>
               <a:rPr lang="en-US" sz="2400" b="1" i="0" u="none" dirty="0" smtClean="0">
@@ -16773,108 +16847,6 @@
               <a:ea typeface="Times New Roman"/>
               <a:cs typeface="Times New Roman"/>
               <a:sym typeface="Times New Roman"/>
-            </a:endParaRPr>
-          </a:p>
-        </p:txBody>
-      </p:sp>
-      <p:sp>
-        <p:nvSpPr>
-          <p:cNvPr id="1048591" name="Google Shape;91;p13"/>
-          <p:cNvSpPr txBox="1"/>
-          <p:nvPr/>
-        </p:nvSpPr>
-        <p:spPr>
-          <a:xfrm>
-            <a:off x="457200" y="6356350"/>
-            <a:ext cx="2133600" cy="365125"/>
-          </a:xfrm>
-          <a:prstGeom prst="rect">
-            <a:avLst/>
-          </a:prstGeom>
-          <a:noFill/>
-          <a:ln>
-            <a:noFill/>
-          </a:ln>
-        </p:spPr>
-        <p:txBody>
-          <a:bodyPr spcFirstLastPara="1" wrap="square" lIns="90000" tIns="46800" rIns="90000" bIns="46800" anchor="ctr" anchorCtr="0">
-            <a:noAutofit/>
-          </a:bodyPr>
-          <a:lstStyle/>
-          <a:p>
-            <a:pPr marL="0" marR="0" lvl="0" indent="0" algn="l" rtl="0">
-              <a:lnSpc>
-                <a:spcPct val="100000"/>
-              </a:lnSpc>
-              <a:spcBef>
-                <a:spcPts val="0"/>
-              </a:spcBef>
-              <a:spcAft>
-                <a:spcPts val="0"/>
-              </a:spcAft>
-              <a:buClr>
-                <a:srgbClr val="000000"/>
-              </a:buClr>
-              <a:buSzPts val="1200"/>
-              <a:buFont typeface="Times New Roman"/>
-              <a:buNone/>
-            </a:pPr>
-            <a:r>
-              <a:rPr lang="en-US" sz="1200" dirty="0" smtClean="0">
-                <a:solidFill>
-                  <a:srgbClr val="898989"/>
-                </a:solidFill>
-                <a:latin typeface="Calibri"/>
-                <a:ea typeface="Calibri"/>
-                <a:cs typeface="Calibri"/>
-                <a:sym typeface="Calibri"/>
-              </a:rPr>
-              <a:t>21</a:t>
-            </a:r>
-            <a:r>
-              <a:rPr lang="en-US" sz="1200" b="0" i="0" u="none" dirty="0" smtClean="0">
-                <a:solidFill>
-                  <a:srgbClr val="898989"/>
-                </a:solidFill>
-                <a:latin typeface="Calibri"/>
-                <a:ea typeface="Calibri"/>
-                <a:cs typeface="Calibri"/>
-                <a:sym typeface="Calibri"/>
-              </a:rPr>
-              <a:t>/</a:t>
-            </a:r>
-            <a:r>
-              <a:rPr lang="en-US" sz="1200" dirty="0" smtClean="0">
-                <a:solidFill>
-                  <a:srgbClr val="898989"/>
-                </a:solidFill>
-                <a:latin typeface="Calibri"/>
-                <a:ea typeface="Calibri"/>
-                <a:cs typeface="Calibri"/>
-                <a:sym typeface="Calibri"/>
-              </a:rPr>
-              <a:t>10</a:t>
-            </a:r>
-            <a:r>
-              <a:rPr lang="en-US" sz="1200" b="0" i="0" u="none" dirty="0" smtClean="0">
-                <a:solidFill>
-                  <a:srgbClr val="898989"/>
-                </a:solidFill>
-                <a:latin typeface="Calibri"/>
-                <a:ea typeface="Calibri"/>
-                <a:cs typeface="Calibri"/>
-                <a:sym typeface="Calibri"/>
-              </a:rPr>
-              <a:t>/19</a:t>
-            </a:r>
-            <a:endParaRPr lang="en-US" sz="1200" b="0" i="0" u="none" dirty="0">
-              <a:solidFill>
-                <a:srgbClr val="898989"/>
-              </a:solidFill>
-              <a:latin typeface="Calibri"/>
-              <a:ea typeface="Calibri"/>
-              <a:cs typeface="Calibri"/>
-              <a:sym typeface="Calibri"/>
             </a:endParaRPr>
           </a:p>
         </p:txBody>
@@ -16910,6 +16882,70 @@
           </a:ln>
         </p:spPr>
       </p:pic>
+      <p:sp>
+        <p:nvSpPr>
+          <p:cNvPr id="2" name="Date Placeholder 1"/>
+          <p:cNvSpPr>
+            <a:spLocks noGrp="1"/>
+          </p:cNvSpPr>
+          <p:nvPr>
+            <p:ph type="dt" idx="10"/>
+          </p:nvPr>
+        </p:nvSpPr>
+        <p:spPr/>
+        <p:txBody>
+          <a:bodyPr/>
+          <a:lstStyle/>
+          <a:p>
+            <a:fld id="{36EA19C1-9E89-4471-9C20-66AF91AE2279}" type="datetime3">
+              <a:rPr lang="en-US" smtClean="0"/>
+              <a:t>3 November 2019</a:t>
+            </a:fld>
+            <a:endParaRPr lang="en-US" dirty="0"/>
+          </a:p>
+        </p:txBody>
+      </p:sp>
+      <p:sp>
+        <p:nvSpPr>
+          <p:cNvPr id="3" name="Slide Number Placeholder 2"/>
+          <p:cNvSpPr>
+            <a:spLocks noGrp="1"/>
+          </p:cNvSpPr>
+          <p:nvPr>
+            <p:ph type="sldNum" idx="12"/>
+          </p:nvPr>
+        </p:nvSpPr>
+        <p:spPr/>
+        <p:txBody>
+          <a:bodyPr/>
+          <a:lstStyle/>
+          <a:p>
+            <a:pPr marL="0" lvl="0" indent="0" algn="r" rtl="0">
+              <a:spcBef>
+                <a:spcPts val="0"/>
+              </a:spcBef>
+              <a:spcAft>
+                <a:spcPts val="0"/>
+              </a:spcAft>
+              <a:buNone/>
+            </a:pPr>
+            <a:fld id="{00000000-1234-1234-1234-123412341234}" type="slidenum">
+              <a:rPr lang="en-US" smtClean="0"/>
+              <a:pPr marL="0" lvl="0" indent="0" algn="r" rtl="0">
+                <a:spcBef>
+                  <a:spcPts val="0"/>
+                </a:spcBef>
+                <a:spcAft>
+                  <a:spcPts val="0"/>
+                </a:spcAft>
+                <a:buNone/>
+              </a:pPr>
+              <a:t>1</a:t>
+            </a:fld>
+            <a:endParaRPr lang="en-US"/>
+          </a:p>
+        </p:txBody>
+      </p:sp>
     </p:spTree>
   </p:cSld>
   <p:clrMapOvr>
@@ -17094,63 +17130,6 @@
       </p:pic>
       <p:sp>
         <p:nvSpPr>
-          <p:cNvPr id="8" name="Google Shape;122;p16"/>
-          <p:cNvSpPr txBox="1"/>
-          <p:nvPr/>
-        </p:nvSpPr>
-        <p:spPr>
-          <a:xfrm>
-            <a:off x="457200" y="6356350"/>
-            <a:ext cx="2133600" cy="365125"/>
-          </a:xfrm>
-          <a:prstGeom prst="rect">
-            <a:avLst/>
-          </a:prstGeom>
-          <a:noFill/>
-          <a:ln>
-            <a:noFill/>
-          </a:ln>
-        </p:spPr>
-        <p:txBody>
-          <a:bodyPr spcFirstLastPara="1" wrap="square" lIns="90000" tIns="46800" rIns="90000" bIns="46800" anchor="ctr" anchorCtr="0">
-            <a:noAutofit/>
-          </a:bodyPr>
-          <a:lstStyle/>
-          <a:p>
-            <a:pPr marL="0" marR="0" lvl="0" indent="0" algn="l" rtl="0">
-              <a:lnSpc>
-                <a:spcPct val="100000"/>
-              </a:lnSpc>
-              <a:spcBef>
-                <a:spcPts val="0"/>
-              </a:spcBef>
-              <a:spcAft>
-                <a:spcPts val="0"/>
-              </a:spcAft>
-              <a:buClr>
-                <a:srgbClr val="000000"/>
-              </a:buClr>
-              <a:buSzPts val="1200"/>
-              <a:buFont typeface="Times New Roman"/>
-              <a:buNone/>
-            </a:pPr>
-            <a:r>
-              <a:rPr lang="en-US" sz="1200" b="0" i="0" u="none">
-                <a:solidFill>
-                  <a:srgbClr val="898989"/>
-                </a:solidFill>
-                <a:latin typeface="Calibri"/>
-                <a:ea typeface="Calibri"/>
-                <a:cs typeface="Calibri"/>
-                <a:sym typeface="Calibri"/>
-              </a:rPr>
-              <a:t>02/08/19</a:t>
-            </a:r>
-          </a:p>
-        </p:txBody>
-      </p:sp>
-      <p:sp>
-        <p:nvSpPr>
           <p:cNvPr id="9" name="Google Shape;123;p16"/>
           <p:cNvSpPr txBox="1"/>
           <p:nvPr/>
@@ -17281,6 +17260,70 @@
               </a:rPr>
               <a:t>CSE Department, JECC</a:t>
             </a:r>
+          </a:p>
+        </p:txBody>
+      </p:sp>
+      <p:sp>
+        <p:nvSpPr>
+          <p:cNvPr id="5" name="Date Placeholder 4"/>
+          <p:cNvSpPr>
+            <a:spLocks noGrp="1"/>
+          </p:cNvSpPr>
+          <p:nvPr>
+            <p:ph type="dt" idx="10"/>
+          </p:nvPr>
+        </p:nvSpPr>
+        <p:spPr/>
+        <p:txBody>
+          <a:bodyPr/>
+          <a:lstStyle/>
+          <a:p>
+            <a:fld id="{77A50DEA-F9E7-43E0-A9AF-B25A651942E5}" type="datetime3">
+              <a:rPr lang="en-US" smtClean="0"/>
+              <a:t>3 November 2019</a:t>
+            </a:fld>
+            <a:endParaRPr lang="en-US"/>
+          </a:p>
+        </p:txBody>
+      </p:sp>
+      <p:sp>
+        <p:nvSpPr>
+          <p:cNvPr id="6" name="Slide Number Placeholder 5"/>
+          <p:cNvSpPr>
+            <a:spLocks noGrp="1"/>
+          </p:cNvSpPr>
+          <p:nvPr>
+            <p:ph type="sldNum" idx="12"/>
+          </p:nvPr>
+        </p:nvSpPr>
+        <p:spPr/>
+        <p:txBody>
+          <a:bodyPr/>
+          <a:lstStyle/>
+          <a:p>
+            <a:pPr marL="0" lvl="0" indent="0" algn="r" rtl="0">
+              <a:spcBef>
+                <a:spcPts val="0"/>
+              </a:spcBef>
+              <a:spcAft>
+                <a:spcPts val="0"/>
+              </a:spcAft>
+              <a:buNone/>
+            </a:pPr>
+            <a:fld id="{00000000-1234-1234-1234-123412341234}" type="slidenum">
+              <a:rPr lang="en-US" smtClean="0"/>
+              <a:pPr marL="0" lvl="0" indent="0" algn="r" rtl="0">
+                <a:spcBef>
+                  <a:spcPts val="0"/>
+                </a:spcBef>
+                <a:spcAft>
+                  <a:spcPts val="0"/>
+                </a:spcAft>
+                <a:buNone/>
+              </a:pPr>
+              <a:t>10</a:t>
+            </a:fld>
+            <a:endParaRPr lang="en-US"/>
           </a:p>
         </p:txBody>
       </p:sp>
@@ -17584,63 +17627,6 @@
       </p:sp>
       <p:sp>
         <p:nvSpPr>
-          <p:cNvPr id="1048613" name="Google Shape;122;p16"/>
-          <p:cNvSpPr txBox="1"/>
-          <p:nvPr/>
-        </p:nvSpPr>
-        <p:spPr>
-          <a:xfrm>
-            <a:off x="457200" y="6356350"/>
-            <a:ext cx="2133600" cy="365125"/>
-          </a:xfrm>
-          <a:prstGeom prst="rect">
-            <a:avLst/>
-          </a:prstGeom>
-          <a:noFill/>
-          <a:ln>
-            <a:noFill/>
-          </a:ln>
-        </p:spPr>
-        <p:txBody>
-          <a:bodyPr spcFirstLastPara="1" wrap="square" lIns="90000" tIns="46800" rIns="90000" bIns="46800" anchor="ctr" anchorCtr="0">
-            <a:noAutofit/>
-          </a:bodyPr>
-          <a:lstStyle/>
-          <a:p>
-            <a:pPr marL="0" marR="0" lvl="0" indent="0" algn="l" rtl="0">
-              <a:lnSpc>
-                <a:spcPct val="100000"/>
-              </a:lnSpc>
-              <a:spcBef>
-                <a:spcPts val="0"/>
-              </a:spcBef>
-              <a:spcAft>
-                <a:spcPts val="0"/>
-              </a:spcAft>
-              <a:buClr>
-                <a:srgbClr val="000000"/>
-              </a:buClr>
-              <a:buSzPts val="1200"/>
-              <a:buFont typeface="Times New Roman"/>
-              <a:buNone/>
-            </a:pPr>
-            <a:r>
-              <a:rPr lang="en-US" sz="1200" b="0" i="0" u="none">
-                <a:solidFill>
-                  <a:srgbClr val="898989"/>
-                </a:solidFill>
-                <a:latin typeface="Calibri"/>
-                <a:ea typeface="Calibri"/>
-                <a:cs typeface="Calibri"/>
-                <a:sym typeface="Calibri"/>
-              </a:rPr>
-              <a:t>02/08/19</a:t>
-            </a:r>
-          </a:p>
-        </p:txBody>
-      </p:sp>
-      <p:sp>
-        <p:nvSpPr>
           <p:cNvPr id="1048614" name="Google Shape;123;p16"/>
           <p:cNvSpPr txBox="1"/>
           <p:nvPr/>
@@ -18007,15 +17993,69 @@
               <a:cs typeface="Times New Roman" pitchFamily="18" charset="0"/>
             </a:endParaRPr>
           </a:p>
-          <a:p>
-            <a:pPr marL="228600" indent="0"/>
-            <a:endParaRPr lang="en-IN" sz="2400" b="1" dirty="0" smtClean="0">
-              <a:solidFill>
-                <a:schemeClr val="tx1"/>
-              </a:solidFill>
-              <a:latin typeface="Times New Roman" pitchFamily="18" charset="0"/>
-              <a:cs typeface="Times New Roman" pitchFamily="18" charset="0"/>
-            </a:endParaRPr>
+        </p:txBody>
+      </p:sp>
+      <p:sp>
+        <p:nvSpPr>
+          <p:cNvPr id="4" name="Date Placeholder 3"/>
+          <p:cNvSpPr>
+            <a:spLocks noGrp="1"/>
+          </p:cNvSpPr>
+          <p:nvPr>
+            <p:ph type="dt" idx="10"/>
+          </p:nvPr>
+        </p:nvSpPr>
+        <p:spPr/>
+        <p:txBody>
+          <a:bodyPr/>
+          <a:lstStyle/>
+          <a:p>
+            <a:fld id="{3333FE81-FA28-4D02-B46A-0D6A6DA33FCC}" type="datetime3">
+              <a:rPr lang="en-US" smtClean="0"/>
+              <a:t>3 November 2019</a:t>
+            </a:fld>
+            <a:endParaRPr lang="en-US"/>
+          </a:p>
+        </p:txBody>
+      </p:sp>
+      <p:sp>
+        <p:nvSpPr>
+          <p:cNvPr id="5" name="Slide Number Placeholder 4"/>
+          <p:cNvSpPr>
+            <a:spLocks noGrp="1"/>
+          </p:cNvSpPr>
+          <p:nvPr>
+            <p:ph type="sldNum" idx="12"/>
+          </p:nvPr>
+        </p:nvSpPr>
+        <p:spPr/>
+        <p:txBody>
+          <a:bodyPr/>
+          <a:lstStyle/>
+          <a:p>
+            <a:pPr marL="0" lvl="0" indent="0" algn="r" rtl="0">
+              <a:spcBef>
+                <a:spcPts val="0"/>
+              </a:spcBef>
+              <a:spcAft>
+                <a:spcPts val="0"/>
+              </a:spcAft>
+              <a:buNone/>
+            </a:pPr>
+            <a:fld id="{00000000-1234-1234-1234-123412341234}" type="slidenum">
+              <a:rPr lang="en-US" smtClean="0"/>
+              <a:pPr marL="0" lvl="0" indent="0" algn="r" rtl="0">
+                <a:spcBef>
+                  <a:spcPts val="0"/>
+                </a:spcBef>
+                <a:spcAft>
+                  <a:spcPts val="0"/>
+                </a:spcAft>
+                <a:buNone/>
+              </a:pPr>
+              <a:t>11</a:t>
+            </a:fld>
+            <a:endParaRPr lang="en-US"/>
           </a:p>
         </p:txBody>
       </p:sp>
@@ -18266,63 +18306,6 @@
       </p:pic>
       <p:sp>
         <p:nvSpPr>
-          <p:cNvPr id="6" name="Google Shape;122;p16"/>
-          <p:cNvSpPr txBox="1"/>
-          <p:nvPr/>
-        </p:nvSpPr>
-        <p:spPr>
-          <a:xfrm>
-            <a:off x="457200" y="6356350"/>
-            <a:ext cx="2133600" cy="365125"/>
-          </a:xfrm>
-          <a:prstGeom prst="rect">
-            <a:avLst/>
-          </a:prstGeom>
-          <a:noFill/>
-          <a:ln>
-            <a:noFill/>
-          </a:ln>
-        </p:spPr>
-        <p:txBody>
-          <a:bodyPr spcFirstLastPara="1" wrap="square" lIns="90000" tIns="46800" rIns="90000" bIns="46800" anchor="ctr" anchorCtr="0">
-            <a:noAutofit/>
-          </a:bodyPr>
-          <a:lstStyle/>
-          <a:p>
-            <a:pPr marL="0" marR="0" lvl="0" indent="0" algn="l" rtl="0">
-              <a:lnSpc>
-                <a:spcPct val="100000"/>
-              </a:lnSpc>
-              <a:spcBef>
-                <a:spcPts val="0"/>
-              </a:spcBef>
-              <a:spcAft>
-                <a:spcPts val="0"/>
-              </a:spcAft>
-              <a:buClr>
-                <a:srgbClr val="000000"/>
-              </a:buClr>
-              <a:buSzPts val="1200"/>
-              <a:buFont typeface="Times New Roman"/>
-              <a:buNone/>
-            </a:pPr>
-            <a:r>
-              <a:rPr lang="en-US" sz="1200" b="0" i="0" u="none">
-                <a:solidFill>
-                  <a:srgbClr val="898989"/>
-                </a:solidFill>
-                <a:latin typeface="Calibri"/>
-                <a:ea typeface="Calibri"/>
-                <a:cs typeface="Calibri"/>
-                <a:sym typeface="Calibri"/>
-              </a:rPr>
-              <a:t>02/08/19</a:t>
-            </a:r>
-          </a:p>
-        </p:txBody>
-      </p:sp>
-      <p:sp>
-        <p:nvSpPr>
           <p:cNvPr id="7" name="Google Shape;123;p16"/>
           <p:cNvSpPr txBox="1"/>
           <p:nvPr/>
@@ -18470,6 +18453,70 @@
               </a:rPr>
               <a:t>CSE Department, JECC</a:t>
             </a:r>
+          </a:p>
+        </p:txBody>
+      </p:sp>
+      <p:sp>
+        <p:nvSpPr>
+          <p:cNvPr id="5" name="Date Placeholder 4"/>
+          <p:cNvSpPr>
+            <a:spLocks noGrp="1"/>
+          </p:cNvSpPr>
+          <p:nvPr>
+            <p:ph type="dt" idx="10"/>
+          </p:nvPr>
+        </p:nvSpPr>
+        <p:spPr/>
+        <p:txBody>
+          <a:bodyPr/>
+          <a:lstStyle/>
+          <a:p>
+            <a:fld id="{5672B7DF-D12F-45D7-BB48-FB220F89D4BC}" type="datetime3">
+              <a:rPr lang="en-US" smtClean="0"/>
+              <a:t>3 November 2019</a:t>
+            </a:fld>
+            <a:endParaRPr lang="en-US"/>
+          </a:p>
+        </p:txBody>
+      </p:sp>
+      <p:sp>
+        <p:nvSpPr>
+          <p:cNvPr id="9" name="Slide Number Placeholder 8"/>
+          <p:cNvSpPr>
+            <a:spLocks noGrp="1"/>
+          </p:cNvSpPr>
+          <p:nvPr>
+            <p:ph type="sldNum" idx="12"/>
+          </p:nvPr>
+        </p:nvSpPr>
+        <p:spPr/>
+        <p:txBody>
+          <a:bodyPr/>
+          <a:lstStyle/>
+          <a:p>
+            <a:pPr marL="0" lvl="0" indent="0" algn="r" rtl="0">
+              <a:spcBef>
+                <a:spcPts val="0"/>
+              </a:spcBef>
+              <a:spcAft>
+                <a:spcPts val="0"/>
+              </a:spcAft>
+              <a:buNone/>
+            </a:pPr>
+            <a:fld id="{00000000-1234-1234-1234-123412341234}" type="slidenum">
+              <a:rPr lang="en-US" smtClean="0"/>
+              <a:pPr marL="0" lvl="0" indent="0" algn="r" rtl="0">
+                <a:spcBef>
+                  <a:spcPts val="0"/>
+                </a:spcBef>
+                <a:spcAft>
+                  <a:spcPts val="0"/>
+                </a:spcAft>
+                <a:buNone/>
+              </a:pPr>
+              <a:t>12</a:t>
+            </a:fld>
+            <a:endParaRPr lang="en-US"/>
           </a:p>
         </p:txBody>
       </p:sp>
@@ -18773,63 +18820,6 @@
       </p:sp>
       <p:sp>
         <p:nvSpPr>
-          <p:cNvPr id="1048613" name="Google Shape;122;p16"/>
-          <p:cNvSpPr txBox="1"/>
-          <p:nvPr/>
-        </p:nvSpPr>
-        <p:spPr>
-          <a:xfrm>
-            <a:off x="457200" y="6356350"/>
-            <a:ext cx="2133600" cy="365125"/>
-          </a:xfrm>
-          <a:prstGeom prst="rect">
-            <a:avLst/>
-          </a:prstGeom>
-          <a:noFill/>
-          <a:ln>
-            <a:noFill/>
-          </a:ln>
-        </p:spPr>
-        <p:txBody>
-          <a:bodyPr spcFirstLastPara="1" wrap="square" lIns="90000" tIns="46800" rIns="90000" bIns="46800" anchor="ctr" anchorCtr="0">
-            <a:noAutofit/>
-          </a:bodyPr>
-          <a:lstStyle/>
-          <a:p>
-            <a:pPr marL="0" marR="0" lvl="0" indent="0" algn="l" rtl="0">
-              <a:lnSpc>
-                <a:spcPct val="100000"/>
-              </a:lnSpc>
-              <a:spcBef>
-                <a:spcPts val="0"/>
-              </a:spcBef>
-              <a:spcAft>
-                <a:spcPts val="0"/>
-              </a:spcAft>
-              <a:buClr>
-                <a:srgbClr val="000000"/>
-              </a:buClr>
-              <a:buSzPts val="1200"/>
-              <a:buFont typeface="Times New Roman"/>
-              <a:buNone/>
-            </a:pPr>
-            <a:r>
-              <a:rPr lang="en-US" sz="1200" b="0" i="0" u="none">
-                <a:solidFill>
-                  <a:srgbClr val="898989"/>
-                </a:solidFill>
-                <a:latin typeface="Calibri"/>
-                <a:ea typeface="Calibri"/>
-                <a:cs typeface="Calibri"/>
-                <a:sym typeface="Calibri"/>
-              </a:rPr>
-              <a:t>02/08/19</a:t>
-            </a:r>
-          </a:p>
-        </p:txBody>
-      </p:sp>
-      <p:sp>
-        <p:nvSpPr>
           <p:cNvPr id="1048614" name="Google Shape;123;p16"/>
           <p:cNvSpPr txBox="1"/>
           <p:nvPr/>
@@ -19125,7 +19115,7 @@
                 <a:latin typeface="Times New Roman" pitchFamily="18" charset="0"/>
                 <a:cs typeface="Times New Roman" pitchFamily="18" charset="0"/>
               </a:rPr>
-              <a:t>Enhanced MSER images are fed into this detector and different components are filtered according to set of geometric rules and OCR confidence </a:t>
+              <a:t>Enhanced MSER images are fed into this detector and different components are filtered according to set of geometric rules </a:t>
             </a:r>
           </a:p>
           <a:p>
@@ -19134,6 +19124,70 @@
               <a:latin typeface="Times New Roman" pitchFamily="18" charset="0"/>
               <a:cs typeface="Times New Roman" pitchFamily="18" charset="0"/>
             </a:endParaRPr>
+          </a:p>
+        </p:txBody>
+      </p:sp>
+      <p:sp>
+        <p:nvSpPr>
+          <p:cNvPr id="4" name="Date Placeholder 3"/>
+          <p:cNvSpPr>
+            <a:spLocks noGrp="1"/>
+          </p:cNvSpPr>
+          <p:nvPr>
+            <p:ph type="dt" idx="10"/>
+          </p:nvPr>
+        </p:nvSpPr>
+        <p:spPr/>
+        <p:txBody>
+          <a:bodyPr/>
+          <a:lstStyle/>
+          <a:p>
+            <a:fld id="{5FC592C2-BFFD-49BE-BA0D-20632B6244C9}" type="datetime3">
+              <a:rPr lang="en-US" smtClean="0"/>
+              <a:t>3 November 2019</a:t>
+            </a:fld>
+            <a:endParaRPr lang="en-US"/>
+          </a:p>
+        </p:txBody>
+      </p:sp>
+      <p:sp>
+        <p:nvSpPr>
+          <p:cNvPr id="5" name="Slide Number Placeholder 4"/>
+          <p:cNvSpPr>
+            <a:spLocks noGrp="1"/>
+          </p:cNvSpPr>
+          <p:nvPr>
+            <p:ph type="sldNum" idx="12"/>
+          </p:nvPr>
+        </p:nvSpPr>
+        <p:spPr/>
+        <p:txBody>
+          <a:bodyPr/>
+          <a:lstStyle/>
+          <a:p>
+            <a:pPr marL="0" lvl="0" indent="0" algn="r" rtl="0">
+              <a:spcBef>
+                <a:spcPts val="0"/>
+              </a:spcBef>
+              <a:spcAft>
+                <a:spcPts val="0"/>
+              </a:spcAft>
+              <a:buNone/>
+            </a:pPr>
+            <a:fld id="{00000000-1234-1234-1234-123412341234}" type="slidenum">
+              <a:rPr lang="en-US" smtClean="0"/>
+              <a:pPr marL="0" lvl="0" indent="0" algn="r" rtl="0">
+                <a:spcBef>
+                  <a:spcPts val="0"/>
+                </a:spcBef>
+                <a:spcAft>
+                  <a:spcPts val="0"/>
+                </a:spcAft>
+                <a:buNone/>
+              </a:pPr>
+              <a:t>13</a:t>
+            </a:fld>
+            <a:endParaRPr lang="en-US"/>
           </a:p>
         </p:txBody>
       </p:sp>
@@ -19239,7 +19293,7 @@
                 <a:latin typeface="Times New Roman" pitchFamily="18" charset="0"/>
                 <a:cs typeface="Times New Roman" pitchFamily="18" charset="0"/>
               </a:rPr>
-              <a:t>13% significant improvement compared to existing text extraction approach</a:t>
+              <a:t>13% significant improvement compared to existing text extraction approach using normal MSER</a:t>
             </a:r>
           </a:p>
           <a:p>
@@ -19319,63 +19373,6 @@
       </p:pic>
       <p:sp>
         <p:nvSpPr>
-          <p:cNvPr id="6" name="Google Shape;122;p16"/>
-          <p:cNvSpPr txBox="1"/>
-          <p:nvPr/>
-        </p:nvSpPr>
-        <p:spPr>
-          <a:xfrm>
-            <a:off x="457200" y="6356350"/>
-            <a:ext cx="2133600" cy="365125"/>
-          </a:xfrm>
-          <a:prstGeom prst="rect">
-            <a:avLst/>
-          </a:prstGeom>
-          <a:noFill/>
-          <a:ln>
-            <a:noFill/>
-          </a:ln>
-        </p:spPr>
-        <p:txBody>
-          <a:bodyPr spcFirstLastPara="1" wrap="square" lIns="90000" tIns="46800" rIns="90000" bIns="46800" anchor="ctr" anchorCtr="0">
-            <a:noAutofit/>
-          </a:bodyPr>
-          <a:lstStyle/>
-          <a:p>
-            <a:pPr marL="0" marR="0" lvl="0" indent="0" algn="l" rtl="0">
-              <a:lnSpc>
-                <a:spcPct val="100000"/>
-              </a:lnSpc>
-              <a:spcBef>
-                <a:spcPts val="0"/>
-              </a:spcBef>
-              <a:spcAft>
-                <a:spcPts val="0"/>
-              </a:spcAft>
-              <a:buClr>
-                <a:srgbClr val="000000"/>
-              </a:buClr>
-              <a:buSzPts val="1200"/>
-              <a:buFont typeface="Times New Roman"/>
-              <a:buNone/>
-            </a:pPr>
-            <a:r>
-              <a:rPr lang="en-US" sz="1200" b="0" i="0" u="none">
-                <a:solidFill>
-                  <a:srgbClr val="898989"/>
-                </a:solidFill>
-                <a:latin typeface="Calibri"/>
-                <a:ea typeface="Calibri"/>
-                <a:cs typeface="Calibri"/>
-                <a:sym typeface="Calibri"/>
-              </a:rPr>
-              <a:t>02/08/19</a:t>
-            </a:r>
-          </a:p>
-        </p:txBody>
-      </p:sp>
-      <p:sp>
-        <p:nvSpPr>
           <p:cNvPr id="7" name="Google Shape;123;p16"/>
           <p:cNvSpPr txBox="1"/>
           <p:nvPr/>
@@ -19506,6 +19503,70 @@
               </a:rPr>
               <a:t>CSE Department, JECC</a:t>
             </a:r>
+          </a:p>
+        </p:txBody>
+      </p:sp>
+      <p:sp>
+        <p:nvSpPr>
+          <p:cNvPr id="5" name="Date Placeholder 4"/>
+          <p:cNvSpPr>
+            <a:spLocks noGrp="1"/>
+          </p:cNvSpPr>
+          <p:nvPr>
+            <p:ph type="dt" idx="10"/>
+          </p:nvPr>
+        </p:nvSpPr>
+        <p:spPr/>
+        <p:txBody>
+          <a:bodyPr/>
+          <a:lstStyle/>
+          <a:p>
+            <a:fld id="{F5BFABCB-F89A-44F1-BBF1-CB88B8B51F8A}" type="datetime3">
+              <a:rPr lang="en-US" smtClean="0"/>
+              <a:t>3 November 2019</a:t>
+            </a:fld>
+            <a:endParaRPr lang="en-US"/>
+          </a:p>
+        </p:txBody>
+      </p:sp>
+      <p:sp>
+        <p:nvSpPr>
+          <p:cNvPr id="9" name="Slide Number Placeholder 8"/>
+          <p:cNvSpPr>
+            <a:spLocks noGrp="1"/>
+          </p:cNvSpPr>
+          <p:nvPr>
+            <p:ph type="sldNum" idx="12"/>
+          </p:nvPr>
+        </p:nvSpPr>
+        <p:spPr/>
+        <p:txBody>
+          <a:bodyPr/>
+          <a:lstStyle/>
+          <a:p>
+            <a:pPr marL="0" lvl="0" indent="0" algn="r" rtl="0">
+              <a:spcBef>
+                <a:spcPts val="0"/>
+              </a:spcBef>
+              <a:spcAft>
+                <a:spcPts val="0"/>
+              </a:spcAft>
+              <a:buNone/>
+            </a:pPr>
+            <a:fld id="{00000000-1234-1234-1234-123412341234}" type="slidenum">
+              <a:rPr lang="en-US" smtClean="0"/>
+              <a:pPr marL="0" lvl="0" indent="0" algn="r" rtl="0">
+                <a:spcBef>
+                  <a:spcPts val="0"/>
+                </a:spcBef>
+                <a:spcAft>
+                  <a:spcPts val="0"/>
+                </a:spcAft>
+                <a:buNone/>
+              </a:pPr>
+              <a:t>14</a:t>
+            </a:fld>
+            <a:endParaRPr lang="en-US"/>
           </a:p>
         </p:txBody>
       </p:sp>
@@ -19640,7 +19701,7 @@
           <p:nvPr>
             <p:extLst>
               <p:ext uri="{D42A27DB-BD31-4B8C-83A1-F6EECF244321}">
-                <p14:modId xmlns:p14="http://schemas.microsoft.com/office/powerpoint/2010/main" val="120843160"/>
+                <p14:modId xmlns:p14="http://schemas.microsoft.com/office/powerpoint/2010/main" val="1507492500"/>
               </p:ext>
             </p:extLst>
           </p:nvPr>
@@ -20270,31 +20331,7 @@
                           <a:cs typeface="+mn-cs"/>
                           <a:sym typeface="Arial"/>
                         </a:rPr>
-                        <a:t>Maximally Stable </a:t>
-                      </a:r>
-                      <a:r>
-                        <a:rPr lang="en-US" sz="1400" b="0" i="0" u="none" strike="noStrike" cap="none" baseline="0" dirty="0" err="1" smtClean="0">
-                          <a:solidFill>
-                            <a:schemeClr val="tx1"/>
-                          </a:solidFill>
-                          <a:latin typeface="+mn-lt"/>
-                          <a:ea typeface="+mn-ea"/>
-                          <a:cs typeface="+mn-cs"/>
-                          <a:sym typeface="Arial"/>
-                        </a:rPr>
-                        <a:t>Extremal</a:t>
-                      </a:r>
-                      <a:r>
-                        <a:rPr lang="en-US" sz="1400" b="0" i="0" u="none" strike="noStrike" cap="none" baseline="0" dirty="0" smtClean="0">
-                          <a:solidFill>
-                            <a:schemeClr val="tx1"/>
-                          </a:solidFill>
-                          <a:latin typeface="+mn-lt"/>
-                          <a:ea typeface="+mn-ea"/>
-                          <a:cs typeface="+mn-cs"/>
-                          <a:sym typeface="Arial"/>
-                        </a:rPr>
-                        <a:t> Regions (MSER) detection, </a:t>
+                        <a:t>Maximally Stable Extremal Regions (MSER) detection, </a:t>
                       </a:r>
                       <a:r>
                         <a:rPr lang="en-IN" sz="1400" b="0" i="0" u="none" strike="noStrike" cap="none" baseline="0" dirty="0" smtClean="0">
@@ -20416,63 +20453,6 @@
       </p:graphicFrame>
       <p:sp>
         <p:nvSpPr>
-          <p:cNvPr id="7" name="Google Shape;122;p16"/>
-          <p:cNvSpPr txBox="1"/>
-          <p:nvPr/>
-        </p:nvSpPr>
-        <p:spPr>
-          <a:xfrm>
-            <a:off x="457200" y="6356350"/>
-            <a:ext cx="2133600" cy="365125"/>
-          </a:xfrm>
-          <a:prstGeom prst="rect">
-            <a:avLst/>
-          </a:prstGeom>
-          <a:noFill/>
-          <a:ln>
-            <a:noFill/>
-          </a:ln>
-        </p:spPr>
-        <p:txBody>
-          <a:bodyPr spcFirstLastPara="1" wrap="square" lIns="90000" tIns="46800" rIns="90000" bIns="46800" anchor="ctr" anchorCtr="0">
-            <a:noAutofit/>
-          </a:bodyPr>
-          <a:lstStyle/>
-          <a:p>
-            <a:pPr marL="0" marR="0" lvl="0" indent="0" algn="l" rtl="0">
-              <a:lnSpc>
-                <a:spcPct val="100000"/>
-              </a:lnSpc>
-              <a:spcBef>
-                <a:spcPts val="0"/>
-              </a:spcBef>
-              <a:spcAft>
-                <a:spcPts val="0"/>
-              </a:spcAft>
-              <a:buClr>
-                <a:srgbClr val="000000"/>
-              </a:buClr>
-              <a:buSzPts val="1200"/>
-              <a:buFont typeface="Times New Roman"/>
-              <a:buNone/>
-            </a:pPr>
-            <a:r>
-              <a:rPr lang="en-US" sz="1200" b="0" i="0" u="none">
-                <a:solidFill>
-                  <a:srgbClr val="898989"/>
-                </a:solidFill>
-                <a:latin typeface="Calibri"/>
-                <a:ea typeface="Calibri"/>
-                <a:cs typeface="Calibri"/>
-                <a:sym typeface="Calibri"/>
-              </a:rPr>
-              <a:t>02/08/19</a:t>
-            </a:r>
-          </a:p>
-        </p:txBody>
-      </p:sp>
-      <p:sp>
-        <p:nvSpPr>
           <p:cNvPr id="8" name="Google Shape;123;p16"/>
           <p:cNvSpPr txBox="1"/>
           <p:nvPr/>
@@ -20580,7 +20560,7 @@
               <a:buNone/>
             </a:pPr>
             <a:r>
-              <a:rPr lang="en-US" sz="1800" b="1" i="0" u="none">
+              <a:rPr lang="en-US" sz="1800" b="1" i="0" u="none" dirty="0">
                 <a:solidFill>
                   <a:srgbClr val="000000"/>
                 </a:solidFill>
@@ -20592,7 +20572,7 @@
               <a:t>                       </a:t>
             </a:r>
             <a:r>
-              <a:rPr lang="en-US" sz="1600" b="0" i="0" u="none">
+              <a:rPr lang="en-US" sz="1600" b="0" i="0" u="none" dirty="0">
                 <a:solidFill>
                   <a:srgbClr val="000000"/>
                 </a:solidFill>
@@ -20603,6 +20583,70 @@
               </a:rPr>
               <a:t>CSE Department, JECC</a:t>
             </a:r>
+          </a:p>
+        </p:txBody>
+      </p:sp>
+      <p:sp>
+        <p:nvSpPr>
+          <p:cNvPr id="6" name="Date Placeholder 5"/>
+          <p:cNvSpPr>
+            <a:spLocks noGrp="1"/>
+          </p:cNvSpPr>
+          <p:nvPr>
+            <p:ph type="dt" idx="10"/>
+          </p:nvPr>
+        </p:nvSpPr>
+        <p:spPr/>
+        <p:txBody>
+          <a:bodyPr/>
+          <a:lstStyle/>
+          <a:p>
+            <a:fld id="{C27A11A5-CAAE-4D21-8063-C2C60687B336}" type="datetime3">
+              <a:rPr lang="en-US" smtClean="0"/>
+              <a:t>3 November 2019</a:t>
+            </a:fld>
+            <a:endParaRPr lang="en-US"/>
+          </a:p>
+        </p:txBody>
+      </p:sp>
+      <p:sp>
+        <p:nvSpPr>
+          <p:cNvPr id="10" name="Slide Number Placeholder 9"/>
+          <p:cNvSpPr>
+            <a:spLocks noGrp="1"/>
+          </p:cNvSpPr>
+          <p:nvPr>
+            <p:ph type="sldNum" idx="12"/>
+          </p:nvPr>
+        </p:nvSpPr>
+        <p:spPr/>
+        <p:txBody>
+          <a:bodyPr/>
+          <a:lstStyle/>
+          <a:p>
+            <a:pPr marL="0" lvl="0" indent="0" algn="r" rtl="0">
+              <a:spcBef>
+                <a:spcPts val="0"/>
+              </a:spcBef>
+              <a:spcAft>
+                <a:spcPts val="0"/>
+              </a:spcAft>
+              <a:buNone/>
+            </a:pPr>
+            <a:fld id="{00000000-1234-1234-1234-123412341234}" type="slidenum">
+              <a:rPr lang="en-US" smtClean="0"/>
+              <a:pPr marL="0" lvl="0" indent="0" algn="r" rtl="0">
+                <a:spcBef>
+                  <a:spcPts val="0"/>
+                </a:spcBef>
+                <a:spcAft>
+                  <a:spcPts val="0"/>
+                </a:spcAft>
+                <a:buNone/>
+              </a:pPr>
+              <a:t>15</a:t>
+            </a:fld>
+            <a:endParaRPr lang="en-US"/>
           </a:p>
         </p:txBody>
       </p:sp>
@@ -20827,63 +20871,6 @@
       </p:pic>
       <p:sp>
         <p:nvSpPr>
-          <p:cNvPr id="6" name="Google Shape;122;p16"/>
-          <p:cNvSpPr txBox="1"/>
-          <p:nvPr/>
-        </p:nvSpPr>
-        <p:spPr>
-          <a:xfrm>
-            <a:off x="457200" y="6356350"/>
-            <a:ext cx="2133600" cy="365125"/>
-          </a:xfrm>
-          <a:prstGeom prst="rect">
-            <a:avLst/>
-          </a:prstGeom>
-          <a:noFill/>
-          <a:ln>
-            <a:noFill/>
-          </a:ln>
-        </p:spPr>
-        <p:txBody>
-          <a:bodyPr spcFirstLastPara="1" wrap="square" lIns="90000" tIns="46800" rIns="90000" bIns="46800" anchor="ctr" anchorCtr="0">
-            <a:noAutofit/>
-          </a:bodyPr>
-          <a:lstStyle/>
-          <a:p>
-            <a:pPr marL="0" marR="0" lvl="0" indent="0" algn="l" rtl="0">
-              <a:lnSpc>
-                <a:spcPct val="100000"/>
-              </a:lnSpc>
-              <a:spcBef>
-                <a:spcPts val="0"/>
-              </a:spcBef>
-              <a:spcAft>
-                <a:spcPts val="0"/>
-              </a:spcAft>
-              <a:buClr>
-                <a:srgbClr val="000000"/>
-              </a:buClr>
-              <a:buSzPts val="1200"/>
-              <a:buFont typeface="Times New Roman"/>
-              <a:buNone/>
-            </a:pPr>
-            <a:r>
-              <a:rPr lang="en-US" sz="1200" b="0" i="0" u="none">
-                <a:solidFill>
-                  <a:srgbClr val="898989"/>
-                </a:solidFill>
-                <a:latin typeface="Calibri"/>
-                <a:ea typeface="Calibri"/>
-                <a:cs typeface="Calibri"/>
-                <a:sym typeface="Calibri"/>
-              </a:rPr>
-              <a:t>02/08/19</a:t>
-            </a:r>
-          </a:p>
-        </p:txBody>
-      </p:sp>
-      <p:sp>
-        <p:nvSpPr>
           <p:cNvPr id="7" name="Google Shape;123;p16"/>
           <p:cNvSpPr txBox="1"/>
           <p:nvPr/>
@@ -20991,7 +20978,7 @@
               <a:buNone/>
             </a:pPr>
             <a:r>
-              <a:rPr lang="en-US" sz="1800" b="1" i="0" u="none">
+              <a:rPr lang="en-US" sz="1800" b="1" i="0" u="none" dirty="0">
                 <a:solidFill>
                   <a:srgbClr val="000000"/>
                 </a:solidFill>
@@ -21003,7 +20990,7 @@
               <a:t>                       </a:t>
             </a:r>
             <a:r>
-              <a:rPr lang="en-US" sz="1600" b="0" i="0" u="none">
+              <a:rPr lang="en-US" sz="1600" b="0" i="0" u="none" dirty="0">
                 <a:solidFill>
                   <a:srgbClr val="000000"/>
                 </a:solidFill>
@@ -21014,6 +21001,70 @@
               </a:rPr>
               <a:t>CSE Department, JECC</a:t>
             </a:r>
+          </a:p>
+        </p:txBody>
+      </p:sp>
+      <p:sp>
+        <p:nvSpPr>
+          <p:cNvPr id="5" name="Date Placeholder 4"/>
+          <p:cNvSpPr>
+            <a:spLocks noGrp="1"/>
+          </p:cNvSpPr>
+          <p:nvPr>
+            <p:ph type="dt" idx="10"/>
+          </p:nvPr>
+        </p:nvSpPr>
+        <p:spPr/>
+        <p:txBody>
+          <a:bodyPr/>
+          <a:lstStyle/>
+          <a:p>
+            <a:fld id="{77437861-C84C-4E22-8E85-BBBE4511BE06}" type="datetime3">
+              <a:rPr lang="en-US" smtClean="0"/>
+              <a:t>3 November 2019</a:t>
+            </a:fld>
+            <a:endParaRPr lang="en-US"/>
+          </a:p>
+        </p:txBody>
+      </p:sp>
+      <p:sp>
+        <p:nvSpPr>
+          <p:cNvPr id="9" name="Slide Number Placeholder 8"/>
+          <p:cNvSpPr>
+            <a:spLocks noGrp="1"/>
+          </p:cNvSpPr>
+          <p:nvPr>
+            <p:ph type="sldNum" idx="12"/>
+          </p:nvPr>
+        </p:nvSpPr>
+        <p:spPr/>
+        <p:txBody>
+          <a:bodyPr/>
+          <a:lstStyle/>
+          <a:p>
+            <a:pPr marL="0" lvl="0" indent="0" algn="r" rtl="0">
+              <a:spcBef>
+                <a:spcPts val="0"/>
+              </a:spcBef>
+              <a:spcAft>
+                <a:spcPts val="0"/>
+              </a:spcAft>
+              <a:buNone/>
+            </a:pPr>
+            <a:fld id="{00000000-1234-1234-1234-123412341234}" type="slidenum">
+              <a:rPr lang="en-US" smtClean="0"/>
+              <a:pPr marL="0" lvl="0" indent="0" algn="r" rtl="0">
+                <a:spcBef>
+                  <a:spcPts val="0"/>
+                </a:spcBef>
+                <a:spcAft>
+                  <a:spcPts val="0"/>
+                </a:spcAft>
+                <a:buNone/>
+              </a:pPr>
+              <a:t>16</a:t>
+            </a:fld>
+            <a:endParaRPr lang="en-US"/>
           </a:p>
         </p:txBody>
       </p:sp>
@@ -21403,633 +21454,6 @@
       </p:sp>
       <p:sp>
         <p:nvSpPr>
-          <p:cNvPr id="13" name="Rectangle 12"/>
-          <p:cNvSpPr/>
-          <p:nvPr/>
-        </p:nvSpPr>
-        <p:spPr>
-          <a:xfrm>
-            <a:off x="2554597" y="4868499"/>
-            <a:ext cx="1730705" cy="733329"/>
-          </a:xfrm>
-          <a:prstGeom prst="rect">
-            <a:avLst/>
-          </a:prstGeom>
-        </p:spPr>
-        <p:style>
-          <a:lnRef idx="2">
-            <a:schemeClr val="dk1"/>
-          </a:lnRef>
-          <a:fillRef idx="1">
-            <a:schemeClr val="lt1"/>
-          </a:fillRef>
-          <a:effectRef idx="0">
-            <a:schemeClr val="dk1"/>
-          </a:effectRef>
-          <a:fontRef idx="minor">
-            <a:schemeClr val="dk1"/>
-          </a:fontRef>
-        </p:style>
-        <p:txBody>
-          <a:bodyPr rtlCol="0" anchor="ctr"/>
-          <a:lstStyle/>
-          <a:p>
-            <a:pPr algn="ctr"/>
-            <a:r>
-              <a:rPr lang="en-IN" dirty="0" smtClean="0"/>
-              <a:t>Pre Processed Image Database</a:t>
-            </a:r>
-            <a:endParaRPr lang="en-IN" dirty="0"/>
-          </a:p>
-        </p:txBody>
-      </p:sp>
-      <p:cxnSp>
-        <p:nvCxnSpPr>
-          <p:cNvPr id="14" name="Straight Arrow Connector 13"/>
-          <p:cNvCxnSpPr/>
-          <p:nvPr/>
-        </p:nvCxnSpPr>
-        <p:spPr>
-          <a:xfrm flipV="1">
-            <a:off x="3703630" y="4399978"/>
-            <a:ext cx="334220" cy="468521"/>
-          </a:xfrm>
-          <a:prstGeom prst="straightConnector1">
-            <a:avLst/>
-          </a:prstGeom>
-          <a:ln w="19050">
-            <a:solidFill>
-              <a:schemeClr val="tx2"/>
-            </a:solidFill>
-            <a:tailEnd type="triangle"/>
-          </a:ln>
-        </p:spPr>
-        <p:style>
-          <a:lnRef idx="1">
-            <a:schemeClr val="accent1"/>
-          </a:lnRef>
-          <a:fillRef idx="0">
-            <a:schemeClr val="accent1"/>
-          </a:fillRef>
-          <a:effectRef idx="0">
-            <a:schemeClr val="accent1"/>
-          </a:effectRef>
-          <a:fontRef idx="minor">
-            <a:schemeClr val="tx1"/>
-          </a:fontRef>
-        </p:style>
-      </p:cxnSp>
-      <p:cxnSp>
-        <p:nvCxnSpPr>
-          <p:cNvPr id="16" name="Straight Arrow Connector 15"/>
-          <p:cNvCxnSpPr>
-            <a:endCxn id="13" idx="0"/>
-          </p:cNvCxnSpPr>
-          <p:nvPr/>
-        </p:nvCxnSpPr>
-        <p:spPr>
-          <a:xfrm flipH="1">
-            <a:off x="3419950" y="4344147"/>
-            <a:ext cx="198417" cy="524352"/>
-          </a:xfrm>
-          <a:prstGeom prst="straightConnector1">
-            <a:avLst/>
-          </a:prstGeom>
-          <a:ln w="19050">
-            <a:solidFill>
-              <a:schemeClr val="tx2"/>
-            </a:solidFill>
-            <a:tailEnd type="triangle"/>
-          </a:ln>
-        </p:spPr>
-        <p:style>
-          <a:lnRef idx="1">
-            <a:schemeClr val="accent1"/>
-          </a:lnRef>
-          <a:fillRef idx="0">
-            <a:schemeClr val="accent1"/>
-          </a:fillRef>
-          <a:effectRef idx="0">
-            <a:schemeClr val="accent1"/>
-          </a:effectRef>
-          <a:fontRef idx="minor">
-            <a:schemeClr val="tx1"/>
-          </a:fontRef>
-        </p:style>
-      </p:cxnSp>
-      <p:sp>
-        <p:nvSpPr>
-          <p:cNvPr id="20" name="Rectangle 19"/>
-          <p:cNvSpPr/>
-          <p:nvPr/>
-        </p:nvSpPr>
-        <p:spPr>
-          <a:xfrm>
-            <a:off x="2815628" y="2670777"/>
-            <a:ext cx="1348967" cy="497940"/>
-          </a:xfrm>
-          <a:prstGeom prst="rect">
-            <a:avLst/>
-          </a:prstGeom>
-        </p:spPr>
-        <p:style>
-          <a:lnRef idx="2">
-            <a:schemeClr val="dk1"/>
-          </a:lnRef>
-          <a:fillRef idx="1">
-            <a:schemeClr val="lt1"/>
-          </a:fillRef>
-          <a:effectRef idx="0">
-            <a:schemeClr val="dk1"/>
-          </a:effectRef>
-          <a:fontRef idx="minor">
-            <a:schemeClr val="dk1"/>
-          </a:fontRef>
-        </p:style>
-        <p:txBody>
-          <a:bodyPr rtlCol="0" anchor="ctr"/>
-          <a:lstStyle/>
-          <a:p>
-            <a:pPr algn="ctr"/>
-            <a:r>
-              <a:rPr lang="en-IN" dirty="0" smtClean="0"/>
-              <a:t>Answer Key</a:t>
-            </a:r>
-            <a:endParaRPr lang="en-IN" dirty="0"/>
-          </a:p>
-        </p:txBody>
-      </p:sp>
-      <p:cxnSp>
-        <p:nvCxnSpPr>
-          <p:cNvPr id="22" name="Straight Arrow Connector 21"/>
-          <p:cNvCxnSpPr/>
-          <p:nvPr/>
-        </p:nvCxnSpPr>
-        <p:spPr>
-          <a:xfrm>
-            <a:off x="3703630" y="3173248"/>
-            <a:ext cx="225574" cy="366649"/>
-          </a:xfrm>
-          <a:prstGeom prst="straightConnector1">
-            <a:avLst/>
-          </a:prstGeom>
-          <a:ln w="19050">
-            <a:solidFill>
-              <a:schemeClr val="tx2"/>
-            </a:solidFill>
-            <a:tailEnd type="triangle"/>
-          </a:ln>
-        </p:spPr>
-        <p:style>
-          <a:lnRef idx="1">
-            <a:schemeClr val="accent1"/>
-          </a:lnRef>
-          <a:fillRef idx="0">
-            <a:schemeClr val="accent1"/>
-          </a:fillRef>
-          <a:effectRef idx="0">
-            <a:schemeClr val="accent1"/>
-          </a:effectRef>
-          <a:fontRef idx="minor">
-            <a:schemeClr val="tx1"/>
-          </a:fontRef>
-        </p:style>
-      </p:cxnSp>
-      <p:sp>
-        <p:nvSpPr>
-          <p:cNvPr id="24" name="Rectangle 23"/>
-          <p:cNvSpPr/>
-          <p:nvPr/>
-        </p:nvSpPr>
-        <p:spPr>
-          <a:xfrm>
-            <a:off x="5481868" y="4976298"/>
-            <a:ext cx="1692998" cy="570368"/>
-          </a:xfrm>
-          <a:prstGeom prst="rect">
-            <a:avLst/>
-          </a:prstGeom>
-        </p:spPr>
-        <p:style>
-          <a:lnRef idx="2">
-            <a:schemeClr val="dk1"/>
-          </a:lnRef>
-          <a:fillRef idx="1">
-            <a:schemeClr val="lt1"/>
-          </a:fillRef>
-          <a:effectRef idx="0">
-            <a:schemeClr val="dk1"/>
-          </a:effectRef>
-          <a:fontRef idx="minor">
-            <a:schemeClr val="dk1"/>
-          </a:fontRef>
-        </p:style>
-        <p:txBody>
-          <a:bodyPr rtlCol="0" anchor="ctr"/>
-          <a:lstStyle/>
-          <a:p>
-            <a:pPr algn="ctr"/>
-            <a:r>
-              <a:rPr lang="en-IN" dirty="0" smtClean="0"/>
-              <a:t>ML Model</a:t>
-            </a:r>
-            <a:endParaRPr lang="en-IN" dirty="0"/>
-          </a:p>
-        </p:txBody>
-      </p:sp>
-      <p:cxnSp>
-        <p:nvCxnSpPr>
-          <p:cNvPr id="27" name="Straight Arrow Connector 26"/>
-          <p:cNvCxnSpPr>
-            <a:endCxn id="24" idx="0"/>
-          </p:cNvCxnSpPr>
-          <p:nvPr/>
-        </p:nvCxnSpPr>
-        <p:spPr>
-          <a:xfrm>
-            <a:off x="4966954" y="4344147"/>
-            <a:ext cx="1361413" cy="632151"/>
-          </a:xfrm>
-          <a:prstGeom prst="straightConnector1">
-            <a:avLst/>
-          </a:prstGeom>
-          <a:ln w="19050">
-            <a:solidFill>
-              <a:schemeClr val="tx2"/>
-            </a:solidFill>
-            <a:tailEnd type="triangle"/>
-          </a:ln>
-        </p:spPr>
-        <p:style>
-          <a:lnRef idx="1">
-            <a:schemeClr val="accent1"/>
-          </a:lnRef>
-          <a:fillRef idx="0">
-            <a:schemeClr val="accent1"/>
-          </a:fillRef>
-          <a:effectRef idx="0">
-            <a:schemeClr val="accent1"/>
-          </a:effectRef>
-          <a:fontRef idx="minor">
-            <a:schemeClr val="tx1"/>
-          </a:fontRef>
-        </p:style>
-      </p:cxnSp>
-      <p:cxnSp>
-        <p:nvCxnSpPr>
-          <p:cNvPr id="30" name="Straight Arrow Connector 29"/>
-          <p:cNvCxnSpPr>
-            <a:endCxn id="12" idx="5"/>
-          </p:cNvCxnSpPr>
-          <p:nvPr/>
-        </p:nvCxnSpPr>
-        <p:spPr>
-          <a:xfrm flipH="1" flipV="1">
-            <a:off x="5192894" y="4274022"/>
-            <a:ext cx="1714521" cy="699531"/>
-          </a:xfrm>
-          <a:prstGeom prst="straightConnector1">
-            <a:avLst/>
-          </a:prstGeom>
-          <a:ln w="19050">
-            <a:solidFill>
-              <a:schemeClr val="tx2"/>
-            </a:solidFill>
-            <a:tailEnd type="triangle"/>
-          </a:ln>
-        </p:spPr>
-        <p:style>
-          <a:lnRef idx="1">
-            <a:schemeClr val="accent1"/>
-          </a:lnRef>
-          <a:fillRef idx="0">
-            <a:schemeClr val="accent1"/>
-          </a:fillRef>
-          <a:effectRef idx="0">
-            <a:schemeClr val="accent1"/>
-          </a:effectRef>
-          <a:fontRef idx="minor">
-            <a:schemeClr val="tx1"/>
-          </a:fontRef>
-        </p:style>
-      </p:cxnSp>
-      <p:sp>
-        <p:nvSpPr>
-          <p:cNvPr id="33" name="Rectangle 32"/>
-          <p:cNvSpPr/>
-          <p:nvPr/>
-        </p:nvSpPr>
-        <p:spPr>
-          <a:xfrm>
-            <a:off x="6523022" y="2398222"/>
-            <a:ext cx="1490128" cy="612617"/>
-          </a:xfrm>
-          <a:prstGeom prst="rect">
-            <a:avLst/>
-          </a:prstGeom>
-        </p:spPr>
-        <p:style>
-          <a:lnRef idx="2">
-            <a:schemeClr val="dk1"/>
-          </a:lnRef>
-          <a:fillRef idx="1">
-            <a:schemeClr val="lt1"/>
-          </a:fillRef>
-          <a:effectRef idx="0">
-            <a:schemeClr val="dk1"/>
-          </a:effectRef>
-          <a:fontRef idx="minor">
-            <a:schemeClr val="dk1"/>
-          </a:fontRef>
-        </p:style>
-        <p:txBody>
-          <a:bodyPr rtlCol="0" anchor="ctr"/>
-          <a:lstStyle/>
-          <a:p>
-            <a:pPr algn="ctr"/>
-            <a:r>
-              <a:rPr lang="en-IN" dirty="0" smtClean="0"/>
-              <a:t>Mistakes of student</a:t>
-            </a:r>
-            <a:endParaRPr lang="en-IN" dirty="0"/>
-          </a:p>
-        </p:txBody>
-      </p:sp>
-      <p:cxnSp>
-        <p:nvCxnSpPr>
-          <p:cNvPr id="34" name="Straight Arrow Connector 33"/>
-          <p:cNvCxnSpPr/>
-          <p:nvPr/>
-        </p:nvCxnSpPr>
-        <p:spPr>
-          <a:xfrm flipV="1">
-            <a:off x="5370195" y="3045100"/>
-            <a:ext cx="1164806" cy="699865"/>
-          </a:xfrm>
-          <a:prstGeom prst="straightConnector1">
-            <a:avLst/>
-          </a:prstGeom>
-          <a:ln w="19050">
-            <a:solidFill>
-              <a:schemeClr val="tx2"/>
-            </a:solidFill>
-            <a:tailEnd type="triangle"/>
-          </a:ln>
-        </p:spPr>
-        <p:style>
-          <a:lnRef idx="1">
-            <a:schemeClr val="accent1"/>
-          </a:lnRef>
-          <a:fillRef idx="0">
-            <a:schemeClr val="accent1"/>
-          </a:fillRef>
-          <a:effectRef idx="0">
-            <a:schemeClr val="accent1"/>
-          </a:effectRef>
-          <a:fontRef idx="minor">
-            <a:schemeClr val="tx1"/>
-          </a:fontRef>
-        </p:style>
-      </p:cxnSp>
-      <p:sp>
-        <p:nvSpPr>
-          <p:cNvPr id="37" name="TextBox 36"/>
-          <p:cNvSpPr txBox="1"/>
-          <p:nvPr/>
-        </p:nvSpPr>
-        <p:spPr>
-          <a:xfrm rot="19754576">
-            <a:off x="5504305" y="3192928"/>
-            <a:ext cx="612668" cy="307777"/>
-          </a:xfrm>
-          <a:prstGeom prst="rect">
-            <a:avLst/>
-          </a:prstGeom>
-          <a:noFill/>
-        </p:spPr>
-        <p:txBody>
-          <a:bodyPr wrap="none" rtlCol="0">
-            <a:spAutoFit/>
-          </a:bodyPr>
-          <a:lstStyle/>
-          <a:p>
-            <a:r>
-              <a:rPr lang="en-IN" dirty="0" smtClean="0"/>
-              <a:t>Store</a:t>
-            </a:r>
-            <a:endParaRPr lang="en-IN" dirty="0"/>
-          </a:p>
-        </p:txBody>
-      </p:sp>
-      <p:sp>
-        <p:nvSpPr>
-          <p:cNvPr id="38" name="TextBox 37"/>
-          <p:cNvSpPr txBox="1"/>
-          <p:nvPr/>
-        </p:nvSpPr>
-        <p:spPr>
-          <a:xfrm>
-            <a:off x="2296337" y="4390926"/>
-            <a:ext cx="1338828" cy="307777"/>
-          </a:xfrm>
-          <a:prstGeom prst="rect">
-            <a:avLst/>
-          </a:prstGeom>
-          <a:noFill/>
-        </p:spPr>
-        <p:txBody>
-          <a:bodyPr wrap="none" rtlCol="0">
-            <a:spAutoFit/>
-          </a:bodyPr>
-          <a:lstStyle/>
-          <a:p>
-            <a:r>
-              <a:rPr lang="en-IN" dirty="0" smtClean="0"/>
-              <a:t>Pre processed</a:t>
-            </a:r>
-            <a:endParaRPr lang="en-IN" dirty="0"/>
-          </a:p>
-        </p:txBody>
-      </p:sp>
-      <p:sp>
-        <p:nvSpPr>
-          <p:cNvPr id="39" name="TextBox 38"/>
-          <p:cNvSpPr txBox="1"/>
-          <p:nvPr/>
-        </p:nvSpPr>
-        <p:spPr>
-          <a:xfrm>
-            <a:off x="3837524" y="4450333"/>
-            <a:ext cx="1293492" cy="307777"/>
-          </a:xfrm>
-          <a:prstGeom prst="rect">
-            <a:avLst/>
-          </a:prstGeom>
-          <a:noFill/>
-        </p:spPr>
-        <p:txBody>
-          <a:bodyPr wrap="square" rtlCol="0">
-            <a:spAutoFit/>
-          </a:bodyPr>
-          <a:lstStyle/>
-          <a:p>
-            <a:r>
-              <a:rPr lang="en-IN" dirty="0" smtClean="0"/>
-              <a:t>Feeding back</a:t>
-            </a:r>
-            <a:endParaRPr lang="en-IN" dirty="0"/>
-          </a:p>
-        </p:txBody>
-      </p:sp>
-      <p:sp>
-        <p:nvSpPr>
-          <p:cNvPr id="42" name="TextBox 41"/>
-          <p:cNvSpPr txBox="1"/>
-          <p:nvPr/>
-        </p:nvSpPr>
-        <p:spPr>
-          <a:xfrm>
-            <a:off x="5205743" y="4604221"/>
-            <a:ext cx="691215" cy="307777"/>
-          </a:xfrm>
-          <a:prstGeom prst="rect">
-            <a:avLst/>
-          </a:prstGeom>
-          <a:noFill/>
-        </p:spPr>
-        <p:txBody>
-          <a:bodyPr wrap="none" rtlCol="0">
-            <a:spAutoFit/>
-          </a:bodyPr>
-          <a:lstStyle/>
-          <a:p>
-            <a:r>
-              <a:rPr lang="en-IN" dirty="0" smtClean="0"/>
-              <a:t>Forms</a:t>
-            </a:r>
-            <a:endParaRPr lang="en-IN" dirty="0"/>
-          </a:p>
-        </p:txBody>
-      </p:sp>
-      <p:sp>
-        <p:nvSpPr>
-          <p:cNvPr id="43" name="TextBox 42"/>
-          <p:cNvSpPr txBox="1"/>
-          <p:nvPr/>
-        </p:nvSpPr>
-        <p:spPr>
-          <a:xfrm>
-            <a:off x="6202916" y="4422776"/>
-            <a:ext cx="1010213" cy="307777"/>
-          </a:xfrm>
-          <a:prstGeom prst="rect">
-            <a:avLst/>
-          </a:prstGeom>
-          <a:noFill/>
-        </p:spPr>
-        <p:txBody>
-          <a:bodyPr wrap="none" rtlCol="0">
-            <a:spAutoFit/>
-          </a:bodyPr>
-          <a:lstStyle/>
-          <a:p>
-            <a:r>
-              <a:rPr lang="en-IN" dirty="0" smtClean="0"/>
-              <a:t>Reference</a:t>
-            </a:r>
-            <a:endParaRPr lang="en-IN" dirty="0"/>
-          </a:p>
-        </p:txBody>
-      </p:sp>
-      <p:sp>
-        <p:nvSpPr>
-          <p:cNvPr id="44" name="TextBox 43"/>
-          <p:cNvSpPr txBox="1"/>
-          <p:nvPr/>
-        </p:nvSpPr>
-        <p:spPr>
-          <a:xfrm>
-            <a:off x="3837524" y="3184624"/>
-            <a:ext cx="671979" cy="307777"/>
-          </a:xfrm>
-          <a:prstGeom prst="rect">
-            <a:avLst/>
-          </a:prstGeom>
-          <a:noFill/>
-        </p:spPr>
-        <p:txBody>
-          <a:bodyPr wrap="none" rtlCol="0">
-            <a:spAutoFit/>
-          </a:bodyPr>
-          <a:lstStyle/>
-          <a:p>
-            <a:r>
-              <a:rPr lang="en-IN" dirty="0" smtClean="0"/>
-              <a:t>Inputs</a:t>
-            </a:r>
-            <a:endParaRPr lang="en-IN" dirty="0"/>
-          </a:p>
-        </p:txBody>
-      </p:sp>
-      <p:sp>
-        <p:nvSpPr>
-          <p:cNvPr id="46" name="Google Shape;122;p16"/>
-          <p:cNvSpPr txBox="1"/>
-          <p:nvPr/>
-        </p:nvSpPr>
-        <p:spPr>
-          <a:xfrm>
-            <a:off x="457200" y="6356350"/>
-            <a:ext cx="2133600" cy="365125"/>
-          </a:xfrm>
-          <a:prstGeom prst="rect">
-            <a:avLst/>
-          </a:prstGeom>
-          <a:noFill/>
-          <a:ln>
-            <a:noFill/>
-          </a:ln>
-        </p:spPr>
-        <p:txBody>
-          <a:bodyPr spcFirstLastPara="1" wrap="square" lIns="90000" tIns="46800" rIns="90000" bIns="46800" anchor="ctr" anchorCtr="0">
-            <a:noAutofit/>
-          </a:bodyPr>
-          <a:lstStyle/>
-          <a:p>
-            <a:pPr marL="0" marR="0" lvl="0" indent="0" algn="l" rtl="0">
-              <a:lnSpc>
-                <a:spcPct val="100000"/>
-              </a:lnSpc>
-              <a:spcBef>
-                <a:spcPts val="0"/>
-              </a:spcBef>
-              <a:spcAft>
-                <a:spcPts val="0"/>
-              </a:spcAft>
-              <a:buClr>
-                <a:srgbClr val="000000"/>
-              </a:buClr>
-              <a:buSzPts val="1200"/>
-              <a:buFont typeface="Times New Roman"/>
-              <a:buNone/>
-            </a:pPr>
-            <a:r>
-              <a:rPr lang="en-US" sz="1200" b="0" i="0" u="none">
-                <a:solidFill>
-                  <a:srgbClr val="898989"/>
-                </a:solidFill>
-                <a:latin typeface="Calibri"/>
-                <a:ea typeface="Calibri"/>
-                <a:cs typeface="Calibri"/>
-                <a:sym typeface="Calibri"/>
-              </a:rPr>
-              <a:t>02/08/19</a:t>
-            </a:r>
-          </a:p>
-        </p:txBody>
-      </p:sp>
-      <p:sp>
-        <p:nvSpPr>
           <p:cNvPr id="47" name="Google Shape;123;p16"/>
           <p:cNvSpPr txBox="1"/>
           <p:nvPr/>
@@ -22137,7 +21561,7 @@
               <a:buNone/>
             </a:pPr>
             <a:r>
-              <a:rPr lang="en-US" sz="1800" b="1" i="0" u="none">
+              <a:rPr lang="en-US" sz="1800" b="1" i="0" u="none" dirty="0">
                 <a:solidFill>
                   <a:srgbClr val="000000"/>
                 </a:solidFill>
@@ -22149,7 +21573,7 @@
               <a:t>                       </a:t>
             </a:r>
             <a:r>
-              <a:rPr lang="en-US" sz="1600" b="0" i="0" u="none">
+              <a:rPr lang="en-US" sz="1600" b="0" i="0" u="none" dirty="0">
                 <a:solidFill>
                   <a:srgbClr val="000000"/>
                 </a:solidFill>
@@ -22160,6 +21584,70 @@
               </a:rPr>
               <a:t>CSE Department, JECC</a:t>
             </a:r>
+          </a:p>
+        </p:txBody>
+      </p:sp>
+      <p:sp>
+        <p:nvSpPr>
+          <p:cNvPr id="5" name="Date Placeholder 4"/>
+          <p:cNvSpPr>
+            <a:spLocks noGrp="1"/>
+          </p:cNvSpPr>
+          <p:nvPr>
+            <p:ph type="dt" idx="10"/>
+          </p:nvPr>
+        </p:nvSpPr>
+        <p:spPr/>
+        <p:txBody>
+          <a:bodyPr/>
+          <a:lstStyle/>
+          <a:p>
+            <a:fld id="{49C48D3B-3366-4BB3-AD17-4C64169AC28A}" type="datetime3">
+              <a:rPr lang="en-US" smtClean="0"/>
+              <a:t>3 November 2019</a:t>
+            </a:fld>
+            <a:endParaRPr lang="en-US"/>
+          </a:p>
+        </p:txBody>
+      </p:sp>
+      <p:sp>
+        <p:nvSpPr>
+          <p:cNvPr id="6" name="Slide Number Placeholder 5"/>
+          <p:cNvSpPr>
+            <a:spLocks noGrp="1"/>
+          </p:cNvSpPr>
+          <p:nvPr>
+            <p:ph type="sldNum" idx="12"/>
+          </p:nvPr>
+        </p:nvSpPr>
+        <p:spPr/>
+        <p:txBody>
+          <a:bodyPr/>
+          <a:lstStyle/>
+          <a:p>
+            <a:pPr marL="0" lvl="0" indent="0" algn="r" rtl="0">
+              <a:spcBef>
+                <a:spcPts val="0"/>
+              </a:spcBef>
+              <a:spcAft>
+                <a:spcPts val="0"/>
+              </a:spcAft>
+              <a:buNone/>
+            </a:pPr>
+            <a:fld id="{00000000-1234-1234-1234-123412341234}" type="slidenum">
+              <a:rPr lang="en-US" smtClean="0"/>
+              <a:pPr marL="0" lvl="0" indent="0" algn="r" rtl="0">
+                <a:spcBef>
+                  <a:spcPts val="0"/>
+                </a:spcBef>
+                <a:spcAft>
+                  <a:spcPts val="0"/>
+                </a:spcAft>
+                <a:buNone/>
+              </a:pPr>
+              <a:t>17</a:t>
+            </a:fld>
+            <a:endParaRPr lang="en-US"/>
           </a:p>
         </p:txBody>
       </p:sp>
@@ -22236,11 +21724,18 @@
           <a:p>
             <a:pPr algn="ctr"/>
             <a:r>
+              <a:rPr lang="en-GB" sz="2800" b="1" dirty="0">
+                <a:latin typeface="Times New Roman" pitchFamily="18" charset="0"/>
+                <a:cs typeface="Times New Roman" pitchFamily="18" charset="0"/>
+              </a:rPr>
+              <a:t>1</a:t>
+            </a:r>
+            <a:r>
               <a:rPr lang="en-GB" sz="2800" b="1" dirty="0" smtClean="0">
                 <a:latin typeface="Times New Roman" pitchFamily="18" charset="0"/>
                 <a:cs typeface="Times New Roman" pitchFamily="18" charset="0"/>
               </a:rPr>
-              <a:t>Data Flow Diagram</a:t>
+              <a:t>-LEVEL Data Flow Diagram</a:t>
             </a:r>
             <a:r>
               <a:rPr lang="en-GB" sz="2400" b="1" dirty="0">
@@ -22249,23 +21744,10 @@
               </a:rPr>
               <a:t> </a:t>
             </a:r>
-            <a:r>
-              <a:rPr lang="en-GB" sz="2400" b="1" dirty="0" smtClean="0">
-                <a:latin typeface="Times New Roman" pitchFamily="18" charset="0"/>
-                <a:cs typeface="Times New Roman" pitchFamily="18" charset="0"/>
-              </a:rPr>
-              <a:t>1</a:t>
-            </a:r>
-          </a:p>
-          <a:p>
-            <a:pPr algn="ctr"/>
-            <a:r>
-              <a:rPr lang="en-GB" sz="2400" dirty="0" smtClean="0">
-                <a:latin typeface="Times New Roman" pitchFamily="18" charset="0"/>
-                <a:cs typeface="Times New Roman" pitchFamily="18" charset="0"/>
-              </a:rPr>
-              <a:t>Data Pre-Processing</a:t>
-            </a:r>
+            <a:endParaRPr lang="en-GB" sz="2400" b="1" dirty="0" smtClean="0">
+              <a:latin typeface="Times New Roman" pitchFamily="18" charset="0"/>
+              <a:cs typeface="Times New Roman" pitchFamily="18" charset="0"/>
+            </a:endParaRPr>
           </a:p>
         </p:txBody>
       </p:sp>
@@ -22308,7 +21790,7 @@
         </p:nvSpPr>
         <p:spPr>
           <a:xfrm>
-            <a:off x="1077359" y="2779413"/>
+            <a:off x="1077359" y="3539897"/>
             <a:ext cx="1377646" cy="733329"/>
           </a:xfrm>
           <a:prstGeom prst="rect">
@@ -22336,133 +21818,7 @@
             <a:pPr algn="ctr"/>
             <a:r>
               <a:rPr lang="en-IN" dirty="0" smtClean="0"/>
-              <a:t>EXAM PAPER</a:t>
-            </a:r>
-            <a:endParaRPr lang="en-IN" dirty="0"/>
-          </a:p>
-        </p:txBody>
-      </p:sp>
-      <p:sp>
-        <p:nvSpPr>
-          <p:cNvPr id="13" name="Oval 12"/>
-          <p:cNvSpPr/>
-          <p:nvPr/>
-        </p:nvSpPr>
-        <p:spPr>
-          <a:xfrm>
-            <a:off x="3385986" y="2796016"/>
-            <a:ext cx="1828800" cy="852530"/>
-          </a:xfrm>
-          <a:prstGeom prst="ellipse">
-            <a:avLst/>
-          </a:prstGeom>
-        </p:spPr>
-        <p:style>
-          <a:lnRef idx="2">
-            <a:schemeClr val="dk1"/>
-          </a:lnRef>
-          <a:fillRef idx="1">
-            <a:schemeClr val="lt1"/>
-          </a:fillRef>
-          <a:effectRef idx="0">
-            <a:schemeClr val="dk1"/>
-          </a:effectRef>
-          <a:fontRef idx="minor">
-            <a:schemeClr val="dk1"/>
-          </a:fontRef>
-        </p:style>
-        <p:txBody>
-          <a:bodyPr rtlCol="0" anchor="ctr"/>
-          <a:lstStyle/>
-          <a:p>
-            <a:pPr algn="ctr"/>
-            <a:r>
-              <a:rPr lang="en-IN" dirty="0" smtClean="0"/>
-              <a:t>Convert to Image</a:t>
-            </a:r>
-            <a:endParaRPr lang="en-IN" dirty="0"/>
-          </a:p>
-        </p:txBody>
-      </p:sp>
-      <p:sp>
-        <p:nvSpPr>
-          <p:cNvPr id="14" name="Oval 13"/>
-          <p:cNvSpPr/>
-          <p:nvPr/>
-        </p:nvSpPr>
-        <p:spPr>
-          <a:xfrm>
-            <a:off x="6127677" y="2767340"/>
-            <a:ext cx="2011385" cy="943065"/>
-          </a:xfrm>
-          <a:prstGeom prst="ellipse">
-            <a:avLst/>
-          </a:prstGeom>
-        </p:spPr>
-        <p:style>
-          <a:lnRef idx="2">
-            <a:schemeClr val="dk1"/>
-          </a:lnRef>
-          <a:fillRef idx="1">
-            <a:schemeClr val="lt1"/>
-          </a:fillRef>
-          <a:effectRef idx="0">
-            <a:schemeClr val="dk1"/>
-          </a:effectRef>
-          <a:fontRef idx="minor">
-            <a:schemeClr val="dk1"/>
-          </a:fontRef>
-        </p:style>
-        <p:txBody>
-          <a:bodyPr rtlCol="0" anchor="ctr"/>
-          <a:lstStyle/>
-          <a:p>
-            <a:pPr algn="ctr"/>
-            <a:r>
-              <a:rPr lang="en-IN" dirty="0" smtClean="0"/>
-              <a:t>Pre-Processes Image</a:t>
-            </a:r>
-            <a:endParaRPr lang="en-IN" dirty="0"/>
-          </a:p>
-        </p:txBody>
-      </p:sp>
-      <p:sp>
-        <p:nvSpPr>
-          <p:cNvPr id="17" name="Rectangle 16"/>
-          <p:cNvSpPr/>
-          <p:nvPr/>
-        </p:nvSpPr>
-        <p:spPr>
-          <a:xfrm>
-            <a:off x="6281604" y="4561435"/>
-            <a:ext cx="1730705" cy="733329"/>
-          </a:xfrm>
-          <a:prstGeom prst="rect">
-            <a:avLst/>
-          </a:prstGeom>
-        </p:spPr>
-        <p:style>
-          <a:lnRef idx="2">
-            <a:schemeClr val="dk1"/>
-          </a:lnRef>
-          <a:fillRef idx="1">
-            <a:schemeClr val="lt1"/>
-          </a:fillRef>
-          <a:effectRef idx="0">
-            <a:schemeClr val="dk1"/>
-          </a:effectRef>
-          <a:fontRef idx="minor">
-            <a:schemeClr val="dk1"/>
-          </a:fontRef>
-        </p:style>
-        <p:txBody>
-          <a:bodyPr rtlCol="0" anchor="ctr"/>
-          <a:lstStyle/>
-          <a:p>
-            <a:pPr algn="ctr"/>
-            <a:r>
-              <a:rPr lang="en-IN" dirty="0" smtClean="0"/>
-              <a:t>Pre Processed Image Database</a:t>
+              <a:t>Super User</a:t>
             </a:r>
             <a:endParaRPr lang="en-IN" dirty="0"/>
           </a:p>
@@ -22472,14 +21828,14 @@
         <p:nvCxnSpPr>
           <p:cNvPr id="19" name="Straight Arrow Connector 18"/>
           <p:cNvCxnSpPr>
-            <a:endCxn id="13" idx="2"/>
+            <a:endCxn id="12" idx="2"/>
           </p:cNvCxnSpPr>
           <p:nvPr/>
         </p:nvCxnSpPr>
         <p:spPr>
           <a:xfrm>
-            <a:off x="2464052" y="3204925"/>
-            <a:ext cx="921934" cy="17356"/>
+            <a:off x="2464052" y="3956357"/>
+            <a:ext cx="902603" cy="13581"/>
           </a:xfrm>
           <a:prstGeom prst="straightConnector1">
             <a:avLst/>
@@ -22513,48 +21869,9 @@
           <p:nvPr/>
         </p:nvCxnSpPr>
         <p:spPr>
-          <a:xfrm>
-            <a:off x="5205743" y="3194360"/>
-            <a:ext cx="921934" cy="17356"/>
-          </a:xfrm>
-          <a:prstGeom prst="straightConnector1">
-            <a:avLst/>
-          </a:prstGeom>
-          <a:ln w="19050">
-            <a:solidFill>
-              <a:schemeClr val="tx2"/>
-            </a:solidFill>
-            <a:tailEnd type="triangle"/>
-          </a:ln>
-        </p:spPr>
-        <p:style>
-          <a:lnRef idx="1">
-            <a:schemeClr val="accent1"/>
-          </a:lnRef>
-          <a:fillRef idx="0">
-            <a:schemeClr val="accent1"/>
-          </a:fillRef>
-          <a:effectRef idx="0">
-            <a:schemeClr val="accent1"/>
-          </a:effectRef>
-          <a:fontRef idx="minor">
-            <a:schemeClr val="tx1"/>
-          </a:fontRef>
-        </p:style>
-      </p:cxnSp>
-      <p:cxnSp>
-        <p:nvCxnSpPr>
-          <p:cNvPr id="22" name="Straight Arrow Connector 21"/>
-          <p:cNvCxnSpPr>
-            <a:stCxn id="14" idx="4"/>
-            <a:endCxn id="17" idx="0"/>
-          </p:cNvCxnSpPr>
-          <p:nvPr/>
-        </p:nvCxnSpPr>
-        <p:spPr>
-          <a:xfrm>
-            <a:off x="7133370" y="3710405"/>
-            <a:ext cx="13587" cy="851030"/>
+          <a:xfrm flipV="1">
+            <a:off x="5205743" y="3977483"/>
+            <a:ext cx="1184502" cy="13574"/>
           </a:xfrm>
           <a:prstGeom prst="straightConnector1">
             <a:avLst/>
@@ -22583,29 +21900,41 @@
       </p:cxnSp>
       <p:sp>
         <p:nvSpPr>
-          <p:cNvPr id="12" name="TextBox 11"/>
-          <p:cNvSpPr txBox="1"/>
+          <p:cNvPr id="12" name="Oval 11"/>
+          <p:cNvSpPr/>
           <p:nvPr/>
         </p:nvSpPr>
         <p:spPr>
           <a:xfrm>
-            <a:off x="2589293" y="2906159"/>
-            <a:ext cx="593432" cy="307777"/>
+            <a:off x="3366655" y="3539897"/>
+            <a:ext cx="2192173" cy="860081"/>
           </a:xfrm>
-          <a:prstGeom prst="rect">
+          <a:prstGeom prst="ellipse">
             <a:avLst/>
           </a:prstGeom>
-          <a:noFill/>
         </p:spPr>
+        <p:style>
+          <a:lnRef idx="2">
+            <a:schemeClr val="dk1"/>
+          </a:lnRef>
+          <a:fillRef idx="1">
+            <a:schemeClr val="lt1"/>
+          </a:fillRef>
+          <a:effectRef idx="0">
+            <a:schemeClr val="dk1"/>
+          </a:effectRef>
+          <a:fontRef idx="minor">
+            <a:schemeClr val="dk1"/>
+          </a:fontRef>
+        </p:style>
         <p:txBody>
-          <a:bodyPr wrap="none" rtlCol="0">
-            <a:spAutoFit/>
-          </a:bodyPr>
+          <a:bodyPr rtlCol="0" anchor="ctr"/>
           <a:lstStyle/>
           <a:p>
+            <a:pPr algn="ctr"/>
             <a:r>
               <a:rPr lang="en-IN" dirty="0" smtClean="0"/>
-              <a:t>Scan</a:t>
+              <a:t>Login</a:t>
             </a:r>
             <a:endParaRPr lang="en-IN" dirty="0"/>
           </a:p>
@@ -22613,130 +21942,7 @@
       </p:sp>
       <p:sp>
         <p:nvSpPr>
-          <p:cNvPr id="15" name="TextBox 14"/>
-          <p:cNvSpPr txBox="1"/>
-          <p:nvPr/>
-        </p:nvSpPr>
-        <p:spPr>
-          <a:xfrm>
-            <a:off x="5278162" y="2951431"/>
-            <a:ext cx="671979" cy="523220"/>
-          </a:xfrm>
-          <a:prstGeom prst="rect">
-            <a:avLst/>
-          </a:prstGeom>
-          <a:noFill/>
-        </p:spPr>
-        <p:txBody>
-          <a:bodyPr wrap="none" rtlCol="0">
-            <a:spAutoFit/>
-          </a:bodyPr>
-          <a:lstStyle/>
-          <a:p>
-            <a:r>
-              <a:rPr lang="en-IN" dirty="0" smtClean="0"/>
-              <a:t>Pass </a:t>
-            </a:r>
-          </a:p>
-          <a:p>
-            <a:r>
-              <a:rPr lang="en-IN" dirty="0" smtClean="0"/>
-              <a:t>image</a:t>
-            </a:r>
-            <a:endParaRPr lang="en-IN" dirty="0"/>
-          </a:p>
-        </p:txBody>
-      </p:sp>
-      <p:sp>
-        <p:nvSpPr>
-          <p:cNvPr id="5" name="TextBox 4"/>
-          <p:cNvSpPr txBox="1"/>
-          <p:nvPr/>
-        </p:nvSpPr>
-        <p:spPr>
-          <a:xfrm>
-            <a:off x="7134134" y="4046899"/>
-            <a:ext cx="612668" cy="307777"/>
-          </a:xfrm>
-          <a:prstGeom prst="rect">
-            <a:avLst/>
-          </a:prstGeom>
-          <a:noFill/>
-        </p:spPr>
-        <p:txBody>
-          <a:bodyPr wrap="none" rtlCol="0">
-            <a:spAutoFit/>
-          </a:bodyPr>
-          <a:lstStyle/>
-          <a:p>
-            <a:r>
-              <a:rPr lang="en-IN" dirty="0" smtClean="0"/>
-              <a:t>Store</a:t>
-            </a:r>
-            <a:endParaRPr lang="en-IN" dirty="0"/>
-          </a:p>
-        </p:txBody>
-      </p:sp>
-      <p:sp>
-        <p:nvSpPr>
-          <p:cNvPr id="16" name="Google Shape;122;p16"/>
-          <p:cNvSpPr txBox="1"/>
-          <p:nvPr/>
-        </p:nvSpPr>
-        <p:spPr>
-          <a:xfrm>
-            <a:off x="457200" y="6356350"/>
-            <a:ext cx="2133600" cy="365125"/>
-          </a:xfrm>
-          <a:prstGeom prst="rect">
-            <a:avLst/>
-          </a:prstGeom>
-          <a:noFill/>
-          <a:ln>
-            <a:noFill/>
-          </a:ln>
-        </p:spPr>
-        <p:txBody>
-          <a:bodyPr spcFirstLastPara="1" wrap="square" lIns="90000" tIns="46800" rIns="90000" bIns="46800" anchor="ctr" anchorCtr="0">
-            <a:noAutofit/>
-          </a:bodyPr>
-          <a:lstStyle/>
-          <a:p>
-            <a:pPr marL="0" marR="0" lvl="0" indent="0" algn="l" rtl="0">
-              <a:lnSpc>
-                <a:spcPct val="100000"/>
-              </a:lnSpc>
-              <a:spcBef>
-                <a:spcPts val="0"/>
-              </a:spcBef>
-              <a:spcAft>
-                <a:spcPts val="0"/>
-              </a:spcAft>
-              <a:buClr>
-                <a:srgbClr val="000000"/>
-              </a:buClr>
-              <a:buSzPts val="1200"/>
-              <a:buFont typeface="Times New Roman"/>
-              <a:buNone/>
-            </a:pPr>
-            <a:r>
-              <a:rPr lang="en-US" sz="1200" b="0" i="0" u="none">
-                <a:solidFill>
-                  <a:srgbClr val="898989"/>
-                </a:solidFill>
-                <a:latin typeface="Calibri"/>
-                <a:ea typeface="Calibri"/>
-                <a:cs typeface="Calibri"/>
-                <a:sym typeface="Calibri"/>
-              </a:rPr>
-              <a:t>02/08/19</a:t>
-            </a:r>
-          </a:p>
-        </p:txBody>
-      </p:sp>
-      <p:sp>
-        <p:nvSpPr>
-          <p:cNvPr id="18" name="Google Shape;123;p16"/>
+          <p:cNvPr id="47" name="Google Shape;123;p16"/>
           <p:cNvSpPr txBox="1"/>
           <p:nvPr/>
         </p:nvSpPr>
@@ -22786,7 +21992,7 @@
                 <a:cs typeface="Calibri"/>
                 <a:sym typeface="Calibri"/>
               </a:rPr>
-              <a:t>18</a:t>
+              <a:t>17</a:t>
             </a:r>
             <a:endParaRPr sz="1200" b="0" i="0" u="none" dirty="0">
               <a:solidFill>
@@ -22802,7 +22008,7 @@
       </p:sp>
       <p:sp>
         <p:nvSpPr>
-          <p:cNvPr id="20" name="Google Shape;124;p16"/>
+          <p:cNvPr id="48" name="Google Shape;124;p16"/>
           <p:cNvSpPr/>
           <p:nvPr/>
         </p:nvSpPr>
@@ -22843,7 +22049,7 @@
               <a:buNone/>
             </a:pPr>
             <a:r>
-              <a:rPr lang="en-US" sz="1800" b="1" i="0" u="none">
+              <a:rPr lang="en-US" sz="1800" b="1" i="0" u="none" dirty="0">
                 <a:solidFill>
                   <a:srgbClr val="000000"/>
                 </a:solidFill>
@@ -22855,7 +22061,7 @@
               <a:t>                       </a:t>
             </a:r>
             <a:r>
-              <a:rPr lang="en-US" sz="1600" b="0" i="0" u="none">
+              <a:rPr lang="en-US" sz="1600" b="0" i="0" u="none" dirty="0">
                 <a:solidFill>
                   <a:srgbClr val="000000"/>
                 </a:solidFill>
@@ -22866,13 +22072,253 @@
               </a:rPr>
               <a:t>CSE Department, JECC</a:t>
             </a:r>
+          </a:p>
+        </p:txBody>
+      </p:sp>
+      <p:cxnSp>
+        <p:nvCxnSpPr>
+          <p:cNvPr id="16" name="Straight Connector 15"/>
+          <p:cNvCxnSpPr/>
+          <p:nvPr/>
+        </p:nvCxnSpPr>
+        <p:spPr>
+          <a:xfrm>
+            <a:off x="6390245" y="3538779"/>
+            <a:ext cx="0" cy="820740"/>
+          </a:xfrm>
+          <a:prstGeom prst="line">
+            <a:avLst/>
+          </a:prstGeom>
+          <a:ln w="28575">
+            <a:solidFill>
+              <a:schemeClr val="tx1"/>
+            </a:solidFill>
+          </a:ln>
+        </p:spPr>
+        <p:style>
+          <a:lnRef idx="1">
+            <a:schemeClr val="accent1"/>
+          </a:lnRef>
+          <a:fillRef idx="0">
+            <a:schemeClr val="accent1"/>
+          </a:fillRef>
+          <a:effectRef idx="0">
+            <a:schemeClr val="accent1"/>
+          </a:effectRef>
+          <a:fontRef idx="minor">
+            <a:schemeClr val="tx1"/>
+          </a:fontRef>
+        </p:style>
+      </p:cxnSp>
+      <p:cxnSp>
+        <p:nvCxnSpPr>
+          <p:cNvPr id="20" name="Straight Connector 19"/>
+          <p:cNvCxnSpPr/>
+          <p:nvPr/>
+        </p:nvCxnSpPr>
+        <p:spPr>
+          <a:xfrm>
+            <a:off x="6390245" y="4317956"/>
+            <a:ext cx="1524000" cy="0"/>
+          </a:xfrm>
+          <a:prstGeom prst="line">
+            <a:avLst/>
+          </a:prstGeom>
+          <a:ln w="28575">
+            <a:solidFill>
+              <a:schemeClr val="tx1"/>
+            </a:solidFill>
+          </a:ln>
+        </p:spPr>
+        <p:style>
+          <a:lnRef idx="1">
+            <a:schemeClr val="accent1"/>
+          </a:lnRef>
+          <a:fillRef idx="0">
+            <a:schemeClr val="accent1"/>
+          </a:fillRef>
+          <a:effectRef idx="0">
+            <a:schemeClr val="accent1"/>
+          </a:effectRef>
+          <a:fontRef idx="minor">
+            <a:schemeClr val="tx1"/>
+          </a:fontRef>
+        </p:style>
+      </p:cxnSp>
+      <p:cxnSp>
+        <p:nvCxnSpPr>
+          <p:cNvPr id="27" name="Straight Connector 26"/>
+          <p:cNvCxnSpPr/>
+          <p:nvPr/>
+        </p:nvCxnSpPr>
+        <p:spPr>
+          <a:xfrm>
+            <a:off x="6404095" y="3611346"/>
+            <a:ext cx="1524000" cy="0"/>
+          </a:xfrm>
+          <a:prstGeom prst="line">
+            <a:avLst/>
+          </a:prstGeom>
+          <a:ln w="28575">
+            <a:solidFill>
+              <a:schemeClr val="tx1"/>
+            </a:solidFill>
+          </a:ln>
+        </p:spPr>
+        <p:style>
+          <a:lnRef idx="1">
+            <a:schemeClr val="accent1"/>
+          </a:lnRef>
+          <a:fillRef idx="0">
+            <a:schemeClr val="accent1"/>
+          </a:fillRef>
+          <a:effectRef idx="0">
+            <a:schemeClr val="accent1"/>
+          </a:effectRef>
+          <a:fontRef idx="minor">
+            <a:schemeClr val="tx1"/>
+          </a:fontRef>
+        </p:style>
+      </p:cxnSp>
+      <p:cxnSp>
+        <p:nvCxnSpPr>
+          <p:cNvPr id="25" name="Straight Connector 24"/>
+          <p:cNvCxnSpPr/>
+          <p:nvPr/>
+        </p:nvCxnSpPr>
+        <p:spPr>
+          <a:xfrm>
+            <a:off x="6677891" y="3611346"/>
+            <a:ext cx="0" cy="748173"/>
+          </a:xfrm>
+          <a:prstGeom prst="line">
+            <a:avLst/>
+          </a:prstGeom>
+          <a:ln w="28575">
+            <a:solidFill>
+              <a:schemeClr val="tx1"/>
+            </a:solidFill>
+          </a:ln>
+        </p:spPr>
+        <p:style>
+          <a:lnRef idx="1">
+            <a:schemeClr val="accent1"/>
+          </a:lnRef>
+          <a:fillRef idx="0">
+            <a:schemeClr val="accent1"/>
+          </a:fillRef>
+          <a:effectRef idx="0">
+            <a:schemeClr val="accent1"/>
+          </a:effectRef>
+          <a:fontRef idx="minor">
+            <a:schemeClr val="tx1"/>
+          </a:fontRef>
+        </p:style>
+      </p:cxnSp>
+      <p:sp>
+        <p:nvSpPr>
+          <p:cNvPr id="26" name="TextBox 25"/>
+          <p:cNvSpPr txBox="1"/>
+          <p:nvPr/>
+        </p:nvSpPr>
+        <p:spPr>
+          <a:xfrm>
+            <a:off x="6708885" y="3672596"/>
+            <a:ext cx="1289135" cy="523220"/>
+          </a:xfrm>
+          <a:prstGeom prst="rect">
+            <a:avLst/>
+          </a:prstGeom>
+          <a:noFill/>
+        </p:spPr>
+        <p:txBody>
+          <a:bodyPr wrap="none" rtlCol="0">
+            <a:spAutoFit/>
+          </a:bodyPr>
+          <a:lstStyle/>
+          <a:p>
+            <a:r>
+              <a:rPr lang="en-IN" dirty="0" smtClean="0"/>
+              <a:t>Answer key /</a:t>
+            </a:r>
+          </a:p>
+          <a:p>
+            <a:r>
+              <a:rPr lang="en-IN" dirty="0" smtClean="0"/>
+              <a:t>Answer paper</a:t>
+            </a:r>
+            <a:endParaRPr lang="en-IN" dirty="0"/>
+          </a:p>
+        </p:txBody>
+      </p:sp>
+      <p:sp>
+        <p:nvSpPr>
+          <p:cNvPr id="5" name="Date Placeholder 4"/>
+          <p:cNvSpPr>
+            <a:spLocks noGrp="1"/>
+          </p:cNvSpPr>
+          <p:nvPr>
+            <p:ph type="dt" idx="10"/>
+          </p:nvPr>
+        </p:nvSpPr>
+        <p:spPr/>
+        <p:txBody>
+          <a:bodyPr/>
+          <a:lstStyle/>
+          <a:p>
+            <a:fld id="{AEE6E30B-C4BA-443A-AEB9-DDC09A393636}" type="datetime3">
+              <a:rPr lang="en-US" smtClean="0"/>
+              <a:t>3 November 2019</a:t>
+            </a:fld>
+            <a:endParaRPr lang="en-US"/>
+          </a:p>
+        </p:txBody>
+      </p:sp>
+      <p:sp>
+        <p:nvSpPr>
+          <p:cNvPr id="6" name="Slide Number Placeholder 5"/>
+          <p:cNvSpPr>
+            <a:spLocks noGrp="1"/>
+          </p:cNvSpPr>
+          <p:nvPr>
+            <p:ph type="sldNum" idx="12"/>
+          </p:nvPr>
+        </p:nvSpPr>
+        <p:spPr/>
+        <p:txBody>
+          <a:bodyPr/>
+          <a:lstStyle/>
+          <a:p>
+            <a:pPr marL="0" lvl="0" indent="0" algn="r" rtl="0">
+              <a:spcBef>
+                <a:spcPts val="0"/>
+              </a:spcBef>
+              <a:spcAft>
+                <a:spcPts val="0"/>
+              </a:spcAft>
+              <a:buNone/>
+            </a:pPr>
+            <a:fld id="{00000000-1234-1234-1234-123412341234}" type="slidenum">
+              <a:rPr lang="en-US" smtClean="0"/>
+              <a:pPr marL="0" lvl="0" indent="0" algn="r" rtl="0">
+                <a:spcBef>
+                  <a:spcPts val="0"/>
+                </a:spcBef>
+                <a:spcAft>
+                  <a:spcPts val="0"/>
+                </a:spcAft>
+                <a:buNone/>
+              </a:pPr>
+              <a:t>18</a:t>
+            </a:fld>
+            <a:endParaRPr lang="en-US"/>
           </a:p>
         </p:txBody>
       </p:sp>
     </p:spTree>
     <p:extLst>
       <p:ext uri="{BB962C8B-B14F-4D97-AF65-F5344CB8AC3E}">
-        <p14:creationId xmlns:p14="http://schemas.microsoft.com/office/powerpoint/2010/main" val="739552436"/>
+        <p14:creationId xmlns:p14="http://schemas.microsoft.com/office/powerpoint/2010/main" val="2468215559"/>
       </p:ext>
     </p:extLst>
   </p:cSld>
@@ -22942,11 +22388,18 @@
           <a:p>
             <a:pPr algn="ctr"/>
             <a:r>
+              <a:rPr lang="en-GB" sz="2800" b="1" dirty="0">
+                <a:latin typeface="Times New Roman" pitchFamily="18" charset="0"/>
+                <a:cs typeface="Times New Roman" pitchFamily="18" charset="0"/>
+              </a:rPr>
+              <a:t>1</a:t>
+            </a:r>
+            <a:r>
               <a:rPr lang="en-GB" sz="2800" b="1" dirty="0" smtClean="0">
                 <a:latin typeface="Times New Roman" pitchFamily="18" charset="0"/>
                 <a:cs typeface="Times New Roman" pitchFamily="18" charset="0"/>
               </a:rPr>
-              <a:t>Data Flow Diagram</a:t>
+              <a:t>-LEVEL Data Flow Diagram</a:t>
             </a:r>
             <a:r>
               <a:rPr lang="en-GB" sz="2400" b="1" dirty="0">
@@ -22955,23 +22408,10 @@
               </a:rPr>
               <a:t> </a:t>
             </a:r>
-            <a:r>
-              <a:rPr lang="en-GB" sz="2400" b="1" dirty="0" smtClean="0">
-                <a:latin typeface="Times New Roman" pitchFamily="18" charset="0"/>
-                <a:cs typeface="Times New Roman" pitchFamily="18" charset="0"/>
-              </a:rPr>
-              <a:t>2</a:t>
-            </a:r>
-          </a:p>
-          <a:p>
-            <a:pPr algn="ctr"/>
-            <a:r>
-              <a:rPr lang="en-GB" sz="2400" dirty="0" smtClean="0">
-                <a:latin typeface="Times New Roman" pitchFamily="18" charset="0"/>
-                <a:cs typeface="Times New Roman" pitchFamily="18" charset="0"/>
-              </a:rPr>
-              <a:t>Training Machine Learning Model</a:t>
-            </a:r>
+            <a:endParaRPr lang="en-GB" sz="2400" b="1" dirty="0" smtClean="0">
+              <a:latin typeface="Times New Roman" pitchFamily="18" charset="0"/>
+              <a:cs typeface="Times New Roman" pitchFamily="18" charset="0"/>
+            </a:endParaRPr>
           </a:p>
         </p:txBody>
       </p:sp>
@@ -23006,67 +22446,61 @@
           </a:ln>
         </p:spPr>
       </p:pic>
-      <p:sp>
-        <p:nvSpPr>
-          <p:cNvPr id="17" name="Rectangle 16"/>
-          <p:cNvSpPr/>
-          <p:nvPr/>
-        </p:nvSpPr>
-        <p:spPr>
-          <a:xfrm>
-            <a:off x="786154" y="3828100"/>
-            <a:ext cx="1730705" cy="733329"/>
-          </a:xfrm>
-          <a:prstGeom prst="rect">
-            <a:avLst/>
-          </a:prstGeom>
-        </p:spPr>
-        <p:style>
-          <a:lnRef idx="2">
-            <a:schemeClr val="dk1"/>
-          </a:lnRef>
-          <a:fillRef idx="1">
-            <a:schemeClr val="lt1"/>
-          </a:fillRef>
-          <a:effectRef idx="0">
-            <a:schemeClr val="dk1"/>
-          </a:effectRef>
-          <a:fontRef idx="minor">
-            <a:schemeClr val="dk1"/>
-          </a:fontRef>
-        </p:style>
-        <p:txBody>
-          <a:bodyPr rtlCol="0" anchor="ctr"/>
-          <a:lstStyle/>
-          <a:p>
-            <a:pPr algn="ctr"/>
-            <a:r>
-              <a:rPr lang="en-IN" dirty="0" smtClean="0"/>
-              <a:t>Pre Processed Image Database</a:t>
-            </a:r>
-            <a:endParaRPr lang="en-IN" dirty="0"/>
-          </a:p>
-        </p:txBody>
-      </p:sp>
       <p:cxnSp>
         <p:nvCxnSpPr>
-          <p:cNvPr id="6" name="Straight Arrow Connector 5"/>
+          <p:cNvPr id="19" name="Straight Arrow Connector 18"/>
           <p:cNvCxnSpPr>
-            <a:stCxn id="17" idx="3"/>
+            <a:endCxn id="12" idx="2"/>
           </p:cNvCxnSpPr>
           <p:nvPr/>
         </p:nvCxnSpPr>
         <p:spPr>
-          <a:xfrm flipV="1">
-            <a:off x="2516859" y="4191747"/>
-            <a:ext cx="950618" cy="3018"/>
+          <a:xfrm>
+            <a:off x="2464052" y="3956357"/>
+            <a:ext cx="902603" cy="13581"/>
           </a:xfrm>
           <a:prstGeom prst="straightConnector1">
             <a:avLst/>
           </a:prstGeom>
-          <a:ln w="28575">
+          <a:ln w="19050">
             <a:solidFill>
-              <a:schemeClr val="tx1"/>
+              <a:schemeClr val="tx2"/>
+            </a:solidFill>
+            <a:tailEnd type="triangle"/>
+          </a:ln>
+        </p:spPr>
+        <p:style>
+          <a:lnRef idx="1">
+            <a:schemeClr val="accent1"/>
+          </a:lnRef>
+          <a:fillRef idx="0">
+            <a:schemeClr val="accent1"/>
+          </a:fillRef>
+          <a:effectRef idx="0">
+            <a:schemeClr val="accent1"/>
+          </a:effectRef>
+          <a:fontRef idx="minor">
+            <a:schemeClr val="tx1"/>
+          </a:fontRef>
+        </p:style>
+      </p:cxnSp>
+      <p:cxnSp>
+        <p:nvCxnSpPr>
+          <p:cNvPr id="21" name="Straight Arrow Connector 20"/>
+          <p:cNvCxnSpPr/>
+          <p:nvPr/>
+        </p:nvCxnSpPr>
+        <p:spPr>
+          <a:xfrm flipV="1">
+            <a:off x="5205743" y="3977483"/>
+            <a:ext cx="1184502" cy="13574"/>
+          </a:xfrm>
+          <a:prstGeom prst="straightConnector1">
+            <a:avLst/>
+          </a:prstGeom>
+          <a:ln w="19050">
+            <a:solidFill>
+              <a:schemeClr val="tx2"/>
             </a:solidFill>
             <a:tailEnd type="triangle"/>
           </a:ln>
@@ -23088,14 +22522,14 @@
       </p:cxnSp>
       <p:sp>
         <p:nvSpPr>
-          <p:cNvPr id="7" name="Oval 6"/>
+          <p:cNvPr id="12" name="Oval 11"/>
           <p:cNvSpPr/>
           <p:nvPr/>
         </p:nvSpPr>
         <p:spPr>
           <a:xfrm>
-            <a:off x="3467477" y="3809995"/>
-            <a:ext cx="1828800" cy="733329"/>
+            <a:off x="3366655" y="3539897"/>
+            <a:ext cx="2192173" cy="860081"/>
           </a:xfrm>
           <a:prstGeom prst="ellipse">
             <a:avLst/>
@@ -23122,87 +22556,7 @@
             <a:pPr algn="ctr"/>
             <a:r>
               <a:rPr lang="en-IN" dirty="0" smtClean="0"/>
-              <a:t>Feature Extraction</a:t>
-            </a:r>
-            <a:endParaRPr lang="en-IN" dirty="0"/>
-          </a:p>
-        </p:txBody>
-      </p:sp>
-      <p:cxnSp>
-        <p:nvCxnSpPr>
-          <p:cNvPr id="9" name="Straight Arrow Connector 8"/>
-          <p:cNvCxnSpPr>
-            <a:stCxn id="7" idx="6"/>
-          </p:cNvCxnSpPr>
-          <p:nvPr/>
-        </p:nvCxnSpPr>
-        <p:spPr>
-          <a:xfrm flipV="1">
-            <a:off x="5296277" y="4173642"/>
-            <a:ext cx="1059256" cy="3018"/>
-          </a:xfrm>
-          <a:prstGeom prst="straightConnector1">
-            <a:avLst/>
-          </a:prstGeom>
-          <a:ln w="28575">
-            <a:solidFill>
-              <a:schemeClr val="tx1"/>
-            </a:solidFill>
-            <a:tailEnd type="triangle"/>
-          </a:ln>
-        </p:spPr>
-        <p:style>
-          <a:lnRef idx="1">
-            <a:schemeClr val="accent1"/>
-          </a:lnRef>
-          <a:fillRef idx="0">
-            <a:schemeClr val="accent1"/>
-          </a:fillRef>
-          <a:effectRef idx="0">
-            <a:schemeClr val="accent1"/>
-          </a:effectRef>
-          <a:fontRef idx="minor">
-            <a:schemeClr val="tx1"/>
-          </a:fontRef>
-        </p:style>
-      </p:cxnSp>
-      <p:sp>
-        <p:nvSpPr>
-          <p:cNvPr id="10" name="Oval 9"/>
-          <p:cNvSpPr/>
-          <p:nvPr/>
-        </p:nvSpPr>
-        <p:spPr>
-          <a:xfrm>
-            <a:off x="6355538" y="3785845"/>
-            <a:ext cx="1711105" cy="793688"/>
-          </a:xfrm>
-          <a:prstGeom prst="ellipse">
-            <a:avLst/>
-          </a:prstGeom>
-        </p:spPr>
-        <p:style>
-          <a:lnRef idx="2">
-            <a:schemeClr val="dk1"/>
-          </a:lnRef>
-          <a:fillRef idx="1">
-            <a:schemeClr val="lt1"/>
-          </a:fillRef>
-          <a:effectRef idx="0">
-            <a:schemeClr val="dk1"/>
-          </a:effectRef>
-          <a:fontRef idx="minor">
-            <a:schemeClr val="dk1"/>
-          </a:fontRef>
-        </p:style>
-        <p:txBody>
-          <a:bodyPr rtlCol="0" anchor="ctr"/>
-          <a:lstStyle/>
-          <a:p>
-            <a:pPr algn="ctr"/>
-            <a:r>
-              <a:rPr lang="en-IN" dirty="0" smtClean="0"/>
-              <a:t>Training</a:t>
+              <a:t>Pre Process</a:t>
             </a:r>
             <a:endParaRPr lang="en-IN" dirty="0"/>
           </a:p>
@@ -23210,343 +22564,7 @@
       </p:sp>
       <p:sp>
         <p:nvSpPr>
-          <p:cNvPr id="16" name="Rectangle 15"/>
-          <p:cNvSpPr/>
-          <p:nvPr/>
-        </p:nvSpPr>
-        <p:spPr>
-          <a:xfrm>
-            <a:off x="6618083" y="2851842"/>
-            <a:ext cx="1348967" cy="497940"/>
-          </a:xfrm>
-          <a:prstGeom prst="rect">
-            <a:avLst/>
-          </a:prstGeom>
-        </p:spPr>
-        <p:style>
-          <a:lnRef idx="2">
-            <a:schemeClr val="dk1"/>
-          </a:lnRef>
-          <a:fillRef idx="1">
-            <a:schemeClr val="lt1"/>
-          </a:fillRef>
-          <a:effectRef idx="0">
-            <a:schemeClr val="dk1"/>
-          </a:effectRef>
-          <a:fontRef idx="minor">
-            <a:schemeClr val="dk1"/>
-          </a:fontRef>
-        </p:style>
-        <p:txBody>
-          <a:bodyPr rtlCol="0" anchor="ctr"/>
-          <a:lstStyle/>
-          <a:p>
-            <a:pPr algn="ctr"/>
-            <a:r>
-              <a:rPr lang="en-IN" dirty="0" smtClean="0"/>
-              <a:t>Answer Key</a:t>
-            </a:r>
-            <a:endParaRPr lang="en-IN" dirty="0"/>
-          </a:p>
-        </p:txBody>
-      </p:sp>
-      <p:cxnSp>
-        <p:nvCxnSpPr>
-          <p:cNvPr id="23" name="Straight Arrow Connector 22"/>
-          <p:cNvCxnSpPr>
-            <a:endCxn id="10" idx="0"/>
-          </p:cNvCxnSpPr>
-          <p:nvPr/>
-        </p:nvCxnSpPr>
-        <p:spPr>
-          <a:xfrm>
-            <a:off x="7211090" y="3367896"/>
-            <a:ext cx="1" cy="417949"/>
-          </a:xfrm>
-          <a:prstGeom prst="straightConnector1">
-            <a:avLst/>
-          </a:prstGeom>
-          <a:ln w="28575">
-            <a:solidFill>
-              <a:schemeClr val="tx1"/>
-            </a:solidFill>
-            <a:tailEnd type="triangle"/>
-          </a:ln>
-        </p:spPr>
-        <p:style>
-          <a:lnRef idx="1">
-            <a:schemeClr val="accent1"/>
-          </a:lnRef>
-          <a:fillRef idx="0">
-            <a:schemeClr val="accent1"/>
-          </a:fillRef>
-          <a:effectRef idx="0">
-            <a:schemeClr val="accent1"/>
-          </a:effectRef>
-          <a:fontRef idx="minor">
-            <a:schemeClr val="tx1"/>
-          </a:fontRef>
-        </p:style>
-      </p:cxnSp>
-      <p:sp>
-        <p:nvSpPr>
-          <p:cNvPr id="27" name="Rectangle 26"/>
-          <p:cNvSpPr/>
-          <p:nvPr/>
-        </p:nvSpPr>
-        <p:spPr>
-          <a:xfrm>
-            <a:off x="6382698" y="5477347"/>
-            <a:ext cx="1692998" cy="570368"/>
-          </a:xfrm>
-          <a:prstGeom prst="rect">
-            <a:avLst/>
-          </a:prstGeom>
-        </p:spPr>
-        <p:style>
-          <a:lnRef idx="2">
-            <a:schemeClr val="dk1"/>
-          </a:lnRef>
-          <a:fillRef idx="1">
-            <a:schemeClr val="lt1"/>
-          </a:fillRef>
-          <a:effectRef idx="0">
-            <a:schemeClr val="dk1"/>
-          </a:effectRef>
-          <a:fontRef idx="minor">
-            <a:schemeClr val="dk1"/>
-          </a:fontRef>
-        </p:style>
-        <p:txBody>
-          <a:bodyPr rtlCol="0" anchor="ctr"/>
-          <a:lstStyle/>
-          <a:p>
-            <a:pPr algn="ctr"/>
-            <a:r>
-              <a:rPr lang="en-IN" dirty="0"/>
-              <a:t>ML Model</a:t>
-            </a:r>
-          </a:p>
-        </p:txBody>
-      </p:sp>
-      <p:cxnSp>
-        <p:nvCxnSpPr>
-          <p:cNvPr id="29" name="Straight Arrow Connector 28"/>
-          <p:cNvCxnSpPr>
-            <a:stCxn id="10" idx="4"/>
-          </p:cNvCxnSpPr>
-          <p:nvPr/>
-        </p:nvCxnSpPr>
-        <p:spPr>
-          <a:xfrm>
-            <a:off x="7211091" y="4579533"/>
-            <a:ext cx="4525" cy="879700"/>
-          </a:xfrm>
-          <a:prstGeom prst="straightConnector1">
-            <a:avLst/>
-          </a:prstGeom>
-          <a:ln w="28575">
-            <a:solidFill>
-              <a:schemeClr val="tx1"/>
-            </a:solidFill>
-            <a:tailEnd type="triangle"/>
-          </a:ln>
-        </p:spPr>
-        <p:style>
-          <a:lnRef idx="1">
-            <a:schemeClr val="accent1"/>
-          </a:lnRef>
-          <a:fillRef idx="0">
-            <a:schemeClr val="accent1"/>
-          </a:fillRef>
-          <a:effectRef idx="0">
-            <a:schemeClr val="accent1"/>
-          </a:effectRef>
-          <a:fontRef idx="minor">
-            <a:schemeClr val="tx1"/>
-          </a:fontRef>
-        </p:style>
-      </p:cxnSp>
-      <p:sp>
-        <p:nvSpPr>
-          <p:cNvPr id="14" name="TextBox 13"/>
-          <p:cNvSpPr txBox="1"/>
-          <p:nvPr/>
-        </p:nvSpPr>
-        <p:spPr>
-          <a:xfrm>
-            <a:off x="7179400" y="4961291"/>
-            <a:ext cx="612668" cy="307777"/>
-          </a:xfrm>
-          <a:prstGeom prst="rect">
-            <a:avLst/>
-          </a:prstGeom>
-          <a:noFill/>
-        </p:spPr>
-        <p:txBody>
-          <a:bodyPr wrap="none" rtlCol="0">
-            <a:spAutoFit/>
-          </a:bodyPr>
-          <a:lstStyle/>
-          <a:p>
-            <a:r>
-              <a:rPr lang="en-IN" dirty="0" smtClean="0"/>
-              <a:t>Store</a:t>
-            </a:r>
-            <a:endParaRPr lang="en-IN" dirty="0"/>
-          </a:p>
-        </p:txBody>
-      </p:sp>
-      <p:sp>
-        <p:nvSpPr>
-          <p:cNvPr id="15" name="TextBox 14"/>
-          <p:cNvSpPr txBox="1"/>
-          <p:nvPr/>
-        </p:nvSpPr>
-        <p:spPr>
-          <a:xfrm>
-            <a:off x="7197508" y="3503700"/>
-            <a:ext cx="453970" cy="307777"/>
-          </a:xfrm>
-          <a:prstGeom prst="rect">
-            <a:avLst/>
-          </a:prstGeom>
-          <a:noFill/>
-        </p:spPr>
-        <p:txBody>
-          <a:bodyPr wrap="none" rtlCol="0">
-            <a:spAutoFit/>
-          </a:bodyPr>
-          <a:lstStyle/>
-          <a:p>
-            <a:r>
-              <a:rPr lang="en-IN" dirty="0" smtClean="0"/>
-              <a:t>Put</a:t>
-            </a:r>
-            <a:endParaRPr lang="en-IN" dirty="0"/>
-          </a:p>
-        </p:txBody>
-      </p:sp>
-      <p:sp>
-        <p:nvSpPr>
-          <p:cNvPr id="18" name="TextBox 17"/>
-          <p:cNvSpPr txBox="1"/>
-          <p:nvPr/>
-        </p:nvSpPr>
-        <p:spPr>
-          <a:xfrm>
-            <a:off x="5576944" y="3920147"/>
-            <a:ext cx="583814" cy="307777"/>
-          </a:xfrm>
-          <a:prstGeom prst="rect">
-            <a:avLst/>
-          </a:prstGeom>
-          <a:noFill/>
-        </p:spPr>
-        <p:txBody>
-          <a:bodyPr wrap="none" rtlCol="0">
-            <a:spAutoFit/>
-          </a:bodyPr>
-          <a:lstStyle/>
-          <a:p>
-            <a:r>
-              <a:rPr lang="en-IN" dirty="0" smtClean="0"/>
-              <a:t>Pass</a:t>
-            </a:r>
-            <a:endParaRPr lang="en-IN" dirty="0"/>
-          </a:p>
-        </p:txBody>
-      </p:sp>
-      <p:sp>
-        <p:nvSpPr>
-          <p:cNvPr id="19" name="TextBox 18"/>
-          <p:cNvSpPr txBox="1"/>
-          <p:nvPr/>
-        </p:nvSpPr>
-        <p:spPr>
-          <a:xfrm>
-            <a:off x="2631513" y="3874912"/>
-            <a:ext cx="453970" cy="307777"/>
-          </a:xfrm>
-          <a:prstGeom prst="rect">
-            <a:avLst/>
-          </a:prstGeom>
-          <a:noFill/>
-        </p:spPr>
-        <p:txBody>
-          <a:bodyPr wrap="none" rtlCol="0">
-            <a:spAutoFit/>
-          </a:bodyPr>
-          <a:lstStyle/>
-          <a:p>
-            <a:r>
-              <a:rPr lang="en-IN" dirty="0" smtClean="0"/>
-              <a:t>Put</a:t>
-            </a:r>
-            <a:endParaRPr lang="en-IN" dirty="0"/>
-          </a:p>
-        </p:txBody>
-      </p:sp>
-      <p:sp>
-        <p:nvSpPr>
-          <p:cNvPr id="20" name="Google Shape;122;p16"/>
-          <p:cNvSpPr txBox="1"/>
-          <p:nvPr/>
-        </p:nvSpPr>
-        <p:spPr>
-          <a:xfrm>
-            <a:off x="457200" y="6356350"/>
-            <a:ext cx="2133600" cy="365125"/>
-          </a:xfrm>
-          <a:prstGeom prst="rect">
-            <a:avLst/>
-          </a:prstGeom>
-          <a:noFill/>
-          <a:ln>
-            <a:noFill/>
-          </a:ln>
-        </p:spPr>
-        <p:txBody>
-          <a:bodyPr spcFirstLastPara="1" wrap="square" lIns="90000" tIns="46800" rIns="90000" bIns="46800" anchor="ctr" anchorCtr="0">
-            <a:noAutofit/>
-          </a:bodyPr>
-          <a:lstStyle/>
-          <a:p>
-            <a:pPr marL="0" marR="0" lvl="0" indent="0" algn="l" rtl="0">
-              <a:lnSpc>
-                <a:spcPct val="100000"/>
-              </a:lnSpc>
-              <a:spcBef>
-                <a:spcPts val="0"/>
-              </a:spcBef>
-              <a:spcAft>
-                <a:spcPts val="0"/>
-              </a:spcAft>
-              <a:buClr>
-                <a:srgbClr val="000000"/>
-              </a:buClr>
-              <a:buSzPts val="1200"/>
-              <a:buFont typeface="Times New Roman"/>
-              <a:buNone/>
-            </a:pPr>
-            <a:r>
-              <a:rPr lang="en-US" sz="1200" b="0" i="0" u="none">
-                <a:solidFill>
-                  <a:srgbClr val="898989"/>
-                </a:solidFill>
-                <a:latin typeface="Calibri"/>
-                <a:ea typeface="Calibri"/>
-                <a:cs typeface="Calibri"/>
-                <a:sym typeface="Calibri"/>
-              </a:rPr>
-              <a:t>02/08/19</a:t>
-            </a:r>
-          </a:p>
-        </p:txBody>
-      </p:sp>
-      <p:sp>
-        <p:nvSpPr>
-          <p:cNvPr id="21" name="Google Shape;123;p16"/>
+          <p:cNvPr id="47" name="Google Shape;123;p16"/>
           <p:cNvSpPr txBox="1"/>
           <p:nvPr/>
         </p:nvSpPr>
@@ -23596,7 +22614,7 @@
                 <a:cs typeface="Calibri"/>
                 <a:sym typeface="Calibri"/>
               </a:rPr>
-              <a:t>19</a:t>
+              <a:t>18</a:t>
             </a:r>
             <a:endParaRPr sz="1200" b="0" i="0" u="none" dirty="0">
               <a:solidFill>
@@ -23612,7 +22630,7 @@
       </p:sp>
       <p:sp>
         <p:nvSpPr>
-          <p:cNvPr id="22" name="Google Shape;124;p16"/>
+          <p:cNvPr id="48" name="Google Shape;124;p16"/>
           <p:cNvSpPr/>
           <p:nvPr/>
         </p:nvSpPr>
@@ -23653,7 +22671,7 @@
               <a:buNone/>
             </a:pPr>
             <a:r>
-              <a:rPr lang="en-US" sz="1800" b="1" i="0" u="none">
+              <a:rPr lang="en-US" sz="1800" b="1" i="0" u="none" dirty="0">
                 <a:solidFill>
                   <a:srgbClr val="000000"/>
                 </a:solidFill>
@@ -23665,7 +22683,7 @@
               <a:t>                       </a:t>
             </a:r>
             <a:r>
-              <a:rPr lang="en-US" sz="1600" b="0" i="0" u="none">
+              <a:rPr lang="en-US" sz="1600" b="0" i="0" u="none" dirty="0">
                 <a:solidFill>
                   <a:srgbClr val="000000"/>
                 </a:solidFill>
@@ -23676,13 +22694,417 @@
               </a:rPr>
               <a:t>CSE Department, JECC</a:t>
             </a:r>
+          </a:p>
+        </p:txBody>
+      </p:sp>
+      <p:cxnSp>
+        <p:nvCxnSpPr>
+          <p:cNvPr id="20" name="Straight Connector 19"/>
+          <p:cNvCxnSpPr/>
+          <p:nvPr/>
+        </p:nvCxnSpPr>
+        <p:spPr>
+          <a:xfrm>
+            <a:off x="6390245" y="4322612"/>
+            <a:ext cx="1524000" cy="0"/>
+          </a:xfrm>
+          <a:prstGeom prst="line">
+            <a:avLst/>
+          </a:prstGeom>
+          <a:ln w="28575">
+            <a:solidFill>
+              <a:schemeClr val="tx1"/>
+            </a:solidFill>
+          </a:ln>
+        </p:spPr>
+        <p:style>
+          <a:lnRef idx="1">
+            <a:schemeClr val="accent1"/>
+          </a:lnRef>
+          <a:fillRef idx="0">
+            <a:schemeClr val="accent1"/>
+          </a:fillRef>
+          <a:effectRef idx="0">
+            <a:schemeClr val="accent1"/>
+          </a:effectRef>
+          <a:fontRef idx="minor">
+            <a:schemeClr val="tx1"/>
+          </a:fontRef>
+        </p:style>
+      </p:cxnSp>
+      <p:cxnSp>
+        <p:nvCxnSpPr>
+          <p:cNvPr id="25" name="Straight Connector 24"/>
+          <p:cNvCxnSpPr/>
+          <p:nvPr/>
+        </p:nvCxnSpPr>
+        <p:spPr>
+          <a:xfrm>
+            <a:off x="6677891" y="3616002"/>
+            <a:ext cx="0" cy="748173"/>
+          </a:xfrm>
+          <a:prstGeom prst="line">
+            <a:avLst/>
+          </a:prstGeom>
+          <a:ln w="28575">
+            <a:solidFill>
+              <a:schemeClr val="tx1"/>
+            </a:solidFill>
+          </a:ln>
+        </p:spPr>
+        <p:style>
+          <a:lnRef idx="1">
+            <a:schemeClr val="accent1"/>
+          </a:lnRef>
+          <a:fillRef idx="0">
+            <a:schemeClr val="accent1"/>
+          </a:fillRef>
+          <a:effectRef idx="0">
+            <a:schemeClr val="accent1"/>
+          </a:effectRef>
+          <a:fontRef idx="minor">
+            <a:schemeClr val="tx1"/>
+          </a:fontRef>
+        </p:style>
+      </p:cxnSp>
+      <p:sp>
+        <p:nvSpPr>
+          <p:cNvPr id="26" name="TextBox 25"/>
+          <p:cNvSpPr txBox="1"/>
+          <p:nvPr/>
+        </p:nvSpPr>
+        <p:spPr>
+          <a:xfrm>
+            <a:off x="6708885" y="3829110"/>
+            <a:ext cx="889987" cy="307777"/>
+          </a:xfrm>
+          <a:prstGeom prst="rect">
+            <a:avLst/>
+          </a:prstGeom>
+          <a:noFill/>
+        </p:spPr>
+        <p:txBody>
+          <a:bodyPr wrap="none" rtlCol="0">
+            <a:spAutoFit/>
+          </a:bodyPr>
+          <a:lstStyle/>
+          <a:p>
+            <a:r>
+              <a:rPr lang="en-IN" dirty="0" smtClean="0"/>
+              <a:t>Features</a:t>
+            </a:r>
+            <a:endParaRPr lang="en-IN" dirty="0"/>
+          </a:p>
+        </p:txBody>
+      </p:sp>
+      <p:cxnSp>
+        <p:nvCxnSpPr>
+          <p:cNvPr id="18" name="Straight Connector 17"/>
+          <p:cNvCxnSpPr/>
+          <p:nvPr/>
+        </p:nvCxnSpPr>
+        <p:spPr>
+          <a:xfrm>
+            <a:off x="6404095" y="3543435"/>
+            <a:ext cx="0" cy="820740"/>
+          </a:xfrm>
+          <a:prstGeom prst="line">
+            <a:avLst/>
+          </a:prstGeom>
+          <a:ln w="28575">
+            <a:solidFill>
+              <a:schemeClr val="tx1"/>
+            </a:solidFill>
+          </a:ln>
+        </p:spPr>
+        <p:style>
+          <a:lnRef idx="1">
+            <a:schemeClr val="accent1"/>
+          </a:lnRef>
+          <a:fillRef idx="0">
+            <a:schemeClr val="accent1"/>
+          </a:fillRef>
+          <a:effectRef idx="0">
+            <a:schemeClr val="accent1"/>
+          </a:effectRef>
+          <a:fontRef idx="minor">
+            <a:schemeClr val="tx1"/>
+          </a:fontRef>
+        </p:style>
+      </p:cxnSp>
+      <p:cxnSp>
+        <p:nvCxnSpPr>
+          <p:cNvPr id="22" name="Straight Connector 21"/>
+          <p:cNvCxnSpPr/>
+          <p:nvPr/>
+        </p:nvCxnSpPr>
+        <p:spPr>
+          <a:xfrm>
+            <a:off x="6417945" y="3616002"/>
+            <a:ext cx="1524000" cy="0"/>
+          </a:xfrm>
+          <a:prstGeom prst="line">
+            <a:avLst/>
+          </a:prstGeom>
+          <a:ln w="28575">
+            <a:solidFill>
+              <a:schemeClr val="tx1"/>
+            </a:solidFill>
+          </a:ln>
+        </p:spPr>
+        <p:style>
+          <a:lnRef idx="1">
+            <a:schemeClr val="accent1"/>
+          </a:lnRef>
+          <a:fillRef idx="0">
+            <a:schemeClr val="accent1"/>
+          </a:fillRef>
+          <a:effectRef idx="0">
+            <a:schemeClr val="accent1"/>
+          </a:effectRef>
+          <a:fontRef idx="minor">
+            <a:schemeClr val="tx1"/>
+          </a:fontRef>
+        </p:style>
+      </p:cxnSp>
+      <p:cxnSp>
+        <p:nvCxnSpPr>
+          <p:cNvPr id="23" name="Straight Connector 22"/>
+          <p:cNvCxnSpPr/>
+          <p:nvPr/>
+        </p:nvCxnSpPr>
+        <p:spPr>
+          <a:xfrm>
+            <a:off x="1028355" y="4322607"/>
+            <a:ext cx="1524000" cy="0"/>
+          </a:xfrm>
+          <a:prstGeom prst="line">
+            <a:avLst/>
+          </a:prstGeom>
+          <a:ln w="28575">
+            <a:solidFill>
+              <a:schemeClr val="tx1"/>
+            </a:solidFill>
+          </a:ln>
+        </p:spPr>
+        <p:style>
+          <a:lnRef idx="1">
+            <a:schemeClr val="accent1"/>
+          </a:lnRef>
+          <a:fillRef idx="0">
+            <a:schemeClr val="accent1"/>
+          </a:fillRef>
+          <a:effectRef idx="0">
+            <a:schemeClr val="accent1"/>
+          </a:effectRef>
+          <a:fontRef idx="minor">
+            <a:schemeClr val="tx1"/>
+          </a:fontRef>
+        </p:style>
+      </p:cxnSp>
+      <p:cxnSp>
+        <p:nvCxnSpPr>
+          <p:cNvPr id="24" name="Straight Connector 23"/>
+          <p:cNvCxnSpPr/>
+          <p:nvPr/>
+        </p:nvCxnSpPr>
+        <p:spPr>
+          <a:xfrm>
+            <a:off x="1316001" y="3615997"/>
+            <a:ext cx="0" cy="748173"/>
+          </a:xfrm>
+          <a:prstGeom prst="line">
+            <a:avLst/>
+          </a:prstGeom>
+          <a:ln w="28575">
+            <a:solidFill>
+              <a:schemeClr val="tx1"/>
+            </a:solidFill>
+          </a:ln>
+        </p:spPr>
+        <p:style>
+          <a:lnRef idx="1">
+            <a:schemeClr val="accent1"/>
+          </a:lnRef>
+          <a:fillRef idx="0">
+            <a:schemeClr val="accent1"/>
+          </a:fillRef>
+          <a:effectRef idx="0">
+            <a:schemeClr val="accent1"/>
+          </a:effectRef>
+          <a:fontRef idx="minor">
+            <a:schemeClr val="tx1"/>
+          </a:fontRef>
+        </p:style>
+      </p:cxnSp>
+      <p:sp>
+        <p:nvSpPr>
+          <p:cNvPr id="28" name="TextBox 27"/>
+          <p:cNvSpPr txBox="1"/>
+          <p:nvPr/>
+        </p:nvSpPr>
+        <p:spPr>
+          <a:xfrm>
+            <a:off x="1346995" y="3829105"/>
+            <a:ext cx="1289135" cy="307777"/>
+          </a:xfrm>
+          <a:prstGeom prst="rect">
+            <a:avLst/>
+          </a:prstGeom>
+          <a:noFill/>
+        </p:spPr>
+        <p:txBody>
+          <a:bodyPr wrap="none" rtlCol="0">
+            <a:spAutoFit/>
+          </a:bodyPr>
+          <a:lstStyle/>
+          <a:p>
+            <a:r>
+              <a:rPr lang="en-IN" dirty="0" smtClean="0"/>
+              <a:t>Answer paper</a:t>
+            </a:r>
+            <a:endParaRPr lang="en-IN" dirty="0"/>
+          </a:p>
+        </p:txBody>
+      </p:sp>
+      <p:cxnSp>
+        <p:nvCxnSpPr>
+          <p:cNvPr id="29" name="Straight Connector 28"/>
+          <p:cNvCxnSpPr/>
+          <p:nvPr/>
+        </p:nvCxnSpPr>
+        <p:spPr>
+          <a:xfrm>
+            <a:off x="1042205" y="3543430"/>
+            <a:ext cx="0" cy="820740"/>
+          </a:xfrm>
+          <a:prstGeom prst="line">
+            <a:avLst/>
+          </a:prstGeom>
+          <a:ln w="28575">
+            <a:solidFill>
+              <a:schemeClr val="tx1"/>
+            </a:solidFill>
+          </a:ln>
+        </p:spPr>
+        <p:style>
+          <a:lnRef idx="1">
+            <a:schemeClr val="accent1"/>
+          </a:lnRef>
+          <a:fillRef idx="0">
+            <a:schemeClr val="accent1"/>
+          </a:fillRef>
+          <a:effectRef idx="0">
+            <a:schemeClr val="accent1"/>
+          </a:effectRef>
+          <a:fontRef idx="minor">
+            <a:schemeClr val="tx1"/>
+          </a:fontRef>
+        </p:style>
+      </p:cxnSp>
+      <p:cxnSp>
+        <p:nvCxnSpPr>
+          <p:cNvPr id="30" name="Straight Connector 29"/>
+          <p:cNvCxnSpPr/>
+          <p:nvPr/>
+        </p:nvCxnSpPr>
+        <p:spPr>
+          <a:xfrm>
+            <a:off x="1056055" y="3615997"/>
+            <a:ext cx="1524000" cy="0"/>
+          </a:xfrm>
+          <a:prstGeom prst="line">
+            <a:avLst/>
+          </a:prstGeom>
+          <a:ln w="28575">
+            <a:solidFill>
+              <a:schemeClr val="tx1"/>
+            </a:solidFill>
+          </a:ln>
+        </p:spPr>
+        <p:style>
+          <a:lnRef idx="1">
+            <a:schemeClr val="accent1"/>
+          </a:lnRef>
+          <a:fillRef idx="0">
+            <a:schemeClr val="accent1"/>
+          </a:fillRef>
+          <a:effectRef idx="0">
+            <a:schemeClr val="accent1"/>
+          </a:effectRef>
+          <a:fontRef idx="minor">
+            <a:schemeClr val="tx1"/>
+          </a:fontRef>
+        </p:style>
+      </p:cxnSp>
+      <p:sp>
+        <p:nvSpPr>
+          <p:cNvPr id="5" name="Date Placeholder 4"/>
+          <p:cNvSpPr>
+            <a:spLocks noGrp="1"/>
+          </p:cNvSpPr>
+          <p:nvPr>
+            <p:ph type="dt" idx="10"/>
+          </p:nvPr>
+        </p:nvSpPr>
+        <p:spPr/>
+        <p:txBody>
+          <a:bodyPr/>
+          <a:lstStyle/>
+          <a:p>
+            <a:fld id="{B2445BDE-C72B-4D19-B26F-93A9FAD82915}" type="datetime3">
+              <a:rPr lang="en-US" smtClean="0"/>
+              <a:t>3 November 2019</a:t>
+            </a:fld>
+            <a:endParaRPr lang="en-US"/>
+          </a:p>
+        </p:txBody>
+      </p:sp>
+      <p:sp>
+        <p:nvSpPr>
+          <p:cNvPr id="6" name="Slide Number Placeholder 5"/>
+          <p:cNvSpPr>
+            <a:spLocks noGrp="1"/>
+          </p:cNvSpPr>
+          <p:nvPr>
+            <p:ph type="sldNum" idx="12"/>
+          </p:nvPr>
+        </p:nvSpPr>
+        <p:spPr/>
+        <p:txBody>
+          <a:bodyPr/>
+          <a:lstStyle/>
+          <a:p>
+            <a:pPr marL="0" lvl="0" indent="0" algn="r" rtl="0">
+              <a:spcBef>
+                <a:spcPts val="0"/>
+              </a:spcBef>
+              <a:spcAft>
+                <a:spcPts val="0"/>
+              </a:spcAft>
+              <a:buNone/>
+            </a:pPr>
+            <a:fld id="{00000000-1234-1234-1234-123412341234}" type="slidenum">
+              <a:rPr lang="en-US" smtClean="0"/>
+              <a:pPr marL="0" lvl="0" indent="0" algn="r" rtl="0">
+                <a:spcBef>
+                  <a:spcPts val="0"/>
+                </a:spcBef>
+                <a:spcAft>
+                  <a:spcPts val="0"/>
+                </a:spcAft>
+                <a:buNone/>
+              </a:pPr>
+              <a:t>19</a:t>
+            </a:fld>
+            <a:endParaRPr lang="en-US"/>
           </a:p>
         </p:txBody>
       </p:sp>
     </p:spTree>
     <p:extLst>
       <p:ext uri="{BB962C8B-B14F-4D97-AF65-F5344CB8AC3E}">
-        <p14:creationId xmlns:p14="http://schemas.microsoft.com/office/powerpoint/2010/main" val="2085582804"/>
+        <p14:creationId xmlns:p14="http://schemas.microsoft.com/office/powerpoint/2010/main" val="363977160"/>
       </p:ext>
     </p:extLst>
   </p:cSld>
@@ -24185,103 +23607,65 @@
       </p:sp>
       <p:sp>
         <p:nvSpPr>
-          <p:cNvPr id="7" name="Google Shape;91;p13"/>
-          <p:cNvSpPr txBox="1"/>
-          <p:nvPr/>
+          <p:cNvPr id="3" name="Date Placeholder 2"/>
+          <p:cNvSpPr>
+            <a:spLocks noGrp="1"/>
+          </p:cNvSpPr>
+          <p:nvPr>
+            <p:ph type="dt" idx="10"/>
+          </p:nvPr>
         </p:nvSpPr>
-        <p:spPr>
-          <a:xfrm>
-            <a:off x="457200" y="6356350"/>
-            <a:ext cx="2133600" cy="365125"/>
-          </a:xfrm>
-          <a:prstGeom prst="rect">
-            <a:avLst/>
-          </a:prstGeom>
-          <a:noFill/>
-          <a:ln>
-            <a:noFill/>
-          </a:ln>
-        </p:spPr>
+        <p:spPr/>
         <p:txBody>
-          <a:bodyPr spcFirstLastPara="1" wrap="square" lIns="90000" tIns="46800" rIns="90000" bIns="46800" anchor="ctr" anchorCtr="0">
-            <a:noAutofit/>
-          </a:bodyPr>
+          <a:bodyPr/>
           <a:lstStyle/>
           <a:p>
-            <a:pPr marL="0" marR="0" lvl="0" indent="0" algn="l" rtl="0">
-              <a:lnSpc>
-                <a:spcPct val="100000"/>
-              </a:lnSpc>
-              <a:spcBef>
-                <a:spcPts val="0"/>
-              </a:spcBef>
-              <a:spcAft>
-                <a:spcPts val="0"/>
-              </a:spcAft>
-              <a:buClr>
-                <a:srgbClr val="000000"/>
-              </a:buClr>
-              <a:buSzPts val="1200"/>
-              <a:buFont typeface="Times New Roman"/>
+            <a:fld id="{F49A5D00-B4A5-4073-A7DB-199A761D72D9}" type="datetime3">
+              <a:rPr lang="en-US" smtClean="0"/>
+              <a:t>3 November 2019</a:t>
+            </a:fld>
+            <a:endParaRPr lang="en-US" dirty="0"/>
+          </a:p>
+        </p:txBody>
+      </p:sp>
+      <p:sp>
+        <p:nvSpPr>
+          <p:cNvPr id="4" name="Slide Number Placeholder 3"/>
+          <p:cNvSpPr>
+            <a:spLocks noGrp="1"/>
+          </p:cNvSpPr>
+          <p:nvPr>
+            <p:ph type="sldNum" idx="12"/>
+          </p:nvPr>
+        </p:nvSpPr>
+        <p:spPr/>
+        <p:txBody>
+          <a:bodyPr/>
+          <a:lstStyle/>
+          <a:p>
+            <a:pPr marL="0" lvl="0" indent="0" algn="r" rtl="0">
+              <a:spcBef>
+                <a:spcPts val="0"/>
+              </a:spcBef>
+              <a:spcAft>
+                <a:spcPts val="0"/>
+              </a:spcAft>
               <a:buNone/>
             </a:pPr>
-            <a:r>
-              <a:rPr lang="en-US" sz="1200" dirty="0" smtClean="0">
-                <a:solidFill>
-                  <a:srgbClr val="898989"/>
-                </a:solidFill>
-                <a:latin typeface="Calibri"/>
-                <a:ea typeface="Calibri"/>
-                <a:cs typeface="Calibri"/>
-                <a:sym typeface="Calibri"/>
-              </a:rPr>
-              <a:t>21</a:t>
-            </a:r>
-            <a:r>
-              <a:rPr lang="en-US" sz="1200" b="0" i="0" u="none" dirty="0" smtClean="0">
-                <a:solidFill>
-                  <a:srgbClr val="898989"/>
-                </a:solidFill>
-                <a:latin typeface="Calibri"/>
-                <a:ea typeface="Calibri"/>
-                <a:cs typeface="Calibri"/>
-                <a:sym typeface="Calibri"/>
-              </a:rPr>
-              <a:t>/</a:t>
-            </a:r>
-            <a:r>
-              <a:rPr lang="en-US" sz="1200" dirty="0" smtClean="0">
-                <a:solidFill>
-                  <a:srgbClr val="898989"/>
-                </a:solidFill>
-                <a:latin typeface="Calibri"/>
-                <a:ea typeface="Calibri"/>
-                <a:cs typeface="Calibri"/>
-                <a:sym typeface="Calibri"/>
-              </a:rPr>
-              <a:t>10</a:t>
-            </a:r>
-            <a:r>
-              <a:rPr lang="en-US" sz="1200" b="0" i="0" u="none" dirty="0" smtClean="0">
-                <a:solidFill>
-                  <a:srgbClr val="898989"/>
-                </a:solidFill>
-                <a:latin typeface="Calibri"/>
-                <a:ea typeface="Calibri"/>
-                <a:cs typeface="Calibri"/>
-                <a:sym typeface="Calibri"/>
-              </a:rPr>
-              <a:t>/19</a:t>
-            </a:r>
-            <a:endParaRPr lang="en-US" sz="1200" b="0" i="0" u="none" dirty="0">
-              <a:solidFill>
-                <a:srgbClr val="898989"/>
-              </a:solidFill>
-              <a:latin typeface="Calibri"/>
-              <a:ea typeface="Calibri"/>
-              <a:cs typeface="Calibri"/>
-              <a:sym typeface="Calibri"/>
-            </a:endParaRPr>
+            <a:fld id="{00000000-1234-1234-1234-123412341234}" type="slidenum">
+              <a:rPr lang="en-US" smtClean="0"/>
+              <a:pPr marL="0" lvl="0" indent="0" algn="r" rtl="0">
+                <a:spcBef>
+                  <a:spcPts val="0"/>
+                </a:spcBef>
+                <a:spcAft>
+                  <a:spcPts val="0"/>
+                </a:spcAft>
+                <a:buNone/>
+              </a:pPr>
+              <a:t>2</a:t>
+            </a:fld>
+            <a:endParaRPr lang="en-US"/>
           </a:p>
         </p:txBody>
       </p:sp>
@@ -24332,13 +23716,7 @@
           <a:bodyPr/>
           <a:lstStyle/>
           <a:p>
-            <a:endParaRPr lang="en-GB" b="1" dirty="0">
-              <a:solidFill>
-                <a:srgbClr val="C00000"/>
-              </a:solidFill>
-              <a:latin typeface="Times New Roman" pitchFamily="18" charset="0"/>
-              <a:cs typeface="Times New Roman" pitchFamily="18" charset="0"/>
-            </a:endParaRPr>
+            <a:endParaRPr lang="en-GB" dirty="0"/>
           </a:p>
         </p:txBody>
       </p:sp>
@@ -24352,12 +23730,7 @@
             <p:ph type="body" idx="1"/>
           </p:nvPr>
         </p:nvSpPr>
-        <p:spPr>
-          <a:xfrm>
-            <a:off x="384772" y="1600200"/>
-            <a:ext cx="8226425" cy="4522787"/>
-          </a:xfrm>
-        </p:spPr>
+        <p:spPr/>
         <p:txBody>
           <a:bodyPr/>
           <a:lstStyle/>
@@ -24368,39 +23741,23 @@
                 <a:latin typeface="Times New Roman" pitchFamily="18" charset="0"/>
                 <a:cs typeface="Times New Roman" pitchFamily="18" charset="0"/>
               </a:rPr>
-              <a:t>Data Flow Diagram</a:t>
+              <a:t>1</a:t>
+            </a:r>
+            <a:r>
+              <a:rPr lang="en-GB" sz="2800" b="1" dirty="0" smtClean="0">
+                <a:latin typeface="Times New Roman" pitchFamily="18" charset="0"/>
+                <a:cs typeface="Times New Roman" pitchFamily="18" charset="0"/>
+              </a:rPr>
+              <a:t>-LEVEL Data Flow Diagram</a:t>
             </a:r>
             <a:r>
               <a:rPr lang="en-GB" sz="2400" b="1" dirty="0">
                 <a:latin typeface="Times New Roman" pitchFamily="18" charset="0"/>
                 <a:cs typeface="Times New Roman" pitchFamily="18" charset="0"/>
               </a:rPr>
-              <a:t> 3</a:t>
-            </a:r>
-          </a:p>
-          <a:p>
-            <a:pPr algn="ctr"/>
-            <a:r>
-              <a:rPr lang="en-GB" sz="2400" dirty="0" smtClean="0">
-                <a:latin typeface="Times New Roman" pitchFamily="18" charset="0"/>
-                <a:cs typeface="Times New Roman" pitchFamily="18" charset="0"/>
-              </a:rPr>
-              <a:t>Evaluation Using ML Model</a:t>
-            </a:r>
-          </a:p>
-          <a:p>
-            <a:pPr algn="ctr"/>
-            <a:endParaRPr lang="en-GB" sz="2400" dirty="0">
-              <a:latin typeface="Times New Roman" pitchFamily="18" charset="0"/>
-              <a:cs typeface="Times New Roman" pitchFamily="18" charset="0"/>
-            </a:endParaRPr>
-          </a:p>
-          <a:p>
-            <a:pPr marL="228600" indent="0"/>
-            <a:endParaRPr lang="en-GB" sz="2400" dirty="0">
-              <a:solidFill>
-                <a:schemeClr val="tx1"/>
-              </a:solidFill>
+              <a:t> </a:t>
+            </a:r>
+            <a:endParaRPr lang="en-GB" sz="2400" b="1" dirty="0" smtClean="0">
               <a:latin typeface="Times New Roman" pitchFamily="18" charset="0"/>
               <a:cs typeface="Times New Roman" pitchFamily="18" charset="0"/>
             </a:endParaRPr>
@@ -24438,18 +23795,92 @@
           </a:ln>
         </p:spPr>
       </p:pic>
+      <p:cxnSp>
+        <p:nvCxnSpPr>
+          <p:cNvPr id="19" name="Straight Arrow Connector 18"/>
+          <p:cNvCxnSpPr>
+            <a:endCxn id="12" idx="2"/>
+          </p:cNvCxnSpPr>
+          <p:nvPr/>
+        </p:nvCxnSpPr>
+        <p:spPr>
+          <a:xfrm>
+            <a:off x="2464052" y="3956357"/>
+            <a:ext cx="902603" cy="13581"/>
+          </a:xfrm>
+          <a:prstGeom prst="straightConnector1">
+            <a:avLst/>
+          </a:prstGeom>
+          <a:ln w="19050">
+            <a:solidFill>
+              <a:schemeClr val="tx2"/>
+            </a:solidFill>
+            <a:tailEnd type="triangle"/>
+          </a:ln>
+        </p:spPr>
+        <p:style>
+          <a:lnRef idx="1">
+            <a:schemeClr val="accent1"/>
+          </a:lnRef>
+          <a:fillRef idx="0">
+            <a:schemeClr val="accent1"/>
+          </a:fillRef>
+          <a:effectRef idx="0">
+            <a:schemeClr val="accent1"/>
+          </a:effectRef>
+          <a:fontRef idx="minor">
+            <a:schemeClr val="tx1"/>
+          </a:fontRef>
+        </p:style>
+      </p:cxnSp>
+      <p:cxnSp>
+        <p:nvCxnSpPr>
+          <p:cNvPr id="21" name="Straight Arrow Connector 20"/>
+          <p:cNvCxnSpPr/>
+          <p:nvPr/>
+        </p:nvCxnSpPr>
+        <p:spPr>
+          <a:xfrm flipV="1">
+            <a:off x="5205743" y="3977483"/>
+            <a:ext cx="1184502" cy="13574"/>
+          </a:xfrm>
+          <a:prstGeom prst="straightConnector1">
+            <a:avLst/>
+          </a:prstGeom>
+          <a:ln w="19050">
+            <a:solidFill>
+              <a:schemeClr val="tx2"/>
+            </a:solidFill>
+            <a:tailEnd type="triangle"/>
+          </a:ln>
+        </p:spPr>
+        <p:style>
+          <a:lnRef idx="1">
+            <a:schemeClr val="accent1"/>
+          </a:lnRef>
+          <a:fillRef idx="0">
+            <a:schemeClr val="accent1"/>
+          </a:fillRef>
+          <a:effectRef idx="0">
+            <a:schemeClr val="accent1"/>
+          </a:effectRef>
+          <a:fontRef idx="minor">
+            <a:schemeClr val="tx1"/>
+          </a:fontRef>
+        </p:style>
+      </p:cxnSp>
       <p:sp>
         <p:nvSpPr>
-          <p:cNvPr id="6" name="Rectangle 5"/>
+          <p:cNvPr id="12" name="Oval 11"/>
           <p:cNvSpPr/>
           <p:nvPr/>
         </p:nvSpPr>
         <p:spPr>
           <a:xfrm>
-            <a:off x="1403271" y="3775281"/>
-            <a:ext cx="1692998" cy="570368"/>
+            <a:off x="3366655" y="3539897"/>
+            <a:ext cx="2192173" cy="860081"/>
           </a:xfrm>
-          <a:prstGeom prst="rect">
+          <a:prstGeom prst="ellipse">
             <a:avLst/>
           </a:prstGeom>
         </p:spPr>
@@ -24473,21 +23904,497 @@
           <a:p>
             <a:pPr algn="ctr"/>
             <a:r>
-              <a:rPr lang="en-IN" dirty="0"/>
-              <a:t>ML Model</a:t>
-            </a:r>
+              <a:rPr lang="en-IN" dirty="0" smtClean="0"/>
+              <a:t>Valuation</a:t>
+            </a:r>
+            <a:endParaRPr lang="en-IN" dirty="0"/>
           </a:p>
         </p:txBody>
       </p:sp>
       <p:sp>
         <p:nvSpPr>
-          <p:cNvPr id="7" name="Rectangle 6"/>
+          <p:cNvPr id="47" name="Google Shape;123;p16"/>
+          <p:cNvSpPr txBox="1"/>
+          <p:nvPr/>
+        </p:nvSpPr>
+        <p:spPr>
+          <a:xfrm>
+            <a:off x="6553200" y="6356350"/>
+            <a:ext cx="2133600" cy="365125"/>
+          </a:xfrm>
+          <a:prstGeom prst="rect">
+            <a:avLst/>
+          </a:prstGeom>
+          <a:noFill/>
+          <a:ln>
+            <a:noFill/>
+          </a:ln>
+        </p:spPr>
+        <p:txBody>
+          <a:bodyPr spcFirstLastPara="1" wrap="square" lIns="90000" tIns="46800" rIns="90000" bIns="46800" anchor="ctr" anchorCtr="0">
+            <a:noAutofit/>
+          </a:bodyPr>
+          <a:lstStyle/>
+          <a:p>
+            <a:pPr marL="0" marR="0" lvl="0" indent="0" algn="r" rtl="0">
+              <a:lnSpc>
+                <a:spcPct val="100000"/>
+              </a:lnSpc>
+              <a:spcBef>
+                <a:spcPts val="0"/>
+              </a:spcBef>
+              <a:spcAft>
+                <a:spcPts val="0"/>
+              </a:spcAft>
+              <a:buClr>
+                <a:srgbClr val="000000"/>
+              </a:buClr>
+              <a:buSzPts val="1200"/>
+              <a:buFont typeface="Times New Roman"/>
+              <a:buNone/>
+            </a:pPr>
+            <a:r>
+              <a:rPr lang="en-US" sz="1200" b="0" i="0" u="none" dirty="0" smtClean="0">
+                <a:solidFill>
+                  <a:srgbClr val="898989"/>
+                </a:solidFill>
+                <a:latin typeface="Calibri"/>
+                <a:ea typeface="Calibri"/>
+                <a:cs typeface="Calibri"/>
+                <a:sym typeface="Calibri"/>
+              </a:rPr>
+              <a:t>19</a:t>
+            </a:r>
+            <a:endParaRPr sz="1200" b="0" i="0" u="none" dirty="0">
+              <a:solidFill>
+                <a:srgbClr val="898989"/>
+              </a:solidFill>
+              <a:latin typeface="Calibri"/>
+              <a:ea typeface="Calibri"/>
+              <a:cs typeface="Calibri"/>
+              <a:sym typeface="Calibri"/>
+            </a:endParaRPr>
+          </a:p>
+        </p:txBody>
+      </p:sp>
+      <p:sp>
+        <p:nvSpPr>
+          <p:cNvPr id="48" name="Google Shape;124;p16"/>
           <p:cNvSpPr/>
           <p:nvPr/>
         </p:nvSpPr>
         <p:spPr>
           <a:xfrm>
-            <a:off x="3746622" y="5412451"/>
+            <a:off x="1905000" y="6324600"/>
+            <a:ext cx="5410200" cy="368300"/>
+          </a:xfrm>
+          <a:prstGeom prst="rect">
+            <a:avLst/>
+          </a:prstGeom>
+          <a:noFill/>
+          <a:ln>
+            <a:noFill/>
+          </a:ln>
+        </p:spPr>
+        <p:txBody>
+          <a:bodyPr spcFirstLastPara="1" wrap="square" lIns="90000" tIns="46800" rIns="90000" bIns="46800" anchor="t" anchorCtr="0">
+            <a:noAutofit/>
+          </a:bodyPr>
+          <a:lstStyle/>
+          <a:p>
+            <a:pPr marL="0" marR="0" lvl="0" indent="0" algn="l" rtl="0">
+              <a:lnSpc>
+                <a:spcPct val="100000"/>
+              </a:lnSpc>
+              <a:spcBef>
+                <a:spcPts val="0"/>
+              </a:spcBef>
+              <a:spcAft>
+                <a:spcPts val="0"/>
+              </a:spcAft>
+              <a:buClr>
+                <a:srgbClr val="000000"/>
+              </a:buClr>
+              <a:buSzPts val="1800"/>
+              <a:buFont typeface="Times New Roman"/>
+              <a:buNone/>
+            </a:pPr>
+            <a:r>
+              <a:rPr lang="en-US" sz="1800" b="1" i="0" u="none" dirty="0">
+                <a:solidFill>
+                  <a:srgbClr val="000000"/>
+                </a:solidFill>
+                <a:latin typeface="Arial Black"/>
+                <a:ea typeface="Arial Black"/>
+                <a:cs typeface="Arial Black"/>
+                <a:sym typeface="Arial Black"/>
+              </a:rPr>
+              <a:t>                       </a:t>
+            </a:r>
+            <a:r>
+              <a:rPr lang="en-US" sz="1600" b="0" i="0" u="none" dirty="0">
+                <a:solidFill>
+                  <a:srgbClr val="000000"/>
+                </a:solidFill>
+                <a:latin typeface="Times New Roman"/>
+                <a:ea typeface="Times New Roman"/>
+                <a:cs typeface="Times New Roman"/>
+                <a:sym typeface="Times New Roman"/>
+              </a:rPr>
+              <a:t>CSE Department, JECC</a:t>
+            </a:r>
+          </a:p>
+        </p:txBody>
+      </p:sp>
+      <p:cxnSp>
+        <p:nvCxnSpPr>
+          <p:cNvPr id="20" name="Straight Connector 19"/>
+          <p:cNvCxnSpPr/>
+          <p:nvPr/>
+        </p:nvCxnSpPr>
+        <p:spPr>
+          <a:xfrm>
+            <a:off x="6154710" y="3352762"/>
+            <a:ext cx="1524000" cy="0"/>
+          </a:xfrm>
+          <a:prstGeom prst="line">
+            <a:avLst/>
+          </a:prstGeom>
+          <a:ln w="28575">
+            <a:solidFill>
+              <a:schemeClr val="tx1"/>
+            </a:solidFill>
+          </a:ln>
+        </p:spPr>
+        <p:style>
+          <a:lnRef idx="1">
+            <a:schemeClr val="accent1"/>
+          </a:lnRef>
+          <a:fillRef idx="0">
+            <a:schemeClr val="accent1"/>
+          </a:fillRef>
+          <a:effectRef idx="0">
+            <a:schemeClr val="accent1"/>
+          </a:effectRef>
+          <a:fontRef idx="minor">
+            <a:schemeClr val="tx1"/>
+          </a:fontRef>
+        </p:style>
+      </p:cxnSp>
+      <p:cxnSp>
+        <p:nvCxnSpPr>
+          <p:cNvPr id="25" name="Straight Connector 24"/>
+          <p:cNvCxnSpPr/>
+          <p:nvPr/>
+        </p:nvCxnSpPr>
+        <p:spPr>
+          <a:xfrm>
+            <a:off x="6442356" y="2646152"/>
+            <a:ext cx="0" cy="748173"/>
+          </a:xfrm>
+          <a:prstGeom prst="line">
+            <a:avLst/>
+          </a:prstGeom>
+          <a:ln w="28575">
+            <a:solidFill>
+              <a:schemeClr val="tx1"/>
+            </a:solidFill>
+          </a:ln>
+        </p:spPr>
+        <p:style>
+          <a:lnRef idx="1">
+            <a:schemeClr val="accent1"/>
+          </a:lnRef>
+          <a:fillRef idx="0">
+            <a:schemeClr val="accent1"/>
+          </a:fillRef>
+          <a:effectRef idx="0">
+            <a:schemeClr val="accent1"/>
+          </a:effectRef>
+          <a:fontRef idx="minor">
+            <a:schemeClr val="tx1"/>
+          </a:fontRef>
+        </p:style>
+      </p:cxnSp>
+      <p:sp>
+        <p:nvSpPr>
+          <p:cNvPr id="26" name="TextBox 25"/>
+          <p:cNvSpPr txBox="1"/>
+          <p:nvPr/>
+        </p:nvSpPr>
+        <p:spPr>
+          <a:xfrm>
+            <a:off x="6473350" y="2859260"/>
+            <a:ext cx="1111202" cy="307777"/>
+          </a:xfrm>
+          <a:prstGeom prst="rect">
+            <a:avLst/>
+          </a:prstGeom>
+          <a:noFill/>
+        </p:spPr>
+        <p:txBody>
+          <a:bodyPr wrap="none" rtlCol="0">
+            <a:spAutoFit/>
+          </a:bodyPr>
+          <a:lstStyle/>
+          <a:p>
+            <a:r>
+              <a:rPr lang="en-IN" dirty="0" smtClean="0"/>
+              <a:t>Answer key</a:t>
+            </a:r>
+            <a:endParaRPr lang="en-IN" dirty="0"/>
+          </a:p>
+        </p:txBody>
+      </p:sp>
+      <p:cxnSp>
+        <p:nvCxnSpPr>
+          <p:cNvPr id="18" name="Straight Connector 17"/>
+          <p:cNvCxnSpPr/>
+          <p:nvPr/>
+        </p:nvCxnSpPr>
+        <p:spPr>
+          <a:xfrm>
+            <a:off x="6168560" y="2573585"/>
+            <a:ext cx="0" cy="820740"/>
+          </a:xfrm>
+          <a:prstGeom prst="line">
+            <a:avLst/>
+          </a:prstGeom>
+          <a:ln w="28575">
+            <a:solidFill>
+              <a:schemeClr val="tx1"/>
+            </a:solidFill>
+          </a:ln>
+        </p:spPr>
+        <p:style>
+          <a:lnRef idx="1">
+            <a:schemeClr val="accent1"/>
+          </a:lnRef>
+          <a:fillRef idx="0">
+            <a:schemeClr val="accent1"/>
+          </a:fillRef>
+          <a:effectRef idx="0">
+            <a:schemeClr val="accent1"/>
+          </a:effectRef>
+          <a:fontRef idx="minor">
+            <a:schemeClr val="tx1"/>
+          </a:fontRef>
+        </p:style>
+      </p:cxnSp>
+      <p:cxnSp>
+        <p:nvCxnSpPr>
+          <p:cNvPr id="22" name="Straight Connector 21"/>
+          <p:cNvCxnSpPr/>
+          <p:nvPr/>
+        </p:nvCxnSpPr>
+        <p:spPr>
+          <a:xfrm>
+            <a:off x="6182410" y="2646152"/>
+            <a:ext cx="1524000" cy="0"/>
+          </a:xfrm>
+          <a:prstGeom prst="line">
+            <a:avLst/>
+          </a:prstGeom>
+          <a:ln w="28575">
+            <a:solidFill>
+              <a:schemeClr val="tx1"/>
+            </a:solidFill>
+          </a:ln>
+        </p:spPr>
+        <p:style>
+          <a:lnRef idx="1">
+            <a:schemeClr val="accent1"/>
+          </a:lnRef>
+          <a:fillRef idx="0">
+            <a:schemeClr val="accent1"/>
+          </a:fillRef>
+          <a:effectRef idx="0">
+            <a:schemeClr val="accent1"/>
+          </a:effectRef>
+          <a:fontRef idx="minor">
+            <a:schemeClr val="tx1"/>
+          </a:fontRef>
+        </p:style>
+      </p:cxnSp>
+      <p:cxnSp>
+        <p:nvCxnSpPr>
+          <p:cNvPr id="23" name="Straight Connector 22"/>
+          <p:cNvCxnSpPr/>
+          <p:nvPr/>
+        </p:nvCxnSpPr>
+        <p:spPr>
+          <a:xfrm>
+            <a:off x="1028355" y="4322607"/>
+            <a:ext cx="1524000" cy="0"/>
+          </a:xfrm>
+          <a:prstGeom prst="line">
+            <a:avLst/>
+          </a:prstGeom>
+          <a:ln w="28575">
+            <a:solidFill>
+              <a:schemeClr val="tx1"/>
+            </a:solidFill>
+          </a:ln>
+        </p:spPr>
+        <p:style>
+          <a:lnRef idx="1">
+            <a:schemeClr val="accent1"/>
+          </a:lnRef>
+          <a:fillRef idx="0">
+            <a:schemeClr val="accent1"/>
+          </a:fillRef>
+          <a:effectRef idx="0">
+            <a:schemeClr val="accent1"/>
+          </a:effectRef>
+          <a:fontRef idx="minor">
+            <a:schemeClr val="tx1"/>
+          </a:fontRef>
+        </p:style>
+      </p:cxnSp>
+      <p:cxnSp>
+        <p:nvCxnSpPr>
+          <p:cNvPr id="24" name="Straight Connector 23"/>
+          <p:cNvCxnSpPr/>
+          <p:nvPr/>
+        </p:nvCxnSpPr>
+        <p:spPr>
+          <a:xfrm>
+            <a:off x="1316001" y="3615997"/>
+            <a:ext cx="0" cy="748173"/>
+          </a:xfrm>
+          <a:prstGeom prst="line">
+            <a:avLst/>
+          </a:prstGeom>
+          <a:ln w="28575">
+            <a:solidFill>
+              <a:schemeClr val="tx1"/>
+            </a:solidFill>
+          </a:ln>
+        </p:spPr>
+        <p:style>
+          <a:lnRef idx="1">
+            <a:schemeClr val="accent1"/>
+          </a:lnRef>
+          <a:fillRef idx="0">
+            <a:schemeClr val="accent1"/>
+          </a:fillRef>
+          <a:effectRef idx="0">
+            <a:schemeClr val="accent1"/>
+          </a:effectRef>
+          <a:fontRef idx="minor">
+            <a:schemeClr val="tx1"/>
+          </a:fontRef>
+        </p:style>
+      </p:cxnSp>
+      <p:sp>
+        <p:nvSpPr>
+          <p:cNvPr id="28" name="TextBox 27"/>
+          <p:cNvSpPr txBox="1"/>
+          <p:nvPr/>
+        </p:nvSpPr>
+        <p:spPr>
+          <a:xfrm>
+            <a:off x="1346995" y="3829105"/>
+            <a:ext cx="889987" cy="307777"/>
+          </a:xfrm>
+          <a:prstGeom prst="rect">
+            <a:avLst/>
+          </a:prstGeom>
+          <a:noFill/>
+        </p:spPr>
+        <p:txBody>
+          <a:bodyPr wrap="none" rtlCol="0">
+            <a:spAutoFit/>
+          </a:bodyPr>
+          <a:lstStyle/>
+          <a:p>
+            <a:r>
+              <a:rPr lang="en-IN" dirty="0" smtClean="0"/>
+              <a:t>Features</a:t>
+            </a:r>
+            <a:endParaRPr lang="en-IN" dirty="0"/>
+          </a:p>
+        </p:txBody>
+      </p:sp>
+      <p:cxnSp>
+        <p:nvCxnSpPr>
+          <p:cNvPr id="29" name="Straight Connector 28"/>
+          <p:cNvCxnSpPr/>
+          <p:nvPr/>
+        </p:nvCxnSpPr>
+        <p:spPr>
+          <a:xfrm>
+            <a:off x="1042205" y="3543430"/>
+            <a:ext cx="0" cy="820740"/>
+          </a:xfrm>
+          <a:prstGeom prst="line">
+            <a:avLst/>
+          </a:prstGeom>
+          <a:ln w="28575">
+            <a:solidFill>
+              <a:schemeClr val="tx1"/>
+            </a:solidFill>
+          </a:ln>
+        </p:spPr>
+        <p:style>
+          <a:lnRef idx="1">
+            <a:schemeClr val="accent1"/>
+          </a:lnRef>
+          <a:fillRef idx="0">
+            <a:schemeClr val="accent1"/>
+          </a:fillRef>
+          <a:effectRef idx="0">
+            <a:schemeClr val="accent1"/>
+          </a:effectRef>
+          <a:fontRef idx="minor">
+            <a:schemeClr val="tx1"/>
+          </a:fontRef>
+        </p:style>
+      </p:cxnSp>
+      <p:cxnSp>
+        <p:nvCxnSpPr>
+          <p:cNvPr id="30" name="Straight Connector 29"/>
+          <p:cNvCxnSpPr/>
+          <p:nvPr/>
+        </p:nvCxnSpPr>
+        <p:spPr>
+          <a:xfrm>
+            <a:off x="1056055" y="3615997"/>
+            <a:ext cx="1524000" cy="0"/>
+          </a:xfrm>
+          <a:prstGeom prst="line">
+            <a:avLst/>
+          </a:prstGeom>
+          <a:ln w="28575">
+            <a:solidFill>
+              <a:schemeClr val="tx1"/>
+            </a:solidFill>
+          </a:ln>
+        </p:spPr>
+        <p:style>
+          <a:lnRef idx="1">
+            <a:schemeClr val="accent1"/>
+          </a:lnRef>
+          <a:fillRef idx="0">
+            <a:schemeClr val="accent1"/>
+          </a:fillRef>
+          <a:effectRef idx="0">
+            <a:schemeClr val="accent1"/>
+          </a:effectRef>
+          <a:fontRef idx="minor">
+            <a:schemeClr val="tx1"/>
+          </a:fontRef>
+        </p:style>
+      </p:cxnSp>
+      <p:sp>
+        <p:nvSpPr>
+          <p:cNvPr id="31" name="Rectangle 30"/>
+          <p:cNvSpPr/>
+          <p:nvPr/>
+        </p:nvSpPr>
+        <p:spPr>
+          <a:xfrm>
+            <a:off x="6390245" y="3610818"/>
             <a:ext cx="1730705" cy="733329"/>
           </a:xfrm>
           <a:prstGeom prst="rect">
@@ -24515,7 +24422,7 @@
             <a:pPr algn="ctr"/>
             <a:r>
               <a:rPr lang="en-IN" dirty="0" smtClean="0"/>
-              <a:t>Pre Processed Image Database</a:t>
+              <a:t>Marks</a:t>
             </a:r>
             <a:endParaRPr lang="en-IN" dirty="0"/>
           </a:p>
@@ -24523,24 +24430,23 @@
       </p:sp>
       <p:cxnSp>
         <p:nvCxnSpPr>
-          <p:cNvPr id="8" name="Straight Arrow Connector 7"/>
+          <p:cNvPr id="32" name="Straight Arrow Connector 31"/>
           <p:cNvCxnSpPr>
-            <a:stCxn id="7" idx="0"/>
-            <a:endCxn id="9" idx="4"/>
+            <a:endCxn id="12" idx="7"/>
           </p:cNvCxnSpPr>
           <p:nvPr/>
         </p:nvCxnSpPr>
         <p:spPr>
-          <a:xfrm flipV="1">
-            <a:off x="4611975" y="4436349"/>
-            <a:ext cx="5282" cy="976102"/>
+          <a:xfrm flipH="1">
+            <a:off x="5237792" y="3020238"/>
+            <a:ext cx="930768" cy="645615"/>
           </a:xfrm>
           <a:prstGeom prst="straightConnector1">
             <a:avLst/>
           </a:prstGeom>
-          <a:ln w="28575">
+          <a:ln w="19050">
             <a:solidFill>
-              <a:schemeClr val="tx1"/>
+              <a:schemeClr val="tx2"/>
             </a:solidFill>
             <a:tailEnd type="triangle"/>
           </a:ln>
@@ -24562,666 +24468,72 @@
       </p:cxnSp>
       <p:sp>
         <p:nvSpPr>
-          <p:cNvPr id="9" name="Oval 8"/>
-          <p:cNvSpPr/>
-          <p:nvPr/>
+          <p:cNvPr id="5" name="Date Placeholder 4"/>
+          <p:cNvSpPr>
+            <a:spLocks noGrp="1"/>
+          </p:cNvSpPr>
+          <p:nvPr>
+            <p:ph type="dt" idx="10"/>
+          </p:nvPr>
         </p:nvSpPr>
-        <p:spPr>
-          <a:xfrm>
-            <a:off x="3820552" y="3784501"/>
-            <a:ext cx="1593410" cy="651848"/>
-          </a:xfrm>
-          <a:prstGeom prst="ellipse">
-            <a:avLst/>
-          </a:prstGeom>
-        </p:spPr>
-        <p:style>
-          <a:lnRef idx="2">
-            <a:schemeClr val="dk1"/>
-          </a:lnRef>
-          <a:fillRef idx="1">
-            <a:schemeClr val="lt1"/>
-          </a:fillRef>
-          <a:effectRef idx="0">
-            <a:schemeClr val="dk1"/>
-          </a:effectRef>
-          <a:fontRef idx="minor">
-            <a:schemeClr val="dk1"/>
-          </a:fontRef>
-        </p:style>
+        <p:spPr/>
         <p:txBody>
-          <a:bodyPr rtlCol="0" anchor="ctr"/>
+          <a:bodyPr/>
           <a:lstStyle/>
           <a:p>
-            <a:pPr algn="ctr"/>
-            <a:r>
-              <a:rPr lang="en-IN" dirty="0" smtClean="0"/>
-              <a:t>Evaluation</a:t>
-            </a:r>
-            <a:endParaRPr lang="en-IN" dirty="0"/>
-          </a:p>
-        </p:txBody>
-      </p:sp>
-      <p:cxnSp>
-        <p:nvCxnSpPr>
-          <p:cNvPr id="15" name="Straight Arrow Connector 14"/>
-          <p:cNvCxnSpPr/>
-          <p:nvPr/>
-        </p:nvCxnSpPr>
-        <p:spPr>
-          <a:xfrm flipV="1">
-            <a:off x="3089486" y="4074044"/>
-            <a:ext cx="731066" cy="6025"/>
-          </a:xfrm>
-          <a:prstGeom prst="straightConnector1">
-            <a:avLst/>
-          </a:prstGeom>
-          <a:ln w="28575">
-            <a:solidFill>
-              <a:schemeClr val="tx1"/>
-            </a:solidFill>
-            <a:tailEnd type="triangle"/>
-          </a:ln>
-        </p:spPr>
-        <p:style>
-          <a:lnRef idx="1">
-            <a:schemeClr val="accent1"/>
-          </a:lnRef>
-          <a:fillRef idx="0">
-            <a:schemeClr val="accent1"/>
-          </a:fillRef>
-          <a:effectRef idx="0">
-            <a:schemeClr val="accent1"/>
-          </a:effectRef>
-          <a:fontRef idx="minor">
-            <a:schemeClr val="tx1"/>
-          </a:fontRef>
-        </p:style>
-      </p:cxnSp>
-      <p:sp>
-        <p:nvSpPr>
-          <p:cNvPr id="18" name="Rectangle 17"/>
-          <p:cNvSpPr/>
-          <p:nvPr/>
-        </p:nvSpPr>
-        <p:spPr>
-          <a:xfrm>
-            <a:off x="4001616" y="2851842"/>
-            <a:ext cx="1348967" cy="497940"/>
-          </a:xfrm>
-          <a:prstGeom prst="rect">
-            <a:avLst/>
-          </a:prstGeom>
-        </p:spPr>
-        <p:style>
-          <a:lnRef idx="2">
-            <a:schemeClr val="dk1"/>
-          </a:lnRef>
-          <a:fillRef idx="1">
-            <a:schemeClr val="lt1"/>
-          </a:fillRef>
-          <a:effectRef idx="0">
-            <a:schemeClr val="dk1"/>
-          </a:effectRef>
-          <a:fontRef idx="minor">
-            <a:schemeClr val="dk1"/>
-          </a:fontRef>
-        </p:style>
-        <p:txBody>
-          <a:bodyPr rtlCol="0" anchor="ctr"/>
-          <a:lstStyle/>
-          <a:p>
-            <a:pPr algn="ctr"/>
-            <a:r>
-              <a:rPr lang="en-IN" dirty="0" smtClean="0"/>
-              <a:t>Answer Key</a:t>
-            </a:r>
-            <a:endParaRPr lang="en-IN" dirty="0"/>
-          </a:p>
-        </p:txBody>
-      </p:sp>
-      <p:cxnSp>
-        <p:nvCxnSpPr>
-          <p:cNvPr id="19" name="Straight Arrow Connector 18"/>
-          <p:cNvCxnSpPr/>
-          <p:nvPr/>
-        </p:nvCxnSpPr>
-        <p:spPr>
-          <a:xfrm>
-            <a:off x="4667051" y="3367896"/>
-            <a:ext cx="1" cy="417949"/>
-          </a:xfrm>
-          <a:prstGeom prst="straightConnector1">
-            <a:avLst/>
-          </a:prstGeom>
-          <a:ln w="28575">
-            <a:solidFill>
-              <a:schemeClr val="tx1"/>
-            </a:solidFill>
-            <a:tailEnd type="triangle"/>
-          </a:ln>
-        </p:spPr>
-        <p:style>
-          <a:lnRef idx="1">
-            <a:schemeClr val="accent1"/>
-          </a:lnRef>
-          <a:fillRef idx="0">
-            <a:schemeClr val="accent1"/>
-          </a:fillRef>
-          <a:effectRef idx="0">
-            <a:schemeClr val="accent1"/>
-          </a:effectRef>
-          <a:fontRef idx="minor">
-            <a:schemeClr val="tx1"/>
-          </a:fontRef>
-        </p:style>
-      </p:cxnSp>
-      <p:sp>
-        <p:nvSpPr>
-          <p:cNvPr id="20" name="Rectangle 19"/>
-          <p:cNvSpPr/>
-          <p:nvPr/>
-        </p:nvSpPr>
-        <p:spPr>
-          <a:xfrm>
-            <a:off x="5998581" y="3118926"/>
-            <a:ext cx="1348967" cy="497940"/>
-          </a:xfrm>
-          <a:prstGeom prst="rect">
-            <a:avLst/>
-          </a:prstGeom>
-        </p:spPr>
-        <p:style>
-          <a:lnRef idx="2">
-            <a:schemeClr val="dk1"/>
-          </a:lnRef>
-          <a:fillRef idx="1">
-            <a:schemeClr val="lt1"/>
-          </a:fillRef>
-          <a:effectRef idx="0">
-            <a:schemeClr val="dk1"/>
-          </a:effectRef>
-          <a:fontRef idx="minor">
-            <a:schemeClr val="dk1"/>
-          </a:fontRef>
-        </p:style>
-        <p:txBody>
-          <a:bodyPr rtlCol="0" anchor="ctr"/>
-          <a:lstStyle/>
-          <a:p>
-            <a:pPr algn="ctr"/>
-            <a:r>
-              <a:rPr lang="en-IN" dirty="0"/>
-              <a:t>Marks</a:t>
-            </a:r>
-          </a:p>
-        </p:txBody>
-      </p:sp>
-      <p:cxnSp>
-        <p:nvCxnSpPr>
-          <p:cNvPr id="21" name="Straight Arrow Connector 20"/>
-          <p:cNvCxnSpPr>
-            <a:stCxn id="9" idx="6"/>
-            <a:endCxn id="20" idx="1"/>
-          </p:cNvCxnSpPr>
-          <p:nvPr/>
-        </p:nvCxnSpPr>
-        <p:spPr>
-          <a:xfrm flipV="1">
-            <a:off x="5413962" y="3367896"/>
-            <a:ext cx="584619" cy="742529"/>
-          </a:xfrm>
-          <a:prstGeom prst="straightConnector1">
-            <a:avLst/>
-          </a:prstGeom>
-          <a:ln w="28575">
-            <a:solidFill>
-              <a:schemeClr val="tx1"/>
-            </a:solidFill>
-            <a:tailEnd type="triangle"/>
-          </a:ln>
-        </p:spPr>
-        <p:style>
-          <a:lnRef idx="1">
-            <a:schemeClr val="accent1"/>
-          </a:lnRef>
-          <a:fillRef idx="0">
-            <a:schemeClr val="accent1"/>
-          </a:fillRef>
-          <a:effectRef idx="0">
-            <a:schemeClr val="accent1"/>
-          </a:effectRef>
-          <a:fontRef idx="minor">
-            <a:schemeClr val="tx1"/>
-          </a:fontRef>
-        </p:style>
-      </p:cxnSp>
-      <p:sp>
-        <p:nvSpPr>
-          <p:cNvPr id="28" name="Rectangle 27"/>
-          <p:cNvSpPr/>
-          <p:nvPr/>
-        </p:nvSpPr>
-        <p:spPr>
-          <a:xfrm>
-            <a:off x="6141930" y="4674606"/>
-            <a:ext cx="1490128" cy="612617"/>
-          </a:xfrm>
-          <a:prstGeom prst="rect">
-            <a:avLst/>
-          </a:prstGeom>
-        </p:spPr>
-        <p:style>
-          <a:lnRef idx="2">
-            <a:schemeClr val="dk1"/>
-          </a:lnRef>
-          <a:fillRef idx="1">
-            <a:schemeClr val="lt1"/>
-          </a:fillRef>
-          <a:effectRef idx="0">
-            <a:schemeClr val="dk1"/>
-          </a:effectRef>
-          <a:fontRef idx="minor">
-            <a:schemeClr val="dk1"/>
-          </a:fontRef>
-        </p:style>
-        <p:txBody>
-          <a:bodyPr rtlCol="0" anchor="ctr"/>
-          <a:lstStyle/>
-          <a:p>
-            <a:pPr algn="ctr"/>
-            <a:r>
-              <a:rPr lang="en-IN" dirty="0" smtClean="0"/>
-              <a:t>Mistakes of student</a:t>
-            </a:r>
-            <a:endParaRPr lang="en-IN" dirty="0"/>
-          </a:p>
-        </p:txBody>
-      </p:sp>
-      <p:cxnSp>
-        <p:nvCxnSpPr>
-          <p:cNvPr id="29" name="Straight Arrow Connector 28"/>
-          <p:cNvCxnSpPr>
-            <a:endCxn id="28" idx="1"/>
-          </p:cNvCxnSpPr>
-          <p:nvPr/>
-        </p:nvCxnSpPr>
-        <p:spPr>
-          <a:xfrm>
-            <a:off x="5350583" y="4228125"/>
-            <a:ext cx="791347" cy="752790"/>
-          </a:xfrm>
-          <a:prstGeom prst="straightConnector1">
-            <a:avLst/>
-          </a:prstGeom>
-          <a:ln w="28575">
-            <a:solidFill>
-              <a:schemeClr val="tx1"/>
-            </a:solidFill>
-            <a:tailEnd type="triangle"/>
-          </a:ln>
-        </p:spPr>
-        <p:style>
-          <a:lnRef idx="1">
-            <a:schemeClr val="accent1"/>
-          </a:lnRef>
-          <a:fillRef idx="0">
-            <a:schemeClr val="accent1"/>
-          </a:fillRef>
-          <a:effectRef idx="0">
-            <a:schemeClr val="accent1"/>
-          </a:effectRef>
-          <a:fontRef idx="minor">
-            <a:schemeClr val="tx1"/>
-          </a:fontRef>
-        </p:style>
-      </p:cxnSp>
-      <p:sp>
-        <p:nvSpPr>
-          <p:cNvPr id="16" name="TextBox 15"/>
-          <p:cNvSpPr txBox="1"/>
-          <p:nvPr/>
-        </p:nvSpPr>
-        <p:spPr>
-          <a:xfrm>
-            <a:off x="3210932" y="3802485"/>
-            <a:ext cx="453970" cy="307777"/>
-          </a:xfrm>
-          <a:prstGeom prst="rect">
-            <a:avLst/>
-          </a:prstGeom>
-          <a:noFill/>
-        </p:spPr>
-        <p:txBody>
-          <a:bodyPr wrap="none" rtlCol="0">
-            <a:spAutoFit/>
-          </a:bodyPr>
-          <a:lstStyle/>
-          <a:p>
-            <a:r>
-              <a:rPr lang="en-IN" dirty="0" smtClean="0"/>
-              <a:t>Put</a:t>
-            </a:r>
-            <a:endParaRPr lang="en-IN" dirty="0"/>
+            <a:fld id="{E06D3865-B46B-4E40-82B1-F0E76A5637BF}" type="datetime3">
+              <a:rPr lang="en-US" smtClean="0"/>
+              <a:t>3 November 2019</a:t>
+            </a:fld>
+            <a:endParaRPr lang="en-US"/>
           </a:p>
         </p:txBody>
       </p:sp>
       <p:sp>
         <p:nvSpPr>
-          <p:cNvPr id="17" name="TextBox 16"/>
-          <p:cNvSpPr txBox="1"/>
-          <p:nvPr/>
+          <p:cNvPr id="6" name="Slide Number Placeholder 5"/>
+          <p:cNvSpPr>
+            <a:spLocks noGrp="1"/>
+          </p:cNvSpPr>
+          <p:nvPr>
+            <p:ph type="sldNum" idx="12"/>
+          </p:nvPr>
         </p:nvSpPr>
-        <p:spPr>
-          <a:xfrm>
-            <a:off x="4621759" y="3429792"/>
-            <a:ext cx="453970" cy="307777"/>
-          </a:xfrm>
-          <a:prstGeom prst="rect">
-            <a:avLst/>
-          </a:prstGeom>
-          <a:noFill/>
-        </p:spPr>
+        <p:spPr/>
         <p:txBody>
-          <a:bodyPr wrap="none" rtlCol="0">
-            <a:spAutoFit/>
-          </a:bodyPr>
+          <a:bodyPr/>
           <a:lstStyle/>
           <a:p>
-            <a:r>
-              <a:rPr lang="en-IN" dirty="0" smtClean="0"/>
-              <a:t>Put</a:t>
-            </a:r>
-            <a:endParaRPr lang="en-IN" dirty="0"/>
-          </a:p>
-        </p:txBody>
-      </p:sp>
-      <p:sp>
-        <p:nvSpPr>
-          <p:cNvPr id="22" name="TextBox 21"/>
-          <p:cNvSpPr txBox="1"/>
-          <p:nvPr/>
-        </p:nvSpPr>
-        <p:spPr>
-          <a:xfrm>
-            <a:off x="4576500" y="4724426"/>
-            <a:ext cx="453970" cy="307777"/>
-          </a:xfrm>
-          <a:prstGeom prst="rect">
-            <a:avLst/>
-          </a:prstGeom>
-          <a:noFill/>
-        </p:spPr>
-        <p:txBody>
-          <a:bodyPr wrap="none" rtlCol="0">
-            <a:spAutoFit/>
-          </a:bodyPr>
-          <a:lstStyle/>
-          <a:p>
-            <a:r>
-              <a:rPr lang="en-IN" dirty="0" smtClean="0"/>
-              <a:t>Put</a:t>
-            </a:r>
-            <a:endParaRPr lang="en-IN" dirty="0"/>
-          </a:p>
-        </p:txBody>
-      </p:sp>
-      <p:sp>
-        <p:nvSpPr>
-          <p:cNvPr id="23" name="TextBox 22"/>
-          <p:cNvSpPr txBox="1"/>
-          <p:nvPr/>
-        </p:nvSpPr>
-        <p:spPr>
-          <a:xfrm>
-            <a:off x="5255242" y="3429792"/>
-            <a:ext cx="612668" cy="307777"/>
-          </a:xfrm>
-          <a:prstGeom prst="rect">
-            <a:avLst/>
-          </a:prstGeom>
-          <a:noFill/>
-        </p:spPr>
-        <p:txBody>
-          <a:bodyPr wrap="none" rtlCol="0">
-            <a:spAutoFit/>
-          </a:bodyPr>
-          <a:lstStyle/>
-          <a:p>
-            <a:r>
-              <a:rPr lang="en-IN" dirty="0" smtClean="0"/>
-              <a:t>Store</a:t>
-            </a:r>
-            <a:endParaRPr lang="en-IN" dirty="0"/>
-          </a:p>
-        </p:txBody>
-      </p:sp>
-      <p:sp>
-        <p:nvSpPr>
-          <p:cNvPr id="24" name="TextBox 23"/>
-          <p:cNvSpPr txBox="1"/>
-          <p:nvPr/>
-        </p:nvSpPr>
-        <p:spPr>
-          <a:xfrm>
-            <a:off x="5223849" y="4508624"/>
-            <a:ext cx="612668" cy="307777"/>
-          </a:xfrm>
-          <a:prstGeom prst="rect">
-            <a:avLst/>
-          </a:prstGeom>
-          <a:noFill/>
-        </p:spPr>
-        <p:txBody>
-          <a:bodyPr wrap="none" rtlCol="0">
-            <a:spAutoFit/>
-          </a:bodyPr>
-          <a:lstStyle/>
-          <a:p>
-            <a:r>
-              <a:rPr lang="en-IN" dirty="0" smtClean="0"/>
-              <a:t>Store</a:t>
-            </a:r>
-            <a:endParaRPr lang="en-IN" dirty="0"/>
-          </a:p>
-        </p:txBody>
-      </p:sp>
-      <p:sp>
-        <p:nvSpPr>
-          <p:cNvPr id="25" name="Google Shape;122;p16"/>
-          <p:cNvSpPr txBox="1"/>
-          <p:nvPr/>
-        </p:nvSpPr>
-        <p:spPr>
-          <a:xfrm>
-            <a:off x="457200" y="6356350"/>
-            <a:ext cx="2133600" cy="365125"/>
-          </a:xfrm>
-          <a:prstGeom prst="rect">
-            <a:avLst/>
-          </a:prstGeom>
-          <a:noFill/>
-          <a:ln>
-            <a:noFill/>
-          </a:ln>
-        </p:spPr>
-        <p:txBody>
-          <a:bodyPr spcFirstLastPara="1" wrap="square" lIns="90000" tIns="46800" rIns="90000" bIns="46800" anchor="ctr" anchorCtr="0">
-            <a:noAutofit/>
-          </a:bodyPr>
-          <a:lstStyle/>
-          <a:p>
-            <a:pPr marL="0" marR="0" lvl="0" indent="0" algn="l" rtl="0">
-              <a:lnSpc>
-                <a:spcPct val="100000"/>
-              </a:lnSpc>
-              <a:spcBef>
-                <a:spcPts val="0"/>
-              </a:spcBef>
-              <a:spcAft>
-                <a:spcPts val="0"/>
-              </a:spcAft>
-              <a:buClr>
-                <a:srgbClr val="000000"/>
-              </a:buClr>
-              <a:buSzPts val="1200"/>
-              <a:buFont typeface="Times New Roman"/>
+            <a:pPr marL="0" lvl="0" indent="0" algn="r" rtl="0">
+              <a:spcBef>
+                <a:spcPts val="0"/>
+              </a:spcBef>
+              <a:spcAft>
+                <a:spcPts val="0"/>
+              </a:spcAft>
               <a:buNone/>
             </a:pPr>
-            <a:r>
-              <a:rPr lang="en-US" sz="1200" b="0" i="0" u="none">
-                <a:solidFill>
-                  <a:srgbClr val="898989"/>
-                </a:solidFill>
-                <a:latin typeface="Calibri"/>
-                <a:ea typeface="Calibri"/>
-                <a:cs typeface="Calibri"/>
-                <a:sym typeface="Calibri"/>
-              </a:rPr>
-              <a:t>02/08/19</a:t>
-            </a:r>
-          </a:p>
-        </p:txBody>
-      </p:sp>
-      <p:sp>
-        <p:nvSpPr>
-          <p:cNvPr id="26" name="Google Shape;123;p16"/>
-          <p:cNvSpPr txBox="1"/>
-          <p:nvPr/>
-        </p:nvSpPr>
-        <p:spPr>
-          <a:xfrm>
-            <a:off x="6553200" y="6356350"/>
-            <a:ext cx="2133600" cy="365125"/>
-          </a:xfrm>
-          <a:prstGeom prst="rect">
-            <a:avLst/>
-          </a:prstGeom>
-          <a:noFill/>
-          <a:ln>
-            <a:noFill/>
-          </a:ln>
-        </p:spPr>
-        <p:txBody>
-          <a:bodyPr spcFirstLastPara="1" wrap="square" lIns="90000" tIns="46800" rIns="90000" bIns="46800" anchor="ctr" anchorCtr="0">
-            <a:noAutofit/>
-          </a:bodyPr>
-          <a:lstStyle/>
-          <a:p>
-            <a:pPr marL="0" marR="0" lvl="0" indent="0" algn="r" rtl="0">
-              <a:lnSpc>
-                <a:spcPct val="100000"/>
-              </a:lnSpc>
-              <a:spcBef>
-                <a:spcPts val="0"/>
-              </a:spcBef>
-              <a:spcAft>
-                <a:spcPts val="0"/>
-              </a:spcAft>
-              <a:buClr>
-                <a:srgbClr val="000000"/>
-              </a:buClr>
-              <a:buSzPts val="1200"/>
-              <a:buFont typeface="Times New Roman"/>
-              <a:buNone/>
-            </a:pPr>
-            <a:r>
-              <a:rPr lang="en-IN" sz="1200" b="0" i="0" u="none" dirty="0" smtClean="0">
-                <a:solidFill>
-                  <a:srgbClr val="898989"/>
-                </a:solidFill>
-                <a:latin typeface="Calibri"/>
-                <a:ea typeface="Calibri"/>
-                <a:cs typeface="Calibri"/>
-                <a:sym typeface="Calibri"/>
-              </a:rPr>
+            <a:fld id="{00000000-1234-1234-1234-123412341234}" type="slidenum">
+              <a:rPr lang="en-US" smtClean="0"/>
+              <a:pPr marL="0" lvl="0" indent="0" algn="r" rtl="0">
+                <a:spcBef>
+                  <a:spcPts val="0"/>
+                </a:spcBef>
+                <a:spcAft>
+                  <a:spcPts val="0"/>
+                </a:spcAft>
+                <a:buNone/>
+              </a:pPr>
               <a:t>20</a:t>
-            </a:r>
-            <a:endParaRPr sz="1200" b="0" i="0" u="none" dirty="0">
-              <a:solidFill>
-                <a:srgbClr val="898989"/>
-              </a:solidFill>
-              <a:latin typeface="Calibri"/>
-              <a:ea typeface="Calibri"/>
-              <a:cs typeface="Calibri"/>
-              <a:sym typeface="Calibri"/>
-            </a:endParaRPr>
-          </a:p>
-        </p:txBody>
-      </p:sp>
-      <p:sp>
-        <p:nvSpPr>
-          <p:cNvPr id="27" name="Google Shape;124;p16"/>
-          <p:cNvSpPr/>
-          <p:nvPr/>
-        </p:nvSpPr>
-        <p:spPr>
-          <a:xfrm>
-            <a:off x="1905000" y="6324600"/>
-            <a:ext cx="5410200" cy="368300"/>
-          </a:xfrm>
-          <a:prstGeom prst="rect">
-            <a:avLst/>
-          </a:prstGeom>
-          <a:noFill/>
-          <a:ln>
-            <a:noFill/>
-          </a:ln>
-        </p:spPr>
-        <p:txBody>
-          <a:bodyPr spcFirstLastPara="1" wrap="square" lIns="90000" tIns="46800" rIns="90000" bIns="46800" anchor="t" anchorCtr="0">
-            <a:noAutofit/>
-          </a:bodyPr>
-          <a:lstStyle/>
-          <a:p>
-            <a:pPr marL="0" marR="0" lvl="0" indent="0" algn="l" rtl="0">
-              <a:lnSpc>
-                <a:spcPct val="100000"/>
-              </a:lnSpc>
-              <a:spcBef>
-                <a:spcPts val="0"/>
-              </a:spcBef>
-              <a:spcAft>
-                <a:spcPts val="0"/>
-              </a:spcAft>
-              <a:buClr>
-                <a:srgbClr val="000000"/>
-              </a:buClr>
-              <a:buSzPts val="1800"/>
-              <a:buFont typeface="Times New Roman"/>
-              <a:buNone/>
-            </a:pPr>
-            <a:r>
-              <a:rPr lang="en-US" sz="1800" b="1" i="0" u="none">
-                <a:solidFill>
-                  <a:srgbClr val="000000"/>
-                </a:solidFill>
-                <a:latin typeface="Arial Black"/>
-                <a:ea typeface="Arial Black"/>
-                <a:cs typeface="Arial Black"/>
-                <a:sym typeface="Arial Black"/>
-              </a:rPr>
-              <a:t>                       </a:t>
-            </a:r>
-            <a:r>
-              <a:rPr lang="en-US" sz="1600" b="0" i="0" u="none">
-                <a:solidFill>
-                  <a:srgbClr val="000000"/>
-                </a:solidFill>
-                <a:latin typeface="Times New Roman"/>
-                <a:ea typeface="Times New Roman"/>
-                <a:cs typeface="Times New Roman"/>
-                <a:sym typeface="Times New Roman"/>
-              </a:rPr>
-              <a:t>CSE Department, JECC</a:t>
-            </a:r>
+            </a:fld>
+            <a:endParaRPr lang="en-US"/>
           </a:p>
         </p:txBody>
       </p:sp>
     </p:spTree>
     <p:extLst>
       <p:ext uri="{BB962C8B-B14F-4D97-AF65-F5344CB8AC3E}">
-        <p14:creationId xmlns:p14="http://schemas.microsoft.com/office/powerpoint/2010/main" val="3733904607"/>
+        <p14:creationId xmlns:p14="http://schemas.microsoft.com/office/powerpoint/2010/main" val="829548590"/>
       </p:ext>
     </p:extLst>
   </p:cSld>
@@ -25365,25 +24677,7 @@
                 </a:solidFill>
                 <a:sym typeface="Arial"/>
               </a:rPr>
-              <a:t>Stable </a:t>
-            </a:r>
-            <a:r>
-              <a:rPr lang="en-US" sz="2000" dirty="0" err="1">
-                <a:solidFill>
-                  <a:schemeClr val="tx1"/>
-                </a:solidFill>
-                <a:sym typeface="Arial"/>
-              </a:rPr>
-              <a:t>Extremal</a:t>
-            </a:r>
-            <a:r>
-              <a:rPr lang="en-US" sz="2000" dirty="0">
-                <a:solidFill>
-                  <a:schemeClr val="tx1"/>
-                </a:solidFill>
-                <a:sym typeface="Arial"/>
-              </a:rPr>
-              <a:t> Regions (MSER) </a:t>
+              <a:t>Stable Extremal Regions (MSER) </a:t>
             </a:r>
             <a:r>
               <a:rPr lang="en-US" sz="2000" dirty="0" smtClean="0">
@@ -25561,63 +24855,6 @@
       </p:pic>
       <p:sp>
         <p:nvSpPr>
-          <p:cNvPr id="7" name="Google Shape;122;p16"/>
-          <p:cNvSpPr txBox="1"/>
-          <p:nvPr/>
-        </p:nvSpPr>
-        <p:spPr>
-          <a:xfrm>
-            <a:off x="457200" y="6356350"/>
-            <a:ext cx="2133600" cy="365125"/>
-          </a:xfrm>
-          <a:prstGeom prst="rect">
-            <a:avLst/>
-          </a:prstGeom>
-          <a:noFill/>
-          <a:ln>
-            <a:noFill/>
-          </a:ln>
-        </p:spPr>
-        <p:txBody>
-          <a:bodyPr spcFirstLastPara="1" wrap="square" lIns="90000" tIns="46800" rIns="90000" bIns="46800" anchor="ctr" anchorCtr="0">
-            <a:noAutofit/>
-          </a:bodyPr>
-          <a:lstStyle/>
-          <a:p>
-            <a:pPr marL="0" marR="0" lvl="0" indent="0" algn="l" rtl="0">
-              <a:lnSpc>
-                <a:spcPct val="100000"/>
-              </a:lnSpc>
-              <a:spcBef>
-                <a:spcPts val="0"/>
-              </a:spcBef>
-              <a:spcAft>
-                <a:spcPts val="0"/>
-              </a:spcAft>
-              <a:buClr>
-                <a:srgbClr val="000000"/>
-              </a:buClr>
-              <a:buSzPts val="1200"/>
-              <a:buFont typeface="Times New Roman"/>
-              <a:buNone/>
-            </a:pPr>
-            <a:r>
-              <a:rPr lang="en-US" sz="1200" b="0" i="0" u="none">
-                <a:solidFill>
-                  <a:srgbClr val="898989"/>
-                </a:solidFill>
-                <a:latin typeface="Calibri"/>
-                <a:ea typeface="Calibri"/>
-                <a:cs typeface="Calibri"/>
-                <a:sym typeface="Calibri"/>
-              </a:rPr>
-              <a:t>02/08/19</a:t>
-            </a:r>
-          </a:p>
-        </p:txBody>
-      </p:sp>
-      <p:sp>
-        <p:nvSpPr>
           <p:cNvPr id="8" name="Google Shape;123;p16"/>
           <p:cNvSpPr txBox="1"/>
           <p:nvPr/>
@@ -25725,7 +24962,7 @@
               <a:buNone/>
             </a:pPr>
             <a:r>
-              <a:rPr lang="en-US" sz="1800" b="1" i="0" u="none">
+              <a:rPr lang="en-US" sz="1800" b="1" i="0" u="none" dirty="0">
                 <a:solidFill>
                   <a:srgbClr val="000000"/>
                 </a:solidFill>
@@ -25737,7 +24974,7 @@
               <a:t>                       </a:t>
             </a:r>
             <a:r>
-              <a:rPr lang="en-US" sz="1600" b="0" i="0" u="none">
+              <a:rPr lang="en-US" sz="1600" b="0" i="0" u="none" dirty="0">
                 <a:solidFill>
                   <a:srgbClr val="000000"/>
                 </a:solidFill>
@@ -25748,6 +24985,70 @@
               </a:rPr>
               <a:t>CSE Department, JECC</a:t>
             </a:r>
+          </a:p>
+        </p:txBody>
+      </p:sp>
+      <p:sp>
+        <p:nvSpPr>
+          <p:cNvPr id="5" name="Date Placeholder 4"/>
+          <p:cNvSpPr>
+            <a:spLocks noGrp="1"/>
+          </p:cNvSpPr>
+          <p:nvPr>
+            <p:ph type="dt" idx="10"/>
+          </p:nvPr>
+        </p:nvSpPr>
+        <p:spPr/>
+        <p:txBody>
+          <a:bodyPr/>
+          <a:lstStyle/>
+          <a:p>
+            <a:fld id="{62720F32-C5B4-404F-AFAF-5A8D3DECA98E}" type="datetime3">
+              <a:rPr lang="en-US" smtClean="0"/>
+              <a:t>3 November 2019</a:t>
+            </a:fld>
+            <a:endParaRPr lang="en-US"/>
+          </a:p>
+        </p:txBody>
+      </p:sp>
+      <p:sp>
+        <p:nvSpPr>
+          <p:cNvPr id="6" name="Slide Number Placeholder 5"/>
+          <p:cNvSpPr>
+            <a:spLocks noGrp="1"/>
+          </p:cNvSpPr>
+          <p:nvPr>
+            <p:ph type="sldNum" idx="12"/>
+          </p:nvPr>
+        </p:nvSpPr>
+        <p:spPr/>
+        <p:txBody>
+          <a:bodyPr/>
+          <a:lstStyle/>
+          <a:p>
+            <a:pPr marL="0" lvl="0" indent="0" algn="r" rtl="0">
+              <a:spcBef>
+                <a:spcPts val="0"/>
+              </a:spcBef>
+              <a:spcAft>
+                <a:spcPts val="0"/>
+              </a:spcAft>
+              <a:buNone/>
+            </a:pPr>
+            <a:fld id="{00000000-1234-1234-1234-123412341234}" type="slidenum">
+              <a:rPr lang="en-US" smtClean="0"/>
+              <a:pPr marL="0" lvl="0" indent="0" algn="r" rtl="0">
+                <a:spcBef>
+                  <a:spcPts val="0"/>
+                </a:spcBef>
+                <a:spcAft>
+                  <a:spcPts val="0"/>
+                </a:spcAft>
+                <a:buNone/>
+              </a:pPr>
+              <a:t>21</a:t>
+            </a:fld>
+            <a:endParaRPr lang="en-US" dirty="0"/>
           </a:p>
         </p:txBody>
       </p:sp>
@@ -25879,8 +25180,15 @@
                 <a:latin typeface="Times New Roman" pitchFamily="18" charset="0"/>
                 <a:cs typeface="Times New Roman" pitchFamily="18" charset="0"/>
               </a:rPr>
-              <a:t>Comparatively high accuracy</a:t>
-            </a:r>
+              <a:t>High accuracy (up to 80%)</a:t>
+            </a:r>
+            <a:endParaRPr lang="en-GB" sz="2400" dirty="0" smtClean="0">
+              <a:solidFill>
+                <a:schemeClr val="tx1"/>
+              </a:solidFill>
+              <a:latin typeface="Times New Roman" pitchFamily="18" charset="0"/>
+              <a:cs typeface="Times New Roman" pitchFamily="18" charset="0"/>
+            </a:endParaRPr>
           </a:p>
           <a:p>
             <a:pPr marL="685800" indent="-457200">
@@ -25956,63 +25264,6 @@
       </p:pic>
       <p:sp>
         <p:nvSpPr>
-          <p:cNvPr id="6" name="Google Shape;122;p16"/>
-          <p:cNvSpPr txBox="1"/>
-          <p:nvPr/>
-        </p:nvSpPr>
-        <p:spPr>
-          <a:xfrm>
-            <a:off x="457200" y="6356350"/>
-            <a:ext cx="2133600" cy="365125"/>
-          </a:xfrm>
-          <a:prstGeom prst="rect">
-            <a:avLst/>
-          </a:prstGeom>
-          <a:noFill/>
-          <a:ln>
-            <a:noFill/>
-          </a:ln>
-        </p:spPr>
-        <p:txBody>
-          <a:bodyPr spcFirstLastPara="1" wrap="square" lIns="90000" tIns="46800" rIns="90000" bIns="46800" anchor="ctr" anchorCtr="0">
-            <a:noAutofit/>
-          </a:bodyPr>
-          <a:lstStyle/>
-          <a:p>
-            <a:pPr marL="0" marR="0" lvl="0" indent="0" algn="l" rtl="0">
-              <a:lnSpc>
-                <a:spcPct val="100000"/>
-              </a:lnSpc>
-              <a:spcBef>
-                <a:spcPts val="0"/>
-              </a:spcBef>
-              <a:spcAft>
-                <a:spcPts val="0"/>
-              </a:spcAft>
-              <a:buClr>
-                <a:srgbClr val="000000"/>
-              </a:buClr>
-              <a:buSzPts val="1200"/>
-              <a:buFont typeface="Times New Roman"/>
-              <a:buNone/>
-            </a:pPr>
-            <a:r>
-              <a:rPr lang="en-US" sz="1200" b="0" i="0" u="none">
-                <a:solidFill>
-                  <a:srgbClr val="898989"/>
-                </a:solidFill>
-                <a:latin typeface="Calibri"/>
-                <a:ea typeface="Calibri"/>
-                <a:cs typeface="Calibri"/>
-                <a:sym typeface="Calibri"/>
-              </a:rPr>
-              <a:t>02/08/19</a:t>
-            </a:r>
-          </a:p>
-        </p:txBody>
-      </p:sp>
-      <p:sp>
-        <p:nvSpPr>
           <p:cNvPr id="7" name="Google Shape;123;p16"/>
           <p:cNvSpPr txBox="1"/>
           <p:nvPr/>
@@ -26120,7 +25371,7 @@
               <a:buNone/>
             </a:pPr>
             <a:r>
-              <a:rPr lang="en-US" sz="1800" b="1" i="0" u="none">
+              <a:rPr lang="en-US" sz="1800" b="1" i="0" u="none" dirty="0">
                 <a:solidFill>
                   <a:srgbClr val="000000"/>
                 </a:solidFill>
@@ -26132,7 +25383,7 @@
               <a:t>                       </a:t>
             </a:r>
             <a:r>
-              <a:rPr lang="en-US" sz="1600" b="0" i="0" u="none">
+              <a:rPr lang="en-US" sz="1600" b="0" i="0" u="none" dirty="0">
                 <a:solidFill>
                   <a:srgbClr val="000000"/>
                 </a:solidFill>
@@ -26143,6 +25394,70 @@
               </a:rPr>
               <a:t>CSE Department, JECC</a:t>
             </a:r>
+          </a:p>
+        </p:txBody>
+      </p:sp>
+      <p:sp>
+        <p:nvSpPr>
+          <p:cNvPr id="5" name="Date Placeholder 4"/>
+          <p:cNvSpPr>
+            <a:spLocks noGrp="1"/>
+          </p:cNvSpPr>
+          <p:nvPr>
+            <p:ph type="dt" idx="10"/>
+          </p:nvPr>
+        </p:nvSpPr>
+        <p:spPr/>
+        <p:txBody>
+          <a:bodyPr/>
+          <a:lstStyle/>
+          <a:p>
+            <a:fld id="{3E382018-C0D2-4326-8A1B-6BF061EDEE51}" type="datetime3">
+              <a:rPr lang="en-US" smtClean="0"/>
+              <a:t>3 November 2019</a:t>
+            </a:fld>
+            <a:endParaRPr lang="en-US"/>
+          </a:p>
+        </p:txBody>
+      </p:sp>
+      <p:sp>
+        <p:nvSpPr>
+          <p:cNvPr id="9" name="Slide Number Placeholder 8"/>
+          <p:cNvSpPr>
+            <a:spLocks noGrp="1"/>
+          </p:cNvSpPr>
+          <p:nvPr>
+            <p:ph type="sldNum" idx="12"/>
+          </p:nvPr>
+        </p:nvSpPr>
+        <p:spPr/>
+        <p:txBody>
+          <a:bodyPr/>
+          <a:lstStyle/>
+          <a:p>
+            <a:pPr marL="0" lvl="0" indent="0" algn="r" rtl="0">
+              <a:spcBef>
+                <a:spcPts val="0"/>
+              </a:spcBef>
+              <a:spcAft>
+                <a:spcPts val="0"/>
+              </a:spcAft>
+              <a:buNone/>
+            </a:pPr>
+            <a:fld id="{00000000-1234-1234-1234-123412341234}" type="slidenum">
+              <a:rPr lang="en-US" smtClean="0"/>
+              <a:pPr marL="0" lvl="0" indent="0" algn="r" rtl="0">
+                <a:spcBef>
+                  <a:spcPts val="0"/>
+                </a:spcBef>
+                <a:spcAft>
+                  <a:spcPts val="0"/>
+                </a:spcAft>
+                <a:buNone/>
+              </a:pPr>
+              <a:t>22</a:t>
+            </a:fld>
+            <a:endParaRPr lang="en-US"/>
           </a:p>
         </p:txBody>
       </p:sp>
@@ -26365,63 +25680,6 @@
       </p:pic>
       <p:sp>
         <p:nvSpPr>
-          <p:cNvPr id="6" name="Google Shape;122;p16"/>
-          <p:cNvSpPr txBox="1"/>
-          <p:nvPr/>
-        </p:nvSpPr>
-        <p:spPr>
-          <a:xfrm>
-            <a:off x="457200" y="6356350"/>
-            <a:ext cx="2133600" cy="365125"/>
-          </a:xfrm>
-          <a:prstGeom prst="rect">
-            <a:avLst/>
-          </a:prstGeom>
-          <a:noFill/>
-          <a:ln>
-            <a:noFill/>
-          </a:ln>
-        </p:spPr>
-        <p:txBody>
-          <a:bodyPr spcFirstLastPara="1" wrap="square" lIns="90000" tIns="46800" rIns="90000" bIns="46800" anchor="ctr" anchorCtr="0">
-            <a:noAutofit/>
-          </a:bodyPr>
-          <a:lstStyle/>
-          <a:p>
-            <a:pPr marL="0" marR="0" lvl="0" indent="0" algn="l" rtl="0">
-              <a:lnSpc>
-                <a:spcPct val="100000"/>
-              </a:lnSpc>
-              <a:spcBef>
-                <a:spcPts val="0"/>
-              </a:spcBef>
-              <a:spcAft>
-                <a:spcPts val="0"/>
-              </a:spcAft>
-              <a:buClr>
-                <a:srgbClr val="000000"/>
-              </a:buClr>
-              <a:buSzPts val="1200"/>
-              <a:buFont typeface="Times New Roman"/>
-              <a:buNone/>
-            </a:pPr>
-            <a:r>
-              <a:rPr lang="en-US" sz="1200" b="0" i="0" u="none">
-                <a:solidFill>
-                  <a:srgbClr val="898989"/>
-                </a:solidFill>
-                <a:latin typeface="Calibri"/>
-                <a:ea typeface="Calibri"/>
-                <a:cs typeface="Calibri"/>
-                <a:sym typeface="Calibri"/>
-              </a:rPr>
-              <a:t>02/08/19</a:t>
-            </a:r>
-          </a:p>
-        </p:txBody>
-      </p:sp>
-      <p:sp>
-        <p:nvSpPr>
           <p:cNvPr id="7" name="Google Shape;123;p16"/>
           <p:cNvSpPr txBox="1"/>
           <p:nvPr/>
@@ -26529,7 +25787,7 @@
               <a:buNone/>
             </a:pPr>
             <a:r>
-              <a:rPr lang="en-US" sz="1800" b="1" i="0" u="none">
+              <a:rPr lang="en-US" sz="1800" b="1" i="0" u="none" dirty="0">
                 <a:solidFill>
                   <a:srgbClr val="000000"/>
                 </a:solidFill>
@@ -26541,7 +25799,7 @@
               <a:t>                       </a:t>
             </a:r>
             <a:r>
-              <a:rPr lang="en-US" sz="1600" b="0" i="0" u="none">
+              <a:rPr lang="en-US" sz="1600" b="0" i="0" u="none" dirty="0">
                 <a:solidFill>
                   <a:srgbClr val="000000"/>
                 </a:solidFill>
@@ -26552,6 +25810,70 @@
               </a:rPr>
               <a:t>CSE Department, JECC</a:t>
             </a:r>
+          </a:p>
+        </p:txBody>
+      </p:sp>
+      <p:sp>
+        <p:nvSpPr>
+          <p:cNvPr id="5" name="Date Placeholder 4"/>
+          <p:cNvSpPr>
+            <a:spLocks noGrp="1"/>
+          </p:cNvSpPr>
+          <p:nvPr>
+            <p:ph type="dt" idx="10"/>
+          </p:nvPr>
+        </p:nvSpPr>
+        <p:spPr/>
+        <p:txBody>
+          <a:bodyPr/>
+          <a:lstStyle/>
+          <a:p>
+            <a:fld id="{9BD9AC9B-F205-4E72-B56B-0885BC4CD83A}" type="datetime3">
+              <a:rPr lang="en-US" smtClean="0"/>
+              <a:t>3 November 2019</a:t>
+            </a:fld>
+            <a:endParaRPr lang="en-US"/>
+          </a:p>
+        </p:txBody>
+      </p:sp>
+      <p:sp>
+        <p:nvSpPr>
+          <p:cNvPr id="9" name="Slide Number Placeholder 8"/>
+          <p:cNvSpPr>
+            <a:spLocks noGrp="1"/>
+          </p:cNvSpPr>
+          <p:nvPr>
+            <p:ph type="sldNum" idx="12"/>
+          </p:nvPr>
+        </p:nvSpPr>
+        <p:spPr/>
+        <p:txBody>
+          <a:bodyPr/>
+          <a:lstStyle/>
+          <a:p>
+            <a:pPr marL="0" lvl="0" indent="0" algn="r" rtl="0">
+              <a:spcBef>
+                <a:spcPts val="0"/>
+              </a:spcBef>
+              <a:spcAft>
+                <a:spcPts val="0"/>
+              </a:spcAft>
+              <a:buNone/>
+            </a:pPr>
+            <a:fld id="{00000000-1234-1234-1234-123412341234}" type="slidenum">
+              <a:rPr lang="en-US" smtClean="0"/>
+              <a:pPr marL="0" lvl="0" indent="0" algn="r" rtl="0">
+                <a:spcBef>
+                  <a:spcPts val="0"/>
+                </a:spcBef>
+                <a:spcAft>
+                  <a:spcPts val="0"/>
+                </a:spcAft>
+                <a:buNone/>
+              </a:pPr>
+              <a:t>23</a:t>
+            </a:fld>
+            <a:endParaRPr lang="en-US"/>
           </a:p>
         </p:txBody>
       </p:sp>
@@ -26753,63 +26075,6 @@
       </p:pic>
       <p:sp>
         <p:nvSpPr>
-          <p:cNvPr id="6" name="Google Shape;122;p16"/>
-          <p:cNvSpPr txBox="1"/>
-          <p:nvPr/>
-        </p:nvSpPr>
-        <p:spPr>
-          <a:xfrm>
-            <a:off x="457200" y="6356350"/>
-            <a:ext cx="2133600" cy="365125"/>
-          </a:xfrm>
-          <a:prstGeom prst="rect">
-            <a:avLst/>
-          </a:prstGeom>
-          <a:noFill/>
-          <a:ln>
-            <a:noFill/>
-          </a:ln>
-        </p:spPr>
-        <p:txBody>
-          <a:bodyPr spcFirstLastPara="1" wrap="square" lIns="90000" tIns="46800" rIns="90000" bIns="46800" anchor="ctr" anchorCtr="0">
-            <a:noAutofit/>
-          </a:bodyPr>
-          <a:lstStyle/>
-          <a:p>
-            <a:pPr marL="0" marR="0" lvl="0" indent="0" algn="l" rtl="0">
-              <a:lnSpc>
-                <a:spcPct val="100000"/>
-              </a:lnSpc>
-              <a:spcBef>
-                <a:spcPts val="0"/>
-              </a:spcBef>
-              <a:spcAft>
-                <a:spcPts val="0"/>
-              </a:spcAft>
-              <a:buClr>
-                <a:srgbClr val="000000"/>
-              </a:buClr>
-              <a:buSzPts val="1200"/>
-              <a:buFont typeface="Times New Roman"/>
-              <a:buNone/>
-            </a:pPr>
-            <a:r>
-              <a:rPr lang="en-US" sz="1200" b="0" i="0" u="none">
-                <a:solidFill>
-                  <a:srgbClr val="898989"/>
-                </a:solidFill>
-                <a:latin typeface="Calibri"/>
-                <a:ea typeface="Calibri"/>
-                <a:cs typeface="Calibri"/>
-                <a:sym typeface="Calibri"/>
-              </a:rPr>
-              <a:t>02/08/19</a:t>
-            </a:r>
-          </a:p>
-        </p:txBody>
-      </p:sp>
-      <p:sp>
-        <p:nvSpPr>
           <p:cNvPr id="7" name="Google Shape;123;p16"/>
           <p:cNvSpPr txBox="1"/>
           <p:nvPr/>
@@ -26917,7 +26182,7 @@
               <a:buNone/>
             </a:pPr>
             <a:r>
-              <a:rPr lang="en-US" sz="1800" b="1" i="0" u="none">
+              <a:rPr lang="en-US" sz="1800" b="1" i="0" u="none" dirty="0">
                 <a:solidFill>
                   <a:srgbClr val="000000"/>
                 </a:solidFill>
@@ -26929,7 +26194,7 @@
               <a:t>                       </a:t>
             </a:r>
             <a:r>
-              <a:rPr lang="en-US" sz="1600" b="0" i="0" u="none">
+              <a:rPr lang="en-US" sz="1600" b="0" i="0" u="none" dirty="0">
                 <a:solidFill>
                   <a:srgbClr val="000000"/>
                 </a:solidFill>
@@ -26940,6 +26205,70 @@
               </a:rPr>
               <a:t>CSE Department, JECC</a:t>
             </a:r>
+          </a:p>
+        </p:txBody>
+      </p:sp>
+      <p:sp>
+        <p:nvSpPr>
+          <p:cNvPr id="5" name="Date Placeholder 4"/>
+          <p:cNvSpPr>
+            <a:spLocks noGrp="1"/>
+          </p:cNvSpPr>
+          <p:nvPr>
+            <p:ph type="dt" idx="10"/>
+          </p:nvPr>
+        </p:nvSpPr>
+        <p:spPr/>
+        <p:txBody>
+          <a:bodyPr/>
+          <a:lstStyle/>
+          <a:p>
+            <a:fld id="{847F2165-9123-48AB-9B03-84AC2DD746FC}" type="datetime3">
+              <a:rPr lang="en-US" smtClean="0"/>
+              <a:t>3 November 2019</a:t>
+            </a:fld>
+            <a:endParaRPr lang="en-US"/>
+          </a:p>
+        </p:txBody>
+      </p:sp>
+      <p:sp>
+        <p:nvSpPr>
+          <p:cNvPr id="9" name="Slide Number Placeholder 8"/>
+          <p:cNvSpPr>
+            <a:spLocks noGrp="1"/>
+          </p:cNvSpPr>
+          <p:nvPr>
+            <p:ph type="sldNum" idx="12"/>
+          </p:nvPr>
+        </p:nvSpPr>
+        <p:spPr/>
+        <p:txBody>
+          <a:bodyPr/>
+          <a:lstStyle/>
+          <a:p>
+            <a:pPr marL="0" lvl="0" indent="0" algn="r" rtl="0">
+              <a:spcBef>
+                <a:spcPts val="0"/>
+              </a:spcBef>
+              <a:spcAft>
+                <a:spcPts val="0"/>
+              </a:spcAft>
+              <a:buNone/>
+            </a:pPr>
+            <a:fld id="{00000000-1234-1234-1234-123412341234}" type="slidenum">
+              <a:rPr lang="en-US" smtClean="0"/>
+              <a:pPr marL="0" lvl="0" indent="0" algn="r" rtl="0">
+                <a:spcBef>
+                  <a:spcPts val="0"/>
+                </a:spcBef>
+                <a:spcAft>
+                  <a:spcPts val="0"/>
+                </a:spcAft>
+                <a:buNone/>
+              </a:pPr>
+              <a:t>24</a:t>
+            </a:fld>
+            <a:endParaRPr lang="en-US"/>
           </a:p>
         </p:txBody>
       </p:sp>
@@ -27015,7 +26344,12 @@
             <p:ph type="body" idx="1"/>
           </p:nvPr>
         </p:nvSpPr>
-        <p:spPr/>
+        <p:spPr>
+          <a:xfrm>
+            <a:off x="457200" y="1558635"/>
+            <a:ext cx="8226425" cy="4522787"/>
+          </a:xfrm>
+        </p:spPr>
         <p:txBody>
           <a:bodyPr/>
           <a:lstStyle/>
@@ -27421,63 +26755,6 @@
       </p:pic>
       <p:sp>
         <p:nvSpPr>
-          <p:cNvPr id="6" name="Google Shape;122;p16"/>
-          <p:cNvSpPr txBox="1"/>
-          <p:nvPr/>
-        </p:nvSpPr>
-        <p:spPr>
-          <a:xfrm>
-            <a:off x="457200" y="6356350"/>
-            <a:ext cx="2133600" cy="365125"/>
-          </a:xfrm>
-          <a:prstGeom prst="rect">
-            <a:avLst/>
-          </a:prstGeom>
-          <a:noFill/>
-          <a:ln>
-            <a:noFill/>
-          </a:ln>
-        </p:spPr>
-        <p:txBody>
-          <a:bodyPr spcFirstLastPara="1" wrap="square" lIns="90000" tIns="46800" rIns="90000" bIns="46800" anchor="ctr" anchorCtr="0">
-            <a:noAutofit/>
-          </a:bodyPr>
-          <a:lstStyle/>
-          <a:p>
-            <a:pPr marL="0" marR="0" lvl="0" indent="0" algn="l" rtl="0">
-              <a:lnSpc>
-                <a:spcPct val="100000"/>
-              </a:lnSpc>
-              <a:spcBef>
-                <a:spcPts val="0"/>
-              </a:spcBef>
-              <a:spcAft>
-                <a:spcPts val="0"/>
-              </a:spcAft>
-              <a:buClr>
-                <a:srgbClr val="000000"/>
-              </a:buClr>
-              <a:buSzPts val="1200"/>
-              <a:buFont typeface="Times New Roman"/>
-              <a:buNone/>
-            </a:pPr>
-            <a:r>
-              <a:rPr lang="en-US" sz="1200" b="0" i="0" u="none">
-                <a:solidFill>
-                  <a:srgbClr val="898989"/>
-                </a:solidFill>
-                <a:latin typeface="Calibri"/>
-                <a:ea typeface="Calibri"/>
-                <a:cs typeface="Calibri"/>
-                <a:sym typeface="Calibri"/>
-              </a:rPr>
-              <a:t>02/08/19</a:t>
-            </a:r>
-          </a:p>
-        </p:txBody>
-      </p:sp>
-      <p:sp>
-        <p:nvSpPr>
           <p:cNvPr id="7" name="Google Shape;123;p16"/>
           <p:cNvSpPr txBox="1"/>
           <p:nvPr/>
@@ -27608,6 +26885,70 @@
               </a:rPr>
               <a:t>CSE Department, JECC</a:t>
             </a:r>
+          </a:p>
+        </p:txBody>
+      </p:sp>
+      <p:sp>
+        <p:nvSpPr>
+          <p:cNvPr id="5" name="Date Placeholder 4"/>
+          <p:cNvSpPr>
+            <a:spLocks noGrp="1"/>
+          </p:cNvSpPr>
+          <p:nvPr>
+            <p:ph type="dt" idx="10"/>
+          </p:nvPr>
+        </p:nvSpPr>
+        <p:spPr/>
+        <p:txBody>
+          <a:bodyPr/>
+          <a:lstStyle/>
+          <a:p>
+            <a:fld id="{84DB3B2C-B93E-4028-A7F4-BFA0FADEC1E0}" type="datetime3">
+              <a:rPr lang="en-US" smtClean="0"/>
+              <a:t>3 November 2019</a:t>
+            </a:fld>
+            <a:endParaRPr lang="en-US"/>
+          </a:p>
+        </p:txBody>
+      </p:sp>
+      <p:sp>
+        <p:nvSpPr>
+          <p:cNvPr id="9" name="Slide Number Placeholder 8"/>
+          <p:cNvSpPr>
+            <a:spLocks noGrp="1"/>
+          </p:cNvSpPr>
+          <p:nvPr>
+            <p:ph type="sldNum" idx="12"/>
+          </p:nvPr>
+        </p:nvSpPr>
+        <p:spPr/>
+        <p:txBody>
+          <a:bodyPr/>
+          <a:lstStyle/>
+          <a:p>
+            <a:pPr marL="0" lvl="0" indent="0" algn="r" rtl="0">
+              <a:spcBef>
+                <a:spcPts val="0"/>
+              </a:spcBef>
+              <a:spcAft>
+                <a:spcPts val="0"/>
+              </a:spcAft>
+              <a:buNone/>
+            </a:pPr>
+            <a:fld id="{00000000-1234-1234-1234-123412341234}" type="slidenum">
+              <a:rPr lang="en-US" smtClean="0"/>
+              <a:pPr marL="0" lvl="0" indent="0" algn="r" rtl="0">
+                <a:spcBef>
+                  <a:spcPts val="0"/>
+                </a:spcBef>
+                <a:spcAft>
+                  <a:spcPts val="0"/>
+                </a:spcAft>
+                <a:buNone/>
+              </a:pPr>
+              <a:t>25</a:t>
+            </a:fld>
+            <a:endParaRPr lang="en-US"/>
           </a:p>
         </p:txBody>
       </p:sp>
@@ -27794,35 +27135,18 @@
           </a:bodyPr>
           <a:lstStyle/>
           <a:p>
-            <a:pPr marL="0" marR="0" lvl="0" indent="0" algn="l" rtl="0">
-              <a:lnSpc>
-                <a:spcPct val="100000"/>
-              </a:lnSpc>
-              <a:spcBef>
-                <a:spcPts val="0"/>
-              </a:spcBef>
-              <a:spcAft>
-                <a:spcPts val="0"/>
-              </a:spcAft>
-              <a:buClr>
-                <a:srgbClr val="000000"/>
-              </a:buClr>
+            <a:pPr lvl="0">
               <a:buSzPts val="1200"/>
-              <a:buFont typeface="Times New Roman"/>
-              <a:buNone/>
             </a:pPr>
-            <a:r>
-              <a:rPr lang="en-US" sz="1200" b="0" i="0" u="none">
-                <a:solidFill>
-                  <a:srgbClr val="898989"/>
-                </a:solidFill>
-                <a:latin typeface="Calibri"/>
-                <a:ea typeface="Calibri"/>
-                <a:cs typeface="Calibri"/>
-                <a:sym typeface="Calibri"/>
-              </a:rPr>
-              <a:t>02/08/19</a:t>
-            </a:r>
+            <a:endParaRPr lang="en-US" sz="1200" dirty="0">
+              <a:solidFill>
+                <a:srgbClr val="898989"/>
+              </a:solidFill>
+              <a:latin typeface="Calibri"/>
+              <a:ea typeface="Calibri"/>
+              <a:cs typeface="Calibri"/>
+              <a:sym typeface="Calibri"/>
+            </a:endParaRPr>
           </a:p>
         </p:txBody>
       </p:sp>
@@ -28102,6 +27426,70 @@
           </a:ln>
         </p:spPr>
       </p:pic>
+      <p:sp>
+        <p:nvSpPr>
+          <p:cNvPr id="2" name="Date Placeholder 1"/>
+          <p:cNvSpPr>
+            <a:spLocks noGrp="1"/>
+          </p:cNvSpPr>
+          <p:nvPr>
+            <p:ph type="dt" idx="10"/>
+          </p:nvPr>
+        </p:nvSpPr>
+        <p:spPr/>
+        <p:txBody>
+          <a:bodyPr/>
+          <a:lstStyle/>
+          <a:p>
+            <a:fld id="{21017919-209A-41D7-A8F8-F6B17EDC4C65}" type="datetime3">
+              <a:rPr lang="en-US" smtClean="0"/>
+              <a:t>3 November 2019</a:t>
+            </a:fld>
+            <a:endParaRPr lang="en-US"/>
+          </a:p>
+        </p:txBody>
+      </p:sp>
+      <p:sp>
+        <p:nvSpPr>
+          <p:cNvPr id="3" name="Slide Number Placeholder 2"/>
+          <p:cNvSpPr>
+            <a:spLocks noGrp="1"/>
+          </p:cNvSpPr>
+          <p:nvPr>
+            <p:ph type="sldNum" idx="12"/>
+          </p:nvPr>
+        </p:nvSpPr>
+        <p:spPr/>
+        <p:txBody>
+          <a:bodyPr/>
+          <a:lstStyle/>
+          <a:p>
+            <a:pPr marL="0" lvl="0" indent="0" algn="r" rtl="0">
+              <a:spcBef>
+                <a:spcPts val="0"/>
+              </a:spcBef>
+              <a:spcAft>
+                <a:spcPts val="0"/>
+              </a:spcAft>
+              <a:buNone/>
+            </a:pPr>
+            <a:fld id="{00000000-1234-1234-1234-123412341234}" type="slidenum">
+              <a:rPr lang="en-US" smtClean="0"/>
+              <a:pPr marL="0" lvl="0" indent="0" algn="r" rtl="0">
+                <a:spcBef>
+                  <a:spcPts val="0"/>
+                </a:spcBef>
+                <a:spcAft>
+                  <a:spcPts val="0"/>
+                </a:spcAft>
+                <a:buNone/>
+              </a:pPr>
+              <a:t>26</a:t>
+            </a:fld>
+            <a:endParaRPr lang="en-US"/>
+          </a:p>
+        </p:txBody>
+      </p:sp>
     </p:spTree>
   </p:cSld>
   <p:clrMapOvr>
@@ -28334,7 +27722,7 @@
               <a:buChar char="•"/>
             </a:pPr>
             <a:r>
-              <a:rPr lang="en-US" sz="2000" b="0" i="0" u="none" dirty="0">
+              <a:rPr lang="en-US" sz="1750" b="0" i="0" u="none" dirty="0">
                 <a:solidFill>
                   <a:srgbClr val="000000"/>
                 </a:solidFill>
@@ -28365,7 +27753,7 @@
               <a:buChar char="•"/>
             </a:pPr>
             <a:r>
-              <a:rPr lang="en-US" sz="2000" b="0" i="0" u="none" dirty="0">
+              <a:rPr lang="en-US" sz="1750" b="0" i="0" u="none" dirty="0">
                 <a:solidFill>
                   <a:srgbClr val="000000"/>
                 </a:solidFill>
@@ -28396,7 +27784,7 @@
               <a:buChar char="•"/>
             </a:pPr>
             <a:r>
-              <a:rPr lang="en-US" sz="2000" b="0" i="0" u="none" dirty="0">
+              <a:rPr lang="en-US" sz="1750" b="0" i="0" u="none" dirty="0">
                 <a:solidFill>
                   <a:srgbClr val="000000"/>
                 </a:solidFill>
@@ -28427,7 +27815,7 @@
               <a:buChar char="•"/>
             </a:pPr>
             <a:r>
-              <a:rPr lang="en-US" sz="2000" b="0" i="0" u="none" dirty="0">
+              <a:rPr lang="en-US" sz="1750" b="0" i="0" u="none" dirty="0">
                 <a:solidFill>
                   <a:srgbClr val="000000"/>
                 </a:solidFill>
@@ -28465,89 +27853,6 @@
               <a:ea typeface="Times New Roman"/>
               <a:cs typeface="Times New Roman"/>
               <a:sym typeface="Times New Roman"/>
-            </a:endParaRPr>
-          </a:p>
-        </p:txBody>
-      </p:sp>
-      <p:sp>
-        <p:nvSpPr>
-          <p:cNvPr id="1048605" name="Google Shape;107;p15"/>
-          <p:cNvSpPr txBox="1"/>
-          <p:nvPr/>
-        </p:nvSpPr>
-        <p:spPr>
-          <a:xfrm>
-            <a:off x="6553200" y="6475584"/>
-            <a:ext cx="2133600" cy="365125"/>
-          </a:xfrm>
-          <a:prstGeom prst="rect">
-            <a:avLst/>
-          </a:prstGeom>
-          <a:noFill/>
-          <a:ln>
-            <a:noFill/>
-          </a:ln>
-        </p:spPr>
-        <p:txBody>
-          <a:bodyPr spcFirstLastPara="1" wrap="square" lIns="90000" tIns="46800" rIns="90000" bIns="46800" anchor="ctr" anchorCtr="0">
-            <a:noAutofit/>
-          </a:bodyPr>
-          <a:lstStyle/>
-          <a:p>
-            <a:pPr marL="0" marR="0" lvl="0" indent="0" algn="r" rtl="0">
-              <a:lnSpc>
-                <a:spcPct val="100000"/>
-              </a:lnSpc>
-              <a:spcBef>
-                <a:spcPts val="0"/>
-              </a:spcBef>
-              <a:spcAft>
-                <a:spcPts val="0"/>
-              </a:spcAft>
-              <a:buClr>
-                <a:srgbClr val="000000"/>
-              </a:buClr>
-              <a:buSzPts val="1200"/>
-              <a:buFont typeface="Times New Roman"/>
-              <a:buNone/>
-            </a:pPr>
-            <a:fld id="{00000000-1234-1234-1234-123412341234}" type="slidenum">
-              <a:rPr lang="en-US" sz="1200" b="0" i="0" u="none">
-                <a:solidFill>
-                  <a:srgbClr val="898989"/>
-                </a:solidFill>
-                <a:latin typeface="Calibri"/>
-                <a:ea typeface="Calibri"/>
-                <a:cs typeface="Calibri"/>
-                <a:sym typeface="Calibri"/>
-              </a:rPr>
-              <a:pPr marL="0" marR="0" lvl="0" indent="0" algn="r" rtl="0">
-                <a:lnSpc>
-                  <a:spcPct val="100000"/>
-                </a:lnSpc>
-                <a:spcBef>
-                  <a:spcPts val="0"/>
-                </a:spcBef>
-                <a:spcAft>
-                  <a:spcPts val="0"/>
-                </a:spcAft>
-                <a:buClr>
-                  <a:srgbClr val="000000"/>
-                </a:buClr>
-                <a:buSzPts val="1200"/>
-                <a:buFont typeface="Times New Roman"/>
-                <a:buNone/>
-              </a:pPr>
-              <a:t>3</a:t>
-            </a:fld>
-            <a:endParaRPr sz="1200" b="0" i="0" u="none">
-              <a:solidFill>
-                <a:srgbClr val="898989"/>
-              </a:solidFill>
-              <a:latin typeface="Calibri"/>
-              <a:ea typeface="Calibri"/>
-              <a:cs typeface="Calibri"/>
-              <a:sym typeface="Calibri"/>
             </a:endParaRPr>
           </a:p>
         </p:txBody>
@@ -28585,103 +27890,65 @@
       </p:pic>
       <p:sp>
         <p:nvSpPr>
-          <p:cNvPr id="6" name="Google Shape;91;p13"/>
-          <p:cNvSpPr txBox="1"/>
-          <p:nvPr/>
+          <p:cNvPr id="2" name="Date Placeholder 1"/>
+          <p:cNvSpPr>
+            <a:spLocks noGrp="1"/>
+          </p:cNvSpPr>
+          <p:nvPr>
+            <p:ph type="dt" idx="10"/>
+          </p:nvPr>
         </p:nvSpPr>
-        <p:spPr>
-          <a:xfrm>
-            <a:off x="185596" y="6475585"/>
-            <a:ext cx="2133600" cy="365125"/>
-          </a:xfrm>
-          <a:prstGeom prst="rect">
-            <a:avLst/>
-          </a:prstGeom>
-          <a:noFill/>
-          <a:ln>
-            <a:noFill/>
-          </a:ln>
-        </p:spPr>
+        <p:spPr/>
         <p:txBody>
-          <a:bodyPr spcFirstLastPara="1" wrap="square" lIns="90000" tIns="46800" rIns="90000" bIns="46800" anchor="ctr" anchorCtr="0">
-            <a:noAutofit/>
-          </a:bodyPr>
+          <a:bodyPr/>
           <a:lstStyle/>
           <a:p>
-            <a:pPr marL="0" marR="0" lvl="0" indent="0" algn="l" rtl="0">
-              <a:lnSpc>
-                <a:spcPct val="100000"/>
-              </a:lnSpc>
-              <a:spcBef>
-                <a:spcPts val="0"/>
-              </a:spcBef>
-              <a:spcAft>
-                <a:spcPts val="0"/>
-              </a:spcAft>
-              <a:buClr>
-                <a:srgbClr val="000000"/>
-              </a:buClr>
-              <a:buSzPts val="1200"/>
-              <a:buFont typeface="Times New Roman"/>
+            <a:fld id="{E7247257-A2D8-4E63-8B17-38F288972F72}" type="datetime3">
+              <a:rPr lang="en-US" smtClean="0"/>
+              <a:t>3 November 2019</a:t>
+            </a:fld>
+            <a:endParaRPr lang="en-US" dirty="0"/>
+          </a:p>
+        </p:txBody>
+      </p:sp>
+      <p:sp>
+        <p:nvSpPr>
+          <p:cNvPr id="3" name="Slide Number Placeholder 2"/>
+          <p:cNvSpPr>
+            <a:spLocks noGrp="1"/>
+          </p:cNvSpPr>
+          <p:nvPr>
+            <p:ph type="sldNum" idx="12"/>
+          </p:nvPr>
+        </p:nvSpPr>
+        <p:spPr/>
+        <p:txBody>
+          <a:bodyPr/>
+          <a:lstStyle/>
+          <a:p>
+            <a:pPr marL="0" lvl="0" indent="0" algn="r" rtl="0">
+              <a:spcBef>
+                <a:spcPts val="0"/>
+              </a:spcBef>
+              <a:spcAft>
+                <a:spcPts val="0"/>
+              </a:spcAft>
               <a:buNone/>
             </a:pPr>
-            <a:r>
-              <a:rPr lang="en-US" sz="1200" dirty="0" smtClean="0">
-                <a:solidFill>
-                  <a:srgbClr val="898989"/>
-                </a:solidFill>
-                <a:latin typeface="Calibri"/>
-                <a:ea typeface="Calibri"/>
-                <a:cs typeface="Calibri"/>
-                <a:sym typeface="Calibri"/>
-              </a:rPr>
-              <a:t>21</a:t>
-            </a:r>
-            <a:r>
-              <a:rPr lang="en-US" sz="1200" b="0" i="0" u="none" dirty="0" smtClean="0">
-                <a:solidFill>
-                  <a:srgbClr val="898989"/>
-                </a:solidFill>
-                <a:latin typeface="Calibri"/>
-                <a:ea typeface="Calibri"/>
-                <a:cs typeface="Calibri"/>
-                <a:sym typeface="Calibri"/>
-              </a:rPr>
-              <a:t>/</a:t>
-            </a:r>
-            <a:r>
-              <a:rPr lang="en-US" sz="1200" dirty="0" smtClean="0">
-                <a:solidFill>
-                  <a:srgbClr val="898989"/>
-                </a:solidFill>
-                <a:latin typeface="Calibri"/>
-                <a:ea typeface="Calibri"/>
-                <a:cs typeface="Calibri"/>
-                <a:sym typeface="Calibri"/>
-              </a:rPr>
-              <a:t>10</a:t>
-            </a:r>
-            <a:r>
-              <a:rPr lang="en-US" sz="1200" b="0" i="0" u="none" dirty="0" smtClean="0">
-                <a:solidFill>
-                  <a:srgbClr val="898989"/>
-                </a:solidFill>
-                <a:latin typeface="Calibri"/>
-                <a:ea typeface="Calibri"/>
-                <a:cs typeface="Calibri"/>
-                <a:sym typeface="Calibri"/>
-              </a:rPr>
-              <a:t>/19</a:t>
-            </a:r>
-            <a:endParaRPr lang="en-US" sz="1200" b="0" i="0" u="none" dirty="0">
-              <a:solidFill>
-                <a:srgbClr val="898989"/>
-              </a:solidFill>
-              <a:latin typeface="Calibri"/>
-              <a:ea typeface="Calibri"/>
-              <a:cs typeface="Calibri"/>
-              <a:sym typeface="Calibri"/>
-            </a:endParaRPr>
+            <a:fld id="{00000000-1234-1234-1234-123412341234}" type="slidenum">
+              <a:rPr lang="en-US" smtClean="0"/>
+              <a:pPr marL="0" lvl="0" indent="0" algn="r" rtl="0">
+                <a:spcBef>
+                  <a:spcPts val="0"/>
+                </a:spcBef>
+                <a:spcAft>
+                  <a:spcPts val="0"/>
+                </a:spcAft>
+                <a:buNone/>
+              </a:pPr>
+              <a:t>3</a:t>
+            </a:fld>
+            <a:endParaRPr lang="en-US"/>
           </a:p>
         </p:txBody>
       </p:sp>
@@ -28980,71 +28247,14 @@
       </p:sp>
       <p:sp>
         <p:nvSpPr>
-          <p:cNvPr id="1048613" name="Google Shape;122;p16"/>
-          <p:cNvSpPr txBox="1"/>
-          <p:nvPr/>
-        </p:nvSpPr>
-        <p:spPr>
-          <a:xfrm>
-            <a:off x="457200" y="6356350"/>
-            <a:ext cx="2133600" cy="365125"/>
-          </a:xfrm>
-          <a:prstGeom prst="rect">
-            <a:avLst/>
-          </a:prstGeom>
-          <a:noFill/>
-          <a:ln>
-            <a:noFill/>
-          </a:ln>
-        </p:spPr>
-        <p:txBody>
-          <a:bodyPr spcFirstLastPara="1" wrap="square" lIns="90000" tIns="46800" rIns="90000" bIns="46800" anchor="ctr" anchorCtr="0">
-            <a:noAutofit/>
-          </a:bodyPr>
-          <a:lstStyle/>
-          <a:p>
-            <a:pPr marL="0" marR="0" lvl="0" indent="0" algn="l" rtl="0">
-              <a:lnSpc>
-                <a:spcPct val="100000"/>
-              </a:lnSpc>
-              <a:spcBef>
-                <a:spcPts val="0"/>
-              </a:spcBef>
-              <a:spcAft>
-                <a:spcPts val="0"/>
-              </a:spcAft>
-              <a:buClr>
-                <a:srgbClr val="000000"/>
-              </a:buClr>
-              <a:buSzPts val="1200"/>
-              <a:buFont typeface="Times New Roman"/>
-              <a:buNone/>
-            </a:pPr>
-            <a:r>
-              <a:rPr lang="en-US" sz="1200" b="0" i="0" u="none">
-                <a:solidFill>
-                  <a:srgbClr val="898989"/>
-                </a:solidFill>
-                <a:latin typeface="Calibri"/>
-                <a:ea typeface="Calibri"/>
-                <a:cs typeface="Calibri"/>
-                <a:sym typeface="Calibri"/>
-              </a:rPr>
-              <a:t>02/08/19</a:t>
-            </a:r>
-          </a:p>
-        </p:txBody>
-      </p:sp>
-      <p:sp>
-        <p:nvSpPr>
           <p:cNvPr id="1048614" name="Google Shape;123;p16"/>
           <p:cNvSpPr txBox="1"/>
           <p:nvPr/>
         </p:nvSpPr>
         <p:spPr>
           <a:xfrm>
-            <a:off x="6553200" y="6356350"/>
-            <a:ext cx="2133600" cy="365125"/>
+            <a:off x="6544147" y="6356350"/>
+            <a:ext cx="2133601" cy="365125"/>
           </a:xfrm>
           <a:prstGeom prst="rect">
             <a:avLst/>
@@ -29253,8 +28463,8 @@
         </p:nvSpPr>
         <p:spPr>
           <a:xfrm>
-            <a:off x="304800" y="2232025"/>
-            <a:ext cx="8229600" cy="4168775"/>
+            <a:off x="304800" y="2232026"/>
+            <a:ext cx="8229600" cy="3109520"/>
           </a:xfrm>
           <a:prstGeom prst="rect">
             <a:avLst/>
@@ -29521,7 +28731,7 @@
               <a:buChar char="•"/>
             </a:pPr>
             <a:r>
-              <a:rPr lang="en-US" sz="2400" b="0" i="0" u="none" dirty="0">
+              <a:rPr lang="en-US" sz="2400" b="0" i="0" u="none" dirty="0" smtClean="0">
                 <a:solidFill>
                   <a:srgbClr val="000000"/>
                 </a:solidFill>
@@ -29530,43 +28740,7 @@
                 <a:cs typeface="Times New Roman"/>
                 <a:sym typeface="Times New Roman"/>
               </a:rPr>
-              <a:t>Detailed design </a:t>
-            </a:r>
-            <a:r>
-              <a:rPr lang="en-US" sz="2400" b="0" i="0" u="none" dirty="0" smtClean="0">
-                <a:solidFill>
-                  <a:srgbClr val="000000"/>
-                </a:solidFill>
-                <a:latin typeface="Times New Roman"/>
-                <a:ea typeface="Times New Roman"/>
-                <a:cs typeface="Times New Roman"/>
-                <a:sym typeface="Times New Roman"/>
-              </a:rPr>
-              <a:t>of </a:t>
-            </a:r>
-            <a:r>
-              <a:rPr lang="en-US" sz="2400" b="0" i="0" u="none" dirty="0">
-                <a:solidFill>
-                  <a:srgbClr val="000000"/>
-                </a:solidFill>
-                <a:latin typeface="Times New Roman"/>
-                <a:ea typeface="Times New Roman"/>
-                <a:cs typeface="Times New Roman"/>
-                <a:sym typeface="Times New Roman"/>
-              </a:rPr>
-              <a:t>the </a:t>
-            </a:r>
-            <a:r>
-              <a:rPr lang="en-US" sz="2400" b="0" i="0" u="none" dirty="0" smtClean="0">
-                <a:solidFill>
-                  <a:srgbClr val="000000"/>
-                </a:solidFill>
-                <a:latin typeface="Times New Roman"/>
-                <a:ea typeface="Times New Roman"/>
-                <a:cs typeface="Times New Roman"/>
-                <a:sym typeface="Times New Roman"/>
-              </a:rPr>
-              <a:t>projec</a:t>
+              <a:t>Detailed design of the projec</a:t>
             </a:r>
             <a:r>
               <a:rPr lang="en-US" sz="2400" dirty="0" smtClean="0">
@@ -29597,25 +28771,71 @@
               <a:buChar char="•"/>
             </a:pPr>
             <a:r>
-              <a:rPr lang="en-US" sz="2400" b="0" i="0" u="none" dirty="0" smtClean="0">
-                <a:solidFill>
-                  <a:srgbClr val="000000"/>
-                </a:solidFill>
+              <a:rPr lang="en-US" sz="2400" dirty="0" smtClean="0">
                 <a:latin typeface="Times New Roman"/>
                 <a:cs typeface="Times New Roman"/>
                 <a:sym typeface="Times New Roman"/>
               </a:rPr>
-              <a:t>Application and future enhancement</a:t>
-            </a:r>
-            <a:endParaRPr sz="1600" b="0" i="0" u="none" dirty="0">
-              <a:solidFill>
-                <a:srgbClr val="000000"/>
-              </a:solidFill>
-              <a:latin typeface="Arial"/>
-              <a:ea typeface="Arial"/>
-              <a:cs typeface="Arial"/>
-              <a:sym typeface="Arial"/>
-            </a:endParaRPr>
+              <a:t>Application </a:t>
+            </a:r>
+            <a:r>
+              <a:rPr lang="en-US" sz="2400" dirty="0">
+                <a:latin typeface="Times New Roman"/>
+                <a:cs typeface="Times New Roman"/>
+                <a:sym typeface="Times New Roman"/>
+              </a:rPr>
+              <a:t>and future enhancement</a:t>
+            </a:r>
+            <a:endParaRPr lang="en-US" sz="1600" dirty="0"/>
+          </a:p>
+          <a:p>
+            <a:pPr marL="339725" lvl="0" indent="-339725" algn="just">
+              <a:spcBef>
+                <a:spcPts val="700"/>
+              </a:spcBef>
+              <a:buSzPts val="2800"/>
+              <a:buFont typeface="Arial"/>
+              <a:buChar char="•"/>
+            </a:pPr>
+            <a:r>
+              <a:rPr lang="en-US" sz="2400" dirty="0">
+                <a:latin typeface="Times New Roman"/>
+                <a:ea typeface="Times New Roman"/>
+                <a:cs typeface="Times New Roman"/>
+                <a:sym typeface="Times New Roman"/>
+              </a:rPr>
+              <a:t>Conclusions</a:t>
+            </a:r>
+            <a:endParaRPr lang="en-US" sz="1200" dirty="0"/>
+          </a:p>
+          <a:p>
+            <a:pPr marL="339725" lvl="0" indent="-339725" algn="just">
+              <a:spcBef>
+                <a:spcPts val="700"/>
+              </a:spcBef>
+              <a:buSzPts val="2800"/>
+              <a:buFont typeface="Arial"/>
+              <a:buChar char="•"/>
+            </a:pPr>
+            <a:r>
+              <a:rPr lang="en-US" sz="2400" dirty="0">
+                <a:latin typeface="Times New Roman"/>
+                <a:ea typeface="Times New Roman"/>
+                <a:cs typeface="Times New Roman"/>
+                <a:sym typeface="Times New Roman"/>
+              </a:rPr>
+              <a:t>Reference</a:t>
+            </a:r>
+            <a:r>
+              <a:rPr lang="en-US" sz="2800" dirty="0">
+                <a:latin typeface="Times New Roman"/>
+                <a:ea typeface="Times New Roman"/>
+                <a:cs typeface="Times New Roman"/>
+                <a:sym typeface="Times New Roman"/>
+              </a:rPr>
+              <a:t>s</a:t>
+            </a:r>
+            <a:endParaRPr lang="en-US" sz="1800" dirty="0"/>
           </a:p>
           <a:p>
             <a:pPr marL="339725" marR="0" lvl="0" indent="-339725" algn="just" rtl="0">
@@ -29635,70 +28855,11 @@
               <a:buFont typeface="Arial"/>
               <a:buChar char="•"/>
             </a:pPr>
-            <a:r>
-              <a:rPr lang="en-US" sz="2400" b="0" i="0" u="none" dirty="0">
-                <a:solidFill>
-                  <a:srgbClr val="000000"/>
-                </a:solidFill>
-                <a:latin typeface="Times New Roman"/>
-                <a:ea typeface="Times New Roman"/>
-                <a:cs typeface="Times New Roman"/>
-                <a:sym typeface="Times New Roman"/>
-              </a:rPr>
-              <a:t>Conclusions</a:t>
-            </a:r>
-            <a:endParaRPr sz="1200" dirty="0"/>
-          </a:p>
-          <a:p>
-            <a:pPr marL="339725" marR="0" lvl="0" indent="-339725" algn="just" rtl="0">
-              <a:lnSpc>
-                <a:spcPct val="100000"/>
-              </a:lnSpc>
-              <a:spcBef>
-                <a:spcPts val="700"/>
-              </a:spcBef>
-              <a:spcAft>
-                <a:spcPts val="0"/>
-              </a:spcAft>
-              <a:buClr>
-                <a:srgbClr val="000000"/>
-              </a:buClr>
-              <a:buSzPts val="2800"/>
-              <a:buFont typeface="Arial"/>
-              <a:buChar char="•"/>
-            </a:pPr>
-            <a:r>
-              <a:rPr lang="en-US" sz="2400" b="0" i="0" u="none" dirty="0">
-                <a:solidFill>
-                  <a:srgbClr val="000000"/>
-                </a:solidFill>
-                <a:latin typeface="Times New Roman"/>
-                <a:ea typeface="Times New Roman"/>
-                <a:cs typeface="Times New Roman"/>
-                <a:sym typeface="Times New Roman"/>
-              </a:rPr>
-              <a:t>Reference</a:t>
-            </a:r>
-            <a:r>
-              <a:rPr lang="en-US" sz="2800" b="0" i="0" u="none" dirty="0">
-                <a:solidFill>
-                  <a:srgbClr val="000000"/>
-                </a:solidFill>
-                <a:latin typeface="Times New Roman"/>
-                <a:ea typeface="Times New Roman"/>
-                <a:cs typeface="Times New Roman"/>
-                <a:sym typeface="Times New Roman"/>
-              </a:rPr>
-              <a:t>s</a:t>
-            </a:r>
-            <a:endParaRPr sz="1800" b="0" i="0" u="none" dirty="0">
-              <a:solidFill>
-                <a:srgbClr val="000000"/>
-              </a:solidFill>
-              <a:latin typeface="Arial"/>
-              <a:ea typeface="Arial"/>
-              <a:cs typeface="Arial"/>
-              <a:sym typeface="Arial"/>
+            <a:endParaRPr lang="en-US" sz="2400" dirty="0" smtClean="0">
+              <a:latin typeface="Times New Roman"/>
+              <a:ea typeface="Times New Roman"/>
+              <a:cs typeface="Times New Roman"/>
+              <a:sym typeface="Times New Roman"/>
             </a:endParaRPr>
           </a:p>
           <a:p>
@@ -29762,6 +28923,70 @@
           </a:ln>
         </p:spPr>
       </p:pic>
+      <p:sp>
+        <p:nvSpPr>
+          <p:cNvPr id="2" name="Date Placeholder 1"/>
+          <p:cNvSpPr>
+            <a:spLocks noGrp="1"/>
+          </p:cNvSpPr>
+          <p:nvPr>
+            <p:ph type="dt" idx="10"/>
+          </p:nvPr>
+        </p:nvSpPr>
+        <p:spPr/>
+        <p:txBody>
+          <a:bodyPr/>
+          <a:lstStyle/>
+          <a:p>
+            <a:fld id="{27416F2C-E573-4604-9B91-5FC367FF96CF}" type="datetime3">
+              <a:rPr lang="en-US" smtClean="0"/>
+              <a:t>3 November 2019</a:t>
+            </a:fld>
+            <a:endParaRPr lang="en-US"/>
+          </a:p>
+        </p:txBody>
+      </p:sp>
+      <p:sp>
+        <p:nvSpPr>
+          <p:cNvPr id="3" name="Slide Number Placeholder 2"/>
+          <p:cNvSpPr>
+            <a:spLocks noGrp="1"/>
+          </p:cNvSpPr>
+          <p:nvPr>
+            <p:ph type="sldNum" idx="12"/>
+          </p:nvPr>
+        </p:nvSpPr>
+        <p:spPr/>
+        <p:txBody>
+          <a:bodyPr/>
+          <a:lstStyle/>
+          <a:p>
+            <a:pPr marL="0" lvl="0" indent="0" algn="r" rtl="0">
+              <a:spcBef>
+                <a:spcPts val="0"/>
+              </a:spcBef>
+              <a:spcAft>
+                <a:spcPts val="0"/>
+              </a:spcAft>
+              <a:buNone/>
+            </a:pPr>
+            <a:fld id="{00000000-1234-1234-1234-123412341234}" type="slidenum">
+              <a:rPr lang="en-US" smtClean="0"/>
+              <a:pPr marL="0" lvl="0" indent="0" algn="r" rtl="0">
+                <a:spcBef>
+                  <a:spcPts val="0"/>
+                </a:spcBef>
+                <a:spcAft>
+                  <a:spcPts val="0"/>
+                </a:spcAft>
+                <a:buNone/>
+              </a:pPr>
+              <a:t>4</a:t>
+            </a:fld>
+            <a:endParaRPr lang="en-US"/>
+          </a:p>
+        </p:txBody>
+      </p:sp>
     </p:spTree>
   </p:cSld>
   <p:clrMapOvr>
@@ -30065,49 +29290,6 @@
       </p:sp>
       <p:sp>
         <p:nvSpPr>
-          <p:cNvPr id="1048613" name="Google Shape;122;p16"/>
-          <p:cNvSpPr txBox="1"/>
-          <p:nvPr/>
-        </p:nvSpPr>
-        <p:spPr>
-          <a:xfrm>
-            <a:off x="457200" y="6356350"/>
-            <a:ext cx="2133600" cy="365125"/>
-          </a:xfrm>
-          <a:prstGeom prst="rect">
-            <a:avLst/>
-          </a:prstGeom>
-          <a:noFill/>
-          <a:ln>
-            <a:noFill/>
-          </a:ln>
-        </p:spPr>
-        <p:txBody>
-          <a:bodyPr spcFirstLastPara="1" wrap="square" lIns="90000" tIns="46800" rIns="90000" bIns="46800" anchor="ctr" anchorCtr="0">
-            <a:noAutofit/>
-          </a:bodyPr>
-          <a:lstStyle/>
-          <a:p>
-            <a:pPr lvl="0">
-              <a:buSzPts val="1200"/>
-            </a:pPr>
-            <a:r>
-              <a:rPr lang="en-US" sz="1200" dirty="0">
-                <a:solidFill>
-                  <a:srgbClr val="898989"/>
-                </a:solidFill>
-                <a:latin typeface="Calibri"/>
-                <a:ea typeface="Calibri"/>
-                <a:cs typeface="Calibri"/>
-                <a:sym typeface="Calibri"/>
-              </a:rPr>
-              <a:t>21/10/19</a:t>
-            </a:r>
-          </a:p>
-        </p:txBody>
-      </p:sp>
-      <p:sp>
-        <p:nvSpPr>
           <p:cNvPr id="1048614" name="Google Shape;123;p16"/>
           <p:cNvSpPr txBox="1"/>
           <p:nvPr/>
@@ -30382,13 +29564,77 @@
             </a:r>
             <a:r>
               <a:rPr lang="en-US" sz="2800" dirty="0" smtClean="0"/>
-              <a:t>system like  </a:t>
+              <a:t>system and </a:t>
             </a:r>
             <a:r>
               <a:rPr lang="en-US" sz="2800" dirty="0"/>
-              <a:t>and helps to improve student’s performance in a much better way</a:t>
+              <a:t>helps to improve student’s performance in a much better way</a:t>
             </a:r>
             <a:endParaRPr lang="en-IN" sz="2800" dirty="0" smtClean="0"/>
+          </a:p>
+        </p:txBody>
+      </p:sp>
+      <p:sp>
+        <p:nvSpPr>
+          <p:cNvPr id="4" name="Date Placeholder 3"/>
+          <p:cNvSpPr>
+            <a:spLocks noGrp="1"/>
+          </p:cNvSpPr>
+          <p:nvPr>
+            <p:ph type="dt" idx="10"/>
+          </p:nvPr>
+        </p:nvSpPr>
+        <p:spPr/>
+        <p:txBody>
+          <a:bodyPr/>
+          <a:lstStyle/>
+          <a:p>
+            <a:fld id="{3DA3A471-E122-4086-B3E2-73DA71C5385D}" type="datetime3">
+              <a:rPr lang="en-US" smtClean="0"/>
+              <a:t>3 November 2019</a:t>
+            </a:fld>
+            <a:endParaRPr lang="en-US"/>
+          </a:p>
+        </p:txBody>
+      </p:sp>
+      <p:sp>
+        <p:nvSpPr>
+          <p:cNvPr id="5" name="Slide Number Placeholder 4"/>
+          <p:cNvSpPr>
+            <a:spLocks noGrp="1"/>
+          </p:cNvSpPr>
+          <p:nvPr>
+            <p:ph type="sldNum" idx="12"/>
+          </p:nvPr>
+        </p:nvSpPr>
+        <p:spPr/>
+        <p:txBody>
+          <a:bodyPr/>
+          <a:lstStyle/>
+          <a:p>
+            <a:pPr marL="0" lvl="0" indent="0" algn="r" rtl="0">
+              <a:spcBef>
+                <a:spcPts val="0"/>
+              </a:spcBef>
+              <a:spcAft>
+                <a:spcPts val="0"/>
+              </a:spcAft>
+              <a:buNone/>
+            </a:pPr>
+            <a:fld id="{00000000-1234-1234-1234-123412341234}" type="slidenum">
+              <a:rPr lang="en-US" smtClean="0"/>
+              <a:pPr marL="0" lvl="0" indent="0" algn="r" rtl="0">
+                <a:spcBef>
+                  <a:spcPts val="0"/>
+                </a:spcBef>
+                <a:spcAft>
+                  <a:spcPts val="0"/>
+                </a:spcAft>
+                <a:buNone/>
+              </a:pPr>
+              <a:t>5</a:t>
+            </a:fld>
+            <a:endParaRPr lang="en-US"/>
           </a:p>
         </p:txBody>
       </p:sp>
@@ -30692,49 +29938,6 @@
       </p:sp>
       <p:sp>
         <p:nvSpPr>
-          <p:cNvPr id="1048613" name="Google Shape;122;p16"/>
-          <p:cNvSpPr txBox="1"/>
-          <p:nvPr/>
-        </p:nvSpPr>
-        <p:spPr>
-          <a:xfrm>
-            <a:off x="457200" y="6356350"/>
-            <a:ext cx="2133600" cy="365125"/>
-          </a:xfrm>
-          <a:prstGeom prst="rect">
-            <a:avLst/>
-          </a:prstGeom>
-          <a:noFill/>
-          <a:ln>
-            <a:noFill/>
-          </a:ln>
-        </p:spPr>
-        <p:txBody>
-          <a:bodyPr spcFirstLastPara="1" wrap="square" lIns="90000" tIns="46800" rIns="90000" bIns="46800" anchor="ctr" anchorCtr="0">
-            <a:noAutofit/>
-          </a:bodyPr>
-          <a:lstStyle/>
-          <a:p>
-            <a:pPr lvl="0">
-              <a:buSzPts val="1200"/>
-            </a:pPr>
-            <a:r>
-              <a:rPr lang="en-US" sz="1200" dirty="0">
-                <a:solidFill>
-                  <a:srgbClr val="898989"/>
-                </a:solidFill>
-                <a:latin typeface="Calibri"/>
-                <a:ea typeface="Calibri"/>
-                <a:cs typeface="Calibri"/>
-                <a:sym typeface="Calibri"/>
-              </a:rPr>
-              <a:t>21/10/19</a:t>
-            </a:r>
-          </a:p>
-        </p:txBody>
-      </p:sp>
-      <p:sp>
-        <p:nvSpPr>
           <p:cNvPr id="1048614" name="Google Shape;123;p16"/>
           <p:cNvSpPr txBox="1"/>
           <p:nvPr/>
@@ -31140,7 +30343,7 @@
             </a:pPr>
             <a:r>
               <a:rPr lang="en-US" sz="2000" dirty="0" smtClean="0"/>
-              <a:t>Can dependent on appearance of   paper</a:t>
+              <a:t>Depends on the appearance of   paper</a:t>
             </a:r>
             <a:endParaRPr lang="en-IN" sz="2000" dirty="0"/>
           </a:p>
@@ -31187,6 +30390,70 @@
           </a:prstGeom>
         </p:spPr>
       </p:pic>
+      <p:sp>
+        <p:nvSpPr>
+          <p:cNvPr id="8" name="Date Placeholder 7"/>
+          <p:cNvSpPr>
+            <a:spLocks noGrp="1"/>
+          </p:cNvSpPr>
+          <p:nvPr>
+            <p:ph type="dt" idx="10"/>
+          </p:nvPr>
+        </p:nvSpPr>
+        <p:spPr/>
+        <p:txBody>
+          <a:bodyPr/>
+          <a:lstStyle/>
+          <a:p>
+            <a:fld id="{7E85CAA7-7512-45B2-A938-2443430CF990}" type="datetime3">
+              <a:rPr lang="en-US" smtClean="0"/>
+              <a:t>3 November 2019</a:t>
+            </a:fld>
+            <a:endParaRPr lang="en-US"/>
+          </a:p>
+        </p:txBody>
+      </p:sp>
+      <p:sp>
+        <p:nvSpPr>
+          <p:cNvPr id="9" name="Slide Number Placeholder 8"/>
+          <p:cNvSpPr>
+            <a:spLocks noGrp="1"/>
+          </p:cNvSpPr>
+          <p:nvPr>
+            <p:ph type="sldNum" idx="12"/>
+          </p:nvPr>
+        </p:nvSpPr>
+        <p:spPr/>
+        <p:txBody>
+          <a:bodyPr/>
+          <a:lstStyle/>
+          <a:p>
+            <a:pPr marL="0" lvl="0" indent="0" algn="r" rtl="0">
+              <a:spcBef>
+                <a:spcPts val="0"/>
+              </a:spcBef>
+              <a:spcAft>
+                <a:spcPts val="0"/>
+              </a:spcAft>
+              <a:buNone/>
+            </a:pPr>
+            <a:fld id="{00000000-1234-1234-1234-123412341234}" type="slidenum">
+              <a:rPr lang="en-US" smtClean="0"/>
+              <a:pPr marL="0" lvl="0" indent="0" algn="r" rtl="0">
+                <a:spcBef>
+                  <a:spcPts val="0"/>
+                </a:spcBef>
+                <a:spcAft>
+                  <a:spcPts val="0"/>
+                </a:spcAft>
+                <a:buNone/>
+              </a:pPr>
+              <a:t>6</a:t>
+            </a:fld>
+            <a:endParaRPr lang="en-US"/>
+          </a:p>
+        </p:txBody>
+      </p:sp>
     </p:spTree>
     <p:extLst>
       <p:ext uri="{BB962C8B-B14F-4D97-AF65-F5344CB8AC3E}">
@@ -31487,72 +30754,6 @@
       </p:sp>
       <p:sp>
         <p:nvSpPr>
-          <p:cNvPr id="1048613" name="Google Shape;122;p16"/>
-          <p:cNvSpPr txBox="1"/>
-          <p:nvPr/>
-        </p:nvSpPr>
-        <p:spPr>
-          <a:xfrm>
-            <a:off x="457200" y="6356350"/>
-            <a:ext cx="2133600" cy="365125"/>
-          </a:xfrm>
-          <a:prstGeom prst="rect">
-            <a:avLst/>
-          </a:prstGeom>
-          <a:noFill/>
-          <a:ln>
-            <a:noFill/>
-          </a:ln>
-        </p:spPr>
-        <p:txBody>
-          <a:bodyPr spcFirstLastPara="1" wrap="square" lIns="90000" tIns="46800" rIns="90000" bIns="46800" anchor="ctr" anchorCtr="0">
-            <a:noAutofit/>
-          </a:bodyPr>
-          <a:lstStyle/>
-          <a:p>
-            <a:pPr marL="0" marR="0" lvl="0" indent="0" algn="l" rtl="0">
-              <a:lnSpc>
-                <a:spcPct val="100000"/>
-              </a:lnSpc>
-              <a:spcBef>
-                <a:spcPts val="0"/>
-              </a:spcBef>
-              <a:spcAft>
-                <a:spcPts val="0"/>
-              </a:spcAft>
-              <a:buClr>
-                <a:srgbClr val="000000"/>
-              </a:buClr>
-              <a:buSzPts val="1200"/>
-              <a:buFont typeface="Times New Roman"/>
-              <a:buNone/>
-            </a:pPr>
-            <a:r>
-              <a:rPr lang="en-US" sz="1200" b="0" i="0" u="none" smtClean="0">
-                <a:solidFill>
-                  <a:srgbClr val="898989"/>
-                </a:solidFill>
-                <a:latin typeface="Calibri"/>
-                <a:ea typeface="Calibri"/>
-                <a:cs typeface="Calibri"/>
-                <a:sym typeface="Calibri"/>
-              </a:rPr>
-              <a:t>21/10/19</a:t>
-            </a:r>
-            <a:endParaRPr lang="en-US" sz="1200" b="0" i="0" u="none">
-              <a:solidFill>
-                <a:srgbClr val="898989"/>
-              </a:solidFill>
-              <a:latin typeface="Calibri"/>
-              <a:ea typeface="Calibri"/>
-              <a:cs typeface="Calibri"/>
-              <a:sym typeface="Calibri"/>
-            </a:endParaRPr>
-          </a:p>
-        </p:txBody>
-      </p:sp>
-      <p:sp>
-        <p:nvSpPr>
           <p:cNvPr id="1048614" name="Google Shape;123;p16"/>
           <p:cNvSpPr txBox="1"/>
           <p:nvPr/>
@@ -32226,6 +31427,70 @@
               </a:rPr>
               <a:t>Saxena,2017</a:t>
             </a:r>
+          </a:p>
+        </p:txBody>
+      </p:sp>
+      <p:sp>
+        <p:nvSpPr>
+          <p:cNvPr id="4" name="Date Placeholder 3"/>
+          <p:cNvSpPr>
+            <a:spLocks noGrp="1"/>
+          </p:cNvSpPr>
+          <p:nvPr>
+            <p:ph type="dt" idx="10"/>
+          </p:nvPr>
+        </p:nvSpPr>
+        <p:spPr/>
+        <p:txBody>
+          <a:bodyPr/>
+          <a:lstStyle/>
+          <a:p>
+            <a:fld id="{C0B57DA4-E8DE-4EAA-B191-3A0B53F753BD}" type="datetime3">
+              <a:rPr lang="en-US" smtClean="0"/>
+              <a:t>3 November 2019</a:t>
+            </a:fld>
+            <a:endParaRPr lang="en-US"/>
+          </a:p>
+        </p:txBody>
+      </p:sp>
+      <p:sp>
+        <p:nvSpPr>
+          <p:cNvPr id="5" name="Slide Number Placeholder 4"/>
+          <p:cNvSpPr>
+            <a:spLocks noGrp="1"/>
+          </p:cNvSpPr>
+          <p:nvPr>
+            <p:ph type="sldNum" idx="12"/>
+          </p:nvPr>
+        </p:nvSpPr>
+        <p:spPr/>
+        <p:txBody>
+          <a:bodyPr/>
+          <a:lstStyle/>
+          <a:p>
+            <a:pPr marL="0" lvl="0" indent="0" algn="r" rtl="0">
+              <a:spcBef>
+                <a:spcPts val="0"/>
+              </a:spcBef>
+              <a:spcAft>
+                <a:spcPts val="0"/>
+              </a:spcAft>
+              <a:buNone/>
+            </a:pPr>
+            <a:fld id="{00000000-1234-1234-1234-123412341234}" type="slidenum">
+              <a:rPr lang="en-US" smtClean="0"/>
+              <a:pPr marL="0" lvl="0" indent="0" algn="r" rtl="0">
+                <a:spcBef>
+                  <a:spcPts val="0"/>
+                </a:spcBef>
+                <a:spcAft>
+                  <a:spcPts val="0"/>
+                </a:spcAft>
+                <a:buNone/>
+              </a:pPr>
+              <a:t>7</a:t>
+            </a:fld>
+            <a:endParaRPr lang="en-US"/>
           </a:p>
         </p:txBody>
       </p:sp>
@@ -32994,40 +32259,65 @@
       </p:sp>
       <p:sp>
         <p:nvSpPr>
-          <p:cNvPr id="4" name="Rectangle 3"/>
-          <p:cNvSpPr/>
-          <p:nvPr/>
+          <p:cNvPr id="5" name="Date Placeholder 4"/>
+          <p:cNvSpPr>
+            <a:spLocks noGrp="1"/>
+          </p:cNvSpPr>
+          <p:nvPr>
+            <p:ph type="dt" idx="10"/>
+          </p:nvPr>
         </p:nvSpPr>
-        <p:spPr>
-          <a:xfrm>
-            <a:off x="349250" y="6336139"/>
-            <a:ext cx="870751" cy="307777"/>
-          </a:xfrm>
-          <a:prstGeom prst="rect">
-            <a:avLst/>
-          </a:prstGeom>
-        </p:spPr>
+        <p:spPr/>
         <p:txBody>
-          <a:bodyPr wrap="none">
-            <a:spAutoFit/>
-          </a:bodyPr>
+          <a:bodyPr/>
           <a:lstStyle/>
           <a:p>
-            <a:pPr lvl="0">
-              <a:buSzPts val="1200"/>
+            <a:fld id="{C26AAB07-DBDA-453E-A3A9-EB1F7B93BFA1}" type="datetime3">
+              <a:rPr lang="en-US" smtClean="0"/>
+              <a:t>3 November 2019</a:t>
+            </a:fld>
+            <a:endParaRPr lang="en-US"/>
+          </a:p>
+        </p:txBody>
+      </p:sp>
+      <p:sp>
+        <p:nvSpPr>
+          <p:cNvPr id="6" name="Slide Number Placeholder 5"/>
+          <p:cNvSpPr>
+            <a:spLocks noGrp="1"/>
+          </p:cNvSpPr>
+          <p:nvPr>
+            <p:ph type="sldNum" idx="12"/>
+          </p:nvPr>
+        </p:nvSpPr>
+        <p:spPr/>
+        <p:txBody>
+          <a:bodyPr/>
+          <a:lstStyle/>
+          <a:p>
+            <a:pPr marL="0" lvl="0" indent="0" algn="r" rtl="0">
+              <a:spcBef>
+                <a:spcPts val="0"/>
+              </a:spcBef>
+              <a:spcAft>
+                <a:spcPts val="0"/>
+              </a:spcAft>
+              <a:buNone/>
             </a:pPr>
-            <a:r>
-              <a:rPr lang="en-US" dirty="0">
-                <a:solidFill>
-                  <a:srgbClr val="898989"/>
-                </a:solidFill>
-                <a:latin typeface="Calibri"/>
-                <a:ea typeface="Calibri"/>
-                <a:cs typeface="Calibri"/>
-                <a:sym typeface="Calibri"/>
-              </a:rPr>
-              <a:t>21/10/19</a:t>
-            </a:r>
+            <a:fld id="{00000000-1234-1234-1234-123412341234}" type="slidenum">
+              <a:rPr lang="en-US" smtClean="0"/>
+              <a:pPr marL="0" lvl="0" indent="0" algn="r" rtl="0">
+                <a:spcBef>
+                  <a:spcPts val="0"/>
+                </a:spcBef>
+                <a:spcAft>
+                  <a:spcPts val="0"/>
+                </a:spcAft>
+                <a:buNone/>
+              </a:pPr>
+              <a:t>8</a:t>
+            </a:fld>
+            <a:endParaRPr lang="en-US"/>
           </a:p>
         </p:txBody>
       </p:sp>
@@ -33548,7 +32838,14 @@
                 <a:latin typeface="Times New Roman" pitchFamily="18" charset="0"/>
                 <a:cs typeface="Times New Roman" pitchFamily="18" charset="0"/>
               </a:rPr>
-              <a:t>Identifies text area</a:t>
+              <a:t>Identifies text </a:t>
+            </a:r>
+            <a:r>
+              <a:rPr lang="en-GB" sz="2800" dirty="0" smtClean="0">
+                <a:latin typeface="Times New Roman" pitchFamily="18" charset="0"/>
+                <a:cs typeface="Times New Roman" pitchFamily="18" charset="0"/>
+              </a:rPr>
+              <a:t>area using Rough set theory.</a:t>
             </a:r>
             <a:endParaRPr lang="en-GB" sz="2800" b="1" dirty="0">
               <a:latin typeface="Times New Roman" pitchFamily="18" charset="0"/>
@@ -33572,7 +32869,28 @@
                 <a:latin typeface="Times New Roman" pitchFamily="18" charset="0"/>
                 <a:cs typeface="Times New Roman" pitchFamily="18" charset="0"/>
               </a:rPr>
-              <a:t>Takes care of false positives and negatives based on intensity values of pre-processed and grey image</a:t>
+              <a:t>Takes care of false positives and negatives based on intensity values of pre-processed and </a:t>
+            </a:r>
+            <a:r>
+              <a:rPr lang="en-GB" sz="2800" dirty="0" err="1" smtClean="0">
+                <a:latin typeface="Times New Roman" pitchFamily="18" charset="0"/>
+                <a:cs typeface="Times New Roman" pitchFamily="18" charset="0"/>
+              </a:rPr>
+              <a:t>gray</a:t>
+            </a:r>
+            <a:r>
+              <a:rPr lang="en-GB" sz="2800" dirty="0" smtClean="0">
+                <a:latin typeface="Times New Roman" pitchFamily="18" charset="0"/>
+                <a:cs typeface="Times New Roman" pitchFamily="18" charset="0"/>
+              </a:rPr>
+              <a:t> </a:t>
+            </a:r>
+            <a:r>
+              <a:rPr lang="en-GB" sz="2800" dirty="0">
+                <a:latin typeface="Times New Roman" pitchFamily="18" charset="0"/>
+                <a:cs typeface="Times New Roman" pitchFamily="18" charset="0"/>
+              </a:rPr>
+              <a:t>image</a:t>
             </a:r>
           </a:p>
           <a:p>
@@ -33580,45 +32898,6 @@
               <a:latin typeface="Times New Roman" pitchFamily="18" charset="0"/>
               <a:cs typeface="Times New Roman" pitchFamily="18" charset="0"/>
             </a:endParaRPr>
-          </a:p>
-        </p:txBody>
-      </p:sp>
-      <p:sp>
-        <p:nvSpPr>
-          <p:cNvPr id="4" name="Rectangle 3"/>
-          <p:cNvSpPr/>
-          <p:nvPr/>
-        </p:nvSpPr>
-        <p:spPr>
-          <a:xfrm>
-            <a:off x="349250" y="6336139"/>
-            <a:ext cx="870751" cy="307777"/>
-          </a:xfrm>
-          <a:prstGeom prst="rect">
-            <a:avLst/>
-          </a:prstGeom>
-        </p:spPr>
-        <p:txBody>
-          <a:bodyPr wrap="none">
-            <a:spAutoFit/>
-          </a:bodyPr>
-          <a:lstStyle/>
-          <a:p>
-            <a:pPr lvl="0">
-              <a:buSzPts val="1200"/>
-            </a:pPr>
-            <a:r>
-              <a:rPr lang="en-US" dirty="0">
-                <a:solidFill>
-                  <a:srgbClr val="898989"/>
-                </a:solidFill>
-                <a:latin typeface="Calibri"/>
-                <a:ea typeface="Calibri"/>
-                <a:cs typeface="Calibri"/>
-                <a:sym typeface="Calibri"/>
-              </a:rPr>
-              <a:t>21/10/19</a:t>
-            </a:r>
           </a:p>
         </p:txBody>
       </p:sp>
@@ -33638,6 +32917,70 @@
           <a:lstStyle/>
           <a:p>
             <a:endParaRPr lang="en-IN"/>
+          </a:p>
+        </p:txBody>
+      </p:sp>
+      <p:sp>
+        <p:nvSpPr>
+          <p:cNvPr id="2" name="Date Placeholder 1"/>
+          <p:cNvSpPr>
+            <a:spLocks noGrp="1"/>
+          </p:cNvSpPr>
+          <p:nvPr>
+            <p:ph type="dt" idx="10"/>
+          </p:nvPr>
+        </p:nvSpPr>
+        <p:spPr/>
+        <p:txBody>
+          <a:bodyPr/>
+          <a:lstStyle/>
+          <a:p>
+            <a:fld id="{4A6208E0-C723-4377-9D35-9C35D5C8C3CD}" type="datetime3">
+              <a:rPr lang="en-US" smtClean="0"/>
+              <a:t>3 November 2019</a:t>
+            </a:fld>
+            <a:endParaRPr lang="en-US"/>
+          </a:p>
+        </p:txBody>
+      </p:sp>
+      <p:sp>
+        <p:nvSpPr>
+          <p:cNvPr id="6" name="Slide Number Placeholder 5"/>
+          <p:cNvSpPr>
+            <a:spLocks noGrp="1"/>
+          </p:cNvSpPr>
+          <p:nvPr>
+            <p:ph type="sldNum" idx="12"/>
+          </p:nvPr>
+        </p:nvSpPr>
+        <p:spPr/>
+        <p:txBody>
+          <a:bodyPr/>
+          <a:lstStyle/>
+          <a:p>
+            <a:pPr marL="0" lvl="0" indent="0" algn="r" rtl="0">
+              <a:spcBef>
+                <a:spcPts val="0"/>
+              </a:spcBef>
+              <a:spcAft>
+                <a:spcPts val="0"/>
+              </a:spcAft>
+              <a:buNone/>
+            </a:pPr>
+            <a:fld id="{00000000-1234-1234-1234-123412341234}" type="slidenum">
+              <a:rPr lang="en-US" smtClean="0"/>
+              <a:pPr marL="0" lvl="0" indent="0" algn="r" rtl="0">
+                <a:spcBef>
+                  <a:spcPts val="0"/>
+                </a:spcBef>
+                <a:spcAft>
+                  <a:spcPts val="0"/>
+                </a:spcAft>
+                <a:buNone/>
+              </a:pPr>
+              <a:t>9</a:t>
+            </a:fld>
+            <a:endParaRPr lang="en-US"/>
           </a:p>
         </p:txBody>
       </p:sp>

--- a/DP G7 first review.pptx
+++ b/DP G7 first review.pptx
@@ -6048,7 +6048,7 @@
           <a:p>
             <a:fld id="{CA77355A-CDF6-45F5-9067-08486AD388CA}" type="datetime3">
               <a:rPr lang="en-US" smtClean="0"/>
-              <a:t>3 November 2019</a:t>
+              <a:t>4 November 2019</a:t>
             </a:fld>
             <a:endParaRPr lang="en-US" dirty="0"/>
           </a:p>
@@ -6856,7 +6856,7 @@
           <a:p>
             <a:fld id="{895E4BF6-3236-4F20-BC61-A52842CDC595}" type="datetime3">
               <a:rPr lang="en-US" smtClean="0"/>
-              <a:t>3 November 2019</a:t>
+              <a:t>4 November 2019</a:t>
             </a:fld>
             <a:endParaRPr/>
           </a:p>
@@ -7657,7 +7657,7 @@
           <a:p>
             <a:fld id="{AFAD8396-2223-4CBB-8591-C6A4438DC666}" type="datetime3">
               <a:rPr lang="en-US" smtClean="0"/>
-              <a:t>3 November 2019</a:t>
+              <a:t>4 November 2019</a:t>
             </a:fld>
             <a:endParaRPr lang="en-US" dirty="0"/>
           </a:p>
@@ -8475,7 +8475,7 @@
           <a:p>
             <a:fld id="{597577CD-56BE-41E2-8600-5FF6D6095FAA}" type="datetime3">
               <a:rPr lang="en-US" smtClean="0"/>
-              <a:t>3 November 2019</a:t>
+              <a:t>4 November 2019</a:t>
             </a:fld>
             <a:endParaRPr/>
           </a:p>
@@ -9415,7 +9415,7 @@
           <a:p>
             <a:fld id="{7A68FDA2-5682-423A-A6CA-91954B576764}" type="datetime3">
               <a:rPr lang="en-US" smtClean="0"/>
-              <a:t>3 November 2019</a:t>
+              <a:t>4 November 2019</a:t>
             </a:fld>
             <a:endParaRPr/>
           </a:p>
@@ -10651,7 +10651,7 @@
           <a:p>
             <a:fld id="{3AF43FC8-A6B7-4077-B8EB-9A9949DB7CFC}" type="datetime3">
               <a:rPr lang="en-US" smtClean="0"/>
-              <a:t>3 November 2019</a:t>
+              <a:t>4 November 2019</a:t>
             </a:fld>
             <a:endParaRPr lang="en-US" dirty="0"/>
           </a:p>
@@ -11320,7 +11320,7 @@
           <a:p>
             <a:fld id="{F873FC8E-66C1-4C64-96B2-43031A268553}" type="datetime3">
               <a:rPr lang="en-US" smtClean="0"/>
-              <a:t>3 November 2019</a:t>
+              <a:t>4 November 2019</a:t>
             </a:fld>
             <a:endParaRPr/>
           </a:p>
@@ -12279,7 +12279,7 @@
           <a:p>
             <a:fld id="{1BB14D0D-6B22-4DF0-AC2C-CF9A40D5CD5A}" type="datetime3">
               <a:rPr lang="en-US" smtClean="0"/>
-              <a:t>3 November 2019</a:t>
+              <a:t>4 November 2019</a:t>
             </a:fld>
             <a:endParaRPr/>
           </a:p>
@@ -13302,7 +13302,7 @@
           <a:p>
             <a:fld id="{ECEA2333-3405-4BF2-A3BC-C329249A01E4}" type="datetime3">
               <a:rPr lang="en-US" smtClean="0"/>
-              <a:t>3 November 2019</a:t>
+              <a:t>4 November 2019</a:t>
             </a:fld>
             <a:endParaRPr/>
           </a:p>
@@ -14103,7 +14103,7 @@
           <a:p>
             <a:fld id="{283CB40A-1FE2-467F-8F9F-3EAA214A62E8}" type="datetime3">
               <a:rPr lang="en-US" smtClean="0"/>
-              <a:t>3 November 2019</a:t>
+              <a:t>4 November 2019</a:t>
             </a:fld>
             <a:endParaRPr/>
           </a:p>
@@ -15054,7 +15054,7 @@
           <a:p>
             <a:fld id="{76947066-6D15-4163-8FFA-35EF1207870D}" type="datetime3">
               <a:rPr lang="en-US" smtClean="0"/>
-              <a:t>3 November 2019</a:t>
+              <a:t>4 November 2019</a:t>
             </a:fld>
             <a:endParaRPr/>
           </a:p>
@@ -16899,7 +16899,7 @@
           <a:p>
             <a:fld id="{36EA19C1-9E89-4471-9C20-66AF91AE2279}" type="datetime3">
               <a:rPr lang="en-US" smtClean="0"/>
-              <a:t>3 November 2019</a:t>
+              <a:t>4 November 2019</a:t>
             </a:fld>
             <a:endParaRPr lang="en-US" dirty="0"/>
           </a:p>
@@ -17280,7 +17280,7 @@
           <a:p>
             <a:fld id="{77A50DEA-F9E7-43E0-A9AF-B25A651942E5}" type="datetime3">
               <a:rPr lang="en-US" smtClean="0"/>
-              <a:t>3 November 2019</a:t>
+              <a:t>4 November 2019</a:t>
             </a:fld>
             <a:endParaRPr lang="en-US"/>
           </a:p>
@@ -18012,7 +18012,7 @@
           <a:p>
             <a:fld id="{3333FE81-FA28-4D02-B46A-0D6A6DA33FCC}" type="datetime3">
               <a:rPr lang="en-US" smtClean="0"/>
-              <a:t>3 November 2019</a:t>
+              <a:t>4 November 2019</a:t>
             </a:fld>
             <a:endParaRPr lang="en-US"/>
           </a:p>
@@ -18473,7 +18473,7 @@
           <a:p>
             <a:fld id="{5672B7DF-D12F-45D7-BB48-FB220F89D4BC}" type="datetime3">
               <a:rPr lang="en-US" smtClean="0"/>
-              <a:t>3 November 2019</a:t>
+              <a:t>4 November 2019</a:t>
             </a:fld>
             <a:endParaRPr lang="en-US"/>
           </a:p>
@@ -19144,7 +19144,7 @@
           <a:p>
             <a:fld id="{5FC592C2-BFFD-49BE-BA0D-20632B6244C9}" type="datetime3">
               <a:rPr lang="en-US" smtClean="0"/>
-              <a:t>3 November 2019</a:t>
+              <a:t>4 November 2019</a:t>
             </a:fld>
             <a:endParaRPr lang="en-US"/>
           </a:p>
@@ -19523,7 +19523,7 @@
           <a:p>
             <a:fld id="{F5BFABCB-F89A-44F1-BBF1-CB88B8B51F8A}" type="datetime3">
               <a:rPr lang="en-US" smtClean="0"/>
-              <a:t>3 November 2019</a:t>
+              <a:t>4 November 2019</a:t>
             </a:fld>
             <a:endParaRPr lang="en-US"/>
           </a:p>
@@ -19701,7 +19701,7 @@
           <p:nvPr>
             <p:extLst>
               <p:ext uri="{D42A27DB-BD31-4B8C-83A1-F6EECF244321}">
-                <p14:modId xmlns:p14="http://schemas.microsoft.com/office/powerpoint/2010/main" val="1507492500"/>
+                <p14:modId xmlns:p14="http://schemas.microsoft.com/office/powerpoint/2010/main" val="716149124"/>
               </p:ext>
             </p:extLst>
           </p:nvPr>
@@ -20260,7 +20260,11 @@
                     <a:p>
                       <a:r>
                         <a:rPr lang="en-IN" dirty="0" smtClean="0"/>
-                        <a:t>PCA based conversion,</a:t>
+                        <a:t>(Principle Component Analysis)PCA </a:t>
+                      </a:r>
+                      <a:r>
+                        <a:rPr lang="en-IN" dirty="0" smtClean="0"/>
+                        <a:t>based conversion,</a:t>
                       </a:r>
                       <a:r>
                         <a:rPr lang="en-US" sz="1400" b="0" i="0" u="none" strike="noStrike" cap="none" baseline="0" dirty="0" smtClean="0">
@@ -20603,7 +20607,7 @@
           <a:p>
             <a:fld id="{C27A11A5-CAAE-4D21-8063-C2C60687B336}" type="datetime3">
               <a:rPr lang="en-US" smtClean="0"/>
-              <a:t>3 November 2019</a:t>
+              <a:t>4 November 2019</a:t>
             </a:fld>
             <a:endParaRPr lang="en-US"/>
           </a:p>
@@ -21021,7 +21025,7 @@
           <a:p>
             <a:fld id="{77437861-C84C-4E22-8E85-BBBE4511BE06}" type="datetime3">
               <a:rPr lang="en-US" smtClean="0"/>
-              <a:t>3 November 2019</a:t>
+              <a:t>4 November 2019</a:t>
             </a:fld>
             <a:endParaRPr lang="en-US"/>
           </a:p>
@@ -21604,7 +21608,7 @@
           <a:p>
             <a:fld id="{49C48D3B-3366-4BB3-AD17-4C64169AC28A}" type="datetime3">
               <a:rPr lang="en-US" smtClean="0"/>
-              <a:t>3 November 2019</a:t>
+              <a:t>4 November 2019</a:t>
             </a:fld>
             <a:endParaRPr lang="en-US"/>
           </a:p>
@@ -22268,7 +22272,7 @@
           <a:p>
             <a:fld id="{AEE6E30B-C4BA-443A-AEB9-DDC09A393636}" type="datetime3">
               <a:rPr lang="en-US" smtClean="0"/>
-              <a:t>3 November 2019</a:t>
+              <a:t>4 November 2019</a:t>
             </a:fld>
             <a:endParaRPr lang="en-US"/>
           </a:p>
@@ -23054,7 +23058,7 @@
           <a:p>
             <a:fld id="{B2445BDE-C72B-4D19-B26F-93A9FAD82915}" type="datetime3">
               <a:rPr lang="en-US" smtClean="0"/>
-              <a:t>3 November 2019</a:t>
+              <a:t>4 November 2019</a:t>
             </a:fld>
             <a:endParaRPr lang="en-US"/>
           </a:p>
@@ -23622,7 +23626,7 @@
           <a:p>
             <a:fld id="{F49A5D00-B4A5-4073-A7DB-199A761D72D9}" type="datetime3">
               <a:rPr lang="en-US" smtClean="0"/>
-              <a:t>3 November 2019</a:t>
+              <a:t>4 November 2019</a:t>
             </a:fld>
             <a:endParaRPr lang="en-US" dirty="0"/>
           </a:p>
@@ -24483,7 +24487,7 @@
           <a:p>
             <a:fld id="{E06D3865-B46B-4E40-82B1-F0E76A5637BF}" type="datetime3">
               <a:rPr lang="en-US" smtClean="0"/>
-              <a:t>3 November 2019</a:t>
+              <a:t>4 November 2019</a:t>
             </a:fld>
             <a:endParaRPr lang="en-US"/>
           </a:p>
@@ -24770,7 +24774,34 @@
                 </a:solidFill>
                 <a:sym typeface="Arial"/>
               </a:rPr>
-              <a:t>Then we compare the formed sentence using </a:t>
+              <a:t>Then we compare the </a:t>
+            </a:r>
+            <a:r>
+              <a:rPr lang="en-IN" sz="2000" smtClean="0">
+                <a:solidFill>
+                  <a:schemeClr val="tx1"/>
+                </a:solidFill>
+                <a:sym typeface="Arial"/>
+              </a:rPr>
+              <a:t>formed </a:t>
+            </a:r>
+            <a:r>
+              <a:rPr lang="en-IN" sz="2000" smtClean="0">
+                <a:solidFill>
+                  <a:schemeClr val="tx1"/>
+                </a:solidFill>
+                <a:sym typeface="Arial"/>
+              </a:rPr>
+              <a:t>sentence/figure </a:t>
+            </a:r>
+            <a:r>
+              <a:rPr lang="en-IN" sz="2000" dirty="0" smtClean="0">
+                <a:solidFill>
+                  <a:schemeClr val="tx1"/>
+                </a:solidFill>
+                <a:sym typeface="Arial"/>
+              </a:rPr>
+              <a:t>using </a:t>
             </a:r>
             <a:r>
               <a:rPr lang="en-IN" sz="2000" dirty="0">
@@ -25005,7 +25036,7 @@
           <a:p>
             <a:fld id="{62720F32-C5B4-404F-AFAF-5A8D3DECA98E}" type="datetime3">
               <a:rPr lang="en-US" smtClean="0"/>
-              <a:t>3 November 2019</a:t>
+              <a:t>4 November 2019</a:t>
             </a:fld>
             <a:endParaRPr lang="en-US"/>
           </a:p>
@@ -25182,13 +25213,6 @@
               </a:rPr>
               <a:t>High accuracy (up to 80%)</a:t>
             </a:r>
-            <a:endParaRPr lang="en-GB" sz="2400" dirty="0" smtClean="0">
-              <a:solidFill>
-                <a:schemeClr val="tx1"/>
-              </a:solidFill>
-              <a:latin typeface="Times New Roman" pitchFamily="18" charset="0"/>
-              <a:cs typeface="Times New Roman" pitchFamily="18" charset="0"/>
-            </a:endParaRPr>
           </a:p>
           <a:p>
             <a:pPr marL="685800" indent="-457200">
@@ -25414,7 +25438,7 @@
           <a:p>
             <a:fld id="{3E382018-C0D2-4326-8A1B-6BF061EDEE51}" type="datetime3">
               <a:rPr lang="en-US" smtClean="0"/>
-              <a:t>3 November 2019</a:t>
+              <a:t>4 November 2019</a:t>
             </a:fld>
             <a:endParaRPr lang="en-US"/>
           </a:p>
@@ -25830,7 +25854,7 @@
           <a:p>
             <a:fld id="{9BD9AC9B-F205-4E72-B56B-0885BC4CD83A}" type="datetime3">
               <a:rPr lang="en-US" smtClean="0"/>
-              <a:t>3 November 2019</a:t>
+              <a:t>4 November 2019</a:t>
             </a:fld>
             <a:endParaRPr lang="en-US"/>
           </a:p>
@@ -26225,7 +26249,7 @@
           <a:p>
             <a:fld id="{847F2165-9123-48AB-9B03-84AC2DD746FC}" type="datetime3">
               <a:rPr lang="en-US" smtClean="0"/>
-              <a:t>3 November 2019</a:t>
+              <a:t>4 November 2019</a:t>
             </a:fld>
             <a:endParaRPr lang="en-US"/>
           </a:p>
@@ -26905,7 +26929,7 @@
           <a:p>
             <a:fld id="{84DB3B2C-B93E-4028-A7F4-BFA0FADEC1E0}" type="datetime3">
               <a:rPr lang="en-US" smtClean="0"/>
-              <a:t>3 November 2019</a:t>
+              <a:t>4 November 2019</a:t>
             </a:fld>
             <a:endParaRPr lang="en-US"/>
           </a:p>
@@ -27443,7 +27467,7 @@
           <a:p>
             <a:fld id="{21017919-209A-41D7-A8F8-F6B17EDC4C65}" type="datetime3">
               <a:rPr lang="en-US" smtClean="0"/>
-              <a:t>3 November 2019</a:t>
+              <a:t>4 November 2019</a:t>
             </a:fld>
             <a:endParaRPr lang="en-US"/>
           </a:p>
@@ -27905,7 +27929,7 @@
           <a:p>
             <a:fld id="{E7247257-A2D8-4E63-8B17-38F288972F72}" type="datetime3">
               <a:rPr lang="en-US" smtClean="0"/>
-              <a:t>3 November 2019</a:t>
+              <a:t>4 November 2019</a:t>
             </a:fld>
             <a:endParaRPr lang="en-US" dirty="0"/>
           </a:p>
@@ -28940,7 +28964,7 @@
           <a:p>
             <a:fld id="{27416F2C-E573-4604-9B91-5FC367FF96CF}" type="datetime3">
               <a:rPr lang="en-US" smtClean="0"/>
-              <a:t>3 November 2019</a:t>
+              <a:t>4 November 2019</a:t>
             </a:fld>
             <a:endParaRPr lang="en-US"/>
           </a:p>
@@ -29591,7 +29615,7 @@
           <a:p>
             <a:fld id="{3DA3A471-E122-4086-B3E2-73DA71C5385D}" type="datetime3">
               <a:rPr lang="en-US" smtClean="0"/>
-              <a:t>3 November 2019</a:t>
+              <a:t>4 November 2019</a:t>
             </a:fld>
             <a:endParaRPr lang="en-US"/>
           </a:p>
@@ -30407,7 +30431,7 @@
           <a:p>
             <a:fld id="{7E85CAA7-7512-45B2-A938-2443430CF990}" type="datetime3">
               <a:rPr lang="en-US" smtClean="0"/>
-              <a:t>3 November 2019</a:t>
+              <a:t>4 November 2019</a:t>
             </a:fld>
             <a:endParaRPr lang="en-US"/>
           </a:p>
@@ -31447,7 +31471,7 @@
           <a:p>
             <a:fld id="{C0B57DA4-E8DE-4EAA-B191-3A0B53F753BD}" type="datetime3">
               <a:rPr lang="en-US" smtClean="0"/>
-              <a:t>3 November 2019</a:t>
+              <a:t>4 November 2019</a:t>
             </a:fld>
             <a:endParaRPr lang="en-US"/>
           </a:p>
@@ -32274,7 +32298,7 @@
           <a:p>
             <a:fld id="{C26AAB07-DBDA-453E-A3A9-EB1F7B93BFA1}" type="datetime3">
               <a:rPr lang="en-US" smtClean="0"/>
-              <a:t>3 November 2019</a:t>
+              <a:t>4 November 2019</a:t>
             </a:fld>
             <a:endParaRPr lang="en-US"/>
           </a:p>
@@ -32937,7 +32961,7 @@
           <a:p>
             <a:fld id="{4A6208E0-C723-4377-9D35-9C35D5C8C3CD}" type="datetime3">
               <a:rPr lang="en-US" smtClean="0"/>
-              <a:t>3 November 2019</a:t>
+              <a:t>4 November 2019</a:t>
             </a:fld>
             <a:endParaRPr lang="en-US"/>
           </a:p>
